--- a/Task_Presentation.pptx
+++ b/Task_Presentation.pptx
@@ -9,9 +9,10 @@
     <p:sldId id="257" r:id="rId3"/>
     <p:sldId id="262" r:id="rId4"/>
     <p:sldId id="263" r:id="rId5"/>
-    <p:sldId id="261" r:id="rId6"/>
-    <p:sldId id="259" r:id="rId7"/>
-    <p:sldId id="258" r:id="rId8"/>
+    <p:sldId id="264" r:id="rId6"/>
+    <p:sldId id="261" r:id="rId7"/>
+    <p:sldId id="259" r:id="rId8"/>
+    <p:sldId id="258" r:id="rId9"/>
   </p:sldIdLst>
   <p:sldSz cx="12192000" cy="6858000"/>
   <p:notesSz cx="6858000" cy="9144000"/>
@@ -10163,7 +10164,7 @@
         </p:nvSpPr>
         <p:spPr>
           <a:xfrm>
-            <a:off x="266229" y="1870440"/>
+            <a:off x="1120604" y="2038391"/>
             <a:ext cx="9950791" cy="3108543"/>
           </a:xfrm>
           <a:prstGeom prst="rect">
@@ -10428,8 +10429,8 @@
         </p:nvSpPr>
         <p:spPr>
           <a:xfrm>
-            <a:off x="266229" y="1870440"/>
-            <a:ext cx="9950791" cy="3108543"/>
+            <a:off x="1120604" y="2085044"/>
+            <a:ext cx="9950791" cy="3539430"/>
           </a:xfrm>
           <a:prstGeom prst="rect">
             <a:avLst/>
@@ -10442,6 +10443,10 @@
           </a:bodyPr>
           <a:lstStyle/>
           <a:p>
+            <a:pPr marL="457200" indent="-457200">
+              <a:buFont typeface="Arial" panose="020B0604020202020204" pitchFamily="34" charset="0"/>
+              <a:buChar char="•"/>
+            </a:pPr>
             <a:r>
               <a:rPr kumimoji="0" lang="en-US" sz="2800" b="0" i="0" u="none" strike="noStrike" kern="1200" cap="none" spc="-120" normalizeH="0" baseline="0" noProof="0" dirty="0">
                 <a:ln>
@@ -10457,25 +10462,76 @@
                 <a:ea typeface="+mj-ea"/>
                 <a:cs typeface="+mj-cs"/>
               </a:rPr>
-              <a:t>The United </a:t>
+              <a:t>The United States Census Bureau leads the country’s Federal Statistical System</a:t>
             </a:r>
+            <a:endParaRPr kumimoji="0" lang="en-GB" sz="2800" b="0" i="0" u="none" strike="noStrike" kern="1200" cap="none" spc="-120" normalizeH="0" baseline="0" noProof="0" dirty="0">
+              <a:ln>
+                <a:noFill/>
+              </a:ln>
+              <a:solidFill>
+                <a:prstClr val="black"/>
+              </a:solidFill>
+              <a:effectLst/>
+              <a:uLnTx/>
+              <a:uFillTx/>
+              <a:latin typeface="Calibri Light" panose="020F0302020204030204"/>
+              <a:ea typeface="+mj-ea"/>
+              <a:cs typeface="+mj-cs"/>
+            </a:endParaRPr>
+          </a:p>
+          <a:p>
+            <a:pPr marL="457200" indent="-457200">
+              <a:buFont typeface="Arial" panose="020B0604020202020204" pitchFamily="34" charset="0"/>
+              <a:buChar char="•"/>
+            </a:pPr>
             <a:r>
-              <a:rPr kumimoji="0" lang="en-US" sz="2800" b="0" i="0" u="none" strike="noStrike" kern="1200" cap="none" spc="-120" normalizeH="0" baseline="0" noProof="0">
-                <a:ln>
-                  <a:noFill/>
-                </a:ln>
+              <a:rPr lang="en-GB" sz="2800" spc="-120" dirty="0">
                 <a:solidFill>
                   <a:prstClr val="black"/>
                 </a:solidFill>
-                <a:effectLst/>
-                <a:uLnTx/>
-                <a:uFillTx/>
                 <a:latin typeface="Calibri Light" panose="020F0302020204030204"/>
                 <a:ea typeface="+mj-ea"/>
                 <a:cs typeface="+mj-cs"/>
               </a:rPr>
-              <a:t>States Census </a:t>
+              <a:t>Responsible for collecting data every 10 years upon the American people and economy to help inform strategic initiatives</a:t>
             </a:r>
+          </a:p>
+          <a:p>
+            <a:pPr marL="457200" indent="-457200">
+              <a:buFont typeface="Arial" panose="020B0604020202020204" pitchFamily="34" charset="0"/>
+              <a:buChar char="•"/>
+            </a:pPr>
+            <a:r>
+              <a:rPr lang="en-GB" sz="2800" spc="-120" dirty="0">
+                <a:solidFill>
+                  <a:prstClr val="black"/>
+                </a:solidFill>
+                <a:latin typeface="Calibri Light" panose="020F0302020204030204"/>
+                <a:ea typeface="+mj-ea"/>
+                <a:cs typeface="+mj-cs"/>
+              </a:rPr>
+              <a:t>The data is also used for examining the demographic characteristics of population.</a:t>
+            </a:r>
+          </a:p>
+          <a:p>
+            <a:pPr marL="457200" indent="-457200">
+              <a:buFont typeface="Arial" panose="020B0604020202020204" pitchFamily="34" charset="0"/>
+              <a:buChar char="•"/>
+            </a:pPr>
+            <a:endParaRPr lang="en-GB" sz="2800" spc="-120" dirty="0">
+              <a:solidFill>
+                <a:prstClr val="black"/>
+              </a:solidFill>
+              <a:latin typeface="Calibri Light" panose="020F0302020204030204"/>
+              <a:ea typeface="+mj-ea"/>
+              <a:cs typeface="+mj-cs"/>
+            </a:endParaRPr>
+          </a:p>
+          <a:p>
+            <a:pPr marL="457200" indent="-457200">
+              <a:buFont typeface="Arial" panose="020B0604020202020204" pitchFamily="34" charset="0"/>
+              <a:buChar char="•"/>
+            </a:pPr>
             <a:endParaRPr kumimoji="0" lang="en-US" sz="2800" b="0" i="0" u="none" strike="noStrike" kern="1200" cap="none" spc="-120" normalizeH="0" baseline="0" noProof="0" dirty="0">
               <a:ln>
                 <a:noFill/>
@@ -10490,84 +10546,6 @@
               <a:ea typeface="+mj-ea"/>
               <a:cs typeface="+mj-cs"/>
             </a:endParaRPr>
-          </a:p>
-          <a:p>
-            <a:r>
-              <a:rPr lang="en-US" sz="2800" spc="-120" noProof="0" dirty="0">
-                <a:solidFill>
-                  <a:prstClr val="black"/>
-                </a:solidFill>
-                <a:latin typeface="Calibri Light" panose="020F0302020204030204"/>
-                <a:ea typeface="+mj-ea"/>
-                <a:cs typeface="+mj-cs"/>
-              </a:rPr>
-              <a:t>	Identifying characteristics that are associated with a person making more or less than $50,000 per year.</a:t>
-            </a:r>
-          </a:p>
-          <a:p>
-            <a:endParaRPr lang="en-US" sz="2800" spc="-120" dirty="0">
-              <a:solidFill>
-                <a:prstClr val="black"/>
-              </a:solidFill>
-              <a:latin typeface="Calibri Light" panose="020F0302020204030204"/>
-              <a:ea typeface="+mj-ea"/>
-              <a:cs typeface="+mj-cs"/>
-            </a:endParaRPr>
-          </a:p>
-          <a:p>
-            <a:r>
-              <a:rPr lang="en-US" sz="2800" spc="-120" noProof="0" dirty="0">
-                <a:solidFill>
-                  <a:prstClr val="black"/>
-                </a:solidFill>
-                <a:latin typeface="Calibri Light" panose="020F0302020204030204"/>
-                <a:ea typeface="+mj-ea"/>
-                <a:cs typeface="+mj-cs"/>
-              </a:rPr>
-              <a:t>The Data:</a:t>
-            </a:r>
-          </a:p>
-          <a:p>
-            <a:r>
-              <a:rPr lang="en-US" sz="2800" spc="-120" dirty="0">
-                <a:solidFill>
-                  <a:prstClr val="black"/>
-                </a:solidFill>
-                <a:latin typeface="Calibri Light" panose="020F0302020204030204"/>
-                <a:ea typeface="+mj-ea"/>
-                <a:cs typeface="+mj-cs"/>
-              </a:rPr>
-              <a:t>	</a:t>
-            </a:r>
-            <a:r>
-              <a:rPr lang="en-US" sz="2800" spc="-120" noProof="0" dirty="0">
-                <a:solidFill>
-                  <a:prstClr val="black"/>
-                </a:solidFill>
-                <a:latin typeface="Calibri Light" panose="020F0302020204030204"/>
-                <a:ea typeface="+mj-ea"/>
-                <a:cs typeface="+mj-cs"/>
-              </a:rPr>
-              <a:t> </a:t>
-            </a:r>
-            <a:r>
-              <a:rPr kumimoji="0" lang="en-US" sz="2800" b="0" i="0" u="none" strike="noStrike" kern="1200" cap="none" spc="-120" normalizeH="0" baseline="0" noProof="0" dirty="0">
-                <a:ln>
-                  <a:noFill/>
-                </a:ln>
-                <a:solidFill>
-                  <a:prstClr val="black"/>
-                </a:solidFill>
-                <a:effectLst/>
-                <a:uLnTx/>
-                <a:uFillTx/>
-                <a:latin typeface="Calibri Light" panose="020F0302020204030204"/>
-                <a:ea typeface="+mj-ea"/>
-                <a:cs typeface="+mj-cs"/>
-              </a:rPr>
-              <a:t> US Census archive containing detailed, but anonymized, information for approximately 300,000 individuals.</a:t>
-            </a:r>
-            <a:endParaRPr lang="en-GB" dirty="0"/>
           </a:p>
         </p:txBody>
       </p:sp>
@@ -10585,6 +10563,259 @@
 </file>
 
 <file path=ppt/slides/slide5.xml><?xml version="1.0" encoding="utf-8"?>
+<p:sld xmlns:a="http://schemas.openxmlformats.org/drawingml/2006/main" xmlns:r="http://schemas.openxmlformats.org/officeDocument/2006/relationships" xmlns:p="http://schemas.openxmlformats.org/presentationml/2006/main">
+  <p:cSld>
+    <p:spTree>
+      <p:nvGrpSpPr>
+        <p:cNvPr id="1" name=""/>
+        <p:cNvGrpSpPr/>
+        <p:nvPr/>
+      </p:nvGrpSpPr>
+      <p:grpSpPr>
+        <a:xfrm>
+          <a:off x="0" y="0"/>
+          <a:ext cx="0" cy="0"/>
+          <a:chOff x="0" y="0"/>
+          <a:chExt cx="0" cy="0"/>
+        </a:xfrm>
+      </p:grpSpPr>
+      <p:sp>
+        <p:nvSpPr>
+          <p:cNvPr id="20" name="Rectangle 19">
+            <a:extLst>
+              <a:ext uri="{FF2B5EF4-FFF2-40B4-BE49-F238E27FC236}">
+                <a16:creationId xmlns:a16="http://schemas.microsoft.com/office/drawing/2014/main" id="{434167B2-1F65-408D-9233-EF10B5990B6E}"/>
+              </a:ext>
+            </a:extLst>
+          </p:cNvPr>
+          <p:cNvSpPr/>
+          <p:nvPr/>
+        </p:nvSpPr>
+        <p:spPr>
+          <a:xfrm>
+            <a:off x="0" y="0"/>
+            <a:ext cx="12192000" cy="1334278"/>
+          </a:xfrm>
+          <a:prstGeom prst="rect">
+            <a:avLst/>
+          </a:prstGeom>
+        </p:spPr>
+        <p:style>
+          <a:lnRef idx="2">
+            <a:schemeClr val="accent1">
+              <a:shade val="50000"/>
+            </a:schemeClr>
+          </a:lnRef>
+          <a:fillRef idx="1">
+            <a:schemeClr val="accent1"/>
+          </a:fillRef>
+          <a:effectRef idx="0">
+            <a:schemeClr val="accent1"/>
+          </a:effectRef>
+          <a:fontRef idx="minor">
+            <a:schemeClr val="lt1"/>
+          </a:fontRef>
+        </p:style>
+        <p:txBody>
+          <a:bodyPr rtlCol="0" anchor="ctr"/>
+          <a:lstStyle/>
+          <a:p>
+            <a:pPr algn="ctr"/>
+            <a:endParaRPr lang="en-GB" dirty="0"/>
+          </a:p>
+        </p:txBody>
+      </p:sp>
+      <p:sp>
+        <p:nvSpPr>
+          <p:cNvPr id="9" name="Title 6">
+            <a:extLst>
+              <a:ext uri="{FF2B5EF4-FFF2-40B4-BE49-F238E27FC236}">
+                <a16:creationId xmlns:a16="http://schemas.microsoft.com/office/drawing/2014/main" id="{F5FB2926-5769-4612-9884-4A0888903E66}"/>
+              </a:ext>
+            </a:extLst>
+          </p:cNvPr>
+          <p:cNvSpPr txBox="1">
+            <a:spLocks/>
+          </p:cNvSpPr>
+          <p:nvPr/>
+        </p:nvSpPr>
+        <p:spPr>
+          <a:xfrm>
+            <a:off x="266229" y="0"/>
+            <a:ext cx="11453020" cy="1334278"/>
+          </a:xfrm>
+          <a:prstGeom prst="rect">
+            <a:avLst/>
+          </a:prstGeom>
+        </p:spPr>
+        <p:txBody>
+          <a:bodyPr vert="horz" lIns="91440" tIns="45720" rIns="91440" bIns="45720" rtlCol="0" anchor="ctr">
+            <a:normAutofit/>
+          </a:bodyPr>
+          <a:lstStyle>
+            <a:lvl1pPr algn="l" defTabSz="914400" rtl="0" eaLnBrk="1" latinLnBrk="0" hangingPunct="1">
+              <a:lnSpc>
+                <a:spcPct val="80000"/>
+              </a:lnSpc>
+              <a:spcBef>
+                <a:spcPct val="0"/>
+              </a:spcBef>
+              <a:buNone/>
+              <a:defRPr sz="8800" b="0" kern="1200" spc="-120" baseline="0">
+                <a:solidFill>
+                  <a:schemeClr val="accent1"/>
+                </a:solidFill>
+                <a:latin typeface="+mj-lt"/>
+                <a:ea typeface="+mj-ea"/>
+                <a:cs typeface="+mj-cs"/>
+              </a:defRPr>
+            </a:lvl1pPr>
+          </a:lstStyle>
+          <a:p>
+            <a:r>
+              <a:rPr lang="en-US" sz="4000" dirty="0">
+                <a:solidFill>
+                  <a:srgbClr val="FFFFFF"/>
+                </a:solidFill>
+              </a:rPr>
+              <a:t>INTRODUCTION – Task Details</a:t>
+            </a:r>
+            <a:endParaRPr lang="en-GB" sz="4000" dirty="0">
+              <a:solidFill>
+                <a:srgbClr val="FFFFFF"/>
+              </a:solidFill>
+            </a:endParaRPr>
+          </a:p>
+        </p:txBody>
+      </p:sp>
+      <p:sp>
+        <p:nvSpPr>
+          <p:cNvPr id="5" name="TextBox 4">
+            <a:extLst>
+              <a:ext uri="{FF2B5EF4-FFF2-40B4-BE49-F238E27FC236}">
+                <a16:creationId xmlns:a16="http://schemas.microsoft.com/office/drawing/2014/main" id="{B9AFDBC6-8570-4864-A406-DBA1ADECA762}"/>
+              </a:ext>
+            </a:extLst>
+          </p:cNvPr>
+          <p:cNvSpPr txBox="1"/>
+          <p:nvPr/>
+        </p:nvSpPr>
+        <p:spPr>
+          <a:xfrm>
+            <a:off x="1120604" y="2085044"/>
+            <a:ext cx="9950791" cy="2677656"/>
+          </a:xfrm>
+          <a:prstGeom prst="rect">
+            <a:avLst/>
+          </a:prstGeom>
+          <a:noFill/>
+        </p:spPr>
+        <p:txBody>
+          <a:bodyPr wrap="square" rtlCol="0">
+            <a:spAutoFit/>
+          </a:bodyPr>
+          <a:lstStyle/>
+          <a:p>
+            <a:pPr marL="457200" indent="-457200">
+              <a:buFont typeface="Arial" panose="020B0604020202020204" pitchFamily="34" charset="0"/>
+              <a:buChar char="•"/>
+            </a:pPr>
+            <a:r>
+              <a:rPr lang="en-GB" sz="2800" spc="-120" dirty="0">
+                <a:solidFill>
+                  <a:prstClr val="black"/>
+                </a:solidFill>
+                <a:latin typeface="Calibri Light" panose="020F0302020204030204"/>
+                <a:ea typeface="+mj-ea"/>
+                <a:cs typeface="+mj-cs"/>
+              </a:rPr>
+              <a:t>Binary Classification Task with Imbalance Data</a:t>
+            </a:r>
+          </a:p>
+          <a:p>
+            <a:pPr marL="457200" indent="-457200">
+              <a:buFont typeface="Arial" panose="020B0604020202020204" pitchFamily="34" charset="0"/>
+              <a:buChar char="•"/>
+            </a:pPr>
+            <a:r>
+              <a:rPr lang="en-GB" sz="2800" spc="-120" dirty="0">
+                <a:solidFill>
+                  <a:prstClr val="black"/>
+                </a:solidFill>
+                <a:latin typeface="Calibri Light" panose="020F0302020204030204"/>
+                <a:ea typeface="+mj-ea"/>
+                <a:cs typeface="+mj-cs"/>
+              </a:rPr>
+              <a:t> There are 200,000 training examples and 100,000 test examples (2/3 ratio)</a:t>
+            </a:r>
+          </a:p>
+          <a:p>
+            <a:pPr marL="457200" indent="-457200">
+              <a:buFont typeface="Arial" panose="020B0604020202020204" pitchFamily="34" charset="0"/>
+              <a:buChar char="•"/>
+            </a:pPr>
+            <a:r>
+              <a:rPr lang="en-GB" sz="2800" spc="-120" dirty="0">
+                <a:solidFill>
+                  <a:prstClr val="black"/>
+                </a:solidFill>
+                <a:latin typeface="Calibri Light" panose="020F0302020204030204"/>
+                <a:ea typeface="+mj-ea"/>
+                <a:cs typeface="+mj-cs"/>
+              </a:rPr>
+              <a:t>Most of the data </a:t>
+            </a:r>
+          </a:p>
+          <a:p>
+            <a:pPr marL="457200" indent="-457200">
+              <a:buFont typeface="Arial" panose="020B0604020202020204" pitchFamily="34" charset="0"/>
+              <a:buChar char="•"/>
+            </a:pPr>
+            <a:endParaRPr lang="en-GB" sz="2800" spc="-120" dirty="0">
+              <a:solidFill>
+                <a:prstClr val="black"/>
+              </a:solidFill>
+              <a:latin typeface="Calibri Light" panose="020F0302020204030204"/>
+              <a:ea typeface="+mj-ea"/>
+              <a:cs typeface="+mj-cs"/>
+            </a:endParaRPr>
+          </a:p>
+          <a:p>
+            <a:pPr marL="457200" indent="-457200">
+              <a:buFont typeface="Arial" panose="020B0604020202020204" pitchFamily="34" charset="0"/>
+              <a:buChar char="•"/>
+            </a:pPr>
+            <a:endParaRPr kumimoji="0" lang="en-US" sz="2800" b="0" i="0" u="none" strike="noStrike" kern="1200" cap="none" spc="-120" normalizeH="0" baseline="0" noProof="0" dirty="0">
+              <a:ln>
+                <a:noFill/>
+              </a:ln>
+              <a:solidFill>
+                <a:prstClr val="black"/>
+              </a:solidFill>
+              <a:effectLst/>
+              <a:uLnTx/>
+              <a:uFillTx/>
+              <a:latin typeface="Calibri Light" panose="020F0302020204030204"/>
+              <a:ea typeface="+mj-ea"/>
+              <a:cs typeface="+mj-cs"/>
+            </a:endParaRPr>
+          </a:p>
+        </p:txBody>
+      </p:sp>
+    </p:spTree>
+    <p:extLst>
+      <p:ext uri="{BB962C8B-B14F-4D97-AF65-F5344CB8AC3E}">
+        <p14:creationId xmlns:p14="http://schemas.microsoft.com/office/powerpoint/2010/main" val="2846799981"/>
+      </p:ext>
+    </p:extLst>
+  </p:cSld>
+  <p:clrMapOvr>
+    <a:masterClrMapping/>
+  </p:clrMapOvr>
+</p:sld>
+</file>
+
+<file path=ppt/slides/slide6.xml><?xml version="1.0" encoding="utf-8"?>
 <p:sld xmlns:a="http://schemas.openxmlformats.org/drawingml/2006/main" xmlns:r="http://schemas.openxmlformats.org/officeDocument/2006/relationships" xmlns:p="http://schemas.openxmlformats.org/presentationml/2006/main">
   <p:cSld>
     <p:spTree>
@@ -10773,7 +11004,7 @@
 </p:sld>
 </file>
 
-<file path=ppt/slides/slide6.xml><?xml version="1.0" encoding="utf-8"?>
+<file path=ppt/slides/slide7.xml><?xml version="1.0" encoding="utf-8"?>
 <p:sld xmlns:a="http://schemas.openxmlformats.org/drawingml/2006/main" xmlns:r="http://schemas.openxmlformats.org/officeDocument/2006/relationships" xmlns:p="http://schemas.openxmlformats.org/presentationml/2006/main">
   <p:cSld>
     <p:spTree>
@@ -10853,7 +11084,7 @@
 </p:sld>
 </file>
 
-<file path=ppt/slides/slide7.xml><?xml version="1.0" encoding="utf-8"?>
+<file path=ppt/slides/slide8.xml><?xml version="1.0" encoding="utf-8"?>
 <p:sld xmlns:a="http://schemas.openxmlformats.org/drawingml/2006/main" xmlns:r="http://schemas.openxmlformats.org/officeDocument/2006/relationships" xmlns:p="http://schemas.openxmlformats.org/presentationml/2006/main">
   <p:cSld>
     <p:bg>

--- a/Task_Presentation.pptx
+++ b/Task_Presentation.pptx
@@ -10,9 +10,13 @@
     <p:sldId id="262" r:id="rId4"/>
     <p:sldId id="263" r:id="rId5"/>
     <p:sldId id="264" r:id="rId6"/>
-    <p:sldId id="261" r:id="rId7"/>
-    <p:sldId id="259" r:id="rId8"/>
-    <p:sldId id="258" r:id="rId9"/>
+    <p:sldId id="265" r:id="rId7"/>
+    <p:sldId id="266" r:id="rId8"/>
+    <p:sldId id="267" r:id="rId9"/>
+    <p:sldId id="268" r:id="rId10"/>
+    <p:sldId id="269" r:id="rId11"/>
+    <p:sldId id="261" r:id="rId12"/>
+    <p:sldId id="259" r:id="rId13"/>
   </p:sldIdLst>
   <p:sldSz cx="12192000" cy="6858000"/>
   <p:notesSz cx="6858000" cy="9144000"/>
@@ -863,1334 +867,7 @@
 </dgm:colorsDef>
 </file>
 
-<file path=ppt/diagrams/colors2.xml><?xml version="1.0" encoding="utf-8"?>
-<dgm:colorsDef xmlns:dgm="http://schemas.openxmlformats.org/drawingml/2006/diagram" xmlns:a="http://schemas.openxmlformats.org/drawingml/2006/main" uniqueId="urn:microsoft.com/office/officeart/2018/5/colors/Iconchunking_neutralbg_accent1_2">
-  <dgm:title val=""/>
-  <dgm:desc val=""/>
-  <dgm:catLst>
-    <dgm:cat type="accent1" pri="11200"/>
-  </dgm:catLst>
-  <dgm:styleLbl name="node0">
-    <dgm:fillClrLst meth="repeat">
-      <a:schemeClr val="accent1"/>
-    </dgm:fillClrLst>
-    <dgm:linClrLst meth="repeat">
-      <a:schemeClr val="lt1"/>
-    </dgm:linClrLst>
-    <dgm:effectClrLst/>
-    <dgm:txLinClrLst/>
-    <dgm:txFillClrLst/>
-    <dgm:txEffectClrLst/>
-  </dgm:styleLbl>
-  <dgm:styleLbl name="alignNode1">
-    <dgm:fillClrLst meth="repeat">
-      <a:schemeClr val="accent1"/>
-    </dgm:fillClrLst>
-    <dgm:linClrLst meth="repeat">
-      <a:schemeClr val="accent1"/>
-    </dgm:linClrLst>
-    <dgm:effectClrLst/>
-    <dgm:txLinClrLst/>
-    <dgm:txFillClrLst/>
-    <dgm:txEffectClrLst/>
-  </dgm:styleLbl>
-  <dgm:styleLbl name="node1">
-    <dgm:fillClrLst meth="repeat">
-      <a:schemeClr val="accent1"/>
-    </dgm:fillClrLst>
-    <dgm:linClrLst meth="repeat">
-      <a:schemeClr val="lt1">
-        <a:alpha val="0"/>
-      </a:schemeClr>
-    </dgm:linClrLst>
-    <dgm:effectClrLst/>
-    <dgm:txLinClrLst/>
-    <dgm:txFillClrLst/>
-    <dgm:txEffectClrLst/>
-  </dgm:styleLbl>
-  <dgm:styleLbl name="lnNode1">
-    <dgm:fillClrLst meth="repeat">
-      <a:schemeClr val="accent1"/>
-    </dgm:fillClrLst>
-    <dgm:linClrLst meth="repeat">
-      <a:schemeClr val="lt1"/>
-    </dgm:linClrLst>
-    <dgm:effectClrLst/>
-    <dgm:txLinClrLst/>
-    <dgm:txFillClrLst/>
-    <dgm:txEffectClrLst/>
-  </dgm:styleLbl>
-  <dgm:styleLbl name="vennNode1">
-    <dgm:fillClrLst meth="repeat">
-      <a:schemeClr val="accent1">
-        <a:alpha val="50000"/>
-      </a:schemeClr>
-    </dgm:fillClrLst>
-    <dgm:linClrLst meth="repeat">
-      <a:schemeClr val="lt1"/>
-    </dgm:linClrLst>
-    <dgm:effectClrLst/>
-    <dgm:txLinClrLst/>
-    <dgm:txFillClrLst/>
-    <dgm:txEffectClrLst/>
-  </dgm:styleLbl>
-  <dgm:styleLbl name="node2">
-    <dgm:fillClrLst meth="repeat">
-      <a:schemeClr val="accent1"/>
-    </dgm:fillClrLst>
-    <dgm:linClrLst meth="repeat">
-      <a:schemeClr val="lt1"/>
-    </dgm:linClrLst>
-    <dgm:effectClrLst/>
-    <dgm:txLinClrLst/>
-    <dgm:txFillClrLst/>
-    <dgm:txEffectClrLst/>
-  </dgm:styleLbl>
-  <dgm:styleLbl name="node3">
-    <dgm:fillClrLst meth="repeat">
-      <a:schemeClr val="accent1"/>
-    </dgm:fillClrLst>
-    <dgm:linClrLst meth="repeat">
-      <a:schemeClr val="lt1"/>
-    </dgm:linClrLst>
-    <dgm:effectClrLst/>
-    <dgm:txLinClrLst/>
-    <dgm:txFillClrLst/>
-    <dgm:txEffectClrLst/>
-  </dgm:styleLbl>
-  <dgm:styleLbl name="node4">
-    <dgm:fillClrLst meth="repeat">
-      <a:schemeClr val="accent1"/>
-    </dgm:fillClrLst>
-    <dgm:linClrLst meth="repeat">
-      <a:schemeClr val="lt1"/>
-    </dgm:linClrLst>
-    <dgm:effectClrLst/>
-    <dgm:txLinClrLst/>
-    <dgm:txFillClrLst/>
-    <dgm:txEffectClrLst/>
-  </dgm:styleLbl>
-  <dgm:styleLbl name="fgImgPlace1">
-    <dgm:fillClrLst meth="repeat">
-      <a:schemeClr val="accent1">
-        <a:tint val="50000"/>
-      </a:schemeClr>
-    </dgm:fillClrLst>
-    <dgm:linClrLst meth="repeat">
-      <a:schemeClr val="lt1"/>
-    </dgm:linClrLst>
-    <dgm:effectClrLst/>
-    <dgm:txLinClrLst/>
-    <dgm:txFillClrLst meth="repeat">
-      <a:schemeClr val="lt1"/>
-    </dgm:txFillClrLst>
-    <dgm:txEffectClrLst/>
-  </dgm:styleLbl>
-  <dgm:styleLbl name="alignImgPlace1">
-    <dgm:fillClrLst meth="repeat">
-      <a:schemeClr val="accent1">
-        <a:tint val="50000"/>
-      </a:schemeClr>
-    </dgm:fillClrLst>
-    <dgm:linClrLst meth="repeat">
-      <a:schemeClr val="lt1"/>
-    </dgm:linClrLst>
-    <dgm:effectClrLst/>
-    <dgm:txLinClrLst/>
-    <dgm:txFillClrLst meth="repeat">
-      <a:schemeClr val="lt1"/>
-    </dgm:txFillClrLst>
-    <dgm:txEffectClrLst/>
-  </dgm:styleLbl>
-  <dgm:styleLbl name="bgImgPlace1">
-    <dgm:fillClrLst meth="repeat">
-      <a:schemeClr val="accent1">
-        <a:tint val="50000"/>
-      </a:schemeClr>
-    </dgm:fillClrLst>
-    <dgm:linClrLst meth="repeat">
-      <a:schemeClr val="lt1"/>
-    </dgm:linClrLst>
-    <dgm:effectClrLst/>
-    <dgm:txLinClrLst/>
-    <dgm:txFillClrLst meth="repeat">
-      <a:schemeClr val="lt1"/>
-    </dgm:txFillClrLst>
-    <dgm:txEffectClrLst/>
-  </dgm:styleLbl>
-  <dgm:styleLbl name="sibTrans2D1">
-    <dgm:fillClrLst meth="repeat">
-      <a:schemeClr val="accent1">
-        <a:tint val="60000"/>
-      </a:schemeClr>
-    </dgm:fillClrLst>
-    <dgm:linClrLst meth="repeat">
-      <a:schemeClr val="accent1">
-        <a:tint val="60000"/>
-      </a:schemeClr>
-    </dgm:linClrLst>
-    <dgm:effectClrLst/>
-    <dgm:txLinClrLst/>
-    <dgm:txFillClrLst/>
-    <dgm:txEffectClrLst/>
-  </dgm:styleLbl>
-  <dgm:styleLbl name="fgSibTrans2D1">
-    <dgm:fillClrLst meth="repeat">
-      <a:schemeClr val="accent1">
-        <a:tint val="60000"/>
-      </a:schemeClr>
-    </dgm:fillClrLst>
-    <dgm:linClrLst meth="repeat">
-      <a:schemeClr val="accent1">
-        <a:tint val="60000"/>
-      </a:schemeClr>
-    </dgm:linClrLst>
-    <dgm:effectClrLst/>
-    <dgm:txLinClrLst/>
-    <dgm:txFillClrLst/>
-    <dgm:txEffectClrLst/>
-  </dgm:styleLbl>
-  <dgm:styleLbl name="bgSibTrans2D1">
-    <dgm:fillClrLst meth="repeat">
-      <a:schemeClr val="accent1">
-        <a:tint val="60000"/>
-      </a:schemeClr>
-    </dgm:fillClrLst>
-    <dgm:linClrLst meth="repeat">
-      <a:schemeClr val="accent1">
-        <a:tint val="60000"/>
-      </a:schemeClr>
-    </dgm:linClrLst>
-    <dgm:effectClrLst/>
-    <dgm:txLinClrLst/>
-    <dgm:txFillClrLst/>
-    <dgm:txEffectClrLst/>
-  </dgm:styleLbl>
-  <dgm:styleLbl name="sibTrans1D1">
-    <dgm:fillClrLst meth="repeat">
-      <a:schemeClr val="accent1"/>
-    </dgm:fillClrLst>
-    <dgm:linClrLst meth="repeat">
-      <a:schemeClr val="accent1"/>
-    </dgm:linClrLst>
-    <dgm:effectClrLst/>
-    <dgm:txLinClrLst/>
-    <dgm:txFillClrLst meth="repeat">
-      <a:schemeClr val="tx1"/>
-    </dgm:txFillClrLst>
-    <dgm:txEffectClrLst/>
-  </dgm:styleLbl>
-  <dgm:styleLbl name="callout">
-    <dgm:fillClrLst meth="repeat">
-      <a:schemeClr val="accent1"/>
-    </dgm:fillClrLst>
-    <dgm:linClrLst meth="repeat">
-      <a:schemeClr val="accent1">
-        <a:tint val="50000"/>
-      </a:schemeClr>
-    </dgm:linClrLst>
-    <dgm:effectClrLst/>
-    <dgm:txLinClrLst/>
-    <dgm:txFillClrLst meth="repeat">
-      <a:schemeClr val="tx1"/>
-    </dgm:txFillClrLst>
-    <dgm:txEffectClrLst/>
-  </dgm:styleLbl>
-  <dgm:styleLbl name="asst0">
-    <dgm:fillClrLst meth="repeat">
-      <a:schemeClr val="accent1"/>
-    </dgm:fillClrLst>
-    <dgm:linClrLst meth="repeat">
-      <a:schemeClr val="lt1"/>
-    </dgm:linClrLst>
-    <dgm:effectClrLst/>
-    <dgm:txLinClrLst/>
-    <dgm:txFillClrLst/>
-    <dgm:txEffectClrLst/>
-  </dgm:styleLbl>
-  <dgm:styleLbl name="asst1">
-    <dgm:fillClrLst meth="repeat">
-      <a:schemeClr val="accent1"/>
-    </dgm:fillClrLst>
-    <dgm:linClrLst meth="repeat">
-      <a:schemeClr val="lt1"/>
-    </dgm:linClrLst>
-    <dgm:effectClrLst/>
-    <dgm:txLinClrLst/>
-    <dgm:txFillClrLst/>
-    <dgm:txEffectClrLst/>
-  </dgm:styleLbl>
-  <dgm:styleLbl name="asst2">
-    <dgm:fillClrLst meth="repeat">
-      <a:schemeClr val="accent1"/>
-    </dgm:fillClrLst>
-    <dgm:linClrLst meth="repeat">
-      <a:schemeClr val="lt1"/>
-    </dgm:linClrLst>
-    <dgm:effectClrLst/>
-    <dgm:txLinClrLst/>
-    <dgm:txFillClrLst/>
-    <dgm:txEffectClrLst/>
-  </dgm:styleLbl>
-  <dgm:styleLbl name="asst3">
-    <dgm:fillClrLst meth="repeat">
-      <a:schemeClr val="accent1"/>
-    </dgm:fillClrLst>
-    <dgm:linClrLst meth="repeat">
-      <a:schemeClr val="lt1"/>
-    </dgm:linClrLst>
-    <dgm:effectClrLst/>
-    <dgm:txLinClrLst/>
-    <dgm:txFillClrLst/>
-    <dgm:txEffectClrLst/>
-  </dgm:styleLbl>
-  <dgm:styleLbl name="asst4">
-    <dgm:fillClrLst meth="repeat">
-      <a:schemeClr val="accent1"/>
-    </dgm:fillClrLst>
-    <dgm:linClrLst meth="repeat">
-      <a:schemeClr val="lt1"/>
-    </dgm:linClrLst>
-    <dgm:effectClrLst/>
-    <dgm:txLinClrLst/>
-    <dgm:txFillClrLst/>
-    <dgm:txEffectClrLst/>
-  </dgm:styleLbl>
-  <dgm:styleLbl name="parChTrans2D1">
-    <dgm:fillClrLst meth="repeat">
-      <a:schemeClr val="accent1">
-        <a:tint val="60000"/>
-      </a:schemeClr>
-    </dgm:fillClrLst>
-    <dgm:linClrLst meth="repeat">
-      <a:schemeClr val="accent1">
-        <a:tint val="60000"/>
-      </a:schemeClr>
-    </dgm:linClrLst>
-    <dgm:effectClrLst/>
-    <dgm:txLinClrLst/>
-    <dgm:txFillClrLst meth="repeat">
-      <a:schemeClr val="lt1"/>
-    </dgm:txFillClrLst>
-    <dgm:txEffectClrLst/>
-  </dgm:styleLbl>
-  <dgm:styleLbl name="parChTrans2D2">
-    <dgm:fillClrLst meth="repeat">
-      <a:schemeClr val="accent1"/>
-    </dgm:fillClrLst>
-    <dgm:linClrLst meth="repeat">
-      <a:schemeClr val="accent1"/>
-    </dgm:linClrLst>
-    <dgm:effectClrLst/>
-    <dgm:txLinClrLst/>
-    <dgm:txFillClrLst meth="repeat">
-      <a:schemeClr val="lt1"/>
-    </dgm:txFillClrLst>
-    <dgm:txEffectClrLst/>
-  </dgm:styleLbl>
-  <dgm:styleLbl name="parChTrans2D3">
-    <dgm:fillClrLst meth="repeat">
-      <a:schemeClr val="accent1"/>
-    </dgm:fillClrLst>
-    <dgm:linClrLst meth="repeat">
-      <a:schemeClr val="accent1"/>
-    </dgm:linClrLst>
-    <dgm:effectClrLst/>
-    <dgm:txLinClrLst/>
-    <dgm:txFillClrLst meth="repeat">
-      <a:schemeClr val="lt1"/>
-    </dgm:txFillClrLst>
-    <dgm:txEffectClrLst/>
-  </dgm:styleLbl>
-  <dgm:styleLbl name="parChTrans2D4">
-    <dgm:fillClrLst meth="repeat">
-      <a:schemeClr val="accent1"/>
-    </dgm:fillClrLst>
-    <dgm:linClrLst meth="repeat">
-      <a:schemeClr val="accent1"/>
-    </dgm:linClrLst>
-    <dgm:effectClrLst/>
-    <dgm:txLinClrLst/>
-    <dgm:txFillClrLst meth="repeat">
-      <a:schemeClr val="lt1"/>
-    </dgm:txFillClrLst>
-    <dgm:txEffectClrLst/>
-  </dgm:styleLbl>
-  <dgm:styleLbl name="parChTrans1D1">
-    <dgm:fillClrLst meth="repeat">
-      <a:schemeClr val="accent1"/>
-    </dgm:fillClrLst>
-    <dgm:linClrLst meth="repeat">
-      <a:schemeClr val="accent1">
-        <a:shade val="60000"/>
-      </a:schemeClr>
-    </dgm:linClrLst>
-    <dgm:effectClrLst/>
-    <dgm:txLinClrLst/>
-    <dgm:txFillClrLst meth="repeat">
-      <a:schemeClr val="tx1"/>
-    </dgm:txFillClrLst>
-    <dgm:txEffectClrLst/>
-  </dgm:styleLbl>
-  <dgm:styleLbl name="parChTrans1D2">
-    <dgm:fillClrLst meth="repeat">
-      <a:schemeClr val="accent1"/>
-    </dgm:fillClrLst>
-    <dgm:linClrLst meth="repeat">
-      <a:schemeClr val="accent1">
-        <a:shade val="60000"/>
-      </a:schemeClr>
-    </dgm:linClrLst>
-    <dgm:effectClrLst/>
-    <dgm:txLinClrLst/>
-    <dgm:txFillClrLst meth="repeat">
-      <a:schemeClr val="tx1"/>
-    </dgm:txFillClrLst>
-    <dgm:txEffectClrLst/>
-  </dgm:styleLbl>
-  <dgm:styleLbl name="parChTrans1D3">
-    <dgm:fillClrLst meth="repeat">
-      <a:schemeClr val="accent1"/>
-    </dgm:fillClrLst>
-    <dgm:linClrLst meth="repeat">
-      <a:schemeClr val="accent1">
-        <a:shade val="80000"/>
-      </a:schemeClr>
-    </dgm:linClrLst>
-    <dgm:effectClrLst/>
-    <dgm:txLinClrLst/>
-    <dgm:txFillClrLst meth="repeat">
-      <a:schemeClr val="tx1"/>
-    </dgm:txFillClrLst>
-    <dgm:txEffectClrLst/>
-  </dgm:styleLbl>
-  <dgm:styleLbl name="parChTrans1D4">
-    <dgm:fillClrLst meth="repeat">
-      <a:schemeClr val="accent1"/>
-    </dgm:fillClrLst>
-    <dgm:linClrLst meth="repeat">
-      <a:schemeClr val="accent1">
-        <a:shade val="80000"/>
-      </a:schemeClr>
-    </dgm:linClrLst>
-    <dgm:effectClrLst/>
-    <dgm:txLinClrLst/>
-    <dgm:txFillClrLst meth="repeat">
-      <a:schemeClr val="tx1"/>
-    </dgm:txFillClrLst>
-    <dgm:txEffectClrLst/>
-  </dgm:styleLbl>
-  <dgm:styleLbl name="fgAcc1">
-    <dgm:fillClrLst meth="repeat">
-      <a:schemeClr val="lt1">
-        <a:alpha val="90000"/>
-      </a:schemeClr>
-    </dgm:fillClrLst>
-    <dgm:linClrLst meth="repeat">
-      <a:schemeClr val="accent1"/>
-    </dgm:linClrLst>
-    <dgm:effectClrLst/>
-    <dgm:txLinClrLst/>
-    <dgm:txFillClrLst meth="repeat">
-      <a:schemeClr val="dk1"/>
-    </dgm:txFillClrLst>
-    <dgm:txEffectClrLst/>
-  </dgm:styleLbl>
-  <dgm:styleLbl name="conFgAcc1">
-    <dgm:fillClrLst meth="repeat">
-      <a:schemeClr val="lt1">
-        <a:alpha val="90000"/>
-      </a:schemeClr>
-    </dgm:fillClrLst>
-    <dgm:linClrLst meth="repeat">
-      <a:schemeClr val="accent1"/>
-    </dgm:linClrLst>
-    <dgm:effectClrLst/>
-    <dgm:txLinClrLst/>
-    <dgm:txFillClrLst meth="repeat">
-      <a:schemeClr val="dk1"/>
-    </dgm:txFillClrLst>
-    <dgm:txEffectClrLst/>
-  </dgm:styleLbl>
-  <dgm:styleLbl name="alignAcc1">
-    <dgm:fillClrLst meth="repeat">
-      <a:schemeClr val="lt1">
-        <a:alpha val="90000"/>
-      </a:schemeClr>
-    </dgm:fillClrLst>
-    <dgm:linClrLst meth="repeat">
-      <a:schemeClr val="accent1"/>
-    </dgm:linClrLst>
-    <dgm:effectClrLst/>
-    <dgm:txLinClrLst/>
-    <dgm:txFillClrLst meth="repeat">
-      <a:schemeClr val="dk1"/>
-    </dgm:txFillClrLst>
-    <dgm:txEffectClrLst/>
-  </dgm:styleLbl>
-  <dgm:styleLbl name="trAlignAcc1">
-    <dgm:fillClrLst meth="repeat">
-      <a:schemeClr val="lt1">
-        <a:alpha val="40000"/>
-      </a:schemeClr>
-    </dgm:fillClrLst>
-    <dgm:linClrLst meth="repeat">
-      <a:schemeClr val="accent1"/>
-    </dgm:linClrLst>
-    <dgm:effectClrLst/>
-    <dgm:txLinClrLst/>
-    <dgm:txFillClrLst meth="repeat">
-      <a:schemeClr val="dk1"/>
-    </dgm:txFillClrLst>
-    <dgm:txEffectClrLst/>
-  </dgm:styleLbl>
-  <dgm:styleLbl name="bgAcc1">
-    <dgm:fillClrLst meth="repeat">
-      <a:schemeClr val="lt1">
-        <a:alpha val="90000"/>
-      </a:schemeClr>
-    </dgm:fillClrLst>
-    <dgm:linClrLst meth="repeat">
-      <a:schemeClr val="accent1"/>
-    </dgm:linClrLst>
-    <dgm:effectClrLst/>
-    <dgm:txLinClrLst/>
-    <dgm:txFillClrLst meth="repeat">
-      <a:schemeClr val="dk1"/>
-    </dgm:txFillClrLst>
-    <dgm:txEffectClrLst/>
-  </dgm:styleLbl>
-  <dgm:styleLbl name="solidFgAcc1">
-    <dgm:fillClrLst meth="repeat">
-      <a:schemeClr val="lt1"/>
-    </dgm:fillClrLst>
-    <dgm:linClrLst meth="repeat">
-      <a:schemeClr val="accent1"/>
-    </dgm:linClrLst>
-    <dgm:effectClrLst/>
-    <dgm:txLinClrLst/>
-    <dgm:txFillClrLst meth="repeat">
-      <a:schemeClr val="dk1"/>
-    </dgm:txFillClrLst>
-    <dgm:txEffectClrLst/>
-  </dgm:styleLbl>
-  <dgm:styleLbl name="solidAlignAcc1">
-    <dgm:fillClrLst meth="repeat">
-      <a:schemeClr val="lt1"/>
-    </dgm:fillClrLst>
-    <dgm:linClrLst meth="repeat">
-      <a:schemeClr val="accent1"/>
-    </dgm:linClrLst>
-    <dgm:effectClrLst/>
-    <dgm:txLinClrLst/>
-    <dgm:txFillClrLst meth="repeat">
-      <a:schemeClr val="dk1"/>
-    </dgm:txFillClrLst>
-    <dgm:txEffectClrLst/>
-  </dgm:styleLbl>
-  <dgm:styleLbl name="solidBgAcc1">
-    <dgm:fillClrLst meth="repeat">
-      <a:schemeClr val="lt1"/>
-    </dgm:fillClrLst>
-    <dgm:linClrLst meth="repeat">
-      <a:schemeClr val="accent1"/>
-    </dgm:linClrLst>
-    <dgm:effectClrLst/>
-    <dgm:txLinClrLst/>
-    <dgm:txFillClrLst meth="repeat">
-      <a:schemeClr val="dk1"/>
-    </dgm:txFillClrLst>
-    <dgm:txEffectClrLst/>
-  </dgm:styleLbl>
-  <dgm:styleLbl name="fgAccFollowNode1">
-    <dgm:fillClrLst meth="repeat">
-      <a:schemeClr val="accent1">
-        <a:alpha val="90000"/>
-        <a:tint val="40000"/>
-      </a:schemeClr>
-    </dgm:fillClrLst>
-    <dgm:linClrLst meth="repeat">
-      <a:schemeClr val="accent1">
-        <a:alpha val="90000"/>
-        <a:tint val="40000"/>
-      </a:schemeClr>
-    </dgm:linClrLst>
-    <dgm:effectClrLst/>
-    <dgm:txLinClrLst/>
-    <dgm:txFillClrLst meth="repeat">
-      <a:schemeClr val="dk1"/>
-    </dgm:txFillClrLst>
-    <dgm:txEffectClrLst/>
-  </dgm:styleLbl>
-  <dgm:styleLbl name="alignAccFollowNode1">
-    <dgm:fillClrLst meth="repeat">
-      <a:schemeClr val="accent1">
-        <a:alpha val="90000"/>
-        <a:tint val="40000"/>
-      </a:schemeClr>
-    </dgm:fillClrLst>
-    <dgm:linClrLst meth="repeat">
-      <a:schemeClr val="accent1">
-        <a:alpha val="90000"/>
-        <a:tint val="40000"/>
-      </a:schemeClr>
-    </dgm:linClrLst>
-    <dgm:effectClrLst/>
-    <dgm:txLinClrLst/>
-    <dgm:txFillClrLst meth="repeat">
-      <a:schemeClr val="dk1"/>
-    </dgm:txFillClrLst>
-    <dgm:txEffectClrLst/>
-  </dgm:styleLbl>
-  <dgm:styleLbl name="bgAccFollowNode1">
-    <dgm:fillClrLst meth="repeat">
-      <a:schemeClr val="accent1">
-        <a:alpha val="90000"/>
-        <a:tint val="40000"/>
-      </a:schemeClr>
-    </dgm:fillClrLst>
-    <dgm:linClrLst meth="repeat">
-      <a:schemeClr val="accent1">
-        <a:alpha val="90000"/>
-        <a:tint val="40000"/>
-      </a:schemeClr>
-    </dgm:linClrLst>
-    <dgm:effectClrLst/>
-    <dgm:txLinClrLst/>
-    <dgm:txFillClrLst meth="repeat">
-      <a:schemeClr val="dk1"/>
-    </dgm:txFillClrLst>
-    <dgm:txEffectClrLst/>
-  </dgm:styleLbl>
-  <dgm:styleLbl name="fgAcc0">
-    <dgm:fillClrLst meth="repeat">
-      <a:schemeClr val="lt1">
-        <a:alpha val="90000"/>
-      </a:schemeClr>
-    </dgm:fillClrLst>
-    <dgm:linClrLst meth="repeat">
-      <a:schemeClr val="accent1"/>
-    </dgm:linClrLst>
-    <dgm:effectClrLst/>
-    <dgm:txLinClrLst/>
-    <dgm:txFillClrLst meth="repeat">
-      <a:schemeClr val="dk1"/>
-    </dgm:txFillClrLst>
-    <dgm:txEffectClrLst/>
-  </dgm:styleLbl>
-  <dgm:styleLbl name="fgAcc2">
-    <dgm:fillClrLst meth="repeat">
-      <a:schemeClr val="lt1">
-        <a:alpha val="90000"/>
-      </a:schemeClr>
-    </dgm:fillClrLst>
-    <dgm:linClrLst meth="repeat">
-      <a:schemeClr val="accent1"/>
-    </dgm:linClrLst>
-    <dgm:effectClrLst/>
-    <dgm:txLinClrLst/>
-    <dgm:txFillClrLst meth="repeat">
-      <a:schemeClr val="dk1"/>
-    </dgm:txFillClrLst>
-    <dgm:txEffectClrLst/>
-  </dgm:styleLbl>
-  <dgm:styleLbl name="fgAcc3">
-    <dgm:fillClrLst meth="repeat">
-      <a:schemeClr val="lt1">
-        <a:alpha val="90000"/>
-      </a:schemeClr>
-    </dgm:fillClrLst>
-    <dgm:linClrLst meth="repeat">
-      <a:schemeClr val="accent1"/>
-    </dgm:linClrLst>
-    <dgm:effectClrLst/>
-    <dgm:txLinClrLst/>
-    <dgm:txFillClrLst meth="repeat">
-      <a:schemeClr val="dk1"/>
-    </dgm:txFillClrLst>
-    <dgm:txEffectClrLst/>
-  </dgm:styleLbl>
-  <dgm:styleLbl name="fgAcc4">
-    <dgm:fillClrLst meth="repeat">
-      <a:schemeClr val="lt1">
-        <a:alpha val="90000"/>
-      </a:schemeClr>
-    </dgm:fillClrLst>
-    <dgm:linClrLst meth="repeat">
-      <a:schemeClr val="accent1"/>
-    </dgm:linClrLst>
-    <dgm:effectClrLst/>
-    <dgm:txLinClrLst/>
-    <dgm:txFillClrLst meth="repeat">
-      <a:schemeClr val="dk1"/>
-    </dgm:txFillClrLst>
-    <dgm:txEffectClrLst/>
-  </dgm:styleLbl>
-  <dgm:styleLbl name="bgShp">
-    <dgm:fillClrLst meth="repeat">
-      <a:schemeClr val="bg1">
-        <a:lumMod val="95000"/>
-      </a:schemeClr>
-    </dgm:fillClrLst>
-    <dgm:linClrLst meth="repeat">
-      <a:schemeClr val="accent1"/>
-    </dgm:linClrLst>
-    <dgm:effectClrLst/>
-    <dgm:txLinClrLst/>
-    <dgm:txFillClrLst meth="repeat">
-      <a:schemeClr val="dk1"/>
-    </dgm:txFillClrLst>
-    <dgm:txEffectClrLst/>
-  </dgm:styleLbl>
-  <dgm:styleLbl name="dkBgShp">
-    <dgm:fillClrLst meth="repeat">
-      <a:schemeClr val="accent1">
-        <a:shade val="80000"/>
-      </a:schemeClr>
-    </dgm:fillClrLst>
-    <dgm:linClrLst meth="repeat">
-      <a:schemeClr val="accent1"/>
-    </dgm:linClrLst>
-    <dgm:effectClrLst/>
-    <dgm:txLinClrLst/>
-    <dgm:txFillClrLst meth="repeat">
-      <a:schemeClr val="lt1"/>
-    </dgm:txFillClrLst>
-    <dgm:txEffectClrLst/>
-  </dgm:styleLbl>
-  <dgm:styleLbl name="trBgShp">
-    <dgm:fillClrLst meth="repeat">
-      <a:schemeClr val="accent1">
-        <a:tint val="50000"/>
-        <a:alpha val="40000"/>
-      </a:schemeClr>
-    </dgm:fillClrLst>
-    <dgm:linClrLst meth="repeat">
-      <a:schemeClr val="accent1"/>
-    </dgm:linClrLst>
-    <dgm:effectClrLst/>
-    <dgm:txLinClrLst/>
-    <dgm:txFillClrLst meth="repeat">
-      <a:schemeClr val="lt1"/>
-    </dgm:txFillClrLst>
-    <dgm:txEffectClrLst/>
-  </dgm:styleLbl>
-  <dgm:styleLbl name="fgShp">
-    <dgm:fillClrLst meth="repeat">
-      <a:schemeClr val="accent1">
-        <a:tint val="60000"/>
-      </a:schemeClr>
-    </dgm:fillClrLst>
-    <dgm:linClrLst meth="repeat">
-      <a:schemeClr val="lt1"/>
-    </dgm:linClrLst>
-    <dgm:effectClrLst/>
-    <dgm:txLinClrLst/>
-    <dgm:txFillClrLst meth="repeat">
-      <a:schemeClr val="dk1"/>
-    </dgm:txFillClrLst>
-    <dgm:txEffectClrLst/>
-  </dgm:styleLbl>
-  <dgm:styleLbl name="revTx">
-    <dgm:fillClrLst meth="repeat">
-      <a:schemeClr val="lt1">
-        <a:alpha val="0"/>
-      </a:schemeClr>
-    </dgm:fillClrLst>
-    <dgm:linClrLst meth="repeat">
-      <a:schemeClr val="dk1">
-        <a:alpha val="0"/>
-      </a:schemeClr>
-    </dgm:linClrLst>
-    <dgm:effectClrLst/>
-    <dgm:txLinClrLst/>
-    <dgm:txFillClrLst meth="repeat">
-      <a:schemeClr val="tx1"/>
-    </dgm:txFillClrLst>
-    <dgm:txEffectClrLst/>
-  </dgm:styleLbl>
-</dgm:colorsDef>
-</file>
-
 <file path=ppt/diagrams/data1.xml><?xml version="1.0" encoding="utf-8"?>
-<dgm:dataModel xmlns:dgm="http://schemas.openxmlformats.org/drawingml/2006/diagram" xmlns:a="http://schemas.openxmlformats.org/drawingml/2006/main">
-  <dgm:ptLst>
-    <dgm:pt modelId="{21FAB650-787F-426D-8925-A8C261F22148}" type="doc">
-      <dgm:prSet loTypeId="urn:microsoft.com/office/officeart/2018/2/layout/IconLabelList" loCatId="icon" qsTypeId="urn:microsoft.com/office/officeart/2005/8/quickstyle/simple1" qsCatId="simple" csTypeId="urn:microsoft.com/office/officeart/2018/5/colors/Iconchunking_neutralbg_accent1_2" csCatId="accent1" phldr="1"/>
-      <dgm:spPr/>
-      <dgm:t>
-        <a:bodyPr/>
-        <a:lstStyle/>
-        <a:p>
-          <a:endParaRPr lang="en-US"/>
-        </a:p>
-      </dgm:t>
-    </dgm:pt>
-    <dgm:pt modelId="{DC64F337-8010-4DAB-B02B-72D906FBA843}">
-      <dgm:prSet/>
-      <dgm:spPr/>
-      <dgm:t>
-        <a:bodyPr/>
-        <a:lstStyle/>
-        <a:p>
-          <a:r>
-            <a:rPr lang="en-US"/>
-            <a:t>Introduction</a:t>
-          </a:r>
-        </a:p>
-      </dgm:t>
-    </dgm:pt>
-    <dgm:pt modelId="{D470CC3F-ACA9-40D3-B6F7-42645D6C3744}" type="parTrans" cxnId="{190F65FC-2C54-4A66-A280-15B2B2AEA887}">
-      <dgm:prSet/>
-      <dgm:spPr/>
-      <dgm:t>
-        <a:bodyPr/>
-        <a:lstStyle/>
-        <a:p>
-          <a:endParaRPr lang="en-US"/>
-        </a:p>
-      </dgm:t>
-    </dgm:pt>
-    <dgm:pt modelId="{AF232E0D-BDE4-41A8-B41D-01AE3D4137C0}" type="sibTrans" cxnId="{190F65FC-2C54-4A66-A280-15B2B2AEA887}">
-      <dgm:prSet/>
-      <dgm:spPr/>
-      <dgm:t>
-        <a:bodyPr/>
-        <a:lstStyle/>
-        <a:p>
-          <a:endParaRPr lang="en-US"/>
-        </a:p>
-      </dgm:t>
-    </dgm:pt>
-    <dgm:pt modelId="{33BDAD91-8514-442D-A8E1-2D1054CF9DB9}">
-      <dgm:prSet/>
-      <dgm:spPr/>
-      <dgm:t>
-        <a:bodyPr/>
-        <a:lstStyle/>
-        <a:p>
-          <a:r>
-            <a:rPr lang="en-US"/>
-            <a:t>Exploratory Data Analysis</a:t>
-          </a:r>
-        </a:p>
-      </dgm:t>
-    </dgm:pt>
-    <dgm:pt modelId="{D9DD5619-76C7-4559-88FD-986B72FEE1AA}" type="parTrans" cxnId="{F0D4F8F9-EEF6-48B7-9906-B4C0DBC8EC0B}">
-      <dgm:prSet/>
-      <dgm:spPr/>
-      <dgm:t>
-        <a:bodyPr/>
-        <a:lstStyle/>
-        <a:p>
-          <a:endParaRPr lang="en-US"/>
-        </a:p>
-      </dgm:t>
-    </dgm:pt>
-    <dgm:pt modelId="{2A806922-57C7-472A-A1CA-1DA62345EBC6}" type="sibTrans" cxnId="{F0D4F8F9-EEF6-48B7-9906-B4C0DBC8EC0B}">
-      <dgm:prSet/>
-      <dgm:spPr/>
-      <dgm:t>
-        <a:bodyPr/>
-        <a:lstStyle/>
-        <a:p>
-          <a:endParaRPr lang="en-US"/>
-        </a:p>
-      </dgm:t>
-    </dgm:pt>
-    <dgm:pt modelId="{AD0DE5C6-170A-4279-A1C0-6CDCDE95FBE7}">
-      <dgm:prSet/>
-      <dgm:spPr/>
-      <dgm:t>
-        <a:bodyPr/>
-        <a:lstStyle/>
-        <a:p>
-          <a:r>
-            <a:rPr lang="en-US"/>
-            <a:t>Data Preparation</a:t>
-          </a:r>
-        </a:p>
-      </dgm:t>
-    </dgm:pt>
-    <dgm:pt modelId="{A29DD663-7753-42C4-A658-CAC045549BE8}" type="parTrans" cxnId="{00AC06E2-1030-4DF4-82C9-98589F7561F0}">
-      <dgm:prSet/>
-      <dgm:spPr/>
-      <dgm:t>
-        <a:bodyPr/>
-        <a:lstStyle/>
-        <a:p>
-          <a:endParaRPr lang="en-US"/>
-        </a:p>
-      </dgm:t>
-    </dgm:pt>
-    <dgm:pt modelId="{580CD862-E8CD-42FC-A28A-99632E373C62}" type="sibTrans" cxnId="{00AC06E2-1030-4DF4-82C9-98589F7561F0}">
-      <dgm:prSet/>
-      <dgm:spPr/>
-      <dgm:t>
-        <a:bodyPr/>
-        <a:lstStyle/>
-        <a:p>
-          <a:endParaRPr lang="en-US"/>
-        </a:p>
-      </dgm:t>
-    </dgm:pt>
-    <dgm:pt modelId="{38D40432-6042-43A8-98E3-884334300A3E}">
-      <dgm:prSet/>
-      <dgm:spPr/>
-      <dgm:t>
-        <a:bodyPr/>
-        <a:lstStyle/>
-        <a:p>
-          <a:r>
-            <a:rPr lang="en-US"/>
-            <a:t>Data Modelling</a:t>
-          </a:r>
-        </a:p>
-      </dgm:t>
-    </dgm:pt>
-    <dgm:pt modelId="{CD8E7634-9231-4654-A0C8-B81CB1B26E81}" type="parTrans" cxnId="{A6DC91E6-031D-443A-AB8F-D943DA699616}">
-      <dgm:prSet/>
-      <dgm:spPr/>
-      <dgm:t>
-        <a:bodyPr/>
-        <a:lstStyle/>
-        <a:p>
-          <a:endParaRPr lang="en-US"/>
-        </a:p>
-      </dgm:t>
-    </dgm:pt>
-    <dgm:pt modelId="{FD21B60C-74D4-49FB-BA2E-551BE718E565}" type="sibTrans" cxnId="{A6DC91E6-031D-443A-AB8F-D943DA699616}">
-      <dgm:prSet/>
-      <dgm:spPr/>
-      <dgm:t>
-        <a:bodyPr/>
-        <a:lstStyle/>
-        <a:p>
-          <a:endParaRPr lang="en-US"/>
-        </a:p>
-      </dgm:t>
-    </dgm:pt>
-    <dgm:pt modelId="{E14533B3-3C56-4D55-BEE6-3BFBA3E0285E}">
-      <dgm:prSet/>
-      <dgm:spPr/>
-      <dgm:t>
-        <a:bodyPr/>
-        <a:lstStyle/>
-        <a:p>
-          <a:r>
-            <a:rPr lang="en-US"/>
-            <a:t>Model Assessment</a:t>
-          </a:r>
-        </a:p>
-      </dgm:t>
-    </dgm:pt>
-    <dgm:pt modelId="{77BC1AB6-F0E7-4B39-8259-EB5D233DDC93}" type="parTrans" cxnId="{AB42E8F6-69C9-46C8-BE4B-24FF047375F9}">
-      <dgm:prSet/>
-      <dgm:spPr/>
-      <dgm:t>
-        <a:bodyPr/>
-        <a:lstStyle/>
-        <a:p>
-          <a:endParaRPr lang="en-US"/>
-        </a:p>
-      </dgm:t>
-    </dgm:pt>
-    <dgm:pt modelId="{861912B6-5A55-4E44-8E91-6F1BE32BC9F5}" type="sibTrans" cxnId="{AB42E8F6-69C9-46C8-BE4B-24FF047375F9}">
-      <dgm:prSet/>
-      <dgm:spPr/>
-      <dgm:t>
-        <a:bodyPr/>
-        <a:lstStyle/>
-        <a:p>
-          <a:endParaRPr lang="en-US"/>
-        </a:p>
-      </dgm:t>
-    </dgm:pt>
-    <dgm:pt modelId="{EAC730F4-CCBA-485C-9BE5-5AD8919B5415}">
-      <dgm:prSet/>
-      <dgm:spPr/>
-      <dgm:t>
-        <a:bodyPr/>
-        <a:lstStyle/>
-        <a:p>
-          <a:r>
-            <a:rPr lang="en-US"/>
-            <a:t>Results</a:t>
-          </a:r>
-        </a:p>
-      </dgm:t>
-    </dgm:pt>
-    <dgm:pt modelId="{B53AD86E-0396-4BF8-B5B2-442A3EC33D78}" type="parTrans" cxnId="{9553CDFD-1BFB-4970-968F-32F67B29B0FE}">
-      <dgm:prSet/>
-      <dgm:spPr/>
-      <dgm:t>
-        <a:bodyPr/>
-        <a:lstStyle/>
-        <a:p>
-          <a:endParaRPr lang="en-US"/>
-        </a:p>
-      </dgm:t>
-    </dgm:pt>
-    <dgm:pt modelId="{F2721C6D-458B-4BD8-B7C6-72F1E04D045F}" type="sibTrans" cxnId="{9553CDFD-1BFB-4970-968F-32F67B29B0FE}">
-      <dgm:prSet/>
-      <dgm:spPr/>
-      <dgm:t>
-        <a:bodyPr/>
-        <a:lstStyle/>
-        <a:p>
-          <a:endParaRPr lang="en-US"/>
-        </a:p>
-      </dgm:t>
-    </dgm:pt>
-    <dgm:pt modelId="{D99DDA96-2DC5-40CB-BE96-4C4DF89331F7}" type="pres">
-      <dgm:prSet presAssocID="{21FAB650-787F-426D-8925-A8C261F22148}" presName="root" presStyleCnt="0">
-        <dgm:presLayoutVars>
-          <dgm:dir/>
-          <dgm:resizeHandles val="exact"/>
-        </dgm:presLayoutVars>
-      </dgm:prSet>
-      <dgm:spPr/>
-    </dgm:pt>
-    <dgm:pt modelId="{6A526076-A084-43B6-84C8-68C531049358}" type="pres">
-      <dgm:prSet presAssocID="{DC64F337-8010-4DAB-B02B-72D906FBA843}" presName="compNode" presStyleCnt="0"/>
-      <dgm:spPr/>
-    </dgm:pt>
-    <dgm:pt modelId="{B0DC1E51-B269-4467-822F-D82845B86D42}" type="pres">
-      <dgm:prSet presAssocID="{DC64F337-8010-4DAB-B02B-72D906FBA843}" presName="iconRect" presStyleLbl="node1" presStyleIdx="0" presStyleCnt="6"/>
-      <dgm:spPr>
-        <a:blipFill>
-          <a:blip xmlns:r="http://schemas.openxmlformats.org/officeDocument/2006/relationships" r:embed="rId1">
-            <a:extLst>
-              <a:ext uri="{96DAC541-7B7A-43D3-8B79-37D633B846F1}">
-                <asvg:svgBlip xmlns:asvg="http://schemas.microsoft.com/office/drawing/2016/SVG/main" r:embed="rId2"/>
-              </a:ext>
-            </a:extLst>
-          </a:blip>
-          <a:srcRect/>
-          <a:stretch>
-            <a:fillRect/>
-          </a:stretch>
-        </a:blipFill>
-        <a:ln>
-          <a:noFill/>
-        </a:ln>
-      </dgm:spPr>
-      <dgm:extLst>
-        <a:ext uri="{E40237B7-FDA0-4F09-8148-C483321AD2D9}">
-          <dgm14:cNvPr xmlns:dgm14="http://schemas.microsoft.com/office/drawing/2010/diagram" id="0" name="" descr="Document with solid fill"/>
-        </a:ext>
-      </dgm:extLst>
-    </dgm:pt>
-    <dgm:pt modelId="{5E3221B1-FDA6-49F5-9193-18A88A70BAF0}" type="pres">
-      <dgm:prSet presAssocID="{DC64F337-8010-4DAB-B02B-72D906FBA843}" presName="spaceRect" presStyleCnt="0"/>
-      <dgm:spPr/>
-    </dgm:pt>
-    <dgm:pt modelId="{F20CFA78-DB29-451B-ADDB-81F5FF86AF49}" type="pres">
-      <dgm:prSet presAssocID="{DC64F337-8010-4DAB-B02B-72D906FBA843}" presName="textRect" presStyleLbl="revTx" presStyleIdx="0" presStyleCnt="6">
-        <dgm:presLayoutVars>
-          <dgm:chMax val="1"/>
-          <dgm:chPref val="1"/>
-        </dgm:presLayoutVars>
-      </dgm:prSet>
-      <dgm:spPr/>
-    </dgm:pt>
-    <dgm:pt modelId="{AB3F82C8-FFCE-42FB-A37E-B8669C76E14E}" type="pres">
-      <dgm:prSet presAssocID="{AF232E0D-BDE4-41A8-B41D-01AE3D4137C0}" presName="sibTrans" presStyleCnt="0"/>
-      <dgm:spPr/>
-    </dgm:pt>
-    <dgm:pt modelId="{B1E7596A-234D-4BC4-8CEA-99DAC075293F}" type="pres">
-      <dgm:prSet presAssocID="{33BDAD91-8514-442D-A8E1-2D1054CF9DB9}" presName="compNode" presStyleCnt="0"/>
-      <dgm:spPr/>
-    </dgm:pt>
-    <dgm:pt modelId="{1C843CE0-8562-4AE3-8F3F-EE81AB295FA6}" type="pres">
-      <dgm:prSet presAssocID="{33BDAD91-8514-442D-A8E1-2D1054CF9DB9}" presName="iconRect" presStyleLbl="node1" presStyleIdx="1" presStyleCnt="6"/>
-      <dgm:spPr>
-        <a:blipFill>
-          <a:blip xmlns:r="http://schemas.openxmlformats.org/officeDocument/2006/relationships" r:embed="rId3">
-            <a:extLst>
-              <a:ext uri="{28A0092B-C50C-407E-A947-70E740481C1C}">
-                <a14:useLocalDpi xmlns:a14="http://schemas.microsoft.com/office/drawing/2010/main" val="0"/>
-              </a:ext>
-              <a:ext uri="{96DAC541-7B7A-43D3-8B79-37D633B846F1}">
-                <asvg:svgBlip xmlns:asvg="http://schemas.microsoft.com/office/drawing/2016/SVG/main" r:embed="rId4"/>
-              </a:ext>
-            </a:extLst>
-          </a:blip>
-          <a:stretch>
-            <a:fillRect/>
-          </a:stretch>
-        </a:blipFill>
-        <a:ln>
-          <a:noFill/>
-        </a:ln>
-      </dgm:spPr>
-      <dgm:extLst>
-        <a:ext uri="{E40237B7-FDA0-4F09-8148-C483321AD2D9}">
-          <dgm14:cNvPr xmlns:dgm14="http://schemas.microsoft.com/office/drawing/2010/diagram" id="0" name="" descr="Bar chart"/>
-        </a:ext>
-      </dgm:extLst>
-    </dgm:pt>
-    <dgm:pt modelId="{DA97D34F-2BB8-4EE2-990A-7C4393513B87}" type="pres">
-      <dgm:prSet presAssocID="{33BDAD91-8514-442D-A8E1-2D1054CF9DB9}" presName="spaceRect" presStyleCnt="0"/>
-      <dgm:spPr/>
-    </dgm:pt>
-    <dgm:pt modelId="{65DAE7BC-3695-4153-AD13-0B66798A3BFE}" type="pres">
-      <dgm:prSet presAssocID="{33BDAD91-8514-442D-A8E1-2D1054CF9DB9}" presName="textRect" presStyleLbl="revTx" presStyleIdx="1" presStyleCnt="6">
-        <dgm:presLayoutVars>
-          <dgm:chMax val="1"/>
-          <dgm:chPref val="1"/>
-        </dgm:presLayoutVars>
-      </dgm:prSet>
-      <dgm:spPr/>
-    </dgm:pt>
-    <dgm:pt modelId="{0BA00A7E-2444-490A-8BBE-14833BA2B540}" type="pres">
-      <dgm:prSet presAssocID="{2A806922-57C7-472A-A1CA-1DA62345EBC6}" presName="sibTrans" presStyleCnt="0"/>
-      <dgm:spPr/>
-    </dgm:pt>
-    <dgm:pt modelId="{84598C83-6914-480A-A286-5C6C286AA20F}" type="pres">
-      <dgm:prSet presAssocID="{AD0DE5C6-170A-4279-A1C0-6CDCDE95FBE7}" presName="compNode" presStyleCnt="0"/>
-      <dgm:spPr/>
-    </dgm:pt>
-    <dgm:pt modelId="{D234DF39-2ADC-4CB8-8AC7-2FB0C56ADF1A}" type="pres">
-      <dgm:prSet presAssocID="{AD0DE5C6-170A-4279-A1C0-6CDCDE95FBE7}" presName="iconRect" presStyleLbl="node1" presStyleIdx="2" presStyleCnt="6"/>
-      <dgm:spPr>
-        <a:blipFill>
-          <a:blip xmlns:r="http://schemas.openxmlformats.org/officeDocument/2006/relationships" r:embed="rId5">
-            <a:extLst>
-              <a:ext uri="{96DAC541-7B7A-43D3-8B79-37D633B846F1}">
-                <asvg:svgBlip xmlns:asvg="http://schemas.microsoft.com/office/drawing/2016/SVG/main" r:embed="rId6"/>
-              </a:ext>
-            </a:extLst>
-          </a:blip>
-          <a:srcRect/>
-          <a:stretch>
-            <a:fillRect/>
-          </a:stretch>
-        </a:blipFill>
-        <a:ln>
-          <a:noFill/>
-        </a:ln>
-      </dgm:spPr>
-      <dgm:extLst>
-        <a:ext uri="{E40237B7-FDA0-4F09-8148-C483321AD2D9}">
-          <dgm14:cNvPr xmlns:dgm14="http://schemas.microsoft.com/office/drawing/2010/diagram" id="0" name="" descr="Research with solid fill"/>
-        </a:ext>
-      </dgm:extLst>
-    </dgm:pt>
-    <dgm:pt modelId="{2294DE2E-9D9B-492F-A656-D45ED55C0E93}" type="pres">
-      <dgm:prSet presAssocID="{AD0DE5C6-170A-4279-A1C0-6CDCDE95FBE7}" presName="spaceRect" presStyleCnt="0"/>
-      <dgm:spPr/>
-    </dgm:pt>
-    <dgm:pt modelId="{58BFCEA1-479C-4E5D-A4A4-BD1CB2D5294D}" type="pres">
-      <dgm:prSet presAssocID="{AD0DE5C6-170A-4279-A1C0-6CDCDE95FBE7}" presName="textRect" presStyleLbl="revTx" presStyleIdx="2" presStyleCnt="6">
-        <dgm:presLayoutVars>
-          <dgm:chMax val="1"/>
-          <dgm:chPref val="1"/>
-        </dgm:presLayoutVars>
-      </dgm:prSet>
-      <dgm:spPr/>
-    </dgm:pt>
-    <dgm:pt modelId="{1D5EABD0-7AD7-4E9A-8E17-396B0E41CD05}" type="pres">
-      <dgm:prSet presAssocID="{580CD862-E8CD-42FC-A28A-99632E373C62}" presName="sibTrans" presStyleCnt="0"/>
-      <dgm:spPr/>
-    </dgm:pt>
-    <dgm:pt modelId="{8979B709-D0CA-464B-954F-59269EABD1FA}" type="pres">
-      <dgm:prSet presAssocID="{38D40432-6042-43A8-98E3-884334300A3E}" presName="compNode" presStyleCnt="0"/>
-      <dgm:spPr/>
-    </dgm:pt>
-    <dgm:pt modelId="{E05A54C0-AD79-4C05-9A80-FB9CE93218D3}" type="pres">
-      <dgm:prSet presAssocID="{38D40432-6042-43A8-98E3-884334300A3E}" presName="iconRect" presStyleLbl="node1" presStyleIdx="3" presStyleCnt="6"/>
-      <dgm:spPr>
-        <a:blipFill>
-          <a:blip xmlns:r="http://schemas.openxmlformats.org/officeDocument/2006/relationships" r:embed="rId7">
-            <a:extLst>
-              <a:ext uri="{96DAC541-7B7A-43D3-8B79-37D633B846F1}">
-                <asvg:svgBlip xmlns:asvg="http://schemas.microsoft.com/office/drawing/2016/SVG/main" r:embed="rId8"/>
-              </a:ext>
-            </a:extLst>
-          </a:blip>
-          <a:srcRect/>
-          <a:stretch>
-            <a:fillRect/>
-          </a:stretch>
-        </a:blipFill>
-        <a:ln>
-          <a:noFill/>
-        </a:ln>
-      </dgm:spPr>
-      <dgm:extLst>
-        <a:ext uri="{E40237B7-FDA0-4F09-8148-C483321AD2D9}">
-          <dgm14:cNvPr xmlns:dgm14="http://schemas.microsoft.com/office/drawing/2010/diagram" id="0" name="" descr="Blockchain with solid fill"/>
-        </a:ext>
-      </dgm:extLst>
-    </dgm:pt>
-    <dgm:pt modelId="{A88A35B3-E97D-4908-9E4A-47DB201763FD}" type="pres">
-      <dgm:prSet presAssocID="{38D40432-6042-43A8-98E3-884334300A3E}" presName="spaceRect" presStyleCnt="0"/>
-      <dgm:spPr/>
-    </dgm:pt>
-    <dgm:pt modelId="{C1251DAE-3E9D-4C65-80CF-9821EFDEF637}" type="pres">
-      <dgm:prSet presAssocID="{38D40432-6042-43A8-98E3-884334300A3E}" presName="textRect" presStyleLbl="revTx" presStyleIdx="3" presStyleCnt="6">
-        <dgm:presLayoutVars>
-          <dgm:chMax val="1"/>
-          <dgm:chPref val="1"/>
-        </dgm:presLayoutVars>
-      </dgm:prSet>
-      <dgm:spPr/>
-    </dgm:pt>
-    <dgm:pt modelId="{0F8CAE73-9910-4EB5-B74C-CFED9D1F4FB3}" type="pres">
-      <dgm:prSet presAssocID="{FD21B60C-74D4-49FB-BA2E-551BE718E565}" presName="sibTrans" presStyleCnt="0"/>
-      <dgm:spPr/>
-    </dgm:pt>
-    <dgm:pt modelId="{2CCC17D6-F979-4EFB-9483-61D709A812CF}" type="pres">
-      <dgm:prSet presAssocID="{E14533B3-3C56-4D55-BEE6-3BFBA3E0285E}" presName="compNode" presStyleCnt="0"/>
-      <dgm:spPr/>
-    </dgm:pt>
-    <dgm:pt modelId="{331B3EEA-3E34-47C8-9448-059F9F4C0ECB}" type="pres">
-      <dgm:prSet presAssocID="{E14533B3-3C56-4D55-BEE6-3BFBA3E0285E}" presName="iconRect" presStyleLbl="node1" presStyleIdx="4" presStyleCnt="6"/>
-      <dgm:spPr>
-        <a:blipFill>
-          <a:blip xmlns:r="http://schemas.openxmlformats.org/officeDocument/2006/relationships" r:embed="rId9">
-            <a:extLst>
-              <a:ext uri="{28A0092B-C50C-407E-A947-70E740481C1C}">
-                <a14:useLocalDpi xmlns:a14="http://schemas.microsoft.com/office/drawing/2010/main" val="0"/>
-              </a:ext>
-              <a:ext uri="{96DAC541-7B7A-43D3-8B79-37D633B846F1}">
-                <asvg:svgBlip xmlns:asvg="http://schemas.microsoft.com/office/drawing/2016/SVG/main" r:embed="rId10"/>
-              </a:ext>
-            </a:extLst>
-          </a:blip>
-          <a:stretch>
-            <a:fillRect/>
-          </a:stretch>
-        </a:blipFill>
-        <a:ln>
-          <a:noFill/>
-        </a:ln>
-      </dgm:spPr>
-      <dgm:extLst>
-        <a:ext uri="{E40237B7-FDA0-4F09-8148-C483321AD2D9}">
-          <dgm14:cNvPr xmlns:dgm14="http://schemas.microsoft.com/office/drawing/2010/diagram" id="0" name="" descr="Checklist"/>
-        </a:ext>
-      </dgm:extLst>
-    </dgm:pt>
-    <dgm:pt modelId="{3F1AFF14-38DF-4A14-8359-902BD1158443}" type="pres">
-      <dgm:prSet presAssocID="{E14533B3-3C56-4D55-BEE6-3BFBA3E0285E}" presName="spaceRect" presStyleCnt="0"/>
-      <dgm:spPr/>
-    </dgm:pt>
-    <dgm:pt modelId="{B6CBF9A6-D4BA-4C8B-AF2E-1546BD706E3B}" type="pres">
-      <dgm:prSet presAssocID="{E14533B3-3C56-4D55-BEE6-3BFBA3E0285E}" presName="textRect" presStyleLbl="revTx" presStyleIdx="4" presStyleCnt="6">
-        <dgm:presLayoutVars>
-          <dgm:chMax val="1"/>
-          <dgm:chPref val="1"/>
-        </dgm:presLayoutVars>
-      </dgm:prSet>
-      <dgm:spPr/>
-    </dgm:pt>
-    <dgm:pt modelId="{99AF7141-91C5-44E7-8241-8BBEE032B50C}" type="pres">
-      <dgm:prSet presAssocID="{861912B6-5A55-4E44-8E91-6F1BE32BC9F5}" presName="sibTrans" presStyleCnt="0"/>
-      <dgm:spPr/>
-    </dgm:pt>
-    <dgm:pt modelId="{4870A3D8-2A2B-4BB8-B995-218E0F8A004F}" type="pres">
-      <dgm:prSet presAssocID="{EAC730F4-CCBA-485C-9BE5-5AD8919B5415}" presName="compNode" presStyleCnt="0"/>
-      <dgm:spPr/>
-    </dgm:pt>
-    <dgm:pt modelId="{E9B78FD1-20CE-4C69-AC04-A5D912EF2F3B}" type="pres">
-      <dgm:prSet presAssocID="{EAC730F4-CCBA-485C-9BE5-5AD8919B5415}" presName="iconRect" presStyleLbl="node1" presStyleIdx="5" presStyleCnt="6"/>
-      <dgm:spPr>
-        <a:blipFill>
-          <a:blip xmlns:r="http://schemas.openxmlformats.org/officeDocument/2006/relationships" r:embed="rId11">
-            <a:extLst>
-              <a:ext uri="{28A0092B-C50C-407E-A947-70E740481C1C}">
-                <a14:useLocalDpi xmlns:a14="http://schemas.microsoft.com/office/drawing/2010/main" val="0"/>
-              </a:ext>
-              <a:ext uri="{96DAC541-7B7A-43D3-8B79-37D633B846F1}">
-                <asvg:svgBlip xmlns:asvg="http://schemas.microsoft.com/office/drawing/2016/SVG/main" r:embed="rId12"/>
-              </a:ext>
-            </a:extLst>
-          </a:blip>
-          <a:stretch>
-            <a:fillRect/>
-          </a:stretch>
-        </a:blipFill>
-        <a:ln>
-          <a:noFill/>
-        </a:ln>
-      </dgm:spPr>
-      <dgm:extLst>
-        <a:ext uri="{E40237B7-FDA0-4F09-8148-C483321AD2D9}">
-          <dgm14:cNvPr xmlns:dgm14="http://schemas.microsoft.com/office/drawing/2010/diagram" id="0" name="" descr="TestCase"/>
-        </a:ext>
-      </dgm:extLst>
-    </dgm:pt>
-    <dgm:pt modelId="{E2ACF4C5-5B1E-4AC1-92E3-82B374909762}" type="pres">
-      <dgm:prSet presAssocID="{EAC730F4-CCBA-485C-9BE5-5AD8919B5415}" presName="spaceRect" presStyleCnt="0"/>
-      <dgm:spPr/>
-    </dgm:pt>
-    <dgm:pt modelId="{B8C116F7-3F7C-4357-8715-FC3CAA4844C8}" type="pres">
-      <dgm:prSet presAssocID="{EAC730F4-CCBA-485C-9BE5-5AD8919B5415}" presName="textRect" presStyleLbl="revTx" presStyleIdx="5" presStyleCnt="6">
-        <dgm:presLayoutVars>
-          <dgm:chMax val="1"/>
-          <dgm:chPref val="1"/>
-        </dgm:presLayoutVars>
-      </dgm:prSet>
-      <dgm:spPr/>
-    </dgm:pt>
-  </dgm:ptLst>
-  <dgm:cxnLst>
-    <dgm:cxn modelId="{E7DC5307-4B3F-4A84-964A-CD662B1F3AA1}" type="presOf" srcId="{DC64F337-8010-4DAB-B02B-72D906FBA843}" destId="{F20CFA78-DB29-451B-ADDB-81F5FF86AF49}" srcOrd="0" destOrd="0" presId="urn:microsoft.com/office/officeart/2018/2/layout/IconLabelList"/>
-    <dgm:cxn modelId="{19FE7B15-AB54-4896-BB58-E2D940082472}" type="presOf" srcId="{38D40432-6042-43A8-98E3-884334300A3E}" destId="{C1251DAE-3E9D-4C65-80CF-9821EFDEF637}" srcOrd="0" destOrd="0" presId="urn:microsoft.com/office/officeart/2018/2/layout/IconLabelList"/>
-    <dgm:cxn modelId="{E5FEBE87-5FDC-4472-BCFE-2372B88EC561}" type="presOf" srcId="{EAC730F4-CCBA-485C-9BE5-5AD8919B5415}" destId="{B8C116F7-3F7C-4357-8715-FC3CAA4844C8}" srcOrd="0" destOrd="0" presId="urn:microsoft.com/office/officeart/2018/2/layout/IconLabelList"/>
-    <dgm:cxn modelId="{B7751F8A-C2C8-4EA8-8003-82773069D5BC}" type="presOf" srcId="{33BDAD91-8514-442D-A8E1-2D1054CF9DB9}" destId="{65DAE7BC-3695-4153-AD13-0B66798A3BFE}" srcOrd="0" destOrd="0" presId="urn:microsoft.com/office/officeart/2018/2/layout/IconLabelList"/>
-    <dgm:cxn modelId="{CCC90EA9-B743-483E-B7B4-068FF4DD2D44}" type="presOf" srcId="{21FAB650-787F-426D-8925-A8C261F22148}" destId="{D99DDA96-2DC5-40CB-BE96-4C4DF89331F7}" srcOrd="0" destOrd="0" presId="urn:microsoft.com/office/officeart/2018/2/layout/IconLabelList"/>
-    <dgm:cxn modelId="{FF66BEB8-AF0A-4B4C-9E6F-0688DE78859F}" type="presOf" srcId="{AD0DE5C6-170A-4279-A1C0-6CDCDE95FBE7}" destId="{58BFCEA1-479C-4E5D-A4A4-BD1CB2D5294D}" srcOrd="0" destOrd="0" presId="urn:microsoft.com/office/officeart/2018/2/layout/IconLabelList"/>
-    <dgm:cxn modelId="{00AC06E2-1030-4DF4-82C9-98589F7561F0}" srcId="{21FAB650-787F-426D-8925-A8C261F22148}" destId="{AD0DE5C6-170A-4279-A1C0-6CDCDE95FBE7}" srcOrd="2" destOrd="0" parTransId="{A29DD663-7753-42C4-A658-CAC045549BE8}" sibTransId="{580CD862-E8CD-42FC-A28A-99632E373C62}"/>
-    <dgm:cxn modelId="{567379E3-DB5D-488F-8997-556CE3EEEC05}" type="presOf" srcId="{E14533B3-3C56-4D55-BEE6-3BFBA3E0285E}" destId="{B6CBF9A6-D4BA-4C8B-AF2E-1546BD706E3B}" srcOrd="0" destOrd="0" presId="urn:microsoft.com/office/officeart/2018/2/layout/IconLabelList"/>
-    <dgm:cxn modelId="{A6DC91E6-031D-443A-AB8F-D943DA699616}" srcId="{21FAB650-787F-426D-8925-A8C261F22148}" destId="{38D40432-6042-43A8-98E3-884334300A3E}" srcOrd="3" destOrd="0" parTransId="{CD8E7634-9231-4654-A0C8-B81CB1B26E81}" sibTransId="{FD21B60C-74D4-49FB-BA2E-551BE718E565}"/>
-    <dgm:cxn modelId="{AB42E8F6-69C9-46C8-BE4B-24FF047375F9}" srcId="{21FAB650-787F-426D-8925-A8C261F22148}" destId="{E14533B3-3C56-4D55-BEE6-3BFBA3E0285E}" srcOrd="4" destOrd="0" parTransId="{77BC1AB6-F0E7-4B39-8259-EB5D233DDC93}" sibTransId="{861912B6-5A55-4E44-8E91-6F1BE32BC9F5}"/>
-    <dgm:cxn modelId="{F0D4F8F9-EEF6-48B7-9906-B4C0DBC8EC0B}" srcId="{21FAB650-787F-426D-8925-A8C261F22148}" destId="{33BDAD91-8514-442D-A8E1-2D1054CF9DB9}" srcOrd="1" destOrd="0" parTransId="{D9DD5619-76C7-4559-88FD-986B72FEE1AA}" sibTransId="{2A806922-57C7-472A-A1CA-1DA62345EBC6}"/>
-    <dgm:cxn modelId="{190F65FC-2C54-4A66-A280-15B2B2AEA887}" srcId="{21FAB650-787F-426D-8925-A8C261F22148}" destId="{DC64F337-8010-4DAB-B02B-72D906FBA843}" srcOrd="0" destOrd="0" parTransId="{D470CC3F-ACA9-40D3-B6F7-42645D6C3744}" sibTransId="{AF232E0D-BDE4-41A8-B41D-01AE3D4137C0}"/>
-    <dgm:cxn modelId="{9553CDFD-1BFB-4970-968F-32F67B29B0FE}" srcId="{21FAB650-787F-426D-8925-A8C261F22148}" destId="{EAC730F4-CCBA-485C-9BE5-5AD8919B5415}" srcOrd="5" destOrd="0" parTransId="{B53AD86E-0396-4BF8-B5B2-442A3EC33D78}" sibTransId="{F2721C6D-458B-4BD8-B7C6-72F1E04D045F}"/>
-    <dgm:cxn modelId="{87CF5778-8850-4283-8289-3AA4580157CF}" type="presParOf" srcId="{D99DDA96-2DC5-40CB-BE96-4C4DF89331F7}" destId="{6A526076-A084-43B6-84C8-68C531049358}" srcOrd="0" destOrd="0" presId="urn:microsoft.com/office/officeart/2018/2/layout/IconLabelList"/>
-    <dgm:cxn modelId="{8B51EB00-4FC7-49D5-A28F-1BDC50780AED}" type="presParOf" srcId="{6A526076-A084-43B6-84C8-68C531049358}" destId="{B0DC1E51-B269-4467-822F-D82845B86D42}" srcOrd="0" destOrd="0" presId="urn:microsoft.com/office/officeart/2018/2/layout/IconLabelList"/>
-    <dgm:cxn modelId="{9F327A73-A49C-4F50-A6E3-04B4E7497B38}" type="presParOf" srcId="{6A526076-A084-43B6-84C8-68C531049358}" destId="{5E3221B1-FDA6-49F5-9193-18A88A70BAF0}" srcOrd="1" destOrd="0" presId="urn:microsoft.com/office/officeart/2018/2/layout/IconLabelList"/>
-    <dgm:cxn modelId="{D9B56622-920F-4376-AA16-9BA7E481E97B}" type="presParOf" srcId="{6A526076-A084-43B6-84C8-68C531049358}" destId="{F20CFA78-DB29-451B-ADDB-81F5FF86AF49}" srcOrd="2" destOrd="0" presId="urn:microsoft.com/office/officeart/2018/2/layout/IconLabelList"/>
-    <dgm:cxn modelId="{2BCEBCC2-8F8E-49C3-93D1-8DD67EA3960A}" type="presParOf" srcId="{D99DDA96-2DC5-40CB-BE96-4C4DF89331F7}" destId="{AB3F82C8-FFCE-42FB-A37E-B8669C76E14E}" srcOrd="1" destOrd="0" presId="urn:microsoft.com/office/officeart/2018/2/layout/IconLabelList"/>
-    <dgm:cxn modelId="{7F8A0FED-6124-4862-B523-4F8B188DF97F}" type="presParOf" srcId="{D99DDA96-2DC5-40CB-BE96-4C4DF89331F7}" destId="{B1E7596A-234D-4BC4-8CEA-99DAC075293F}" srcOrd="2" destOrd="0" presId="urn:microsoft.com/office/officeart/2018/2/layout/IconLabelList"/>
-    <dgm:cxn modelId="{4C2E6413-04D3-46EF-BBF4-23043F16F544}" type="presParOf" srcId="{B1E7596A-234D-4BC4-8CEA-99DAC075293F}" destId="{1C843CE0-8562-4AE3-8F3F-EE81AB295FA6}" srcOrd="0" destOrd="0" presId="urn:microsoft.com/office/officeart/2018/2/layout/IconLabelList"/>
-    <dgm:cxn modelId="{9ED17DD9-3B42-410A-9E02-699090CCAA2F}" type="presParOf" srcId="{B1E7596A-234D-4BC4-8CEA-99DAC075293F}" destId="{DA97D34F-2BB8-4EE2-990A-7C4393513B87}" srcOrd="1" destOrd="0" presId="urn:microsoft.com/office/officeart/2018/2/layout/IconLabelList"/>
-    <dgm:cxn modelId="{2744D7F4-4610-4A91-90C5-68C74E62FDB3}" type="presParOf" srcId="{B1E7596A-234D-4BC4-8CEA-99DAC075293F}" destId="{65DAE7BC-3695-4153-AD13-0B66798A3BFE}" srcOrd="2" destOrd="0" presId="urn:microsoft.com/office/officeart/2018/2/layout/IconLabelList"/>
-    <dgm:cxn modelId="{D99D89BB-AC8D-421E-AC24-C1C560D21F91}" type="presParOf" srcId="{D99DDA96-2DC5-40CB-BE96-4C4DF89331F7}" destId="{0BA00A7E-2444-490A-8BBE-14833BA2B540}" srcOrd="3" destOrd="0" presId="urn:microsoft.com/office/officeart/2018/2/layout/IconLabelList"/>
-    <dgm:cxn modelId="{AD626996-0F18-4042-9911-10448BA50315}" type="presParOf" srcId="{D99DDA96-2DC5-40CB-BE96-4C4DF89331F7}" destId="{84598C83-6914-480A-A286-5C6C286AA20F}" srcOrd="4" destOrd="0" presId="urn:microsoft.com/office/officeart/2018/2/layout/IconLabelList"/>
-    <dgm:cxn modelId="{4B92343A-5226-49CA-B37D-C624EDB68C98}" type="presParOf" srcId="{84598C83-6914-480A-A286-5C6C286AA20F}" destId="{D234DF39-2ADC-4CB8-8AC7-2FB0C56ADF1A}" srcOrd="0" destOrd="0" presId="urn:microsoft.com/office/officeart/2018/2/layout/IconLabelList"/>
-    <dgm:cxn modelId="{1713A077-CD79-40F5-8C20-EA33CF4E9386}" type="presParOf" srcId="{84598C83-6914-480A-A286-5C6C286AA20F}" destId="{2294DE2E-9D9B-492F-A656-D45ED55C0E93}" srcOrd="1" destOrd="0" presId="urn:microsoft.com/office/officeart/2018/2/layout/IconLabelList"/>
-    <dgm:cxn modelId="{F983B602-74E4-4FA9-BA25-EC0BC69DA015}" type="presParOf" srcId="{84598C83-6914-480A-A286-5C6C286AA20F}" destId="{58BFCEA1-479C-4E5D-A4A4-BD1CB2D5294D}" srcOrd="2" destOrd="0" presId="urn:microsoft.com/office/officeart/2018/2/layout/IconLabelList"/>
-    <dgm:cxn modelId="{7A78FA14-15D6-49FB-96B2-E15205C247B8}" type="presParOf" srcId="{D99DDA96-2DC5-40CB-BE96-4C4DF89331F7}" destId="{1D5EABD0-7AD7-4E9A-8E17-396B0E41CD05}" srcOrd="5" destOrd="0" presId="urn:microsoft.com/office/officeart/2018/2/layout/IconLabelList"/>
-    <dgm:cxn modelId="{DD7F7C72-497F-4A77-BC7B-5B91B857DF5E}" type="presParOf" srcId="{D99DDA96-2DC5-40CB-BE96-4C4DF89331F7}" destId="{8979B709-D0CA-464B-954F-59269EABD1FA}" srcOrd="6" destOrd="0" presId="urn:microsoft.com/office/officeart/2018/2/layout/IconLabelList"/>
-    <dgm:cxn modelId="{CB36057A-5033-4BB2-912A-F1D9DF8A32EE}" type="presParOf" srcId="{8979B709-D0CA-464B-954F-59269EABD1FA}" destId="{E05A54C0-AD79-4C05-9A80-FB9CE93218D3}" srcOrd="0" destOrd="0" presId="urn:microsoft.com/office/officeart/2018/2/layout/IconLabelList"/>
-    <dgm:cxn modelId="{B3F4D222-CC37-462A-B0D6-BD6DF6D01FF6}" type="presParOf" srcId="{8979B709-D0CA-464B-954F-59269EABD1FA}" destId="{A88A35B3-E97D-4908-9E4A-47DB201763FD}" srcOrd="1" destOrd="0" presId="urn:microsoft.com/office/officeart/2018/2/layout/IconLabelList"/>
-    <dgm:cxn modelId="{5972F494-82D9-40F8-8959-5F501B86A1A5}" type="presParOf" srcId="{8979B709-D0CA-464B-954F-59269EABD1FA}" destId="{C1251DAE-3E9D-4C65-80CF-9821EFDEF637}" srcOrd="2" destOrd="0" presId="urn:microsoft.com/office/officeart/2018/2/layout/IconLabelList"/>
-    <dgm:cxn modelId="{14D2D277-C647-422A-94C8-10F5AC3AE78A}" type="presParOf" srcId="{D99DDA96-2DC5-40CB-BE96-4C4DF89331F7}" destId="{0F8CAE73-9910-4EB5-B74C-CFED9D1F4FB3}" srcOrd="7" destOrd="0" presId="urn:microsoft.com/office/officeart/2018/2/layout/IconLabelList"/>
-    <dgm:cxn modelId="{9AA15700-7E68-4708-ADB2-06BFB2BA20FC}" type="presParOf" srcId="{D99DDA96-2DC5-40CB-BE96-4C4DF89331F7}" destId="{2CCC17D6-F979-4EFB-9483-61D709A812CF}" srcOrd="8" destOrd="0" presId="urn:microsoft.com/office/officeart/2018/2/layout/IconLabelList"/>
-    <dgm:cxn modelId="{3D22994D-3D05-4F50-8B93-F97E5752151A}" type="presParOf" srcId="{2CCC17D6-F979-4EFB-9483-61D709A812CF}" destId="{331B3EEA-3E34-47C8-9448-059F9F4C0ECB}" srcOrd="0" destOrd="0" presId="urn:microsoft.com/office/officeart/2018/2/layout/IconLabelList"/>
-    <dgm:cxn modelId="{8E64BA10-DF72-42FC-A03D-F947B9F93B1E}" type="presParOf" srcId="{2CCC17D6-F979-4EFB-9483-61D709A812CF}" destId="{3F1AFF14-38DF-4A14-8359-902BD1158443}" srcOrd="1" destOrd="0" presId="urn:microsoft.com/office/officeart/2018/2/layout/IconLabelList"/>
-    <dgm:cxn modelId="{3244020B-39EB-4144-85F9-BA4E7382664A}" type="presParOf" srcId="{2CCC17D6-F979-4EFB-9483-61D709A812CF}" destId="{B6CBF9A6-D4BA-4C8B-AF2E-1546BD706E3B}" srcOrd="2" destOrd="0" presId="urn:microsoft.com/office/officeart/2018/2/layout/IconLabelList"/>
-    <dgm:cxn modelId="{827941CA-0BA5-40AA-9227-D802D7E5FA4F}" type="presParOf" srcId="{D99DDA96-2DC5-40CB-BE96-4C4DF89331F7}" destId="{99AF7141-91C5-44E7-8241-8BBEE032B50C}" srcOrd="9" destOrd="0" presId="urn:microsoft.com/office/officeart/2018/2/layout/IconLabelList"/>
-    <dgm:cxn modelId="{E7CA71B9-4149-495B-8CDA-58B601FCAF2E}" type="presParOf" srcId="{D99DDA96-2DC5-40CB-BE96-4C4DF89331F7}" destId="{4870A3D8-2A2B-4BB8-B995-218E0F8A004F}" srcOrd="10" destOrd="0" presId="urn:microsoft.com/office/officeart/2018/2/layout/IconLabelList"/>
-    <dgm:cxn modelId="{839EEAE4-2E9C-444C-8CFC-C22A3579E73D}" type="presParOf" srcId="{4870A3D8-2A2B-4BB8-B995-218E0F8A004F}" destId="{E9B78FD1-20CE-4C69-AC04-A5D912EF2F3B}" srcOrd="0" destOrd="0" presId="urn:microsoft.com/office/officeart/2018/2/layout/IconLabelList"/>
-    <dgm:cxn modelId="{A2B2CD46-D387-40C8-AE50-60FB3C05F854}" type="presParOf" srcId="{4870A3D8-2A2B-4BB8-B995-218E0F8A004F}" destId="{E2ACF4C5-5B1E-4AC1-92E3-82B374909762}" srcOrd="1" destOrd="0" presId="urn:microsoft.com/office/officeart/2018/2/layout/IconLabelList"/>
-    <dgm:cxn modelId="{6A0465AC-1FF4-4C07-A353-9D465ED51390}" type="presParOf" srcId="{4870A3D8-2A2B-4BB8-B995-218E0F8A004F}" destId="{B8C116F7-3F7C-4357-8715-FC3CAA4844C8}" srcOrd="2" destOrd="0" presId="urn:microsoft.com/office/officeart/2018/2/layout/IconLabelList"/>
-  </dgm:cxnLst>
-  <dgm:bg/>
-  <dgm:whole/>
-  <dgm:extLst>
-    <a:ext uri="http://schemas.microsoft.com/office/drawing/2008/diagram">
-      <dsp:dataModelExt xmlns:dsp="http://schemas.microsoft.com/office/drawing/2008/diagram" relId="rId6" minVer="http://schemas.openxmlformats.org/drawingml/2006/diagram"/>
-    </a:ext>
-  </dgm:extLst>
-</dgm:dataModel>
-</file>
-
-<file path=ppt/diagrams/data2.xml><?xml version="1.0" encoding="utf-8"?>
 <dgm:dataModel xmlns:dgm="http://schemas.openxmlformats.org/drawingml/2006/diagram" xmlns:a="http://schemas.openxmlformats.org/drawingml/2006/main">
   <dgm:ptLst>
     <dgm:pt modelId="{21FAB650-787F-426D-8925-A8C261F22148}" type="doc">
@@ -3428,666 +2105,6 @@
 </dsp:drawing>
 </file>
 
-<file path=ppt/diagrams/drawing2.xml><?xml version="1.0" encoding="utf-8"?>
-<dsp:drawing xmlns:dgm="http://schemas.openxmlformats.org/drawingml/2006/diagram" xmlns:dsp="http://schemas.microsoft.com/office/drawing/2008/diagram" xmlns:a="http://schemas.openxmlformats.org/drawingml/2006/main">
-  <dsp:spTree>
-    <dsp:nvGrpSpPr>
-      <dsp:cNvPr id="0" name=""/>
-      <dsp:cNvGrpSpPr/>
-    </dsp:nvGrpSpPr>
-    <dsp:grpSpPr/>
-    <dsp:sp modelId="{B0DC1E51-B269-4467-822F-D82845B86D42}">
-      <dsp:nvSpPr>
-        <dsp:cNvPr id="0" name=""/>
-        <dsp:cNvSpPr/>
-      </dsp:nvSpPr>
-      <dsp:spPr>
-        <a:xfrm>
-          <a:off x="619281" y="684162"/>
-          <a:ext cx="810000" cy="810000"/>
-        </a:xfrm>
-        <a:prstGeom prst="rect">
-          <a:avLst/>
-        </a:prstGeom>
-        <a:blipFill>
-          <a:blip xmlns:r="http://schemas.openxmlformats.org/officeDocument/2006/relationships" r:embed="rId1">
-            <a:extLst>
-              <a:ext uri="{96DAC541-7B7A-43D3-8B79-37D633B846F1}">
-                <asvg:svgBlip xmlns:asvg="http://schemas.microsoft.com/office/drawing/2016/SVG/main" r:embed="rId2"/>
-              </a:ext>
-            </a:extLst>
-          </a:blip>
-          <a:srcRect/>
-          <a:stretch>
-            <a:fillRect/>
-          </a:stretch>
-        </a:blipFill>
-        <a:ln w="12700" cap="flat" cmpd="sng" algn="ctr">
-          <a:noFill/>
-          <a:prstDash val="solid"/>
-        </a:ln>
-        <a:effectLst/>
-      </dsp:spPr>
-      <dsp:style>
-        <a:lnRef idx="2">
-          <a:scrgbClr r="0" g="0" b="0"/>
-        </a:lnRef>
-        <a:fillRef idx="1">
-          <a:scrgbClr r="0" g="0" b="0"/>
-        </a:fillRef>
-        <a:effectRef idx="0">
-          <a:scrgbClr r="0" g="0" b="0"/>
-        </a:effectRef>
-        <a:fontRef idx="minor">
-          <a:schemeClr val="lt1"/>
-        </a:fontRef>
-      </dsp:style>
-    </dsp:sp>
-    <dsp:sp modelId="{F20CFA78-DB29-451B-ADDB-81F5FF86AF49}">
-      <dsp:nvSpPr>
-        <dsp:cNvPr id="0" name=""/>
-        <dsp:cNvSpPr/>
-      </dsp:nvSpPr>
-      <dsp:spPr>
-        <a:xfrm>
-          <a:off x="124281" y="1826775"/>
-          <a:ext cx="1800000" cy="720000"/>
-        </a:xfrm>
-        <a:prstGeom prst="rect">
-          <a:avLst/>
-        </a:prstGeom>
-        <a:noFill/>
-        <a:ln>
-          <a:noFill/>
-        </a:ln>
-        <a:effectLst/>
-      </dsp:spPr>
-      <dsp:style>
-        <a:lnRef idx="0">
-          <a:scrgbClr r="0" g="0" b="0"/>
-        </a:lnRef>
-        <a:fillRef idx="0">
-          <a:scrgbClr r="0" g="0" b="0"/>
-        </a:fillRef>
-        <a:effectRef idx="0">
-          <a:scrgbClr r="0" g="0" b="0"/>
-        </a:effectRef>
-        <a:fontRef idx="minor"/>
-      </dsp:style>
-      <dsp:txBody>
-        <a:bodyPr spcFirstLastPara="0" vert="horz" wrap="square" lIns="0" tIns="0" rIns="0" bIns="0" numCol="1" spcCol="1270" anchor="t" anchorCtr="0">
-          <a:noAutofit/>
-        </a:bodyPr>
-        <a:lstStyle/>
-        <a:p>
-          <a:pPr marL="0" lvl="0" indent="0" algn="ctr" defTabSz="1066800">
-            <a:lnSpc>
-              <a:spcPct val="90000"/>
-            </a:lnSpc>
-            <a:spcBef>
-              <a:spcPct val="0"/>
-            </a:spcBef>
-            <a:spcAft>
-              <a:spcPct val="35000"/>
-            </a:spcAft>
-            <a:buNone/>
-          </a:pPr>
-          <a:r>
-            <a:rPr lang="en-US" sz="2400" kern="1200"/>
-            <a:t>Introduction</a:t>
-          </a:r>
-        </a:p>
-      </dsp:txBody>
-      <dsp:txXfrm>
-        <a:off x="124281" y="1826775"/>
-        <a:ext cx="1800000" cy="720000"/>
-      </dsp:txXfrm>
-    </dsp:sp>
-    <dsp:sp modelId="{1C843CE0-8562-4AE3-8F3F-EE81AB295FA6}">
-      <dsp:nvSpPr>
-        <dsp:cNvPr id="0" name=""/>
-        <dsp:cNvSpPr/>
-      </dsp:nvSpPr>
-      <dsp:spPr>
-        <a:xfrm>
-          <a:off x="2734281" y="684162"/>
-          <a:ext cx="810000" cy="810000"/>
-        </a:xfrm>
-        <a:prstGeom prst="rect">
-          <a:avLst/>
-        </a:prstGeom>
-        <a:blipFill>
-          <a:blip xmlns:r="http://schemas.openxmlformats.org/officeDocument/2006/relationships" r:embed="rId3">
-            <a:extLst>
-              <a:ext uri="{28A0092B-C50C-407E-A947-70E740481C1C}">
-                <a14:useLocalDpi xmlns:a14="http://schemas.microsoft.com/office/drawing/2010/main" val="0"/>
-              </a:ext>
-              <a:ext uri="{96DAC541-7B7A-43D3-8B79-37D633B846F1}">
-                <asvg:svgBlip xmlns:asvg="http://schemas.microsoft.com/office/drawing/2016/SVG/main" r:embed="rId4"/>
-              </a:ext>
-            </a:extLst>
-          </a:blip>
-          <a:stretch>
-            <a:fillRect/>
-          </a:stretch>
-        </a:blipFill>
-        <a:ln w="12700" cap="flat" cmpd="sng" algn="ctr">
-          <a:noFill/>
-          <a:prstDash val="solid"/>
-        </a:ln>
-        <a:effectLst/>
-      </dsp:spPr>
-      <dsp:style>
-        <a:lnRef idx="2">
-          <a:scrgbClr r="0" g="0" b="0"/>
-        </a:lnRef>
-        <a:fillRef idx="1">
-          <a:scrgbClr r="0" g="0" b="0"/>
-        </a:fillRef>
-        <a:effectRef idx="0">
-          <a:scrgbClr r="0" g="0" b="0"/>
-        </a:effectRef>
-        <a:fontRef idx="minor">
-          <a:schemeClr val="lt1"/>
-        </a:fontRef>
-      </dsp:style>
-    </dsp:sp>
-    <dsp:sp modelId="{65DAE7BC-3695-4153-AD13-0B66798A3BFE}">
-      <dsp:nvSpPr>
-        <dsp:cNvPr id="0" name=""/>
-        <dsp:cNvSpPr/>
-      </dsp:nvSpPr>
-      <dsp:spPr>
-        <a:xfrm>
-          <a:off x="2239281" y="1826775"/>
-          <a:ext cx="1800000" cy="720000"/>
-        </a:xfrm>
-        <a:prstGeom prst="rect">
-          <a:avLst/>
-        </a:prstGeom>
-        <a:noFill/>
-        <a:ln>
-          <a:noFill/>
-        </a:ln>
-        <a:effectLst/>
-      </dsp:spPr>
-      <dsp:style>
-        <a:lnRef idx="0">
-          <a:scrgbClr r="0" g="0" b="0"/>
-        </a:lnRef>
-        <a:fillRef idx="0">
-          <a:scrgbClr r="0" g="0" b="0"/>
-        </a:fillRef>
-        <a:effectRef idx="0">
-          <a:scrgbClr r="0" g="0" b="0"/>
-        </a:effectRef>
-        <a:fontRef idx="minor"/>
-      </dsp:style>
-      <dsp:txBody>
-        <a:bodyPr spcFirstLastPara="0" vert="horz" wrap="square" lIns="0" tIns="0" rIns="0" bIns="0" numCol="1" spcCol="1270" anchor="t" anchorCtr="0">
-          <a:noAutofit/>
-        </a:bodyPr>
-        <a:lstStyle/>
-        <a:p>
-          <a:pPr marL="0" lvl="0" indent="0" algn="ctr" defTabSz="1066800">
-            <a:lnSpc>
-              <a:spcPct val="90000"/>
-            </a:lnSpc>
-            <a:spcBef>
-              <a:spcPct val="0"/>
-            </a:spcBef>
-            <a:spcAft>
-              <a:spcPct val="35000"/>
-            </a:spcAft>
-            <a:buNone/>
-          </a:pPr>
-          <a:r>
-            <a:rPr lang="en-US" sz="2400" kern="1200"/>
-            <a:t>Exploratory Data Analysis</a:t>
-          </a:r>
-        </a:p>
-      </dsp:txBody>
-      <dsp:txXfrm>
-        <a:off x="2239281" y="1826775"/>
-        <a:ext cx="1800000" cy="720000"/>
-      </dsp:txXfrm>
-    </dsp:sp>
-    <dsp:sp modelId="{D234DF39-2ADC-4CB8-8AC7-2FB0C56ADF1A}">
-      <dsp:nvSpPr>
-        <dsp:cNvPr id="0" name=""/>
-        <dsp:cNvSpPr/>
-      </dsp:nvSpPr>
-      <dsp:spPr>
-        <a:xfrm>
-          <a:off x="4849281" y="684162"/>
-          <a:ext cx="810000" cy="810000"/>
-        </a:xfrm>
-        <a:prstGeom prst="rect">
-          <a:avLst/>
-        </a:prstGeom>
-        <a:blipFill>
-          <a:blip xmlns:r="http://schemas.openxmlformats.org/officeDocument/2006/relationships" r:embed="rId5">
-            <a:extLst>
-              <a:ext uri="{96DAC541-7B7A-43D3-8B79-37D633B846F1}">
-                <asvg:svgBlip xmlns:asvg="http://schemas.microsoft.com/office/drawing/2016/SVG/main" r:embed="rId6"/>
-              </a:ext>
-            </a:extLst>
-          </a:blip>
-          <a:srcRect/>
-          <a:stretch>
-            <a:fillRect/>
-          </a:stretch>
-        </a:blipFill>
-        <a:ln w="12700" cap="flat" cmpd="sng" algn="ctr">
-          <a:noFill/>
-          <a:prstDash val="solid"/>
-        </a:ln>
-        <a:effectLst/>
-      </dsp:spPr>
-      <dsp:style>
-        <a:lnRef idx="2">
-          <a:scrgbClr r="0" g="0" b="0"/>
-        </a:lnRef>
-        <a:fillRef idx="1">
-          <a:scrgbClr r="0" g="0" b="0"/>
-        </a:fillRef>
-        <a:effectRef idx="0">
-          <a:scrgbClr r="0" g="0" b="0"/>
-        </a:effectRef>
-        <a:fontRef idx="minor">
-          <a:schemeClr val="lt1"/>
-        </a:fontRef>
-      </dsp:style>
-    </dsp:sp>
-    <dsp:sp modelId="{58BFCEA1-479C-4E5D-A4A4-BD1CB2D5294D}">
-      <dsp:nvSpPr>
-        <dsp:cNvPr id="0" name=""/>
-        <dsp:cNvSpPr/>
-      </dsp:nvSpPr>
-      <dsp:spPr>
-        <a:xfrm>
-          <a:off x="4354281" y="1826775"/>
-          <a:ext cx="1800000" cy="720000"/>
-        </a:xfrm>
-        <a:prstGeom prst="rect">
-          <a:avLst/>
-        </a:prstGeom>
-        <a:noFill/>
-        <a:ln>
-          <a:noFill/>
-        </a:ln>
-        <a:effectLst/>
-      </dsp:spPr>
-      <dsp:style>
-        <a:lnRef idx="0">
-          <a:scrgbClr r="0" g="0" b="0"/>
-        </a:lnRef>
-        <a:fillRef idx="0">
-          <a:scrgbClr r="0" g="0" b="0"/>
-        </a:fillRef>
-        <a:effectRef idx="0">
-          <a:scrgbClr r="0" g="0" b="0"/>
-        </a:effectRef>
-        <a:fontRef idx="minor"/>
-      </dsp:style>
-      <dsp:txBody>
-        <a:bodyPr spcFirstLastPara="0" vert="horz" wrap="square" lIns="0" tIns="0" rIns="0" bIns="0" numCol="1" spcCol="1270" anchor="t" anchorCtr="0">
-          <a:noAutofit/>
-        </a:bodyPr>
-        <a:lstStyle/>
-        <a:p>
-          <a:pPr marL="0" lvl="0" indent="0" algn="ctr" defTabSz="1066800">
-            <a:lnSpc>
-              <a:spcPct val="90000"/>
-            </a:lnSpc>
-            <a:spcBef>
-              <a:spcPct val="0"/>
-            </a:spcBef>
-            <a:spcAft>
-              <a:spcPct val="35000"/>
-            </a:spcAft>
-            <a:buNone/>
-          </a:pPr>
-          <a:r>
-            <a:rPr lang="en-US" sz="2400" kern="1200"/>
-            <a:t>Data Preparation</a:t>
-          </a:r>
-        </a:p>
-      </dsp:txBody>
-      <dsp:txXfrm>
-        <a:off x="4354281" y="1826775"/>
-        <a:ext cx="1800000" cy="720000"/>
-      </dsp:txXfrm>
-    </dsp:sp>
-    <dsp:sp modelId="{E05A54C0-AD79-4C05-9A80-FB9CE93218D3}">
-      <dsp:nvSpPr>
-        <dsp:cNvPr id="0" name=""/>
-        <dsp:cNvSpPr/>
-      </dsp:nvSpPr>
-      <dsp:spPr>
-        <a:xfrm>
-          <a:off x="619281" y="2996775"/>
-          <a:ext cx="810000" cy="810000"/>
-        </a:xfrm>
-        <a:prstGeom prst="rect">
-          <a:avLst/>
-        </a:prstGeom>
-        <a:blipFill>
-          <a:blip xmlns:r="http://schemas.openxmlformats.org/officeDocument/2006/relationships" r:embed="rId7">
-            <a:extLst>
-              <a:ext uri="{96DAC541-7B7A-43D3-8B79-37D633B846F1}">
-                <asvg:svgBlip xmlns:asvg="http://schemas.microsoft.com/office/drawing/2016/SVG/main" r:embed="rId8"/>
-              </a:ext>
-            </a:extLst>
-          </a:blip>
-          <a:srcRect/>
-          <a:stretch>
-            <a:fillRect/>
-          </a:stretch>
-        </a:blipFill>
-        <a:ln w="12700" cap="flat" cmpd="sng" algn="ctr">
-          <a:noFill/>
-          <a:prstDash val="solid"/>
-        </a:ln>
-        <a:effectLst/>
-      </dsp:spPr>
-      <dsp:style>
-        <a:lnRef idx="2">
-          <a:scrgbClr r="0" g="0" b="0"/>
-        </a:lnRef>
-        <a:fillRef idx="1">
-          <a:scrgbClr r="0" g="0" b="0"/>
-        </a:fillRef>
-        <a:effectRef idx="0">
-          <a:scrgbClr r="0" g="0" b="0"/>
-        </a:effectRef>
-        <a:fontRef idx="minor">
-          <a:schemeClr val="lt1"/>
-        </a:fontRef>
-      </dsp:style>
-    </dsp:sp>
-    <dsp:sp modelId="{C1251DAE-3E9D-4C65-80CF-9821EFDEF637}">
-      <dsp:nvSpPr>
-        <dsp:cNvPr id="0" name=""/>
-        <dsp:cNvSpPr/>
-      </dsp:nvSpPr>
-      <dsp:spPr>
-        <a:xfrm>
-          <a:off x="124281" y="4139388"/>
-          <a:ext cx="1800000" cy="720000"/>
-        </a:xfrm>
-        <a:prstGeom prst="rect">
-          <a:avLst/>
-        </a:prstGeom>
-        <a:noFill/>
-        <a:ln>
-          <a:noFill/>
-        </a:ln>
-        <a:effectLst/>
-      </dsp:spPr>
-      <dsp:style>
-        <a:lnRef idx="0">
-          <a:scrgbClr r="0" g="0" b="0"/>
-        </a:lnRef>
-        <a:fillRef idx="0">
-          <a:scrgbClr r="0" g="0" b="0"/>
-        </a:fillRef>
-        <a:effectRef idx="0">
-          <a:scrgbClr r="0" g="0" b="0"/>
-        </a:effectRef>
-        <a:fontRef idx="minor"/>
-      </dsp:style>
-      <dsp:txBody>
-        <a:bodyPr spcFirstLastPara="0" vert="horz" wrap="square" lIns="0" tIns="0" rIns="0" bIns="0" numCol="1" spcCol="1270" anchor="t" anchorCtr="0">
-          <a:noAutofit/>
-        </a:bodyPr>
-        <a:lstStyle/>
-        <a:p>
-          <a:pPr marL="0" lvl="0" indent="0" algn="ctr" defTabSz="1066800">
-            <a:lnSpc>
-              <a:spcPct val="90000"/>
-            </a:lnSpc>
-            <a:spcBef>
-              <a:spcPct val="0"/>
-            </a:spcBef>
-            <a:spcAft>
-              <a:spcPct val="35000"/>
-            </a:spcAft>
-            <a:buNone/>
-          </a:pPr>
-          <a:r>
-            <a:rPr lang="en-US" sz="2400" kern="1200"/>
-            <a:t>Data Modelling</a:t>
-          </a:r>
-        </a:p>
-      </dsp:txBody>
-      <dsp:txXfrm>
-        <a:off x="124281" y="4139388"/>
-        <a:ext cx="1800000" cy="720000"/>
-      </dsp:txXfrm>
-    </dsp:sp>
-    <dsp:sp modelId="{331B3EEA-3E34-47C8-9448-059F9F4C0ECB}">
-      <dsp:nvSpPr>
-        <dsp:cNvPr id="0" name=""/>
-        <dsp:cNvSpPr/>
-      </dsp:nvSpPr>
-      <dsp:spPr>
-        <a:xfrm>
-          <a:off x="2734281" y="2996775"/>
-          <a:ext cx="810000" cy="810000"/>
-        </a:xfrm>
-        <a:prstGeom prst="rect">
-          <a:avLst/>
-        </a:prstGeom>
-        <a:blipFill>
-          <a:blip xmlns:r="http://schemas.openxmlformats.org/officeDocument/2006/relationships" r:embed="rId9">
-            <a:extLst>
-              <a:ext uri="{28A0092B-C50C-407E-A947-70E740481C1C}">
-                <a14:useLocalDpi xmlns:a14="http://schemas.microsoft.com/office/drawing/2010/main" val="0"/>
-              </a:ext>
-              <a:ext uri="{96DAC541-7B7A-43D3-8B79-37D633B846F1}">
-                <asvg:svgBlip xmlns:asvg="http://schemas.microsoft.com/office/drawing/2016/SVG/main" r:embed="rId10"/>
-              </a:ext>
-            </a:extLst>
-          </a:blip>
-          <a:stretch>
-            <a:fillRect/>
-          </a:stretch>
-        </a:blipFill>
-        <a:ln w="12700" cap="flat" cmpd="sng" algn="ctr">
-          <a:noFill/>
-          <a:prstDash val="solid"/>
-        </a:ln>
-        <a:effectLst/>
-      </dsp:spPr>
-      <dsp:style>
-        <a:lnRef idx="2">
-          <a:scrgbClr r="0" g="0" b="0"/>
-        </a:lnRef>
-        <a:fillRef idx="1">
-          <a:scrgbClr r="0" g="0" b="0"/>
-        </a:fillRef>
-        <a:effectRef idx="0">
-          <a:scrgbClr r="0" g="0" b="0"/>
-        </a:effectRef>
-        <a:fontRef idx="minor">
-          <a:schemeClr val="lt1"/>
-        </a:fontRef>
-      </dsp:style>
-    </dsp:sp>
-    <dsp:sp modelId="{B6CBF9A6-D4BA-4C8B-AF2E-1546BD706E3B}">
-      <dsp:nvSpPr>
-        <dsp:cNvPr id="0" name=""/>
-        <dsp:cNvSpPr/>
-      </dsp:nvSpPr>
-      <dsp:spPr>
-        <a:xfrm>
-          <a:off x="2239281" y="4139388"/>
-          <a:ext cx="1800000" cy="720000"/>
-        </a:xfrm>
-        <a:prstGeom prst="rect">
-          <a:avLst/>
-        </a:prstGeom>
-        <a:noFill/>
-        <a:ln>
-          <a:noFill/>
-        </a:ln>
-        <a:effectLst/>
-      </dsp:spPr>
-      <dsp:style>
-        <a:lnRef idx="0">
-          <a:scrgbClr r="0" g="0" b="0"/>
-        </a:lnRef>
-        <a:fillRef idx="0">
-          <a:scrgbClr r="0" g="0" b="0"/>
-        </a:fillRef>
-        <a:effectRef idx="0">
-          <a:scrgbClr r="0" g="0" b="0"/>
-        </a:effectRef>
-        <a:fontRef idx="minor"/>
-      </dsp:style>
-      <dsp:txBody>
-        <a:bodyPr spcFirstLastPara="0" vert="horz" wrap="square" lIns="0" tIns="0" rIns="0" bIns="0" numCol="1" spcCol="1270" anchor="t" anchorCtr="0">
-          <a:noAutofit/>
-        </a:bodyPr>
-        <a:lstStyle/>
-        <a:p>
-          <a:pPr marL="0" lvl="0" indent="0" algn="ctr" defTabSz="1066800">
-            <a:lnSpc>
-              <a:spcPct val="90000"/>
-            </a:lnSpc>
-            <a:spcBef>
-              <a:spcPct val="0"/>
-            </a:spcBef>
-            <a:spcAft>
-              <a:spcPct val="35000"/>
-            </a:spcAft>
-            <a:buNone/>
-          </a:pPr>
-          <a:r>
-            <a:rPr lang="en-US" sz="2400" kern="1200"/>
-            <a:t>Model Assessment</a:t>
-          </a:r>
-        </a:p>
-      </dsp:txBody>
-      <dsp:txXfrm>
-        <a:off x="2239281" y="4139388"/>
-        <a:ext cx="1800000" cy="720000"/>
-      </dsp:txXfrm>
-    </dsp:sp>
-    <dsp:sp modelId="{E9B78FD1-20CE-4C69-AC04-A5D912EF2F3B}">
-      <dsp:nvSpPr>
-        <dsp:cNvPr id="0" name=""/>
-        <dsp:cNvSpPr/>
-      </dsp:nvSpPr>
-      <dsp:spPr>
-        <a:xfrm>
-          <a:off x="4849281" y="2996775"/>
-          <a:ext cx="810000" cy="810000"/>
-        </a:xfrm>
-        <a:prstGeom prst="rect">
-          <a:avLst/>
-        </a:prstGeom>
-        <a:blipFill>
-          <a:blip xmlns:r="http://schemas.openxmlformats.org/officeDocument/2006/relationships" r:embed="rId11">
-            <a:extLst>
-              <a:ext uri="{28A0092B-C50C-407E-A947-70E740481C1C}">
-                <a14:useLocalDpi xmlns:a14="http://schemas.microsoft.com/office/drawing/2010/main" val="0"/>
-              </a:ext>
-              <a:ext uri="{96DAC541-7B7A-43D3-8B79-37D633B846F1}">
-                <asvg:svgBlip xmlns:asvg="http://schemas.microsoft.com/office/drawing/2016/SVG/main" r:embed="rId12"/>
-              </a:ext>
-            </a:extLst>
-          </a:blip>
-          <a:stretch>
-            <a:fillRect/>
-          </a:stretch>
-        </a:blipFill>
-        <a:ln w="12700" cap="flat" cmpd="sng" algn="ctr">
-          <a:noFill/>
-          <a:prstDash val="solid"/>
-        </a:ln>
-        <a:effectLst/>
-      </dsp:spPr>
-      <dsp:style>
-        <a:lnRef idx="2">
-          <a:scrgbClr r="0" g="0" b="0"/>
-        </a:lnRef>
-        <a:fillRef idx="1">
-          <a:scrgbClr r="0" g="0" b="0"/>
-        </a:fillRef>
-        <a:effectRef idx="0">
-          <a:scrgbClr r="0" g="0" b="0"/>
-        </a:effectRef>
-        <a:fontRef idx="minor">
-          <a:schemeClr val="lt1"/>
-        </a:fontRef>
-      </dsp:style>
-    </dsp:sp>
-    <dsp:sp modelId="{B8C116F7-3F7C-4357-8715-FC3CAA4844C8}">
-      <dsp:nvSpPr>
-        <dsp:cNvPr id="0" name=""/>
-        <dsp:cNvSpPr/>
-      </dsp:nvSpPr>
-      <dsp:spPr>
-        <a:xfrm>
-          <a:off x="4354281" y="4139388"/>
-          <a:ext cx="1800000" cy="720000"/>
-        </a:xfrm>
-        <a:prstGeom prst="rect">
-          <a:avLst/>
-        </a:prstGeom>
-        <a:noFill/>
-        <a:ln>
-          <a:noFill/>
-        </a:ln>
-        <a:effectLst/>
-      </dsp:spPr>
-      <dsp:style>
-        <a:lnRef idx="0">
-          <a:scrgbClr r="0" g="0" b="0"/>
-        </a:lnRef>
-        <a:fillRef idx="0">
-          <a:scrgbClr r="0" g="0" b="0"/>
-        </a:fillRef>
-        <a:effectRef idx="0">
-          <a:scrgbClr r="0" g="0" b="0"/>
-        </a:effectRef>
-        <a:fontRef idx="minor"/>
-      </dsp:style>
-      <dsp:txBody>
-        <a:bodyPr spcFirstLastPara="0" vert="horz" wrap="square" lIns="0" tIns="0" rIns="0" bIns="0" numCol="1" spcCol="1270" anchor="t" anchorCtr="0">
-          <a:noAutofit/>
-        </a:bodyPr>
-        <a:lstStyle/>
-        <a:p>
-          <a:pPr marL="0" lvl="0" indent="0" algn="ctr" defTabSz="1066800">
-            <a:lnSpc>
-              <a:spcPct val="90000"/>
-            </a:lnSpc>
-            <a:spcBef>
-              <a:spcPct val="0"/>
-            </a:spcBef>
-            <a:spcAft>
-              <a:spcPct val="35000"/>
-            </a:spcAft>
-            <a:buNone/>
-          </a:pPr>
-          <a:r>
-            <a:rPr lang="en-US" sz="2400" kern="1200"/>
-            <a:t>Results</a:t>
-          </a:r>
-        </a:p>
-      </dsp:txBody>
-      <dsp:txXfrm>
-        <a:off x="4354281" y="4139388"/>
-        <a:ext cx="1800000" cy="720000"/>
-      </dsp:txXfrm>
-    </dsp:sp>
-  </dsp:spTree>
-</dsp:drawing>
-</file>
-
 <file path=ppt/diagrams/layout1.xml><?xml version="1.0" encoding="utf-8"?>
 <dgm:layoutDef xmlns:dgm="http://schemas.openxmlformats.org/drawingml/2006/diagram" xmlns:a="http://schemas.openxmlformats.org/drawingml/2006/main" uniqueId="urn:microsoft.com/office/officeart/2018/2/layout/IconLabelList">
   <dgm:title val="Icon Label List"/>
@@ -4278,1231 +2295,7 @@
 </dgm:layoutDef>
 </file>
 
-<file path=ppt/diagrams/layout2.xml><?xml version="1.0" encoding="utf-8"?>
-<dgm:layoutDef xmlns:dgm="http://schemas.openxmlformats.org/drawingml/2006/diagram" xmlns:a="http://schemas.openxmlformats.org/drawingml/2006/main" uniqueId="urn:microsoft.com/office/officeart/2018/2/layout/IconLabelList">
-  <dgm:title val="Icon Label List"/>
-  <dgm:desc val="Use to show non-sequential or grouped chunks of information accompanied by a related visuals. Works best with icons or small pictures with short text captions."/>
-  <dgm:catLst>
-    <dgm:cat type="icon" pri="500"/>
-  </dgm:catLst>
-  <dgm:sampData useDef="1">
-    <dgm:dataModel>
-      <dgm:ptLst/>
-      <dgm:bg/>
-      <dgm:whole/>
-    </dgm:dataModel>
-  </dgm:sampData>
-  <dgm:styleData useDef="1">
-    <dgm:dataModel>
-      <dgm:ptLst/>
-      <dgm:bg/>
-      <dgm:whole/>
-    </dgm:dataModel>
-  </dgm:styleData>
-  <dgm:clrData useDef="1">
-    <dgm:dataModel>
-      <dgm:ptLst/>
-      <dgm:bg/>
-      <dgm:whole/>
-    </dgm:dataModel>
-  </dgm:clrData>
-  <dgm:layoutNode name="root">
-    <dgm:varLst>
-      <dgm:dir/>
-      <dgm:resizeHandles val="exact"/>
-    </dgm:varLst>
-    <dgm:choose name="Name0">
-      <dgm:if name="Name1" axis="self" func="var" arg="dir" op="equ" val="norm">
-        <dgm:alg type="snake">
-          <dgm:param type="grDir" val="tL"/>
-          <dgm:param type="flowDir" val="row"/>
-          <dgm:param type="contDir" val="sameDir"/>
-          <dgm:param type="off" val="ctr"/>
-          <dgm:param type="vertAlign" val="mid"/>
-          <dgm:param type="horzAlign" val="ctr"/>
-        </dgm:alg>
-      </dgm:if>
-      <dgm:else name="Name2">
-        <dgm:alg type="snake">
-          <dgm:param type="grDir" val="tR"/>
-          <dgm:param type="flowDir" val="row"/>
-          <dgm:param type="contDir" val="sameDir"/>
-          <dgm:param type="off" val="ctr"/>
-          <dgm:param type="vertAlign" val="mid"/>
-          <dgm:param type="horzAlign" val="ctr"/>
-        </dgm:alg>
-      </dgm:else>
-    </dgm:choose>
-    <dgm:shape xmlns:r="http://schemas.openxmlformats.org/officeDocument/2006/relationships" r:blip="">
-      <dgm:adjLst/>
-    </dgm:shape>
-    <dgm:presOf/>
-    <dgm:choose name="Name3">
-      <dgm:if name="Name4" axis="ch" ptType="node" func="cnt" op="lte" val="2">
-        <dgm:constrLst>
-          <dgm:constr type="h" for="ch" forName="compNode" refType="h" fact="0.4"/>
-          <dgm:constr type="w" for="ch" forName="compNode" val="120"/>
-          <dgm:constr type="w" for="ch" forName="sibTrans" refType="w" refFor="ch" refForName="compNode" fact="0.175"/>
-          <dgm:constr type="sp" refType="w" refFor="ch" refForName="compNode" op="equ" fact="0.25"/>
-          <dgm:constr type="primFontSz" for="des" ptType="node" op="equ" val="50"/>
-          <dgm:constr type="h" for="des" forName="compNode" op="equ"/>
-          <dgm:constr type="h" for="des" forName="textRect" op="equ"/>
-        </dgm:constrLst>
-      </dgm:if>
-      <dgm:if name="Name5" axis="ch" ptType="node" func="cnt" op="lte" val="4">
-        <dgm:constrLst>
-          <dgm:constr type="h" for="ch" forName="compNode" refType="h" fact="0.4"/>
-          <dgm:constr type="w" for="ch" forName="compNode" refType="w"/>
-          <dgm:constr type="w" for="ch" forName="sibTrans" refType="w" refFor="ch" refForName="compNode" fact="0.175"/>
-          <dgm:constr type="sp" refType="w" refFor="ch" refForName="compNode" op="equ" fact="0.25"/>
-          <dgm:constr type="primFontSz" for="des" ptType="node" op="equ" val="36"/>
-          <dgm:constr type="h" for="des" forName="compNode" op="equ"/>
-          <dgm:constr type="h" for="des" forName="textRect" op="equ"/>
-        </dgm:constrLst>
-      </dgm:if>
-      <dgm:else name="Name6">
-        <dgm:constrLst>
-          <dgm:constr type="h" for="ch" forName="compNode" refType="h" fact="0.4"/>
-          <dgm:constr type="w" for="ch" forName="compNode" refType="w"/>
-          <dgm:constr type="w" for="ch" forName="sibTrans" refType="w" refFor="ch" refForName="compNode" fact="0.175"/>
-          <dgm:constr type="sp" refType="w" refFor="ch" refForName="compNode" op="equ" fact="0.25"/>
-          <dgm:constr type="primFontSz" for="des" ptType="node" op="equ" val="24"/>
-          <dgm:constr type="h" for="des" forName="compNode" op="equ"/>
-          <dgm:constr type="h" for="des" forName="textRect" op="equ"/>
-        </dgm:constrLst>
-      </dgm:else>
-    </dgm:choose>
-    <dgm:ruleLst>
-      <dgm:rule type="w" for="ch" forName="compNode" val="50" fact="NaN" max="NaN"/>
-    </dgm:ruleLst>
-    <dgm:forEach name="Name7" axis="ch" ptType="node">
-      <dgm:layoutNode name="compNode">
-        <dgm:alg type="composite"/>
-        <dgm:shape xmlns:r="http://schemas.openxmlformats.org/officeDocument/2006/relationships" r:blip="">
-          <dgm:adjLst/>
-        </dgm:shape>
-        <dgm:presOf axis="self"/>
-        <dgm:constrLst>
-          <dgm:constr type="w" for="ch" forName="iconRect" refType="w" fact="0.45"/>
-          <dgm:constr type="h" for="ch" forName="iconRect" refType="w" refFor="ch" refForName="iconRect"/>
-          <dgm:constr type="ctrX" for="ch" forName="iconRect" refType="w" fact="0.5"/>
-          <dgm:constr type="t" for="ch" forName="iconRect"/>
-          <dgm:constr type="h" for="ch" forName="spaceRect" refType="h" fact="0.15"/>
-          <dgm:constr type="w" for="ch" forName="spaceRect" refType="w"/>
-          <dgm:constr type="l" for="ch" forName="spaceRect"/>
-          <dgm:constr type="t" for="ch" forName="spaceRect" refType="b" refFor="ch" refForName="iconRect"/>
-          <dgm:constr type="h" for="ch" forName="textRect" val="20"/>
-          <dgm:constr type="w" for="ch" forName="textRect" refType="w"/>
-          <dgm:constr type="l" for="ch" forName="textRect"/>
-          <dgm:constr type="t" for="ch" forName="textRect" refType="b" refFor="ch" refForName="spaceRect"/>
-        </dgm:constrLst>
-        <dgm:ruleLst>
-          <dgm:rule type="h" val="INF" fact="NaN" max="NaN"/>
-        </dgm:ruleLst>
-        <dgm:layoutNode name="iconRect" styleLbl="node1">
-          <dgm:alg type="sp"/>
-          <dgm:shape xmlns:r="http://schemas.openxmlformats.org/officeDocument/2006/relationships" type="rect" r:blip="" blipPhldr="1">
-            <dgm:adjLst/>
-          </dgm:shape>
-          <dgm:presOf/>
-          <dgm:constrLst/>
-          <dgm:ruleLst/>
-        </dgm:layoutNode>
-        <dgm:layoutNode name="spaceRect">
-          <dgm:alg type="sp"/>
-          <dgm:shape xmlns:r="http://schemas.openxmlformats.org/officeDocument/2006/relationships" r:blip="">
-            <dgm:adjLst/>
-          </dgm:shape>
-          <dgm:presOf/>
-          <dgm:constrLst/>
-          <dgm:ruleLst/>
-        </dgm:layoutNode>
-        <dgm:layoutNode name="textRect" styleLbl="revTx">
-          <dgm:varLst>
-            <dgm:chMax val="1"/>
-            <dgm:chPref val="1"/>
-          </dgm:varLst>
-          <dgm:alg type="tx">
-            <dgm:param type="txAnchorVert" val="t"/>
-          </dgm:alg>
-          <dgm:shape xmlns:r="http://schemas.openxmlformats.org/officeDocument/2006/relationships" type="rect" r:blip="">
-            <dgm:adjLst/>
-          </dgm:shape>
-          <dgm:presOf axis="self" ptType="node"/>
-          <dgm:constrLst>
-            <dgm:constr type="lMarg"/>
-            <dgm:constr type="rMarg"/>
-            <dgm:constr type="tMarg"/>
-            <dgm:constr type="bMarg"/>
-          </dgm:constrLst>
-          <dgm:ruleLst>
-            <dgm:rule type="primFontSz" val="11" fact="NaN" max="NaN"/>
-            <dgm:rule type="h" val="INF" fact="NaN" max="NaN"/>
-          </dgm:ruleLst>
-        </dgm:layoutNode>
-      </dgm:layoutNode>
-      <dgm:forEach name="Name8" axis="followSib" ptType="sibTrans" cnt="1">
-        <dgm:layoutNode name="sibTrans">
-          <dgm:alg type="sp"/>
-          <dgm:shape xmlns:r="http://schemas.openxmlformats.org/officeDocument/2006/relationships" r:blip="">
-            <dgm:adjLst/>
-          </dgm:shape>
-          <dgm:presOf axis="self"/>
-          <dgm:constrLst/>
-          <dgm:ruleLst/>
-        </dgm:layoutNode>
-      </dgm:forEach>
-    </dgm:forEach>
-  </dgm:layoutNode>
-  <dgm:extLst>
-    <a:ext uri="{68A01E43-0DF5-4B5B-8FA6-DAF915123BFB}">
-      <dgm1612:lstStyle xmlns:dgm1612="http://schemas.microsoft.com/office/drawing/2016/12/diagram">
-        <a:lvl1pPr>
-          <a:lnSpc>
-            <a:spcPct val="100000"/>
-          </a:lnSpc>
-        </a:lvl1pPr>
-      </dgm1612:lstStyle>
-    </a:ext>
-  </dgm:extLst>
-</dgm:layoutDef>
-</file>
-
 <file path=ppt/diagrams/quickStyle1.xml><?xml version="1.0" encoding="utf-8"?>
-<dgm:styleDef xmlns:dgm="http://schemas.openxmlformats.org/drawingml/2006/diagram" xmlns:a="http://schemas.openxmlformats.org/drawingml/2006/main" uniqueId="urn:microsoft.com/office/officeart/2005/8/quickstyle/simple1">
-  <dgm:title val=""/>
-  <dgm:desc val=""/>
-  <dgm:catLst>
-    <dgm:cat type="simple" pri="10100"/>
-  </dgm:catLst>
-  <dgm:scene3d>
-    <a:camera prst="orthographicFront"/>
-    <a:lightRig rig="threePt" dir="t"/>
-  </dgm:scene3d>
-  <dgm:styleLbl name="node0">
-    <dgm:scene3d>
-      <a:camera prst="orthographicFront"/>
-      <a:lightRig rig="threePt" dir="t"/>
-    </dgm:scene3d>
-    <dgm:sp3d/>
-    <dgm:txPr/>
-    <dgm:style>
-      <a:lnRef idx="2">
-        <a:scrgbClr r="0" g="0" b="0"/>
-      </a:lnRef>
-      <a:fillRef idx="1">
-        <a:scrgbClr r="0" g="0" b="0"/>
-      </a:fillRef>
-      <a:effectRef idx="0">
-        <a:scrgbClr r="0" g="0" b="0"/>
-      </a:effectRef>
-      <a:fontRef idx="minor">
-        <a:schemeClr val="lt1"/>
-      </a:fontRef>
-    </dgm:style>
-  </dgm:styleLbl>
-  <dgm:styleLbl name="lnNode1">
-    <dgm:scene3d>
-      <a:camera prst="orthographicFront"/>
-      <a:lightRig rig="threePt" dir="t"/>
-    </dgm:scene3d>
-    <dgm:sp3d/>
-    <dgm:txPr/>
-    <dgm:style>
-      <a:lnRef idx="2">
-        <a:scrgbClr r="0" g="0" b="0"/>
-      </a:lnRef>
-      <a:fillRef idx="1">
-        <a:scrgbClr r="0" g="0" b="0"/>
-      </a:fillRef>
-      <a:effectRef idx="0">
-        <a:scrgbClr r="0" g="0" b="0"/>
-      </a:effectRef>
-      <a:fontRef idx="minor">
-        <a:schemeClr val="lt1"/>
-      </a:fontRef>
-    </dgm:style>
-  </dgm:styleLbl>
-  <dgm:styleLbl name="vennNode1">
-    <dgm:scene3d>
-      <a:camera prst="orthographicFront"/>
-      <a:lightRig rig="threePt" dir="t"/>
-    </dgm:scene3d>
-    <dgm:sp3d/>
-    <dgm:txPr/>
-    <dgm:style>
-      <a:lnRef idx="2">
-        <a:scrgbClr r="0" g="0" b="0"/>
-      </a:lnRef>
-      <a:fillRef idx="1">
-        <a:scrgbClr r="0" g="0" b="0"/>
-      </a:fillRef>
-      <a:effectRef idx="0">
-        <a:scrgbClr r="0" g="0" b="0"/>
-      </a:effectRef>
-      <a:fontRef idx="minor">
-        <a:schemeClr val="tx1"/>
-      </a:fontRef>
-    </dgm:style>
-  </dgm:styleLbl>
-  <dgm:styleLbl name="alignNode1">
-    <dgm:scene3d>
-      <a:camera prst="orthographicFront"/>
-      <a:lightRig rig="threePt" dir="t"/>
-    </dgm:scene3d>
-    <dgm:sp3d/>
-    <dgm:txPr/>
-    <dgm:style>
-      <a:lnRef idx="2">
-        <a:scrgbClr r="0" g="0" b="0"/>
-      </a:lnRef>
-      <a:fillRef idx="1">
-        <a:scrgbClr r="0" g="0" b="0"/>
-      </a:fillRef>
-      <a:effectRef idx="0">
-        <a:scrgbClr r="0" g="0" b="0"/>
-      </a:effectRef>
-      <a:fontRef idx="minor">
-        <a:schemeClr val="lt1"/>
-      </a:fontRef>
-    </dgm:style>
-  </dgm:styleLbl>
-  <dgm:styleLbl name="node1">
-    <dgm:scene3d>
-      <a:camera prst="orthographicFront"/>
-      <a:lightRig rig="threePt" dir="t"/>
-    </dgm:scene3d>
-    <dgm:sp3d/>
-    <dgm:txPr/>
-    <dgm:style>
-      <a:lnRef idx="2">
-        <a:scrgbClr r="0" g="0" b="0"/>
-      </a:lnRef>
-      <a:fillRef idx="1">
-        <a:scrgbClr r="0" g="0" b="0"/>
-      </a:fillRef>
-      <a:effectRef idx="0">
-        <a:scrgbClr r="0" g="0" b="0"/>
-      </a:effectRef>
-      <a:fontRef idx="minor">
-        <a:schemeClr val="lt1"/>
-      </a:fontRef>
-    </dgm:style>
-  </dgm:styleLbl>
-  <dgm:styleLbl name="node2">
-    <dgm:scene3d>
-      <a:camera prst="orthographicFront"/>
-      <a:lightRig rig="threePt" dir="t"/>
-    </dgm:scene3d>
-    <dgm:sp3d/>
-    <dgm:txPr/>
-    <dgm:style>
-      <a:lnRef idx="2">
-        <a:scrgbClr r="0" g="0" b="0"/>
-      </a:lnRef>
-      <a:fillRef idx="1">
-        <a:scrgbClr r="0" g="0" b="0"/>
-      </a:fillRef>
-      <a:effectRef idx="0">
-        <a:scrgbClr r="0" g="0" b="0"/>
-      </a:effectRef>
-      <a:fontRef idx="minor">
-        <a:schemeClr val="lt1"/>
-      </a:fontRef>
-    </dgm:style>
-  </dgm:styleLbl>
-  <dgm:styleLbl name="node3">
-    <dgm:scene3d>
-      <a:camera prst="orthographicFront"/>
-      <a:lightRig rig="threePt" dir="t"/>
-    </dgm:scene3d>
-    <dgm:sp3d/>
-    <dgm:txPr/>
-    <dgm:style>
-      <a:lnRef idx="2">
-        <a:scrgbClr r="0" g="0" b="0"/>
-      </a:lnRef>
-      <a:fillRef idx="1">
-        <a:scrgbClr r="0" g="0" b="0"/>
-      </a:fillRef>
-      <a:effectRef idx="0">
-        <a:scrgbClr r="0" g="0" b="0"/>
-      </a:effectRef>
-      <a:fontRef idx="minor">
-        <a:schemeClr val="lt1"/>
-      </a:fontRef>
-    </dgm:style>
-  </dgm:styleLbl>
-  <dgm:styleLbl name="node4">
-    <dgm:scene3d>
-      <a:camera prst="orthographicFront"/>
-      <a:lightRig rig="threePt" dir="t"/>
-    </dgm:scene3d>
-    <dgm:sp3d/>
-    <dgm:txPr/>
-    <dgm:style>
-      <a:lnRef idx="2">
-        <a:scrgbClr r="0" g="0" b="0"/>
-      </a:lnRef>
-      <a:fillRef idx="1">
-        <a:scrgbClr r="0" g="0" b="0"/>
-      </a:fillRef>
-      <a:effectRef idx="0">
-        <a:scrgbClr r="0" g="0" b="0"/>
-      </a:effectRef>
-      <a:fontRef idx="minor">
-        <a:schemeClr val="lt1"/>
-      </a:fontRef>
-    </dgm:style>
-  </dgm:styleLbl>
-  <dgm:styleLbl name="fgImgPlace1">
-    <dgm:scene3d>
-      <a:camera prst="orthographicFront"/>
-      <a:lightRig rig="threePt" dir="t"/>
-    </dgm:scene3d>
-    <dgm:sp3d/>
-    <dgm:txPr/>
-    <dgm:style>
-      <a:lnRef idx="2">
-        <a:scrgbClr r="0" g="0" b="0"/>
-      </a:lnRef>
-      <a:fillRef idx="1">
-        <a:scrgbClr r="0" g="0" b="0"/>
-      </a:fillRef>
-      <a:effectRef idx="0">
-        <a:scrgbClr r="0" g="0" b="0"/>
-      </a:effectRef>
-      <a:fontRef idx="minor"/>
-    </dgm:style>
-  </dgm:styleLbl>
-  <dgm:styleLbl name="alignImgPlace1">
-    <dgm:scene3d>
-      <a:camera prst="orthographicFront"/>
-      <a:lightRig rig="threePt" dir="t"/>
-    </dgm:scene3d>
-    <dgm:sp3d/>
-    <dgm:txPr/>
-    <dgm:style>
-      <a:lnRef idx="2">
-        <a:scrgbClr r="0" g="0" b="0"/>
-      </a:lnRef>
-      <a:fillRef idx="1">
-        <a:scrgbClr r="0" g="0" b="0"/>
-      </a:fillRef>
-      <a:effectRef idx="0">
-        <a:scrgbClr r="0" g="0" b="0"/>
-      </a:effectRef>
-      <a:fontRef idx="minor"/>
-    </dgm:style>
-  </dgm:styleLbl>
-  <dgm:styleLbl name="bgImgPlace1">
-    <dgm:scene3d>
-      <a:camera prst="orthographicFront"/>
-      <a:lightRig rig="threePt" dir="t"/>
-    </dgm:scene3d>
-    <dgm:sp3d/>
-    <dgm:txPr/>
-    <dgm:style>
-      <a:lnRef idx="2">
-        <a:scrgbClr r="0" g="0" b="0"/>
-      </a:lnRef>
-      <a:fillRef idx="1">
-        <a:scrgbClr r="0" g="0" b="0"/>
-      </a:fillRef>
-      <a:effectRef idx="0">
-        <a:scrgbClr r="0" g="0" b="0"/>
-      </a:effectRef>
-      <a:fontRef idx="minor"/>
-    </dgm:style>
-  </dgm:styleLbl>
-  <dgm:styleLbl name="sibTrans2D1">
-    <dgm:scene3d>
-      <a:camera prst="orthographicFront"/>
-      <a:lightRig rig="threePt" dir="t"/>
-    </dgm:scene3d>
-    <dgm:sp3d/>
-    <dgm:txPr/>
-    <dgm:style>
-      <a:lnRef idx="0">
-        <a:scrgbClr r="0" g="0" b="0"/>
-      </a:lnRef>
-      <a:fillRef idx="1">
-        <a:scrgbClr r="0" g="0" b="0"/>
-      </a:fillRef>
-      <a:effectRef idx="0">
-        <a:scrgbClr r="0" g="0" b="0"/>
-      </a:effectRef>
-      <a:fontRef idx="minor">
-        <a:schemeClr val="lt1"/>
-      </a:fontRef>
-    </dgm:style>
-  </dgm:styleLbl>
-  <dgm:styleLbl name="fgSibTrans2D1">
-    <dgm:scene3d>
-      <a:camera prst="orthographicFront"/>
-      <a:lightRig rig="threePt" dir="t"/>
-    </dgm:scene3d>
-    <dgm:sp3d/>
-    <dgm:txPr/>
-    <dgm:style>
-      <a:lnRef idx="0">
-        <a:scrgbClr r="0" g="0" b="0"/>
-      </a:lnRef>
-      <a:fillRef idx="1">
-        <a:scrgbClr r="0" g="0" b="0"/>
-      </a:fillRef>
-      <a:effectRef idx="0">
-        <a:scrgbClr r="0" g="0" b="0"/>
-      </a:effectRef>
-      <a:fontRef idx="minor">
-        <a:schemeClr val="lt1"/>
-      </a:fontRef>
-    </dgm:style>
-  </dgm:styleLbl>
-  <dgm:styleLbl name="bgSibTrans2D1">
-    <dgm:scene3d>
-      <a:camera prst="orthographicFront"/>
-      <a:lightRig rig="threePt" dir="t"/>
-    </dgm:scene3d>
-    <dgm:sp3d/>
-    <dgm:txPr/>
-    <dgm:style>
-      <a:lnRef idx="0">
-        <a:scrgbClr r="0" g="0" b="0"/>
-      </a:lnRef>
-      <a:fillRef idx="1">
-        <a:scrgbClr r="0" g="0" b="0"/>
-      </a:fillRef>
-      <a:effectRef idx="0">
-        <a:scrgbClr r="0" g="0" b="0"/>
-      </a:effectRef>
-      <a:fontRef idx="minor">
-        <a:schemeClr val="lt1"/>
-      </a:fontRef>
-    </dgm:style>
-  </dgm:styleLbl>
-  <dgm:styleLbl name="sibTrans1D1">
-    <dgm:scene3d>
-      <a:camera prst="orthographicFront"/>
-      <a:lightRig rig="threePt" dir="t"/>
-    </dgm:scene3d>
-    <dgm:sp3d/>
-    <dgm:txPr/>
-    <dgm:style>
-      <a:lnRef idx="1">
-        <a:scrgbClr r="0" g="0" b="0"/>
-      </a:lnRef>
-      <a:fillRef idx="0">
-        <a:scrgbClr r="0" g="0" b="0"/>
-      </a:fillRef>
-      <a:effectRef idx="0">
-        <a:scrgbClr r="0" g="0" b="0"/>
-      </a:effectRef>
-      <a:fontRef idx="minor"/>
-    </dgm:style>
-  </dgm:styleLbl>
-  <dgm:styleLbl name="callout">
-    <dgm:scene3d>
-      <a:camera prst="orthographicFront"/>
-      <a:lightRig rig="threePt" dir="t"/>
-    </dgm:scene3d>
-    <dgm:sp3d/>
-    <dgm:txPr/>
-    <dgm:style>
-      <a:lnRef idx="2">
-        <a:scrgbClr r="0" g="0" b="0"/>
-      </a:lnRef>
-      <a:fillRef idx="1">
-        <a:scrgbClr r="0" g="0" b="0"/>
-      </a:fillRef>
-      <a:effectRef idx="0">
-        <a:scrgbClr r="0" g="0" b="0"/>
-      </a:effectRef>
-      <a:fontRef idx="minor"/>
-    </dgm:style>
-  </dgm:styleLbl>
-  <dgm:styleLbl name="asst0">
-    <dgm:scene3d>
-      <a:camera prst="orthographicFront"/>
-      <a:lightRig rig="threePt" dir="t"/>
-    </dgm:scene3d>
-    <dgm:sp3d/>
-    <dgm:txPr/>
-    <dgm:style>
-      <a:lnRef idx="2">
-        <a:scrgbClr r="0" g="0" b="0"/>
-      </a:lnRef>
-      <a:fillRef idx="1">
-        <a:scrgbClr r="0" g="0" b="0"/>
-      </a:fillRef>
-      <a:effectRef idx="0">
-        <a:scrgbClr r="0" g="0" b="0"/>
-      </a:effectRef>
-      <a:fontRef idx="minor">
-        <a:schemeClr val="lt1"/>
-      </a:fontRef>
-    </dgm:style>
-  </dgm:styleLbl>
-  <dgm:styleLbl name="asst1">
-    <dgm:scene3d>
-      <a:camera prst="orthographicFront"/>
-      <a:lightRig rig="threePt" dir="t"/>
-    </dgm:scene3d>
-    <dgm:sp3d/>
-    <dgm:txPr/>
-    <dgm:style>
-      <a:lnRef idx="2">
-        <a:scrgbClr r="0" g="0" b="0"/>
-      </a:lnRef>
-      <a:fillRef idx="1">
-        <a:scrgbClr r="0" g="0" b="0"/>
-      </a:fillRef>
-      <a:effectRef idx="0">
-        <a:scrgbClr r="0" g="0" b="0"/>
-      </a:effectRef>
-      <a:fontRef idx="minor">
-        <a:schemeClr val="lt1"/>
-      </a:fontRef>
-    </dgm:style>
-  </dgm:styleLbl>
-  <dgm:styleLbl name="asst2">
-    <dgm:scene3d>
-      <a:camera prst="orthographicFront"/>
-      <a:lightRig rig="threePt" dir="t"/>
-    </dgm:scene3d>
-    <dgm:sp3d/>
-    <dgm:txPr/>
-    <dgm:style>
-      <a:lnRef idx="2">
-        <a:scrgbClr r="0" g="0" b="0"/>
-      </a:lnRef>
-      <a:fillRef idx="1">
-        <a:scrgbClr r="0" g="0" b="0"/>
-      </a:fillRef>
-      <a:effectRef idx="0">
-        <a:scrgbClr r="0" g="0" b="0"/>
-      </a:effectRef>
-      <a:fontRef idx="minor">
-        <a:schemeClr val="lt1"/>
-      </a:fontRef>
-    </dgm:style>
-  </dgm:styleLbl>
-  <dgm:styleLbl name="asst3">
-    <dgm:scene3d>
-      <a:camera prst="orthographicFront"/>
-      <a:lightRig rig="threePt" dir="t"/>
-    </dgm:scene3d>
-    <dgm:sp3d/>
-    <dgm:txPr/>
-    <dgm:style>
-      <a:lnRef idx="2">
-        <a:scrgbClr r="0" g="0" b="0"/>
-      </a:lnRef>
-      <a:fillRef idx="1">
-        <a:scrgbClr r="0" g="0" b="0"/>
-      </a:fillRef>
-      <a:effectRef idx="0">
-        <a:scrgbClr r="0" g="0" b="0"/>
-      </a:effectRef>
-      <a:fontRef idx="minor">
-        <a:schemeClr val="lt1"/>
-      </a:fontRef>
-    </dgm:style>
-  </dgm:styleLbl>
-  <dgm:styleLbl name="asst4">
-    <dgm:scene3d>
-      <a:camera prst="orthographicFront"/>
-      <a:lightRig rig="threePt" dir="t"/>
-    </dgm:scene3d>
-    <dgm:sp3d/>
-    <dgm:txPr/>
-    <dgm:style>
-      <a:lnRef idx="2">
-        <a:scrgbClr r="0" g="0" b="0"/>
-      </a:lnRef>
-      <a:fillRef idx="1">
-        <a:scrgbClr r="0" g="0" b="0"/>
-      </a:fillRef>
-      <a:effectRef idx="0">
-        <a:scrgbClr r="0" g="0" b="0"/>
-      </a:effectRef>
-      <a:fontRef idx="minor">
-        <a:schemeClr val="lt1"/>
-      </a:fontRef>
-    </dgm:style>
-  </dgm:styleLbl>
-  <dgm:styleLbl name="parChTrans2D1">
-    <dgm:scene3d>
-      <a:camera prst="orthographicFront"/>
-      <a:lightRig rig="threePt" dir="t"/>
-    </dgm:scene3d>
-    <dgm:sp3d/>
-    <dgm:txPr/>
-    <dgm:style>
-      <a:lnRef idx="2">
-        <a:scrgbClr r="0" g="0" b="0"/>
-      </a:lnRef>
-      <a:fillRef idx="1">
-        <a:scrgbClr r="0" g="0" b="0"/>
-      </a:fillRef>
-      <a:effectRef idx="0">
-        <a:scrgbClr r="0" g="0" b="0"/>
-      </a:effectRef>
-      <a:fontRef idx="minor">
-        <a:schemeClr val="lt1"/>
-      </a:fontRef>
-    </dgm:style>
-  </dgm:styleLbl>
-  <dgm:styleLbl name="parChTrans2D2">
-    <dgm:scene3d>
-      <a:camera prst="orthographicFront"/>
-      <a:lightRig rig="threePt" dir="t"/>
-    </dgm:scene3d>
-    <dgm:sp3d/>
-    <dgm:txPr/>
-    <dgm:style>
-      <a:lnRef idx="2">
-        <a:scrgbClr r="0" g="0" b="0"/>
-      </a:lnRef>
-      <a:fillRef idx="1">
-        <a:scrgbClr r="0" g="0" b="0"/>
-      </a:fillRef>
-      <a:effectRef idx="0">
-        <a:scrgbClr r="0" g="0" b="0"/>
-      </a:effectRef>
-      <a:fontRef idx="minor">
-        <a:schemeClr val="lt1"/>
-      </a:fontRef>
-    </dgm:style>
-  </dgm:styleLbl>
-  <dgm:styleLbl name="parChTrans2D3">
-    <dgm:scene3d>
-      <a:camera prst="orthographicFront"/>
-      <a:lightRig rig="threePt" dir="t"/>
-    </dgm:scene3d>
-    <dgm:sp3d/>
-    <dgm:txPr/>
-    <dgm:style>
-      <a:lnRef idx="2">
-        <a:scrgbClr r="0" g="0" b="0"/>
-      </a:lnRef>
-      <a:fillRef idx="1">
-        <a:scrgbClr r="0" g="0" b="0"/>
-      </a:fillRef>
-      <a:effectRef idx="0">
-        <a:scrgbClr r="0" g="0" b="0"/>
-      </a:effectRef>
-      <a:fontRef idx="minor">
-        <a:schemeClr val="lt1"/>
-      </a:fontRef>
-    </dgm:style>
-  </dgm:styleLbl>
-  <dgm:styleLbl name="parChTrans2D4">
-    <dgm:scene3d>
-      <a:camera prst="orthographicFront"/>
-      <a:lightRig rig="threePt" dir="t"/>
-    </dgm:scene3d>
-    <dgm:sp3d/>
-    <dgm:txPr/>
-    <dgm:style>
-      <a:lnRef idx="2">
-        <a:scrgbClr r="0" g="0" b="0"/>
-      </a:lnRef>
-      <a:fillRef idx="1">
-        <a:scrgbClr r="0" g="0" b="0"/>
-      </a:fillRef>
-      <a:effectRef idx="0">
-        <a:scrgbClr r="0" g="0" b="0"/>
-      </a:effectRef>
-      <a:fontRef idx="minor">
-        <a:schemeClr val="lt1"/>
-      </a:fontRef>
-    </dgm:style>
-  </dgm:styleLbl>
-  <dgm:styleLbl name="parChTrans1D1">
-    <dgm:scene3d>
-      <a:camera prst="orthographicFront"/>
-      <a:lightRig rig="threePt" dir="t"/>
-    </dgm:scene3d>
-    <dgm:sp3d/>
-    <dgm:txPr/>
-    <dgm:style>
-      <a:lnRef idx="2">
-        <a:scrgbClr r="0" g="0" b="0"/>
-      </a:lnRef>
-      <a:fillRef idx="0">
-        <a:scrgbClr r="0" g="0" b="0"/>
-      </a:fillRef>
-      <a:effectRef idx="0">
-        <a:scrgbClr r="0" g="0" b="0"/>
-      </a:effectRef>
-      <a:fontRef idx="minor"/>
-    </dgm:style>
-  </dgm:styleLbl>
-  <dgm:styleLbl name="parChTrans1D2">
-    <dgm:scene3d>
-      <a:camera prst="orthographicFront"/>
-      <a:lightRig rig="threePt" dir="t"/>
-    </dgm:scene3d>
-    <dgm:sp3d/>
-    <dgm:txPr/>
-    <dgm:style>
-      <a:lnRef idx="2">
-        <a:scrgbClr r="0" g="0" b="0"/>
-      </a:lnRef>
-      <a:fillRef idx="0">
-        <a:scrgbClr r="0" g="0" b="0"/>
-      </a:fillRef>
-      <a:effectRef idx="0">
-        <a:scrgbClr r="0" g="0" b="0"/>
-      </a:effectRef>
-      <a:fontRef idx="minor"/>
-    </dgm:style>
-  </dgm:styleLbl>
-  <dgm:styleLbl name="parChTrans1D3">
-    <dgm:scene3d>
-      <a:camera prst="orthographicFront"/>
-      <a:lightRig rig="threePt" dir="t"/>
-    </dgm:scene3d>
-    <dgm:sp3d/>
-    <dgm:txPr/>
-    <dgm:style>
-      <a:lnRef idx="2">
-        <a:scrgbClr r="0" g="0" b="0"/>
-      </a:lnRef>
-      <a:fillRef idx="0">
-        <a:scrgbClr r="0" g="0" b="0"/>
-      </a:fillRef>
-      <a:effectRef idx="0">
-        <a:scrgbClr r="0" g="0" b="0"/>
-      </a:effectRef>
-      <a:fontRef idx="minor"/>
-    </dgm:style>
-  </dgm:styleLbl>
-  <dgm:styleLbl name="parChTrans1D4">
-    <dgm:scene3d>
-      <a:camera prst="orthographicFront"/>
-      <a:lightRig rig="threePt" dir="t"/>
-    </dgm:scene3d>
-    <dgm:sp3d/>
-    <dgm:txPr/>
-    <dgm:style>
-      <a:lnRef idx="2">
-        <a:scrgbClr r="0" g="0" b="0"/>
-      </a:lnRef>
-      <a:fillRef idx="0">
-        <a:scrgbClr r="0" g="0" b="0"/>
-      </a:fillRef>
-      <a:effectRef idx="0">
-        <a:scrgbClr r="0" g="0" b="0"/>
-      </a:effectRef>
-      <a:fontRef idx="minor"/>
-    </dgm:style>
-  </dgm:styleLbl>
-  <dgm:styleLbl name="fgAcc1">
-    <dgm:scene3d>
-      <a:camera prst="orthographicFront"/>
-      <a:lightRig rig="threePt" dir="t"/>
-    </dgm:scene3d>
-    <dgm:sp3d/>
-    <dgm:txPr/>
-    <dgm:style>
-      <a:lnRef idx="2">
-        <a:scrgbClr r="0" g="0" b="0"/>
-      </a:lnRef>
-      <a:fillRef idx="1">
-        <a:scrgbClr r="0" g="0" b="0"/>
-      </a:fillRef>
-      <a:effectRef idx="0">
-        <a:scrgbClr r="0" g="0" b="0"/>
-      </a:effectRef>
-      <a:fontRef idx="minor"/>
-    </dgm:style>
-  </dgm:styleLbl>
-  <dgm:styleLbl name="conFgAcc1">
-    <dgm:scene3d>
-      <a:camera prst="orthographicFront"/>
-      <a:lightRig rig="threePt" dir="t"/>
-    </dgm:scene3d>
-    <dgm:sp3d/>
-    <dgm:txPr/>
-    <dgm:style>
-      <a:lnRef idx="2">
-        <a:scrgbClr r="0" g="0" b="0"/>
-      </a:lnRef>
-      <a:fillRef idx="1">
-        <a:scrgbClr r="0" g="0" b="0"/>
-      </a:fillRef>
-      <a:effectRef idx="0">
-        <a:scrgbClr r="0" g="0" b="0"/>
-      </a:effectRef>
-      <a:fontRef idx="minor"/>
-    </dgm:style>
-  </dgm:styleLbl>
-  <dgm:styleLbl name="alignAcc1">
-    <dgm:scene3d>
-      <a:camera prst="orthographicFront"/>
-      <a:lightRig rig="threePt" dir="t"/>
-    </dgm:scene3d>
-    <dgm:sp3d/>
-    <dgm:txPr/>
-    <dgm:style>
-      <a:lnRef idx="2">
-        <a:scrgbClr r="0" g="0" b="0"/>
-      </a:lnRef>
-      <a:fillRef idx="1">
-        <a:scrgbClr r="0" g="0" b="0"/>
-      </a:fillRef>
-      <a:effectRef idx="0">
-        <a:scrgbClr r="0" g="0" b="0"/>
-      </a:effectRef>
-      <a:fontRef idx="minor"/>
-    </dgm:style>
-  </dgm:styleLbl>
-  <dgm:styleLbl name="trAlignAcc1">
-    <dgm:scene3d>
-      <a:camera prst="orthographicFront"/>
-      <a:lightRig rig="threePt" dir="t"/>
-    </dgm:scene3d>
-    <dgm:sp3d/>
-    <dgm:txPr/>
-    <dgm:style>
-      <a:lnRef idx="1">
-        <a:scrgbClr r="0" g="0" b="0"/>
-      </a:lnRef>
-      <a:fillRef idx="1">
-        <a:scrgbClr r="0" g="0" b="0"/>
-      </a:fillRef>
-      <a:effectRef idx="0">
-        <a:scrgbClr r="0" g="0" b="0"/>
-      </a:effectRef>
-      <a:fontRef idx="minor"/>
-    </dgm:style>
-  </dgm:styleLbl>
-  <dgm:styleLbl name="bgAcc1">
-    <dgm:scene3d>
-      <a:camera prst="orthographicFront"/>
-      <a:lightRig rig="threePt" dir="t"/>
-    </dgm:scene3d>
-    <dgm:sp3d/>
-    <dgm:txPr/>
-    <dgm:style>
-      <a:lnRef idx="2">
-        <a:scrgbClr r="0" g="0" b="0"/>
-      </a:lnRef>
-      <a:fillRef idx="1">
-        <a:scrgbClr r="0" g="0" b="0"/>
-      </a:fillRef>
-      <a:effectRef idx="0">
-        <a:scrgbClr r="0" g="0" b="0"/>
-      </a:effectRef>
-      <a:fontRef idx="minor"/>
-    </dgm:style>
-  </dgm:styleLbl>
-  <dgm:styleLbl name="solidFgAcc1">
-    <dgm:scene3d>
-      <a:camera prst="orthographicFront"/>
-      <a:lightRig rig="threePt" dir="t"/>
-    </dgm:scene3d>
-    <dgm:sp3d/>
-    <dgm:txPr/>
-    <dgm:style>
-      <a:lnRef idx="2">
-        <a:scrgbClr r="0" g="0" b="0"/>
-      </a:lnRef>
-      <a:fillRef idx="1">
-        <a:scrgbClr r="0" g="0" b="0"/>
-      </a:fillRef>
-      <a:effectRef idx="0">
-        <a:scrgbClr r="0" g="0" b="0"/>
-      </a:effectRef>
-      <a:fontRef idx="minor"/>
-    </dgm:style>
-  </dgm:styleLbl>
-  <dgm:styleLbl name="solidAlignAcc1">
-    <dgm:scene3d>
-      <a:camera prst="orthographicFront"/>
-      <a:lightRig rig="threePt" dir="t"/>
-    </dgm:scene3d>
-    <dgm:sp3d/>
-    <dgm:txPr/>
-    <dgm:style>
-      <a:lnRef idx="2">
-        <a:scrgbClr r="0" g="0" b="0"/>
-      </a:lnRef>
-      <a:fillRef idx="1">
-        <a:scrgbClr r="0" g="0" b="0"/>
-      </a:fillRef>
-      <a:effectRef idx="0">
-        <a:scrgbClr r="0" g="0" b="0"/>
-      </a:effectRef>
-      <a:fontRef idx="minor"/>
-    </dgm:style>
-  </dgm:styleLbl>
-  <dgm:styleLbl name="solidBgAcc1">
-    <dgm:scene3d>
-      <a:camera prst="orthographicFront"/>
-      <a:lightRig rig="threePt" dir="t"/>
-    </dgm:scene3d>
-    <dgm:sp3d/>
-    <dgm:txPr/>
-    <dgm:style>
-      <a:lnRef idx="2">
-        <a:scrgbClr r="0" g="0" b="0"/>
-      </a:lnRef>
-      <a:fillRef idx="1">
-        <a:scrgbClr r="0" g="0" b="0"/>
-      </a:fillRef>
-      <a:effectRef idx="0">
-        <a:scrgbClr r="0" g="0" b="0"/>
-      </a:effectRef>
-      <a:fontRef idx="minor"/>
-    </dgm:style>
-  </dgm:styleLbl>
-  <dgm:styleLbl name="fgAccFollowNode1">
-    <dgm:scene3d>
-      <a:camera prst="orthographicFront"/>
-      <a:lightRig rig="threePt" dir="t"/>
-    </dgm:scene3d>
-    <dgm:sp3d/>
-    <dgm:txPr/>
-    <dgm:style>
-      <a:lnRef idx="2">
-        <a:scrgbClr r="0" g="0" b="0"/>
-      </a:lnRef>
-      <a:fillRef idx="1">
-        <a:scrgbClr r="0" g="0" b="0"/>
-      </a:fillRef>
-      <a:effectRef idx="0">
-        <a:scrgbClr r="0" g="0" b="0"/>
-      </a:effectRef>
-      <a:fontRef idx="minor"/>
-    </dgm:style>
-  </dgm:styleLbl>
-  <dgm:styleLbl name="alignAccFollowNode1">
-    <dgm:scene3d>
-      <a:camera prst="orthographicFront"/>
-      <a:lightRig rig="threePt" dir="t"/>
-    </dgm:scene3d>
-    <dgm:sp3d/>
-    <dgm:txPr/>
-    <dgm:style>
-      <a:lnRef idx="2">
-        <a:scrgbClr r="0" g="0" b="0"/>
-      </a:lnRef>
-      <a:fillRef idx="1">
-        <a:scrgbClr r="0" g="0" b="0"/>
-      </a:fillRef>
-      <a:effectRef idx="0">
-        <a:scrgbClr r="0" g="0" b="0"/>
-      </a:effectRef>
-      <a:fontRef idx="minor"/>
-    </dgm:style>
-  </dgm:styleLbl>
-  <dgm:styleLbl name="bgAccFollowNode1">
-    <dgm:scene3d>
-      <a:camera prst="orthographicFront"/>
-      <a:lightRig rig="threePt" dir="t"/>
-    </dgm:scene3d>
-    <dgm:sp3d/>
-    <dgm:txPr/>
-    <dgm:style>
-      <a:lnRef idx="2">
-        <a:scrgbClr r="0" g="0" b="0"/>
-      </a:lnRef>
-      <a:fillRef idx="1">
-        <a:scrgbClr r="0" g="0" b="0"/>
-      </a:fillRef>
-      <a:effectRef idx="0">
-        <a:scrgbClr r="0" g="0" b="0"/>
-      </a:effectRef>
-      <a:fontRef idx="minor"/>
-    </dgm:style>
-  </dgm:styleLbl>
-  <dgm:styleLbl name="fgAcc0">
-    <dgm:scene3d>
-      <a:camera prst="orthographicFront"/>
-      <a:lightRig rig="threePt" dir="t"/>
-    </dgm:scene3d>
-    <dgm:sp3d/>
-    <dgm:txPr/>
-    <dgm:style>
-      <a:lnRef idx="2">
-        <a:scrgbClr r="0" g="0" b="0"/>
-      </a:lnRef>
-      <a:fillRef idx="1">
-        <a:scrgbClr r="0" g="0" b="0"/>
-      </a:fillRef>
-      <a:effectRef idx="0">
-        <a:scrgbClr r="0" g="0" b="0"/>
-      </a:effectRef>
-      <a:fontRef idx="minor"/>
-    </dgm:style>
-  </dgm:styleLbl>
-  <dgm:styleLbl name="fgAcc2">
-    <dgm:scene3d>
-      <a:camera prst="orthographicFront"/>
-      <a:lightRig rig="threePt" dir="t"/>
-    </dgm:scene3d>
-    <dgm:sp3d/>
-    <dgm:txPr/>
-    <dgm:style>
-      <a:lnRef idx="2">
-        <a:scrgbClr r="0" g="0" b="0"/>
-      </a:lnRef>
-      <a:fillRef idx="1">
-        <a:scrgbClr r="0" g="0" b="0"/>
-      </a:fillRef>
-      <a:effectRef idx="0">
-        <a:scrgbClr r="0" g="0" b="0"/>
-      </a:effectRef>
-      <a:fontRef idx="minor"/>
-    </dgm:style>
-  </dgm:styleLbl>
-  <dgm:styleLbl name="fgAcc3">
-    <dgm:scene3d>
-      <a:camera prst="orthographicFront"/>
-      <a:lightRig rig="threePt" dir="t"/>
-    </dgm:scene3d>
-    <dgm:sp3d/>
-    <dgm:txPr/>
-    <dgm:style>
-      <a:lnRef idx="2">
-        <a:scrgbClr r="0" g="0" b="0"/>
-      </a:lnRef>
-      <a:fillRef idx="1">
-        <a:scrgbClr r="0" g="0" b="0"/>
-      </a:fillRef>
-      <a:effectRef idx="0">
-        <a:scrgbClr r="0" g="0" b="0"/>
-      </a:effectRef>
-      <a:fontRef idx="minor"/>
-    </dgm:style>
-  </dgm:styleLbl>
-  <dgm:styleLbl name="fgAcc4">
-    <dgm:scene3d>
-      <a:camera prst="orthographicFront"/>
-      <a:lightRig rig="threePt" dir="t"/>
-    </dgm:scene3d>
-    <dgm:sp3d/>
-    <dgm:txPr/>
-    <dgm:style>
-      <a:lnRef idx="2">
-        <a:scrgbClr r="0" g="0" b="0"/>
-      </a:lnRef>
-      <a:fillRef idx="1">
-        <a:scrgbClr r="0" g="0" b="0"/>
-      </a:fillRef>
-      <a:effectRef idx="0">
-        <a:scrgbClr r="0" g="0" b="0"/>
-      </a:effectRef>
-      <a:fontRef idx="minor"/>
-    </dgm:style>
-  </dgm:styleLbl>
-  <dgm:styleLbl name="bgShp">
-    <dgm:scene3d>
-      <a:camera prst="orthographicFront"/>
-      <a:lightRig rig="threePt" dir="t"/>
-    </dgm:scene3d>
-    <dgm:sp3d/>
-    <dgm:txPr/>
-    <dgm:style>
-      <a:lnRef idx="0">
-        <a:scrgbClr r="0" g="0" b="0"/>
-      </a:lnRef>
-      <a:fillRef idx="1">
-        <a:scrgbClr r="0" g="0" b="0"/>
-      </a:fillRef>
-      <a:effectRef idx="0">
-        <a:scrgbClr r="0" g="0" b="0"/>
-      </a:effectRef>
-      <a:fontRef idx="minor"/>
-    </dgm:style>
-  </dgm:styleLbl>
-  <dgm:styleLbl name="dkBgShp">
-    <dgm:scene3d>
-      <a:camera prst="orthographicFront"/>
-      <a:lightRig rig="threePt" dir="t"/>
-    </dgm:scene3d>
-    <dgm:sp3d/>
-    <dgm:txPr/>
-    <dgm:style>
-      <a:lnRef idx="0">
-        <a:scrgbClr r="0" g="0" b="0"/>
-      </a:lnRef>
-      <a:fillRef idx="1">
-        <a:scrgbClr r="0" g="0" b="0"/>
-      </a:fillRef>
-      <a:effectRef idx="0">
-        <a:scrgbClr r="0" g="0" b="0"/>
-      </a:effectRef>
-      <a:fontRef idx="minor"/>
-    </dgm:style>
-  </dgm:styleLbl>
-  <dgm:styleLbl name="trBgShp">
-    <dgm:scene3d>
-      <a:camera prst="orthographicFront"/>
-      <a:lightRig rig="threePt" dir="t"/>
-    </dgm:scene3d>
-    <dgm:sp3d/>
-    <dgm:txPr/>
-    <dgm:style>
-      <a:lnRef idx="0">
-        <a:scrgbClr r="0" g="0" b="0"/>
-      </a:lnRef>
-      <a:fillRef idx="1">
-        <a:scrgbClr r="0" g="0" b="0"/>
-      </a:fillRef>
-      <a:effectRef idx="0">
-        <a:scrgbClr r="0" g="0" b="0"/>
-      </a:effectRef>
-      <a:fontRef idx="minor"/>
-    </dgm:style>
-  </dgm:styleLbl>
-  <dgm:styleLbl name="fgShp">
-    <dgm:scene3d>
-      <a:camera prst="orthographicFront"/>
-      <a:lightRig rig="threePt" dir="t"/>
-    </dgm:scene3d>
-    <dgm:sp3d/>
-    <dgm:txPr/>
-    <dgm:style>
-      <a:lnRef idx="2">
-        <a:scrgbClr r="0" g="0" b="0"/>
-      </a:lnRef>
-      <a:fillRef idx="1">
-        <a:scrgbClr r="0" g="0" b="0"/>
-      </a:fillRef>
-      <a:effectRef idx="0">
-        <a:scrgbClr r="0" g="0" b="0"/>
-      </a:effectRef>
-      <a:fontRef idx="minor"/>
-    </dgm:style>
-  </dgm:styleLbl>
-  <dgm:styleLbl name="revTx">
-    <dgm:scene3d>
-      <a:camera prst="orthographicFront"/>
-      <a:lightRig rig="threePt" dir="t"/>
-    </dgm:scene3d>
-    <dgm:sp3d/>
-    <dgm:txPr/>
-    <dgm:style>
-      <a:lnRef idx="0">
-        <a:scrgbClr r="0" g="0" b="0"/>
-      </a:lnRef>
-      <a:fillRef idx="0">
-        <a:scrgbClr r="0" g="0" b="0"/>
-      </a:fillRef>
-      <a:effectRef idx="0">
-        <a:scrgbClr r="0" g="0" b="0"/>
-      </a:effectRef>
-      <a:fontRef idx="minor"/>
-    </dgm:style>
-  </dgm:styleLbl>
-</dgm:styleDef>
-</file>
-
-<file path=ppt/diagrams/quickStyle2.xml><?xml version="1.0" encoding="utf-8"?>
 <dgm:styleDef xmlns:dgm="http://schemas.openxmlformats.org/drawingml/2006/diagram" xmlns:a="http://schemas.openxmlformats.org/drawingml/2006/main" uniqueId="urn:microsoft.com/office/officeart/2005/8/quickstyle/simple1">
   <dgm:title val=""/>
   <dgm:desc val=""/>
@@ -9865,6 +6658,414 @@
 </p:sld>
 </file>
 
+<file path=ppt/slides/slide10.xml><?xml version="1.0" encoding="utf-8"?>
+<p:sld xmlns:a="http://schemas.openxmlformats.org/drawingml/2006/main" xmlns:r="http://schemas.openxmlformats.org/officeDocument/2006/relationships" xmlns:p="http://schemas.openxmlformats.org/presentationml/2006/main">
+  <p:cSld>
+    <p:spTree>
+      <p:nvGrpSpPr>
+        <p:cNvPr id="1" name=""/>
+        <p:cNvGrpSpPr/>
+        <p:nvPr/>
+      </p:nvGrpSpPr>
+      <p:grpSpPr>
+        <a:xfrm>
+          <a:off x="0" y="0"/>
+          <a:ext cx="0" cy="0"/>
+          <a:chOff x="0" y="0"/>
+          <a:chExt cx="0" cy="0"/>
+        </a:xfrm>
+      </p:grpSpPr>
+      <p:sp>
+        <p:nvSpPr>
+          <p:cNvPr id="20" name="Rectangle 19">
+            <a:extLst>
+              <a:ext uri="{FF2B5EF4-FFF2-40B4-BE49-F238E27FC236}">
+                <a16:creationId xmlns:a16="http://schemas.microsoft.com/office/drawing/2014/main" id="{434167B2-1F65-408D-9233-EF10B5990B6E}"/>
+              </a:ext>
+            </a:extLst>
+          </p:cNvPr>
+          <p:cNvSpPr/>
+          <p:nvPr/>
+        </p:nvSpPr>
+        <p:spPr>
+          <a:xfrm>
+            <a:off x="0" y="0"/>
+            <a:ext cx="12192000" cy="1334278"/>
+          </a:xfrm>
+          <a:prstGeom prst="rect">
+            <a:avLst/>
+          </a:prstGeom>
+        </p:spPr>
+        <p:style>
+          <a:lnRef idx="2">
+            <a:schemeClr val="accent1">
+              <a:shade val="50000"/>
+            </a:schemeClr>
+          </a:lnRef>
+          <a:fillRef idx="1">
+            <a:schemeClr val="accent1"/>
+          </a:fillRef>
+          <a:effectRef idx="0">
+            <a:schemeClr val="accent1"/>
+          </a:effectRef>
+          <a:fontRef idx="minor">
+            <a:schemeClr val="lt1"/>
+          </a:fontRef>
+        </p:style>
+        <p:txBody>
+          <a:bodyPr rtlCol="0" anchor="ctr"/>
+          <a:lstStyle/>
+          <a:p>
+            <a:pPr algn="ctr"/>
+            <a:endParaRPr lang="en-GB" dirty="0"/>
+          </a:p>
+        </p:txBody>
+      </p:sp>
+      <p:sp>
+        <p:nvSpPr>
+          <p:cNvPr id="9" name="Title 6">
+            <a:extLst>
+              <a:ext uri="{FF2B5EF4-FFF2-40B4-BE49-F238E27FC236}">
+                <a16:creationId xmlns:a16="http://schemas.microsoft.com/office/drawing/2014/main" id="{F5FB2926-5769-4612-9884-4A0888903E66}"/>
+              </a:ext>
+            </a:extLst>
+          </p:cNvPr>
+          <p:cNvSpPr txBox="1">
+            <a:spLocks/>
+          </p:cNvSpPr>
+          <p:nvPr/>
+        </p:nvSpPr>
+        <p:spPr>
+          <a:xfrm>
+            <a:off x="266229" y="0"/>
+            <a:ext cx="11453020" cy="1334278"/>
+          </a:xfrm>
+          <a:prstGeom prst="rect">
+            <a:avLst/>
+          </a:prstGeom>
+        </p:spPr>
+        <p:txBody>
+          <a:bodyPr vert="horz" lIns="91440" tIns="45720" rIns="91440" bIns="45720" rtlCol="0" anchor="ctr">
+            <a:normAutofit/>
+          </a:bodyPr>
+          <a:lstStyle>
+            <a:lvl1pPr algn="l" defTabSz="914400" rtl="0" eaLnBrk="1" latinLnBrk="0" hangingPunct="1">
+              <a:lnSpc>
+                <a:spcPct val="80000"/>
+              </a:lnSpc>
+              <a:spcBef>
+                <a:spcPct val="0"/>
+              </a:spcBef>
+              <a:buNone/>
+              <a:defRPr sz="8800" b="0" kern="1200" spc="-120" baseline="0">
+                <a:solidFill>
+                  <a:schemeClr val="accent1"/>
+                </a:solidFill>
+                <a:latin typeface="+mj-lt"/>
+                <a:ea typeface="+mj-ea"/>
+                <a:cs typeface="+mj-cs"/>
+              </a:defRPr>
+            </a:lvl1pPr>
+          </a:lstStyle>
+          <a:p>
+            <a:r>
+              <a:rPr lang="en-US" sz="4000" dirty="0">
+                <a:solidFill>
+                  <a:srgbClr val="FFFFFF"/>
+                </a:solidFill>
+              </a:rPr>
+              <a:t>RESULTS</a:t>
+            </a:r>
+            <a:endParaRPr lang="en-GB" sz="4000" dirty="0">
+              <a:solidFill>
+                <a:srgbClr val="FFFFFF"/>
+              </a:solidFill>
+            </a:endParaRPr>
+          </a:p>
+        </p:txBody>
+      </p:sp>
+    </p:spTree>
+    <p:extLst>
+      <p:ext uri="{BB962C8B-B14F-4D97-AF65-F5344CB8AC3E}">
+        <p14:creationId xmlns:p14="http://schemas.microsoft.com/office/powerpoint/2010/main" val="2196733545"/>
+      </p:ext>
+    </p:extLst>
+  </p:cSld>
+  <p:clrMapOvr>
+    <a:masterClrMapping/>
+  </p:clrMapOvr>
+</p:sld>
+</file>
+
+<file path=ppt/slides/slide11.xml><?xml version="1.0" encoding="utf-8"?>
+<p:sld xmlns:a="http://schemas.openxmlformats.org/drawingml/2006/main" xmlns:r="http://schemas.openxmlformats.org/officeDocument/2006/relationships" xmlns:p="http://schemas.openxmlformats.org/presentationml/2006/main">
+  <p:cSld>
+    <p:spTree>
+      <p:nvGrpSpPr>
+        <p:cNvPr id="1" name=""/>
+        <p:cNvGrpSpPr/>
+        <p:nvPr/>
+      </p:nvGrpSpPr>
+      <p:grpSpPr>
+        <a:xfrm>
+          <a:off x="0" y="0"/>
+          <a:ext cx="0" cy="0"/>
+          <a:chOff x="0" y="0"/>
+          <a:chExt cx="0" cy="0"/>
+        </a:xfrm>
+      </p:grpSpPr>
+      <p:sp>
+        <p:nvSpPr>
+          <p:cNvPr id="20" name="Rectangle 19">
+            <a:extLst>
+              <a:ext uri="{FF2B5EF4-FFF2-40B4-BE49-F238E27FC236}">
+                <a16:creationId xmlns:a16="http://schemas.microsoft.com/office/drawing/2014/main" id="{434167B2-1F65-408D-9233-EF10B5990B6E}"/>
+              </a:ext>
+            </a:extLst>
+          </p:cNvPr>
+          <p:cNvSpPr/>
+          <p:nvPr/>
+        </p:nvSpPr>
+        <p:spPr>
+          <a:xfrm>
+            <a:off x="0" y="0"/>
+            <a:ext cx="3881535" cy="6858000"/>
+          </a:xfrm>
+          <a:prstGeom prst="rect">
+            <a:avLst/>
+          </a:prstGeom>
+        </p:spPr>
+        <p:style>
+          <a:lnRef idx="2">
+            <a:schemeClr val="accent1">
+              <a:shade val="50000"/>
+            </a:schemeClr>
+          </a:lnRef>
+          <a:fillRef idx="1">
+            <a:schemeClr val="accent1"/>
+          </a:fillRef>
+          <a:effectRef idx="0">
+            <a:schemeClr val="accent1"/>
+          </a:effectRef>
+          <a:fontRef idx="minor">
+            <a:schemeClr val="lt1"/>
+          </a:fontRef>
+        </p:style>
+        <p:txBody>
+          <a:bodyPr rtlCol="0" anchor="ctr"/>
+          <a:lstStyle/>
+          <a:p>
+            <a:pPr algn="ctr"/>
+            <a:endParaRPr lang="en-GB" dirty="0"/>
+          </a:p>
+        </p:txBody>
+      </p:sp>
+      <p:sp>
+        <p:nvSpPr>
+          <p:cNvPr id="9" name="Title 6">
+            <a:extLst>
+              <a:ext uri="{FF2B5EF4-FFF2-40B4-BE49-F238E27FC236}">
+                <a16:creationId xmlns:a16="http://schemas.microsoft.com/office/drawing/2014/main" id="{F5FB2926-5769-4612-9884-4A0888903E66}"/>
+              </a:ext>
+            </a:extLst>
+          </p:cNvPr>
+          <p:cNvSpPr txBox="1">
+            <a:spLocks/>
+          </p:cNvSpPr>
+          <p:nvPr/>
+        </p:nvSpPr>
+        <p:spPr>
+          <a:xfrm>
+            <a:off x="266229" y="-1098642"/>
+            <a:ext cx="3349075" cy="5584296"/>
+          </a:xfrm>
+          <a:prstGeom prst="rect">
+            <a:avLst/>
+          </a:prstGeom>
+        </p:spPr>
+        <p:txBody>
+          <a:bodyPr vert="horz" lIns="91440" tIns="45720" rIns="91440" bIns="45720" rtlCol="0" anchor="ctr">
+            <a:normAutofit/>
+          </a:bodyPr>
+          <a:lstStyle>
+            <a:lvl1pPr algn="l" defTabSz="914400" rtl="0" eaLnBrk="1" latinLnBrk="0" hangingPunct="1">
+              <a:lnSpc>
+                <a:spcPct val="80000"/>
+              </a:lnSpc>
+              <a:spcBef>
+                <a:spcPct val="0"/>
+              </a:spcBef>
+              <a:buNone/>
+              <a:defRPr sz="8800" b="0" kern="1200" spc="-120" baseline="0">
+                <a:solidFill>
+                  <a:schemeClr val="accent1"/>
+                </a:solidFill>
+                <a:latin typeface="+mj-lt"/>
+                <a:ea typeface="+mj-ea"/>
+                <a:cs typeface="+mj-cs"/>
+              </a:defRPr>
+            </a:lvl1pPr>
+          </a:lstStyle>
+          <a:p>
+            <a:pPr algn="ctr"/>
+            <a:r>
+              <a:rPr lang="en-US" sz="4000" dirty="0">
+                <a:solidFill>
+                  <a:srgbClr val="FFFFFF"/>
+                </a:solidFill>
+              </a:rPr>
+              <a:t>OUTLINE</a:t>
+            </a:r>
+            <a:endParaRPr lang="en-GB" sz="4000" dirty="0">
+              <a:solidFill>
+                <a:srgbClr val="FFFFFF"/>
+              </a:solidFill>
+            </a:endParaRPr>
+          </a:p>
+        </p:txBody>
+      </p:sp>
+      <p:sp>
+        <p:nvSpPr>
+          <p:cNvPr id="4" name="TextBox 3">
+            <a:extLst>
+              <a:ext uri="{FF2B5EF4-FFF2-40B4-BE49-F238E27FC236}">
+                <a16:creationId xmlns:a16="http://schemas.microsoft.com/office/drawing/2014/main" id="{2028F04A-209C-47A4-9A8A-4C94B836E620}"/>
+              </a:ext>
+            </a:extLst>
+          </p:cNvPr>
+          <p:cNvSpPr txBox="1"/>
+          <p:nvPr/>
+        </p:nvSpPr>
+        <p:spPr>
+          <a:xfrm>
+            <a:off x="4749282" y="452186"/>
+            <a:ext cx="4441371" cy="523220"/>
+          </a:xfrm>
+          <a:prstGeom prst="rect">
+            <a:avLst/>
+          </a:prstGeom>
+          <a:noFill/>
+        </p:spPr>
+        <p:txBody>
+          <a:bodyPr wrap="square" rtlCol="0">
+            <a:spAutoFit/>
+          </a:bodyPr>
+          <a:lstStyle/>
+          <a:p>
+            <a:r>
+              <a:rPr kumimoji="0" lang="en-US" sz="2800" b="0" i="0" u="none" strike="noStrike" kern="1200" cap="none" spc="-120" normalizeH="0" baseline="0" noProof="0" dirty="0">
+                <a:ln>
+                  <a:noFill/>
+                </a:ln>
+                <a:solidFill>
+                  <a:prstClr val="black"/>
+                </a:solidFill>
+                <a:effectLst/>
+                <a:uLnTx/>
+                <a:uFillTx/>
+                <a:latin typeface="Calibri Light" panose="020F0302020204030204"/>
+                <a:ea typeface="+mj-ea"/>
+                <a:cs typeface="+mj-cs"/>
+              </a:rPr>
+              <a:t>F. Ege Hosgungor</a:t>
+            </a:r>
+            <a:endParaRPr lang="en-GB" dirty="0"/>
+          </a:p>
+        </p:txBody>
+      </p:sp>
+    </p:spTree>
+    <p:extLst>
+      <p:ext uri="{BB962C8B-B14F-4D97-AF65-F5344CB8AC3E}">
+        <p14:creationId xmlns:p14="http://schemas.microsoft.com/office/powerpoint/2010/main" val="597134662"/>
+      </p:ext>
+    </p:extLst>
+  </p:cSld>
+  <p:clrMapOvr>
+    <a:masterClrMapping/>
+  </p:clrMapOvr>
+</p:sld>
+</file>
+
+<file path=ppt/slides/slide12.xml><?xml version="1.0" encoding="utf-8"?>
+<p:sld xmlns:a="http://schemas.openxmlformats.org/drawingml/2006/main" xmlns:r="http://schemas.openxmlformats.org/officeDocument/2006/relationships" xmlns:p="http://schemas.openxmlformats.org/presentationml/2006/main">
+  <p:cSld>
+    <p:spTree>
+      <p:nvGrpSpPr>
+        <p:cNvPr id="1" name=""/>
+        <p:cNvGrpSpPr/>
+        <p:nvPr/>
+      </p:nvGrpSpPr>
+      <p:grpSpPr>
+        <a:xfrm>
+          <a:off x="0" y="0"/>
+          <a:ext cx="0" cy="0"/>
+          <a:chOff x="0" y="0"/>
+          <a:chExt cx="0" cy="0"/>
+        </a:xfrm>
+      </p:grpSpPr>
+      <p:sp>
+        <p:nvSpPr>
+          <p:cNvPr id="2" name="Title 1">
+            <a:extLst>
+              <a:ext uri="{FF2B5EF4-FFF2-40B4-BE49-F238E27FC236}">
+                <a16:creationId xmlns:a16="http://schemas.microsoft.com/office/drawing/2014/main" id="{D95EC72B-6E27-4114-9B25-C23450B62C5C}"/>
+              </a:ext>
+            </a:extLst>
+          </p:cNvPr>
+          <p:cNvSpPr>
+            <a:spLocks noGrp="1"/>
+          </p:cNvSpPr>
+          <p:nvPr>
+            <p:ph type="title"/>
+          </p:nvPr>
+        </p:nvSpPr>
+        <p:spPr/>
+        <p:txBody>
+          <a:bodyPr/>
+          <a:lstStyle/>
+          <a:p>
+            <a:endParaRPr lang="en-GB"/>
+          </a:p>
+        </p:txBody>
+      </p:sp>
+      <p:sp>
+        <p:nvSpPr>
+          <p:cNvPr id="3" name="Content Placeholder 2">
+            <a:extLst>
+              <a:ext uri="{FF2B5EF4-FFF2-40B4-BE49-F238E27FC236}">
+                <a16:creationId xmlns:a16="http://schemas.microsoft.com/office/drawing/2014/main" id="{27939FC7-A70B-4843-A10F-DB62B29DD328}"/>
+              </a:ext>
+            </a:extLst>
+          </p:cNvPr>
+          <p:cNvSpPr>
+            <a:spLocks noGrp="1"/>
+          </p:cNvSpPr>
+          <p:nvPr>
+            <p:ph idx="1"/>
+          </p:nvPr>
+        </p:nvSpPr>
+        <p:spPr/>
+        <p:txBody>
+          <a:bodyPr/>
+          <a:lstStyle/>
+          <a:p>
+            <a:endParaRPr lang="en-GB"/>
+          </a:p>
+        </p:txBody>
+      </p:sp>
+    </p:spTree>
+    <p:extLst>
+      <p:ext uri="{BB962C8B-B14F-4D97-AF65-F5344CB8AC3E}">
+        <p14:creationId xmlns:p14="http://schemas.microsoft.com/office/powerpoint/2010/main" val="481008736"/>
+      </p:ext>
+    </p:extLst>
+  </p:cSld>
+  <p:clrMapOvr>
+    <a:masterClrMapping/>
+  </p:clrMapOvr>
+</p:sld>
+</file>
+
 <file path=ppt/slides/slide2.xml><?xml version="1.0" encoding="utf-8"?>
 <p:sld xmlns:a="http://schemas.openxmlformats.org/drawingml/2006/main" xmlns:r="http://schemas.openxmlformats.org/officeDocument/2006/relationships" xmlns:p="http://schemas.openxmlformats.org/presentationml/2006/main">
   <p:cSld>
@@ -10165,7 +7366,7 @@
         <p:spPr>
           <a:xfrm>
             <a:off x="1120604" y="2038391"/>
-            <a:ext cx="9950791" cy="3108543"/>
+            <a:ext cx="9950791" cy="3539430"/>
           </a:xfrm>
           <a:prstGeom prst="rect">
             <a:avLst/>
@@ -10177,48 +7378,6 @@
             <a:spAutoFit/>
           </a:bodyPr>
           <a:lstStyle/>
-          <a:p>
-            <a:r>
-              <a:rPr kumimoji="0" lang="en-US" sz="2800" b="0" i="0" u="none" strike="noStrike" kern="1200" cap="none" spc="-120" normalizeH="0" baseline="0" noProof="0" dirty="0">
-                <a:ln>
-                  <a:noFill/>
-                </a:ln>
-                <a:solidFill>
-                  <a:prstClr val="black"/>
-                </a:solidFill>
-                <a:effectLst/>
-                <a:uLnTx/>
-                <a:uFillTx/>
-                <a:latin typeface="Calibri Light" panose="020F0302020204030204"/>
-                <a:ea typeface="+mj-ea"/>
-                <a:cs typeface="+mj-cs"/>
-              </a:rPr>
-              <a:t>Problem Statement:</a:t>
-            </a:r>
-          </a:p>
-          <a:p>
-            <a:r>
-              <a:rPr lang="en-US" sz="2800" spc="-120" noProof="0" dirty="0">
-                <a:solidFill>
-                  <a:prstClr val="black"/>
-                </a:solidFill>
-                <a:latin typeface="Calibri Light" panose="020F0302020204030204"/>
-                <a:ea typeface="+mj-ea"/>
-                <a:cs typeface="+mj-cs"/>
-              </a:rPr>
-              <a:t>	Identifying characteristics that are associated with a person making more or less than $50,000 per year.</a:t>
-            </a:r>
-          </a:p>
-          <a:p>
-            <a:endParaRPr lang="en-US" sz="2800" spc="-120" dirty="0">
-              <a:solidFill>
-                <a:prstClr val="black"/>
-              </a:solidFill>
-              <a:latin typeface="Calibri Light" panose="020F0302020204030204"/>
-              <a:ea typeface="+mj-ea"/>
-              <a:cs typeface="+mj-cs"/>
-            </a:endParaRPr>
-          </a:p>
           <a:p>
             <a:r>
               <a:rPr lang="en-US" sz="2800" spc="-120" noProof="0" dirty="0">
@@ -10272,7 +7431,65 @@
               </a:rPr>
               <a:t> US Census archive containing detailed, but anonymized, information for approximately 300,000 individuals.</a:t>
             </a:r>
-            <a:endParaRPr lang="en-GB" dirty="0"/>
+            <a:endParaRPr lang="en-GB" sz="2800" dirty="0"/>
+          </a:p>
+          <a:p>
+            <a:endParaRPr kumimoji="0" lang="en-US" sz="2800" b="0" i="0" u="none" strike="noStrike" kern="1200" cap="none" spc="-120" normalizeH="0" baseline="0" noProof="0" dirty="0">
+              <a:ln>
+                <a:noFill/>
+              </a:ln>
+              <a:solidFill>
+                <a:prstClr val="black"/>
+              </a:solidFill>
+              <a:effectLst/>
+              <a:uLnTx/>
+              <a:uFillTx/>
+              <a:latin typeface="Calibri Light" panose="020F0302020204030204"/>
+              <a:ea typeface="+mj-ea"/>
+              <a:cs typeface="+mj-cs"/>
+            </a:endParaRPr>
+          </a:p>
+          <a:p>
+            <a:r>
+              <a:rPr kumimoji="0" lang="en-US" sz="2800" b="0" i="0" u="none" strike="noStrike" kern="1200" cap="none" spc="-120" normalizeH="0" baseline="0" noProof="0" dirty="0">
+                <a:ln>
+                  <a:noFill/>
+                </a:ln>
+                <a:solidFill>
+                  <a:prstClr val="black"/>
+                </a:solidFill>
+                <a:effectLst/>
+                <a:uLnTx/>
+                <a:uFillTx/>
+                <a:latin typeface="Calibri Light" panose="020F0302020204030204"/>
+                <a:ea typeface="+mj-ea"/>
+                <a:cs typeface="+mj-cs"/>
+              </a:rPr>
+              <a:t>Problem Statement:</a:t>
+            </a:r>
+          </a:p>
+          <a:p>
+            <a:r>
+              <a:rPr lang="en-US" sz="2800" spc="-120" noProof="0" dirty="0">
+                <a:solidFill>
+                  <a:prstClr val="black"/>
+                </a:solidFill>
+                <a:latin typeface="Calibri Light" panose="020F0302020204030204"/>
+                <a:ea typeface="+mj-ea"/>
+                <a:cs typeface="+mj-cs"/>
+              </a:rPr>
+              <a:t>	Identifying characteristics that are associated with a person making more or less than $50,000 per year.</a:t>
+            </a:r>
+          </a:p>
+          <a:p>
+            <a:endParaRPr lang="en-US" sz="2800" spc="-120" dirty="0">
+              <a:solidFill>
+                <a:prstClr val="black"/>
+              </a:solidFill>
+              <a:latin typeface="Calibri Light" panose="020F0302020204030204"/>
+              <a:ea typeface="+mj-ea"/>
+              <a:cs typeface="+mj-cs"/>
+            </a:endParaRPr>
           </a:p>
         </p:txBody>
       </p:sp>
@@ -10430,7 +7647,7 @@
         <p:spPr>
           <a:xfrm>
             <a:off x="1120604" y="2085044"/>
-            <a:ext cx="9950791" cy="3539430"/>
+            <a:ext cx="9950791" cy="4401205"/>
           </a:xfrm>
           <a:prstGeom prst="rect">
             <a:avLst/>
@@ -10443,10 +7660,6 @@
           </a:bodyPr>
           <a:lstStyle/>
           <a:p>
-            <a:pPr marL="457200" indent="-457200">
-              <a:buFont typeface="Arial" panose="020B0604020202020204" pitchFamily="34" charset="0"/>
-              <a:buChar char="•"/>
-            </a:pPr>
             <a:r>
               <a:rPr kumimoji="0" lang="en-US" sz="2800" b="0" i="0" u="none" strike="noStrike" kern="1200" cap="none" spc="-120" normalizeH="0" baseline="0" noProof="0" dirty="0">
                 <a:ln>
@@ -10464,6 +7677,8 @@
               </a:rPr>
               <a:t>The United States Census Bureau leads the country’s Federal Statistical System</a:t>
             </a:r>
+          </a:p>
+          <a:p>
             <a:endParaRPr kumimoji="0" lang="en-GB" sz="2800" b="0" i="0" u="none" strike="noStrike" kern="1200" cap="none" spc="-120" normalizeH="0" baseline="0" noProof="0" dirty="0">
               <a:ln>
                 <a:noFill/>
@@ -10480,10 +7695,6 @@
             </a:endParaRPr>
           </a:p>
           <a:p>
-            <a:pPr marL="457200" indent="-457200">
-              <a:buFont typeface="Arial" panose="020B0604020202020204" pitchFamily="34" charset="0"/>
-              <a:buChar char="•"/>
-            </a:pPr>
             <a:r>
               <a:rPr lang="en-GB" sz="2800" spc="-120" dirty="0">
                 <a:solidFill>
@@ -10497,10 +7708,16 @@
             </a:r>
           </a:p>
           <a:p>
-            <a:pPr marL="457200" indent="-457200">
-              <a:buFont typeface="Arial" panose="020B0604020202020204" pitchFamily="34" charset="0"/>
-              <a:buChar char="•"/>
-            </a:pPr>
+            <a:endParaRPr lang="en-GB" sz="2800" spc="-120" dirty="0">
+              <a:solidFill>
+                <a:prstClr val="black"/>
+              </a:solidFill>
+              <a:latin typeface="Calibri Light" panose="020F0302020204030204"/>
+              <a:ea typeface="+mj-ea"/>
+              <a:cs typeface="+mj-cs"/>
+            </a:endParaRPr>
+          </a:p>
+          <a:p>
             <a:r>
               <a:rPr lang="en-GB" sz="2800" spc="-120" dirty="0">
                 <a:solidFill>
@@ -10703,7 +7920,7 @@
         <p:spPr>
           <a:xfrm>
             <a:off x="1120604" y="2085044"/>
-            <a:ext cx="9950791" cy="2677656"/>
+            <a:ext cx="9950791" cy="3108543"/>
           </a:xfrm>
           <a:prstGeom prst="rect">
             <a:avLst/>
@@ -10716,10 +7933,6 @@
           </a:bodyPr>
           <a:lstStyle/>
           <a:p>
-            <a:pPr marL="457200" indent="-457200">
-              <a:buFont typeface="Arial" panose="020B0604020202020204" pitchFamily="34" charset="0"/>
-              <a:buChar char="•"/>
-            </a:pPr>
             <a:r>
               <a:rPr lang="en-GB" sz="2800" spc="-120" dirty="0">
                 <a:solidFill>
@@ -10729,14 +7942,20 @@
                 <a:ea typeface="+mj-ea"/>
                 <a:cs typeface="+mj-cs"/>
               </a:rPr>
-              <a:t>Binary Classification Task with Imbalance Data</a:t>
+              <a:t>Binary Classification Task (Less Than $50,000 – More Than $50,000)</a:t>
             </a:r>
           </a:p>
           <a:p>
-            <a:pPr marL="457200" indent="-457200">
-              <a:buFont typeface="Arial" panose="020B0604020202020204" pitchFamily="34" charset="0"/>
-              <a:buChar char="•"/>
-            </a:pPr>
+            <a:endParaRPr lang="en-GB" sz="2800" spc="-120" dirty="0">
+              <a:solidFill>
+                <a:prstClr val="black"/>
+              </a:solidFill>
+              <a:latin typeface="Calibri Light" panose="020F0302020204030204"/>
+              <a:ea typeface="+mj-ea"/>
+              <a:cs typeface="+mj-cs"/>
+            </a:endParaRPr>
+          </a:p>
+          <a:p>
             <a:r>
               <a:rPr lang="en-GB" sz="2800" spc="-120" dirty="0">
                 <a:solidFill>
@@ -10746,14 +7965,20 @@
                 <a:ea typeface="+mj-ea"/>
                 <a:cs typeface="+mj-cs"/>
               </a:rPr>
-              <a:t> There are 200,000 training examples and 100,000 test examples (2/3 ratio)</a:t>
+              <a:t>There are 200,000 training examples and 100,000 test examples (2/3 ratio)</a:t>
             </a:r>
           </a:p>
           <a:p>
-            <a:pPr marL="457200" indent="-457200">
-              <a:buFont typeface="Arial" panose="020B0604020202020204" pitchFamily="34" charset="0"/>
-              <a:buChar char="•"/>
-            </a:pPr>
+            <a:endParaRPr lang="en-GB" sz="2800" spc="-120" dirty="0">
+              <a:solidFill>
+                <a:prstClr val="black"/>
+              </a:solidFill>
+              <a:latin typeface="Calibri Light" panose="020F0302020204030204"/>
+              <a:ea typeface="+mj-ea"/>
+              <a:cs typeface="+mj-cs"/>
+            </a:endParaRPr>
+          </a:p>
+          <a:p>
             <a:r>
               <a:rPr lang="en-GB" sz="2800" spc="-120" dirty="0">
                 <a:solidFill>
@@ -10763,7 +7988,7 @@
                 <a:ea typeface="+mj-ea"/>
                 <a:cs typeface="+mj-cs"/>
               </a:rPr>
-              <a:t>Most of the data </a:t>
+              <a:t>Imbalance Data (Most of the data are example of just one class)</a:t>
             </a:r>
           </a:p>
           <a:p>
@@ -10847,7 +8072,7 @@
         <p:spPr>
           <a:xfrm>
             <a:off x="0" y="0"/>
-            <a:ext cx="3881535" cy="6858000"/>
+            <a:ext cx="12192000" cy="1334278"/>
           </a:xfrm>
           <a:prstGeom prst="rect">
             <a:avLst/>
@@ -10894,8 +8119,8 @@
         </p:nvSpPr>
         <p:spPr>
           <a:xfrm>
-            <a:off x="266229" y="-1098642"/>
-            <a:ext cx="3349075" cy="5584296"/>
+            <a:off x="266229" y="0"/>
+            <a:ext cx="11453020" cy="1334278"/>
           </a:xfrm>
           <a:prstGeom prst="rect">
             <a:avLst/>
@@ -10925,14 +8150,13 @@
             </a:lvl1pPr>
           </a:lstStyle>
           <a:p>
-            <a:pPr algn="ctr"/>
             <a:r>
               <a:rPr lang="en-US" sz="4000" dirty="0">
                 <a:solidFill>
                   <a:srgbClr val="FFFFFF"/>
                 </a:solidFill>
               </a:rPr>
-              <a:t>OUTLINE</a:t>
+              <a:t>EXPLORATORY DATA ANALYSIS</a:t>
             </a:r>
             <a:endParaRPr lang="en-GB" sz="4000" dirty="0">
               <a:solidFill>
@@ -10942,59 +8166,57 @@
           </a:p>
         </p:txBody>
       </p:sp>
-      <p:sp>
-        <p:nvSpPr>
-          <p:cNvPr id="4" name="TextBox 3">
+      <p:pic>
+        <p:nvPicPr>
+          <p:cNvPr id="2050" name="Picture 2" descr="image">
             <a:extLst>
               <a:ext uri="{FF2B5EF4-FFF2-40B4-BE49-F238E27FC236}">
-                <a16:creationId xmlns:a16="http://schemas.microsoft.com/office/drawing/2014/main" id="{2028F04A-209C-47A4-9A8A-4C94B836E620}"/>
+                <a16:creationId xmlns:a16="http://schemas.microsoft.com/office/drawing/2014/main" id="{19B8B4AD-B061-4CD3-8C6A-854E86642545}"/>
               </a:ext>
             </a:extLst>
           </p:cNvPr>
-          <p:cNvSpPr txBox="1"/>
+          <p:cNvPicPr>
+            <a:picLocks noChangeAspect="1" noChangeArrowheads="1"/>
+          </p:cNvPicPr>
           <p:nvPr/>
-        </p:nvSpPr>
-        <p:spPr>
+        </p:nvPicPr>
+        <p:blipFill>
+          <a:blip r:embed="rId2">
+            <a:extLst>
+              <a:ext uri="{28A0092B-C50C-407E-A947-70E740481C1C}">
+                <a14:useLocalDpi xmlns:a14="http://schemas.microsoft.com/office/drawing/2010/main" val="0"/>
+              </a:ext>
+            </a:extLst>
+          </a:blip>
+          <a:srcRect/>
+          <a:stretch>
+            <a:fillRect/>
+          </a:stretch>
+        </p:blipFill>
+        <p:spPr bwMode="auto">
           <a:xfrm>
-            <a:off x="4749282" y="452186"/>
-            <a:ext cx="4441371" cy="523220"/>
+            <a:off x="1440024" y="1962488"/>
+            <a:ext cx="9311951" cy="4005058"/>
           </a:xfrm>
           <a:prstGeom prst="rect">
             <a:avLst/>
           </a:prstGeom>
           <a:noFill/>
+          <a:extLst>
+            <a:ext uri="{909E8E84-426E-40DD-AFC4-6F175D3DCCD1}">
+              <a14:hiddenFill xmlns:a14="http://schemas.microsoft.com/office/drawing/2010/main">
+                <a:solidFill>
+                  <a:srgbClr val="FFFFFF"/>
+                </a:solidFill>
+              </a14:hiddenFill>
+            </a:ext>
+          </a:extLst>
         </p:spPr>
-        <p:txBody>
-          <a:bodyPr wrap="square" rtlCol="0">
-            <a:spAutoFit/>
-          </a:bodyPr>
-          <a:lstStyle/>
-          <a:p>
-            <a:r>
-              <a:rPr kumimoji="0" lang="en-US" sz="2800" b="0" i="0" u="none" strike="noStrike" kern="1200" cap="none" spc="-120" normalizeH="0" baseline="0" noProof="0" dirty="0">
-                <a:ln>
-                  <a:noFill/>
-                </a:ln>
-                <a:solidFill>
-                  <a:prstClr val="black"/>
-                </a:solidFill>
-                <a:effectLst/>
-                <a:uLnTx/>
-                <a:uFillTx/>
-                <a:latin typeface="Calibri Light" panose="020F0302020204030204"/>
-                <a:ea typeface="+mj-ea"/>
-                <a:cs typeface="+mj-cs"/>
-              </a:rPr>
-              <a:t>F. Ege Hosgungor</a:t>
-            </a:r>
-            <a:endParaRPr lang="en-GB" dirty="0"/>
-          </a:p>
-        </p:txBody>
-      </p:sp>
+      </p:pic>
     </p:spTree>
     <p:extLst>
       <p:ext uri="{BB962C8B-B14F-4D97-AF65-F5344CB8AC3E}">
-        <p14:creationId xmlns:p14="http://schemas.microsoft.com/office/powerpoint/2010/main" val="597134662"/>
+        <p14:creationId xmlns:p14="http://schemas.microsoft.com/office/powerpoint/2010/main" val="1407933395"/>
       </p:ext>
     </p:extLst>
   </p:cSld>
@@ -11023,129 +8245,24 @@
       </p:grpSpPr>
       <p:sp>
         <p:nvSpPr>
-          <p:cNvPr id="2" name="Title 1">
+          <p:cNvPr id="20" name="Rectangle 19">
             <a:extLst>
               <a:ext uri="{FF2B5EF4-FFF2-40B4-BE49-F238E27FC236}">
-                <a16:creationId xmlns:a16="http://schemas.microsoft.com/office/drawing/2014/main" id="{D95EC72B-6E27-4114-9B25-C23450B62C5C}"/>
+                <a16:creationId xmlns:a16="http://schemas.microsoft.com/office/drawing/2014/main" id="{434167B2-1F65-408D-9233-EF10B5990B6E}"/>
               </a:ext>
             </a:extLst>
           </p:cNvPr>
-          <p:cNvSpPr>
-            <a:spLocks noGrp="1"/>
-          </p:cNvSpPr>
-          <p:nvPr>
-            <p:ph type="title"/>
-          </p:nvPr>
-        </p:nvSpPr>
-        <p:spPr/>
-        <p:txBody>
-          <a:bodyPr/>
-          <a:lstStyle/>
-          <a:p>
-            <a:endParaRPr lang="en-GB"/>
-          </a:p>
-        </p:txBody>
-      </p:sp>
-      <p:sp>
-        <p:nvSpPr>
-          <p:cNvPr id="3" name="Content Placeholder 2">
-            <a:extLst>
-              <a:ext uri="{FF2B5EF4-FFF2-40B4-BE49-F238E27FC236}">
-                <a16:creationId xmlns:a16="http://schemas.microsoft.com/office/drawing/2014/main" id="{27939FC7-A70B-4843-A10F-DB62B29DD328}"/>
-              </a:ext>
-            </a:extLst>
-          </p:cNvPr>
-          <p:cNvSpPr>
-            <a:spLocks noGrp="1"/>
-          </p:cNvSpPr>
-          <p:nvPr>
-            <p:ph idx="1"/>
-          </p:nvPr>
-        </p:nvSpPr>
-        <p:spPr/>
-        <p:txBody>
-          <a:bodyPr/>
-          <a:lstStyle/>
-          <a:p>
-            <a:endParaRPr lang="en-GB"/>
-          </a:p>
-        </p:txBody>
-      </p:sp>
-    </p:spTree>
-    <p:extLst>
-      <p:ext uri="{BB962C8B-B14F-4D97-AF65-F5344CB8AC3E}">
-        <p14:creationId xmlns:p14="http://schemas.microsoft.com/office/powerpoint/2010/main" val="481008736"/>
-      </p:ext>
-    </p:extLst>
-  </p:cSld>
-  <p:clrMapOvr>
-    <a:masterClrMapping/>
-  </p:clrMapOvr>
-</p:sld>
-</file>
-
-<file path=ppt/slides/slide8.xml><?xml version="1.0" encoding="utf-8"?>
-<p:sld xmlns:a="http://schemas.openxmlformats.org/drawingml/2006/main" xmlns:r="http://schemas.openxmlformats.org/officeDocument/2006/relationships" xmlns:p="http://schemas.openxmlformats.org/presentationml/2006/main">
-  <p:cSld>
-    <p:bg>
-      <p:bgPr>
-        <a:solidFill>
-          <a:schemeClr val="bg1"/>
-        </a:solidFill>
-        <a:effectLst/>
-      </p:bgPr>
-    </p:bg>
-    <p:spTree>
-      <p:nvGrpSpPr>
-        <p:cNvPr id="1" name=""/>
-        <p:cNvGrpSpPr/>
-        <p:nvPr/>
-      </p:nvGrpSpPr>
-      <p:grpSpPr>
-        <a:xfrm>
-          <a:off x="0" y="0"/>
-          <a:ext cx="0" cy="0"/>
-          <a:chOff x="0" y="0"/>
-          <a:chExt cx="0" cy="0"/>
-        </a:xfrm>
-      </p:grpSpPr>
-      <p:sp>
-        <p:nvSpPr>
-          <p:cNvPr id="15" name="Rectangle 14">
-            <a:extLst>
-              <a:ext uri="{FF2B5EF4-FFF2-40B4-BE49-F238E27FC236}">
-                <a16:creationId xmlns:a16="http://schemas.microsoft.com/office/drawing/2014/main" id="{67218665-EA77-40EC-8172-4F17E2DEDB3D}"/>
-              </a:ext>
-              <a:ext uri="{C183D7F6-B498-43B3-948B-1728B52AA6E4}">
-                <adec:decorative xmlns:adec="http://schemas.microsoft.com/office/drawing/2017/decorative" val="1"/>
-              </a:ext>
-            </a:extLst>
-          </p:cNvPr>
-          <p:cNvSpPr>
-            <a:spLocks noGrp="1" noRot="1" noChangeAspect="1" noMove="1" noResize="1" noEditPoints="1" noAdjustHandles="1" noChangeArrowheads="1" noChangeShapeType="1" noTextEdit="1"/>
-          </p:cNvSpPr>
-          <p:nvPr>
-            <p:extLst>
-              <p:ext uri="{386F3935-93C4-4BCD-93E2-E3B085C9AB24}">
-                <p16:designElem xmlns:p16="http://schemas.microsoft.com/office/powerpoint/2015/main" val="1"/>
-              </p:ext>
-            </p:extLst>
-          </p:nvPr>
+          <p:cNvSpPr/>
+          <p:nvPr/>
         </p:nvSpPr>
         <p:spPr>
           <a:xfrm>
-            <a:off x="7555992" y="0"/>
-            <a:ext cx="4636008" cy="6858000"/>
+            <a:off x="0" y="0"/>
+            <a:ext cx="12192000" cy="1334278"/>
           </a:xfrm>
           <a:prstGeom prst="rect">
             <a:avLst/>
           </a:prstGeom>
-          <a:solidFill>
-            <a:schemeClr val="accent1"/>
-          </a:solidFill>
-          <a:ln>
-            <a:noFill/>
-          </a:ln>
         </p:spPr>
         <p:style>
           <a:lnRef idx="2">
@@ -11168,37 +8285,56 @@
           <a:lstStyle/>
           <a:p>
             <a:pPr algn="ctr"/>
-            <a:endParaRPr lang="en-US"/>
-          </a:p>
-        </p:txBody>
-      </p:sp>
-      <p:sp>
-        <p:nvSpPr>
-          <p:cNvPr id="7" name="Title 6">
+            <a:endParaRPr lang="en-GB" dirty="0"/>
+          </a:p>
+        </p:txBody>
+      </p:sp>
+      <p:sp>
+        <p:nvSpPr>
+          <p:cNvPr id="9" name="Title 6">
             <a:extLst>
               <a:ext uri="{FF2B5EF4-FFF2-40B4-BE49-F238E27FC236}">
-                <a16:creationId xmlns:a16="http://schemas.microsoft.com/office/drawing/2014/main" id="{7B131642-3493-418C-8A55-A2A3D1C710AE}"/>
+                <a16:creationId xmlns:a16="http://schemas.microsoft.com/office/drawing/2014/main" id="{F5FB2926-5769-4612-9884-4A0888903E66}"/>
               </a:ext>
             </a:extLst>
           </p:cNvPr>
-          <p:cNvSpPr>
-            <a:spLocks noGrp="1"/>
+          <p:cNvSpPr txBox="1">
+            <a:spLocks/>
           </p:cNvSpPr>
-          <p:nvPr>
-            <p:ph type="title"/>
-          </p:nvPr>
+          <p:nvPr/>
         </p:nvSpPr>
         <p:spPr>
           <a:xfrm>
-            <a:off x="8199458" y="643467"/>
-            <a:ext cx="3349075" cy="5584296"/>
+            <a:off x="266229" y="0"/>
+            <a:ext cx="11453020" cy="1334278"/>
           </a:xfrm>
+          <a:prstGeom prst="rect">
+            <a:avLst/>
+          </a:prstGeom>
         </p:spPr>
         <p:txBody>
-          <a:bodyPr anchor="ctr">
+          <a:bodyPr vert="horz" lIns="91440" tIns="45720" rIns="91440" bIns="45720" rtlCol="0" anchor="ctr">
             <a:normAutofit/>
           </a:bodyPr>
-          <a:lstStyle/>
+          <a:lstStyle>
+            <a:lvl1pPr algn="l" defTabSz="914400" rtl="0" eaLnBrk="1" latinLnBrk="0" hangingPunct="1">
+              <a:lnSpc>
+                <a:spcPct val="80000"/>
+              </a:lnSpc>
+              <a:spcBef>
+                <a:spcPct val="0"/>
+              </a:spcBef>
+              <a:buNone/>
+              <a:defRPr sz="8800" b="0" kern="1200" spc="-120" baseline="0">
+                <a:solidFill>
+                  <a:schemeClr val="accent1"/>
+                </a:solidFill>
+                <a:latin typeface="+mj-lt"/>
+                <a:ea typeface="+mj-ea"/>
+                <a:cs typeface="+mj-cs"/>
+              </a:defRPr>
+            </a:lvl1pPr>
+          </a:lstStyle>
           <a:p>
             <a:r>
               <a:rPr lang="en-US" sz="4000" dirty="0">
@@ -11206,7 +8342,7 @@
                   <a:srgbClr val="FFFFFF"/>
                 </a:solidFill>
               </a:rPr>
-              <a:t>OUTLINE</a:t>
+              <a:t>DATA PREPARATION</a:t>
             </a:r>
             <a:endParaRPr lang="en-GB" sz="4000" dirty="0">
               <a:solidFill>
@@ -11216,41 +8352,288 @@
           </a:p>
         </p:txBody>
       </p:sp>
-      <p:graphicFrame>
-        <p:nvGraphicFramePr>
-          <p:cNvPr id="11" name="Content Placeholder 8">
+    </p:spTree>
+    <p:extLst>
+      <p:ext uri="{BB962C8B-B14F-4D97-AF65-F5344CB8AC3E}">
+        <p14:creationId xmlns:p14="http://schemas.microsoft.com/office/powerpoint/2010/main" val="1855382618"/>
+      </p:ext>
+    </p:extLst>
+  </p:cSld>
+  <p:clrMapOvr>
+    <a:masterClrMapping/>
+  </p:clrMapOvr>
+</p:sld>
+</file>
+
+<file path=ppt/slides/slide8.xml><?xml version="1.0" encoding="utf-8"?>
+<p:sld xmlns:a="http://schemas.openxmlformats.org/drawingml/2006/main" xmlns:r="http://schemas.openxmlformats.org/officeDocument/2006/relationships" xmlns:p="http://schemas.openxmlformats.org/presentationml/2006/main">
+  <p:cSld>
+    <p:spTree>
+      <p:nvGrpSpPr>
+        <p:cNvPr id="1" name=""/>
+        <p:cNvGrpSpPr/>
+        <p:nvPr/>
+      </p:nvGrpSpPr>
+      <p:grpSpPr>
+        <a:xfrm>
+          <a:off x="0" y="0"/>
+          <a:ext cx="0" cy="0"/>
+          <a:chOff x="0" y="0"/>
+          <a:chExt cx="0" cy="0"/>
+        </a:xfrm>
+      </p:grpSpPr>
+      <p:sp>
+        <p:nvSpPr>
+          <p:cNvPr id="20" name="Rectangle 19">
             <a:extLst>
               <a:ext uri="{FF2B5EF4-FFF2-40B4-BE49-F238E27FC236}">
-                <a16:creationId xmlns:a16="http://schemas.microsoft.com/office/drawing/2014/main" id="{0EECD5C6-A94C-4E77-9379-C42F8B531E31}"/>
+                <a16:creationId xmlns:a16="http://schemas.microsoft.com/office/drawing/2014/main" id="{434167B2-1F65-408D-9233-EF10B5990B6E}"/>
               </a:ext>
             </a:extLst>
           </p:cNvPr>
-          <p:cNvGraphicFramePr>
-            <a:graphicFrameLocks noGrp="1"/>
-          </p:cNvGraphicFramePr>
-          <p:nvPr>
-            <p:ph idx="1"/>
-            <p:extLst>
-              <p:ext uri="{D42A27DB-BD31-4B8C-83A1-F6EECF244321}">
-                <p14:modId xmlns:p14="http://schemas.microsoft.com/office/powerpoint/2010/main" val="284767132"/>
-              </p:ext>
-            </p:extLst>
-          </p:nvPr>
-        </p:nvGraphicFramePr>
-        <p:xfrm>
-          <a:off x="633413" y="684213"/>
-          <a:ext cx="6278562" cy="5543550"/>
-        </p:xfrm>
-        <a:graphic>
-          <a:graphicData uri="http://schemas.openxmlformats.org/drawingml/2006/diagram">
-            <dgm:relIds xmlns:dgm="http://schemas.openxmlformats.org/drawingml/2006/diagram" xmlns:r="http://schemas.openxmlformats.org/officeDocument/2006/relationships" r:dm="rId2" r:lo="rId3" r:qs="rId4" r:cs="rId5"/>
-          </a:graphicData>
-        </a:graphic>
-      </p:graphicFrame>
+          <p:cNvSpPr/>
+          <p:nvPr/>
+        </p:nvSpPr>
+        <p:spPr>
+          <a:xfrm>
+            <a:off x="0" y="0"/>
+            <a:ext cx="12192000" cy="1334278"/>
+          </a:xfrm>
+          <a:prstGeom prst="rect">
+            <a:avLst/>
+          </a:prstGeom>
+        </p:spPr>
+        <p:style>
+          <a:lnRef idx="2">
+            <a:schemeClr val="accent1">
+              <a:shade val="50000"/>
+            </a:schemeClr>
+          </a:lnRef>
+          <a:fillRef idx="1">
+            <a:schemeClr val="accent1"/>
+          </a:fillRef>
+          <a:effectRef idx="0">
+            <a:schemeClr val="accent1"/>
+          </a:effectRef>
+          <a:fontRef idx="minor">
+            <a:schemeClr val="lt1"/>
+          </a:fontRef>
+        </p:style>
+        <p:txBody>
+          <a:bodyPr rtlCol="0" anchor="ctr"/>
+          <a:lstStyle/>
+          <a:p>
+            <a:pPr algn="ctr"/>
+            <a:endParaRPr lang="en-GB" dirty="0"/>
+          </a:p>
+        </p:txBody>
+      </p:sp>
+      <p:sp>
+        <p:nvSpPr>
+          <p:cNvPr id="9" name="Title 6">
+            <a:extLst>
+              <a:ext uri="{FF2B5EF4-FFF2-40B4-BE49-F238E27FC236}">
+                <a16:creationId xmlns:a16="http://schemas.microsoft.com/office/drawing/2014/main" id="{F5FB2926-5769-4612-9884-4A0888903E66}"/>
+              </a:ext>
+            </a:extLst>
+          </p:cNvPr>
+          <p:cNvSpPr txBox="1">
+            <a:spLocks/>
+          </p:cNvSpPr>
+          <p:nvPr/>
+        </p:nvSpPr>
+        <p:spPr>
+          <a:xfrm>
+            <a:off x="266229" y="0"/>
+            <a:ext cx="11453020" cy="1334278"/>
+          </a:xfrm>
+          <a:prstGeom prst="rect">
+            <a:avLst/>
+          </a:prstGeom>
+        </p:spPr>
+        <p:txBody>
+          <a:bodyPr vert="horz" lIns="91440" tIns="45720" rIns="91440" bIns="45720" rtlCol="0" anchor="ctr">
+            <a:normAutofit/>
+          </a:bodyPr>
+          <a:lstStyle>
+            <a:lvl1pPr algn="l" defTabSz="914400" rtl="0" eaLnBrk="1" latinLnBrk="0" hangingPunct="1">
+              <a:lnSpc>
+                <a:spcPct val="80000"/>
+              </a:lnSpc>
+              <a:spcBef>
+                <a:spcPct val="0"/>
+              </a:spcBef>
+              <a:buNone/>
+              <a:defRPr sz="8800" b="0" kern="1200" spc="-120" baseline="0">
+                <a:solidFill>
+                  <a:schemeClr val="accent1"/>
+                </a:solidFill>
+                <a:latin typeface="+mj-lt"/>
+                <a:ea typeface="+mj-ea"/>
+                <a:cs typeface="+mj-cs"/>
+              </a:defRPr>
+            </a:lvl1pPr>
+          </a:lstStyle>
+          <a:p>
+            <a:r>
+              <a:rPr lang="en-US" sz="4000" dirty="0">
+                <a:solidFill>
+                  <a:srgbClr val="FFFFFF"/>
+                </a:solidFill>
+              </a:rPr>
+              <a:t>DATA MODELLING</a:t>
+            </a:r>
+            <a:endParaRPr lang="en-GB" sz="4000" dirty="0">
+              <a:solidFill>
+                <a:srgbClr val="FFFFFF"/>
+              </a:solidFill>
+            </a:endParaRPr>
+          </a:p>
+        </p:txBody>
+      </p:sp>
     </p:spTree>
     <p:extLst>
       <p:ext uri="{BB962C8B-B14F-4D97-AF65-F5344CB8AC3E}">
-        <p14:creationId xmlns:p14="http://schemas.microsoft.com/office/powerpoint/2010/main" val="3066766692"/>
+        <p14:creationId xmlns:p14="http://schemas.microsoft.com/office/powerpoint/2010/main" val="2941449514"/>
+      </p:ext>
+    </p:extLst>
+  </p:cSld>
+  <p:clrMapOvr>
+    <a:masterClrMapping/>
+  </p:clrMapOvr>
+</p:sld>
+</file>
+
+<file path=ppt/slides/slide9.xml><?xml version="1.0" encoding="utf-8"?>
+<p:sld xmlns:a="http://schemas.openxmlformats.org/drawingml/2006/main" xmlns:r="http://schemas.openxmlformats.org/officeDocument/2006/relationships" xmlns:p="http://schemas.openxmlformats.org/presentationml/2006/main">
+  <p:cSld>
+    <p:spTree>
+      <p:nvGrpSpPr>
+        <p:cNvPr id="1" name=""/>
+        <p:cNvGrpSpPr/>
+        <p:nvPr/>
+      </p:nvGrpSpPr>
+      <p:grpSpPr>
+        <a:xfrm>
+          <a:off x="0" y="0"/>
+          <a:ext cx="0" cy="0"/>
+          <a:chOff x="0" y="0"/>
+          <a:chExt cx="0" cy="0"/>
+        </a:xfrm>
+      </p:grpSpPr>
+      <p:sp>
+        <p:nvSpPr>
+          <p:cNvPr id="20" name="Rectangle 19">
+            <a:extLst>
+              <a:ext uri="{FF2B5EF4-FFF2-40B4-BE49-F238E27FC236}">
+                <a16:creationId xmlns:a16="http://schemas.microsoft.com/office/drawing/2014/main" id="{434167B2-1F65-408D-9233-EF10B5990B6E}"/>
+              </a:ext>
+            </a:extLst>
+          </p:cNvPr>
+          <p:cNvSpPr/>
+          <p:nvPr/>
+        </p:nvSpPr>
+        <p:spPr>
+          <a:xfrm>
+            <a:off x="0" y="0"/>
+            <a:ext cx="12192000" cy="1334278"/>
+          </a:xfrm>
+          <a:prstGeom prst="rect">
+            <a:avLst/>
+          </a:prstGeom>
+        </p:spPr>
+        <p:style>
+          <a:lnRef idx="2">
+            <a:schemeClr val="accent1">
+              <a:shade val="50000"/>
+            </a:schemeClr>
+          </a:lnRef>
+          <a:fillRef idx="1">
+            <a:schemeClr val="accent1"/>
+          </a:fillRef>
+          <a:effectRef idx="0">
+            <a:schemeClr val="accent1"/>
+          </a:effectRef>
+          <a:fontRef idx="minor">
+            <a:schemeClr val="lt1"/>
+          </a:fontRef>
+        </p:style>
+        <p:txBody>
+          <a:bodyPr rtlCol="0" anchor="ctr"/>
+          <a:lstStyle/>
+          <a:p>
+            <a:pPr algn="ctr"/>
+            <a:endParaRPr lang="en-GB" dirty="0"/>
+          </a:p>
+        </p:txBody>
+      </p:sp>
+      <p:sp>
+        <p:nvSpPr>
+          <p:cNvPr id="9" name="Title 6">
+            <a:extLst>
+              <a:ext uri="{FF2B5EF4-FFF2-40B4-BE49-F238E27FC236}">
+                <a16:creationId xmlns:a16="http://schemas.microsoft.com/office/drawing/2014/main" id="{F5FB2926-5769-4612-9884-4A0888903E66}"/>
+              </a:ext>
+            </a:extLst>
+          </p:cNvPr>
+          <p:cNvSpPr txBox="1">
+            <a:spLocks/>
+          </p:cNvSpPr>
+          <p:nvPr/>
+        </p:nvSpPr>
+        <p:spPr>
+          <a:xfrm>
+            <a:off x="266229" y="0"/>
+            <a:ext cx="11453020" cy="1334278"/>
+          </a:xfrm>
+          <a:prstGeom prst="rect">
+            <a:avLst/>
+          </a:prstGeom>
+        </p:spPr>
+        <p:txBody>
+          <a:bodyPr vert="horz" lIns="91440" tIns="45720" rIns="91440" bIns="45720" rtlCol="0" anchor="ctr">
+            <a:normAutofit/>
+          </a:bodyPr>
+          <a:lstStyle>
+            <a:lvl1pPr algn="l" defTabSz="914400" rtl="0" eaLnBrk="1" latinLnBrk="0" hangingPunct="1">
+              <a:lnSpc>
+                <a:spcPct val="80000"/>
+              </a:lnSpc>
+              <a:spcBef>
+                <a:spcPct val="0"/>
+              </a:spcBef>
+              <a:buNone/>
+              <a:defRPr sz="8800" b="0" kern="1200" spc="-120" baseline="0">
+                <a:solidFill>
+                  <a:schemeClr val="accent1"/>
+                </a:solidFill>
+                <a:latin typeface="+mj-lt"/>
+                <a:ea typeface="+mj-ea"/>
+                <a:cs typeface="+mj-cs"/>
+              </a:defRPr>
+            </a:lvl1pPr>
+          </a:lstStyle>
+          <a:p>
+            <a:r>
+              <a:rPr lang="en-US" sz="4000" dirty="0">
+                <a:solidFill>
+                  <a:srgbClr val="FFFFFF"/>
+                </a:solidFill>
+              </a:rPr>
+              <a:t>MODEL ASSESSMENT</a:t>
+            </a:r>
+            <a:endParaRPr lang="en-GB" sz="4000" dirty="0">
+              <a:solidFill>
+                <a:srgbClr val="FFFFFF"/>
+              </a:solidFill>
+            </a:endParaRPr>
+          </a:p>
+        </p:txBody>
+      </p:sp>
+    </p:spTree>
+    <p:extLst>
+      <p:ext uri="{BB962C8B-B14F-4D97-AF65-F5344CB8AC3E}">
+        <p14:creationId xmlns:p14="http://schemas.microsoft.com/office/powerpoint/2010/main" val="678696944"/>
       </p:ext>
     </p:extLst>
   </p:cSld>

--- a/Task_Presentation.pptx
+++ b/Task_Presentation.pptx
@@ -11,12 +11,18 @@
     <p:sldId id="263" r:id="rId5"/>
     <p:sldId id="264" r:id="rId6"/>
     <p:sldId id="265" r:id="rId7"/>
-    <p:sldId id="266" r:id="rId8"/>
-    <p:sldId id="267" r:id="rId9"/>
-    <p:sldId id="268" r:id="rId10"/>
-    <p:sldId id="269" r:id="rId11"/>
-    <p:sldId id="261" r:id="rId12"/>
-    <p:sldId id="259" r:id="rId13"/>
+    <p:sldId id="274" r:id="rId8"/>
+    <p:sldId id="270" r:id="rId9"/>
+    <p:sldId id="271" r:id="rId10"/>
+    <p:sldId id="272" r:id="rId11"/>
+    <p:sldId id="273" r:id="rId12"/>
+    <p:sldId id="275" r:id="rId13"/>
+    <p:sldId id="266" r:id="rId14"/>
+    <p:sldId id="267" r:id="rId15"/>
+    <p:sldId id="268" r:id="rId16"/>
+    <p:sldId id="269" r:id="rId17"/>
+    <p:sldId id="261" r:id="rId18"/>
+    <p:sldId id="259" r:id="rId19"/>
   </p:sldIdLst>
   <p:sldSz cx="12192000" cy="6858000"/>
   <p:notesSz cx="6858000" cy="9144000"/>
@@ -6774,7 +6780,7 @@
                   <a:srgbClr val="FFFFFF"/>
                 </a:solidFill>
               </a:rPr>
-              <a:t>RESULTS</a:t>
+              <a:t>EXPLORATORY DATA ANALYSIS</a:t>
             </a:r>
             <a:endParaRPr lang="en-GB" sz="4000" dirty="0">
               <a:solidFill>
@@ -6784,10 +6790,57 @@
           </a:p>
         </p:txBody>
       </p:sp>
+      <p:pic>
+        <p:nvPicPr>
+          <p:cNvPr id="13314" name="Picture 2" descr="Lighter colors:  less than 50K&#10;Darker Colors: more than 50K">
+            <a:extLst>
+              <a:ext uri="{FF2B5EF4-FFF2-40B4-BE49-F238E27FC236}">
+                <a16:creationId xmlns:a16="http://schemas.microsoft.com/office/drawing/2014/main" id="{4A3274F3-75EB-4505-B929-74E688A7B734}"/>
+              </a:ext>
+            </a:extLst>
+          </p:cNvPr>
+          <p:cNvPicPr>
+            <a:picLocks noChangeAspect="1" noChangeArrowheads="1"/>
+          </p:cNvPicPr>
+          <p:nvPr/>
+        </p:nvPicPr>
+        <p:blipFill>
+          <a:blip r:embed="rId2">
+            <a:extLst>
+              <a:ext uri="{28A0092B-C50C-407E-A947-70E740481C1C}">
+                <a14:useLocalDpi xmlns:a14="http://schemas.microsoft.com/office/drawing/2010/main" val="0"/>
+              </a:ext>
+            </a:extLst>
+          </a:blip>
+          <a:srcRect/>
+          <a:stretch>
+            <a:fillRect/>
+          </a:stretch>
+        </p:blipFill>
+        <p:spPr bwMode="auto">
+          <a:xfrm>
+            <a:off x="2905124" y="1934288"/>
+            <a:ext cx="6381750" cy="4343400"/>
+          </a:xfrm>
+          <a:prstGeom prst="rect">
+            <a:avLst/>
+          </a:prstGeom>
+          <a:noFill/>
+          <a:extLst>
+            <a:ext uri="{909E8E84-426E-40DD-AFC4-6F175D3DCCD1}">
+              <a14:hiddenFill xmlns:a14="http://schemas.microsoft.com/office/drawing/2010/main">
+                <a:solidFill>
+                  <a:srgbClr val="FFFFFF"/>
+                </a:solidFill>
+              </a14:hiddenFill>
+            </a:ext>
+          </a:extLst>
+        </p:spPr>
+      </p:pic>
     </p:spTree>
     <p:extLst>
       <p:ext uri="{BB962C8B-B14F-4D97-AF65-F5344CB8AC3E}">
-        <p14:creationId xmlns:p14="http://schemas.microsoft.com/office/powerpoint/2010/main" val="2196733545"/>
+        <p14:creationId xmlns:p14="http://schemas.microsoft.com/office/powerpoint/2010/main" val="3110160694"/>
       </p:ext>
     </p:extLst>
   </p:cSld>
@@ -6829,6 +6882,900 @@
         <p:spPr>
           <a:xfrm>
             <a:off x="0" y="0"/>
+            <a:ext cx="12192000" cy="1334278"/>
+          </a:xfrm>
+          <a:prstGeom prst="rect">
+            <a:avLst/>
+          </a:prstGeom>
+        </p:spPr>
+        <p:style>
+          <a:lnRef idx="2">
+            <a:schemeClr val="accent1">
+              <a:shade val="50000"/>
+            </a:schemeClr>
+          </a:lnRef>
+          <a:fillRef idx="1">
+            <a:schemeClr val="accent1"/>
+          </a:fillRef>
+          <a:effectRef idx="0">
+            <a:schemeClr val="accent1"/>
+          </a:effectRef>
+          <a:fontRef idx="minor">
+            <a:schemeClr val="lt1"/>
+          </a:fontRef>
+        </p:style>
+        <p:txBody>
+          <a:bodyPr rtlCol="0" anchor="ctr"/>
+          <a:lstStyle/>
+          <a:p>
+            <a:pPr algn="ctr"/>
+            <a:endParaRPr lang="en-GB" dirty="0"/>
+          </a:p>
+        </p:txBody>
+      </p:sp>
+      <p:sp>
+        <p:nvSpPr>
+          <p:cNvPr id="9" name="Title 6">
+            <a:extLst>
+              <a:ext uri="{FF2B5EF4-FFF2-40B4-BE49-F238E27FC236}">
+                <a16:creationId xmlns:a16="http://schemas.microsoft.com/office/drawing/2014/main" id="{F5FB2926-5769-4612-9884-4A0888903E66}"/>
+              </a:ext>
+            </a:extLst>
+          </p:cNvPr>
+          <p:cNvSpPr txBox="1">
+            <a:spLocks/>
+          </p:cNvSpPr>
+          <p:nvPr/>
+        </p:nvSpPr>
+        <p:spPr>
+          <a:xfrm>
+            <a:off x="266229" y="0"/>
+            <a:ext cx="11453020" cy="1334278"/>
+          </a:xfrm>
+          <a:prstGeom prst="rect">
+            <a:avLst/>
+          </a:prstGeom>
+        </p:spPr>
+        <p:txBody>
+          <a:bodyPr vert="horz" lIns="91440" tIns="45720" rIns="91440" bIns="45720" rtlCol="0" anchor="ctr">
+            <a:normAutofit/>
+          </a:bodyPr>
+          <a:lstStyle>
+            <a:lvl1pPr algn="l" defTabSz="914400" rtl="0" eaLnBrk="1" latinLnBrk="0" hangingPunct="1">
+              <a:lnSpc>
+                <a:spcPct val="80000"/>
+              </a:lnSpc>
+              <a:spcBef>
+                <a:spcPct val="0"/>
+              </a:spcBef>
+              <a:buNone/>
+              <a:defRPr sz="8800" b="0" kern="1200" spc="-120" baseline="0">
+                <a:solidFill>
+                  <a:schemeClr val="accent1"/>
+                </a:solidFill>
+                <a:latin typeface="+mj-lt"/>
+                <a:ea typeface="+mj-ea"/>
+                <a:cs typeface="+mj-cs"/>
+              </a:defRPr>
+            </a:lvl1pPr>
+          </a:lstStyle>
+          <a:p>
+            <a:r>
+              <a:rPr lang="en-US" sz="4000" dirty="0">
+                <a:solidFill>
+                  <a:srgbClr val="FFFFFF"/>
+                </a:solidFill>
+              </a:rPr>
+              <a:t>EXPLORATORY DATA ANALYSIS – Education VS Wage p. Hour</a:t>
+            </a:r>
+            <a:endParaRPr lang="en-GB" sz="4000" dirty="0">
+              <a:solidFill>
+                <a:srgbClr val="FFFFFF"/>
+              </a:solidFill>
+            </a:endParaRPr>
+          </a:p>
+        </p:txBody>
+      </p:sp>
+      <p:pic>
+        <p:nvPicPr>
+          <p:cNvPr id="10" name="Picture 9">
+            <a:extLst>
+              <a:ext uri="{FF2B5EF4-FFF2-40B4-BE49-F238E27FC236}">
+                <a16:creationId xmlns:a16="http://schemas.microsoft.com/office/drawing/2014/main" id="{91BF3FCF-11ED-4115-9C29-56D553BD1DD7}"/>
+              </a:ext>
+            </a:extLst>
+          </p:cNvPr>
+          <p:cNvPicPr>
+            <a:picLocks noChangeAspect="1"/>
+          </p:cNvPicPr>
+          <p:nvPr/>
+        </p:nvPicPr>
+        <p:blipFill>
+          <a:blip r:embed="rId2"/>
+          <a:stretch>
+            <a:fillRect/>
+          </a:stretch>
+        </p:blipFill>
+        <p:spPr>
+          <a:xfrm rot="5400000">
+            <a:off x="3581711" y="157992"/>
+            <a:ext cx="5028578" cy="7583816"/>
+          </a:xfrm>
+          <a:prstGeom prst="rect">
+            <a:avLst/>
+          </a:prstGeom>
+        </p:spPr>
+      </p:pic>
+    </p:spTree>
+    <p:extLst>
+      <p:ext uri="{BB962C8B-B14F-4D97-AF65-F5344CB8AC3E}">
+        <p14:creationId xmlns:p14="http://schemas.microsoft.com/office/powerpoint/2010/main" val="3708724317"/>
+      </p:ext>
+    </p:extLst>
+  </p:cSld>
+  <p:clrMapOvr>
+    <a:masterClrMapping/>
+  </p:clrMapOvr>
+</p:sld>
+</file>
+
+<file path=ppt/slides/slide12.xml><?xml version="1.0" encoding="utf-8"?>
+<p:sld xmlns:a="http://schemas.openxmlformats.org/drawingml/2006/main" xmlns:r="http://schemas.openxmlformats.org/officeDocument/2006/relationships" xmlns:p="http://schemas.openxmlformats.org/presentationml/2006/main">
+  <p:cSld>
+    <p:spTree>
+      <p:nvGrpSpPr>
+        <p:cNvPr id="1" name=""/>
+        <p:cNvGrpSpPr/>
+        <p:nvPr/>
+      </p:nvGrpSpPr>
+      <p:grpSpPr>
+        <a:xfrm>
+          <a:off x="0" y="0"/>
+          <a:ext cx="0" cy="0"/>
+          <a:chOff x="0" y="0"/>
+          <a:chExt cx="0" cy="0"/>
+        </a:xfrm>
+      </p:grpSpPr>
+      <p:sp>
+        <p:nvSpPr>
+          <p:cNvPr id="20" name="Rectangle 19">
+            <a:extLst>
+              <a:ext uri="{FF2B5EF4-FFF2-40B4-BE49-F238E27FC236}">
+                <a16:creationId xmlns:a16="http://schemas.microsoft.com/office/drawing/2014/main" id="{434167B2-1F65-408D-9233-EF10B5990B6E}"/>
+              </a:ext>
+            </a:extLst>
+          </p:cNvPr>
+          <p:cNvSpPr/>
+          <p:nvPr/>
+        </p:nvSpPr>
+        <p:spPr>
+          <a:xfrm>
+            <a:off x="0" y="0"/>
+            <a:ext cx="12192000" cy="1334278"/>
+          </a:xfrm>
+          <a:prstGeom prst="rect">
+            <a:avLst/>
+          </a:prstGeom>
+        </p:spPr>
+        <p:style>
+          <a:lnRef idx="2">
+            <a:schemeClr val="accent1">
+              <a:shade val="50000"/>
+            </a:schemeClr>
+          </a:lnRef>
+          <a:fillRef idx="1">
+            <a:schemeClr val="accent1"/>
+          </a:fillRef>
+          <a:effectRef idx="0">
+            <a:schemeClr val="accent1"/>
+          </a:effectRef>
+          <a:fontRef idx="minor">
+            <a:schemeClr val="lt1"/>
+          </a:fontRef>
+        </p:style>
+        <p:txBody>
+          <a:bodyPr rtlCol="0" anchor="ctr"/>
+          <a:lstStyle/>
+          <a:p>
+            <a:pPr algn="ctr"/>
+            <a:endParaRPr lang="en-GB" dirty="0"/>
+          </a:p>
+        </p:txBody>
+      </p:sp>
+      <p:sp>
+        <p:nvSpPr>
+          <p:cNvPr id="9" name="Title 6">
+            <a:extLst>
+              <a:ext uri="{FF2B5EF4-FFF2-40B4-BE49-F238E27FC236}">
+                <a16:creationId xmlns:a16="http://schemas.microsoft.com/office/drawing/2014/main" id="{F5FB2926-5769-4612-9884-4A0888903E66}"/>
+              </a:ext>
+            </a:extLst>
+          </p:cNvPr>
+          <p:cNvSpPr txBox="1">
+            <a:spLocks/>
+          </p:cNvSpPr>
+          <p:nvPr/>
+        </p:nvSpPr>
+        <p:spPr>
+          <a:xfrm>
+            <a:off x="266229" y="0"/>
+            <a:ext cx="11453020" cy="1334278"/>
+          </a:xfrm>
+          <a:prstGeom prst="rect">
+            <a:avLst/>
+          </a:prstGeom>
+        </p:spPr>
+        <p:txBody>
+          <a:bodyPr vert="horz" lIns="91440" tIns="45720" rIns="91440" bIns="45720" rtlCol="0" anchor="ctr">
+            <a:normAutofit/>
+          </a:bodyPr>
+          <a:lstStyle>
+            <a:lvl1pPr algn="l" defTabSz="914400" rtl="0" eaLnBrk="1" latinLnBrk="0" hangingPunct="1">
+              <a:lnSpc>
+                <a:spcPct val="80000"/>
+              </a:lnSpc>
+              <a:spcBef>
+                <a:spcPct val="0"/>
+              </a:spcBef>
+              <a:buNone/>
+              <a:defRPr sz="8800" b="0" kern="1200" spc="-120" baseline="0">
+                <a:solidFill>
+                  <a:schemeClr val="accent1"/>
+                </a:solidFill>
+                <a:latin typeface="+mj-lt"/>
+                <a:ea typeface="+mj-ea"/>
+                <a:cs typeface="+mj-cs"/>
+              </a:defRPr>
+            </a:lvl1pPr>
+          </a:lstStyle>
+          <a:p>
+            <a:r>
+              <a:rPr lang="en-US" sz="4000" dirty="0">
+                <a:solidFill>
+                  <a:srgbClr val="FFFFFF"/>
+                </a:solidFill>
+              </a:rPr>
+              <a:t>EXPLORATORY DATA ANALYSIS – Education VS Income</a:t>
+            </a:r>
+            <a:endParaRPr lang="en-GB" sz="4000" dirty="0">
+              <a:solidFill>
+                <a:srgbClr val="FFFFFF"/>
+              </a:solidFill>
+            </a:endParaRPr>
+          </a:p>
+        </p:txBody>
+      </p:sp>
+      <p:pic>
+        <p:nvPicPr>
+          <p:cNvPr id="3" name="Picture 2" descr="This means more than half of the profs are earning more than 0.5">
+            <a:extLst>
+              <a:ext uri="{FF2B5EF4-FFF2-40B4-BE49-F238E27FC236}">
+                <a16:creationId xmlns:a16="http://schemas.microsoft.com/office/drawing/2014/main" id="{1864DB1A-9386-4E49-8D35-89A232801B11}"/>
+              </a:ext>
+            </a:extLst>
+          </p:cNvPr>
+          <p:cNvPicPr>
+            <a:picLocks noChangeAspect="1"/>
+          </p:cNvPicPr>
+          <p:nvPr/>
+        </p:nvPicPr>
+        <p:blipFill>
+          <a:blip r:embed="rId2"/>
+          <a:stretch>
+            <a:fillRect/>
+          </a:stretch>
+        </p:blipFill>
+        <p:spPr>
+          <a:xfrm rot="5400000">
+            <a:off x="3590416" y="288538"/>
+            <a:ext cx="4804645" cy="7281671"/>
+          </a:xfrm>
+          <a:prstGeom prst="rect">
+            <a:avLst/>
+          </a:prstGeom>
+        </p:spPr>
+      </p:pic>
+    </p:spTree>
+    <p:extLst>
+      <p:ext uri="{BB962C8B-B14F-4D97-AF65-F5344CB8AC3E}">
+        <p14:creationId xmlns:p14="http://schemas.microsoft.com/office/powerpoint/2010/main" val="3676605337"/>
+      </p:ext>
+    </p:extLst>
+  </p:cSld>
+  <p:clrMapOvr>
+    <a:masterClrMapping/>
+  </p:clrMapOvr>
+</p:sld>
+</file>
+
+<file path=ppt/slides/slide13.xml><?xml version="1.0" encoding="utf-8"?>
+<p:sld xmlns:a="http://schemas.openxmlformats.org/drawingml/2006/main" xmlns:r="http://schemas.openxmlformats.org/officeDocument/2006/relationships" xmlns:p="http://schemas.openxmlformats.org/presentationml/2006/main">
+  <p:cSld>
+    <p:spTree>
+      <p:nvGrpSpPr>
+        <p:cNvPr id="1" name=""/>
+        <p:cNvGrpSpPr/>
+        <p:nvPr/>
+      </p:nvGrpSpPr>
+      <p:grpSpPr>
+        <a:xfrm>
+          <a:off x="0" y="0"/>
+          <a:ext cx="0" cy="0"/>
+          <a:chOff x="0" y="0"/>
+          <a:chExt cx="0" cy="0"/>
+        </a:xfrm>
+      </p:grpSpPr>
+      <p:sp>
+        <p:nvSpPr>
+          <p:cNvPr id="20" name="Rectangle 19">
+            <a:extLst>
+              <a:ext uri="{FF2B5EF4-FFF2-40B4-BE49-F238E27FC236}">
+                <a16:creationId xmlns:a16="http://schemas.microsoft.com/office/drawing/2014/main" id="{434167B2-1F65-408D-9233-EF10B5990B6E}"/>
+              </a:ext>
+            </a:extLst>
+          </p:cNvPr>
+          <p:cNvSpPr/>
+          <p:nvPr/>
+        </p:nvSpPr>
+        <p:spPr>
+          <a:xfrm>
+            <a:off x="0" y="0"/>
+            <a:ext cx="12192000" cy="1334278"/>
+          </a:xfrm>
+          <a:prstGeom prst="rect">
+            <a:avLst/>
+          </a:prstGeom>
+        </p:spPr>
+        <p:style>
+          <a:lnRef idx="2">
+            <a:schemeClr val="accent1">
+              <a:shade val="50000"/>
+            </a:schemeClr>
+          </a:lnRef>
+          <a:fillRef idx="1">
+            <a:schemeClr val="accent1"/>
+          </a:fillRef>
+          <a:effectRef idx="0">
+            <a:schemeClr val="accent1"/>
+          </a:effectRef>
+          <a:fontRef idx="minor">
+            <a:schemeClr val="lt1"/>
+          </a:fontRef>
+        </p:style>
+        <p:txBody>
+          <a:bodyPr rtlCol="0" anchor="ctr"/>
+          <a:lstStyle/>
+          <a:p>
+            <a:pPr algn="ctr"/>
+            <a:endParaRPr lang="en-GB" dirty="0"/>
+          </a:p>
+        </p:txBody>
+      </p:sp>
+      <p:sp>
+        <p:nvSpPr>
+          <p:cNvPr id="9" name="Title 6">
+            <a:extLst>
+              <a:ext uri="{FF2B5EF4-FFF2-40B4-BE49-F238E27FC236}">
+                <a16:creationId xmlns:a16="http://schemas.microsoft.com/office/drawing/2014/main" id="{F5FB2926-5769-4612-9884-4A0888903E66}"/>
+              </a:ext>
+            </a:extLst>
+          </p:cNvPr>
+          <p:cNvSpPr txBox="1">
+            <a:spLocks/>
+          </p:cNvSpPr>
+          <p:nvPr/>
+        </p:nvSpPr>
+        <p:spPr>
+          <a:xfrm>
+            <a:off x="266229" y="0"/>
+            <a:ext cx="11453020" cy="1334278"/>
+          </a:xfrm>
+          <a:prstGeom prst="rect">
+            <a:avLst/>
+          </a:prstGeom>
+        </p:spPr>
+        <p:txBody>
+          <a:bodyPr vert="horz" lIns="91440" tIns="45720" rIns="91440" bIns="45720" rtlCol="0" anchor="ctr">
+            <a:normAutofit/>
+          </a:bodyPr>
+          <a:lstStyle>
+            <a:lvl1pPr algn="l" defTabSz="914400" rtl="0" eaLnBrk="1" latinLnBrk="0" hangingPunct="1">
+              <a:lnSpc>
+                <a:spcPct val="80000"/>
+              </a:lnSpc>
+              <a:spcBef>
+                <a:spcPct val="0"/>
+              </a:spcBef>
+              <a:buNone/>
+              <a:defRPr sz="8800" b="0" kern="1200" spc="-120" baseline="0">
+                <a:solidFill>
+                  <a:schemeClr val="accent1"/>
+                </a:solidFill>
+                <a:latin typeface="+mj-lt"/>
+                <a:ea typeface="+mj-ea"/>
+                <a:cs typeface="+mj-cs"/>
+              </a:defRPr>
+            </a:lvl1pPr>
+          </a:lstStyle>
+          <a:p>
+            <a:r>
+              <a:rPr lang="en-US" sz="4000" dirty="0">
+                <a:solidFill>
+                  <a:srgbClr val="FFFFFF"/>
+                </a:solidFill>
+              </a:rPr>
+              <a:t>DATA PREPARATION</a:t>
+            </a:r>
+            <a:endParaRPr lang="en-GB" sz="4000" dirty="0">
+              <a:solidFill>
+                <a:srgbClr val="FFFFFF"/>
+              </a:solidFill>
+            </a:endParaRPr>
+          </a:p>
+        </p:txBody>
+      </p:sp>
+    </p:spTree>
+    <p:extLst>
+      <p:ext uri="{BB962C8B-B14F-4D97-AF65-F5344CB8AC3E}">
+        <p14:creationId xmlns:p14="http://schemas.microsoft.com/office/powerpoint/2010/main" val="1855382618"/>
+      </p:ext>
+    </p:extLst>
+  </p:cSld>
+  <p:clrMapOvr>
+    <a:masterClrMapping/>
+  </p:clrMapOvr>
+</p:sld>
+</file>
+
+<file path=ppt/slides/slide14.xml><?xml version="1.0" encoding="utf-8"?>
+<p:sld xmlns:a="http://schemas.openxmlformats.org/drawingml/2006/main" xmlns:r="http://schemas.openxmlformats.org/officeDocument/2006/relationships" xmlns:p="http://schemas.openxmlformats.org/presentationml/2006/main">
+  <p:cSld>
+    <p:spTree>
+      <p:nvGrpSpPr>
+        <p:cNvPr id="1" name=""/>
+        <p:cNvGrpSpPr/>
+        <p:nvPr/>
+      </p:nvGrpSpPr>
+      <p:grpSpPr>
+        <a:xfrm>
+          <a:off x="0" y="0"/>
+          <a:ext cx="0" cy="0"/>
+          <a:chOff x="0" y="0"/>
+          <a:chExt cx="0" cy="0"/>
+        </a:xfrm>
+      </p:grpSpPr>
+      <p:sp>
+        <p:nvSpPr>
+          <p:cNvPr id="20" name="Rectangle 19">
+            <a:extLst>
+              <a:ext uri="{FF2B5EF4-FFF2-40B4-BE49-F238E27FC236}">
+                <a16:creationId xmlns:a16="http://schemas.microsoft.com/office/drawing/2014/main" id="{434167B2-1F65-408D-9233-EF10B5990B6E}"/>
+              </a:ext>
+            </a:extLst>
+          </p:cNvPr>
+          <p:cNvSpPr/>
+          <p:nvPr/>
+        </p:nvSpPr>
+        <p:spPr>
+          <a:xfrm>
+            <a:off x="0" y="0"/>
+            <a:ext cx="12192000" cy="1334278"/>
+          </a:xfrm>
+          <a:prstGeom prst="rect">
+            <a:avLst/>
+          </a:prstGeom>
+        </p:spPr>
+        <p:style>
+          <a:lnRef idx="2">
+            <a:schemeClr val="accent1">
+              <a:shade val="50000"/>
+            </a:schemeClr>
+          </a:lnRef>
+          <a:fillRef idx="1">
+            <a:schemeClr val="accent1"/>
+          </a:fillRef>
+          <a:effectRef idx="0">
+            <a:schemeClr val="accent1"/>
+          </a:effectRef>
+          <a:fontRef idx="minor">
+            <a:schemeClr val="lt1"/>
+          </a:fontRef>
+        </p:style>
+        <p:txBody>
+          <a:bodyPr rtlCol="0" anchor="ctr"/>
+          <a:lstStyle/>
+          <a:p>
+            <a:pPr algn="ctr"/>
+            <a:endParaRPr lang="en-GB" dirty="0"/>
+          </a:p>
+        </p:txBody>
+      </p:sp>
+      <p:sp>
+        <p:nvSpPr>
+          <p:cNvPr id="9" name="Title 6">
+            <a:extLst>
+              <a:ext uri="{FF2B5EF4-FFF2-40B4-BE49-F238E27FC236}">
+                <a16:creationId xmlns:a16="http://schemas.microsoft.com/office/drawing/2014/main" id="{F5FB2926-5769-4612-9884-4A0888903E66}"/>
+              </a:ext>
+            </a:extLst>
+          </p:cNvPr>
+          <p:cNvSpPr txBox="1">
+            <a:spLocks/>
+          </p:cNvSpPr>
+          <p:nvPr/>
+        </p:nvSpPr>
+        <p:spPr>
+          <a:xfrm>
+            <a:off x="266229" y="0"/>
+            <a:ext cx="11453020" cy="1334278"/>
+          </a:xfrm>
+          <a:prstGeom prst="rect">
+            <a:avLst/>
+          </a:prstGeom>
+        </p:spPr>
+        <p:txBody>
+          <a:bodyPr vert="horz" lIns="91440" tIns="45720" rIns="91440" bIns="45720" rtlCol="0" anchor="ctr">
+            <a:normAutofit/>
+          </a:bodyPr>
+          <a:lstStyle>
+            <a:lvl1pPr algn="l" defTabSz="914400" rtl="0" eaLnBrk="1" latinLnBrk="0" hangingPunct="1">
+              <a:lnSpc>
+                <a:spcPct val="80000"/>
+              </a:lnSpc>
+              <a:spcBef>
+                <a:spcPct val="0"/>
+              </a:spcBef>
+              <a:buNone/>
+              <a:defRPr sz="8800" b="0" kern="1200" spc="-120" baseline="0">
+                <a:solidFill>
+                  <a:schemeClr val="accent1"/>
+                </a:solidFill>
+                <a:latin typeface="+mj-lt"/>
+                <a:ea typeface="+mj-ea"/>
+                <a:cs typeface="+mj-cs"/>
+              </a:defRPr>
+            </a:lvl1pPr>
+          </a:lstStyle>
+          <a:p>
+            <a:r>
+              <a:rPr lang="en-US" sz="4000" dirty="0">
+                <a:solidFill>
+                  <a:srgbClr val="FFFFFF"/>
+                </a:solidFill>
+              </a:rPr>
+              <a:t>DATA MODELLING</a:t>
+            </a:r>
+            <a:endParaRPr lang="en-GB" sz="4000" dirty="0">
+              <a:solidFill>
+                <a:srgbClr val="FFFFFF"/>
+              </a:solidFill>
+            </a:endParaRPr>
+          </a:p>
+        </p:txBody>
+      </p:sp>
+    </p:spTree>
+    <p:extLst>
+      <p:ext uri="{BB962C8B-B14F-4D97-AF65-F5344CB8AC3E}">
+        <p14:creationId xmlns:p14="http://schemas.microsoft.com/office/powerpoint/2010/main" val="2941449514"/>
+      </p:ext>
+    </p:extLst>
+  </p:cSld>
+  <p:clrMapOvr>
+    <a:masterClrMapping/>
+  </p:clrMapOvr>
+</p:sld>
+</file>
+
+<file path=ppt/slides/slide15.xml><?xml version="1.0" encoding="utf-8"?>
+<p:sld xmlns:a="http://schemas.openxmlformats.org/drawingml/2006/main" xmlns:r="http://schemas.openxmlformats.org/officeDocument/2006/relationships" xmlns:p="http://schemas.openxmlformats.org/presentationml/2006/main">
+  <p:cSld>
+    <p:spTree>
+      <p:nvGrpSpPr>
+        <p:cNvPr id="1" name=""/>
+        <p:cNvGrpSpPr/>
+        <p:nvPr/>
+      </p:nvGrpSpPr>
+      <p:grpSpPr>
+        <a:xfrm>
+          <a:off x="0" y="0"/>
+          <a:ext cx="0" cy="0"/>
+          <a:chOff x="0" y="0"/>
+          <a:chExt cx="0" cy="0"/>
+        </a:xfrm>
+      </p:grpSpPr>
+      <p:sp>
+        <p:nvSpPr>
+          <p:cNvPr id="20" name="Rectangle 19">
+            <a:extLst>
+              <a:ext uri="{FF2B5EF4-FFF2-40B4-BE49-F238E27FC236}">
+                <a16:creationId xmlns:a16="http://schemas.microsoft.com/office/drawing/2014/main" id="{434167B2-1F65-408D-9233-EF10B5990B6E}"/>
+              </a:ext>
+            </a:extLst>
+          </p:cNvPr>
+          <p:cNvSpPr/>
+          <p:nvPr/>
+        </p:nvSpPr>
+        <p:spPr>
+          <a:xfrm>
+            <a:off x="0" y="0"/>
+            <a:ext cx="12192000" cy="1334278"/>
+          </a:xfrm>
+          <a:prstGeom prst="rect">
+            <a:avLst/>
+          </a:prstGeom>
+        </p:spPr>
+        <p:style>
+          <a:lnRef idx="2">
+            <a:schemeClr val="accent1">
+              <a:shade val="50000"/>
+            </a:schemeClr>
+          </a:lnRef>
+          <a:fillRef idx="1">
+            <a:schemeClr val="accent1"/>
+          </a:fillRef>
+          <a:effectRef idx="0">
+            <a:schemeClr val="accent1"/>
+          </a:effectRef>
+          <a:fontRef idx="minor">
+            <a:schemeClr val="lt1"/>
+          </a:fontRef>
+        </p:style>
+        <p:txBody>
+          <a:bodyPr rtlCol="0" anchor="ctr"/>
+          <a:lstStyle/>
+          <a:p>
+            <a:pPr algn="ctr"/>
+            <a:endParaRPr lang="en-GB" dirty="0"/>
+          </a:p>
+        </p:txBody>
+      </p:sp>
+      <p:sp>
+        <p:nvSpPr>
+          <p:cNvPr id="9" name="Title 6">
+            <a:extLst>
+              <a:ext uri="{FF2B5EF4-FFF2-40B4-BE49-F238E27FC236}">
+                <a16:creationId xmlns:a16="http://schemas.microsoft.com/office/drawing/2014/main" id="{F5FB2926-5769-4612-9884-4A0888903E66}"/>
+              </a:ext>
+            </a:extLst>
+          </p:cNvPr>
+          <p:cNvSpPr txBox="1">
+            <a:spLocks/>
+          </p:cNvSpPr>
+          <p:nvPr/>
+        </p:nvSpPr>
+        <p:spPr>
+          <a:xfrm>
+            <a:off x="266229" y="0"/>
+            <a:ext cx="11453020" cy="1334278"/>
+          </a:xfrm>
+          <a:prstGeom prst="rect">
+            <a:avLst/>
+          </a:prstGeom>
+        </p:spPr>
+        <p:txBody>
+          <a:bodyPr vert="horz" lIns="91440" tIns="45720" rIns="91440" bIns="45720" rtlCol="0" anchor="ctr">
+            <a:normAutofit/>
+          </a:bodyPr>
+          <a:lstStyle>
+            <a:lvl1pPr algn="l" defTabSz="914400" rtl="0" eaLnBrk="1" latinLnBrk="0" hangingPunct="1">
+              <a:lnSpc>
+                <a:spcPct val="80000"/>
+              </a:lnSpc>
+              <a:spcBef>
+                <a:spcPct val="0"/>
+              </a:spcBef>
+              <a:buNone/>
+              <a:defRPr sz="8800" b="0" kern="1200" spc="-120" baseline="0">
+                <a:solidFill>
+                  <a:schemeClr val="accent1"/>
+                </a:solidFill>
+                <a:latin typeface="+mj-lt"/>
+                <a:ea typeface="+mj-ea"/>
+                <a:cs typeface="+mj-cs"/>
+              </a:defRPr>
+            </a:lvl1pPr>
+          </a:lstStyle>
+          <a:p>
+            <a:r>
+              <a:rPr lang="en-US" sz="4000" dirty="0">
+                <a:solidFill>
+                  <a:srgbClr val="FFFFFF"/>
+                </a:solidFill>
+              </a:rPr>
+              <a:t>MODEL ASSESSMENT</a:t>
+            </a:r>
+            <a:endParaRPr lang="en-GB" sz="4000" dirty="0">
+              <a:solidFill>
+                <a:srgbClr val="FFFFFF"/>
+              </a:solidFill>
+            </a:endParaRPr>
+          </a:p>
+        </p:txBody>
+      </p:sp>
+    </p:spTree>
+    <p:extLst>
+      <p:ext uri="{BB962C8B-B14F-4D97-AF65-F5344CB8AC3E}">
+        <p14:creationId xmlns:p14="http://schemas.microsoft.com/office/powerpoint/2010/main" val="678696944"/>
+      </p:ext>
+    </p:extLst>
+  </p:cSld>
+  <p:clrMapOvr>
+    <a:masterClrMapping/>
+  </p:clrMapOvr>
+</p:sld>
+</file>
+
+<file path=ppt/slides/slide16.xml><?xml version="1.0" encoding="utf-8"?>
+<p:sld xmlns:a="http://schemas.openxmlformats.org/drawingml/2006/main" xmlns:r="http://schemas.openxmlformats.org/officeDocument/2006/relationships" xmlns:p="http://schemas.openxmlformats.org/presentationml/2006/main">
+  <p:cSld>
+    <p:spTree>
+      <p:nvGrpSpPr>
+        <p:cNvPr id="1" name=""/>
+        <p:cNvGrpSpPr/>
+        <p:nvPr/>
+      </p:nvGrpSpPr>
+      <p:grpSpPr>
+        <a:xfrm>
+          <a:off x="0" y="0"/>
+          <a:ext cx="0" cy="0"/>
+          <a:chOff x="0" y="0"/>
+          <a:chExt cx="0" cy="0"/>
+        </a:xfrm>
+      </p:grpSpPr>
+      <p:sp>
+        <p:nvSpPr>
+          <p:cNvPr id="20" name="Rectangle 19">
+            <a:extLst>
+              <a:ext uri="{FF2B5EF4-FFF2-40B4-BE49-F238E27FC236}">
+                <a16:creationId xmlns:a16="http://schemas.microsoft.com/office/drawing/2014/main" id="{434167B2-1F65-408D-9233-EF10B5990B6E}"/>
+              </a:ext>
+            </a:extLst>
+          </p:cNvPr>
+          <p:cNvSpPr/>
+          <p:nvPr/>
+        </p:nvSpPr>
+        <p:spPr>
+          <a:xfrm>
+            <a:off x="0" y="0"/>
+            <a:ext cx="12192000" cy="1334278"/>
+          </a:xfrm>
+          <a:prstGeom prst="rect">
+            <a:avLst/>
+          </a:prstGeom>
+        </p:spPr>
+        <p:style>
+          <a:lnRef idx="2">
+            <a:schemeClr val="accent1">
+              <a:shade val="50000"/>
+            </a:schemeClr>
+          </a:lnRef>
+          <a:fillRef idx="1">
+            <a:schemeClr val="accent1"/>
+          </a:fillRef>
+          <a:effectRef idx="0">
+            <a:schemeClr val="accent1"/>
+          </a:effectRef>
+          <a:fontRef idx="minor">
+            <a:schemeClr val="lt1"/>
+          </a:fontRef>
+        </p:style>
+        <p:txBody>
+          <a:bodyPr rtlCol="0" anchor="ctr"/>
+          <a:lstStyle/>
+          <a:p>
+            <a:pPr algn="ctr"/>
+            <a:endParaRPr lang="en-GB" dirty="0"/>
+          </a:p>
+        </p:txBody>
+      </p:sp>
+      <p:sp>
+        <p:nvSpPr>
+          <p:cNvPr id="9" name="Title 6">
+            <a:extLst>
+              <a:ext uri="{FF2B5EF4-FFF2-40B4-BE49-F238E27FC236}">
+                <a16:creationId xmlns:a16="http://schemas.microsoft.com/office/drawing/2014/main" id="{F5FB2926-5769-4612-9884-4A0888903E66}"/>
+              </a:ext>
+            </a:extLst>
+          </p:cNvPr>
+          <p:cNvSpPr txBox="1">
+            <a:spLocks/>
+          </p:cNvSpPr>
+          <p:nvPr/>
+        </p:nvSpPr>
+        <p:spPr>
+          <a:xfrm>
+            <a:off x="266229" y="0"/>
+            <a:ext cx="11453020" cy="1334278"/>
+          </a:xfrm>
+          <a:prstGeom prst="rect">
+            <a:avLst/>
+          </a:prstGeom>
+        </p:spPr>
+        <p:txBody>
+          <a:bodyPr vert="horz" lIns="91440" tIns="45720" rIns="91440" bIns="45720" rtlCol="0" anchor="ctr">
+            <a:normAutofit/>
+          </a:bodyPr>
+          <a:lstStyle>
+            <a:lvl1pPr algn="l" defTabSz="914400" rtl="0" eaLnBrk="1" latinLnBrk="0" hangingPunct="1">
+              <a:lnSpc>
+                <a:spcPct val="80000"/>
+              </a:lnSpc>
+              <a:spcBef>
+                <a:spcPct val="0"/>
+              </a:spcBef>
+              <a:buNone/>
+              <a:defRPr sz="8800" b="0" kern="1200" spc="-120" baseline="0">
+                <a:solidFill>
+                  <a:schemeClr val="accent1"/>
+                </a:solidFill>
+                <a:latin typeface="+mj-lt"/>
+                <a:ea typeface="+mj-ea"/>
+                <a:cs typeface="+mj-cs"/>
+              </a:defRPr>
+            </a:lvl1pPr>
+          </a:lstStyle>
+          <a:p>
+            <a:r>
+              <a:rPr lang="en-US" sz="4000" dirty="0">
+                <a:solidFill>
+                  <a:srgbClr val="FFFFFF"/>
+                </a:solidFill>
+              </a:rPr>
+              <a:t>RESULTS</a:t>
+            </a:r>
+            <a:endParaRPr lang="en-GB" sz="4000" dirty="0">
+              <a:solidFill>
+                <a:srgbClr val="FFFFFF"/>
+              </a:solidFill>
+            </a:endParaRPr>
+          </a:p>
+        </p:txBody>
+      </p:sp>
+    </p:spTree>
+    <p:extLst>
+      <p:ext uri="{BB962C8B-B14F-4D97-AF65-F5344CB8AC3E}">
+        <p14:creationId xmlns:p14="http://schemas.microsoft.com/office/powerpoint/2010/main" val="2196733545"/>
+      </p:ext>
+    </p:extLst>
+  </p:cSld>
+  <p:clrMapOvr>
+    <a:masterClrMapping/>
+  </p:clrMapOvr>
+</p:sld>
+</file>
+
+<file path=ppt/slides/slide17.xml><?xml version="1.0" encoding="utf-8"?>
+<p:sld xmlns:a="http://schemas.openxmlformats.org/drawingml/2006/main" xmlns:r="http://schemas.openxmlformats.org/officeDocument/2006/relationships" xmlns:p="http://schemas.openxmlformats.org/presentationml/2006/main">
+  <p:cSld>
+    <p:spTree>
+      <p:nvGrpSpPr>
+        <p:cNvPr id="1" name=""/>
+        <p:cNvGrpSpPr/>
+        <p:nvPr/>
+      </p:nvGrpSpPr>
+      <p:grpSpPr>
+        <a:xfrm>
+          <a:off x="0" y="0"/>
+          <a:ext cx="0" cy="0"/>
+          <a:chOff x="0" y="0"/>
+          <a:chExt cx="0" cy="0"/>
+        </a:xfrm>
+      </p:grpSpPr>
+      <p:sp>
+        <p:nvSpPr>
+          <p:cNvPr id="20" name="Rectangle 19">
+            <a:extLst>
+              <a:ext uri="{FF2B5EF4-FFF2-40B4-BE49-F238E27FC236}">
+                <a16:creationId xmlns:a16="http://schemas.microsoft.com/office/drawing/2014/main" id="{434167B2-1F65-408D-9233-EF10B5990B6E}"/>
+              </a:ext>
+            </a:extLst>
+          </p:cNvPr>
+          <p:cNvSpPr/>
+          <p:nvPr/>
+        </p:nvSpPr>
+        <p:spPr>
+          <a:xfrm>
+            <a:off x="0" y="0"/>
             <a:ext cx="3881535" cy="6858000"/>
           </a:xfrm>
           <a:prstGeom prst="rect">
@@ -6986,7 +7933,7 @@
 </p:sld>
 </file>
 
-<file path=ppt/slides/slide12.xml><?xml version="1.0" encoding="utf-8"?>
+<file path=ppt/slides/slide18.xml><?xml version="1.0" encoding="utf-8"?>
 <p:sld xmlns:a="http://schemas.openxmlformats.org/drawingml/2006/main" xmlns:r="http://schemas.openxmlformats.org/officeDocument/2006/relationships" xmlns:p="http://schemas.openxmlformats.org/presentationml/2006/main">
   <p:cSld>
     <p:spTree>
@@ -8166,6 +9113,313 @@
           </a:p>
         </p:txBody>
       </p:sp>
+      <p:sp>
+        <p:nvSpPr>
+          <p:cNvPr id="6" name="TextBox 5">
+            <a:extLst>
+              <a:ext uri="{FF2B5EF4-FFF2-40B4-BE49-F238E27FC236}">
+                <a16:creationId xmlns:a16="http://schemas.microsoft.com/office/drawing/2014/main" id="{CB807351-00B7-4601-8735-A5AA62354A29}"/>
+              </a:ext>
+            </a:extLst>
+          </p:cNvPr>
+          <p:cNvSpPr txBox="1"/>
+          <p:nvPr/>
+        </p:nvSpPr>
+        <p:spPr>
+          <a:xfrm>
+            <a:off x="1120604" y="2085044"/>
+            <a:ext cx="9950791" cy="3970318"/>
+          </a:xfrm>
+          <a:prstGeom prst="rect">
+            <a:avLst/>
+          </a:prstGeom>
+          <a:noFill/>
+        </p:spPr>
+        <p:txBody>
+          <a:bodyPr wrap="square" rtlCol="0">
+            <a:spAutoFit/>
+          </a:bodyPr>
+          <a:lstStyle/>
+          <a:p>
+            <a:r>
+              <a:rPr lang="en-US" sz="2800" spc="-120" dirty="0">
+                <a:solidFill>
+                  <a:prstClr val="black"/>
+                </a:solidFill>
+                <a:latin typeface="Calibri Light" panose="020F0302020204030204"/>
+                <a:ea typeface="+mj-ea"/>
+                <a:cs typeface="+mj-cs"/>
+              </a:rPr>
+              <a:t>There are 42 features in total, 35 nominal, 8 continuous including the label column.</a:t>
+            </a:r>
+          </a:p>
+          <a:p>
+            <a:r>
+              <a:rPr lang="en-US" sz="2800" spc="-120" dirty="0">
+                <a:solidFill>
+                  <a:prstClr val="black"/>
+                </a:solidFill>
+                <a:latin typeface="Calibri Light" panose="020F0302020204030204"/>
+                <a:ea typeface="+mj-ea"/>
+                <a:cs typeface="+mj-cs"/>
+              </a:rPr>
+              <a:t>Here are the ones that worked on most:</a:t>
+            </a:r>
+          </a:p>
+          <a:p>
+            <a:pPr marL="457200" indent="-457200">
+              <a:buFont typeface="Arial" panose="020B0604020202020204" pitchFamily="34" charset="0"/>
+              <a:buChar char="•"/>
+            </a:pPr>
+            <a:r>
+              <a:rPr lang="en-US" sz="2800" spc="-120" dirty="0">
+                <a:solidFill>
+                  <a:prstClr val="black"/>
+                </a:solidFill>
+                <a:latin typeface="Calibri Light" panose="020F0302020204030204"/>
+                <a:ea typeface="+mj-ea"/>
+                <a:cs typeface="+mj-cs"/>
+              </a:rPr>
+              <a:t>Age</a:t>
+            </a:r>
+          </a:p>
+          <a:p>
+            <a:pPr marL="457200" indent="-457200">
+              <a:buFont typeface="Arial" panose="020B0604020202020204" pitchFamily="34" charset="0"/>
+              <a:buChar char="•"/>
+            </a:pPr>
+            <a:r>
+              <a:rPr lang="en-US" sz="2800" spc="-120" dirty="0">
+                <a:solidFill>
+                  <a:prstClr val="black"/>
+                </a:solidFill>
+                <a:latin typeface="Calibri Light" panose="020F0302020204030204"/>
+                <a:ea typeface="+mj-ea"/>
+                <a:cs typeface="+mj-cs"/>
+              </a:rPr>
+              <a:t>Sex</a:t>
+            </a:r>
+          </a:p>
+          <a:p>
+            <a:pPr marL="457200" indent="-457200">
+              <a:buFont typeface="Arial" panose="020B0604020202020204" pitchFamily="34" charset="0"/>
+              <a:buChar char="•"/>
+            </a:pPr>
+            <a:r>
+              <a:rPr lang="en-US" sz="2800" spc="-120" dirty="0">
+                <a:solidFill>
+                  <a:prstClr val="black"/>
+                </a:solidFill>
+                <a:latin typeface="Calibri Light" panose="020F0302020204030204"/>
+                <a:ea typeface="+mj-ea"/>
+                <a:cs typeface="+mj-cs"/>
+              </a:rPr>
+              <a:t>Education</a:t>
+            </a:r>
+          </a:p>
+          <a:p>
+            <a:pPr marL="457200" indent="-457200">
+              <a:buFont typeface="Arial" panose="020B0604020202020204" pitchFamily="34" charset="0"/>
+              <a:buChar char="•"/>
+            </a:pPr>
+            <a:r>
+              <a:rPr lang="en-US" sz="2800" spc="-120" dirty="0">
+                <a:solidFill>
+                  <a:prstClr val="black"/>
+                </a:solidFill>
+                <a:latin typeface="Calibri Light" panose="020F0302020204030204"/>
+                <a:ea typeface="+mj-ea"/>
+                <a:cs typeface="+mj-cs"/>
+              </a:rPr>
+              <a:t>Occupation and Industry Codes</a:t>
+            </a:r>
+          </a:p>
+          <a:p>
+            <a:pPr marL="457200" indent="-457200">
+              <a:buFont typeface="Arial" panose="020B0604020202020204" pitchFamily="34" charset="0"/>
+              <a:buChar char="•"/>
+            </a:pPr>
+            <a:r>
+              <a:rPr lang="en-US" sz="2800" spc="-120" dirty="0">
+                <a:solidFill>
+                  <a:prstClr val="black"/>
+                </a:solidFill>
+                <a:latin typeface="Calibri Light" panose="020F0302020204030204"/>
+                <a:ea typeface="+mj-ea"/>
+                <a:cs typeface="+mj-cs"/>
+              </a:rPr>
+              <a:t>Income **</a:t>
+            </a:r>
+            <a:endParaRPr lang="en-GB" sz="2800" spc="-120" dirty="0">
+              <a:solidFill>
+                <a:prstClr val="black"/>
+              </a:solidFill>
+              <a:latin typeface="Calibri Light" panose="020F0302020204030204"/>
+              <a:ea typeface="+mj-ea"/>
+              <a:cs typeface="+mj-cs"/>
+            </a:endParaRPr>
+          </a:p>
+          <a:p>
+            <a:pPr marL="457200" indent="-457200">
+              <a:buFont typeface="Arial" panose="020B0604020202020204" pitchFamily="34" charset="0"/>
+              <a:buChar char="•"/>
+            </a:pPr>
+            <a:endParaRPr kumimoji="0" lang="en-US" sz="2800" b="0" i="0" u="none" strike="noStrike" kern="1200" cap="none" spc="-120" normalizeH="0" baseline="0" noProof="0" dirty="0">
+              <a:ln>
+                <a:noFill/>
+              </a:ln>
+              <a:solidFill>
+                <a:prstClr val="black"/>
+              </a:solidFill>
+              <a:effectLst/>
+              <a:uLnTx/>
+              <a:uFillTx/>
+              <a:latin typeface="Calibri Light" panose="020F0302020204030204"/>
+              <a:ea typeface="+mj-ea"/>
+              <a:cs typeface="+mj-cs"/>
+            </a:endParaRPr>
+          </a:p>
+        </p:txBody>
+      </p:sp>
+    </p:spTree>
+    <p:extLst>
+      <p:ext uri="{BB962C8B-B14F-4D97-AF65-F5344CB8AC3E}">
+        <p14:creationId xmlns:p14="http://schemas.microsoft.com/office/powerpoint/2010/main" val="1407933395"/>
+      </p:ext>
+    </p:extLst>
+  </p:cSld>
+  <p:clrMapOvr>
+    <a:masterClrMapping/>
+  </p:clrMapOvr>
+</p:sld>
+</file>
+
+<file path=ppt/slides/slide7.xml><?xml version="1.0" encoding="utf-8"?>
+<p:sld xmlns:a="http://schemas.openxmlformats.org/drawingml/2006/main" xmlns:r="http://schemas.openxmlformats.org/officeDocument/2006/relationships" xmlns:p="http://schemas.openxmlformats.org/presentationml/2006/main">
+  <p:cSld>
+    <p:spTree>
+      <p:nvGrpSpPr>
+        <p:cNvPr id="1" name=""/>
+        <p:cNvGrpSpPr/>
+        <p:nvPr/>
+      </p:nvGrpSpPr>
+      <p:grpSpPr>
+        <a:xfrm>
+          <a:off x="0" y="0"/>
+          <a:ext cx="0" cy="0"/>
+          <a:chOff x="0" y="0"/>
+          <a:chExt cx="0" cy="0"/>
+        </a:xfrm>
+      </p:grpSpPr>
+      <p:sp>
+        <p:nvSpPr>
+          <p:cNvPr id="20" name="Rectangle 19">
+            <a:extLst>
+              <a:ext uri="{FF2B5EF4-FFF2-40B4-BE49-F238E27FC236}">
+                <a16:creationId xmlns:a16="http://schemas.microsoft.com/office/drawing/2014/main" id="{434167B2-1F65-408D-9233-EF10B5990B6E}"/>
+              </a:ext>
+            </a:extLst>
+          </p:cNvPr>
+          <p:cNvSpPr/>
+          <p:nvPr/>
+        </p:nvSpPr>
+        <p:spPr>
+          <a:xfrm>
+            <a:off x="0" y="0"/>
+            <a:ext cx="12192000" cy="1334278"/>
+          </a:xfrm>
+          <a:prstGeom prst="rect">
+            <a:avLst/>
+          </a:prstGeom>
+        </p:spPr>
+        <p:style>
+          <a:lnRef idx="2">
+            <a:schemeClr val="accent1">
+              <a:shade val="50000"/>
+            </a:schemeClr>
+          </a:lnRef>
+          <a:fillRef idx="1">
+            <a:schemeClr val="accent1"/>
+          </a:fillRef>
+          <a:effectRef idx="0">
+            <a:schemeClr val="accent1"/>
+          </a:effectRef>
+          <a:fontRef idx="minor">
+            <a:schemeClr val="lt1"/>
+          </a:fontRef>
+        </p:style>
+        <p:txBody>
+          <a:bodyPr rtlCol="0" anchor="ctr"/>
+          <a:lstStyle/>
+          <a:p>
+            <a:pPr algn="ctr"/>
+            <a:endParaRPr lang="en-GB" dirty="0"/>
+          </a:p>
+        </p:txBody>
+      </p:sp>
+      <p:sp>
+        <p:nvSpPr>
+          <p:cNvPr id="9" name="Title 6">
+            <a:extLst>
+              <a:ext uri="{FF2B5EF4-FFF2-40B4-BE49-F238E27FC236}">
+                <a16:creationId xmlns:a16="http://schemas.microsoft.com/office/drawing/2014/main" id="{F5FB2926-5769-4612-9884-4A0888903E66}"/>
+              </a:ext>
+            </a:extLst>
+          </p:cNvPr>
+          <p:cNvSpPr txBox="1">
+            <a:spLocks/>
+          </p:cNvSpPr>
+          <p:nvPr/>
+        </p:nvSpPr>
+        <p:spPr>
+          <a:xfrm>
+            <a:off x="266229" y="0"/>
+            <a:ext cx="11453020" cy="1334278"/>
+          </a:xfrm>
+          <a:prstGeom prst="rect">
+            <a:avLst/>
+          </a:prstGeom>
+        </p:spPr>
+        <p:txBody>
+          <a:bodyPr vert="horz" lIns="91440" tIns="45720" rIns="91440" bIns="45720" rtlCol="0" anchor="ctr">
+            <a:normAutofit/>
+          </a:bodyPr>
+          <a:lstStyle>
+            <a:lvl1pPr algn="l" defTabSz="914400" rtl="0" eaLnBrk="1" latinLnBrk="0" hangingPunct="1">
+              <a:lnSpc>
+                <a:spcPct val="80000"/>
+              </a:lnSpc>
+              <a:spcBef>
+                <a:spcPct val="0"/>
+              </a:spcBef>
+              <a:buNone/>
+              <a:defRPr sz="8800" b="0" kern="1200" spc="-120" baseline="0">
+                <a:solidFill>
+                  <a:schemeClr val="accent1"/>
+                </a:solidFill>
+                <a:latin typeface="+mj-lt"/>
+                <a:ea typeface="+mj-ea"/>
+                <a:cs typeface="+mj-cs"/>
+              </a:defRPr>
+            </a:lvl1pPr>
+          </a:lstStyle>
+          <a:p>
+            <a:r>
+              <a:rPr lang="en-US" sz="4000" dirty="0">
+                <a:solidFill>
+                  <a:srgbClr val="FFFFFF"/>
+                </a:solidFill>
+              </a:rPr>
+              <a:t>EXPLORATORY DATA ANALYSIS</a:t>
+            </a:r>
+            <a:endParaRPr lang="en-GB" sz="4000" dirty="0">
+              <a:solidFill>
+                <a:srgbClr val="FFFFFF"/>
+              </a:solidFill>
+            </a:endParaRPr>
+          </a:p>
+        </p:txBody>
+      </p:sp>
       <p:pic>
         <p:nvPicPr>
           <p:cNvPr id="2050" name="Picture 2" descr="image">
@@ -8216,146 +9470,7 @@
     </p:spTree>
     <p:extLst>
       <p:ext uri="{BB962C8B-B14F-4D97-AF65-F5344CB8AC3E}">
-        <p14:creationId xmlns:p14="http://schemas.microsoft.com/office/powerpoint/2010/main" val="1407933395"/>
-      </p:ext>
-    </p:extLst>
-  </p:cSld>
-  <p:clrMapOvr>
-    <a:masterClrMapping/>
-  </p:clrMapOvr>
-</p:sld>
-</file>
-
-<file path=ppt/slides/slide7.xml><?xml version="1.0" encoding="utf-8"?>
-<p:sld xmlns:a="http://schemas.openxmlformats.org/drawingml/2006/main" xmlns:r="http://schemas.openxmlformats.org/officeDocument/2006/relationships" xmlns:p="http://schemas.openxmlformats.org/presentationml/2006/main">
-  <p:cSld>
-    <p:spTree>
-      <p:nvGrpSpPr>
-        <p:cNvPr id="1" name=""/>
-        <p:cNvGrpSpPr/>
-        <p:nvPr/>
-      </p:nvGrpSpPr>
-      <p:grpSpPr>
-        <a:xfrm>
-          <a:off x="0" y="0"/>
-          <a:ext cx="0" cy="0"/>
-          <a:chOff x="0" y="0"/>
-          <a:chExt cx="0" cy="0"/>
-        </a:xfrm>
-      </p:grpSpPr>
-      <p:sp>
-        <p:nvSpPr>
-          <p:cNvPr id="20" name="Rectangle 19">
-            <a:extLst>
-              <a:ext uri="{FF2B5EF4-FFF2-40B4-BE49-F238E27FC236}">
-                <a16:creationId xmlns:a16="http://schemas.microsoft.com/office/drawing/2014/main" id="{434167B2-1F65-408D-9233-EF10B5990B6E}"/>
-              </a:ext>
-            </a:extLst>
-          </p:cNvPr>
-          <p:cNvSpPr/>
-          <p:nvPr/>
-        </p:nvSpPr>
-        <p:spPr>
-          <a:xfrm>
-            <a:off x="0" y="0"/>
-            <a:ext cx="12192000" cy="1334278"/>
-          </a:xfrm>
-          <a:prstGeom prst="rect">
-            <a:avLst/>
-          </a:prstGeom>
-        </p:spPr>
-        <p:style>
-          <a:lnRef idx="2">
-            <a:schemeClr val="accent1">
-              <a:shade val="50000"/>
-            </a:schemeClr>
-          </a:lnRef>
-          <a:fillRef idx="1">
-            <a:schemeClr val="accent1"/>
-          </a:fillRef>
-          <a:effectRef idx="0">
-            <a:schemeClr val="accent1"/>
-          </a:effectRef>
-          <a:fontRef idx="minor">
-            <a:schemeClr val="lt1"/>
-          </a:fontRef>
-        </p:style>
-        <p:txBody>
-          <a:bodyPr rtlCol="0" anchor="ctr"/>
-          <a:lstStyle/>
-          <a:p>
-            <a:pPr algn="ctr"/>
-            <a:endParaRPr lang="en-GB" dirty="0"/>
-          </a:p>
-        </p:txBody>
-      </p:sp>
-      <p:sp>
-        <p:nvSpPr>
-          <p:cNvPr id="9" name="Title 6">
-            <a:extLst>
-              <a:ext uri="{FF2B5EF4-FFF2-40B4-BE49-F238E27FC236}">
-                <a16:creationId xmlns:a16="http://schemas.microsoft.com/office/drawing/2014/main" id="{F5FB2926-5769-4612-9884-4A0888903E66}"/>
-              </a:ext>
-            </a:extLst>
-          </p:cNvPr>
-          <p:cNvSpPr txBox="1">
-            <a:spLocks/>
-          </p:cNvSpPr>
-          <p:nvPr/>
-        </p:nvSpPr>
-        <p:spPr>
-          <a:xfrm>
-            <a:off x="266229" y="0"/>
-            <a:ext cx="11453020" cy="1334278"/>
-          </a:xfrm>
-          <a:prstGeom prst="rect">
-            <a:avLst/>
-          </a:prstGeom>
-        </p:spPr>
-        <p:txBody>
-          <a:bodyPr vert="horz" lIns="91440" tIns="45720" rIns="91440" bIns="45720" rtlCol="0" anchor="ctr">
-            <a:normAutofit/>
-          </a:bodyPr>
-          <a:lstStyle>
-            <a:lvl1pPr algn="l" defTabSz="914400" rtl="0" eaLnBrk="1" latinLnBrk="0" hangingPunct="1">
-              <a:lnSpc>
-                <a:spcPct val="80000"/>
-              </a:lnSpc>
-              <a:spcBef>
-                <a:spcPct val="0"/>
-              </a:spcBef>
-              <a:buNone/>
-              <a:defRPr sz="8800" b="0" kern="1200" spc="-120" baseline="0">
-                <a:solidFill>
-                  <a:schemeClr val="accent1"/>
-                </a:solidFill>
-                <a:latin typeface="+mj-lt"/>
-                <a:ea typeface="+mj-ea"/>
-                <a:cs typeface="+mj-cs"/>
-              </a:defRPr>
-            </a:lvl1pPr>
-          </a:lstStyle>
-          <a:p>
-            <a:r>
-              <a:rPr lang="en-US" sz="4000" dirty="0">
-                <a:solidFill>
-                  <a:srgbClr val="FFFFFF"/>
-                </a:solidFill>
-              </a:rPr>
-              <a:t>DATA PREPARATION</a:t>
-            </a:r>
-            <a:endParaRPr lang="en-GB" sz="4000" dirty="0">
-              <a:solidFill>
-                <a:srgbClr val="FFFFFF"/>
-              </a:solidFill>
-            </a:endParaRPr>
-          </a:p>
-        </p:txBody>
-      </p:sp>
-    </p:spTree>
-    <p:extLst>
-      <p:ext uri="{BB962C8B-B14F-4D97-AF65-F5344CB8AC3E}">
-        <p14:creationId xmlns:p14="http://schemas.microsoft.com/office/powerpoint/2010/main" val="1855382618"/>
+        <p14:creationId xmlns:p14="http://schemas.microsoft.com/office/powerpoint/2010/main" val="1556791321"/>
       </p:ext>
     </p:extLst>
   </p:cSld>
@@ -8481,7 +9596,7 @@
                   <a:srgbClr val="FFFFFF"/>
                 </a:solidFill>
               </a:rPr>
-              <a:t>DATA MODELLING</a:t>
+              <a:t>EXPLORATORY DATA ANALYSIS</a:t>
             </a:r>
             <a:endParaRPr lang="en-GB" sz="4000" dirty="0">
               <a:solidFill>
@@ -8491,10 +9606,57 @@
           </a:p>
         </p:txBody>
       </p:sp>
+      <p:pic>
+        <p:nvPicPr>
+          <p:cNvPr id="7170" name="Picture 2" descr="From now on, I didn't look at the test data for creating a bias upon the data.">
+            <a:extLst>
+              <a:ext uri="{FF2B5EF4-FFF2-40B4-BE49-F238E27FC236}">
+                <a16:creationId xmlns:a16="http://schemas.microsoft.com/office/drawing/2014/main" id="{253B1BAF-D287-4DA0-942B-56EB75263566}"/>
+              </a:ext>
+            </a:extLst>
+          </p:cNvPr>
+          <p:cNvPicPr>
+            <a:picLocks noChangeAspect="1" noChangeArrowheads="1"/>
+          </p:cNvPicPr>
+          <p:nvPr/>
+        </p:nvPicPr>
+        <p:blipFill>
+          <a:blip r:embed="rId2">
+            <a:extLst>
+              <a:ext uri="{28A0092B-C50C-407E-A947-70E740481C1C}">
+                <a14:useLocalDpi xmlns:a14="http://schemas.microsoft.com/office/drawing/2010/main" val="0"/>
+              </a:ext>
+            </a:extLst>
+          </a:blip>
+          <a:srcRect/>
+          <a:stretch>
+            <a:fillRect/>
+          </a:stretch>
+        </p:blipFill>
+        <p:spPr bwMode="auto">
+          <a:xfrm>
+            <a:off x="1599325" y="2031416"/>
+            <a:ext cx="8993349" cy="4137539"/>
+          </a:xfrm>
+          <a:prstGeom prst="rect">
+            <a:avLst/>
+          </a:prstGeom>
+          <a:noFill/>
+          <a:extLst>
+            <a:ext uri="{909E8E84-426E-40DD-AFC4-6F175D3DCCD1}">
+              <a14:hiddenFill xmlns:a14="http://schemas.microsoft.com/office/drawing/2010/main">
+                <a:solidFill>
+                  <a:srgbClr val="FFFFFF"/>
+                </a:solidFill>
+              </a14:hiddenFill>
+            </a:ext>
+          </a:extLst>
+        </p:spPr>
+      </p:pic>
     </p:spTree>
     <p:extLst>
       <p:ext uri="{BB962C8B-B14F-4D97-AF65-F5344CB8AC3E}">
-        <p14:creationId xmlns:p14="http://schemas.microsoft.com/office/powerpoint/2010/main" val="2941449514"/>
+        <p14:creationId xmlns:p14="http://schemas.microsoft.com/office/powerpoint/2010/main" val="1671068729"/>
       </p:ext>
     </p:extLst>
   </p:cSld>
@@ -8620,7 +9782,7 @@
                   <a:srgbClr val="FFFFFF"/>
                 </a:solidFill>
               </a:rPr>
-              <a:t>MODEL ASSESSMENT</a:t>
+              <a:t>EXPLORATORY DATA ANALYSIS</a:t>
             </a:r>
             <a:endParaRPr lang="en-GB" sz="4000" dirty="0">
               <a:solidFill>
@@ -8630,10 +9792,57 @@
           </a:p>
         </p:txBody>
       </p:sp>
+      <p:pic>
+        <p:nvPicPr>
+          <p:cNvPr id="5" name="Picture 2">
+            <a:extLst>
+              <a:ext uri="{FF2B5EF4-FFF2-40B4-BE49-F238E27FC236}">
+                <a16:creationId xmlns:a16="http://schemas.microsoft.com/office/drawing/2014/main" id="{4EAE726A-D703-491F-93B9-5471DF73A4D7}"/>
+              </a:ext>
+            </a:extLst>
+          </p:cNvPr>
+          <p:cNvPicPr>
+            <a:picLocks noChangeAspect="1" noChangeArrowheads="1"/>
+          </p:cNvPicPr>
+          <p:nvPr/>
+        </p:nvPicPr>
+        <p:blipFill>
+          <a:blip r:embed="rId2">
+            <a:extLst>
+              <a:ext uri="{28A0092B-C50C-407E-A947-70E740481C1C}">
+                <a14:useLocalDpi xmlns:a14="http://schemas.microsoft.com/office/drawing/2010/main" val="0"/>
+              </a:ext>
+            </a:extLst>
+          </a:blip>
+          <a:srcRect/>
+          <a:stretch>
+            <a:fillRect/>
+          </a:stretch>
+        </p:blipFill>
+        <p:spPr bwMode="auto">
+          <a:xfrm>
+            <a:off x="1516650" y="2007910"/>
+            <a:ext cx="9158699" cy="4196156"/>
+          </a:xfrm>
+          <a:prstGeom prst="rect">
+            <a:avLst/>
+          </a:prstGeom>
+          <a:noFill/>
+          <a:extLst>
+            <a:ext uri="{909E8E84-426E-40DD-AFC4-6F175D3DCCD1}">
+              <a14:hiddenFill xmlns:a14="http://schemas.microsoft.com/office/drawing/2010/main">
+                <a:solidFill>
+                  <a:srgbClr val="FFFFFF"/>
+                </a:solidFill>
+              </a14:hiddenFill>
+            </a:ext>
+          </a:extLst>
+        </p:spPr>
+      </p:pic>
     </p:spTree>
     <p:extLst>
       <p:ext uri="{BB962C8B-B14F-4D97-AF65-F5344CB8AC3E}">
-        <p14:creationId xmlns:p14="http://schemas.microsoft.com/office/powerpoint/2010/main" val="678696944"/>
+        <p14:creationId xmlns:p14="http://schemas.microsoft.com/office/powerpoint/2010/main" val="559192483"/>
       </p:ext>
     </p:extLst>
   </p:cSld>

--- a/Task_Presentation.pptx
+++ b/Task_Presentation.pptx
@@ -17,12 +17,14 @@
     <p:sldId id="272" r:id="rId11"/>
     <p:sldId id="273" r:id="rId12"/>
     <p:sldId id="275" r:id="rId13"/>
-    <p:sldId id="266" r:id="rId14"/>
-    <p:sldId id="267" r:id="rId15"/>
-    <p:sldId id="268" r:id="rId16"/>
-    <p:sldId id="269" r:id="rId17"/>
-    <p:sldId id="261" r:id="rId18"/>
-    <p:sldId id="259" r:id="rId19"/>
+    <p:sldId id="276" r:id="rId14"/>
+    <p:sldId id="277" r:id="rId15"/>
+    <p:sldId id="278" r:id="rId16"/>
+    <p:sldId id="279" r:id="rId17"/>
+    <p:sldId id="280" r:id="rId18"/>
+    <p:sldId id="267" r:id="rId19"/>
+    <p:sldId id="268" r:id="rId20"/>
+    <p:sldId id="269" r:id="rId21"/>
   </p:sldIdLst>
   <p:sldSz cx="12192000" cy="6858000"/>
   <p:notesSz cx="6858000" cy="9144000"/>
@@ -7304,7 +7306,23 @@
                   <a:srgbClr val="FFFFFF"/>
                 </a:solidFill>
               </a:rPr>
-              <a:t>DATA PREPARATION</a:t>
+              <a:t>EXPLORATORY DATA ANALYSIS – </a:t>
+            </a:r>
+            <a:r>
+              <a:rPr lang="en-US" sz="4000" dirty="0" err="1">
+                <a:solidFill>
+                  <a:srgbClr val="FFFFFF"/>
+                </a:solidFill>
+              </a:rPr>
+              <a:t>hasCapital</a:t>
+            </a:r>
+            <a:r>
+              <a:rPr lang="en-US" sz="4000" dirty="0">
+                <a:solidFill>
+                  <a:srgbClr val="FFFFFF"/>
+                </a:solidFill>
+              </a:rPr>
+              <a:t> ?</a:t>
             </a:r>
             <a:endParaRPr lang="en-GB" sz="4000" dirty="0">
               <a:solidFill>
@@ -7314,10 +7332,100 @@
           </a:p>
         </p:txBody>
       </p:sp>
+      <p:pic>
+        <p:nvPicPr>
+          <p:cNvPr id="4" name="Picture 3">
+            <a:extLst>
+              <a:ext uri="{FF2B5EF4-FFF2-40B4-BE49-F238E27FC236}">
+                <a16:creationId xmlns:a16="http://schemas.microsoft.com/office/drawing/2014/main" id="{E651C9BF-06C0-43FD-998F-6B5496E3FA15}"/>
+              </a:ext>
+            </a:extLst>
+          </p:cNvPr>
+          <p:cNvPicPr>
+            <a:picLocks noChangeAspect="1"/>
+          </p:cNvPicPr>
+          <p:nvPr/>
+        </p:nvPicPr>
+        <p:blipFill>
+          <a:blip r:embed="rId2"/>
+          <a:stretch>
+            <a:fillRect/>
+          </a:stretch>
+        </p:blipFill>
+        <p:spPr>
+          <a:xfrm>
+            <a:off x="703074" y="1709928"/>
+            <a:ext cx="4709628" cy="2489705"/>
+          </a:xfrm>
+          <a:prstGeom prst="rect">
+            <a:avLst/>
+          </a:prstGeom>
+        </p:spPr>
+      </p:pic>
+      <p:pic>
+        <p:nvPicPr>
+          <p:cNvPr id="6" name="Picture 5">
+            <a:extLst>
+              <a:ext uri="{FF2B5EF4-FFF2-40B4-BE49-F238E27FC236}">
+                <a16:creationId xmlns:a16="http://schemas.microsoft.com/office/drawing/2014/main" id="{CBC66D78-A0D1-4155-AC57-18B62CED0118}"/>
+              </a:ext>
+            </a:extLst>
+          </p:cNvPr>
+          <p:cNvPicPr>
+            <a:picLocks noChangeAspect="1"/>
+          </p:cNvPicPr>
+          <p:nvPr/>
+        </p:nvPicPr>
+        <p:blipFill>
+          <a:blip r:embed="rId3"/>
+          <a:stretch>
+            <a:fillRect/>
+          </a:stretch>
+        </p:blipFill>
+        <p:spPr>
+          <a:xfrm>
+            <a:off x="6779300" y="1709928"/>
+            <a:ext cx="4666096" cy="2466692"/>
+          </a:xfrm>
+          <a:prstGeom prst="rect">
+            <a:avLst/>
+          </a:prstGeom>
+        </p:spPr>
+      </p:pic>
+      <p:pic>
+        <p:nvPicPr>
+          <p:cNvPr id="8" name="Picture 7">
+            <a:extLst>
+              <a:ext uri="{FF2B5EF4-FFF2-40B4-BE49-F238E27FC236}">
+                <a16:creationId xmlns:a16="http://schemas.microsoft.com/office/drawing/2014/main" id="{09AC7429-48EF-4E78-AD04-BEA60929B3C6}"/>
+              </a:ext>
+            </a:extLst>
+          </p:cNvPr>
+          <p:cNvPicPr>
+            <a:picLocks noChangeAspect="1"/>
+          </p:cNvPicPr>
+          <p:nvPr/>
+        </p:nvPicPr>
+        <p:blipFill>
+          <a:blip r:embed="rId4"/>
+          <a:stretch>
+            <a:fillRect/>
+          </a:stretch>
+        </p:blipFill>
+        <p:spPr>
+          <a:xfrm>
+            <a:off x="3734756" y="4199633"/>
+            <a:ext cx="4515966" cy="2387327"/>
+          </a:xfrm>
+          <a:prstGeom prst="rect">
+            <a:avLst/>
+          </a:prstGeom>
+        </p:spPr>
+      </p:pic>
     </p:spTree>
     <p:extLst>
       <p:ext uri="{BB962C8B-B14F-4D97-AF65-F5344CB8AC3E}">
-        <p14:creationId xmlns:p14="http://schemas.microsoft.com/office/powerpoint/2010/main" val="1855382618"/>
+        <p14:creationId xmlns:p14="http://schemas.microsoft.com/office/powerpoint/2010/main" val="3823592786"/>
       </p:ext>
     </p:extLst>
   </p:cSld>
@@ -7443,7 +7551,7 @@
                   <a:srgbClr val="FFFFFF"/>
                 </a:solidFill>
               </a:rPr>
-              <a:t>DATA MODELLING</a:t>
+              <a:t>DATA PREPARATION – Categorization	</a:t>
             </a:r>
             <a:endParaRPr lang="en-GB" sz="4000" dirty="0">
               <a:solidFill>
@@ -7453,10 +7561,220 @@
           </a:p>
         </p:txBody>
       </p:sp>
+      <p:sp>
+        <p:nvSpPr>
+          <p:cNvPr id="10" name="TextBox 9">
+            <a:extLst>
+              <a:ext uri="{FF2B5EF4-FFF2-40B4-BE49-F238E27FC236}">
+                <a16:creationId xmlns:a16="http://schemas.microsoft.com/office/drawing/2014/main" id="{756F8E5B-1EA2-42DF-B9DD-C15A8F82FC7F}"/>
+              </a:ext>
+            </a:extLst>
+          </p:cNvPr>
+          <p:cNvSpPr txBox="1"/>
+          <p:nvPr/>
+        </p:nvSpPr>
+        <p:spPr>
+          <a:xfrm>
+            <a:off x="1120604" y="2103332"/>
+            <a:ext cx="9950791" cy="4832092"/>
+          </a:xfrm>
+          <a:prstGeom prst="rect">
+            <a:avLst/>
+          </a:prstGeom>
+          <a:noFill/>
+        </p:spPr>
+        <p:txBody>
+          <a:bodyPr wrap="square" rtlCol="0">
+            <a:spAutoFit/>
+          </a:bodyPr>
+          <a:lstStyle/>
+          <a:p>
+            <a:pPr marL="457200" indent="-457200">
+              <a:buFont typeface="Arial" panose="020B0604020202020204" pitchFamily="34" charset="0"/>
+              <a:buChar char="•"/>
+            </a:pPr>
+            <a:r>
+              <a:rPr lang="en-US" sz="2800" spc="-120" dirty="0">
+                <a:solidFill>
+                  <a:prstClr val="black"/>
+                </a:solidFill>
+                <a:latin typeface="Calibri Light" panose="020F0302020204030204"/>
+                <a:ea typeface="+mj-ea"/>
+                <a:cs typeface="+mj-cs"/>
+              </a:rPr>
+              <a:t>Encode categories by using </a:t>
+            </a:r>
+            <a:r>
+              <a:rPr lang="en-US" sz="2800" spc="-120" dirty="0" err="1">
+                <a:solidFill>
+                  <a:prstClr val="black"/>
+                </a:solidFill>
+                <a:latin typeface="Calibri Light" panose="020F0302020204030204"/>
+                <a:ea typeface="+mj-ea"/>
+                <a:cs typeface="+mj-cs"/>
+              </a:rPr>
+              <a:t>LabelEncoder</a:t>
+            </a:r>
+            <a:r>
+              <a:rPr lang="en-US" sz="2800" spc="-120" dirty="0">
+                <a:solidFill>
+                  <a:prstClr val="black"/>
+                </a:solidFill>
+                <a:latin typeface="Calibri Light" panose="020F0302020204030204"/>
+                <a:ea typeface="+mj-ea"/>
+                <a:cs typeface="+mj-cs"/>
+              </a:rPr>
+              <a:t> for 28 nominal features out of 35.</a:t>
+            </a:r>
+          </a:p>
+          <a:p>
+            <a:endParaRPr lang="en-US" sz="2800" spc="-120" dirty="0">
+              <a:solidFill>
+                <a:prstClr val="black"/>
+              </a:solidFill>
+              <a:latin typeface="Calibri Light" panose="020F0302020204030204"/>
+              <a:ea typeface="+mj-ea"/>
+              <a:cs typeface="+mj-cs"/>
+            </a:endParaRPr>
+          </a:p>
+          <a:p>
+            <a:pPr marL="457200" indent="-457200">
+              <a:buFont typeface="Arial" panose="020B0604020202020204" pitchFamily="34" charset="0"/>
+              <a:buChar char="•"/>
+            </a:pPr>
+            <a:r>
+              <a:rPr kumimoji="0" lang="en-US" sz="2800" b="0" i="0" u="none" strike="noStrike" kern="1200" cap="none" spc="-120" normalizeH="0" baseline="0" noProof="0" dirty="0">
+                <a:ln>
+                  <a:noFill/>
+                </a:ln>
+                <a:solidFill>
+                  <a:prstClr val="black"/>
+                </a:solidFill>
+                <a:effectLst/>
+                <a:uLnTx/>
+                <a:uFillTx/>
+                <a:latin typeface="Calibri Light" panose="020F0302020204030204"/>
+                <a:ea typeface="+mj-ea"/>
+                <a:cs typeface="+mj-cs"/>
+              </a:rPr>
+              <a:t>Other 7 </a:t>
+            </a:r>
+            <a:r>
+              <a:rPr lang="en-US" sz="2800" spc="-120" dirty="0">
+                <a:solidFill>
+                  <a:prstClr val="black"/>
+                </a:solidFill>
+                <a:latin typeface="Calibri Light" panose="020F0302020204030204"/>
+                <a:ea typeface="+mj-ea"/>
+                <a:cs typeface="+mj-cs"/>
+              </a:rPr>
+              <a:t>nominal features were encoded ordinally by researching the features on Current Population Survey Handbook</a:t>
+            </a:r>
+          </a:p>
+          <a:p>
+            <a:pPr marL="457200" indent="-457200">
+              <a:buFont typeface="Arial" panose="020B0604020202020204" pitchFamily="34" charset="0"/>
+              <a:buChar char="•"/>
+            </a:pPr>
+            <a:endParaRPr lang="en-US" sz="2800" spc="-120" dirty="0">
+              <a:solidFill>
+                <a:prstClr val="black"/>
+              </a:solidFill>
+              <a:latin typeface="Calibri Light" panose="020F0302020204030204"/>
+              <a:ea typeface="+mj-ea"/>
+              <a:cs typeface="+mj-cs"/>
+            </a:endParaRPr>
+          </a:p>
+          <a:p>
+            <a:pPr marL="457200" indent="-457200">
+              <a:buFont typeface="Arial" panose="020B0604020202020204" pitchFamily="34" charset="0"/>
+              <a:buChar char="•"/>
+            </a:pPr>
+            <a:r>
+              <a:rPr lang="en-US" sz="2800" spc="-120" dirty="0">
+                <a:solidFill>
+                  <a:prstClr val="black"/>
+                </a:solidFill>
+                <a:latin typeface="Calibri Light" panose="020F0302020204030204"/>
+                <a:ea typeface="+mj-ea"/>
+                <a:cs typeface="+mj-cs"/>
+              </a:rPr>
+              <a:t>From Capital </a:t>
+            </a:r>
+            <a:r>
+              <a:rPr lang="en-US" sz="2800" spc="-120" dirty="0" err="1">
+                <a:solidFill>
+                  <a:prstClr val="black"/>
+                </a:solidFill>
+                <a:latin typeface="Calibri Light" panose="020F0302020204030204"/>
+                <a:ea typeface="+mj-ea"/>
+                <a:cs typeface="+mj-cs"/>
+              </a:rPr>
+              <a:t>Gains,Losses</a:t>
+            </a:r>
+            <a:r>
+              <a:rPr lang="en-US" sz="2800" spc="-120" dirty="0">
+                <a:solidFill>
+                  <a:prstClr val="black"/>
+                </a:solidFill>
+                <a:latin typeface="Calibri Light" panose="020F0302020204030204"/>
+                <a:ea typeface="+mj-ea"/>
+                <a:cs typeface="+mj-cs"/>
+              </a:rPr>
+              <a:t> and Dividends, new features are created.</a:t>
+            </a:r>
+          </a:p>
+          <a:p>
+            <a:pPr marL="457200" indent="-457200">
+              <a:buFont typeface="Arial" panose="020B0604020202020204" pitchFamily="34" charset="0"/>
+              <a:buChar char="•"/>
+            </a:pPr>
+            <a:endParaRPr lang="en-US" sz="2800" spc="-120" dirty="0">
+              <a:solidFill>
+                <a:prstClr val="black"/>
+              </a:solidFill>
+              <a:latin typeface="Calibri Light" panose="020F0302020204030204"/>
+              <a:ea typeface="+mj-ea"/>
+              <a:cs typeface="+mj-cs"/>
+            </a:endParaRPr>
+          </a:p>
+          <a:p>
+            <a:pPr marL="457200" indent="-457200">
+              <a:buFont typeface="Arial" panose="020B0604020202020204" pitchFamily="34" charset="0"/>
+              <a:buChar char="•"/>
+            </a:pPr>
+            <a:r>
+              <a:rPr lang="en-US" sz="2800" spc="-120" dirty="0">
+                <a:solidFill>
+                  <a:prstClr val="black"/>
+                </a:solidFill>
+                <a:latin typeface="Calibri Light" panose="020F0302020204030204"/>
+                <a:ea typeface="+mj-ea"/>
+                <a:cs typeface="+mj-cs"/>
+              </a:rPr>
+              <a:t>Some features are normalized on train and test data is transformed considering data leakage.</a:t>
+            </a:r>
+          </a:p>
+          <a:p>
+            <a:pPr marL="457200" indent="-457200">
+              <a:buFont typeface="Arial" panose="020B0604020202020204" pitchFamily="34" charset="0"/>
+              <a:buChar char="•"/>
+            </a:pPr>
+            <a:endParaRPr lang="en-US" sz="2800" spc="-120" dirty="0">
+              <a:solidFill>
+                <a:prstClr val="black"/>
+              </a:solidFill>
+              <a:latin typeface="Calibri Light" panose="020F0302020204030204"/>
+              <a:ea typeface="+mj-ea"/>
+              <a:cs typeface="+mj-cs"/>
+            </a:endParaRPr>
+          </a:p>
+        </p:txBody>
+      </p:sp>
     </p:spTree>
     <p:extLst>
       <p:ext uri="{BB962C8B-B14F-4D97-AF65-F5344CB8AC3E}">
-        <p14:creationId xmlns:p14="http://schemas.microsoft.com/office/powerpoint/2010/main" val="2941449514"/>
+        <p14:creationId xmlns:p14="http://schemas.microsoft.com/office/powerpoint/2010/main" val="1547017889"/>
       </p:ext>
     </p:extLst>
   </p:cSld>
@@ -7582,7 +7900,39 @@
                   <a:srgbClr val="FFFFFF"/>
                 </a:solidFill>
               </a:rPr>
-              <a:t>MODEL ASSESSMENT</a:t>
+              <a:t>DATA PREPARATION – </a:t>
+            </a:r>
+            <a:r>
+              <a:rPr lang="en-US" sz="4000" dirty="0" err="1">
+                <a:solidFill>
+                  <a:srgbClr val="FFFFFF"/>
+                </a:solidFill>
+              </a:rPr>
+              <a:t>Upsampling</a:t>
+            </a:r>
+            <a:r>
+              <a:rPr lang="en-US" sz="4000" dirty="0">
+                <a:solidFill>
+                  <a:srgbClr val="FFFFFF"/>
+                </a:solidFill>
+              </a:rPr>
+              <a:t> &amp; </a:t>
+            </a:r>
+            <a:r>
+              <a:rPr lang="en-US" sz="4000" dirty="0" err="1">
+                <a:solidFill>
+                  <a:srgbClr val="FFFFFF"/>
+                </a:solidFill>
+              </a:rPr>
+              <a:t>Downsampling</a:t>
+            </a:r>
+            <a:r>
+              <a:rPr lang="en-US" sz="4000" dirty="0">
+                <a:solidFill>
+                  <a:srgbClr val="FFFFFF"/>
+                </a:solidFill>
+              </a:rPr>
+              <a:t> 	</a:t>
             </a:r>
             <a:endParaRPr lang="en-GB" sz="4000" dirty="0">
               <a:solidFill>
@@ -7592,10 +7942,126 @@
           </a:p>
         </p:txBody>
       </p:sp>
+      <p:sp>
+        <p:nvSpPr>
+          <p:cNvPr id="10" name="TextBox 9">
+            <a:extLst>
+              <a:ext uri="{FF2B5EF4-FFF2-40B4-BE49-F238E27FC236}">
+                <a16:creationId xmlns:a16="http://schemas.microsoft.com/office/drawing/2014/main" id="{756F8E5B-1EA2-42DF-B9DD-C15A8F82FC7F}"/>
+              </a:ext>
+            </a:extLst>
+          </p:cNvPr>
+          <p:cNvSpPr txBox="1"/>
+          <p:nvPr/>
+        </p:nvSpPr>
+        <p:spPr>
+          <a:xfrm>
+            <a:off x="1120604" y="2103332"/>
+            <a:ext cx="9950791" cy="2677656"/>
+          </a:xfrm>
+          <a:prstGeom prst="rect">
+            <a:avLst/>
+          </a:prstGeom>
+          <a:noFill/>
+        </p:spPr>
+        <p:txBody>
+          <a:bodyPr wrap="square" rtlCol="0">
+            <a:spAutoFit/>
+          </a:bodyPr>
+          <a:lstStyle/>
+          <a:p>
+            <a:pPr marL="457200" indent="-457200">
+              <a:buFont typeface="Arial" panose="020B0604020202020204" pitchFamily="34" charset="0"/>
+              <a:buChar char="•"/>
+            </a:pPr>
+            <a:r>
+              <a:rPr lang="en-US" sz="2800" spc="-120" dirty="0">
+                <a:solidFill>
+                  <a:prstClr val="black"/>
+                </a:solidFill>
+                <a:latin typeface="Calibri Light" panose="020F0302020204030204"/>
+                <a:ea typeface="+mj-ea"/>
+                <a:cs typeface="+mj-cs"/>
+              </a:rPr>
+              <a:t>There are 187,000 individuals who has less income than $50K and only 12,300 individuals have more income than $50K. For balancing this imbalance:</a:t>
+            </a:r>
+          </a:p>
+          <a:p>
+            <a:pPr marL="457200" indent="-457200">
+              <a:buFont typeface="Arial" panose="020B0604020202020204" pitchFamily="34" charset="0"/>
+              <a:buChar char="•"/>
+            </a:pPr>
+            <a:endParaRPr lang="en-US" sz="2800" spc="-120" dirty="0">
+              <a:solidFill>
+                <a:prstClr val="black"/>
+              </a:solidFill>
+              <a:latin typeface="Calibri Light" panose="020F0302020204030204"/>
+              <a:ea typeface="+mj-ea"/>
+              <a:cs typeface="+mj-cs"/>
+            </a:endParaRPr>
+          </a:p>
+          <a:p>
+            <a:pPr marL="457200" indent="-457200">
+              <a:buFont typeface="Arial" panose="020B0604020202020204" pitchFamily="34" charset="0"/>
+              <a:buChar char="•"/>
+            </a:pPr>
+            <a:r>
+              <a:rPr lang="en-US" sz="2800" spc="-120" dirty="0" err="1">
+                <a:solidFill>
+                  <a:prstClr val="black"/>
+                </a:solidFill>
+                <a:latin typeface="Calibri Light" panose="020F0302020204030204"/>
+                <a:ea typeface="+mj-ea"/>
+                <a:cs typeface="+mj-cs"/>
+              </a:rPr>
+              <a:t>Downsample</a:t>
+            </a:r>
+            <a:r>
+              <a:rPr lang="en-US" sz="2800" spc="-120" dirty="0">
+                <a:solidFill>
+                  <a:prstClr val="black"/>
+                </a:solidFill>
+                <a:latin typeface="Calibri Light" panose="020F0302020204030204"/>
+                <a:ea typeface="+mj-ea"/>
+                <a:cs typeface="+mj-cs"/>
+              </a:rPr>
+              <a:t> the majority class to 150,000</a:t>
+            </a:r>
+          </a:p>
+          <a:p>
+            <a:pPr marL="457200" indent="-457200">
+              <a:buFont typeface="Arial" panose="020B0604020202020204" pitchFamily="34" charset="0"/>
+              <a:buChar char="•"/>
+            </a:pPr>
+            <a:r>
+              <a:rPr lang="en-US" sz="2800" spc="-120" dirty="0" err="1">
+                <a:solidFill>
+                  <a:prstClr val="black"/>
+                </a:solidFill>
+                <a:latin typeface="Calibri Light" panose="020F0302020204030204"/>
+                <a:ea typeface="+mj-ea"/>
+                <a:cs typeface="+mj-cs"/>
+              </a:rPr>
+              <a:t>Upsample</a:t>
+            </a:r>
+            <a:r>
+              <a:rPr lang="en-US" sz="2800" spc="-120" dirty="0">
+                <a:solidFill>
+                  <a:prstClr val="black"/>
+                </a:solidFill>
+                <a:latin typeface="Calibri Light" panose="020F0302020204030204"/>
+                <a:ea typeface="+mj-ea"/>
+                <a:cs typeface="+mj-cs"/>
+              </a:rPr>
+              <a:t> the minority class to 15,000</a:t>
+            </a:r>
+          </a:p>
+        </p:txBody>
+      </p:sp>
     </p:spTree>
     <p:extLst>
       <p:ext uri="{BB962C8B-B14F-4D97-AF65-F5344CB8AC3E}">
-        <p14:creationId xmlns:p14="http://schemas.microsoft.com/office/powerpoint/2010/main" val="678696944"/>
+        <p14:creationId xmlns:p14="http://schemas.microsoft.com/office/powerpoint/2010/main" val="3763522997"/>
       </p:ext>
     </p:extLst>
   </p:cSld>
@@ -7721,7 +8187,7 @@
                   <a:srgbClr val="FFFFFF"/>
                 </a:solidFill>
               </a:rPr>
-              <a:t>RESULTS</a:t>
+              <a:t>DATA PREPARATION – Feature Importance 	</a:t>
             </a:r>
             <a:endParaRPr lang="en-GB" sz="4000" dirty="0">
               <a:solidFill>
@@ -7731,10 +8197,114 @@
           </a:p>
         </p:txBody>
       </p:sp>
+      <p:sp>
+        <p:nvSpPr>
+          <p:cNvPr id="10" name="TextBox 9">
+            <a:extLst>
+              <a:ext uri="{FF2B5EF4-FFF2-40B4-BE49-F238E27FC236}">
+                <a16:creationId xmlns:a16="http://schemas.microsoft.com/office/drawing/2014/main" id="{756F8E5B-1EA2-42DF-B9DD-C15A8F82FC7F}"/>
+              </a:ext>
+            </a:extLst>
+          </p:cNvPr>
+          <p:cNvSpPr txBox="1"/>
+          <p:nvPr/>
+        </p:nvSpPr>
+        <p:spPr>
+          <a:xfrm>
+            <a:off x="1120604" y="2103332"/>
+            <a:ext cx="9950791" cy="954107"/>
+          </a:xfrm>
+          <a:prstGeom prst="rect">
+            <a:avLst/>
+          </a:prstGeom>
+          <a:noFill/>
+        </p:spPr>
+        <p:txBody>
+          <a:bodyPr wrap="square" rtlCol="0">
+            <a:spAutoFit/>
+          </a:bodyPr>
+          <a:lstStyle/>
+          <a:p>
+            <a:r>
+              <a:rPr lang="en-US" sz="2800" spc="-120" dirty="0">
+                <a:solidFill>
+                  <a:prstClr val="black"/>
+                </a:solidFill>
+                <a:latin typeface="Calibri Light" panose="020F0302020204030204"/>
+                <a:ea typeface="+mj-ea"/>
+                <a:cs typeface="+mj-cs"/>
+              </a:rPr>
+              <a:t>Used </a:t>
+            </a:r>
+            <a:r>
+              <a:rPr lang="en-US" sz="2800" spc="-120" dirty="0" err="1">
+                <a:solidFill>
+                  <a:prstClr val="black"/>
+                </a:solidFill>
+                <a:latin typeface="Calibri Light" panose="020F0302020204030204"/>
+                <a:ea typeface="+mj-ea"/>
+                <a:cs typeface="+mj-cs"/>
+              </a:rPr>
+              <a:t>LightGBM</a:t>
+            </a:r>
+            <a:r>
+              <a:rPr lang="en-US" sz="2800" spc="-120" dirty="0">
+                <a:solidFill>
+                  <a:prstClr val="black"/>
+                </a:solidFill>
+                <a:latin typeface="Calibri Light" panose="020F0302020204030204"/>
+                <a:ea typeface="+mj-ea"/>
+                <a:cs typeface="+mj-cs"/>
+              </a:rPr>
+              <a:t> to extract Feature Importance</a:t>
+            </a:r>
+          </a:p>
+          <a:p>
+            <a:endParaRPr lang="en-US" sz="2800" spc="-120" dirty="0">
+              <a:solidFill>
+                <a:prstClr val="black"/>
+              </a:solidFill>
+              <a:latin typeface="Calibri Light" panose="020F0302020204030204"/>
+              <a:ea typeface="+mj-ea"/>
+              <a:cs typeface="+mj-cs"/>
+            </a:endParaRPr>
+          </a:p>
+        </p:txBody>
+      </p:sp>
+      <p:pic>
+        <p:nvPicPr>
+          <p:cNvPr id="3" name="Picture 2">
+            <a:extLst>
+              <a:ext uri="{FF2B5EF4-FFF2-40B4-BE49-F238E27FC236}">
+                <a16:creationId xmlns:a16="http://schemas.microsoft.com/office/drawing/2014/main" id="{FB3CFD7E-2AFD-4F11-BD31-6D4500000DD6}"/>
+              </a:ext>
+            </a:extLst>
+          </p:cNvPr>
+          <p:cNvPicPr>
+            <a:picLocks noChangeAspect="1"/>
+          </p:cNvPicPr>
+          <p:nvPr/>
+        </p:nvPicPr>
+        <p:blipFill>
+          <a:blip r:embed="rId2"/>
+          <a:stretch>
+            <a:fillRect/>
+          </a:stretch>
+        </p:blipFill>
+        <p:spPr>
+          <a:xfrm>
+            <a:off x="2375910" y="2735579"/>
+            <a:ext cx="7440178" cy="3720089"/>
+          </a:xfrm>
+          <a:prstGeom prst="rect">
+            <a:avLst/>
+          </a:prstGeom>
+        </p:spPr>
+      </p:pic>
     </p:spTree>
     <p:extLst>
       <p:ext uri="{BB962C8B-B14F-4D97-AF65-F5344CB8AC3E}">
-        <p14:creationId xmlns:p14="http://schemas.microsoft.com/office/powerpoint/2010/main" val="2196733545"/>
+        <p14:creationId xmlns:p14="http://schemas.microsoft.com/office/powerpoint/2010/main" val="2554375758"/>
       </p:ext>
     </p:extLst>
   </p:cSld>
@@ -7776,7 +8346,7 @@
         <p:spPr>
           <a:xfrm>
             <a:off x="0" y="0"/>
-            <a:ext cx="3881535" cy="6858000"/>
+            <a:ext cx="12192000" cy="1334278"/>
           </a:xfrm>
           <a:prstGeom prst="rect">
             <a:avLst/>
@@ -7823,8 +8393,8 @@
         </p:nvSpPr>
         <p:spPr>
           <a:xfrm>
-            <a:off x="266229" y="-1098642"/>
-            <a:ext cx="3349075" cy="5584296"/>
+            <a:off x="266229" y="0"/>
+            <a:ext cx="11453020" cy="1334278"/>
           </a:xfrm>
           <a:prstGeom prst="rect">
             <a:avLst/>
@@ -7854,14 +8424,13 @@
             </a:lvl1pPr>
           </a:lstStyle>
           <a:p>
-            <a:pPr algn="ctr"/>
             <a:r>
               <a:rPr lang="en-US" sz="4000" dirty="0">
                 <a:solidFill>
                   <a:srgbClr val="FFFFFF"/>
                 </a:solidFill>
               </a:rPr>
-              <a:t>OUTLINE</a:t>
+              <a:t>DATA PREPARATION – Cumulative Feature Importance 	</a:t>
             </a:r>
             <a:endParaRPr lang="en-GB" sz="4000" dirty="0">
               <a:solidFill>
@@ -7873,10 +8442,10 @@
       </p:sp>
       <p:sp>
         <p:nvSpPr>
-          <p:cNvPr id="4" name="TextBox 3">
+          <p:cNvPr id="10" name="TextBox 9">
             <a:extLst>
               <a:ext uri="{FF2B5EF4-FFF2-40B4-BE49-F238E27FC236}">
-                <a16:creationId xmlns:a16="http://schemas.microsoft.com/office/drawing/2014/main" id="{2028F04A-209C-47A4-9A8A-4C94B836E620}"/>
+                <a16:creationId xmlns:a16="http://schemas.microsoft.com/office/drawing/2014/main" id="{756F8E5B-1EA2-42DF-B9DD-C15A8F82FC7F}"/>
               </a:ext>
             </a:extLst>
           </p:cNvPr>
@@ -7885,8 +8454,8 @@
         </p:nvSpPr>
         <p:spPr>
           <a:xfrm>
-            <a:off x="4749282" y="452186"/>
-            <a:ext cx="4441371" cy="523220"/>
+            <a:off x="1120604" y="2103332"/>
+            <a:ext cx="9950791" cy="1384995"/>
           </a:xfrm>
           <a:prstGeom prst="rect">
             <a:avLst/>
@@ -7900,30 +8469,63 @@
           <a:lstStyle/>
           <a:p>
             <a:r>
-              <a:rPr kumimoji="0" lang="en-US" sz="2800" b="0" i="0" u="none" strike="noStrike" kern="1200" cap="none" spc="-120" normalizeH="0" baseline="0" noProof="0" dirty="0">
-                <a:ln>
-                  <a:noFill/>
-                </a:ln>
+              <a:rPr lang="en-US" sz="2800" spc="-120" dirty="0">
                 <a:solidFill>
                   <a:prstClr val="black"/>
                 </a:solidFill>
-                <a:effectLst/>
-                <a:uLnTx/>
-                <a:uFillTx/>
                 <a:latin typeface="Calibri Light" panose="020F0302020204030204"/>
                 <a:ea typeface="+mj-ea"/>
                 <a:cs typeface="+mj-cs"/>
               </a:rPr>
-              <a:t>F. Ege Hosgungor</a:t>
-            </a:r>
-            <a:endParaRPr lang="en-GB" dirty="0"/>
+              <a:t>Removed 22 features from 45 since they weren’t adding any value to the model</a:t>
+            </a:r>
+          </a:p>
+          <a:p>
+            <a:endParaRPr lang="en-US" sz="2800" spc="-120" dirty="0">
+              <a:solidFill>
+                <a:prstClr val="black"/>
+              </a:solidFill>
+              <a:latin typeface="Calibri Light" panose="020F0302020204030204"/>
+              <a:ea typeface="+mj-ea"/>
+              <a:cs typeface="+mj-cs"/>
+            </a:endParaRPr>
           </a:p>
         </p:txBody>
       </p:sp>
+      <p:pic>
+        <p:nvPicPr>
+          <p:cNvPr id="4" name="Picture 3">
+            <a:extLst>
+              <a:ext uri="{FF2B5EF4-FFF2-40B4-BE49-F238E27FC236}">
+                <a16:creationId xmlns:a16="http://schemas.microsoft.com/office/drawing/2014/main" id="{D67B57C9-658A-4DBF-9515-C05E7978770F}"/>
+              </a:ext>
+            </a:extLst>
+          </p:cNvPr>
+          <p:cNvPicPr>
+            <a:picLocks noChangeAspect="1"/>
+          </p:cNvPicPr>
+          <p:nvPr/>
+        </p:nvPicPr>
+        <p:blipFill>
+          <a:blip r:embed="rId2"/>
+          <a:stretch>
+            <a:fillRect/>
+          </a:stretch>
+        </p:blipFill>
+        <p:spPr>
+          <a:xfrm>
+            <a:off x="3510138" y="2690237"/>
+            <a:ext cx="4965202" cy="3630175"/>
+          </a:xfrm>
+          <a:prstGeom prst="rect">
+            <a:avLst/>
+          </a:prstGeom>
+        </p:spPr>
+      </p:pic>
     </p:spTree>
     <p:extLst>
       <p:ext uri="{BB962C8B-B14F-4D97-AF65-F5344CB8AC3E}">
-        <p14:creationId xmlns:p14="http://schemas.microsoft.com/office/powerpoint/2010/main" val="597134662"/>
+        <p14:creationId xmlns:p14="http://schemas.microsoft.com/office/powerpoint/2010/main" val="1933927762"/>
       </p:ext>
     </p:extLst>
   </p:cSld>
@@ -7952,58 +8554,256 @@
       </p:grpSpPr>
       <p:sp>
         <p:nvSpPr>
-          <p:cNvPr id="2" name="Title 1">
+          <p:cNvPr id="20" name="Rectangle 19">
             <a:extLst>
               <a:ext uri="{FF2B5EF4-FFF2-40B4-BE49-F238E27FC236}">
-                <a16:creationId xmlns:a16="http://schemas.microsoft.com/office/drawing/2014/main" id="{D95EC72B-6E27-4114-9B25-C23450B62C5C}"/>
+                <a16:creationId xmlns:a16="http://schemas.microsoft.com/office/drawing/2014/main" id="{434167B2-1F65-408D-9233-EF10B5990B6E}"/>
               </a:ext>
             </a:extLst>
           </p:cNvPr>
-          <p:cNvSpPr>
-            <a:spLocks noGrp="1"/>
-          </p:cNvSpPr>
-          <p:nvPr>
-            <p:ph type="title"/>
-          </p:nvPr>
-        </p:nvSpPr>
-        <p:spPr/>
+          <p:cNvSpPr/>
+          <p:nvPr/>
+        </p:nvSpPr>
+        <p:spPr>
+          <a:xfrm>
+            <a:off x="0" y="0"/>
+            <a:ext cx="12192000" cy="1334278"/>
+          </a:xfrm>
+          <a:prstGeom prst="rect">
+            <a:avLst/>
+          </a:prstGeom>
+        </p:spPr>
+        <p:style>
+          <a:lnRef idx="2">
+            <a:schemeClr val="accent1">
+              <a:shade val="50000"/>
+            </a:schemeClr>
+          </a:lnRef>
+          <a:fillRef idx="1">
+            <a:schemeClr val="accent1"/>
+          </a:fillRef>
+          <a:effectRef idx="0">
+            <a:schemeClr val="accent1"/>
+          </a:effectRef>
+          <a:fontRef idx="minor">
+            <a:schemeClr val="lt1"/>
+          </a:fontRef>
+        </p:style>
         <p:txBody>
-          <a:bodyPr/>
+          <a:bodyPr rtlCol="0" anchor="ctr"/>
           <a:lstStyle/>
           <a:p>
-            <a:endParaRPr lang="en-GB"/>
+            <a:pPr algn="ctr"/>
+            <a:endParaRPr lang="en-GB" dirty="0"/>
           </a:p>
         </p:txBody>
       </p:sp>
       <p:sp>
         <p:nvSpPr>
-          <p:cNvPr id="3" name="Content Placeholder 2">
+          <p:cNvPr id="9" name="Title 6">
             <a:extLst>
               <a:ext uri="{FF2B5EF4-FFF2-40B4-BE49-F238E27FC236}">
-                <a16:creationId xmlns:a16="http://schemas.microsoft.com/office/drawing/2014/main" id="{27939FC7-A70B-4843-A10F-DB62B29DD328}"/>
+                <a16:creationId xmlns:a16="http://schemas.microsoft.com/office/drawing/2014/main" id="{F5FB2926-5769-4612-9884-4A0888903E66}"/>
               </a:ext>
             </a:extLst>
           </p:cNvPr>
-          <p:cNvSpPr>
-            <a:spLocks noGrp="1"/>
+          <p:cNvSpPr txBox="1">
+            <a:spLocks/>
           </p:cNvSpPr>
-          <p:nvPr>
-            <p:ph idx="1"/>
-          </p:nvPr>
-        </p:nvSpPr>
-        <p:spPr/>
+          <p:nvPr/>
+        </p:nvSpPr>
+        <p:spPr>
+          <a:xfrm>
+            <a:off x="266229" y="0"/>
+            <a:ext cx="11453020" cy="1334278"/>
+          </a:xfrm>
+          <a:prstGeom prst="rect">
+            <a:avLst/>
+          </a:prstGeom>
+        </p:spPr>
         <p:txBody>
-          <a:bodyPr/>
-          <a:lstStyle/>
-          <a:p>
-            <a:endParaRPr lang="en-GB"/>
+          <a:bodyPr vert="horz" lIns="91440" tIns="45720" rIns="91440" bIns="45720" rtlCol="0" anchor="ctr">
+            <a:normAutofit/>
+          </a:bodyPr>
+          <a:lstStyle>
+            <a:lvl1pPr algn="l" defTabSz="914400" rtl="0" eaLnBrk="1" latinLnBrk="0" hangingPunct="1">
+              <a:lnSpc>
+                <a:spcPct val="80000"/>
+              </a:lnSpc>
+              <a:spcBef>
+                <a:spcPct val="0"/>
+              </a:spcBef>
+              <a:buNone/>
+              <a:defRPr sz="8800" b="0" kern="1200" spc="-120" baseline="0">
+                <a:solidFill>
+                  <a:schemeClr val="accent1"/>
+                </a:solidFill>
+                <a:latin typeface="+mj-lt"/>
+                <a:ea typeface="+mj-ea"/>
+                <a:cs typeface="+mj-cs"/>
+              </a:defRPr>
+            </a:lvl1pPr>
+          </a:lstStyle>
+          <a:p>
+            <a:r>
+              <a:rPr lang="en-US" sz="4000" dirty="0">
+                <a:solidFill>
+                  <a:srgbClr val="FFFFFF"/>
+                </a:solidFill>
+              </a:rPr>
+              <a:t>DATA MODELLING</a:t>
+            </a:r>
+            <a:endParaRPr lang="en-GB" sz="4000" dirty="0">
+              <a:solidFill>
+                <a:srgbClr val="FFFFFF"/>
+              </a:solidFill>
+            </a:endParaRPr>
           </a:p>
         </p:txBody>
       </p:sp>
     </p:spTree>
     <p:extLst>
       <p:ext uri="{BB962C8B-B14F-4D97-AF65-F5344CB8AC3E}">
-        <p14:creationId xmlns:p14="http://schemas.microsoft.com/office/powerpoint/2010/main" val="481008736"/>
+        <p14:creationId xmlns:p14="http://schemas.microsoft.com/office/powerpoint/2010/main" val="2941449514"/>
+      </p:ext>
+    </p:extLst>
+  </p:cSld>
+  <p:clrMapOvr>
+    <a:masterClrMapping/>
+  </p:clrMapOvr>
+</p:sld>
+</file>
+
+<file path=ppt/slides/slide19.xml><?xml version="1.0" encoding="utf-8"?>
+<p:sld xmlns:a="http://schemas.openxmlformats.org/drawingml/2006/main" xmlns:r="http://schemas.openxmlformats.org/officeDocument/2006/relationships" xmlns:p="http://schemas.openxmlformats.org/presentationml/2006/main">
+  <p:cSld>
+    <p:spTree>
+      <p:nvGrpSpPr>
+        <p:cNvPr id="1" name=""/>
+        <p:cNvGrpSpPr/>
+        <p:nvPr/>
+      </p:nvGrpSpPr>
+      <p:grpSpPr>
+        <a:xfrm>
+          <a:off x="0" y="0"/>
+          <a:ext cx="0" cy="0"/>
+          <a:chOff x="0" y="0"/>
+          <a:chExt cx="0" cy="0"/>
+        </a:xfrm>
+      </p:grpSpPr>
+      <p:sp>
+        <p:nvSpPr>
+          <p:cNvPr id="20" name="Rectangle 19">
+            <a:extLst>
+              <a:ext uri="{FF2B5EF4-FFF2-40B4-BE49-F238E27FC236}">
+                <a16:creationId xmlns:a16="http://schemas.microsoft.com/office/drawing/2014/main" id="{434167B2-1F65-408D-9233-EF10B5990B6E}"/>
+              </a:ext>
+            </a:extLst>
+          </p:cNvPr>
+          <p:cNvSpPr/>
+          <p:nvPr/>
+        </p:nvSpPr>
+        <p:spPr>
+          <a:xfrm>
+            <a:off x="0" y="0"/>
+            <a:ext cx="12192000" cy="1334278"/>
+          </a:xfrm>
+          <a:prstGeom prst="rect">
+            <a:avLst/>
+          </a:prstGeom>
+        </p:spPr>
+        <p:style>
+          <a:lnRef idx="2">
+            <a:schemeClr val="accent1">
+              <a:shade val="50000"/>
+            </a:schemeClr>
+          </a:lnRef>
+          <a:fillRef idx="1">
+            <a:schemeClr val="accent1"/>
+          </a:fillRef>
+          <a:effectRef idx="0">
+            <a:schemeClr val="accent1"/>
+          </a:effectRef>
+          <a:fontRef idx="minor">
+            <a:schemeClr val="lt1"/>
+          </a:fontRef>
+        </p:style>
+        <p:txBody>
+          <a:bodyPr rtlCol="0" anchor="ctr"/>
+          <a:lstStyle/>
+          <a:p>
+            <a:pPr algn="ctr"/>
+            <a:endParaRPr lang="en-GB" dirty="0"/>
+          </a:p>
+        </p:txBody>
+      </p:sp>
+      <p:sp>
+        <p:nvSpPr>
+          <p:cNvPr id="9" name="Title 6">
+            <a:extLst>
+              <a:ext uri="{FF2B5EF4-FFF2-40B4-BE49-F238E27FC236}">
+                <a16:creationId xmlns:a16="http://schemas.microsoft.com/office/drawing/2014/main" id="{F5FB2926-5769-4612-9884-4A0888903E66}"/>
+              </a:ext>
+            </a:extLst>
+          </p:cNvPr>
+          <p:cNvSpPr txBox="1">
+            <a:spLocks/>
+          </p:cNvSpPr>
+          <p:nvPr/>
+        </p:nvSpPr>
+        <p:spPr>
+          <a:xfrm>
+            <a:off x="266229" y="0"/>
+            <a:ext cx="11453020" cy="1334278"/>
+          </a:xfrm>
+          <a:prstGeom prst="rect">
+            <a:avLst/>
+          </a:prstGeom>
+        </p:spPr>
+        <p:txBody>
+          <a:bodyPr vert="horz" lIns="91440" tIns="45720" rIns="91440" bIns="45720" rtlCol="0" anchor="ctr">
+            <a:normAutofit/>
+          </a:bodyPr>
+          <a:lstStyle>
+            <a:lvl1pPr algn="l" defTabSz="914400" rtl="0" eaLnBrk="1" latinLnBrk="0" hangingPunct="1">
+              <a:lnSpc>
+                <a:spcPct val="80000"/>
+              </a:lnSpc>
+              <a:spcBef>
+                <a:spcPct val="0"/>
+              </a:spcBef>
+              <a:buNone/>
+              <a:defRPr sz="8800" b="0" kern="1200" spc="-120" baseline="0">
+                <a:solidFill>
+                  <a:schemeClr val="accent1"/>
+                </a:solidFill>
+                <a:latin typeface="+mj-lt"/>
+                <a:ea typeface="+mj-ea"/>
+                <a:cs typeface="+mj-cs"/>
+              </a:defRPr>
+            </a:lvl1pPr>
+          </a:lstStyle>
+          <a:p>
+            <a:r>
+              <a:rPr lang="en-US" sz="4000" dirty="0">
+                <a:solidFill>
+                  <a:srgbClr val="FFFFFF"/>
+                </a:solidFill>
+              </a:rPr>
+              <a:t>MODEL ASSESSMENT</a:t>
+            </a:r>
+            <a:endParaRPr lang="en-GB" sz="4000" dirty="0">
+              <a:solidFill>
+                <a:srgbClr val="FFFFFF"/>
+              </a:solidFill>
+            </a:endParaRPr>
+          </a:p>
+        </p:txBody>
+      </p:sp>
+    </p:spTree>
+    <p:extLst>
+      <p:ext uri="{BB962C8B-B14F-4D97-AF65-F5344CB8AC3E}">
+        <p14:creationId xmlns:p14="http://schemas.microsoft.com/office/powerpoint/2010/main" val="678696944"/>
       </p:ext>
     </p:extLst>
   </p:cSld>
@@ -8163,6 +8963,145 @@
     <p:extLst>
       <p:ext uri="{BB962C8B-B14F-4D97-AF65-F5344CB8AC3E}">
         <p14:creationId xmlns:p14="http://schemas.microsoft.com/office/powerpoint/2010/main" val="1025579564"/>
+      </p:ext>
+    </p:extLst>
+  </p:cSld>
+  <p:clrMapOvr>
+    <a:masterClrMapping/>
+  </p:clrMapOvr>
+</p:sld>
+</file>
+
+<file path=ppt/slides/slide20.xml><?xml version="1.0" encoding="utf-8"?>
+<p:sld xmlns:a="http://schemas.openxmlformats.org/drawingml/2006/main" xmlns:r="http://schemas.openxmlformats.org/officeDocument/2006/relationships" xmlns:p="http://schemas.openxmlformats.org/presentationml/2006/main">
+  <p:cSld>
+    <p:spTree>
+      <p:nvGrpSpPr>
+        <p:cNvPr id="1" name=""/>
+        <p:cNvGrpSpPr/>
+        <p:nvPr/>
+      </p:nvGrpSpPr>
+      <p:grpSpPr>
+        <a:xfrm>
+          <a:off x="0" y="0"/>
+          <a:ext cx="0" cy="0"/>
+          <a:chOff x="0" y="0"/>
+          <a:chExt cx="0" cy="0"/>
+        </a:xfrm>
+      </p:grpSpPr>
+      <p:sp>
+        <p:nvSpPr>
+          <p:cNvPr id="20" name="Rectangle 19">
+            <a:extLst>
+              <a:ext uri="{FF2B5EF4-FFF2-40B4-BE49-F238E27FC236}">
+                <a16:creationId xmlns:a16="http://schemas.microsoft.com/office/drawing/2014/main" id="{434167B2-1F65-408D-9233-EF10B5990B6E}"/>
+              </a:ext>
+            </a:extLst>
+          </p:cNvPr>
+          <p:cNvSpPr/>
+          <p:nvPr/>
+        </p:nvSpPr>
+        <p:spPr>
+          <a:xfrm>
+            <a:off x="0" y="0"/>
+            <a:ext cx="12192000" cy="1334278"/>
+          </a:xfrm>
+          <a:prstGeom prst="rect">
+            <a:avLst/>
+          </a:prstGeom>
+        </p:spPr>
+        <p:style>
+          <a:lnRef idx="2">
+            <a:schemeClr val="accent1">
+              <a:shade val="50000"/>
+            </a:schemeClr>
+          </a:lnRef>
+          <a:fillRef idx="1">
+            <a:schemeClr val="accent1"/>
+          </a:fillRef>
+          <a:effectRef idx="0">
+            <a:schemeClr val="accent1"/>
+          </a:effectRef>
+          <a:fontRef idx="minor">
+            <a:schemeClr val="lt1"/>
+          </a:fontRef>
+        </p:style>
+        <p:txBody>
+          <a:bodyPr rtlCol="0" anchor="ctr"/>
+          <a:lstStyle/>
+          <a:p>
+            <a:pPr algn="ctr"/>
+            <a:endParaRPr lang="en-GB" dirty="0"/>
+          </a:p>
+        </p:txBody>
+      </p:sp>
+      <p:sp>
+        <p:nvSpPr>
+          <p:cNvPr id="9" name="Title 6">
+            <a:extLst>
+              <a:ext uri="{FF2B5EF4-FFF2-40B4-BE49-F238E27FC236}">
+                <a16:creationId xmlns:a16="http://schemas.microsoft.com/office/drawing/2014/main" id="{F5FB2926-5769-4612-9884-4A0888903E66}"/>
+              </a:ext>
+            </a:extLst>
+          </p:cNvPr>
+          <p:cNvSpPr txBox="1">
+            <a:spLocks/>
+          </p:cNvSpPr>
+          <p:nvPr/>
+        </p:nvSpPr>
+        <p:spPr>
+          <a:xfrm>
+            <a:off x="266229" y="0"/>
+            <a:ext cx="11453020" cy="1334278"/>
+          </a:xfrm>
+          <a:prstGeom prst="rect">
+            <a:avLst/>
+          </a:prstGeom>
+        </p:spPr>
+        <p:txBody>
+          <a:bodyPr vert="horz" lIns="91440" tIns="45720" rIns="91440" bIns="45720" rtlCol="0" anchor="ctr">
+            <a:normAutofit/>
+          </a:bodyPr>
+          <a:lstStyle>
+            <a:lvl1pPr algn="l" defTabSz="914400" rtl="0" eaLnBrk="1" latinLnBrk="0" hangingPunct="1">
+              <a:lnSpc>
+                <a:spcPct val="80000"/>
+              </a:lnSpc>
+              <a:spcBef>
+                <a:spcPct val="0"/>
+              </a:spcBef>
+              <a:buNone/>
+              <a:defRPr sz="8800" b="0" kern="1200" spc="-120" baseline="0">
+                <a:solidFill>
+                  <a:schemeClr val="accent1"/>
+                </a:solidFill>
+                <a:latin typeface="+mj-lt"/>
+                <a:ea typeface="+mj-ea"/>
+                <a:cs typeface="+mj-cs"/>
+              </a:defRPr>
+            </a:lvl1pPr>
+          </a:lstStyle>
+          <a:p>
+            <a:r>
+              <a:rPr lang="en-US" sz="4000" dirty="0">
+                <a:solidFill>
+                  <a:srgbClr val="FFFFFF"/>
+                </a:solidFill>
+              </a:rPr>
+              <a:t>RESULTS</a:t>
+            </a:r>
+            <a:endParaRPr lang="en-GB" sz="4000" dirty="0">
+              <a:solidFill>
+                <a:srgbClr val="FFFFFF"/>
+              </a:solidFill>
+            </a:endParaRPr>
+          </a:p>
+        </p:txBody>
+      </p:sp>
+    </p:spTree>
+    <p:extLst>
+      <p:ext uri="{BB962C8B-B14F-4D97-AF65-F5344CB8AC3E}">
+        <p14:creationId xmlns:p14="http://schemas.microsoft.com/office/powerpoint/2010/main" val="2196733545"/>
       </p:ext>
     </p:extLst>
   </p:cSld>

--- a/Task_Presentation.pptx
+++ b/Task_Presentation.pptx
@@ -6,25 +6,28 @@
   </p:sldMasterIdLst>
   <p:sldIdLst>
     <p:sldId id="256" r:id="rId2"/>
-    <p:sldId id="257" r:id="rId3"/>
-    <p:sldId id="262" r:id="rId4"/>
-    <p:sldId id="263" r:id="rId5"/>
-    <p:sldId id="264" r:id="rId6"/>
-    <p:sldId id="265" r:id="rId7"/>
-    <p:sldId id="274" r:id="rId8"/>
-    <p:sldId id="270" r:id="rId9"/>
-    <p:sldId id="271" r:id="rId10"/>
-    <p:sldId id="272" r:id="rId11"/>
-    <p:sldId id="273" r:id="rId12"/>
-    <p:sldId id="275" r:id="rId13"/>
-    <p:sldId id="276" r:id="rId14"/>
-    <p:sldId id="277" r:id="rId15"/>
-    <p:sldId id="278" r:id="rId16"/>
-    <p:sldId id="279" r:id="rId17"/>
-    <p:sldId id="280" r:id="rId18"/>
-    <p:sldId id="267" r:id="rId19"/>
-    <p:sldId id="268" r:id="rId20"/>
-    <p:sldId id="269" r:id="rId21"/>
+    <p:sldId id="282" r:id="rId3"/>
+    <p:sldId id="283" r:id="rId4"/>
+    <p:sldId id="262" r:id="rId5"/>
+    <p:sldId id="263" r:id="rId6"/>
+    <p:sldId id="264" r:id="rId7"/>
+    <p:sldId id="265" r:id="rId8"/>
+    <p:sldId id="274" r:id="rId9"/>
+    <p:sldId id="270" r:id="rId10"/>
+    <p:sldId id="271" r:id="rId11"/>
+    <p:sldId id="272" r:id="rId12"/>
+    <p:sldId id="273" r:id="rId13"/>
+    <p:sldId id="275" r:id="rId14"/>
+    <p:sldId id="276" r:id="rId15"/>
+    <p:sldId id="277" r:id="rId16"/>
+    <p:sldId id="278" r:id="rId17"/>
+    <p:sldId id="279" r:id="rId18"/>
+    <p:sldId id="280" r:id="rId19"/>
+    <p:sldId id="281" r:id="rId20"/>
+    <p:sldId id="267" r:id="rId21"/>
+    <p:sldId id="284" r:id="rId22"/>
+    <p:sldId id="268" r:id="rId23"/>
+    <p:sldId id="269" r:id="rId24"/>
   </p:sldIdLst>
   <p:sldSz cx="12192000" cy="6858000"/>
   <p:notesSz cx="6858000" cy="9144000"/>
@@ -933,7 +936,7 @@
         <a:lstStyle/>
         <a:p>
           <a:r>
-            <a:rPr lang="en-US"/>
+            <a:rPr lang="en-US" dirty="0"/>
             <a:t>Exploratory Data Analysis</a:t>
           </a:r>
         </a:p>
@@ -969,7 +972,7 @@
         <a:lstStyle/>
         <a:p>
           <a:r>
-            <a:rPr lang="en-US"/>
+            <a:rPr lang="en-US" dirty="0"/>
             <a:t>Data Preparation</a:t>
           </a:r>
         </a:p>
@@ -1667,7 +1670,7 @@
             <a:buNone/>
           </a:pPr>
           <a:r>
-            <a:rPr lang="en-US" sz="2400" kern="1200"/>
+            <a:rPr lang="en-US" sz="2400" kern="1200" dirty="0"/>
             <a:t>Exploratory Data Analysis</a:t>
           </a:r>
         </a:p>
@@ -1774,7 +1777,7 @@
             <a:buNone/>
           </a:pPr>
           <a:r>
-            <a:rPr lang="en-US" sz="2400" kern="1200"/>
+            <a:rPr lang="en-US" sz="2400" kern="1200" dirty="0"/>
             <a:t>Data Preparation</a:t>
           </a:r>
         </a:p>
@@ -6794,6 +6797,192 @@
       </p:sp>
       <p:pic>
         <p:nvPicPr>
+          <p:cNvPr id="5" name="Picture 2">
+            <a:extLst>
+              <a:ext uri="{FF2B5EF4-FFF2-40B4-BE49-F238E27FC236}">
+                <a16:creationId xmlns:a16="http://schemas.microsoft.com/office/drawing/2014/main" id="{4EAE726A-D703-491F-93B9-5471DF73A4D7}"/>
+              </a:ext>
+            </a:extLst>
+          </p:cNvPr>
+          <p:cNvPicPr>
+            <a:picLocks noChangeAspect="1" noChangeArrowheads="1"/>
+          </p:cNvPicPr>
+          <p:nvPr/>
+        </p:nvPicPr>
+        <p:blipFill>
+          <a:blip r:embed="rId2">
+            <a:extLst>
+              <a:ext uri="{28A0092B-C50C-407E-A947-70E740481C1C}">
+                <a14:useLocalDpi xmlns:a14="http://schemas.microsoft.com/office/drawing/2010/main" val="0"/>
+              </a:ext>
+            </a:extLst>
+          </a:blip>
+          <a:srcRect/>
+          <a:stretch>
+            <a:fillRect/>
+          </a:stretch>
+        </p:blipFill>
+        <p:spPr bwMode="auto">
+          <a:xfrm>
+            <a:off x="1516650" y="2007910"/>
+            <a:ext cx="9158699" cy="4196156"/>
+          </a:xfrm>
+          <a:prstGeom prst="rect">
+            <a:avLst/>
+          </a:prstGeom>
+          <a:noFill/>
+          <a:extLst>
+            <a:ext uri="{909E8E84-426E-40DD-AFC4-6F175D3DCCD1}">
+              <a14:hiddenFill xmlns:a14="http://schemas.microsoft.com/office/drawing/2010/main">
+                <a:solidFill>
+                  <a:srgbClr val="FFFFFF"/>
+                </a:solidFill>
+              </a14:hiddenFill>
+            </a:ext>
+          </a:extLst>
+        </p:spPr>
+      </p:pic>
+    </p:spTree>
+    <p:extLst>
+      <p:ext uri="{BB962C8B-B14F-4D97-AF65-F5344CB8AC3E}">
+        <p14:creationId xmlns:p14="http://schemas.microsoft.com/office/powerpoint/2010/main" val="559192483"/>
+      </p:ext>
+    </p:extLst>
+  </p:cSld>
+  <p:clrMapOvr>
+    <a:masterClrMapping/>
+  </p:clrMapOvr>
+</p:sld>
+</file>
+
+<file path=ppt/slides/slide11.xml><?xml version="1.0" encoding="utf-8"?>
+<p:sld xmlns:a="http://schemas.openxmlformats.org/drawingml/2006/main" xmlns:r="http://schemas.openxmlformats.org/officeDocument/2006/relationships" xmlns:p="http://schemas.openxmlformats.org/presentationml/2006/main">
+  <p:cSld>
+    <p:spTree>
+      <p:nvGrpSpPr>
+        <p:cNvPr id="1" name=""/>
+        <p:cNvGrpSpPr/>
+        <p:nvPr/>
+      </p:nvGrpSpPr>
+      <p:grpSpPr>
+        <a:xfrm>
+          <a:off x="0" y="0"/>
+          <a:ext cx="0" cy="0"/>
+          <a:chOff x="0" y="0"/>
+          <a:chExt cx="0" cy="0"/>
+        </a:xfrm>
+      </p:grpSpPr>
+      <p:sp>
+        <p:nvSpPr>
+          <p:cNvPr id="20" name="Rectangle 19">
+            <a:extLst>
+              <a:ext uri="{FF2B5EF4-FFF2-40B4-BE49-F238E27FC236}">
+                <a16:creationId xmlns:a16="http://schemas.microsoft.com/office/drawing/2014/main" id="{434167B2-1F65-408D-9233-EF10B5990B6E}"/>
+              </a:ext>
+            </a:extLst>
+          </p:cNvPr>
+          <p:cNvSpPr/>
+          <p:nvPr/>
+        </p:nvSpPr>
+        <p:spPr>
+          <a:xfrm>
+            <a:off x="0" y="0"/>
+            <a:ext cx="12192000" cy="1334278"/>
+          </a:xfrm>
+          <a:prstGeom prst="rect">
+            <a:avLst/>
+          </a:prstGeom>
+        </p:spPr>
+        <p:style>
+          <a:lnRef idx="2">
+            <a:schemeClr val="accent1">
+              <a:shade val="50000"/>
+            </a:schemeClr>
+          </a:lnRef>
+          <a:fillRef idx="1">
+            <a:schemeClr val="accent1"/>
+          </a:fillRef>
+          <a:effectRef idx="0">
+            <a:schemeClr val="accent1"/>
+          </a:effectRef>
+          <a:fontRef idx="minor">
+            <a:schemeClr val="lt1"/>
+          </a:fontRef>
+        </p:style>
+        <p:txBody>
+          <a:bodyPr rtlCol="0" anchor="ctr"/>
+          <a:lstStyle/>
+          <a:p>
+            <a:pPr algn="ctr"/>
+            <a:endParaRPr lang="en-GB" dirty="0"/>
+          </a:p>
+        </p:txBody>
+      </p:sp>
+      <p:sp>
+        <p:nvSpPr>
+          <p:cNvPr id="9" name="Title 6">
+            <a:extLst>
+              <a:ext uri="{FF2B5EF4-FFF2-40B4-BE49-F238E27FC236}">
+                <a16:creationId xmlns:a16="http://schemas.microsoft.com/office/drawing/2014/main" id="{F5FB2926-5769-4612-9884-4A0888903E66}"/>
+              </a:ext>
+            </a:extLst>
+          </p:cNvPr>
+          <p:cNvSpPr txBox="1">
+            <a:spLocks/>
+          </p:cNvSpPr>
+          <p:nvPr/>
+        </p:nvSpPr>
+        <p:spPr>
+          <a:xfrm>
+            <a:off x="266229" y="0"/>
+            <a:ext cx="11453020" cy="1334278"/>
+          </a:xfrm>
+          <a:prstGeom prst="rect">
+            <a:avLst/>
+          </a:prstGeom>
+        </p:spPr>
+        <p:txBody>
+          <a:bodyPr vert="horz" lIns="91440" tIns="45720" rIns="91440" bIns="45720" rtlCol="0" anchor="ctr">
+            <a:normAutofit/>
+          </a:bodyPr>
+          <a:lstStyle>
+            <a:lvl1pPr algn="l" defTabSz="914400" rtl="0" eaLnBrk="1" latinLnBrk="0" hangingPunct="1">
+              <a:lnSpc>
+                <a:spcPct val="80000"/>
+              </a:lnSpc>
+              <a:spcBef>
+                <a:spcPct val="0"/>
+              </a:spcBef>
+              <a:buNone/>
+              <a:defRPr sz="8800" b="0" kern="1200" spc="-120" baseline="0">
+                <a:solidFill>
+                  <a:schemeClr val="accent1"/>
+                </a:solidFill>
+                <a:latin typeface="+mj-lt"/>
+                <a:ea typeface="+mj-ea"/>
+                <a:cs typeface="+mj-cs"/>
+              </a:defRPr>
+            </a:lvl1pPr>
+          </a:lstStyle>
+          <a:p>
+            <a:r>
+              <a:rPr lang="en-US" sz="4000" dirty="0">
+                <a:solidFill>
+                  <a:srgbClr val="FFFFFF"/>
+                </a:solidFill>
+              </a:rPr>
+              <a:t>EXPLORATORY DATA ANALYSIS</a:t>
+            </a:r>
+            <a:endParaRPr lang="en-GB" sz="4000" dirty="0">
+              <a:solidFill>
+                <a:srgbClr val="FFFFFF"/>
+              </a:solidFill>
+            </a:endParaRPr>
+          </a:p>
+        </p:txBody>
+      </p:sp>
+      <p:pic>
+        <p:nvPicPr>
           <p:cNvPr id="13314" name="Picture 2" descr="Lighter colors:  less than 50K&#10;Darker Colors: more than 50K">
             <a:extLst>
               <a:ext uri="{FF2B5EF4-FFF2-40B4-BE49-F238E27FC236}">
@@ -6852,7 +7041,7 @@
 </p:sld>
 </file>
 
-<file path=ppt/slides/slide11.xml><?xml version="1.0" encoding="utf-8"?>
+<file path=ppt/slides/slide12.xml><?xml version="1.0" encoding="utf-8"?>
 <p:sld xmlns:a="http://schemas.openxmlformats.org/drawingml/2006/main" xmlns:r="http://schemas.openxmlformats.org/officeDocument/2006/relationships" xmlns:p="http://schemas.openxmlformats.org/presentationml/2006/main">
   <p:cSld>
     <p:spTree>
@@ -7021,7 +7210,7 @@
 </p:sld>
 </file>
 
-<file path=ppt/slides/slide12.xml><?xml version="1.0" encoding="utf-8"?>
+<file path=ppt/slides/slide13.xml><?xml version="1.0" encoding="utf-8"?>
 <p:sld xmlns:a="http://schemas.openxmlformats.org/drawingml/2006/main" xmlns:r="http://schemas.openxmlformats.org/officeDocument/2006/relationships" xmlns:p="http://schemas.openxmlformats.org/presentationml/2006/main">
   <p:cSld>
     <p:spTree>
@@ -7190,7 +7379,7 @@
 </p:sld>
 </file>
 
-<file path=ppt/slides/slide13.xml><?xml version="1.0" encoding="utf-8"?>
+<file path=ppt/slides/slide14.xml><?xml version="1.0" encoding="utf-8"?>
 <p:sld xmlns:a="http://schemas.openxmlformats.org/drawingml/2006/main" xmlns:r="http://schemas.openxmlformats.org/officeDocument/2006/relationships" xmlns:p="http://schemas.openxmlformats.org/presentationml/2006/main">
   <p:cSld>
     <p:spTree>
@@ -7435,7 +7624,7 @@
 </p:sld>
 </file>
 
-<file path=ppt/slides/slide14.xml><?xml version="1.0" encoding="utf-8"?>
+<file path=ppt/slides/slide15.xml><?xml version="1.0" encoding="utf-8"?>
 <p:sld xmlns:a="http://schemas.openxmlformats.org/drawingml/2006/main" xmlns:r="http://schemas.openxmlformats.org/officeDocument/2006/relationships" xmlns:p="http://schemas.openxmlformats.org/presentationml/2006/main">
   <p:cSld>
     <p:spTree>
@@ -7784,7 +7973,7 @@
 </p:sld>
 </file>
 
-<file path=ppt/slides/slide15.xml><?xml version="1.0" encoding="utf-8"?>
+<file path=ppt/slides/slide16.xml><?xml version="1.0" encoding="utf-8"?>
 <p:sld xmlns:a="http://schemas.openxmlformats.org/drawingml/2006/main" xmlns:r="http://schemas.openxmlformats.org/officeDocument/2006/relationships" xmlns:p="http://schemas.openxmlformats.org/presentationml/2006/main">
   <p:cSld>
     <p:spTree>
@@ -8071,7 +8260,7 @@
 </p:sld>
 </file>
 
-<file path=ppt/slides/slide16.xml><?xml version="1.0" encoding="utf-8"?>
+<file path=ppt/slides/slide17.xml><?xml version="1.0" encoding="utf-8"?>
 <p:sld xmlns:a="http://schemas.openxmlformats.org/drawingml/2006/main" xmlns:r="http://schemas.openxmlformats.org/officeDocument/2006/relationships" xmlns:p="http://schemas.openxmlformats.org/presentationml/2006/main">
   <p:cSld>
     <p:spTree>
@@ -8314,7 +8503,7 @@
 </p:sld>
 </file>
 
-<file path=ppt/slides/slide17.xml><?xml version="1.0" encoding="utf-8"?>
+<file path=ppt/slides/slide18.xml><?xml version="1.0" encoding="utf-8"?>
 <p:sld xmlns:a="http://schemas.openxmlformats.org/drawingml/2006/main" xmlns:r="http://schemas.openxmlformats.org/officeDocument/2006/relationships" xmlns:p="http://schemas.openxmlformats.org/presentationml/2006/main">
   <p:cSld>
     <p:spTree>
@@ -8535,7 +8724,7 @@
 </p:sld>
 </file>
 
-<file path=ppt/slides/slide18.xml><?xml version="1.0" encoding="utf-8"?>
+<file path=ppt/slides/slide19.xml><?xml version="1.0" encoding="utf-8"?>
 <p:sld xmlns:a="http://schemas.openxmlformats.org/drawingml/2006/main" xmlns:r="http://schemas.openxmlformats.org/officeDocument/2006/relationships" xmlns:p="http://schemas.openxmlformats.org/presentationml/2006/main">
   <p:cSld>
     <p:spTree>
@@ -8651,7 +8840,7 @@
                   <a:srgbClr val="FFFFFF"/>
                 </a:solidFill>
               </a:rPr>
-              <a:t>DATA MODELLING</a:t>
+              <a:t>DATA PREPARATION – SHAP Summary Plot 	</a:t>
             </a:r>
             <a:endParaRPr lang="en-GB" sz="4000" dirty="0">
               <a:solidFill>
@@ -8661,10 +8850,106 @@
           </a:p>
         </p:txBody>
       </p:sp>
+      <p:sp>
+        <p:nvSpPr>
+          <p:cNvPr id="10" name="TextBox 9">
+            <a:extLst>
+              <a:ext uri="{FF2B5EF4-FFF2-40B4-BE49-F238E27FC236}">
+                <a16:creationId xmlns:a16="http://schemas.microsoft.com/office/drawing/2014/main" id="{756F8E5B-1EA2-42DF-B9DD-C15A8F82FC7F}"/>
+              </a:ext>
+            </a:extLst>
+          </p:cNvPr>
+          <p:cNvSpPr txBox="1"/>
+          <p:nvPr/>
+        </p:nvSpPr>
+        <p:spPr>
+          <a:xfrm>
+            <a:off x="2375068" y="2511469"/>
+            <a:ext cx="7553327" cy="954107"/>
+          </a:xfrm>
+          <a:prstGeom prst="rect">
+            <a:avLst/>
+          </a:prstGeom>
+          <a:noFill/>
+        </p:spPr>
+        <p:txBody>
+          <a:bodyPr wrap="square" rtlCol="0">
+            <a:spAutoFit/>
+          </a:bodyPr>
+          <a:lstStyle/>
+          <a:p>
+            <a:endParaRPr lang="en-US" sz="2800" spc="-120" dirty="0">
+              <a:solidFill>
+                <a:prstClr val="black"/>
+              </a:solidFill>
+              <a:latin typeface="Calibri Light" panose="020F0302020204030204"/>
+              <a:ea typeface="+mj-ea"/>
+              <a:cs typeface="+mj-cs"/>
+            </a:endParaRPr>
+          </a:p>
+          <a:p>
+            <a:endParaRPr lang="en-US" sz="2800" spc="-120" dirty="0">
+              <a:solidFill>
+                <a:prstClr val="black"/>
+              </a:solidFill>
+              <a:latin typeface="Calibri Light" panose="020F0302020204030204"/>
+              <a:ea typeface="+mj-ea"/>
+              <a:cs typeface="+mj-cs"/>
+            </a:endParaRPr>
+          </a:p>
+        </p:txBody>
+      </p:sp>
+      <p:pic>
+        <p:nvPicPr>
+          <p:cNvPr id="14338" name="Picture 2">
+            <a:extLst>
+              <a:ext uri="{FF2B5EF4-FFF2-40B4-BE49-F238E27FC236}">
+                <a16:creationId xmlns:a16="http://schemas.microsoft.com/office/drawing/2014/main" id="{051009AF-58F8-4B0A-9A2E-D56EAB0CA73F}"/>
+              </a:ext>
+            </a:extLst>
+          </p:cNvPr>
+          <p:cNvPicPr>
+            <a:picLocks noChangeAspect="1" noChangeArrowheads="1"/>
+          </p:cNvPicPr>
+          <p:nvPr/>
+        </p:nvPicPr>
+        <p:blipFill>
+          <a:blip r:embed="rId2">
+            <a:extLst>
+              <a:ext uri="{28A0092B-C50C-407E-A947-70E740481C1C}">
+                <a14:useLocalDpi xmlns:a14="http://schemas.microsoft.com/office/drawing/2010/main" val="0"/>
+              </a:ext>
+            </a:extLst>
+          </a:blip>
+          <a:srcRect/>
+          <a:stretch>
+            <a:fillRect/>
+          </a:stretch>
+        </p:blipFill>
+        <p:spPr bwMode="auto">
+          <a:xfrm>
+            <a:off x="2967012" y="1647756"/>
+            <a:ext cx="6369437" cy="4817364"/>
+          </a:xfrm>
+          <a:prstGeom prst="rect">
+            <a:avLst/>
+          </a:prstGeom>
+          <a:noFill/>
+          <a:extLst>
+            <a:ext uri="{909E8E84-426E-40DD-AFC4-6F175D3DCCD1}">
+              <a14:hiddenFill xmlns:a14="http://schemas.microsoft.com/office/drawing/2010/main">
+                <a:solidFill>
+                  <a:srgbClr val="FFFFFF"/>
+                </a:solidFill>
+              </a14:hiddenFill>
+            </a:ext>
+          </a:extLst>
+        </p:spPr>
+      </p:pic>
     </p:spTree>
     <p:extLst>
       <p:ext uri="{BB962C8B-B14F-4D97-AF65-F5344CB8AC3E}">
-        <p14:creationId xmlns:p14="http://schemas.microsoft.com/office/powerpoint/2010/main" val="2941449514"/>
+        <p14:creationId xmlns:p14="http://schemas.microsoft.com/office/powerpoint/2010/main" val="3400818642"/>
       </p:ext>
     </p:extLst>
   </p:cSld>
@@ -8674,7 +8959,158 @@
 </p:sld>
 </file>
 
-<file path=ppt/slides/slide19.xml><?xml version="1.0" encoding="utf-8"?>
+<file path=ppt/slides/slide2.xml><?xml version="1.0" encoding="utf-8"?>
+<p:sld xmlns:a="http://schemas.openxmlformats.org/drawingml/2006/main" xmlns:r="http://schemas.openxmlformats.org/officeDocument/2006/relationships" xmlns:p="http://schemas.openxmlformats.org/presentationml/2006/main">
+  <p:cSld>
+    <p:spTree>
+      <p:nvGrpSpPr>
+        <p:cNvPr id="1" name=""/>
+        <p:cNvGrpSpPr/>
+        <p:nvPr/>
+      </p:nvGrpSpPr>
+      <p:grpSpPr>
+        <a:xfrm>
+          <a:off x="0" y="0"/>
+          <a:ext cx="0" cy="0"/>
+          <a:chOff x="0" y="0"/>
+          <a:chExt cx="0" cy="0"/>
+        </a:xfrm>
+      </p:grpSpPr>
+      <p:sp>
+        <p:nvSpPr>
+          <p:cNvPr id="20" name="Rectangle 19">
+            <a:extLst>
+              <a:ext uri="{FF2B5EF4-FFF2-40B4-BE49-F238E27FC236}">
+                <a16:creationId xmlns:a16="http://schemas.microsoft.com/office/drawing/2014/main" id="{434167B2-1F65-408D-9233-EF10B5990B6E}"/>
+              </a:ext>
+            </a:extLst>
+          </p:cNvPr>
+          <p:cNvSpPr/>
+          <p:nvPr/>
+        </p:nvSpPr>
+        <p:spPr>
+          <a:xfrm>
+            <a:off x="0" y="0"/>
+            <a:ext cx="3881535" cy="6858000"/>
+          </a:xfrm>
+          <a:prstGeom prst="rect">
+            <a:avLst/>
+          </a:prstGeom>
+        </p:spPr>
+        <p:style>
+          <a:lnRef idx="2">
+            <a:schemeClr val="accent1">
+              <a:shade val="50000"/>
+            </a:schemeClr>
+          </a:lnRef>
+          <a:fillRef idx="1">
+            <a:schemeClr val="accent1"/>
+          </a:fillRef>
+          <a:effectRef idx="0">
+            <a:schemeClr val="accent1"/>
+          </a:effectRef>
+          <a:fontRef idx="minor">
+            <a:schemeClr val="lt1"/>
+          </a:fontRef>
+        </p:style>
+        <p:txBody>
+          <a:bodyPr rtlCol="0" anchor="ctr"/>
+          <a:lstStyle/>
+          <a:p>
+            <a:pPr algn="ctr"/>
+            <a:endParaRPr lang="en-GB" dirty="0"/>
+          </a:p>
+        </p:txBody>
+      </p:sp>
+      <p:sp>
+        <p:nvSpPr>
+          <p:cNvPr id="21" name="Title 6">
+            <a:extLst>
+              <a:ext uri="{FF2B5EF4-FFF2-40B4-BE49-F238E27FC236}">
+                <a16:creationId xmlns:a16="http://schemas.microsoft.com/office/drawing/2014/main" id="{780C79E3-26D7-4C6B-9D4D-1705D6CA537B}"/>
+              </a:ext>
+            </a:extLst>
+          </p:cNvPr>
+          <p:cNvSpPr>
+            <a:spLocks noGrp="1"/>
+          </p:cNvSpPr>
+          <p:nvPr>
+            <p:ph type="title"/>
+          </p:nvPr>
+        </p:nvSpPr>
+        <p:spPr>
+          <a:xfrm>
+            <a:off x="266229" y="636852"/>
+            <a:ext cx="3349075" cy="5584296"/>
+          </a:xfrm>
+        </p:spPr>
+        <p:txBody>
+          <a:bodyPr anchor="ctr">
+            <a:normAutofit/>
+          </a:bodyPr>
+          <a:lstStyle/>
+          <a:p>
+            <a:pPr algn="ctr"/>
+            <a:r>
+              <a:rPr lang="en-US" sz="4000" dirty="0">
+                <a:solidFill>
+                  <a:srgbClr val="FFFFFF"/>
+                </a:solidFill>
+              </a:rPr>
+              <a:t>OUTLINE</a:t>
+            </a:r>
+            <a:endParaRPr lang="en-GB" sz="4000" dirty="0">
+              <a:solidFill>
+                <a:srgbClr val="FFFFFF"/>
+              </a:solidFill>
+            </a:endParaRPr>
+          </a:p>
+        </p:txBody>
+      </p:sp>
+      <p:graphicFrame>
+        <p:nvGraphicFramePr>
+          <p:cNvPr id="23" name="Content Placeholder 8">
+            <a:extLst>
+              <a:ext uri="{FF2B5EF4-FFF2-40B4-BE49-F238E27FC236}">
+                <a16:creationId xmlns:a16="http://schemas.microsoft.com/office/drawing/2014/main" id="{9A169161-66CF-47DE-B9E9-DA6681333EC7}"/>
+              </a:ext>
+            </a:extLst>
+          </p:cNvPr>
+          <p:cNvGraphicFramePr>
+            <a:graphicFrameLocks/>
+          </p:cNvGraphicFramePr>
+          <p:nvPr>
+            <p:extLst>
+              <p:ext uri="{D42A27DB-BD31-4B8C-83A1-F6EECF244321}">
+                <p14:modId xmlns:p14="http://schemas.microsoft.com/office/powerpoint/2010/main" val="3634890793"/>
+              </p:ext>
+            </p:extLst>
+          </p:nvPr>
+        </p:nvGraphicFramePr>
+        <p:xfrm>
+          <a:off x="5171186" y="657225"/>
+          <a:ext cx="6278562" cy="5543550"/>
+        </p:xfrm>
+        <a:graphic>
+          <a:graphicData uri="http://schemas.openxmlformats.org/drawingml/2006/diagram">
+            <dgm:relIds xmlns:dgm="http://schemas.openxmlformats.org/drawingml/2006/diagram" xmlns:r="http://schemas.openxmlformats.org/officeDocument/2006/relationships" r:dm="rId2" r:lo="rId3" r:qs="rId4" r:cs="rId5"/>
+          </a:graphicData>
+        </a:graphic>
+      </p:graphicFrame>
+    </p:spTree>
+    <p:extLst>
+      <p:ext uri="{BB962C8B-B14F-4D97-AF65-F5344CB8AC3E}">
+        <p14:creationId xmlns:p14="http://schemas.microsoft.com/office/powerpoint/2010/main" val="840408685"/>
+      </p:ext>
+    </p:extLst>
+  </p:cSld>
+  <p:clrMapOvr>
+    <a:masterClrMapping/>
+  </p:clrMapOvr>
+</p:sld>
+</file>
+
+<file path=ppt/slides/slide20.xml><?xml version="1.0" encoding="utf-8"?>
 <p:sld xmlns:a="http://schemas.openxmlformats.org/drawingml/2006/main" xmlns:r="http://schemas.openxmlformats.org/officeDocument/2006/relationships" xmlns:p="http://schemas.openxmlformats.org/presentationml/2006/main">
   <p:cSld>
     <p:spTree>
@@ -8790,20 +9226,62 @@
                   <a:srgbClr val="FFFFFF"/>
                 </a:solidFill>
               </a:rPr>
-              <a:t>MODEL ASSESSMENT</a:t>
-            </a:r>
-            <a:endParaRPr lang="en-GB" sz="4000" dirty="0">
-              <a:solidFill>
-                <a:srgbClr val="FFFFFF"/>
-              </a:solidFill>
-            </a:endParaRPr>
-          </a:p>
-        </p:txBody>
-      </p:sp>
+              <a:t>DATA MODELLING – Final Model Diagram</a:t>
+            </a:r>
+          </a:p>
+        </p:txBody>
+      </p:sp>
+      <p:pic>
+        <p:nvPicPr>
+          <p:cNvPr id="10252" name="Picture 12">
+            <a:extLst>
+              <a:ext uri="{FF2B5EF4-FFF2-40B4-BE49-F238E27FC236}">
+                <a16:creationId xmlns:a16="http://schemas.microsoft.com/office/drawing/2014/main" id="{7C593522-3396-4752-9CF8-B34E8130358C}"/>
+              </a:ext>
+            </a:extLst>
+          </p:cNvPr>
+          <p:cNvPicPr>
+            <a:picLocks noChangeAspect="1" noChangeArrowheads="1"/>
+          </p:cNvPicPr>
+          <p:nvPr/>
+        </p:nvPicPr>
+        <p:blipFill>
+          <a:blip r:embed="rId2">
+            <a:extLst>
+              <a:ext uri="{28A0092B-C50C-407E-A947-70E740481C1C}">
+                <a14:useLocalDpi xmlns:a14="http://schemas.microsoft.com/office/drawing/2010/main" val="0"/>
+              </a:ext>
+            </a:extLst>
+          </a:blip>
+          <a:srcRect/>
+          <a:stretch>
+            <a:fillRect/>
+          </a:stretch>
+        </p:blipFill>
+        <p:spPr bwMode="auto">
+          <a:xfrm>
+            <a:off x="1638826" y="1682496"/>
+            <a:ext cx="8914347" cy="4089083"/>
+          </a:xfrm>
+          <a:prstGeom prst="rect">
+            <a:avLst/>
+          </a:prstGeom>
+          <a:noFill/>
+          <a:extLst>
+            <a:ext uri="{909E8E84-426E-40DD-AFC4-6F175D3DCCD1}">
+              <a14:hiddenFill xmlns:a14="http://schemas.microsoft.com/office/drawing/2010/main">
+                <a:solidFill>
+                  <a:srgbClr val="FFFFFF"/>
+                </a:solidFill>
+              </a14:hiddenFill>
+            </a:ext>
+          </a:extLst>
+        </p:spPr>
+      </p:pic>
     </p:spTree>
     <p:extLst>
       <p:ext uri="{BB962C8B-B14F-4D97-AF65-F5344CB8AC3E}">
-        <p14:creationId xmlns:p14="http://schemas.microsoft.com/office/powerpoint/2010/main" val="678696944"/>
+        <p14:creationId xmlns:p14="http://schemas.microsoft.com/office/powerpoint/2010/main" val="2941449514"/>
       </p:ext>
     </p:extLst>
   </p:cSld>
@@ -8813,17 +9291,9 @@
 </p:sld>
 </file>
 
-<file path=ppt/slides/slide2.xml><?xml version="1.0" encoding="utf-8"?>
+<file path=ppt/slides/slide21.xml><?xml version="1.0" encoding="utf-8"?>
 <p:sld xmlns:a="http://schemas.openxmlformats.org/drawingml/2006/main" xmlns:r="http://schemas.openxmlformats.org/officeDocument/2006/relationships" xmlns:p="http://schemas.openxmlformats.org/presentationml/2006/main">
   <p:cSld>
-    <p:bg>
-      <p:bgPr>
-        <a:solidFill>
-          <a:schemeClr val="bg1"/>
-        </a:solidFill>
-        <a:effectLst/>
-      </p:bgPr>
-    </p:bg>
     <p:spTree>
       <p:nvGrpSpPr>
         <p:cNvPr id="1" name=""/>
@@ -8853,7 +9323,7 @@
         <p:spPr>
           <a:xfrm>
             <a:off x="0" y="0"/>
-            <a:ext cx="3881535" cy="6858000"/>
+            <a:ext cx="12192000" cy="1334278"/>
           </a:xfrm>
           <a:prstGeom prst="rect">
             <a:avLst/>
@@ -8886,83 +9356,187 @@
       </p:sp>
       <p:sp>
         <p:nvSpPr>
-          <p:cNvPr id="21" name="Title 6">
+          <p:cNvPr id="9" name="Title 6">
             <a:extLst>
               <a:ext uri="{FF2B5EF4-FFF2-40B4-BE49-F238E27FC236}">
-                <a16:creationId xmlns:a16="http://schemas.microsoft.com/office/drawing/2014/main" id="{780C79E3-26D7-4C6B-9D4D-1705D6CA537B}"/>
+                <a16:creationId xmlns:a16="http://schemas.microsoft.com/office/drawing/2014/main" id="{F5FB2926-5769-4612-9884-4A0888903E66}"/>
               </a:ext>
             </a:extLst>
           </p:cNvPr>
-          <p:cNvSpPr>
-            <a:spLocks noGrp="1"/>
+          <p:cNvSpPr txBox="1">
+            <a:spLocks/>
           </p:cNvSpPr>
-          <p:nvPr>
-            <p:ph type="title"/>
-          </p:nvPr>
+          <p:nvPr/>
         </p:nvSpPr>
         <p:spPr>
           <a:xfrm>
-            <a:off x="266229" y="636852"/>
-            <a:ext cx="3349075" cy="5584296"/>
+            <a:off x="266229" y="0"/>
+            <a:ext cx="11453020" cy="1334278"/>
           </a:xfrm>
+          <a:prstGeom prst="rect">
+            <a:avLst/>
+          </a:prstGeom>
         </p:spPr>
         <p:txBody>
-          <a:bodyPr anchor="ctr">
+          <a:bodyPr vert="horz" lIns="91440" tIns="45720" rIns="91440" bIns="45720" rtlCol="0" anchor="ctr">
             <a:normAutofit/>
           </a:bodyPr>
-          <a:lstStyle/>
-          <a:p>
-            <a:pPr algn="ctr"/>
+          <a:lstStyle>
+            <a:lvl1pPr algn="l" defTabSz="914400" rtl="0" eaLnBrk="1" latinLnBrk="0" hangingPunct="1">
+              <a:lnSpc>
+                <a:spcPct val="80000"/>
+              </a:lnSpc>
+              <a:spcBef>
+                <a:spcPct val="0"/>
+              </a:spcBef>
+              <a:buNone/>
+              <a:defRPr sz="8800" b="0" kern="1200" spc="-120" baseline="0">
+                <a:solidFill>
+                  <a:schemeClr val="accent1"/>
+                </a:solidFill>
+                <a:latin typeface="+mj-lt"/>
+                <a:ea typeface="+mj-ea"/>
+                <a:cs typeface="+mj-cs"/>
+              </a:defRPr>
+            </a:lvl1pPr>
+          </a:lstStyle>
+          <a:p>
             <a:r>
               <a:rPr lang="en-US" sz="4000" dirty="0">
                 <a:solidFill>
                   <a:srgbClr val="FFFFFF"/>
                 </a:solidFill>
               </a:rPr>
-              <a:t>OUTLINE</a:t>
-            </a:r>
-            <a:endParaRPr lang="en-GB" sz="4000" dirty="0">
-              <a:solidFill>
-                <a:srgbClr val="FFFFFF"/>
-              </a:solidFill>
-            </a:endParaRPr>
-          </a:p>
-        </p:txBody>
-      </p:sp>
-      <p:graphicFrame>
-        <p:nvGraphicFramePr>
-          <p:cNvPr id="23" name="Content Placeholder 8">
+              <a:t>DATA MODELLING – Ensemble Learning</a:t>
+            </a:r>
+          </a:p>
+        </p:txBody>
+      </p:sp>
+      <p:sp>
+        <p:nvSpPr>
+          <p:cNvPr id="5" name="TextBox 4">
             <a:extLst>
               <a:ext uri="{FF2B5EF4-FFF2-40B4-BE49-F238E27FC236}">
-                <a16:creationId xmlns:a16="http://schemas.microsoft.com/office/drawing/2014/main" id="{9A169161-66CF-47DE-B9E9-DA6681333EC7}"/>
+                <a16:creationId xmlns:a16="http://schemas.microsoft.com/office/drawing/2014/main" id="{FB21CF64-73EC-4974-AA58-D746D3421BF5}"/>
               </a:ext>
             </a:extLst>
           </p:cNvPr>
-          <p:cNvGraphicFramePr>
-            <a:graphicFrameLocks/>
-          </p:cNvGraphicFramePr>
-          <p:nvPr>
-            <p:extLst>
-              <p:ext uri="{D42A27DB-BD31-4B8C-83A1-F6EECF244321}">
-                <p14:modId xmlns:p14="http://schemas.microsoft.com/office/powerpoint/2010/main" val="4045808676"/>
-              </p:ext>
-            </p:extLst>
-          </p:nvPr>
-        </p:nvGraphicFramePr>
-        <p:xfrm>
-          <a:off x="5171186" y="657225"/>
-          <a:ext cx="6278562" cy="5543550"/>
-        </p:xfrm>
-        <a:graphic>
-          <a:graphicData uri="http://schemas.openxmlformats.org/drawingml/2006/diagram">
-            <dgm:relIds xmlns:dgm="http://schemas.openxmlformats.org/drawingml/2006/diagram" xmlns:r="http://schemas.openxmlformats.org/officeDocument/2006/relationships" r:dm="rId2" r:lo="rId3" r:qs="rId4" r:cs="rId5"/>
-          </a:graphicData>
-        </a:graphic>
-      </p:graphicFrame>
+          <p:cNvSpPr txBox="1"/>
+          <p:nvPr/>
+        </p:nvSpPr>
+        <p:spPr>
+          <a:xfrm>
+            <a:off x="1120604" y="2103332"/>
+            <a:ext cx="9950791" cy="3108543"/>
+          </a:xfrm>
+          <a:prstGeom prst="rect">
+            <a:avLst/>
+          </a:prstGeom>
+          <a:noFill/>
+        </p:spPr>
+        <p:txBody>
+          <a:bodyPr wrap="square" rtlCol="0">
+            <a:spAutoFit/>
+          </a:bodyPr>
+          <a:lstStyle/>
+          <a:p>
+            <a:pPr marL="457200" indent="-457200">
+              <a:buFont typeface="Arial" panose="020B0604020202020204" pitchFamily="34" charset="0"/>
+              <a:buChar char="•"/>
+            </a:pPr>
+            <a:r>
+              <a:rPr lang="en-US" sz="2800" spc="-120" dirty="0">
+                <a:solidFill>
+                  <a:prstClr val="black"/>
+                </a:solidFill>
+                <a:latin typeface="Calibri Light" panose="020F0302020204030204"/>
+                <a:ea typeface="+mj-ea"/>
+                <a:cs typeface="+mj-cs"/>
+              </a:rPr>
+              <a:t>6 different Machine Learning Model has been trained.</a:t>
+            </a:r>
+          </a:p>
+          <a:p>
+            <a:r>
+              <a:rPr lang="en-US" sz="2800" spc="-120" dirty="0">
+                <a:solidFill>
+                  <a:prstClr val="black"/>
+                </a:solidFill>
+                <a:latin typeface="Calibri Light" panose="020F0302020204030204"/>
+                <a:ea typeface="+mj-ea"/>
+                <a:cs typeface="+mj-cs"/>
+              </a:rPr>
+              <a:t>Each one of them might be good at capturing some of the data.</a:t>
+            </a:r>
+          </a:p>
+          <a:p>
+            <a:pPr marL="457200" indent="-457200">
+              <a:buFont typeface="Arial" panose="020B0604020202020204" pitchFamily="34" charset="0"/>
+              <a:buChar char="•"/>
+            </a:pPr>
+            <a:endParaRPr lang="en-US" sz="2800" spc="-120" dirty="0">
+              <a:solidFill>
+                <a:prstClr val="black"/>
+              </a:solidFill>
+              <a:latin typeface="Calibri Light" panose="020F0302020204030204"/>
+              <a:ea typeface="+mj-ea"/>
+              <a:cs typeface="+mj-cs"/>
+            </a:endParaRPr>
+          </a:p>
+          <a:p>
+            <a:pPr marL="457200" indent="-457200">
+              <a:buFont typeface="Arial" panose="020B0604020202020204" pitchFamily="34" charset="0"/>
+              <a:buChar char="•"/>
+            </a:pPr>
+            <a:r>
+              <a:rPr lang="en-US" sz="2800" spc="-120" dirty="0">
+                <a:solidFill>
+                  <a:prstClr val="black"/>
+                </a:solidFill>
+                <a:latin typeface="Calibri Light" panose="020F0302020204030204"/>
+                <a:ea typeface="+mj-ea"/>
+                <a:cs typeface="+mj-cs"/>
+              </a:rPr>
+              <a:t>Therefore, we get 6 predictions for each example.</a:t>
+            </a:r>
+          </a:p>
+          <a:p>
+            <a:pPr marL="457200" indent="-457200">
+              <a:buFont typeface="Arial" panose="020B0604020202020204" pitchFamily="34" charset="0"/>
+              <a:buChar char="•"/>
+            </a:pPr>
+            <a:endParaRPr lang="en-US" sz="2800" spc="-120" dirty="0">
+              <a:solidFill>
+                <a:prstClr val="black"/>
+              </a:solidFill>
+              <a:latin typeface="Calibri Light" panose="020F0302020204030204"/>
+              <a:ea typeface="+mj-ea"/>
+              <a:cs typeface="+mj-cs"/>
+            </a:endParaRPr>
+          </a:p>
+          <a:p>
+            <a:pPr marL="457200" indent="-457200">
+              <a:buFont typeface="Arial" panose="020B0604020202020204" pitchFamily="34" charset="0"/>
+              <a:buChar char="•"/>
+            </a:pPr>
+            <a:r>
+              <a:rPr lang="en-US" sz="2800" spc="-120" dirty="0">
+                <a:solidFill>
+                  <a:prstClr val="black"/>
+                </a:solidFill>
+                <a:latin typeface="Calibri Light" panose="020F0302020204030204"/>
+                <a:ea typeface="+mj-ea"/>
+                <a:cs typeface="+mj-cs"/>
+              </a:rPr>
+              <a:t>On top of that 6 models, there is one final model which decides the final prediction for that example. This is called “Stacking”</a:t>
+            </a:r>
+          </a:p>
+        </p:txBody>
+      </p:sp>
     </p:spTree>
     <p:extLst>
       <p:ext uri="{BB962C8B-B14F-4D97-AF65-F5344CB8AC3E}">
-        <p14:creationId xmlns:p14="http://schemas.microsoft.com/office/powerpoint/2010/main" val="1025579564"/>
+        <p14:creationId xmlns:p14="http://schemas.microsoft.com/office/powerpoint/2010/main" val="2000242994"/>
       </p:ext>
     </p:extLst>
   </p:cSld>
@@ -8972,7 +9546,146 @@
 </p:sld>
 </file>
 
-<file path=ppt/slides/slide20.xml><?xml version="1.0" encoding="utf-8"?>
+<file path=ppt/slides/slide22.xml><?xml version="1.0" encoding="utf-8"?>
+<p:sld xmlns:a="http://schemas.openxmlformats.org/drawingml/2006/main" xmlns:r="http://schemas.openxmlformats.org/officeDocument/2006/relationships" xmlns:p="http://schemas.openxmlformats.org/presentationml/2006/main">
+  <p:cSld>
+    <p:spTree>
+      <p:nvGrpSpPr>
+        <p:cNvPr id="1" name=""/>
+        <p:cNvGrpSpPr/>
+        <p:nvPr/>
+      </p:nvGrpSpPr>
+      <p:grpSpPr>
+        <a:xfrm>
+          <a:off x="0" y="0"/>
+          <a:ext cx="0" cy="0"/>
+          <a:chOff x="0" y="0"/>
+          <a:chExt cx="0" cy="0"/>
+        </a:xfrm>
+      </p:grpSpPr>
+      <p:sp>
+        <p:nvSpPr>
+          <p:cNvPr id="20" name="Rectangle 19">
+            <a:extLst>
+              <a:ext uri="{FF2B5EF4-FFF2-40B4-BE49-F238E27FC236}">
+                <a16:creationId xmlns:a16="http://schemas.microsoft.com/office/drawing/2014/main" id="{434167B2-1F65-408D-9233-EF10B5990B6E}"/>
+              </a:ext>
+            </a:extLst>
+          </p:cNvPr>
+          <p:cNvSpPr/>
+          <p:nvPr/>
+        </p:nvSpPr>
+        <p:spPr>
+          <a:xfrm>
+            <a:off x="0" y="0"/>
+            <a:ext cx="12192000" cy="1334278"/>
+          </a:xfrm>
+          <a:prstGeom prst="rect">
+            <a:avLst/>
+          </a:prstGeom>
+        </p:spPr>
+        <p:style>
+          <a:lnRef idx="2">
+            <a:schemeClr val="accent1">
+              <a:shade val="50000"/>
+            </a:schemeClr>
+          </a:lnRef>
+          <a:fillRef idx="1">
+            <a:schemeClr val="accent1"/>
+          </a:fillRef>
+          <a:effectRef idx="0">
+            <a:schemeClr val="accent1"/>
+          </a:effectRef>
+          <a:fontRef idx="minor">
+            <a:schemeClr val="lt1"/>
+          </a:fontRef>
+        </p:style>
+        <p:txBody>
+          <a:bodyPr rtlCol="0" anchor="ctr"/>
+          <a:lstStyle/>
+          <a:p>
+            <a:pPr algn="ctr"/>
+            <a:endParaRPr lang="en-GB" dirty="0"/>
+          </a:p>
+        </p:txBody>
+      </p:sp>
+      <p:sp>
+        <p:nvSpPr>
+          <p:cNvPr id="9" name="Title 6">
+            <a:extLst>
+              <a:ext uri="{FF2B5EF4-FFF2-40B4-BE49-F238E27FC236}">
+                <a16:creationId xmlns:a16="http://schemas.microsoft.com/office/drawing/2014/main" id="{F5FB2926-5769-4612-9884-4A0888903E66}"/>
+              </a:ext>
+            </a:extLst>
+          </p:cNvPr>
+          <p:cNvSpPr txBox="1">
+            <a:spLocks/>
+          </p:cNvSpPr>
+          <p:nvPr/>
+        </p:nvSpPr>
+        <p:spPr>
+          <a:xfrm>
+            <a:off x="266229" y="0"/>
+            <a:ext cx="11453020" cy="1334278"/>
+          </a:xfrm>
+          <a:prstGeom prst="rect">
+            <a:avLst/>
+          </a:prstGeom>
+        </p:spPr>
+        <p:txBody>
+          <a:bodyPr vert="horz" lIns="91440" tIns="45720" rIns="91440" bIns="45720" rtlCol="0" anchor="ctr">
+            <a:normAutofit/>
+          </a:bodyPr>
+          <a:lstStyle>
+            <a:lvl1pPr algn="l" defTabSz="914400" rtl="0" eaLnBrk="1" latinLnBrk="0" hangingPunct="1">
+              <a:lnSpc>
+                <a:spcPct val="80000"/>
+              </a:lnSpc>
+              <a:spcBef>
+                <a:spcPct val="0"/>
+              </a:spcBef>
+              <a:buNone/>
+              <a:defRPr sz="8800" b="0" kern="1200" spc="-120" baseline="0">
+                <a:solidFill>
+                  <a:schemeClr val="accent1"/>
+                </a:solidFill>
+                <a:latin typeface="+mj-lt"/>
+                <a:ea typeface="+mj-ea"/>
+                <a:cs typeface="+mj-cs"/>
+              </a:defRPr>
+            </a:lvl1pPr>
+          </a:lstStyle>
+          <a:p>
+            <a:r>
+              <a:rPr lang="en-US" sz="4000" dirty="0">
+                <a:solidFill>
+                  <a:srgbClr val="FFFFFF"/>
+                </a:solidFill>
+              </a:rPr>
+              <a:t>MODEL ASSESSMENT</a:t>
+            </a:r>
+            <a:endParaRPr lang="en-GB" sz="4000" dirty="0">
+              <a:solidFill>
+                <a:srgbClr val="FFFFFF"/>
+              </a:solidFill>
+            </a:endParaRPr>
+          </a:p>
+        </p:txBody>
+      </p:sp>
+    </p:spTree>
+    <p:extLst>
+      <p:ext uri="{BB962C8B-B14F-4D97-AF65-F5344CB8AC3E}">
+        <p14:creationId xmlns:p14="http://schemas.microsoft.com/office/powerpoint/2010/main" val="678696944"/>
+      </p:ext>
+    </p:extLst>
+  </p:cSld>
+  <p:clrMapOvr>
+    <a:masterClrMapping/>
+  </p:clrMapOvr>
+</p:sld>
+</file>
+
+<file path=ppt/slides/slide23.xml><?xml version="1.0" encoding="utf-8"?>
 <p:sld xmlns:a="http://schemas.openxmlformats.org/drawingml/2006/main" xmlns:r="http://schemas.openxmlformats.org/officeDocument/2006/relationships" xmlns:p="http://schemas.openxmlformats.org/presentationml/2006/main">
   <p:cSld>
     <p:spTree>
@@ -9191,7 +9904,7 @@
         <p:spPr>
           <a:xfrm>
             <a:off x="266229" y="0"/>
-            <a:ext cx="3349075" cy="1334278"/>
+            <a:ext cx="11453020" cy="1334278"/>
           </a:xfrm>
           <a:prstGeom prst="rect">
             <a:avLst/>
@@ -9227,7 +9940,7 @@
                   <a:srgbClr val="FFFFFF"/>
                 </a:solidFill>
               </a:rPr>
-              <a:t>INTRODUCTION</a:t>
+              <a:t>OUTLINE</a:t>
             </a:r>
             <a:endParaRPr lang="en-GB" sz="4000" dirty="0">
               <a:solidFill>
@@ -9237,152 +9950,57 @@
           </a:p>
         </p:txBody>
       </p:sp>
-      <p:sp>
-        <p:nvSpPr>
-          <p:cNvPr id="4" name="TextBox 3">
+      <p:pic>
+        <p:nvPicPr>
+          <p:cNvPr id="24578" name="Picture 2">
             <a:extLst>
               <a:ext uri="{FF2B5EF4-FFF2-40B4-BE49-F238E27FC236}">
-                <a16:creationId xmlns:a16="http://schemas.microsoft.com/office/drawing/2014/main" id="{2028F04A-209C-47A4-9A8A-4C94B836E620}"/>
+                <a16:creationId xmlns:a16="http://schemas.microsoft.com/office/drawing/2014/main" id="{F8C7E4D3-8ADE-44E2-86E8-4B84D9109F00}"/>
               </a:ext>
             </a:extLst>
           </p:cNvPr>
-          <p:cNvSpPr txBox="1"/>
+          <p:cNvPicPr>
+            <a:picLocks noChangeAspect="1" noChangeArrowheads="1"/>
+          </p:cNvPicPr>
           <p:nvPr/>
-        </p:nvSpPr>
-        <p:spPr>
+        </p:nvPicPr>
+        <p:blipFill>
+          <a:blip r:embed="rId2">
+            <a:extLst>
+              <a:ext uri="{28A0092B-C50C-407E-A947-70E740481C1C}">
+                <a14:useLocalDpi xmlns:a14="http://schemas.microsoft.com/office/drawing/2010/main" val="0"/>
+              </a:ext>
+            </a:extLst>
+          </a:blip>
+          <a:srcRect/>
+          <a:stretch>
+            <a:fillRect/>
+          </a:stretch>
+        </p:blipFill>
+        <p:spPr bwMode="auto">
           <a:xfrm>
-            <a:off x="1120604" y="2038391"/>
-            <a:ext cx="9950791" cy="3539430"/>
+            <a:off x="2570448" y="1467668"/>
+            <a:ext cx="7051104" cy="5390332"/>
           </a:xfrm>
           <a:prstGeom prst="rect">
             <a:avLst/>
           </a:prstGeom>
           <a:noFill/>
+          <a:extLst>
+            <a:ext uri="{909E8E84-426E-40DD-AFC4-6F175D3DCCD1}">
+              <a14:hiddenFill xmlns:a14="http://schemas.microsoft.com/office/drawing/2010/main">
+                <a:solidFill>
+                  <a:srgbClr val="FFFFFF"/>
+                </a:solidFill>
+              </a14:hiddenFill>
+            </a:ext>
+          </a:extLst>
         </p:spPr>
-        <p:txBody>
-          <a:bodyPr wrap="square" rtlCol="0">
-            <a:spAutoFit/>
-          </a:bodyPr>
-          <a:lstStyle/>
-          <a:p>
-            <a:r>
-              <a:rPr lang="en-US" sz="2800" spc="-120" noProof="0" dirty="0">
-                <a:solidFill>
-                  <a:prstClr val="black"/>
-                </a:solidFill>
-                <a:latin typeface="Calibri Light" panose="020F0302020204030204"/>
-                <a:ea typeface="+mj-ea"/>
-                <a:cs typeface="+mj-cs"/>
-              </a:rPr>
-              <a:t>The Data:</a:t>
-            </a:r>
-          </a:p>
-          <a:p>
-            <a:r>
-              <a:rPr lang="en-US" sz="2800" spc="-120" dirty="0">
-                <a:solidFill>
-                  <a:prstClr val="black"/>
-                </a:solidFill>
-                <a:latin typeface="Calibri Light" panose="020F0302020204030204"/>
-                <a:ea typeface="+mj-ea"/>
-                <a:cs typeface="+mj-cs"/>
-              </a:rPr>
-              <a:t>	</a:t>
-            </a:r>
-            <a:r>
-              <a:rPr lang="en-US" sz="2800" spc="-120" noProof="0" dirty="0">
-                <a:solidFill>
-                  <a:prstClr val="black"/>
-                </a:solidFill>
-                <a:latin typeface="Calibri Light" panose="020F0302020204030204"/>
-                <a:ea typeface="+mj-ea"/>
-                <a:cs typeface="+mj-cs"/>
-              </a:rPr>
-              <a:t> </a:t>
-            </a:r>
-            <a:r>
-              <a:rPr kumimoji="0" lang="en-US" sz="2800" b="0" i="0" u="none" strike="noStrike" kern="1200" cap="none" spc="-120" normalizeH="0" baseline="0" noProof="0" dirty="0">
-                <a:ln>
-                  <a:noFill/>
-                </a:ln>
-                <a:solidFill>
-                  <a:prstClr val="black"/>
-                </a:solidFill>
-                <a:effectLst/>
-                <a:uLnTx/>
-                <a:uFillTx/>
-                <a:latin typeface="Calibri Light" panose="020F0302020204030204"/>
-                <a:ea typeface="+mj-ea"/>
-                <a:cs typeface="+mj-cs"/>
-              </a:rPr>
-              <a:t> US Census archive containing detailed, but anonymized, information for approximately 300,000 individuals.</a:t>
-            </a:r>
-            <a:endParaRPr lang="en-GB" sz="2800" dirty="0"/>
-          </a:p>
-          <a:p>
-            <a:endParaRPr kumimoji="0" lang="en-US" sz="2800" b="0" i="0" u="none" strike="noStrike" kern="1200" cap="none" spc="-120" normalizeH="0" baseline="0" noProof="0" dirty="0">
-              <a:ln>
-                <a:noFill/>
-              </a:ln>
-              <a:solidFill>
-                <a:prstClr val="black"/>
-              </a:solidFill>
-              <a:effectLst/>
-              <a:uLnTx/>
-              <a:uFillTx/>
-              <a:latin typeface="Calibri Light" panose="020F0302020204030204"/>
-              <a:ea typeface="+mj-ea"/>
-              <a:cs typeface="+mj-cs"/>
-            </a:endParaRPr>
-          </a:p>
-          <a:p>
-            <a:r>
-              <a:rPr kumimoji="0" lang="en-US" sz="2800" b="0" i="0" u="none" strike="noStrike" kern="1200" cap="none" spc="-120" normalizeH="0" baseline="0" noProof="0" dirty="0">
-                <a:ln>
-                  <a:noFill/>
-                </a:ln>
-                <a:solidFill>
-                  <a:prstClr val="black"/>
-                </a:solidFill>
-                <a:effectLst/>
-                <a:uLnTx/>
-                <a:uFillTx/>
-                <a:latin typeface="Calibri Light" panose="020F0302020204030204"/>
-                <a:ea typeface="+mj-ea"/>
-                <a:cs typeface="+mj-cs"/>
-              </a:rPr>
-              <a:t>Problem Statement:</a:t>
-            </a:r>
-          </a:p>
-          <a:p>
-            <a:r>
-              <a:rPr lang="en-US" sz="2800" spc="-120" noProof="0" dirty="0">
-                <a:solidFill>
-                  <a:prstClr val="black"/>
-                </a:solidFill>
-                <a:latin typeface="Calibri Light" panose="020F0302020204030204"/>
-                <a:ea typeface="+mj-ea"/>
-                <a:cs typeface="+mj-cs"/>
-              </a:rPr>
-              <a:t>	Identifying characteristics that are associated with a person making more or less than $50,000 per year.</a:t>
-            </a:r>
-          </a:p>
-          <a:p>
-            <a:endParaRPr lang="en-US" sz="2800" spc="-120" dirty="0">
-              <a:solidFill>
-                <a:prstClr val="black"/>
-              </a:solidFill>
-              <a:latin typeface="Calibri Light" panose="020F0302020204030204"/>
-              <a:ea typeface="+mj-ea"/>
-              <a:cs typeface="+mj-cs"/>
-            </a:endParaRPr>
-          </a:p>
-        </p:txBody>
-      </p:sp>
+      </p:pic>
     </p:spTree>
     <p:extLst>
       <p:ext uri="{BB962C8B-B14F-4D97-AF65-F5344CB8AC3E}">
-        <p14:creationId xmlns:p14="http://schemas.microsoft.com/office/powerpoint/2010/main" val="72612150"/>
+        <p14:creationId xmlns:p14="http://schemas.microsoft.com/office/powerpoint/2010/main" val="3839201223"/>
       </p:ext>
     </p:extLst>
   </p:cSld>
@@ -9472,7 +10090,7 @@
         <p:spPr>
           <a:xfrm>
             <a:off x="266229" y="0"/>
-            <a:ext cx="11453020" cy="1334278"/>
+            <a:ext cx="3349075" cy="1334278"/>
           </a:xfrm>
           <a:prstGeom prst="rect">
             <a:avLst/>
@@ -9508,7 +10126,7 @@
                   <a:srgbClr val="FFFFFF"/>
                 </a:solidFill>
               </a:rPr>
-              <a:t>INTRODUCTION – Background Information</a:t>
+              <a:t>INTRODUCTION</a:t>
             </a:r>
             <a:endParaRPr lang="en-GB" sz="4000" dirty="0">
               <a:solidFill>
@@ -9520,10 +10138,10 @@
       </p:sp>
       <p:sp>
         <p:nvSpPr>
-          <p:cNvPr id="5" name="TextBox 4">
+          <p:cNvPr id="4" name="TextBox 3">
             <a:extLst>
               <a:ext uri="{FF2B5EF4-FFF2-40B4-BE49-F238E27FC236}">
-                <a16:creationId xmlns:a16="http://schemas.microsoft.com/office/drawing/2014/main" id="{B9AFDBC6-8570-4864-A406-DBA1ADECA762}"/>
+                <a16:creationId xmlns:a16="http://schemas.microsoft.com/office/drawing/2014/main" id="{2028F04A-209C-47A4-9A8A-4C94B836E620}"/>
               </a:ext>
             </a:extLst>
           </p:cNvPr>
@@ -9532,8 +10150,8 @@
         </p:nvSpPr>
         <p:spPr>
           <a:xfrm>
-            <a:off x="1120604" y="2085044"/>
-            <a:ext cx="9950791" cy="4401205"/>
+            <a:off x="1120604" y="2038391"/>
+            <a:ext cx="9950791" cy="3539430"/>
           </a:xfrm>
           <a:prstGeom prst="rect">
             <a:avLst/>
@@ -9546,6 +10164,41 @@
           </a:bodyPr>
           <a:lstStyle/>
           <a:p>
+            <a:r>
+              <a:rPr lang="en-US" sz="2800" spc="-120" noProof="0" dirty="0">
+                <a:solidFill>
+                  <a:prstClr val="black"/>
+                </a:solidFill>
+                <a:latin typeface="Calibri Light" panose="020F0302020204030204"/>
+                <a:ea typeface="+mj-ea"/>
+                <a:cs typeface="+mj-cs"/>
+              </a:rPr>
+              <a:t>The Data:</a:t>
+            </a:r>
+          </a:p>
+          <a:p>
+            <a:r>
+              <a:rPr lang="en-US" sz="2800" spc="-120" dirty="0">
+                <a:solidFill>
+                  <a:prstClr val="black"/>
+                </a:solidFill>
+                <a:latin typeface="Calibri Light" panose="020F0302020204030204"/>
+                <a:ea typeface="+mj-ea"/>
+                <a:cs typeface="+mj-cs"/>
+              </a:rPr>
+              <a:t>	</a:t>
+            </a:r>
+            <a:r>
+              <a:rPr lang="en-US" sz="2800" spc="-120" noProof="0" dirty="0">
+                <a:solidFill>
+                  <a:prstClr val="black"/>
+                </a:solidFill>
+                <a:latin typeface="Calibri Light" panose="020F0302020204030204"/>
+                <a:ea typeface="+mj-ea"/>
+                <a:cs typeface="+mj-cs"/>
+              </a:rPr>
+              <a:t> </a:t>
+            </a:r>
             <a:r>
               <a:rPr kumimoji="0" lang="en-US" sz="2800" b="0" i="0" u="none" strike="noStrike" kern="1200" cap="none" spc="-120" normalizeH="0" baseline="0" noProof="0" dirty="0">
                 <a:ln>
@@ -9561,80 +10214,11 @@
                 <a:ea typeface="+mj-ea"/>
                 <a:cs typeface="+mj-cs"/>
               </a:rPr>
-              <a:t>The United States Census Bureau leads the country’s Federal Statistical System</a:t>
-            </a:r>
-          </a:p>
-          <a:p>
-            <a:endParaRPr kumimoji="0" lang="en-GB" sz="2800" b="0" i="0" u="none" strike="noStrike" kern="1200" cap="none" spc="-120" normalizeH="0" baseline="0" noProof="0" dirty="0">
-              <a:ln>
-                <a:noFill/>
-              </a:ln>
-              <a:solidFill>
-                <a:prstClr val="black"/>
-              </a:solidFill>
-              <a:effectLst/>
-              <a:uLnTx/>
-              <a:uFillTx/>
-              <a:latin typeface="Calibri Light" panose="020F0302020204030204"/>
-              <a:ea typeface="+mj-ea"/>
-              <a:cs typeface="+mj-cs"/>
-            </a:endParaRPr>
-          </a:p>
-          <a:p>
-            <a:r>
-              <a:rPr lang="en-GB" sz="2800" spc="-120" dirty="0">
-                <a:solidFill>
-                  <a:prstClr val="black"/>
-                </a:solidFill>
-                <a:latin typeface="Calibri Light" panose="020F0302020204030204"/>
-                <a:ea typeface="+mj-ea"/>
-                <a:cs typeface="+mj-cs"/>
-              </a:rPr>
-              <a:t>Responsible for collecting data every 10 years upon the American people and economy to help inform strategic initiatives</a:t>
-            </a:r>
-          </a:p>
-          <a:p>
-            <a:endParaRPr lang="en-GB" sz="2800" spc="-120" dirty="0">
-              <a:solidFill>
-                <a:prstClr val="black"/>
-              </a:solidFill>
-              <a:latin typeface="Calibri Light" panose="020F0302020204030204"/>
-              <a:ea typeface="+mj-ea"/>
-              <a:cs typeface="+mj-cs"/>
-            </a:endParaRPr>
-          </a:p>
-          <a:p>
-            <a:r>
-              <a:rPr lang="en-GB" sz="2800" spc="-120" dirty="0">
-                <a:solidFill>
-                  <a:prstClr val="black"/>
-                </a:solidFill>
-                <a:latin typeface="Calibri Light" panose="020F0302020204030204"/>
-                <a:ea typeface="+mj-ea"/>
-                <a:cs typeface="+mj-cs"/>
-              </a:rPr>
-              <a:t>The data is also used for examining the demographic characteristics of population.</a:t>
-            </a:r>
-          </a:p>
-          <a:p>
-            <a:pPr marL="457200" indent="-457200">
-              <a:buFont typeface="Arial" panose="020B0604020202020204" pitchFamily="34" charset="0"/>
-              <a:buChar char="•"/>
-            </a:pPr>
-            <a:endParaRPr lang="en-GB" sz="2800" spc="-120" dirty="0">
-              <a:solidFill>
-                <a:prstClr val="black"/>
-              </a:solidFill>
-              <a:latin typeface="Calibri Light" panose="020F0302020204030204"/>
-              <a:ea typeface="+mj-ea"/>
-              <a:cs typeface="+mj-cs"/>
-            </a:endParaRPr>
-          </a:p>
-          <a:p>
-            <a:pPr marL="457200" indent="-457200">
-              <a:buFont typeface="Arial" panose="020B0604020202020204" pitchFamily="34" charset="0"/>
-              <a:buChar char="•"/>
-            </a:pPr>
+              <a:t> US Census archive containing detailed, but anonymized, information for approximately 300,000 individuals.</a:t>
+            </a:r>
+            <a:endParaRPr lang="en-GB" sz="2800" dirty="0"/>
+          </a:p>
+          <a:p>
             <a:endParaRPr kumimoji="0" lang="en-US" sz="2800" b="0" i="0" u="none" strike="noStrike" kern="1200" cap="none" spc="-120" normalizeH="0" baseline="0" noProof="0" dirty="0">
               <a:ln>
                 <a:noFill/>
@@ -9650,12 +10234,54 @@
               <a:cs typeface="+mj-cs"/>
             </a:endParaRPr>
           </a:p>
+          <a:p>
+            <a:r>
+              <a:rPr kumimoji="0" lang="en-US" sz="2800" b="0" i="0" u="none" strike="noStrike" kern="1200" cap="none" spc="-120" normalizeH="0" baseline="0" noProof="0" dirty="0">
+                <a:ln>
+                  <a:noFill/>
+                </a:ln>
+                <a:solidFill>
+                  <a:prstClr val="black"/>
+                </a:solidFill>
+                <a:effectLst/>
+                <a:uLnTx/>
+                <a:uFillTx/>
+                <a:latin typeface="Calibri Light" panose="020F0302020204030204"/>
+                <a:ea typeface="+mj-ea"/>
+                <a:cs typeface="+mj-cs"/>
+              </a:rPr>
+              <a:t>Problem Statement:</a:t>
+            </a:r>
+          </a:p>
+          <a:p>
+            <a:r>
+              <a:rPr lang="en-US" sz="2800" spc="-120" noProof="0" dirty="0">
+                <a:solidFill>
+                  <a:prstClr val="black"/>
+                </a:solidFill>
+                <a:latin typeface="Calibri Light" panose="020F0302020204030204"/>
+                <a:ea typeface="+mj-ea"/>
+                <a:cs typeface="+mj-cs"/>
+              </a:rPr>
+              <a:t>	Identifying characteristics that are associated with a person making more or less than $50,000 per year.</a:t>
+            </a:r>
+          </a:p>
+          <a:p>
+            <a:endParaRPr lang="en-US" sz="2800" spc="-120" dirty="0">
+              <a:solidFill>
+                <a:prstClr val="black"/>
+              </a:solidFill>
+              <a:latin typeface="Calibri Light" panose="020F0302020204030204"/>
+              <a:ea typeface="+mj-ea"/>
+              <a:cs typeface="+mj-cs"/>
+            </a:endParaRPr>
+          </a:p>
         </p:txBody>
       </p:sp>
     </p:spTree>
     <p:extLst>
       <p:ext uri="{BB962C8B-B14F-4D97-AF65-F5344CB8AC3E}">
-        <p14:creationId xmlns:p14="http://schemas.microsoft.com/office/powerpoint/2010/main" val="2713242273"/>
+        <p14:creationId xmlns:p14="http://schemas.microsoft.com/office/powerpoint/2010/main" val="72612150"/>
       </p:ext>
     </p:extLst>
   </p:cSld>
@@ -9781,7 +10407,7 @@
                   <a:srgbClr val="FFFFFF"/>
                 </a:solidFill>
               </a:rPr>
-              <a:t>INTRODUCTION – Task Details</a:t>
+              <a:t>INTRODUCTION – Background Information</a:t>
             </a:r>
             <a:endParaRPr lang="en-GB" sz="4000" dirty="0">
               <a:solidFill>
@@ -9806,7 +10432,7 @@
         <p:spPr>
           <a:xfrm>
             <a:off x="1120604" y="2085044"/>
-            <a:ext cx="9950791" cy="3108543"/>
+            <a:ext cx="9950791" cy="4401205"/>
           </a:xfrm>
           <a:prstGeom prst="rect">
             <a:avLst/>
@@ -9820,15 +10446,50 @@
           <a:lstStyle/>
           <a:p>
             <a:r>
-              <a:rPr lang="en-GB" sz="2800" spc="-120" dirty="0">
+              <a:rPr kumimoji="0" lang="en-US" sz="2800" b="0" i="0" u="none" strike="noStrike" kern="1200" cap="none" spc="-120" normalizeH="0" baseline="0" noProof="0" dirty="0">
+                <a:ln>
+                  <a:noFill/>
+                </a:ln>
                 <a:solidFill>
                   <a:prstClr val="black"/>
                 </a:solidFill>
+                <a:effectLst/>
+                <a:uLnTx/>
+                <a:uFillTx/>
                 <a:latin typeface="Calibri Light" panose="020F0302020204030204"/>
                 <a:ea typeface="+mj-ea"/>
                 <a:cs typeface="+mj-cs"/>
               </a:rPr>
-              <a:t>Binary Classification Task (Less Than $50,000 – More Than $50,000)</a:t>
+              <a:t>The United States Census Bureau leads the country’s Federal Statistical System</a:t>
+            </a:r>
+          </a:p>
+          <a:p>
+            <a:endParaRPr kumimoji="0" lang="en-GB" sz="2800" b="0" i="0" u="none" strike="noStrike" kern="1200" cap="none" spc="-120" normalizeH="0" baseline="0" noProof="0" dirty="0">
+              <a:ln>
+                <a:noFill/>
+              </a:ln>
+              <a:solidFill>
+                <a:prstClr val="black"/>
+              </a:solidFill>
+              <a:effectLst/>
+              <a:uLnTx/>
+              <a:uFillTx/>
+              <a:latin typeface="Calibri Light" panose="020F0302020204030204"/>
+              <a:ea typeface="+mj-ea"/>
+              <a:cs typeface="+mj-cs"/>
+            </a:endParaRPr>
+          </a:p>
+          <a:p>
+            <a:r>
+              <a:rPr lang="en-GB" sz="2800" spc="-120" dirty="0">
+                <a:solidFill>
+                  <a:prstClr val="black"/>
+                </a:solidFill>
+                <a:latin typeface="Calibri Light" panose="020F0302020204030204"/>
+                <a:ea typeface="+mj-ea"/>
+                <a:cs typeface="+mj-cs"/>
+              </a:rPr>
+              <a:t>Responsible for collecting data every 10 years upon the American people and economy to help inform strategic initiatives</a:t>
             </a:r>
           </a:p>
           <a:p>
@@ -9851,30 +10512,7 @@
                 <a:ea typeface="+mj-ea"/>
                 <a:cs typeface="+mj-cs"/>
               </a:rPr>
-              <a:t>There are 200,000 training examples and 100,000 test examples (2/3 ratio)</a:t>
-            </a:r>
-          </a:p>
-          <a:p>
-            <a:endParaRPr lang="en-GB" sz="2800" spc="-120" dirty="0">
-              <a:solidFill>
-                <a:prstClr val="black"/>
-              </a:solidFill>
-              <a:latin typeface="Calibri Light" panose="020F0302020204030204"/>
-              <a:ea typeface="+mj-ea"/>
-              <a:cs typeface="+mj-cs"/>
-            </a:endParaRPr>
-          </a:p>
-          <a:p>
-            <a:r>
-              <a:rPr lang="en-GB" sz="2800" spc="-120" dirty="0">
-                <a:solidFill>
-                  <a:prstClr val="black"/>
-                </a:solidFill>
-                <a:latin typeface="Calibri Light" panose="020F0302020204030204"/>
-                <a:ea typeface="+mj-ea"/>
-                <a:cs typeface="+mj-cs"/>
-              </a:rPr>
-              <a:t>Imbalance Data (Most of the data are example of just one class)</a:t>
+              <a:t>The data is also used for examining the demographic characteristics of population.</a:t>
             </a:r>
           </a:p>
           <a:p>
@@ -9916,7 +10554,7 @@
     </p:spTree>
     <p:extLst>
       <p:ext uri="{BB962C8B-B14F-4D97-AF65-F5344CB8AC3E}">
-        <p14:creationId xmlns:p14="http://schemas.microsoft.com/office/powerpoint/2010/main" val="2846799981"/>
+        <p14:creationId xmlns:p14="http://schemas.microsoft.com/office/powerpoint/2010/main" val="2713242273"/>
       </p:ext>
     </p:extLst>
   </p:cSld>
@@ -10042,7 +10680,7 @@
                   <a:srgbClr val="FFFFFF"/>
                 </a:solidFill>
               </a:rPr>
-              <a:t>EXPLORATORY DATA ANALYSIS</a:t>
+              <a:t>INTRODUCTION – Task Details</a:t>
             </a:r>
             <a:endParaRPr lang="en-GB" sz="4000" dirty="0">
               <a:solidFill>
@@ -10054,10 +10692,10 @@
       </p:sp>
       <p:sp>
         <p:nvSpPr>
-          <p:cNvPr id="6" name="TextBox 5">
+          <p:cNvPr id="5" name="TextBox 4">
             <a:extLst>
               <a:ext uri="{FF2B5EF4-FFF2-40B4-BE49-F238E27FC236}">
-                <a16:creationId xmlns:a16="http://schemas.microsoft.com/office/drawing/2014/main" id="{CB807351-00B7-4601-8735-A5AA62354A29}"/>
+                <a16:creationId xmlns:a16="http://schemas.microsoft.com/office/drawing/2014/main" id="{B9AFDBC6-8570-4864-A406-DBA1ADECA762}"/>
               </a:ext>
             </a:extLst>
           </p:cNvPr>
@@ -10067,7 +10705,7 @@
         <p:spPr>
           <a:xfrm>
             <a:off x="1120604" y="2085044"/>
-            <a:ext cx="9950791" cy="3970318"/>
+            <a:ext cx="9950791" cy="3108543"/>
           </a:xfrm>
           <a:prstGeom prst="rect">
             <a:avLst/>
@@ -10081,7 +10719,7 @@
           <a:lstStyle/>
           <a:p>
             <a:r>
-              <a:rPr lang="en-US" sz="2800" spc="-120" dirty="0">
+              <a:rPr lang="en-GB" sz="2800" spc="-120" dirty="0">
                 <a:solidFill>
                   <a:prstClr val="black"/>
                 </a:solidFill>
@@ -10089,12 +10727,22 @@
                 <a:ea typeface="+mj-ea"/>
                 <a:cs typeface="+mj-cs"/>
               </a:rPr>
-              <a:t>There are 42 features in total, 35 nominal, 8 continuous including the label column.</a:t>
-            </a:r>
-          </a:p>
-          <a:p>
-            <a:r>
-              <a:rPr lang="en-US" sz="2800" spc="-120" dirty="0">
+              <a:t>Binary Classification Task (Less Than $50,000 – More Than $50,000)</a:t>
+            </a:r>
+          </a:p>
+          <a:p>
+            <a:endParaRPr lang="en-GB" sz="2800" spc="-120" dirty="0">
+              <a:solidFill>
+                <a:prstClr val="black"/>
+              </a:solidFill>
+              <a:latin typeface="Calibri Light" panose="020F0302020204030204"/>
+              <a:ea typeface="+mj-ea"/>
+              <a:cs typeface="+mj-cs"/>
+            </a:endParaRPr>
+          </a:p>
+          <a:p>
+            <a:r>
+              <a:rPr lang="en-GB" sz="2800" spc="-120" dirty="0">
                 <a:solidFill>
                   <a:prstClr val="black"/>
                 </a:solidFill>
@@ -10102,7 +10750,30 @@
                 <a:ea typeface="+mj-ea"/>
                 <a:cs typeface="+mj-cs"/>
               </a:rPr>
-              <a:t>Here are the ones that worked on most:</a:t>
+              <a:t>There are 200,000 training examples and 100,000 test examples (2/3 ratio)</a:t>
+            </a:r>
+          </a:p>
+          <a:p>
+            <a:endParaRPr lang="en-GB" sz="2800" spc="-120" dirty="0">
+              <a:solidFill>
+                <a:prstClr val="black"/>
+              </a:solidFill>
+              <a:latin typeface="Calibri Light" panose="020F0302020204030204"/>
+              <a:ea typeface="+mj-ea"/>
+              <a:cs typeface="+mj-cs"/>
+            </a:endParaRPr>
+          </a:p>
+          <a:p>
+            <a:r>
+              <a:rPr lang="en-GB" sz="2800" spc="-120" dirty="0">
+                <a:solidFill>
+                  <a:prstClr val="black"/>
+                </a:solidFill>
+                <a:latin typeface="Calibri Light" panose="020F0302020204030204"/>
+                <a:ea typeface="+mj-ea"/>
+                <a:cs typeface="+mj-cs"/>
+              </a:rPr>
+              <a:t>Imbalance Data (Most of the data are example of just one class)</a:t>
             </a:r>
           </a:p>
           <a:p>
@@ -10110,85 +10781,6 @@
               <a:buFont typeface="Arial" panose="020B0604020202020204" pitchFamily="34" charset="0"/>
               <a:buChar char="•"/>
             </a:pPr>
-            <a:r>
-              <a:rPr lang="en-US" sz="2800" spc="-120" dirty="0">
-                <a:solidFill>
-                  <a:prstClr val="black"/>
-                </a:solidFill>
-                <a:latin typeface="Calibri Light" panose="020F0302020204030204"/>
-                <a:ea typeface="+mj-ea"/>
-                <a:cs typeface="+mj-cs"/>
-              </a:rPr>
-              <a:t>Age</a:t>
-            </a:r>
-          </a:p>
-          <a:p>
-            <a:pPr marL="457200" indent="-457200">
-              <a:buFont typeface="Arial" panose="020B0604020202020204" pitchFamily="34" charset="0"/>
-              <a:buChar char="•"/>
-            </a:pPr>
-            <a:r>
-              <a:rPr lang="en-US" sz="2800" spc="-120" dirty="0">
-                <a:solidFill>
-                  <a:prstClr val="black"/>
-                </a:solidFill>
-                <a:latin typeface="Calibri Light" panose="020F0302020204030204"/>
-                <a:ea typeface="+mj-ea"/>
-                <a:cs typeface="+mj-cs"/>
-              </a:rPr>
-              <a:t>Sex</a:t>
-            </a:r>
-          </a:p>
-          <a:p>
-            <a:pPr marL="457200" indent="-457200">
-              <a:buFont typeface="Arial" panose="020B0604020202020204" pitchFamily="34" charset="0"/>
-              <a:buChar char="•"/>
-            </a:pPr>
-            <a:r>
-              <a:rPr lang="en-US" sz="2800" spc="-120" dirty="0">
-                <a:solidFill>
-                  <a:prstClr val="black"/>
-                </a:solidFill>
-                <a:latin typeface="Calibri Light" panose="020F0302020204030204"/>
-                <a:ea typeface="+mj-ea"/>
-                <a:cs typeface="+mj-cs"/>
-              </a:rPr>
-              <a:t>Education</a:t>
-            </a:r>
-          </a:p>
-          <a:p>
-            <a:pPr marL="457200" indent="-457200">
-              <a:buFont typeface="Arial" panose="020B0604020202020204" pitchFamily="34" charset="0"/>
-              <a:buChar char="•"/>
-            </a:pPr>
-            <a:r>
-              <a:rPr lang="en-US" sz="2800" spc="-120" dirty="0">
-                <a:solidFill>
-                  <a:prstClr val="black"/>
-                </a:solidFill>
-                <a:latin typeface="Calibri Light" panose="020F0302020204030204"/>
-                <a:ea typeface="+mj-ea"/>
-                <a:cs typeface="+mj-cs"/>
-              </a:rPr>
-              <a:t>Occupation and Industry Codes</a:t>
-            </a:r>
-          </a:p>
-          <a:p>
-            <a:pPr marL="457200" indent="-457200">
-              <a:buFont typeface="Arial" panose="020B0604020202020204" pitchFamily="34" charset="0"/>
-              <a:buChar char="•"/>
-            </a:pPr>
-            <a:r>
-              <a:rPr lang="en-US" sz="2800" spc="-120" dirty="0">
-                <a:solidFill>
-                  <a:prstClr val="black"/>
-                </a:solidFill>
-                <a:latin typeface="Calibri Light" panose="020F0302020204030204"/>
-                <a:ea typeface="+mj-ea"/>
-                <a:cs typeface="+mj-cs"/>
-              </a:rPr>
-              <a:t>Income **</a:t>
-            </a:r>
             <a:endParaRPr lang="en-GB" sz="2800" spc="-120" dirty="0">
               <a:solidFill>
                 <a:prstClr val="black"/>
@@ -10223,6 +10815,313 @@
     </p:spTree>
     <p:extLst>
       <p:ext uri="{BB962C8B-B14F-4D97-AF65-F5344CB8AC3E}">
+        <p14:creationId xmlns:p14="http://schemas.microsoft.com/office/powerpoint/2010/main" val="2846799981"/>
+      </p:ext>
+    </p:extLst>
+  </p:cSld>
+  <p:clrMapOvr>
+    <a:masterClrMapping/>
+  </p:clrMapOvr>
+</p:sld>
+</file>
+
+<file path=ppt/slides/slide7.xml><?xml version="1.0" encoding="utf-8"?>
+<p:sld xmlns:a="http://schemas.openxmlformats.org/drawingml/2006/main" xmlns:r="http://schemas.openxmlformats.org/officeDocument/2006/relationships" xmlns:p="http://schemas.openxmlformats.org/presentationml/2006/main">
+  <p:cSld>
+    <p:spTree>
+      <p:nvGrpSpPr>
+        <p:cNvPr id="1" name=""/>
+        <p:cNvGrpSpPr/>
+        <p:nvPr/>
+      </p:nvGrpSpPr>
+      <p:grpSpPr>
+        <a:xfrm>
+          <a:off x="0" y="0"/>
+          <a:ext cx="0" cy="0"/>
+          <a:chOff x="0" y="0"/>
+          <a:chExt cx="0" cy="0"/>
+        </a:xfrm>
+      </p:grpSpPr>
+      <p:sp>
+        <p:nvSpPr>
+          <p:cNvPr id="20" name="Rectangle 19">
+            <a:extLst>
+              <a:ext uri="{FF2B5EF4-FFF2-40B4-BE49-F238E27FC236}">
+                <a16:creationId xmlns:a16="http://schemas.microsoft.com/office/drawing/2014/main" id="{434167B2-1F65-408D-9233-EF10B5990B6E}"/>
+              </a:ext>
+            </a:extLst>
+          </p:cNvPr>
+          <p:cNvSpPr/>
+          <p:nvPr/>
+        </p:nvSpPr>
+        <p:spPr>
+          <a:xfrm>
+            <a:off x="0" y="0"/>
+            <a:ext cx="12192000" cy="1334278"/>
+          </a:xfrm>
+          <a:prstGeom prst="rect">
+            <a:avLst/>
+          </a:prstGeom>
+        </p:spPr>
+        <p:style>
+          <a:lnRef idx="2">
+            <a:schemeClr val="accent1">
+              <a:shade val="50000"/>
+            </a:schemeClr>
+          </a:lnRef>
+          <a:fillRef idx="1">
+            <a:schemeClr val="accent1"/>
+          </a:fillRef>
+          <a:effectRef idx="0">
+            <a:schemeClr val="accent1"/>
+          </a:effectRef>
+          <a:fontRef idx="minor">
+            <a:schemeClr val="lt1"/>
+          </a:fontRef>
+        </p:style>
+        <p:txBody>
+          <a:bodyPr rtlCol="0" anchor="ctr"/>
+          <a:lstStyle/>
+          <a:p>
+            <a:pPr algn="ctr"/>
+            <a:endParaRPr lang="en-GB" dirty="0"/>
+          </a:p>
+        </p:txBody>
+      </p:sp>
+      <p:sp>
+        <p:nvSpPr>
+          <p:cNvPr id="9" name="Title 6">
+            <a:extLst>
+              <a:ext uri="{FF2B5EF4-FFF2-40B4-BE49-F238E27FC236}">
+                <a16:creationId xmlns:a16="http://schemas.microsoft.com/office/drawing/2014/main" id="{F5FB2926-5769-4612-9884-4A0888903E66}"/>
+              </a:ext>
+            </a:extLst>
+          </p:cNvPr>
+          <p:cNvSpPr txBox="1">
+            <a:spLocks/>
+          </p:cNvSpPr>
+          <p:nvPr/>
+        </p:nvSpPr>
+        <p:spPr>
+          <a:xfrm>
+            <a:off x="266229" y="0"/>
+            <a:ext cx="11453020" cy="1334278"/>
+          </a:xfrm>
+          <a:prstGeom prst="rect">
+            <a:avLst/>
+          </a:prstGeom>
+        </p:spPr>
+        <p:txBody>
+          <a:bodyPr vert="horz" lIns="91440" tIns="45720" rIns="91440" bIns="45720" rtlCol="0" anchor="ctr">
+            <a:normAutofit/>
+          </a:bodyPr>
+          <a:lstStyle>
+            <a:lvl1pPr algn="l" defTabSz="914400" rtl="0" eaLnBrk="1" latinLnBrk="0" hangingPunct="1">
+              <a:lnSpc>
+                <a:spcPct val="80000"/>
+              </a:lnSpc>
+              <a:spcBef>
+                <a:spcPct val="0"/>
+              </a:spcBef>
+              <a:buNone/>
+              <a:defRPr sz="8800" b="0" kern="1200" spc="-120" baseline="0">
+                <a:solidFill>
+                  <a:schemeClr val="accent1"/>
+                </a:solidFill>
+                <a:latin typeface="+mj-lt"/>
+                <a:ea typeface="+mj-ea"/>
+                <a:cs typeface="+mj-cs"/>
+              </a:defRPr>
+            </a:lvl1pPr>
+          </a:lstStyle>
+          <a:p>
+            <a:r>
+              <a:rPr lang="en-US" sz="4000" dirty="0">
+                <a:solidFill>
+                  <a:srgbClr val="FFFFFF"/>
+                </a:solidFill>
+              </a:rPr>
+              <a:t>EXPLORATORY DATA ANALYSIS</a:t>
+            </a:r>
+            <a:endParaRPr lang="en-GB" sz="4000" dirty="0">
+              <a:solidFill>
+                <a:srgbClr val="FFFFFF"/>
+              </a:solidFill>
+            </a:endParaRPr>
+          </a:p>
+        </p:txBody>
+      </p:sp>
+      <p:sp>
+        <p:nvSpPr>
+          <p:cNvPr id="6" name="TextBox 5">
+            <a:extLst>
+              <a:ext uri="{FF2B5EF4-FFF2-40B4-BE49-F238E27FC236}">
+                <a16:creationId xmlns:a16="http://schemas.microsoft.com/office/drawing/2014/main" id="{CB807351-00B7-4601-8735-A5AA62354A29}"/>
+              </a:ext>
+            </a:extLst>
+          </p:cNvPr>
+          <p:cNvSpPr txBox="1"/>
+          <p:nvPr/>
+        </p:nvSpPr>
+        <p:spPr>
+          <a:xfrm>
+            <a:off x="1120604" y="2085044"/>
+            <a:ext cx="9950791" cy="3970318"/>
+          </a:xfrm>
+          <a:prstGeom prst="rect">
+            <a:avLst/>
+          </a:prstGeom>
+          <a:noFill/>
+        </p:spPr>
+        <p:txBody>
+          <a:bodyPr wrap="square" rtlCol="0">
+            <a:spAutoFit/>
+          </a:bodyPr>
+          <a:lstStyle/>
+          <a:p>
+            <a:r>
+              <a:rPr lang="en-US" sz="2800" spc="-120" dirty="0">
+                <a:solidFill>
+                  <a:prstClr val="black"/>
+                </a:solidFill>
+                <a:latin typeface="Calibri Light" panose="020F0302020204030204"/>
+                <a:ea typeface="+mj-ea"/>
+                <a:cs typeface="+mj-cs"/>
+              </a:rPr>
+              <a:t>There are 42 features in total, 35 nominal, 8 continuous including the label column.</a:t>
+            </a:r>
+          </a:p>
+          <a:p>
+            <a:r>
+              <a:rPr lang="en-US" sz="2800" spc="-120" dirty="0">
+                <a:solidFill>
+                  <a:prstClr val="black"/>
+                </a:solidFill>
+                <a:latin typeface="Calibri Light" panose="020F0302020204030204"/>
+                <a:ea typeface="+mj-ea"/>
+                <a:cs typeface="+mj-cs"/>
+              </a:rPr>
+              <a:t>Here are the ones that worked on most:</a:t>
+            </a:r>
+          </a:p>
+          <a:p>
+            <a:pPr marL="457200" indent="-457200">
+              <a:buFont typeface="Arial" panose="020B0604020202020204" pitchFamily="34" charset="0"/>
+              <a:buChar char="•"/>
+            </a:pPr>
+            <a:r>
+              <a:rPr lang="en-US" sz="2800" spc="-120" dirty="0">
+                <a:solidFill>
+                  <a:prstClr val="black"/>
+                </a:solidFill>
+                <a:latin typeface="Calibri Light" panose="020F0302020204030204"/>
+                <a:ea typeface="+mj-ea"/>
+                <a:cs typeface="+mj-cs"/>
+              </a:rPr>
+              <a:t>Age</a:t>
+            </a:r>
+          </a:p>
+          <a:p>
+            <a:pPr marL="457200" indent="-457200">
+              <a:buFont typeface="Arial" panose="020B0604020202020204" pitchFamily="34" charset="0"/>
+              <a:buChar char="•"/>
+            </a:pPr>
+            <a:r>
+              <a:rPr lang="en-US" sz="2800" spc="-120" dirty="0">
+                <a:solidFill>
+                  <a:prstClr val="black"/>
+                </a:solidFill>
+                <a:latin typeface="Calibri Light" panose="020F0302020204030204"/>
+                <a:ea typeface="+mj-ea"/>
+                <a:cs typeface="+mj-cs"/>
+              </a:rPr>
+              <a:t>Sex</a:t>
+            </a:r>
+          </a:p>
+          <a:p>
+            <a:pPr marL="457200" indent="-457200">
+              <a:buFont typeface="Arial" panose="020B0604020202020204" pitchFamily="34" charset="0"/>
+              <a:buChar char="•"/>
+            </a:pPr>
+            <a:r>
+              <a:rPr lang="en-US" sz="2800" spc="-120" dirty="0">
+                <a:solidFill>
+                  <a:prstClr val="black"/>
+                </a:solidFill>
+                <a:latin typeface="Calibri Light" panose="020F0302020204030204"/>
+                <a:ea typeface="+mj-ea"/>
+                <a:cs typeface="+mj-cs"/>
+              </a:rPr>
+              <a:t>Education</a:t>
+            </a:r>
+          </a:p>
+          <a:p>
+            <a:pPr marL="457200" indent="-457200">
+              <a:buFont typeface="Arial" panose="020B0604020202020204" pitchFamily="34" charset="0"/>
+              <a:buChar char="•"/>
+            </a:pPr>
+            <a:r>
+              <a:rPr lang="en-US" sz="2800" spc="-120" dirty="0">
+                <a:solidFill>
+                  <a:prstClr val="black"/>
+                </a:solidFill>
+                <a:latin typeface="Calibri Light" panose="020F0302020204030204"/>
+                <a:ea typeface="+mj-ea"/>
+                <a:cs typeface="+mj-cs"/>
+              </a:rPr>
+              <a:t>Occupation and Industry Codes</a:t>
+            </a:r>
+          </a:p>
+          <a:p>
+            <a:pPr marL="457200" indent="-457200">
+              <a:buFont typeface="Arial" panose="020B0604020202020204" pitchFamily="34" charset="0"/>
+              <a:buChar char="•"/>
+            </a:pPr>
+            <a:r>
+              <a:rPr lang="en-US" sz="2800" spc="-120" dirty="0">
+                <a:solidFill>
+                  <a:prstClr val="black"/>
+                </a:solidFill>
+                <a:latin typeface="Calibri Light" panose="020F0302020204030204"/>
+                <a:ea typeface="+mj-ea"/>
+                <a:cs typeface="+mj-cs"/>
+              </a:rPr>
+              <a:t>Income **</a:t>
+            </a:r>
+            <a:endParaRPr lang="en-GB" sz="2800" spc="-120" dirty="0">
+              <a:solidFill>
+                <a:prstClr val="black"/>
+              </a:solidFill>
+              <a:latin typeface="Calibri Light" panose="020F0302020204030204"/>
+              <a:ea typeface="+mj-ea"/>
+              <a:cs typeface="+mj-cs"/>
+            </a:endParaRPr>
+          </a:p>
+          <a:p>
+            <a:pPr marL="457200" indent="-457200">
+              <a:buFont typeface="Arial" panose="020B0604020202020204" pitchFamily="34" charset="0"/>
+              <a:buChar char="•"/>
+            </a:pPr>
+            <a:endParaRPr kumimoji="0" lang="en-US" sz="2800" b="0" i="0" u="none" strike="noStrike" kern="1200" cap="none" spc="-120" normalizeH="0" baseline="0" noProof="0" dirty="0">
+              <a:ln>
+                <a:noFill/>
+              </a:ln>
+              <a:solidFill>
+                <a:prstClr val="black"/>
+              </a:solidFill>
+              <a:effectLst/>
+              <a:uLnTx/>
+              <a:uFillTx/>
+              <a:latin typeface="Calibri Light" panose="020F0302020204030204"/>
+              <a:ea typeface="+mj-ea"/>
+              <a:cs typeface="+mj-cs"/>
+            </a:endParaRPr>
+          </a:p>
+        </p:txBody>
+      </p:sp>
+    </p:spTree>
+    <p:extLst>
+      <p:ext uri="{BB962C8B-B14F-4D97-AF65-F5344CB8AC3E}">
         <p14:creationId xmlns:p14="http://schemas.microsoft.com/office/powerpoint/2010/main" val="1407933395"/>
       </p:ext>
     </p:extLst>
@@ -10233,7 +11132,7 @@
 </p:sld>
 </file>
 
-<file path=ppt/slides/slide7.xml><?xml version="1.0" encoding="utf-8"?>
+<file path=ppt/slides/slide8.xml><?xml version="1.0" encoding="utf-8"?>
 <p:sld xmlns:a="http://schemas.openxmlformats.org/drawingml/2006/main" xmlns:r="http://schemas.openxmlformats.org/officeDocument/2006/relationships" xmlns:p="http://schemas.openxmlformats.org/presentationml/2006/main">
   <p:cSld>
     <p:spTree>
@@ -10419,7 +11318,7 @@
 </p:sld>
 </file>
 
-<file path=ppt/slides/slide8.xml><?xml version="1.0" encoding="utf-8"?>
+<file path=ppt/slides/slide9.xml><?xml version="1.0" encoding="utf-8"?>
 <p:sld xmlns:a="http://schemas.openxmlformats.org/drawingml/2006/main" xmlns:r="http://schemas.openxmlformats.org/officeDocument/2006/relationships" xmlns:p="http://schemas.openxmlformats.org/presentationml/2006/main">
   <p:cSld>
     <p:spTree>
@@ -10596,192 +11495,6 @@
     <p:extLst>
       <p:ext uri="{BB962C8B-B14F-4D97-AF65-F5344CB8AC3E}">
         <p14:creationId xmlns:p14="http://schemas.microsoft.com/office/powerpoint/2010/main" val="1671068729"/>
-      </p:ext>
-    </p:extLst>
-  </p:cSld>
-  <p:clrMapOvr>
-    <a:masterClrMapping/>
-  </p:clrMapOvr>
-</p:sld>
-</file>
-
-<file path=ppt/slides/slide9.xml><?xml version="1.0" encoding="utf-8"?>
-<p:sld xmlns:a="http://schemas.openxmlformats.org/drawingml/2006/main" xmlns:r="http://schemas.openxmlformats.org/officeDocument/2006/relationships" xmlns:p="http://schemas.openxmlformats.org/presentationml/2006/main">
-  <p:cSld>
-    <p:spTree>
-      <p:nvGrpSpPr>
-        <p:cNvPr id="1" name=""/>
-        <p:cNvGrpSpPr/>
-        <p:nvPr/>
-      </p:nvGrpSpPr>
-      <p:grpSpPr>
-        <a:xfrm>
-          <a:off x="0" y="0"/>
-          <a:ext cx="0" cy="0"/>
-          <a:chOff x="0" y="0"/>
-          <a:chExt cx="0" cy="0"/>
-        </a:xfrm>
-      </p:grpSpPr>
-      <p:sp>
-        <p:nvSpPr>
-          <p:cNvPr id="20" name="Rectangle 19">
-            <a:extLst>
-              <a:ext uri="{FF2B5EF4-FFF2-40B4-BE49-F238E27FC236}">
-                <a16:creationId xmlns:a16="http://schemas.microsoft.com/office/drawing/2014/main" id="{434167B2-1F65-408D-9233-EF10B5990B6E}"/>
-              </a:ext>
-            </a:extLst>
-          </p:cNvPr>
-          <p:cNvSpPr/>
-          <p:nvPr/>
-        </p:nvSpPr>
-        <p:spPr>
-          <a:xfrm>
-            <a:off x="0" y="0"/>
-            <a:ext cx="12192000" cy="1334278"/>
-          </a:xfrm>
-          <a:prstGeom prst="rect">
-            <a:avLst/>
-          </a:prstGeom>
-        </p:spPr>
-        <p:style>
-          <a:lnRef idx="2">
-            <a:schemeClr val="accent1">
-              <a:shade val="50000"/>
-            </a:schemeClr>
-          </a:lnRef>
-          <a:fillRef idx="1">
-            <a:schemeClr val="accent1"/>
-          </a:fillRef>
-          <a:effectRef idx="0">
-            <a:schemeClr val="accent1"/>
-          </a:effectRef>
-          <a:fontRef idx="minor">
-            <a:schemeClr val="lt1"/>
-          </a:fontRef>
-        </p:style>
-        <p:txBody>
-          <a:bodyPr rtlCol="0" anchor="ctr"/>
-          <a:lstStyle/>
-          <a:p>
-            <a:pPr algn="ctr"/>
-            <a:endParaRPr lang="en-GB" dirty="0"/>
-          </a:p>
-        </p:txBody>
-      </p:sp>
-      <p:sp>
-        <p:nvSpPr>
-          <p:cNvPr id="9" name="Title 6">
-            <a:extLst>
-              <a:ext uri="{FF2B5EF4-FFF2-40B4-BE49-F238E27FC236}">
-                <a16:creationId xmlns:a16="http://schemas.microsoft.com/office/drawing/2014/main" id="{F5FB2926-5769-4612-9884-4A0888903E66}"/>
-              </a:ext>
-            </a:extLst>
-          </p:cNvPr>
-          <p:cNvSpPr txBox="1">
-            <a:spLocks/>
-          </p:cNvSpPr>
-          <p:nvPr/>
-        </p:nvSpPr>
-        <p:spPr>
-          <a:xfrm>
-            <a:off x="266229" y="0"/>
-            <a:ext cx="11453020" cy="1334278"/>
-          </a:xfrm>
-          <a:prstGeom prst="rect">
-            <a:avLst/>
-          </a:prstGeom>
-        </p:spPr>
-        <p:txBody>
-          <a:bodyPr vert="horz" lIns="91440" tIns="45720" rIns="91440" bIns="45720" rtlCol="0" anchor="ctr">
-            <a:normAutofit/>
-          </a:bodyPr>
-          <a:lstStyle>
-            <a:lvl1pPr algn="l" defTabSz="914400" rtl="0" eaLnBrk="1" latinLnBrk="0" hangingPunct="1">
-              <a:lnSpc>
-                <a:spcPct val="80000"/>
-              </a:lnSpc>
-              <a:spcBef>
-                <a:spcPct val="0"/>
-              </a:spcBef>
-              <a:buNone/>
-              <a:defRPr sz="8800" b="0" kern="1200" spc="-120" baseline="0">
-                <a:solidFill>
-                  <a:schemeClr val="accent1"/>
-                </a:solidFill>
-                <a:latin typeface="+mj-lt"/>
-                <a:ea typeface="+mj-ea"/>
-                <a:cs typeface="+mj-cs"/>
-              </a:defRPr>
-            </a:lvl1pPr>
-          </a:lstStyle>
-          <a:p>
-            <a:r>
-              <a:rPr lang="en-US" sz="4000" dirty="0">
-                <a:solidFill>
-                  <a:srgbClr val="FFFFFF"/>
-                </a:solidFill>
-              </a:rPr>
-              <a:t>EXPLORATORY DATA ANALYSIS</a:t>
-            </a:r>
-            <a:endParaRPr lang="en-GB" sz="4000" dirty="0">
-              <a:solidFill>
-                <a:srgbClr val="FFFFFF"/>
-              </a:solidFill>
-            </a:endParaRPr>
-          </a:p>
-        </p:txBody>
-      </p:sp>
-      <p:pic>
-        <p:nvPicPr>
-          <p:cNvPr id="5" name="Picture 2">
-            <a:extLst>
-              <a:ext uri="{FF2B5EF4-FFF2-40B4-BE49-F238E27FC236}">
-                <a16:creationId xmlns:a16="http://schemas.microsoft.com/office/drawing/2014/main" id="{4EAE726A-D703-491F-93B9-5471DF73A4D7}"/>
-              </a:ext>
-            </a:extLst>
-          </p:cNvPr>
-          <p:cNvPicPr>
-            <a:picLocks noChangeAspect="1" noChangeArrowheads="1"/>
-          </p:cNvPicPr>
-          <p:nvPr/>
-        </p:nvPicPr>
-        <p:blipFill>
-          <a:blip r:embed="rId2">
-            <a:extLst>
-              <a:ext uri="{28A0092B-C50C-407E-A947-70E740481C1C}">
-                <a14:useLocalDpi xmlns:a14="http://schemas.microsoft.com/office/drawing/2010/main" val="0"/>
-              </a:ext>
-            </a:extLst>
-          </a:blip>
-          <a:srcRect/>
-          <a:stretch>
-            <a:fillRect/>
-          </a:stretch>
-        </p:blipFill>
-        <p:spPr bwMode="auto">
-          <a:xfrm>
-            <a:off x="1516650" y="2007910"/>
-            <a:ext cx="9158699" cy="4196156"/>
-          </a:xfrm>
-          <a:prstGeom prst="rect">
-            <a:avLst/>
-          </a:prstGeom>
-          <a:noFill/>
-          <a:extLst>
-            <a:ext uri="{909E8E84-426E-40DD-AFC4-6F175D3DCCD1}">
-              <a14:hiddenFill xmlns:a14="http://schemas.microsoft.com/office/drawing/2010/main">
-                <a:solidFill>
-                  <a:srgbClr val="FFFFFF"/>
-                </a:solidFill>
-              </a14:hiddenFill>
-            </a:ext>
-          </a:extLst>
-        </p:spPr>
-      </p:pic>
-    </p:spTree>
-    <p:extLst>
-      <p:ext uri="{BB962C8B-B14F-4D97-AF65-F5344CB8AC3E}">
-        <p14:creationId xmlns:p14="http://schemas.microsoft.com/office/powerpoint/2010/main" val="559192483"/>
       </p:ext>
     </p:extLst>
   </p:cSld>

--- a/Task_Presentation.pptx
+++ b/Task_Presentation.pptx
@@ -9672,6 +9672,595 @@
           </a:p>
         </p:txBody>
       </p:sp>
+      <p:sp>
+        <p:nvSpPr>
+          <p:cNvPr id="4" name="TextBox 3">
+            <a:extLst>
+              <a:ext uri="{FF2B5EF4-FFF2-40B4-BE49-F238E27FC236}">
+                <a16:creationId xmlns:a16="http://schemas.microsoft.com/office/drawing/2014/main" id="{3DA49E5F-D608-4F32-99F6-C132B629BC23}"/>
+              </a:ext>
+            </a:extLst>
+          </p:cNvPr>
+          <p:cNvSpPr txBox="1"/>
+          <p:nvPr/>
+        </p:nvSpPr>
+        <p:spPr>
+          <a:xfrm>
+            <a:off x="6743853" y="1334278"/>
+            <a:ext cx="9950791" cy="523220"/>
+          </a:xfrm>
+          <a:prstGeom prst="rect">
+            <a:avLst/>
+          </a:prstGeom>
+          <a:noFill/>
+        </p:spPr>
+        <p:txBody>
+          <a:bodyPr wrap="square" rtlCol="0">
+            <a:spAutoFit/>
+          </a:bodyPr>
+          <a:lstStyle/>
+          <a:p>
+            <a:r>
+              <a:rPr lang="en-US" sz="2800" spc="-120" dirty="0">
+                <a:solidFill>
+                  <a:prstClr val="black"/>
+                </a:solidFill>
+                <a:latin typeface="Calibri Light" panose="020F0302020204030204"/>
+                <a:ea typeface="+mj-ea"/>
+                <a:cs typeface="+mj-cs"/>
+              </a:rPr>
+              <a:t> </a:t>
+            </a:r>
+            <a:endParaRPr kumimoji="0" lang="en-US" sz="2800" b="0" i="0" u="none" strike="noStrike" kern="1200" cap="none" spc="-120" normalizeH="0" baseline="0" noProof="0" dirty="0">
+              <a:ln>
+                <a:noFill/>
+              </a:ln>
+              <a:solidFill>
+                <a:prstClr val="black"/>
+              </a:solidFill>
+              <a:effectLst/>
+              <a:uLnTx/>
+              <a:uFillTx/>
+              <a:latin typeface="Calibri Light" panose="020F0302020204030204"/>
+              <a:ea typeface="+mj-ea"/>
+              <a:cs typeface="+mj-cs"/>
+            </a:endParaRPr>
+          </a:p>
+        </p:txBody>
+      </p:sp>
+      <p:graphicFrame>
+        <p:nvGraphicFramePr>
+          <p:cNvPr id="3" name="Table 4">
+            <a:extLst>
+              <a:ext uri="{FF2B5EF4-FFF2-40B4-BE49-F238E27FC236}">
+                <a16:creationId xmlns:a16="http://schemas.microsoft.com/office/drawing/2014/main" id="{F727A9C6-5F9C-40D5-9B25-C406126B8BFA}"/>
+              </a:ext>
+            </a:extLst>
+          </p:cNvPr>
+          <p:cNvGraphicFramePr>
+            <a:graphicFrameLocks noGrp="1"/>
+          </p:cNvGraphicFramePr>
+          <p:nvPr>
+            <p:extLst>
+              <p:ext uri="{D42A27DB-BD31-4B8C-83A1-F6EECF244321}">
+                <p14:modId xmlns:p14="http://schemas.microsoft.com/office/powerpoint/2010/main" val="1984144305"/>
+              </p:ext>
+            </p:extLst>
+          </p:nvPr>
+        </p:nvGraphicFramePr>
+        <p:xfrm>
+          <a:off x="1648460" y="2668556"/>
+          <a:ext cx="8895080" cy="2681480"/>
+        </p:xfrm>
+        <a:graphic>
+          <a:graphicData uri="http://schemas.openxmlformats.org/drawingml/2006/table">
+            <a:tbl>
+              <a:tblPr firstRow="1" firstCol="1" bandRow="1">
+                <a:tableStyleId>{5C22544A-7EE6-4342-B048-85BDC9FD1C3A}</a:tableStyleId>
+              </a:tblPr>
+              <a:tblGrid>
+                <a:gridCol w="1779016">
+                  <a:extLst>
+                    <a:ext uri="{9D8B030D-6E8A-4147-A177-3AD203B41FA5}">
+                      <a16:colId xmlns:a16="http://schemas.microsoft.com/office/drawing/2014/main" val="467643559"/>
+                    </a:ext>
+                  </a:extLst>
+                </a:gridCol>
+                <a:gridCol w="1779016">
+                  <a:extLst>
+                    <a:ext uri="{9D8B030D-6E8A-4147-A177-3AD203B41FA5}">
+                      <a16:colId xmlns:a16="http://schemas.microsoft.com/office/drawing/2014/main" val="2513606467"/>
+                    </a:ext>
+                  </a:extLst>
+                </a:gridCol>
+                <a:gridCol w="1779016">
+                  <a:extLst>
+                    <a:ext uri="{9D8B030D-6E8A-4147-A177-3AD203B41FA5}">
+                      <a16:colId xmlns:a16="http://schemas.microsoft.com/office/drawing/2014/main" val="1794536879"/>
+                    </a:ext>
+                  </a:extLst>
+                </a:gridCol>
+                <a:gridCol w="1779016">
+                  <a:extLst>
+                    <a:ext uri="{9D8B030D-6E8A-4147-A177-3AD203B41FA5}">
+                      <a16:colId xmlns:a16="http://schemas.microsoft.com/office/drawing/2014/main" val="719627414"/>
+                    </a:ext>
+                  </a:extLst>
+                </a:gridCol>
+                <a:gridCol w="1779016">
+                  <a:extLst>
+                    <a:ext uri="{9D8B030D-6E8A-4147-A177-3AD203B41FA5}">
+                      <a16:colId xmlns:a16="http://schemas.microsoft.com/office/drawing/2014/main" val="427483976"/>
+                    </a:ext>
+                  </a:extLst>
+                </a:gridCol>
+              </a:tblGrid>
+              <a:tr h="441800">
+                <a:tc>
+                  <a:txBody>
+                    <a:bodyPr/>
+                    <a:lstStyle/>
+                    <a:p>
+                      <a:r>
+                        <a:rPr lang="en-US" dirty="0"/>
+                        <a:t>PRECISION</a:t>
+                      </a:r>
+                      <a:endParaRPr lang="en-GB" dirty="0"/>
+                    </a:p>
+                  </a:txBody>
+                  <a:tcPr/>
+                </a:tc>
+                <a:tc>
+                  <a:txBody>
+                    <a:bodyPr/>
+                    <a:lstStyle/>
+                    <a:p>
+                      <a:r>
+                        <a:rPr lang="en-US" dirty="0"/>
+                        <a:t>PRECISION</a:t>
+                      </a:r>
+                      <a:endParaRPr lang="en-GB" dirty="0"/>
+                    </a:p>
+                  </a:txBody>
+                  <a:tcPr/>
+                </a:tc>
+                <a:tc>
+                  <a:txBody>
+                    <a:bodyPr/>
+                    <a:lstStyle/>
+                    <a:p>
+                      <a:r>
+                        <a:rPr lang="en-US" dirty="0"/>
+                        <a:t>RECALL</a:t>
+                      </a:r>
+                      <a:endParaRPr lang="en-GB" dirty="0"/>
+                    </a:p>
+                  </a:txBody>
+                  <a:tcPr/>
+                </a:tc>
+                <a:tc>
+                  <a:txBody>
+                    <a:bodyPr/>
+                    <a:lstStyle/>
+                    <a:p>
+                      <a:r>
+                        <a:rPr lang="en-US" dirty="0"/>
+                        <a:t>F1-SCORE</a:t>
+                      </a:r>
+                      <a:endParaRPr lang="en-GB" dirty="0"/>
+                    </a:p>
+                  </a:txBody>
+                  <a:tcPr/>
+                </a:tc>
+                <a:tc>
+                  <a:txBody>
+                    <a:bodyPr/>
+                    <a:lstStyle/>
+                    <a:p>
+                      <a:r>
+                        <a:rPr lang="en-US" dirty="0"/>
+                        <a:t>SUPPORT</a:t>
+                      </a:r>
+                      <a:endParaRPr lang="en-GB" dirty="0"/>
+                    </a:p>
+                  </a:txBody>
+                  <a:tcPr/>
+                </a:tc>
+                <a:extLst>
+                  <a:ext uri="{0D108BD9-81ED-4DB2-BD59-A6C34878D82A}">
+                    <a16:rowId xmlns:a16="http://schemas.microsoft.com/office/drawing/2014/main" val="1121668740"/>
+                  </a:ext>
+                </a:extLst>
+              </a:tr>
+              <a:tr h="447936">
+                <a:tc>
+                  <a:txBody>
+                    <a:bodyPr/>
+                    <a:lstStyle/>
+                    <a:p>
+                      <a:r>
+                        <a:rPr lang="en-US" dirty="0"/>
+                        <a:t>INCOME &lt; $50K</a:t>
+                      </a:r>
+                      <a:endParaRPr lang="en-GB" dirty="0"/>
+                    </a:p>
+                  </a:txBody>
+                  <a:tcPr/>
+                </a:tc>
+                <a:tc>
+                  <a:txBody>
+                    <a:bodyPr/>
+                    <a:lstStyle/>
+                    <a:p>
+                      <a:r>
+                        <a:rPr lang="en-US" dirty="0"/>
+                        <a:t>0.97</a:t>
+                      </a:r>
+                      <a:endParaRPr lang="en-GB" dirty="0"/>
+                    </a:p>
+                  </a:txBody>
+                  <a:tcPr/>
+                </a:tc>
+                <a:tc>
+                  <a:txBody>
+                    <a:bodyPr/>
+                    <a:lstStyle/>
+                    <a:p>
+                      <a:r>
+                        <a:rPr lang="en-US" dirty="0"/>
+                        <a:t>0.99</a:t>
+                      </a:r>
+                      <a:endParaRPr lang="en-GB" dirty="0"/>
+                    </a:p>
+                  </a:txBody>
+                  <a:tcPr/>
+                </a:tc>
+                <a:tc>
+                  <a:txBody>
+                    <a:bodyPr/>
+                    <a:lstStyle/>
+                    <a:p>
+                      <a:r>
+                        <a:rPr lang="en-US" dirty="0"/>
+                        <a:t>0.98</a:t>
+                      </a:r>
+                      <a:endParaRPr lang="en-GB" dirty="0"/>
+                    </a:p>
+                  </a:txBody>
+                  <a:tcPr/>
+                </a:tc>
+                <a:tc>
+                  <a:txBody>
+                    <a:bodyPr/>
+                    <a:lstStyle/>
+                    <a:p>
+                      <a:r>
+                        <a:rPr lang="en-US" dirty="0"/>
+                        <a:t>93576</a:t>
+                      </a:r>
+                      <a:endParaRPr lang="en-GB" dirty="0"/>
+                    </a:p>
+                  </a:txBody>
+                  <a:tcPr/>
+                </a:tc>
+                <a:extLst>
+                  <a:ext uri="{0D108BD9-81ED-4DB2-BD59-A6C34878D82A}">
+                    <a16:rowId xmlns:a16="http://schemas.microsoft.com/office/drawing/2014/main" val="455764015"/>
+                  </a:ext>
+                </a:extLst>
+              </a:tr>
+              <a:tr h="447936">
+                <a:tc>
+                  <a:txBody>
+                    <a:bodyPr/>
+                    <a:lstStyle/>
+                    <a:p>
+                      <a:r>
+                        <a:rPr lang="en-US" dirty="0"/>
+                        <a:t>INCOME &gt; $50k</a:t>
+                      </a:r>
+                      <a:endParaRPr lang="en-GB" dirty="0"/>
+                    </a:p>
+                  </a:txBody>
+                  <a:tcPr/>
+                </a:tc>
+                <a:tc>
+                  <a:txBody>
+                    <a:bodyPr/>
+                    <a:lstStyle/>
+                    <a:p>
+                      <a:r>
+                        <a:rPr lang="en-US" dirty="0"/>
+                        <a:t>0.75</a:t>
+                      </a:r>
+                      <a:endParaRPr lang="en-GB" dirty="0"/>
+                    </a:p>
+                  </a:txBody>
+                  <a:tcPr/>
+                </a:tc>
+                <a:tc>
+                  <a:txBody>
+                    <a:bodyPr/>
+                    <a:lstStyle/>
+                    <a:p>
+                      <a:r>
+                        <a:rPr lang="en-US" dirty="0"/>
+                        <a:t>0.48</a:t>
+                      </a:r>
+                      <a:endParaRPr lang="en-GB" dirty="0"/>
+                    </a:p>
+                  </a:txBody>
+                  <a:tcPr/>
+                </a:tc>
+                <a:tc>
+                  <a:txBody>
+                    <a:bodyPr/>
+                    <a:lstStyle/>
+                    <a:p>
+                      <a:r>
+                        <a:rPr lang="en-US" dirty="0"/>
+                        <a:t>0.59</a:t>
+                      </a:r>
+                      <a:endParaRPr lang="en-GB" dirty="0"/>
+                    </a:p>
+                  </a:txBody>
+                  <a:tcPr/>
+                </a:tc>
+                <a:tc>
+                  <a:txBody>
+                    <a:bodyPr/>
+                    <a:lstStyle/>
+                    <a:p>
+                      <a:r>
+                        <a:rPr lang="en-US" dirty="0"/>
+                        <a:t>6186</a:t>
+                      </a:r>
+                      <a:endParaRPr lang="en-GB" dirty="0"/>
+                    </a:p>
+                  </a:txBody>
+                  <a:tcPr/>
+                </a:tc>
+                <a:extLst>
+                  <a:ext uri="{0D108BD9-81ED-4DB2-BD59-A6C34878D82A}">
+                    <a16:rowId xmlns:a16="http://schemas.microsoft.com/office/drawing/2014/main" val="69160165"/>
+                  </a:ext>
+                </a:extLst>
+              </a:tr>
+              <a:tr h="447936">
+                <a:tc>
+                  <a:txBody>
+                    <a:bodyPr/>
+                    <a:lstStyle/>
+                    <a:p>
+                      <a:r>
+                        <a:rPr lang="en-US" dirty="0"/>
+                        <a:t>ACCURACY</a:t>
+                      </a:r>
+                      <a:endParaRPr lang="en-GB" dirty="0"/>
+                    </a:p>
+                  </a:txBody>
+                  <a:tcPr/>
+                </a:tc>
+                <a:tc>
+                  <a:txBody>
+                    <a:bodyPr/>
+                    <a:lstStyle/>
+                    <a:p>
+                      <a:r>
+                        <a:rPr lang="en-US" dirty="0"/>
+                        <a:t>-</a:t>
+                      </a:r>
+                      <a:endParaRPr lang="en-GB" dirty="0"/>
+                    </a:p>
+                  </a:txBody>
+                  <a:tcPr/>
+                </a:tc>
+                <a:tc>
+                  <a:txBody>
+                    <a:bodyPr/>
+                    <a:lstStyle/>
+                    <a:p>
+                      <a:r>
+                        <a:rPr lang="en-US" dirty="0"/>
+                        <a:t>-</a:t>
+                      </a:r>
+                      <a:endParaRPr lang="en-GB" dirty="0"/>
+                    </a:p>
+                  </a:txBody>
+                  <a:tcPr/>
+                </a:tc>
+                <a:tc>
+                  <a:txBody>
+                    <a:bodyPr/>
+                    <a:lstStyle/>
+                    <a:p>
+                      <a:r>
+                        <a:rPr lang="en-US" dirty="0"/>
+                        <a:t>0.96</a:t>
+                      </a:r>
+                      <a:endParaRPr lang="en-GB" dirty="0"/>
+                    </a:p>
+                  </a:txBody>
+                  <a:tcPr/>
+                </a:tc>
+                <a:tc>
+                  <a:txBody>
+                    <a:bodyPr/>
+                    <a:lstStyle/>
+                    <a:p>
+                      <a:r>
+                        <a:rPr lang="en-US" dirty="0"/>
+                        <a:t>99762</a:t>
+                      </a:r>
+                      <a:endParaRPr lang="en-GB" dirty="0"/>
+                    </a:p>
+                  </a:txBody>
+                  <a:tcPr/>
+                </a:tc>
+                <a:extLst>
+                  <a:ext uri="{0D108BD9-81ED-4DB2-BD59-A6C34878D82A}">
+                    <a16:rowId xmlns:a16="http://schemas.microsoft.com/office/drawing/2014/main" val="106177434"/>
+                  </a:ext>
+                </a:extLst>
+              </a:tr>
+              <a:tr h="447936">
+                <a:tc>
+                  <a:txBody>
+                    <a:bodyPr/>
+                    <a:lstStyle/>
+                    <a:p>
+                      <a:r>
+                        <a:rPr lang="en-US" dirty="0"/>
+                        <a:t>MACRO AVG</a:t>
+                      </a:r>
+                      <a:endParaRPr lang="en-GB" dirty="0"/>
+                    </a:p>
+                  </a:txBody>
+                  <a:tcPr/>
+                </a:tc>
+                <a:tc>
+                  <a:txBody>
+                    <a:bodyPr/>
+                    <a:lstStyle/>
+                    <a:p>
+                      <a:r>
+                        <a:rPr lang="en-US" dirty="0"/>
+                        <a:t>0.86</a:t>
+                      </a:r>
+                      <a:endParaRPr lang="en-GB" dirty="0"/>
+                    </a:p>
+                  </a:txBody>
+                  <a:tcPr/>
+                </a:tc>
+                <a:tc>
+                  <a:txBody>
+                    <a:bodyPr/>
+                    <a:lstStyle/>
+                    <a:p>
+                      <a:r>
+                        <a:rPr lang="en-US" dirty="0"/>
+                        <a:t>0.74</a:t>
+                      </a:r>
+                      <a:endParaRPr lang="en-GB" dirty="0"/>
+                    </a:p>
+                  </a:txBody>
+                  <a:tcPr/>
+                </a:tc>
+                <a:tc>
+                  <a:txBody>
+                    <a:bodyPr/>
+                    <a:lstStyle/>
+                    <a:p>
+                      <a:r>
+                        <a:rPr lang="en-US" b="1" dirty="0"/>
+                        <a:t>0.785</a:t>
+                      </a:r>
+                      <a:endParaRPr lang="en-GB" b="1" dirty="0"/>
+                    </a:p>
+                  </a:txBody>
+                  <a:tcPr/>
+                </a:tc>
+                <a:tc>
+                  <a:txBody>
+                    <a:bodyPr/>
+                    <a:lstStyle/>
+                    <a:p>
+                      <a:r>
+                        <a:rPr lang="en-US" dirty="0"/>
+                        <a:t>99762</a:t>
+                      </a:r>
+                      <a:endParaRPr lang="en-GB" dirty="0"/>
+                    </a:p>
+                  </a:txBody>
+                  <a:tcPr/>
+                </a:tc>
+                <a:extLst>
+                  <a:ext uri="{0D108BD9-81ED-4DB2-BD59-A6C34878D82A}">
+                    <a16:rowId xmlns:a16="http://schemas.microsoft.com/office/drawing/2014/main" val="2184608305"/>
+                  </a:ext>
+                </a:extLst>
+              </a:tr>
+              <a:tr h="447936">
+                <a:tc>
+                  <a:txBody>
+                    <a:bodyPr/>
+                    <a:lstStyle/>
+                    <a:p>
+                      <a:r>
+                        <a:rPr lang="en-US" dirty="0"/>
+                        <a:t>WEIGHTED AVG</a:t>
+                      </a:r>
+                      <a:endParaRPr lang="en-GB" dirty="0"/>
+                    </a:p>
+                  </a:txBody>
+                  <a:tcPr/>
+                </a:tc>
+                <a:tc>
+                  <a:txBody>
+                    <a:bodyPr/>
+                    <a:lstStyle/>
+                    <a:p>
+                      <a:r>
+                        <a:rPr lang="en-US" dirty="0"/>
+                        <a:t>0.95</a:t>
+                      </a:r>
+                      <a:endParaRPr lang="en-GB" dirty="0"/>
+                    </a:p>
+                  </a:txBody>
+                  <a:tcPr/>
+                </a:tc>
+                <a:tc>
+                  <a:txBody>
+                    <a:bodyPr/>
+                    <a:lstStyle/>
+                    <a:p>
+                      <a:r>
+                        <a:rPr lang="en-US" dirty="0"/>
+                        <a:t>0.96</a:t>
+                      </a:r>
+                      <a:endParaRPr lang="en-GB" dirty="0"/>
+                    </a:p>
+                  </a:txBody>
+                  <a:tcPr/>
+                </a:tc>
+                <a:tc>
+                  <a:txBody>
+                    <a:bodyPr/>
+                    <a:lstStyle/>
+                    <a:p>
+                      <a:r>
+                        <a:rPr lang="en-US" dirty="0"/>
+                        <a:t>0.95</a:t>
+                      </a:r>
+                      <a:endParaRPr lang="en-GB" dirty="0"/>
+                    </a:p>
+                  </a:txBody>
+                  <a:tcPr/>
+                </a:tc>
+                <a:tc>
+                  <a:txBody>
+                    <a:bodyPr/>
+                    <a:lstStyle/>
+                    <a:p>
+                      <a:r>
+                        <a:rPr lang="en-US" dirty="0"/>
+                        <a:t>9976</a:t>
+                      </a:r>
+                      <a:endParaRPr lang="en-GB" dirty="0"/>
+                    </a:p>
+                  </a:txBody>
+                  <a:tcPr/>
+                </a:tc>
+                <a:extLst>
+                  <a:ext uri="{0D108BD9-81ED-4DB2-BD59-A6C34878D82A}">
+                    <a16:rowId xmlns:a16="http://schemas.microsoft.com/office/drawing/2014/main" val="845639903"/>
+                  </a:ext>
+                </a:extLst>
+              </a:tr>
+            </a:tbl>
+          </a:graphicData>
+        </a:graphic>
+      </p:graphicFrame>
     </p:spTree>
     <p:extLst>
       <p:ext uri="{BB962C8B-B14F-4D97-AF65-F5344CB8AC3E}">

--- a/Task_Presentation.pptx
+++ b/Task_Presentation.pptx
@@ -18,16 +18,24 @@
     <p:sldId id="272" r:id="rId12"/>
     <p:sldId id="273" r:id="rId13"/>
     <p:sldId id="275" r:id="rId14"/>
-    <p:sldId id="276" r:id="rId15"/>
-    <p:sldId id="277" r:id="rId16"/>
-    <p:sldId id="278" r:id="rId17"/>
-    <p:sldId id="279" r:id="rId18"/>
-    <p:sldId id="280" r:id="rId19"/>
-    <p:sldId id="281" r:id="rId20"/>
-    <p:sldId id="267" r:id="rId21"/>
-    <p:sldId id="284" r:id="rId22"/>
-    <p:sldId id="268" r:id="rId23"/>
-    <p:sldId id="269" r:id="rId24"/>
+    <p:sldId id="285" r:id="rId15"/>
+    <p:sldId id="276" r:id="rId16"/>
+    <p:sldId id="288" r:id="rId17"/>
+    <p:sldId id="289" r:id="rId18"/>
+    <p:sldId id="277" r:id="rId19"/>
+    <p:sldId id="278" r:id="rId20"/>
+    <p:sldId id="279" r:id="rId21"/>
+    <p:sldId id="280" r:id="rId22"/>
+    <p:sldId id="281" r:id="rId23"/>
+    <p:sldId id="290" r:id="rId24"/>
+    <p:sldId id="267" r:id="rId25"/>
+    <p:sldId id="284" r:id="rId26"/>
+    <p:sldId id="268" r:id="rId27"/>
+    <p:sldId id="287" r:id="rId28"/>
+    <p:sldId id="294" r:id="rId29"/>
+    <p:sldId id="293" r:id="rId30"/>
+    <p:sldId id="291" r:id="rId31"/>
+    <p:sldId id="295" r:id="rId32"/>
   </p:sldIdLst>
   <p:sldSz cx="12192000" cy="6858000"/>
   <p:notesSz cx="6858000" cy="9144000"/>
@@ -7495,23 +7503,176 @@
                   <a:srgbClr val="FFFFFF"/>
                 </a:solidFill>
               </a:rPr>
-              <a:t>EXPLORATORY DATA ANALYSIS – </a:t>
-            </a:r>
-            <a:r>
-              <a:rPr lang="en-US" sz="4000" dirty="0" err="1">
+              <a:t>EXPLORATORY DATA ANALYSIS – Marital Status VS Income</a:t>
+            </a:r>
+            <a:endParaRPr lang="en-GB" sz="4000" dirty="0">
+              <a:solidFill>
+                <a:srgbClr val="FFFFFF"/>
+              </a:solidFill>
+            </a:endParaRPr>
+          </a:p>
+        </p:txBody>
+      </p:sp>
+      <p:pic>
+        <p:nvPicPr>
+          <p:cNvPr id="4" name="Picture 3">
+            <a:extLst>
+              <a:ext uri="{FF2B5EF4-FFF2-40B4-BE49-F238E27FC236}">
+                <a16:creationId xmlns:a16="http://schemas.microsoft.com/office/drawing/2014/main" id="{CE27AB9B-19BB-43D1-8467-5AFE240E7652}"/>
+              </a:ext>
+            </a:extLst>
+          </p:cNvPr>
+          <p:cNvPicPr>
+            <a:picLocks noChangeAspect="1"/>
+          </p:cNvPicPr>
+          <p:nvPr/>
+        </p:nvPicPr>
+        <p:blipFill>
+          <a:blip r:embed="rId2"/>
+          <a:stretch>
+            <a:fillRect/>
+          </a:stretch>
+        </p:blipFill>
+        <p:spPr>
+          <a:xfrm rot="5400000">
+            <a:off x="3592222" y="557785"/>
+            <a:ext cx="5007557" cy="6858000"/>
+          </a:xfrm>
+          <a:prstGeom prst="rect">
+            <a:avLst/>
+          </a:prstGeom>
+        </p:spPr>
+      </p:pic>
+    </p:spTree>
+    <p:extLst>
+      <p:ext uri="{BB962C8B-B14F-4D97-AF65-F5344CB8AC3E}">
+        <p14:creationId xmlns:p14="http://schemas.microsoft.com/office/powerpoint/2010/main" val="3554941667"/>
+      </p:ext>
+    </p:extLst>
+  </p:cSld>
+  <p:clrMapOvr>
+    <a:masterClrMapping/>
+  </p:clrMapOvr>
+</p:sld>
+</file>
+
+<file path=ppt/slides/slide15.xml><?xml version="1.0" encoding="utf-8"?>
+<p:sld xmlns:a="http://schemas.openxmlformats.org/drawingml/2006/main" xmlns:r="http://schemas.openxmlformats.org/officeDocument/2006/relationships" xmlns:p="http://schemas.openxmlformats.org/presentationml/2006/main">
+  <p:cSld>
+    <p:spTree>
+      <p:nvGrpSpPr>
+        <p:cNvPr id="1" name=""/>
+        <p:cNvGrpSpPr/>
+        <p:nvPr/>
+      </p:nvGrpSpPr>
+      <p:grpSpPr>
+        <a:xfrm>
+          <a:off x="0" y="0"/>
+          <a:ext cx="0" cy="0"/>
+          <a:chOff x="0" y="0"/>
+          <a:chExt cx="0" cy="0"/>
+        </a:xfrm>
+      </p:grpSpPr>
+      <p:sp>
+        <p:nvSpPr>
+          <p:cNvPr id="20" name="Rectangle 19">
+            <a:extLst>
+              <a:ext uri="{FF2B5EF4-FFF2-40B4-BE49-F238E27FC236}">
+                <a16:creationId xmlns:a16="http://schemas.microsoft.com/office/drawing/2014/main" id="{434167B2-1F65-408D-9233-EF10B5990B6E}"/>
+              </a:ext>
+            </a:extLst>
+          </p:cNvPr>
+          <p:cNvSpPr/>
+          <p:nvPr/>
+        </p:nvSpPr>
+        <p:spPr>
+          <a:xfrm>
+            <a:off x="0" y="0"/>
+            <a:ext cx="12192000" cy="1334278"/>
+          </a:xfrm>
+          <a:prstGeom prst="rect">
+            <a:avLst/>
+          </a:prstGeom>
+        </p:spPr>
+        <p:style>
+          <a:lnRef idx="2">
+            <a:schemeClr val="accent1">
+              <a:shade val="50000"/>
+            </a:schemeClr>
+          </a:lnRef>
+          <a:fillRef idx="1">
+            <a:schemeClr val="accent1"/>
+          </a:fillRef>
+          <a:effectRef idx="0">
+            <a:schemeClr val="accent1"/>
+          </a:effectRef>
+          <a:fontRef idx="minor">
+            <a:schemeClr val="lt1"/>
+          </a:fontRef>
+        </p:style>
+        <p:txBody>
+          <a:bodyPr rtlCol="0" anchor="ctr"/>
+          <a:lstStyle/>
+          <a:p>
+            <a:pPr algn="ctr"/>
+            <a:endParaRPr lang="en-GB" dirty="0"/>
+          </a:p>
+        </p:txBody>
+      </p:sp>
+      <p:sp>
+        <p:nvSpPr>
+          <p:cNvPr id="9" name="Title 6">
+            <a:extLst>
+              <a:ext uri="{FF2B5EF4-FFF2-40B4-BE49-F238E27FC236}">
+                <a16:creationId xmlns:a16="http://schemas.microsoft.com/office/drawing/2014/main" id="{F5FB2926-5769-4612-9884-4A0888903E66}"/>
+              </a:ext>
+            </a:extLst>
+          </p:cNvPr>
+          <p:cNvSpPr txBox="1">
+            <a:spLocks/>
+          </p:cNvSpPr>
+          <p:nvPr/>
+        </p:nvSpPr>
+        <p:spPr>
+          <a:xfrm>
+            <a:off x="266229" y="0"/>
+            <a:ext cx="11453020" cy="1334278"/>
+          </a:xfrm>
+          <a:prstGeom prst="rect">
+            <a:avLst/>
+          </a:prstGeom>
+        </p:spPr>
+        <p:txBody>
+          <a:bodyPr vert="horz" lIns="91440" tIns="45720" rIns="91440" bIns="45720" rtlCol="0" anchor="ctr">
+            <a:normAutofit/>
+          </a:bodyPr>
+          <a:lstStyle>
+            <a:lvl1pPr algn="l" defTabSz="914400" rtl="0" eaLnBrk="1" latinLnBrk="0" hangingPunct="1">
+              <a:lnSpc>
+                <a:spcPct val="80000"/>
+              </a:lnSpc>
+              <a:spcBef>
+                <a:spcPct val="0"/>
+              </a:spcBef>
+              <a:buNone/>
+              <a:defRPr sz="8800" b="0" kern="1200" spc="-120" baseline="0">
+                <a:solidFill>
+                  <a:schemeClr val="accent1"/>
+                </a:solidFill>
+                <a:latin typeface="+mj-lt"/>
+                <a:ea typeface="+mj-ea"/>
+                <a:cs typeface="+mj-cs"/>
+              </a:defRPr>
+            </a:lvl1pPr>
+          </a:lstStyle>
+          <a:p>
+            <a:r>
+              <a:rPr lang="en-US" sz="4000" dirty="0">
                 <a:solidFill>
                   <a:srgbClr val="FFFFFF"/>
                 </a:solidFill>
               </a:rPr>
-              <a:t>hasCapital</a:t>
-            </a:r>
-            <a:r>
-              <a:rPr lang="en-US" sz="4000" dirty="0">
-                <a:solidFill>
-                  <a:srgbClr val="FFFFFF"/>
-                </a:solidFill>
-              </a:rPr>
-              <a:t> ?</a:t>
+              <a:t>EXPLORATORY DATA ANALYSIS – Has Investing</a:t>
             </a:r>
             <a:endParaRPr lang="en-GB" sz="4000" dirty="0">
               <a:solidFill>
@@ -7624,355 +7785,6 @@
 </p:sld>
 </file>
 
-<file path=ppt/slides/slide15.xml><?xml version="1.0" encoding="utf-8"?>
-<p:sld xmlns:a="http://schemas.openxmlformats.org/drawingml/2006/main" xmlns:r="http://schemas.openxmlformats.org/officeDocument/2006/relationships" xmlns:p="http://schemas.openxmlformats.org/presentationml/2006/main">
-  <p:cSld>
-    <p:spTree>
-      <p:nvGrpSpPr>
-        <p:cNvPr id="1" name=""/>
-        <p:cNvGrpSpPr/>
-        <p:nvPr/>
-      </p:nvGrpSpPr>
-      <p:grpSpPr>
-        <a:xfrm>
-          <a:off x="0" y="0"/>
-          <a:ext cx="0" cy="0"/>
-          <a:chOff x="0" y="0"/>
-          <a:chExt cx="0" cy="0"/>
-        </a:xfrm>
-      </p:grpSpPr>
-      <p:sp>
-        <p:nvSpPr>
-          <p:cNvPr id="20" name="Rectangle 19">
-            <a:extLst>
-              <a:ext uri="{FF2B5EF4-FFF2-40B4-BE49-F238E27FC236}">
-                <a16:creationId xmlns:a16="http://schemas.microsoft.com/office/drawing/2014/main" id="{434167B2-1F65-408D-9233-EF10B5990B6E}"/>
-              </a:ext>
-            </a:extLst>
-          </p:cNvPr>
-          <p:cNvSpPr/>
-          <p:nvPr/>
-        </p:nvSpPr>
-        <p:spPr>
-          <a:xfrm>
-            <a:off x="0" y="0"/>
-            <a:ext cx="12192000" cy="1334278"/>
-          </a:xfrm>
-          <a:prstGeom prst="rect">
-            <a:avLst/>
-          </a:prstGeom>
-        </p:spPr>
-        <p:style>
-          <a:lnRef idx="2">
-            <a:schemeClr val="accent1">
-              <a:shade val="50000"/>
-            </a:schemeClr>
-          </a:lnRef>
-          <a:fillRef idx="1">
-            <a:schemeClr val="accent1"/>
-          </a:fillRef>
-          <a:effectRef idx="0">
-            <a:schemeClr val="accent1"/>
-          </a:effectRef>
-          <a:fontRef idx="minor">
-            <a:schemeClr val="lt1"/>
-          </a:fontRef>
-        </p:style>
-        <p:txBody>
-          <a:bodyPr rtlCol="0" anchor="ctr"/>
-          <a:lstStyle/>
-          <a:p>
-            <a:pPr algn="ctr"/>
-            <a:endParaRPr lang="en-GB" dirty="0"/>
-          </a:p>
-        </p:txBody>
-      </p:sp>
-      <p:sp>
-        <p:nvSpPr>
-          <p:cNvPr id="9" name="Title 6">
-            <a:extLst>
-              <a:ext uri="{FF2B5EF4-FFF2-40B4-BE49-F238E27FC236}">
-                <a16:creationId xmlns:a16="http://schemas.microsoft.com/office/drawing/2014/main" id="{F5FB2926-5769-4612-9884-4A0888903E66}"/>
-              </a:ext>
-            </a:extLst>
-          </p:cNvPr>
-          <p:cNvSpPr txBox="1">
-            <a:spLocks/>
-          </p:cNvSpPr>
-          <p:nvPr/>
-        </p:nvSpPr>
-        <p:spPr>
-          <a:xfrm>
-            <a:off x="266229" y="0"/>
-            <a:ext cx="11453020" cy="1334278"/>
-          </a:xfrm>
-          <a:prstGeom prst="rect">
-            <a:avLst/>
-          </a:prstGeom>
-        </p:spPr>
-        <p:txBody>
-          <a:bodyPr vert="horz" lIns="91440" tIns="45720" rIns="91440" bIns="45720" rtlCol="0" anchor="ctr">
-            <a:normAutofit/>
-          </a:bodyPr>
-          <a:lstStyle>
-            <a:lvl1pPr algn="l" defTabSz="914400" rtl="0" eaLnBrk="1" latinLnBrk="0" hangingPunct="1">
-              <a:lnSpc>
-                <a:spcPct val="80000"/>
-              </a:lnSpc>
-              <a:spcBef>
-                <a:spcPct val="0"/>
-              </a:spcBef>
-              <a:buNone/>
-              <a:defRPr sz="8800" b="0" kern="1200" spc="-120" baseline="0">
-                <a:solidFill>
-                  <a:schemeClr val="accent1"/>
-                </a:solidFill>
-                <a:latin typeface="+mj-lt"/>
-                <a:ea typeface="+mj-ea"/>
-                <a:cs typeface="+mj-cs"/>
-              </a:defRPr>
-            </a:lvl1pPr>
-          </a:lstStyle>
-          <a:p>
-            <a:r>
-              <a:rPr lang="en-US" sz="4000" dirty="0">
-                <a:solidFill>
-                  <a:srgbClr val="FFFFFF"/>
-                </a:solidFill>
-              </a:rPr>
-              <a:t>DATA PREPARATION – Categorization	</a:t>
-            </a:r>
-            <a:endParaRPr lang="en-GB" sz="4000" dirty="0">
-              <a:solidFill>
-                <a:srgbClr val="FFFFFF"/>
-              </a:solidFill>
-            </a:endParaRPr>
-          </a:p>
-        </p:txBody>
-      </p:sp>
-      <p:sp>
-        <p:nvSpPr>
-          <p:cNvPr id="10" name="TextBox 9">
-            <a:extLst>
-              <a:ext uri="{FF2B5EF4-FFF2-40B4-BE49-F238E27FC236}">
-                <a16:creationId xmlns:a16="http://schemas.microsoft.com/office/drawing/2014/main" id="{756F8E5B-1EA2-42DF-B9DD-C15A8F82FC7F}"/>
-              </a:ext>
-            </a:extLst>
-          </p:cNvPr>
-          <p:cNvSpPr txBox="1"/>
-          <p:nvPr/>
-        </p:nvSpPr>
-        <p:spPr>
-          <a:xfrm>
-            <a:off x="1120604" y="2103332"/>
-            <a:ext cx="9950791" cy="4832092"/>
-          </a:xfrm>
-          <a:prstGeom prst="rect">
-            <a:avLst/>
-          </a:prstGeom>
-          <a:noFill/>
-        </p:spPr>
-        <p:txBody>
-          <a:bodyPr wrap="square" rtlCol="0">
-            <a:spAutoFit/>
-          </a:bodyPr>
-          <a:lstStyle/>
-          <a:p>
-            <a:pPr marL="457200" indent="-457200">
-              <a:buFont typeface="Arial" panose="020B0604020202020204" pitchFamily="34" charset="0"/>
-              <a:buChar char="•"/>
-            </a:pPr>
-            <a:r>
-              <a:rPr lang="en-US" sz="2800" spc="-120" dirty="0">
-                <a:solidFill>
-                  <a:prstClr val="black"/>
-                </a:solidFill>
-                <a:latin typeface="Calibri Light" panose="020F0302020204030204"/>
-                <a:ea typeface="+mj-ea"/>
-                <a:cs typeface="+mj-cs"/>
-              </a:rPr>
-              <a:t>Encode categories by using </a:t>
-            </a:r>
-            <a:r>
-              <a:rPr lang="en-US" sz="2800" spc="-120" dirty="0" err="1">
-                <a:solidFill>
-                  <a:prstClr val="black"/>
-                </a:solidFill>
-                <a:latin typeface="Calibri Light" panose="020F0302020204030204"/>
-                <a:ea typeface="+mj-ea"/>
-                <a:cs typeface="+mj-cs"/>
-              </a:rPr>
-              <a:t>LabelEncoder</a:t>
-            </a:r>
-            <a:r>
-              <a:rPr lang="en-US" sz="2800" spc="-120" dirty="0">
-                <a:solidFill>
-                  <a:prstClr val="black"/>
-                </a:solidFill>
-                <a:latin typeface="Calibri Light" panose="020F0302020204030204"/>
-                <a:ea typeface="+mj-ea"/>
-                <a:cs typeface="+mj-cs"/>
-              </a:rPr>
-              <a:t> for 28 nominal features out of 35.</a:t>
-            </a:r>
-          </a:p>
-          <a:p>
-            <a:endParaRPr lang="en-US" sz="2800" spc="-120" dirty="0">
-              <a:solidFill>
-                <a:prstClr val="black"/>
-              </a:solidFill>
-              <a:latin typeface="Calibri Light" panose="020F0302020204030204"/>
-              <a:ea typeface="+mj-ea"/>
-              <a:cs typeface="+mj-cs"/>
-            </a:endParaRPr>
-          </a:p>
-          <a:p>
-            <a:pPr marL="457200" indent="-457200">
-              <a:buFont typeface="Arial" panose="020B0604020202020204" pitchFamily="34" charset="0"/>
-              <a:buChar char="•"/>
-            </a:pPr>
-            <a:r>
-              <a:rPr kumimoji="0" lang="en-US" sz="2800" b="0" i="0" u="none" strike="noStrike" kern="1200" cap="none" spc="-120" normalizeH="0" baseline="0" noProof="0" dirty="0">
-                <a:ln>
-                  <a:noFill/>
-                </a:ln>
-                <a:solidFill>
-                  <a:prstClr val="black"/>
-                </a:solidFill>
-                <a:effectLst/>
-                <a:uLnTx/>
-                <a:uFillTx/>
-                <a:latin typeface="Calibri Light" panose="020F0302020204030204"/>
-                <a:ea typeface="+mj-ea"/>
-                <a:cs typeface="+mj-cs"/>
-              </a:rPr>
-              <a:t>Other 7 </a:t>
-            </a:r>
-            <a:r>
-              <a:rPr lang="en-US" sz="2800" spc="-120" dirty="0">
-                <a:solidFill>
-                  <a:prstClr val="black"/>
-                </a:solidFill>
-                <a:latin typeface="Calibri Light" panose="020F0302020204030204"/>
-                <a:ea typeface="+mj-ea"/>
-                <a:cs typeface="+mj-cs"/>
-              </a:rPr>
-              <a:t>nominal features were encoded ordinally by researching the features on Current Population Survey Handbook</a:t>
-            </a:r>
-          </a:p>
-          <a:p>
-            <a:pPr marL="457200" indent="-457200">
-              <a:buFont typeface="Arial" panose="020B0604020202020204" pitchFamily="34" charset="0"/>
-              <a:buChar char="•"/>
-            </a:pPr>
-            <a:endParaRPr lang="en-US" sz="2800" spc="-120" dirty="0">
-              <a:solidFill>
-                <a:prstClr val="black"/>
-              </a:solidFill>
-              <a:latin typeface="Calibri Light" panose="020F0302020204030204"/>
-              <a:ea typeface="+mj-ea"/>
-              <a:cs typeface="+mj-cs"/>
-            </a:endParaRPr>
-          </a:p>
-          <a:p>
-            <a:pPr marL="457200" indent="-457200">
-              <a:buFont typeface="Arial" panose="020B0604020202020204" pitchFamily="34" charset="0"/>
-              <a:buChar char="•"/>
-            </a:pPr>
-            <a:r>
-              <a:rPr lang="en-US" sz="2800" spc="-120" dirty="0">
-                <a:solidFill>
-                  <a:prstClr val="black"/>
-                </a:solidFill>
-                <a:latin typeface="Calibri Light" panose="020F0302020204030204"/>
-                <a:ea typeface="+mj-ea"/>
-                <a:cs typeface="+mj-cs"/>
-              </a:rPr>
-              <a:t>From Capital </a:t>
-            </a:r>
-            <a:r>
-              <a:rPr lang="en-US" sz="2800" spc="-120" dirty="0" err="1">
-                <a:solidFill>
-                  <a:prstClr val="black"/>
-                </a:solidFill>
-                <a:latin typeface="Calibri Light" panose="020F0302020204030204"/>
-                <a:ea typeface="+mj-ea"/>
-                <a:cs typeface="+mj-cs"/>
-              </a:rPr>
-              <a:t>Gains,Losses</a:t>
-            </a:r>
-            <a:r>
-              <a:rPr lang="en-US" sz="2800" spc="-120" dirty="0">
-                <a:solidFill>
-                  <a:prstClr val="black"/>
-                </a:solidFill>
-                <a:latin typeface="Calibri Light" panose="020F0302020204030204"/>
-                <a:ea typeface="+mj-ea"/>
-                <a:cs typeface="+mj-cs"/>
-              </a:rPr>
-              <a:t> and Dividends, new features are created.</a:t>
-            </a:r>
-          </a:p>
-          <a:p>
-            <a:pPr marL="457200" indent="-457200">
-              <a:buFont typeface="Arial" panose="020B0604020202020204" pitchFamily="34" charset="0"/>
-              <a:buChar char="•"/>
-            </a:pPr>
-            <a:endParaRPr lang="en-US" sz="2800" spc="-120" dirty="0">
-              <a:solidFill>
-                <a:prstClr val="black"/>
-              </a:solidFill>
-              <a:latin typeface="Calibri Light" panose="020F0302020204030204"/>
-              <a:ea typeface="+mj-ea"/>
-              <a:cs typeface="+mj-cs"/>
-            </a:endParaRPr>
-          </a:p>
-          <a:p>
-            <a:pPr marL="457200" indent="-457200">
-              <a:buFont typeface="Arial" panose="020B0604020202020204" pitchFamily="34" charset="0"/>
-              <a:buChar char="•"/>
-            </a:pPr>
-            <a:r>
-              <a:rPr lang="en-US" sz="2800" spc="-120" dirty="0">
-                <a:solidFill>
-                  <a:prstClr val="black"/>
-                </a:solidFill>
-                <a:latin typeface="Calibri Light" panose="020F0302020204030204"/>
-                <a:ea typeface="+mj-ea"/>
-                <a:cs typeface="+mj-cs"/>
-              </a:rPr>
-              <a:t>Some features are normalized on train and test data is transformed considering data leakage.</a:t>
-            </a:r>
-          </a:p>
-          <a:p>
-            <a:pPr marL="457200" indent="-457200">
-              <a:buFont typeface="Arial" panose="020B0604020202020204" pitchFamily="34" charset="0"/>
-              <a:buChar char="•"/>
-            </a:pPr>
-            <a:endParaRPr lang="en-US" sz="2800" spc="-120" dirty="0">
-              <a:solidFill>
-                <a:prstClr val="black"/>
-              </a:solidFill>
-              <a:latin typeface="Calibri Light" panose="020F0302020204030204"/>
-              <a:ea typeface="+mj-ea"/>
-              <a:cs typeface="+mj-cs"/>
-            </a:endParaRPr>
-          </a:p>
-        </p:txBody>
-      </p:sp>
-    </p:spTree>
-    <p:extLst>
-      <p:ext uri="{BB962C8B-B14F-4D97-AF65-F5344CB8AC3E}">
-        <p14:creationId xmlns:p14="http://schemas.microsoft.com/office/powerpoint/2010/main" val="1547017889"/>
-      </p:ext>
-    </p:extLst>
-  </p:cSld>
-  <p:clrMapOvr>
-    <a:masterClrMapping/>
-  </p:clrMapOvr>
-</p:sld>
-</file>
-
 <file path=ppt/slides/slide16.xml><?xml version="1.0" encoding="utf-8"?>
 <p:sld xmlns:a="http://schemas.openxmlformats.org/drawingml/2006/main" xmlns:r="http://schemas.openxmlformats.org/officeDocument/2006/relationships" xmlns:p="http://schemas.openxmlformats.org/presentationml/2006/main">
   <p:cSld>
@@ -8089,39 +7901,7 @@
                   <a:srgbClr val="FFFFFF"/>
                 </a:solidFill>
               </a:rPr>
-              <a:t>DATA PREPARATION – </a:t>
-            </a:r>
-            <a:r>
-              <a:rPr lang="en-US" sz="4000" dirty="0" err="1">
-                <a:solidFill>
-                  <a:srgbClr val="FFFFFF"/>
-                </a:solidFill>
-              </a:rPr>
-              <a:t>Upsampling</a:t>
-            </a:r>
-            <a:r>
-              <a:rPr lang="en-US" sz="4000" dirty="0">
-                <a:solidFill>
-                  <a:srgbClr val="FFFFFF"/>
-                </a:solidFill>
-              </a:rPr>
-              <a:t> &amp; </a:t>
-            </a:r>
-            <a:r>
-              <a:rPr lang="en-US" sz="4000" dirty="0" err="1">
-                <a:solidFill>
-                  <a:srgbClr val="FFFFFF"/>
-                </a:solidFill>
-              </a:rPr>
-              <a:t>Downsampling</a:t>
-            </a:r>
-            <a:r>
-              <a:rPr lang="en-US" sz="4000" dirty="0">
-                <a:solidFill>
-                  <a:srgbClr val="FFFFFF"/>
-                </a:solidFill>
-              </a:rPr>
-              <a:t> 	</a:t>
+              <a:t>EXPLORATORY DATA ANALYSIS – Race VS Income</a:t>
             </a:r>
             <a:endParaRPr lang="en-GB" sz="4000" dirty="0">
               <a:solidFill>
@@ -8131,12 +7911,72 @@
           </a:p>
         </p:txBody>
       </p:sp>
+      <p:pic>
+        <p:nvPicPr>
+          <p:cNvPr id="11" name="Picture 10">
+            <a:extLst>
+              <a:ext uri="{FF2B5EF4-FFF2-40B4-BE49-F238E27FC236}">
+                <a16:creationId xmlns:a16="http://schemas.microsoft.com/office/drawing/2014/main" id="{43AD2537-3DB8-4EDE-BD0C-ED0C54A2EE6F}"/>
+              </a:ext>
+            </a:extLst>
+          </p:cNvPr>
+          <p:cNvPicPr>
+            <a:picLocks noChangeAspect="1"/>
+          </p:cNvPicPr>
+          <p:nvPr/>
+        </p:nvPicPr>
+        <p:blipFill>
+          <a:blip r:embed="rId2"/>
+          <a:stretch>
+            <a:fillRect/>
+          </a:stretch>
+        </p:blipFill>
+        <p:spPr>
+          <a:xfrm rot="5400000">
+            <a:off x="6596387" y="2089600"/>
+            <a:ext cx="3393213" cy="4447079"/>
+          </a:xfrm>
+          <a:prstGeom prst="rect">
+            <a:avLst/>
+          </a:prstGeom>
+        </p:spPr>
+      </p:pic>
+      <p:pic>
+        <p:nvPicPr>
+          <p:cNvPr id="14" name="Picture 13">
+            <a:extLst>
+              <a:ext uri="{FF2B5EF4-FFF2-40B4-BE49-F238E27FC236}">
+                <a16:creationId xmlns:a16="http://schemas.microsoft.com/office/drawing/2014/main" id="{B74920B4-CA33-4D57-B4DE-CE75AAC8058F}"/>
+              </a:ext>
+            </a:extLst>
+          </p:cNvPr>
+          <p:cNvPicPr>
+            <a:picLocks noChangeAspect="1"/>
+          </p:cNvPicPr>
+          <p:nvPr/>
+        </p:nvPicPr>
+        <p:blipFill>
+          <a:blip r:embed="rId3"/>
+          <a:stretch>
+            <a:fillRect/>
+          </a:stretch>
+        </p:blipFill>
+        <p:spPr>
+          <a:xfrm rot="5400000">
+            <a:off x="1077956" y="2044839"/>
+            <a:ext cx="3544097" cy="4687485"/>
+          </a:xfrm>
+          <a:prstGeom prst="rect">
+            <a:avLst/>
+          </a:prstGeom>
+        </p:spPr>
+      </p:pic>
       <p:sp>
         <p:nvSpPr>
-          <p:cNvPr id="10" name="TextBox 9">
+          <p:cNvPr id="16" name="TextBox 15">
             <a:extLst>
               <a:ext uri="{FF2B5EF4-FFF2-40B4-BE49-F238E27FC236}">
-                <a16:creationId xmlns:a16="http://schemas.microsoft.com/office/drawing/2014/main" id="{756F8E5B-1EA2-42DF-B9DD-C15A8F82FC7F}"/>
+                <a16:creationId xmlns:a16="http://schemas.microsoft.com/office/drawing/2014/main" id="{933E7A97-3FF7-4A4E-BAFF-06DD78765864}"/>
               </a:ext>
             </a:extLst>
           </p:cNvPr>
@@ -8145,8 +7985,8 @@
         </p:nvSpPr>
         <p:spPr>
           <a:xfrm>
-            <a:off x="1120604" y="2103332"/>
-            <a:ext cx="9950791" cy="2677656"/>
+            <a:off x="1325880" y="1764128"/>
+            <a:ext cx="3986784" cy="523220"/>
           </a:xfrm>
           <a:prstGeom prst="rect">
             <a:avLst/>
@@ -8159,90 +7999,72 @@
           </a:bodyPr>
           <a:lstStyle/>
           <a:p>
-            <a:pPr marL="457200" indent="-457200">
-              <a:buFont typeface="Arial" panose="020B0604020202020204" pitchFamily="34" charset="0"/>
-              <a:buChar char="•"/>
-            </a:pPr>
-            <a:r>
-              <a:rPr lang="en-US" sz="2800" spc="-120" dirty="0">
+            <a:pPr algn="ctr"/>
+            <a:r>
+              <a:rPr kumimoji="0" lang="en-US" sz="2800" b="0" i="0" u="none" strike="noStrike" kern="1200" cap="none" spc="-120" normalizeH="0" baseline="0" noProof="0" dirty="0">
+                <a:ln>
+                  <a:noFill/>
+                </a:ln>
                 <a:solidFill>
                   <a:prstClr val="black"/>
                 </a:solidFill>
+                <a:effectLst/>
+                <a:uLnTx/>
+                <a:uFillTx/>
                 <a:latin typeface="Calibri Light" panose="020F0302020204030204"/>
                 <a:ea typeface="+mj-ea"/>
                 <a:cs typeface="+mj-cs"/>
               </a:rPr>
-              <a:t>There are 187,000 individuals who has less income than $50K and only 12,300 individuals have more income than $50K. For balancing this imbalance:</a:t>
-            </a:r>
-          </a:p>
-          <a:p>
-            <a:pPr marL="457200" indent="-457200">
-              <a:buFont typeface="Arial" panose="020B0604020202020204" pitchFamily="34" charset="0"/>
-              <a:buChar char="•"/>
-            </a:pPr>
-            <a:endParaRPr lang="en-US" sz="2800" spc="-120" dirty="0">
-              <a:solidFill>
-                <a:prstClr val="black"/>
-              </a:solidFill>
-              <a:latin typeface="Calibri Light" panose="020F0302020204030204"/>
-              <a:ea typeface="+mj-ea"/>
-              <a:cs typeface="+mj-cs"/>
-            </a:endParaRPr>
-          </a:p>
-          <a:p>
-            <a:pPr marL="457200" indent="-457200">
-              <a:buFont typeface="Arial" panose="020B0604020202020204" pitchFamily="34" charset="0"/>
-              <a:buChar char="•"/>
-            </a:pPr>
-            <a:r>
-              <a:rPr lang="en-US" sz="2800" spc="-120" dirty="0" err="1">
+              <a:t>Total Race Distribution </a:t>
+            </a:r>
+          </a:p>
+        </p:txBody>
+      </p:sp>
+      <p:sp>
+        <p:nvSpPr>
+          <p:cNvPr id="17" name="TextBox 16">
+            <a:extLst>
+              <a:ext uri="{FF2B5EF4-FFF2-40B4-BE49-F238E27FC236}">
+                <a16:creationId xmlns:a16="http://schemas.microsoft.com/office/drawing/2014/main" id="{C0EDEA89-2AF9-4E26-AA01-91C906807E9A}"/>
+              </a:ext>
+            </a:extLst>
+          </p:cNvPr>
+          <p:cNvSpPr txBox="1"/>
+          <p:nvPr/>
+        </p:nvSpPr>
+        <p:spPr>
+          <a:xfrm>
+            <a:off x="5998464" y="1764128"/>
+            <a:ext cx="5520988" cy="523220"/>
+          </a:xfrm>
+          <a:prstGeom prst="rect">
+            <a:avLst/>
+          </a:prstGeom>
+          <a:noFill/>
+        </p:spPr>
+        <p:txBody>
+          <a:bodyPr wrap="square" rtlCol="0">
+            <a:spAutoFit/>
+          </a:bodyPr>
+          <a:lstStyle/>
+          <a:p>
+            <a:pPr algn="ctr"/>
+            <a:r>
+              <a:rPr kumimoji="0" lang="en-US" sz="2800" b="0" i="0" u="none" strike="noStrike" kern="1200" cap="none" spc="-120" normalizeH="0" baseline="0" noProof="0" dirty="0">
+                <a:ln>
+                  <a:noFill/>
+                </a:ln>
                 <a:solidFill>
                   <a:prstClr val="black"/>
                 </a:solidFill>
+                <a:effectLst/>
+                <a:uLnTx/>
+                <a:uFillTx/>
                 <a:latin typeface="Calibri Light" panose="020F0302020204030204"/>
                 <a:ea typeface="+mj-ea"/>
                 <a:cs typeface="+mj-cs"/>
               </a:rPr>
-              <a:t>Downsample</a:t>
-            </a:r>
-            <a:r>
-              <a:rPr lang="en-US" sz="2800" spc="-120" dirty="0">
-                <a:solidFill>
-                  <a:prstClr val="black"/>
-                </a:solidFill>
-                <a:latin typeface="Calibri Light" panose="020F0302020204030204"/>
-                <a:ea typeface="+mj-ea"/>
-                <a:cs typeface="+mj-cs"/>
-              </a:rPr>
-              <a:t> the majority class to 150,000</a:t>
-            </a:r>
-          </a:p>
-          <a:p>
-            <a:pPr marL="457200" indent="-457200">
-              <a:buFont typeface="Arial" panose="020B0604020202020204" pitchFamily="34" charset="0"/>
-              <a:buChar char="•"/>
-            </a:pPr>
-            <a:r>
-              <a:rPr lang="en-US" sz="2800" spc="-120" dirty="0" err="1">
-                <a:solidFill>
-                  <a:prstClr val="black"/>
-                </a:solidFill>
-                <a:latin typeface="Calibri Light" panose="020F0302020204030204"/>
-                <a:ea typeface="+mj-ea"/>
-                <a:cs typeface="+mj-cs"/>
-              </a:rPr>
-              <a:t>Upsample</a:t>
-            </a:r>
-            <a:r>
-              <a:rPr lang="en-US" sz="2800" spc="-120" dirty="0">
-                <a:solidFill>
-                  <a:prstClr val="black"/>
-                </a:solidFill>
-                <a:latin typeface="Calibri Light" panose="020F0302020204030204"/>
-                <a:ea typeface="+mj-ea"/>
-                <a:cs typeface="+mj-cs"/>
-              </a:rPr>
-              <a:t> the minority class to 15,000</a:t>
+              <a:t>Race Distribution where Income &gt; $50K </a:t>
             </a:r>
           </a:p>
         </p:txBody>
@@ -8250,7 +8072,7 @@
     </p:spTree>
     <p:extLst>
       <p:ext uri="{BB962C8B-B14F-4D97-AF65-F5344CB8AC3E}">
-        <p14:creationId xmlns:p14="http://schemas.microsoft.com/office/powerpoint/2010/main" val="3763522997"/>
+        <p14:creationId xmlns:p14="http://schemas.microsoft.com/office/powerpoint/2010/main" val="1514095999"/>
       </p:ext>
     </p:extLst>
   </p:cSld>
@@ -8376,7 +8198,7 @@
                   <a:srgbClr val="FFFFFF"/>
                 </a:solidFill>
               </a:rPr>
-              <a:t>DATA PREPARATION – Feature Importance 	</a:t>
+              <a:t>EXPLORATORY DATA ANALYSIS – Race VS Income</a:t>
             </a:r>
             <a:endParaRPr lang="en-GB" sz="4000" dirty="0">
               <a:solidFill>
@@ -8388,10 +8210,10 @@
       </p:sp>
       <p:sp>
         <p:nvSpPr>
-          <p:cNvPr id="10" name="TextBox 9">
+          <p:cNvPr id="7" name="TextBox 6">
             <a:extLst>
               <a:ext uri="{FF2B5EF4-FFF2-40B4-BE49-F238E27FC236}">
-                <a16:creationId xmlns:a16="http://schemas.microsoft.com/office/drawing/2014/main" id="{756F8E5B-1EA2-42DF-B9DD-C15A8F82FC7F}"/>
+                <a16:creationId xmlns:a16="http://schemas.microsoft.com/office/drawing/2014/main" id="{5F574E40-3947-4F62-B445-F0AD8198C42C}"/>
               </a:ext>
             </a:extLst>
           </p:cNvPr>
@@ -8400,8 +8222,8 @@
         </p:nvSpPr>
         <p:spPr>
           <a:xfrm>
-            <a:off x="1120604" y="2103332"/>
-            <a:ext cx="9950791" cy="954107"/>
+            <a:off x="3361944" y="1736696"/>
+            <a:ext cx="5897880" cy="523220"/>
           </a:xfrm>
           <a:prstGeom prst="rect">
             <a:avLst/>
@@ -8414,6 +8236,7 @@
           </a:bodyPr>
           <a:lstStyle/>
           <a:p>
+            <a:pPr algn="ctr"/>
             <a:r>
               <a:rPr lang="en-US" sz="2800" spc="-120" dirty="0">
                 <a:solidFill>
@@ -8423,10 +8246,20 @@
                 <a:ea typeface="+mj-ea"/>
                 <a:cs typeface="+mj-cs"/>
               </a:rPr>
-              <a:t>Used </a:t>
-            </a:r>
-            <a:r>
-              <a:rPr lang="en-US" sz="2800" spc="-120" dirty="0" err="1">
+              <a:t>Probability of </a:t>
+            </a:r>
+            <a:r>
+              <a:rPr lang="en-US" sz="2800" spc="-120" dirty="0">
+                <a:solidFill>
+                  <a:prstClr val="black"/>
+                </a:solidFill>
+                <a:ea typeface="+mj-ea"/>
+                <a:cs typeface="+mj-cs"/>
+              </a:rPr>
+              <a:t>Income</a:t>
+            </a:r>
+            <a:r>
+              <a:rPr lang="en-US" sz="2800" spc="-120" dirty="0">
                 <a:solidFill>
                   <a:prstClr val="black"/>
                 </a:solidFill>
@@ -8434,38 +8267,17 @@
                 <a:ea typeface="+mj-ea"/>
                 <a:cs typeface="+mj-cs"/>
               </a:rPr>
-              <a:t>LightGBM</a:t>
-            </a:r>
-            <a:r>
-              <a:rPr lang="en-US" sz="2800" spc="-120" dirty="0">
-                <a:solidFill>
-                  <a:prstClr val="black"/>
-                </a:solidFill>
-                <a:latin typeface="Calibri Light" panose="020F0302020204030204"/>
-                <a:ea typeface="+mj-ea"/>
-                <a:cs typeface="+mj-cs"/>
-              </a:rPr>
-              <a:t> to extract Feature Importance</a:t>
-            </a:r>
-          </a:p>
-          <a:p>
-            <a:endParaRPr lang="en-US" sz="2800" spc="-120" dirty="0">
-              <a:solidFill>
-                <a:prstClr val="black"/>
-              </a:solidFill>
-              <a:latin typeface="Calibri Light" panose="020F0302020204030204"/>
-              <a:ea typeface="+mj-ea"/>
-              <a:cs typeface="+mj-cs"/>
-            </a:endParaRPr>
+              <a:t>&gt;$50K by Race</a:t>
+            </a:r>
           </a:p>
         </p:txBody>
       </p:sp>
       <p:pic>
         <p:nvPicPr>
-          <p:cNvPr id="3" name="Picture 2">
+          <p:cNvPr id="4" name="Picture 3">
             <a:extLst>
               <a:ext uri="{FF2B5EF4-FFF2-40B4-BE49-F238E27FC236}">
-                <a16:creationId xmlns:a16="http://schemas.microsoft.com/office/drawing/2014/main" id="{FB3CFD7E-2AFD-4F11-BD31-6D4500000DD6}"/>
+                <a16:creationId xmlns:a16="http://schemas.microsoft.com/office/drawing/2014/main" id="{77FCDB3A-5A39-4F5B-A288-B69AA425F0D0}"/>
               </a:ext>
             </a:extLst>
           </p:cNvPr>
@@ -8481,9 +8293,9 @@
           </a:stretch>
         </p:blipFill>
         <p:spPr>
-          <a:xfrm>
-            <a:off x="2375910" y="2735579"/>
-            <a:ext cx="7440178" cy="3720089"/>
+          <a:xfrm rot="5400000">
+            <a:off x="4041398" y="1489706"/>
+            <a:ext cx="4109202" cy="5517251"/>
           </a:xfrm>
           <a:prstGeom prst="rect">
             <a:avLst/>
@@ -8493,7 +8305,7 @@
     </p:spTree>
     <p:extLst>
       <p:ext uri="{BB962C8B-B14F-4D97-AF65-F5344CB8AC3E}">
-        <p14:creationId xmlns:p14="http://schemas.microsoft.com/office/powerpoint/2010/main" val="2554375758"/>
+        <p14:creationId xmlns:p14="http://schemas.microsoft.com/office/powerpoint/2010/main" val="3535615170"/>
       </p:ext>
     </p:extLst>
   </p:cSld>
@@ -8619,7 +8431,7 @@
                   <a:srgbClr val="FFFFFF"/>
                 </a:solidFill>
               </a:rPr>
-              <a:t>DATA PREPARATION – Cumulative Feature Importance 	</a:t>
+              <a:t>DATA PREPARATION – Categorization	</a:t>
             </a:r>
             <a:endParaRPr lang="en-GB" sz="4000" dirty="0">
               <a:solidFill>
@@ -8644,7 +8456,7 @@
         <p:spPr>
           <a:xfrm>
             <a:off x="1120604" y="2103332"/>
-            <a:ext cx="9950791" cy="1384995"/>
+            <a:ext cx="9950791" cy="4401205"/>
           </a:xfrm>
           <a:prstGeom prst="rect">
             <a:avLst/>
@@ -8657,6 +8469,10 @@
           </a:bodyPr>
           <a:lstStyle/>
           <a:p>
+            <a:pPr marL="457200" indent="-457200">
+              <a:buFont typeface="Arial" panose="020B0604020202020204" pitchFamily="34" charset="0"/>
+              <a:buChar char="•"/>
+            </a:pPr>
             <a:r>
               <a:rPr lang="en-US" sz="2800" spc="-120" dirty="0">
                 <a:solidFill>
@@ -8666,7 +8482,29 @@
                 <a:ea typeface="+mj-ea"/>
                 <a:cs typeface="+mj-cs"/>
               </a:rPr>
-              <a:t>Removed 22 features from 45 since they weren’t adding any value to the model</a:t>
+              <a:t>Encode categories by using </a:t>
+            </a:r>
+            <a:r>
+              <a:rPr lang="en-US" sz="2800" spc="-120" dirty="0" err="1">
+                <a:solidFill>
+                  <a:prstClr val="black"/>
+                </a:solidFill>
+                <a:latin typeface="Calibri Light" panose="020F0302020204030204"/>
+                <a:ea typeface="+mj-ea"/>
+                <a:cs typeface="+mj-cs"/>
+              </a:rPr>
+              <a:t>LabelEncoder</a:t>
+            </a:r>
+            <a:r>
+              <a:rPr lang="en-US" sz="2800" spc="-120" dirty="0">
+                <a:solidFill>
+                  <a:prstClr val="black"/>
+                </a:solidFill>
+                <a:latin typeface="Calibri Light" panose="020F0302020204030204"/>
+                <a:ea typeface="+mj-ea"/>
+                <a:cs typeface="+mj-cs"/>
+              </a:rPr>
+              <a:t> for 28 nominal features out of 35.</a:t>
             </a:r>
           </a:p>
           <a:p>
@@ -8679,42 +8517,144 @@
               <a:cs typeface="+mj-cs"/>
             </a:endParaRPr>
           </a:p>
+          <a:p>
+            <a:pPr marL="457200" indent="-457200">
+              <a:buFont typeface="Arial" panose="020B0604020202020204" pitchFamily="34" charset="0"/>
+              <a:buChar char="•"/>
+            </a:pPr>
+            <a:r>
+              <a:rPr kumimoji="0" lang="en-US" sz="2800" b="0" i="0" u="none" strike="noStrike" kern="1200" cap="none" spc="-120" normalizeH="0" baseline="0" noProof="0" dirty="0">
+                <a:ln>
+                  <a:noFill/>
+                </a:ln>
+                <a:solidFill>
+                  <a:prstClr val="black"/>
+                </a:solidFill>
+                <a:effectLst/>
+                <a:uLnTx/>
+                <a:uFillTx/>
+                <a:latin typeface="Calibri Light" panose="020F0302020204030204"/>
+                <a:ea typeface="+mj-ea"/>
+                <a:cs typeface="+mj-cs"/>
+              </a:rPr>
+              <a:t>Other 7 </a:t>
+            </a:r>
+            <a:r>
+              <a:rPr lang="en-US" sz="2800" spc="-120" dirty="0">
+                <a:solidFill>
+                  <a:prstClr val="black"/>
+                </a:solidFill>
+                <a:latin typeface="Calibri Light" panose="020F0302020204030204"/>
+                <a:ea typeface="+mj-ea"/>
+                <a:cs typeface="+mj-cs"/>
+              </a:rPr>
+              <a:t>nominal features were encoded ordinally by researching the features on Current Population Survey Handbook</a:t>
+            </a:r>
+          </a:p>
+          <a:p>
+            <a:pPr marL="457200" indent="-457200">
+              <a:buFont typeface="Arial" panose="020B0604020202020204" pitchFamily="34" charset="0"/>
+              <a:buChar char="•"/>
+            </a:pPr>
+            <a:endParaRPr lang="en-US" sz="2800" spc="-120" dirty="0">
+              <a:solidFill>
+                <a:prstClr val="black"/>
+              </a:solidFill>
+              <a:latin typeface="Calibri Light" panose="020F0302020204030204"/>
+              <a:ea typeface="+mj-ea"/>
+              <a:cs typeface="+mj-cs"/>
+            </a:endParaRPr>
+          </a:p>
+          <a:p>
+            <a:pPr marL="457200" indent="-457200">
+              <a:buFont typeface="Arial" panose="020B0604020202020204" pitchFamily="34" charset="0"/>
+              <a:buChar char="•"/>
+            </a:pPr>
+            <a:r>
+              <a:rPr lang="en-US" sz="2800" spc="-120" dirty="0">
+                <a:solidFill>
+                  <a:prstClr val="black"/>
+                </a:solidFill>
+                <a:latin typeface="Calibri Light" panose="020F0302020204030204"/>
+                <a:ea typeface="+mj-ea"/>
+                <a:cs typeface="+mj-cs"/>
+              </a:rPr>
+              <a:t>From Capital </a:t>
+            </a:r>
+            <a:r>
+              <a:rPr lang="en-US" sz="2800" spc="-120" dirty="0" err="1">
+                <a:solidFill>
+                  <a:prstClr val="black"/>
+                </a:solidFill>
+                <a:latin typeface="Calibri Light" panose="020F0302020204030204"/>
+                <a:ea typeface="+mj-ea"/>
+                <a:cs typeface="+mj-cs"/>
+              </a:rPr>
+              <a:t>Gains,Losses</a:t>
+            </a:r>
+            <a:r>
+              <a:rPr lang="en-US" sz="2800" spc="-120" dirty="0">
+                <a:solidFill>
+                  <a:prstClr val="black"/>
+                </a:solidFill>
+                <a:latin typeface="Calibri Light" panose="020F0302020204030204"/>
+                <a:ea typeface="+mj-ea"/>
+                <a:cs typeface="+mj-cs"/>
+              </a:rPr>
+              <a:t> and Dividends, new features are engineered</a:t>
+            </a:r>
+          </a:p>
+          <a:p>
+            <a:pPr marL="457200" indent="-457200">
+              <a:buFont typeface="Arial" panose="020B0604020202020204" pitchFamily="34" charset="0"/>
+              <a:buChar char="•"/>
+            </a:pPr>
+            <a:endParaRPr lang="en-US" sz="2800" spc="-120" dirty="0">
+              <a:solidFill>
+                <a:prstClr val="black"/>
+              </a:solidFill>
+              <a:latin typeface="Calibri Light" panose="020F0302020204030204"/>
+              <a:ea typeface="+mj-ea"/>
+              <a:cs typeface="+mj-cs"/>
+            </a:endParaRPr>
+          </a:p>
+          <a:p>
+            <a:pPr marL="457200" indent="-457200">
+              <a:buFont typeface="Arial" panose="020B0604020202020204" pitchFamily="34" charset="0"/>
+              <a:buChar char="•"/>
+            </a:pPr>
+            <a:r>
+              <a:rPr lang="en-US" sz="2800" spc="-120" dirty="0">
+                <a:solidFill>
+                  <a:prstClr val="black"/>
+                </a:solidFill>
+                <a:latin typeface="Calibri Light" panose="020F0302020204030204"/>
+                <a:ea typeface="+mj-ea"/>
+                <a:cs typeface="+mj-cs"/>
+              </a:rPr>
+              <a:t>Some features are normalized for easier training.</a:t>
+            </a:r>
+          </a:p>
+          <a:p>
+            <a:pPr marL="457200" indent="-457200">
+              <a:buFont typeface="Arial" panose="020B0604020202020204" pitchFamily="34" charset="0"/>
+              <a:buChar char="•"/>
+            </a:pPr>
+            <a:endParaRPr lang="en-US" sz="2800" spc="-120" dirty="0">
+              <a:solidFill>
+                <a:prstClr val="black"/>
+              </a:solidFill>
+              <a:latin typeface="Calibri Light" panose="020F0302020204030204"/>
+              <a:ea typeface="+mj-ea"/>
+              <a:cs typeface="+mj-cs"/>
+            </a:endParaRPr>
+          </a:p>
         </p:txBody>
       </p:sp>
-      <p:pic>
-        <p:nvPicPr>
-          <p:cNvPr id="4" name="Picture 3">
-            <a:extLst>
-              <a:ext uri="{FF2B5EF4-FFF2-40B4-BE49-F238E27FC236}">
-                <a16:creationId xmlns:a16="http://schemas.microsoft.com/office/drawing/2014/main" id="{D67B57C9-658A-4DBF-9515-C05E7978770F}"/>
-              </a:ext>
-            </a:extLst>
-          </p:cNvPr>
-          <p:cNvPicPr>
-            <a:picLocks noChangeAspect="1"/>
-          </p:cNvPicPr>
-          <p:nvPr/>
-        </p:nvPicPr>
-        <p:blipFill>
-          <a:blip r:embed="rId2"/>
-          <a:stretch>
-            <a:fillRect/>
-          </a:stretch>
-        </p:blipFill>
-        <p:spPr>
-          <a:xfrm>
-            <a:off x="3510138" y="2690237"/>
-            <a:ext cx="4965202" cy="3630175"/>
-          </a:xfrm>
-          <a:prstGeom prst="rect">
-            <a:avLst/>
-          </a:prstGeom>
-        </p:spPr>
-      </p:pic>
     </p:spTree>
     <p:extLst>
       <p:ext uri="{BB962C8B-B14F-4D97-AF65-F5344CB8AC3E}">
-        <p14:creationId xmlns:p14="http://schemas.microsoft.com/office/powerpoint/2010/main" val="1933927762"/>
+        <p14:creationId xmlns:p14="http://schemas.microsoft.com/office/powerpoint/2010/main" val="1547017889"/>
       </p:ext>
     </p:extLst>
   </p:cSld>
@@ -8840,7 +8780,39 @@
                   <a:srgbClr val="FFFFFF"/>
                 </a:solidFill>
               </a:rPr>
-              <a:t>DATA PREPARATION – SHAP Summary Plot 	</a:t>
+              <a:t>DATA PREPARATION – </a:t>
+            </a:r>
+            <a:r>
+              <a:rPr lang="en-US" sz="4000" dirty="0" err="1">
+                <a:solidFill>
+                  <a:srgbClr val="FFFFFF"/>
+                </a:solidFill>
+              </a:rPr>
+              <a:t>Upsampling</a:t>
+            </a:r>
+            <a:r>
+              <a:rPr lang="en-US" sz="4000" dirty="0">
+                <a:solidFill>
+                  <a:srgbClr val="FFFFFF"/>
+                </a:solidFill>
+              </a:rPr>
+              <a:t> &amp; </a:t>
+            </a:r>
+            <a:r>
+              <a:rPr lang="en-US" sz="4000" dirty="0" err="1">
+                <a:solidFill>
+                  <a:srgbClr val="FFFFFF"/>
+                </a:solidFill>
+              </a:rPr>
+              <a:t>Downsampling</a:t>
+            </a:r>
+            <a:r>
+              <a:rPr lang="en-US" sz="4000" dirty="0">
+                <a:solidFill>
+                  <a:srgbClr val="FFFFFF"/>
+                </a:solidFill>
+              </a:rPr>
+              <a:t> 	</a:t>
             </a:r>
             <a:endParaRPr lang="en-GB" sz="4000" dirty="0">
               <a:solidFill>
@@ -8864,8 +8836,8 @@
         </p:nvSpPr>
         <p:spPr>
           <a:xfrm>
-            <a:off x="2375068" y="2511469"/>
-            <a:ext cx="7553327" cy="954107"/>
+            <a:off x="1120604" y="2103332"/>
+            <a:ext cx="9950791" cy="3539430"/>
           </a:xfrm>
           <a:prstGeom prst="rect">
             <a:avLst/>
@@ -8878,6 +8850,27 @@
           </a:bodyPr>
           <a:lstStyle/>
           <a:p>
+            <a:pPr marL="457200" indent="-457200">
+              <a:buFont typeface="Arial" panose="020B0604020202020204" pitchFamily="34" charset="0"/>
+              <a:buChar char="•"/>
+            </a:pPr>
+            <a:r>
+              <a:rPr lang="en-US" sz="2800" spc="-120" dirty="0">
+                <a:solidFill>
+                  <a:prstClr val="black"/>
+                </a:solidFill>
+                <a:latin typeface="Calibri Light" panose="020F0302020204030204"/>
+                <a:ea typeface="+mj-ea"/>
+                <a:cs typeface="+mj-cs"/>
+              </a:rPr>
+              <a:t>There are 187,000 individuals who has less income than $50K and only 12,300 individuals have more income than $50K. For balancing this imbalance:</a:t>
+            </a:r>
+          </a:p>
+          <a:p>
+            <a:pPr marL="457200" indent="-457200">
+              <a:buFont typeface="Arial" panose="020B0604020202020204" pitchFamily="34" charset="0"/>
+              <a:buChar char="•"/>
+            </a:pPr>
             <a:endParaRPr lang="en-US" sz="2800" spc="-120" dirty="0">
               <a:solidFill>
                 <a:prstClr val="black"/>
@@ -8888,6 +8881,79 @@
             </a:endParaRPr>
           </a:p>
           <a:p>
+            <a:pPr marL="457200" indent="-457200">
+              <a:buFont typeface="Arial" panose="020B0604020202020204" pitchFamily="34" charset="0"/>
+              <a:buChar char="•"/>
+            </a:pPr>
+            <a:r>
+              <a:rPr lang="en-US" sz="2800" spc="-120" dirty="0" err="1">
+                <a:solidFill>
+                  <a:prstClr val="black"/>
+                </a:solidFill>
+                <a:latin typeface="Calibri Light" panose="020F0302020204030204"/>
+                <a:ea typeface="+mj-ea"/>
+                <a:cs typeface="+mj-cs"/>
+              </a:rPr>
+              <a:t>Downsample</a:t>
+            </a:r>
+            <a:r>
+              <a:rPr lang="en-US" sz="2800" spc="-120" dirty="0">
+                <a:solidFill>
+                  <a:prstClr val="black"/>
+                </a:solidFill>
+                <a:latin typeface="Calibri Light" panose="020F0302020204030204"/>
+                <a:ea typeface="+mj-ea"/>
+                <a:cs typeface="+mj-cs"/>
+              </a:rPr>
+              <a:t> the majority class to 150,000</a:t>
+            </a:r>
+          </a:p>
+          <a:p>
+            <a:pPr marL="457200" indent="-457200">
+              <a:buFont typeface="Arial" panose="020B0604020202020204" pitchFamily="34" charset="0"/>
+              <a:buChar char="•"/>
+            </a:pPr>
+            <a:r>
+              <a:rPr lang="en-US" sz="2800" spc="-120" dirty="0" err="1">
+                <a:solidFill>
+                  <a:prstClr val="black"/>
+                </a:solidFill>
+                <a:latin typeface="Calibri Light" panose="020F0302020204030204"/>
+                <a:ea typeface="+mj-ea"/>
+                <a:cs typeface="+mj-cs"/>
+              </a:rPr>
+              <a:t>Upsample</a:t>
+            </a:r>
+            <a:r>
+              <a:rPr lang="en-US" sz="2800" spc="-120" dirty="0">
+                <a:solidFill>
+                  <a:prstClr val="black"/>
+                </a:solidFill>
+                <a:latin typeface="Calibri Light" panose="020F0302020204030204"/>
+                <a:ea typeface="+mj-ea"/>
+                <a:cs typeface="+mj-cs"/>
+              </a:rPr>
+              <a:t> the minority class to 15,000</a:t>
+            </a:r>
+          </a:p>
+          <a:p>
+            <a:pPr marL="457200" indent="-457200">
+              <a:buFont typeface="Arial" panose="020B0604020202020204" pitchFamily="34" charset="0"/>
+              <a:buChar char="•"/>
+            </a:pPr>
+            <a:r>
+              <a:rPr lang="en-US" sz="2800" spc="-120" dirty="0">
+                <a:solidFill>
+                  <a:prstClr val="black"/>
+                </a:solidFill>
+                <a:latin typeface="Calibri Light" panose="020F0302020204030204"/>
+                <a:ea typeface="+mj-ea"/>
+                <a:cs typeface="+mj-cs"/>
+              </a:rPr>
+              <a:t>Use different class weights for each class</a:t>
+            </a:r>
+          </a:p>
+          <a:p>
             <a:endParaRPr lang="en-US" sz="2800" spc="-120" dirty="0">
               <a:solidFill>
                 <a:prstClr val="black"/>
@@ -8899,57 +8965,10 @@
           </a:p>
         </p:txBody>
       </p:sp>
-      <p:pic>
-        <p:nvPicPr>
-          <p:cNvPr id="14338" name="Picture 2">
-            <a:extLst>
-              <a:ext uri="{FF2B5EF4-FFF2-40B4-BE49-F238E27FC236}">
-                <a16:creationId xmlns:a16="http://schemas.microsoft.com/office/drawing/2014/main" id="{051009AF-58F8-4B0A-9A2E-D56EAB0CA73F}"/>
-              </a:ext>
-            </a:extLst>
-          </p:cNvPr>
-          <p:cNvPicPr>
-            <a:picLocks noChangeAspect="1" noChangeArrowheads="1"/>
-          </p:cNvPicPr>
-          <p:nvPr/>
-        </p:nvPicPr>
-        <p:blipFill>
-          <a:blip r:embed="rId2">
-            <a:extLst>
-              <a:ext uri="{28A0092B-C50C-407E-A947-70E740481C1C}">
-                <a14:useLocalDpi xmlns:a14="http://schemas.microsoft.com/office/drawing/2010/main" val="0"/>
-              </a:ext>
-            </a:extLst>
-          </a:blip>
-          <a:srcRect/>
-          <a:stretch>
-            <a:fillRect/>
-          </a:stretch>
-        </p:blipFill>
-        <p:spPr bwMode="auto">
-          <a:xfrm>
-            <a:off x="2967012" y="1647756"/>
-            <a:ext cx="6369437" cy="4817364"/>
-          </a:xfrm>
-          <a:prstGeom prst="rect">
-            <a:avLst/>
-          </a:prstGeom>
-          <a:noFill/>
-          <a:extLst>
-            <a:ext uri="{909E8E84-426E-40DD-AFC4-6F175D3DCCD1}">
-              <a14:hiddenFill xmlns:a14="http://schemas.microsoft.com/office/drawing/2010/main">
-                <a:solidFill>
-                  <a:srgbClr val="FFFFFF"/>
-                </a:solidFill>
-              </a14:hiddenFill>
-            </a:ext>
-          </a:extLst>
-        </p:spPr>
-      </p:pic>
     </p:spTree>
     <p:extLst>
       <p:ext uri="{BB962C8B-B14F-4D97-AF65-F5344CB8AC3E}">
-        <p14:creationId xmlns:p14="http://schemas.microsoft.com/office/powerpoint/2010/main" val="3400818642"/>
+        <p14:creationId xmlns:p14="http://schemas.microsoft.com/office/powerpoint/2010/main" val="3763522997"/>
       </p:ext>
     </p:extLst>
   </p:cSld>
@@ -9226,62 +9245,124 @@
                   <a:srgbClr val="FFFFFF"/>
                 </a:solidFill>
               </a:rPr>
-              <a:t>DATA MODELLING – Final Model Diagram</a:t>
-            </a:r>
+              <a:t>DATA PREPARATION – Feature Importance 	</a:t>
+            </a:r>
+            <a:endParaRPr lang="en-GB" sz="4000" dirty="0">
+              <a:solidFill>
+                <a:srgbClr val="FFFFFF"/>
+              </a:solidFill>
+            </a:endParaRPr>
           </a:p>
         </p:txBody>
       </p:sp>
-      <p:pic>
-        <p:nvPicPr>
-          <p:cNvPr id="10252" name="Picture 12">
+      <p:sp>
+        <p:nvSpPr>
+          <p:cNvPr id="10" name="TextBox 9">
             <a:extLst>
               <a:ext uri="{FF2B5EF4-FFF2-40B4-BE49-F238E27FC236}">
-                <a16:creationId xmlns:a16="http://schemas.microsoft.com/office/drawing/2014/main" id="{7C593522-3396-4752-9CF8-B34E8130358C}"/>
+                <a16:creationId xmlns:a16="http://schemas.microsoft.com/office/drawing/2014/main" id="{756F8E5B-1EA2-42DF-B9DD-C15A8F82FC7F}"/>
               </a:ext>
             </a:extLst>
           </p:cNvPr>
-          <p:cNvPicPr>
-            <a:picLocks noChangeAspect="1" noChangeArrowheads="1"/>
-          </p:cNvPicPr>
+          <p:cNvSpPr txBox="1"/>
           <p:nvPr/>
-        </p:nvPicPr>
-        <p:blipFill>
-          <a:blip r:embed="rId2">
-            <a:extLst>
-              <a:ext uri="{28A0092B-C50C-407E-A947-70E740481C1C}">
-                <a14:useLocalDpi xmlns:a14="http://schemas.microsoft.com/office/drawing/2010/main" val="0"/>
-              </a:ext>
-            </a:extLst>
-          </a:blip>
-          <a:srcRect/>
-          <a:stretch>
-            <a:fillRect/>
-          </a:stretch>
-        </p:blipFill>
-        <p:spPr bwMode="auto">
+        </p:nvSpPr>
+        <p:spPr>
           <a:xfrm>
-            <a:off x="1638826" y="1682496"/>
-            <a:ext cx="8914347" cy="4089083"/>
+            <a:off x="1120604" y="2103332"/>
+            <a:ext cx="9950791" cy="954107"/>
           </a:xfrm>
           <a:prstGeom prst="rect">
             <a:avLst/>
           </a:prstGeom>
           <a:noFill/>
-          <a:extLst>
-            <a:ext uri="{909E8E84-426E-40DD-AFC4-6F175D3DCCD1}">
-              <a14:hiddenFill xmlns:a14="http://schemas.microsoft.com/office/drawing/2010/main">
-                <a:solidFill>
-                  <a:srgbClr val="FFFFFF"/>
-                </a:solidFill>
-              </a14:hiddenFill>
-            </a:ext>
-          </a:extLst>
+        </p:spPr>
+        <p:txBody>
+          <a:bodyPr wrap="square" rtlCol="0">
+            <a:spAutoFit/>
+          </a:bodyPr>
+          <a:lstStyle/>
+          <a:p>
+            <a:r>
+              <a:rPr lang="en-US" sz="2800" spc="-120" dirty="0">
+                <a:solidFill>
+                  <a:prstClr val="black"/>
+                </a:solidFill>
+                <a:latin typeface="Calibri Light" panose="020F0302020204030204"/>
+                <a:ea typeface="+mj-ea"/>
+                <a:cs typeface="+mj-cs"/>
+              </a:rPr>
+              <a:t>Used </a:t>
+            </a:r>
+            <a:r>
+              <a:rPr lang="en-US" sz="2800" spc="-120" dirty="0" err="1">
+                <a:solidFill>
+                  <a:prstClr val="black"/>
+                </a:solidFill>
+                <a:latin typeface="Calibri Light" panose="020F0302020204030204"/>
+                <a:ea typeface="+mj-ea"/>
+                <a:cs typeface="+mj-cs"/>
+              </a:rPr>
+              <a:t>LightGBM</a:t>
+            </a:r>
+            <a:r>
+              <a:rPr lang="en-US" sz="2800" spc="-120" dirty="0">
+                <a:solidFill>
+                  <a:prstClr val="black"/>
+                </a:solidFill>
+                <a:latin typeface="Calibri Light" panose="020F0302020204030204"/>
+                <a:ea typeface="+mj-ea"/>
+                <a:cs typeface="+mj-cs"/>
+              </a:rPr>
+              <a:t> to extract Feature Importance</a:t>
+            </a:r>
+          </a:p>
+          <a:p>
+            <a:endParaRPr lang="en-US" sz="2800" spc="-120" dirty="0">
+              <a:solidFill>
+                <a:prstClr val="black"/>
+              </a:solidFill>
+              <a:latin typeface="Calibri Light" panose="020F0302020204030204"/>
+              <a:ea typeface="+mj-ea"/>
+              <a:cs typeface="+mj-cs"/>
+            </a:endParaRPr>
+          </a:p>
+        </p:txBody>
+      </p:sp>
+      <p:pic>
+        <p:nvPicPr>
+          <p:cNvPr id="3" name="Picture 2">
+            <a:extLst>
+              <a:ext uri="{FF2B5EF4-FFF2-40B4-BE49-F238E27FC236}">
+                <a16:creationId xmlns:a16="http://schemas.microsoft.com/office/drawing/2014/main" id="{FB3CFD7E-2AFD-4F11-BD31-6D4500000DD6}"/>
+              </a:ext>
+            </a:extLst>
+          </p:cNvPr>
+          <p:cNvPicPr>
+            <a:picLocks noChangeAspect="1"/>
+          </p:cNvPicPr>
+          <p:nvPr/>
+        </p:nvPicPr>
+        <p:blipFill>
+          <a:blip r:embed="rId2"/>
+          <a:stretch>
+            <a:fillRect/>
+          </a:stretch>
+        </p:blipFill>
+        <p:spPr>
+          <a:xfrm>
+            <a:off x="2375910" y="2735579"/>
+            <a:ext cx="7440178" cy="3720089"/>
+          </a:xfrm>
+          <a:prstGeom prst="rect">
+            <a:avLst/>
+          </a:prstGeom>
         </p:spPr>
       </p:pic>
     </p:spTree>
     <p:extLst>
       <p:ext uri="{BB962C8B-B14F-4D97-AF65-F5344CB8AC3E}">
-        <p14:creationId xmlns:p14="http://schemas.microsoft.com/office/powerpoint/2010/main" val="2941449514"/>
+        <p14:creationId xmlns:p14="http://schemas.microsoft.com/office/powerpoint/2010/main" val="2554375758"/>
       </p:ext>
     </p:extLst>
   </p:cSld>
@@ -9407,17 +9488,22 @@
                   <a:srgbClr val="FFFFFF"/>
                 </a:solidFill>
               </a:rPr>
-              <a:t>DATA MODELLING – Ensemble Learning</a:t>
-            </a:r>
+              <a:t>DATA PREPARATION – Cumulative Feature Importance 	</a:t>
+            </a:r>
+            <a:endParaRPr lang="en-GB" sz="4000" dirty="0">
+              <a:solidFill>
+                <a:srgbClr val="FFFFFF"/>
+              </a:solidFill>
+            </a:endParaRPr>
           </a:p>
         </p:txBody>
       </p:sp>
       <p:sp>
         <p:nvSpPr>
-          <p:cNvPr id="5" name="TextBox 4">
+          <p:cNvPr id="10" name="TextBox 9">
             <a:extLst>
               <a:ext uri="{FF2B5EF4-FFF2-40B4-BE49-F238E27FC236}">
-                <a16:creationId xmlns:a16="http://schemas.microsoft.com/office/drawing/2014/main" id="{FB21CF64-73EC-4974-AA58-D746D3421BF5}"/>
+                <a16:creationId xmlns:a16="http://schemas.microsoft.com/office/drawing/2014/main" id="{756F8E5B-1EA2-42DF-B9DD-C15A8F82FC7F}"/>
               </a:ext>
             </a:extLst>
           </p:cNvPr>
@@ -9427,7 +9513,7 @@
         <p:spPr>
           <a:xfrm>
             <a:off x="1120604" y="2103332"/>
-            <a:ext cx="9950791" cy="3108543"/>
+            <a:ext cx="9950791" cy="1384995"/>
           </a:xfrm>
           <a:prstGeom prst="rect">
             <a:avLst/>
@@ -9440,10 +9526,6 @@
           </a:bodyPr>
           <a:lstStyle/>
           <a:p>
-            <a:pPr marL="457200" indent="-457200">
-              <a:buFont typeface="Arial" panose="020B0604020202020204" pitchFamily="34" charset="0"/>
-              <a:buChar char="•"/>
-            </a:pPr>
             <a:r>
               <a:rPr lang="en-US" sz="2800" spc="-120" dirty="0">
                 <a:solidFill>
@@ -9453,27 +9535,10 @@
                 <a:ea typeface="+mj-ea"/>
                 <a:cs typeface="+mj-cs"/>
               </a:rPr>
-              <a:t>6 different Machine Learning Model has been trained.</a:t>
-            </a:r>
-          </a:p>
-          <a:p>
-            <a:r>
-              <a:rPr lang="en-US" sz="2800" spc="-120" dirty="0">
-                <a:solidFill>
-                  <a:prstClr val="black"/>
-                </a:solidFill>
-                <a:latin typeface="Calibri Light" panose="020F0302020204030204"/>
-                <a:ea typeface="+mj-ea"/>
-                <a:cs typeface="+mj-cs"/>
-              </a:rPr>
-              <a:t>Each one of them might be good at capturing some of the data.</a:t>
-            </a:r>
-          </a:p>
-          <a:p>
-            <a:pPr marL="457200" indent="-457200">
-              <a:buFont typeface="Arial" panose="020B0604020202020204" pitchFamily="34" charset="0"/>
-              <a:buChar char="•"/>
-            </a:pPr>
+              <a:t>Removed 22 features from 45 since they weren’t adding any value to the model</a:t>
+            </a:r>
+          </a:p>
+          <a:p>
             <a:endParaRPr lang="en-US" sz="2800" spc="-120" dirty="0">
               <a:solidFill>
                 <a:prstClr val="black"/>
@@ -9483,60 +9548,42 @@
               <a:cs typeface="+mj-cs"/>
             </a:endParaRPr>
           </a:p>
-          <a:p>
-            <a:pPr marL="457200" indent="-457200">
-              <a:buFont typeface="Arial" panose="020B0604020202020204" pitchFamily="34" charset="0"/>
-              <a:buChar char="•"/>
-            </a:pPr>
-            <a:r>
-              <a:rPr lang="en-US" sz="2800" spc="-120" dirty="0">
-                <a:solidFill>
-                  <a:prstClr val="black"/>
-                </a:solidFill>
-                <a:latin typeface="Calibri Light" panose="020F0302020204030204"/>
-                <a:ea typeface="+mj-ea"/>
-                <a:cs typeface="+mj-cs"/>
-              </a:rPr>
-              <a:t>Therefore, we get 6 predictions for each example.</a:t>
-            </a:r>
-          </a:p>
-          <a:p>
-            <a:pPr marL="457200" indent="-457200">
-              <a:buFont typeface="Arial" panose="020B0604020202020204" pitchFamily="34" charset="0"/>
-              <a:buChar char="•"/>
-            </a:pPr>
-            <a:endParaRPr lang="en-US" sz="2800" spc="-120" dirty="0">
-              <a:solidFill>
-                <a:prstClr val="black"/>
-              </a:solidFill>
-              <a:latin typeface="Calibri Light" panose="020F0302020204030204"/>
-              <a:ea typeface="+mj-ea"/>
-              <a:cs typeface="+mj-cs"/>
-            </a:endParaRPr>
-          </a:p>
-          <a:p>
-            <a:pPr marL="457200" indent="-457200">
-              <a:buFont typeface="Arial" panose="020B0604020202020204" pitchFamily="34" charset="0"/>
-              <a:buChar char="•"/>
-            </a:pPr>
-            <a:r>
-              <a:rPr lang="en-US" sz="2800" spc="-120" dirty="0">
-                <a:solidFill>
-                  <a:prstClr val="black"/>
-                </a:solidFill>
-                <a:latin typeface="Calibri Light" panose="020F0302020204030204"/>
-                <a:ea typeface="+mj-ea"/>
-                <a:cs typeface="+mj-cs"/>
-              </a:rPr>
-              <a:t>On top of that 6 models, there is one final model which decides the final prediction for that example. This is called “Stacking”</a:t>
-            </a:r>
-          </a:p>
         </p:txBody>
       </p:sp>
+      <p:pic>
+        <p:nvPicPr>
+          <p:cNvPr id="4" name="Picture 3">
+            <a:extLst>
+              <a:ext uri="{FF2B5EF4-FFF2-40B4-BE49-F238E27FC236}">
+                <a16:creationId xmlns:a16="http://schemas.microsoft.com/office/drawing/2014/main" id="{D67B57C9-658A-4DBF-9515-C05E7978770F}"/>
+              </a:ext>
+            </a:extLst>
+          </p:cNvPr>
+          <p:cNvPicPr>
+            <a:picLocks noChangeAspect="1"/>
+          </p:cNvPicPr>
+          <p:nvPr/>
+        </p:nvPicPr>
+        <p:blipFill>
+          <a:blip r:embed="rId2"/>
+          <a:stretch>
+            <a:fillRect/>
+          </a:stretch>
+        </p:blipFill>
+        <p:spPr>
+          <a:xfrm>
+            <a:off x="3510138" y="2690237"/>
+            <a:ext cx="4965202" cy="3630175"/>
+          </a:xfrm>
+          <a:prstGeom prst="rect">
+            <a:avLst/>
+          </a:prstGeom>
+        </p:spPr>
+      </p:pic>
     </p:spTree>
     <p:extLst>
       <p:ext uri="{BB962C8B-B14F-4D97-AF65-F5344CB8AC3E}">
-        <p14:creationId xmlns:p14="http://schemas.microsoft.com/office/powerpoint/2010/main" val="2000242994"/>
+        <p14:creationId xmlns:p14="http://schemas.microsoft.com/office/powerpoint/2010/main" val="1933927762"/>
       </p:ext>
     </p:extLst>
   </p:cSld>
@@ -9662,6 +9709,970 @@
                   <a:srgbClr val="FFFFFF"/>
                 </a:solidFill>
               </a:rPr>
+              <a:t>DATA PREPARATION – SHAP Summary Plot 	</a:t>
+            </a:r>
+            <a:endParaRPr lang="en-GB" sz="4000" dirty="0">
+              <a:solidFill>
+                <a:srgbClr val="FFFFFF"/>
+              </a:solidFill>
+            </a:endParaRPr>
+          </a:p>
+        </p:txBody>
+      </p:sp>
+      <p:sp>
+        <p:nvSpPr>
+          <p:cNvPr id="10" name="TextBox 9">
+            <a:extLst>
+              <a:ext uri="{FF2B5EF4-FFF2-40B4-BE49-F238E27FC236}">
+                <a16:creationId xmlns:a16="http://schemas.microsoft.com/office/drawing/2014/main" id="{756F8E5B-1EA2-42DF-B9DD-C15A8F82FC7F}"/>
+              </a:ext>
+            </a:extLst>
+          </p:cNvPr>
+          <p:cNvSpPr txBox="1"/>
+          <p:nvPr/>
+        </p:nvSpPr>
+        <p:spPr>
+          <a:xfrm>
+            <a:off x="2375068" y="2511469"/>
+            <a:ext cx="7553327" cy="954107"/>
+          </a:xfrm>
+          <a:prstGeom prst="rect">
+            <a:avLst/>
+          </a:prstGeom>
+          <a:noFill/>
+        </p:spPr>
+        <p:txBody>
+          <a:bodyPr wrap="square" rtlCol="0">
+            <a:spAutoFit/>
+          </a:bodyPr>
+          <a:lstStyle/>
+          <a:p>
+            <a:endParaRPr lang="en-US" sz="2800" spc="-120" dirty="0">
+              <a:solidFill>
+                <a:prstClr val="black"/>
+              </a:solidFill>
+              <a:latin typeface="Calibri Light" panose="020F0302020204030204"/>
+              <a:ea typeface="+mj-ea"/>
+              <a:cs typeface="+mj-cs"/>
+            </a:endParaRPr>
+          </a:p>
+          <a:p>
+            <a:endParaRPr lang="en-US" sz="2800" spc="-120" dirty="0">
+              <a:solidFill>
+                <a:prstClr val="black"/>
+              </a:solidFill>
+              <a:latin typeface="Calibri Light" panose="020F0302020204030204"/>
+              <a:ea typeface="+mj-ea"/>
+              <a:cs typeface="+mj-cs"/>
+            </a:endParaRPr>
+          </a:p>
+        </p:txBody>
+      </p:sp>
+      <p:pic>
+        <p:nvPicPr>
+          <p:cNvPr id="14338" name="Picture 2">
+            <a:extLst>
+              <a:ext uri="{FF2B5EF4-FFF2-40B4-BE49-F238E27FC236}">
+                <a16:creationId xmlns:a16="http://schemas.microsoft.com/office/drawing/2014/main" id="{051009AF-58F8-4B0A-9A2E-D56EAB0CA73F}"/>
+              </a:ext>
+            </a:extLst>
+          </p:cNvPr>
+          <p:cNvPicPr>
+            <a:picLocks noChangeAspect="1" noChangeArrowheads="1"/>
+          </p:cNvPicPr>
+          <p:nvPr/>
+        </p:nvPicPr>
+        <p:blipFill>
+          <a:blip r:embed="rId2">
+            <a:extLst>
+              <a:ext uri="{28A0092B-C50C-407E-A947-70E740481C1C}">
+                <a14:useLocalDpi xmlns:a14="http://schemas.microsoft.com/office/drawing/2010/main" val="0"/>
+              </a:ext>
+            </a:extLst>
+          </a:blip>
+          <a:srcRect/>
+          <a:stretch>
+            <a:fillRect/>
+          </a:stretch>
+        </p:blipFill>
+        <p:spPr bwMode="auto">
+          <a:xfrm>
+            <a:off x="2967012" y="1647756"/>
+            <a:ext cx="6369437" cy="4817364"/>
+          </a:xfrm>
+          <a:prstGeom prst="rect">
+            <a:avLst/>
+          </a:prstGeom>
+          <a:noFill/>
+          <a:extLst>
+            <a:ext uri="{909E8E84-426E-40DD-AFC4-6F175D3DCCD1}">
+              <a14:hiddenFill xmlns:a14="http://schemas.microsoft.com/office/drawing/2010/main">
+                <a:solidFill>
+                  <a:srgbClr val="FFFFFF"/>
+                </a:solidFill>
+              </a14:hiddenFill>
+            </a:ext>
+          </a:extLst>
+        </p:spPr>
+      </p:pic>
+    </p:spTree>
+    <p:extLst>
+      <p:ext uri="{BB962C8B-B14F-4D97-AF65-F5344CB8AC3E}">
+        <p14:creationId xmlns:p14="http://schemas.microsoft.com/office/powerpoint/2010/main" val="3400818642"/>
+      </p:ext>
+    </p:extLst>
+  </p:cSld>
+  <p:clrMapOvr>
+    <a:masterClrMapping/>
+  </p:clrMapOvr>
+</p:sld>
+</file>
+
+<file path=ppt/slides/slide23.xml><?xml version="1.0" encoding="utf-8"?>
+<p:sld xmlns:a="http://schemas.openxmlformats.org/drawingml/2006/main" xmlns:r="http://schemas.openxmlformats.org/officeDocument/2006/relationships" xmlns:p="http://schemas.openxmlformats.org/presentationml/2006/main">
+  <p:cSld>
+    <p:spTree>
+      <p:nvGrpSpPr>
+        <p:cNvPr id="1" name=""/>
+        <p:cNvGrpSpPr/>
+        <p:nvPr/>
+      </p:nvGrpSpPr>
+      <p:grpSpPr>
+        <a:xfrm>
+          <a:off x="0" y="0"/>
+          <a:ext cx="0" cy="0"/>
+          <a:chOff x="0" y="0"/>
+          <a:chExt cx="0" cy="0"/>
+        </a:xfrm>
+      </p:grpSpPr>
+      <p:sp>
+        <p:nvSpPr>
+          <p:cNvPr id="20" name="Rectangle 19">
+            <a:extLst>
+              <a:ext uri="{FF2B5EF4-FFF2-40B4-BE49-F238E27FC236}">
+                <a16:creationId xmlns:a16="http://schemas.microsoft.com/office/drawing/2014/main" id="{434167B2-1F65-408D-9233-EF10B5990B6E}"/>
+              </a:ext>
+            </a:extLst>
+          </p:cNvPr>
+          <p:cNvSpPr/>
+          <p:nvPr/>
+        </p:nvSpPr>
+        <p:spPr>
+          <a:xfrm>
+            <a:off x="0" y="0"/>
+            <a:ext cx="12192000" cy="1334278"/>
+          </a:xfrm>
+          <a:prstGeom prst="rect">
+            <a:avLst/>
+          </a:prstGeom>
+        </p:spPr>
+        <p:style>
+          <a:lnRef idx="2">
+            <a:schemeClr val="accent1">
+              <a:shade val="50000"/>
+            </a:schemeClr>
+          </a:lnRef>
+          <a:fillRef idx="1">
+            <a:schemeClr val="accent1"/>
+          </a:fillRef>
+          <a:effectRef idx="0">
+            <a:schemeClr val="accent1"/>
+          </a:effectRef>
+          <a:fontRef idx="minor">
+            <a:schemeClr val="lt1"/>
+          </a:fontRef>
+        </p:style>
+        <p:txBody>
+          <a:bodyPr rtlCol="0" anchor="ctr"/>
+          <a:lstStyle/>
+          <a:p>
+            <a:pPr algn="ctr"/>
+            <a:endParaRPr lang="en-GB" dirty="0"/>
+          </a:p>
+        </p:txBody>
+      </p:sp>
+      <p:sp>
+        <p:nvSpPr>
+          <p:cNvPr id="9" name="Title 6">
+            <a:extLst>
+              <a:ext uri="{FF2B5EF4-FFF2-40B4-BE49-F238E27FC236}">
+                <a16:creationId xmlns:a16="http://schemas.microsoft.com/office/drawing/2014/main" id="{F5FB2926-5769-4612-9884-4A0888903E66}"/>
+              </a:ext>
+            </a:extLst>
+          </p:cNvPr>
+          <p:cNvSpPr txBox="1">
+            <a:spLocks/>
+          </p:cNvSpPr>
+          <p:nvPr/>
+        </p:nvSpPr>
+        <p:spPr>
+          <a:xfrm>
+            <a:off x="266229" y="0"/>
+            <a:ext cx="11453020" cy="1334278"/>
+          </a:xfrm>
+          <a:prstGeom prst="rect">
+            <a:avLst/>
+          </a:prstGeom>
+        </p:spPr>
+        <p:txBody>
+          <a:bodyPr vert="horz" lIns="91440" tIns="45720" rIns="91440" bIns="45720" rtlCol="0" anchor="ctr">
+            <a:normAutofit/>
+          </a:bodyPr>
+          <a:lstStyle>
+            <a:lvl1pPr algn="l" defTabSz="914400" rtl="0" eaLnBrk="1" latinLnBrk="0" hangingPunct="1">
+              <a:lnSpc>
+                <a:spcPct val="80000"/>
+              </a:lnSpc>
+              <a:spcBef>
+                <a:spcPct val="0"/>
+              </a:spcBef>
+              <a:buNone/>
+              <a:defRPr sz="8800" b="0" kern="1200" spc="-120" baseline="0">
+                <a:solidFill>
+                  <a:schemeClr val="accent1"/>
+                </a:solidFill>
+                <a:latin typeface="+mj-lt"/>
+                <a:ea typeface="+mj-ea"/>
+                <a:cs typeface="+mj-cs"/>
+              </a:defRPr>
+            </a:lvl1pPr>
+          </a:lstStyle>
+          <a:p>
+            <a:r>
+              <a:rPr lang="en-US" sz="4000" dirty="0">
+                <a:solidFill>
+                  <a:srgbClr val="FFFFFF"/>
+                </a:solidFill>
+              </a:rPr>
+              <a:t>DATA PREPARATION – Feature Selection	</a:t>
+            </a:r>
+            <a:endParaRPr lang="en-GB" sz="4000" dirty="0">
+              <a:solidFill>
+                <a:srgbClr val="FFFFFF"/>
+              </a:solidFill>
+            </a:endParaRPr>
+          </a:p>
+        </p:txBody>
+      </p:sp>
+      <p:sp>
+        <p:nvSpPr>
+          <p:cNvPr id="10" name="TextBox 9">
+            <a:extLst>
+              <a:ext uri="{FF2B5EF4-FFF2-40B4-BE49-F238E27FC236}">
+                <a16:creationId xmlns:a16="http://schemas.microsoft.com/office/drawing/2014/main" id="{756F8E5B-1EA2-42DF-B9DD-C15A8F82FC7F}"/>
+              </a:ext>
+            </a:extLst>
+          </p:cNvPr>
+          <p:cNvSpPr txBox="1"/>
+          <p:nvPr/>
+        </p:nvSpPr>
+        <p:spPr>
+          <a:xfrm>
+            <a:off x="2375068" y="2511469"/>
+            <a:ext cx="7553327" cy="954107"/>
+          </a:xfrm>
+          <a:prstGeom prst="rect">
+            <a:avLst/>
+          </a:prstGeom>
+          <a:noFill/>
+        </p:spPr>
+        <p:txBody>
+          <a:bodyPr wrap="square" rtlCol="0">
+            <a:spAutoFit/>
+          </a:bodyPr>
+          <a:lstStyle/>
+          <a:p>
+            <a:endParaRPr lang="en-US" sz="2800" spc="-120" dirty="0">
+              <a:solidFill>
+                <a:prstClr val="black"/>
+              </a:solidFill>
+              <a:latin typeface="Calibri Light" panose="020F0302020204030204"/>
+              <a:ea typeface="+mj-ea"/>
+              <a:cs typeface="+mj-cs"/>
+            </a:endParaRPr>
+          </a:p>
+          <a:p>
+            <a:endParaRPr lang="en-US" sz="2800" spc="-120" dirty="0">
+              <a:solidFill>
+                <a:prstClr val="black"/>
+              </a:solidFill>
+              <a:latin typeface="Calibri Light" panose="020F0302020204030204"/>
+              <a:ea typeface="+mj-ea"/>
+              <a:cs typeface="+mj-cs"/>
+            </a:endParaRPr>
+          </a:p>
+        </p:txBody>
+      </p:sp>
+      <p:sp>
+        <p:nvSpPr>
+          <p:cNvPr id="6" name="TextBox 5">
+            <a:extLst>
+              <a:ext uri="{FF2B5EF4-FFF2-40B4-BE49-F238E27FC236}">
+                <a16:creationId xmlns:a16="http://schemas.microsoft.com/office/drawing/2014/main" id="{E7D54BA8-2975-4B2F-B52F-46B2D5533CD3}"/>
+              </a:ext>
+            </a:extLst>
+          </p:cNvPr>
+          <p:cNvSpPr txBox="1"/>
+          <p:nvPr/>
+        </p:nvSpPr>
+        <p:spPr>
+          <a:xfrm>
+            <a:off x="1120604" y="2103332"/>
+            <a:ext cx="9950791" cy="2677656"/>
+          </a:xfrm>
+          <a:prstGeom prst="rect">
+            <a:avLst/>
+          </a:prstGeom>
+          <a:noFill/>
+        </p:spPr>
+        <p:txBody>
+          <a:bodyPr wrap="square" rtlCol="0">
+            <a:spAutoFit/>
+          </a:bodyPr>
+          <a:lstStyle/>
+          <a:p>
+            <a:pPr marL="457200" indent="-457200">
+              <a:buFont typeface="Arial" panose="020B0604020202020204" pitchFamily="34" charset="0"/>
+              <a:buChar char="•"/>
+            </a:pPr>
+            <a:r>
+              <a:rPr lang="en-US" sz="2800" spc="-120" dirty="0">
+                <a:solidFill>
+                  <a:prstClr val="black"/>
+                </a:solidFill>
+                <a:latin typeface="Calibri Light" panose="020F0302020204030204"/>
+                <a:ea typeface="+mj-ea"/>
+                <a:cs typeface="+mj-cs"/>
+              </a:rPr>
+              <a:t>From 45 engineered feature, I picked only 22 of them. Added all the selected features as Appendix A.</a:t>
+            </a:r>
+          </a:p>
+          <a:p>
+            <a:pPr marL="457200" indent="-457200">
+              <a:buFont typeface="Arial" panose="020B0604020202020204" pitchFamily="34" charset="0"/>
+              <a:buChar char="•"/>
+            </a:pPr>
+            <a:endParaRPr lang="en-US" sz="2800" spc="-120" dirty="0">
+              <a:solidFill>
+                <a:prstClr val="black"/>
+              </a:solidFill>
+              <a:latin typeface="Calibri Light" panose="020F0302020204030204"/>
+              <a:ea typeface="+mj-ea"/>
+              <a:cs typeface="+mj-cs"/>
+            </a:endParaRPr>
+          </a:p>
+          <a:p>
+            <a:pPr marL="457200" indent="-457200">
+              <a:buFont typeface="Arial" panose="020B0604020202020204" pitchFamily="34" charset="0"/>
+              <a:buChar char="•"/>
+            </a:pPr>
+            <a:r>
+              <a:rPr lang="en-US" sz="2800" spc="-120" dirty="0">
+                <a:solidFill>
+                  <a:prstClr val="black"/>
+                </a:solidFill>
+                <a:latin typeface="Calibri Light" panose="020F0302020204030204"/>
+                <a:ea typeface="+mj-ea"/>
+                <a:cs typeface="+mj-cs"/>
+              </a:rPr>
+              <a:t>Education</a:t>
+            </a:r>
+          </a:p>
+          <a:p>
+            <a:pPr marL="457200" indent="-457200">
+              <a:buFont typeface="Arial" panose="020B0604020202020204" pitchFamily="34" charset="0"/>
+              <a:buChar char="•"/>
+            </a:pPr>
+            <a:endParaRPr lang="en-US" sz="2800" spc="-120" dirty="0">
+              <a:solidFill>
+                <a:prstClr val="black"/>
+              </a:solidFill>
+              <a:latin typeface="Calibri Light" panose="020F0302020204030204"/>
+              <a:ea typeface="+mj-ea"/>
+              <a:cs typeface="+mj-cs"/>
+            </a:endParaRPr>
+          </a:p>
+          <a:p>
+            <a:pPr marL="457200" indent="-457200">
+              <a:buFont typeface="Arial" panose="020B0604020202020204" pitchFamily="34" charset="0"/>
+              <a:buChar char="•"/>
+            </a:pPr>
+            <a:endParaRPr lang="en-US" sz="2800" spc="-120" dirty="0">
+              <a:solidFill>
+                <a:prstClr val="black"/>
+              </a:solidFill>
+              <a:latin typeface="Calibri Light" panose="020F0302020204030204"/>
+              <a:ea typeface="+mj-ea"/>
+              <a:cs typeface="+mj-cs"/>
+            </a:endParaRPr>
+          </a:p>
+        </p:txBody>
+      </p:sp>
+    </p:spTree>
+    <p:extLst>
+      <p:ext uri="{BB962C8B-B14F-4D97-AF65-F5344CB8AC3E}">
+        <p14:creationId xmlns:p14="http://schemas.microsoft.com/office/powerpoint/2010/main" val="3905603528"/>
+      </p:ext>
+    </p:extLst>
+  </p:cSld>
+  <p:clrMapOvr>
+    <a:masterClrMapping/>
+  </p:clrMapOvr>
+</p:sld>
+</file>
+
+<file path=ppt/slides/slide24.xml><?xml version="1.0" encoding="utf-8"?>
+<p:sld xmlns:a="http://schemas.openxmlformats.org/drawingml/2006/main" xmlns:r="http://schemas.openxmlformats.org/officeDocument/2006/relationships" xmlns:p="http://schemas.openxmlformats.org/presentationml/2006/main">
+  <p:cSld>
+    <p:spTree>
+      <p:nvGrpSpPr>
+        <p:cNvPr id="1" name=""/>
+        <p:cNvGrpSpPr/>
+        <p:nvPr/>
+      </p:nvGrpSpPr>
+      <p:grpSpPr>
+        <a:xfrm>
+          <a:off x="0" y="0"/>
+          <a:ext cx="0" cy="0"/>
+          <a:chOff x="0" y="0"/>
+          <a:chExt cx="0" cy="0"/>
+        </a:xfrm>
+      </p:grpSpPr>
+      <p:sp>
+        <p:nvSpPr>
+          <p:cNvPr id="20" name="Rectangle 19">
+            <a:extLst>
+              <a:ext uri="{FF2B5EF4-FFF2-40B4-BE49-F238E27FC236}">
+                <a16:creationId xmlns:a16="http://schemas.microsoft.com/office/drawing/2014/main" id="{434167B2-1F65-408D-9233-EF10B5990B6E}"/>
+              </a:ext>
+            </a:extLst>
+          </p:cNvPr>
+          <p:cNvSpPr/>
+          <p:nvPr/>
+        </p:nvSpPr>
+        <p:spPr>
+          <a:xfrm>
+            <a:off x="0" y="0"/>
+            <a:ext cx="12192000" cy="1334278"/>
+          </a:xfrm>
+          <a:prstGeom prst="rect">
+            <a:avLst/>
+          </a:prstGeom>
+        </p:spPr>
+        <p:style>
+          <a:lnRef idx="2">
+            <a:schemeClr val="accent1">
+              <a:shade val="50000"/>
+            </a:schemeClr>
+          </a:lnRef>
+          <a:fillRef idx="1">
+            <a:schemeClr val="accent1"/>
+          </a:fillRef>
+          <a:effectRef idx="0">
+            <a:schemeClr val="accent1"/>
+          </a:effectRef>
+          <a:fontRef idx="minor">
+            <a:schemeClr val="lt1"/>
+          </a:fontRef>
+        </p:style>
+        <p:txBody>
+          <a:bodyPr rtlCol="0" anchor="ctr"/>
+          <a:lstStyle/>
+          <a:p>
+            <a:pPr algn="ctr"/>
+            <a:endParaRPr lang="en-GB" dirty="0"/>
+          </a:p>
+        </p:txBody>
+      </p:sp>
+      <p:sp>
+        <p:nvSpPr>
+          <p:cNvPr id="9" name="Title 6">
+            <a:extLst>
+              <a:ext uri="{FF2B5EF4-FFF2-40B4-BE49-F238E27FC236}">
+                <a16:creationId xmlns:a16="http://schemas.microsoft.com/office/drawing/2014/main" id="{F5FB2926-5769-4612-9884-4A0888903E66}"/>
+              </a:ext>
+            </a:extLst>
+          </p:cNvPr>
+          <p:cNvSpPr txBox="1">
+            <a:spLocks/>
+          </p:cNvSpPr>
+          <p:nvPr/>
+        </p:nvSpPr>
+        <p:spPr>
+          <a:xfrm>
+            <a:off x="266229" y="0"/>
+            <a:ext cx="11453020" cy="1334278"/>
+          </a:xfrm>
+          <a:prstGeom prst="rect">
+            <a:avLst/>
+          </a:prstGeom>
+        </p:spPr>
+        <p:txBody>
+          <a:bodyPr vert="horz" lIns="91440" tIns="45720" rIns="91440" bIns="45720" rtlCol="0" anchor="ctr">
+            <a:normAutofit/>
+          </a:bodyPr>
+          <a:lstStyle>
+            <a:lvl1pPr algn="l" defTabSz="914400" rtl="0" eaLnBrk="1" latinLnBrk="0" hangingPunct="1">
+              <a:lnSpc>
+                <a:spcPct val="80000"/>
+              </a:lnSpc>
+              <a:spcBef>
+                <a:spcPct val="0"/>
+              </a:spcBef>
+              <a:buNone/>
+              <a:defRPr sz="8800" b="0" kern="1200" spc="-120" baseline="0">
+                <a:solidFill>
+                  <a:schemeClr val="accent1"/>
+                </a:solidFill>
+                <a:latin typeface="+mj-lt"/>
+                <a:ea typeface="+mj-ea"/>
+                <a:cs typeface="+mj-cs"/>
+              </a:defRPr>
+            </a:lvl1pPr>
+          </a:lstStyle>
+          <a:p>
+            <a:r>
+              <a:rPr lang="en-US" sz="4000" dirty="0">
+                <a:solidFill>
+                  <a:srgbClr val="FFFFFF"/>
+                </a:solidFill>
+              </a:rPr>
+              <a:t>DATA MODELLING – Final Model Diagram</a:t>
+            </a:r>
+          </a:p>
+        </p:txBody>
+      </p:sp>
+      <p:pic>
+        <p:nvPicPr>
+          <p:cNvPr id="10252" name="Picture 12">
+            <a:extLst>
+              <a:ext uri="{FF2B5EF4-FFF2-40B4-BE49-F238E27FC236}">
+                <a16:creationId xmlns:a16="http://schemas.microsoft.com/office/drawing/2014/main" id="{7C593522-3396-4752-9CF8-B34E8130358C}"/>
+              </a:ext>
+            </a:extLst>
+          </p:cNvPr>
+          <p:cNvPicPr>
+            <a:picLocks noChangeAspect="1" noChangeArrowheads="1"/>
+          </p:cNvPicPr>
+          <p:nvPr/>
+        </p:nvPicPr>
+        <p:blipFill>
+          <a:blip r:embed="rId2">
+            <a:extLst>
+              <a:ext uri="{28A0092B-C50C-407E-A947-70E740481C1C}">
+                <a14:useLocalDpi xmlns:a14="http://schemas.microsoft.com/office/drawing/2010/main" val="0"/>
+              </a:ext>
+            </a:extLst>
+          </a:blip>
+          <a:srcRect/>
+          <a:stretch>
+            <a:fillRect/>
+          </a:stretch>
+        </p:blipFill>
+        <p:spPr bwMode="auto">
+          <a:xfrm>
+            <a:off x="1638826" y="1682496"/>
+            <a:ext cx="8914347" cy="4089083"/>
+          </a:xfrm>
+          <a:prstGeom prst="rect">
+            <a:avLst/>
+          </a:prstGeom>
+          <a:noFill/>
+          <a:extLst>
+            <a:ext uri="{909E8E84-426E-40DD-AFC4-6F175D3DCCD1}">
+              <a14:hiddenFill xmlns:a14="http://schemas.microsoft.com/office/drawing/2010/main">
+                <a:solidFill>
+                  <a:srgbClr val="FFFFFF"/>
+                </a:solidFill>
+              </a14:hiddenFill>
+            </a:ext>
+          </a:extLst>
+        </p:spPr>
+      </p:pic>
+    </p:spTree>
+    <p:extLst>
+      <p:ext uri="{BB962C8B-B14F-4D97-AF65-F5344CB8AC3E}">
+        <p14:creationId xmlns:p14="http://schemas.microsoft.com/office/powerpoint/2010/main" val="2941449514"/>
+      </p:ext>
+    </p:extLst>
+  </p:cSld>
+  <p:clrMapOvr>
+    <a:masterClrMapping/>
+  </p:clrMapOvr>
+</p:sld>
+</file>
+
+<file path=ppt/slides/slide25.xml><?xml version="1.0" encoding="utf-8"?>
+<p:sld xmlns:a="http://schemas.openxmlformats.org/drawingml/2006/main" xmlns:r="http://schemas.openxmlformats.org/officeDocument/2006/relationships" xmlns:p="http://schemas.openxmlformats.org/presentationml/2006/main">
+  <p:cSld>
+    <p:spTree>
+      <p:nvGrpSpPr>
+        <p:cNvPr id="1" name=""/>
+        <p:cNvGrpSpPr/>
+        <p:nvPr/>
+      </p:nvGrpSpPr>
+      <p:grpSpPr>
+        <a:xfrm>
+          <a:off x="0" y="0"/>
+          <a:ext cx="0" cy="0"/>
+          <a:chOff x="0" y="0"/>
+          <a:chExt cx="0" cy="0"/>
+        </a:xfrm>
+      </p:grpSpPr>
+      <p:sp>
+        <p:nvSpPr>
+          <p:cNvPr id="20" name="Rectangle 19">
+            <a:extLst>
+              <a:ext uri="{FF2B5EF4-FFF2-40B4-BE49-F238E27FC236}">
+                <a16:creationId xmlns:a16="http://schemas.microsoft.com/office/drawing/2014/main" id="{434167B2-1F65-408D-9233-EF10B5990B6E}"/>
+              </a:ext>
+            </a:extLst>
+          </p:cNvPr>
+          <p:cNvSpPr/>
+          <p:nvPr/>
+        </p:nvSpPr>
+        <p:spPr>
+          <a:xfrm>
+            <a:off x="0" y="0"/>
+            <a:ext cx="12192000" cy="1334278"/>
+          </a:xfrm>
+          <a:prstGeom prst="rect">
+            <a:avLst/>
+          </a:prstGeom>
+        </p:spPr>
+        <p:style>
+          <a:lnRef idx="2">
+            <a:schemeClr val="accent1">
+              <a:shade val="50000"/>
+            </a:schemeClr>
+          </a:lnRef>
+          <a:fillRef idx="1">
+            <a:schemeClr val="accent1"/>
+          </a:fillRef>
+          <a:effectRef idx="0">
+            <a:schemeClr val="accent1"/>
+          </a:effectRef>
+          <a:fontRef idx="minor">
+            <a:schemeClr val="lt1"/>
+          </a:fontRef>
+        </p:style>
+        <p:txBody>
+          <a:bodyPr rtlCol="0" anchor="ctr"/>
+          <a:lstStyle/>
+          <a:p>
+            <a:pPr algn="ctr"/>
+            <a:endParaRPr lang="en-GB" dirty="0"/>
+          </a:p>
+        </p:txBody>
+      </p:sp>
+      <p:sp>
+        <p:nvSpPr>
+          <p:cNvPr id="9" name="Title 6">
+            <a:extLst>
+              <a:ext uri="{FF2B5EF4-FFF2-40B4-BE49-F238E27FC236}">
+                <a16:creationId xmlns:a16="http://schemas.microsoft.com/office/drawing/2014/main" id="{F5FB2926-5769-4612-9884-4A0888903E66}"/>
+              </a:ext>
+            </a:extLst>
+          </p:cNvPr>
+          <p:cNvSpPr txBox="1">
+            <a:spLocks/>
+          </p:cNvSpPr>
+          <p:nvPr/>
+        </p:nvSpPr>
+        <p:spPr>
+          <a:xfrm>
+            <a:off x="266229" y="0"/>
+            <a:ext cx="11453020" cy="1334278"/>
+          </a:xfrm>
+          <a:prstGeom prst="rect">
+            <a:avLst/>
+          </a:prstGeom>
+        </p:spPr>
+        <p:txBody>
+          <a:bodyPr vert="horz" lIns="91440" tIns="45720" rIns="91440" bIns="45720" rtlCol="0" anchor="ctr">
+            <a:normAutofit/>
+          </a:bodyPr>
+          <a:lstStyle>
+            <a:lvl1pPr algn="l" defTabSz="914400" rtl="0" eaLnBrk="1" latinLnBrk="0" hangingPunct="1">
+              <a:lnSpc>
+                <a:spcPct val="80000"/>
+              </a:lnSpc>
+              <a:spcBef>
+                <a:spcPct val="0"/>
+              </a:spcBef>
+              <a:buNone/>
+              <a:defRPr sz="8800" b="0" kern="1200" spc="-120" baseline="0">
+                <a:solidFill>
+                  <a:schemeClr val="accent1"/>
+                </a:solidFill>
+                <a:latin typeface="+mj-lt"/>
+                <a:ea typeface="+mj-ea"/>
+                <a:cs typeface="+mj-cs"/>
+              </a:defRPr>
+            </a:lvl1pPr>
+          </a:lstStyle>
+          <a:p>
+            <a:r>
+              <a:rPr lang="en-US" sz="4000" dirty="0">
+                <a:solidFill>
+                  <a:srgbClr val="FFFFFF"/>
+                </a:solidFill>
+              </a:rPr>
+              <a:t>DATA MODELLING – Ensemble Learning</a:t>
+            </a:r>
+          </a:p>
+        </p:txBody>
+      </p:sp>
+      <p:sp>
+        <p:nvSpPr>
+          <p:cNvPr id="5" name="TextBox 4">
+            <a:extLst>
+              <a:ext uri="{FF2B5EF4-FFF2-40B4-BE49-F238E27FC236}">
+                <a16:creationId xmlns:a16="http://schemas.microsoft.com/office/drawing/2014/main" id="{FB21CF64-73EC-4974-AA58-D746D3421BF5}"/>
+              </a:ext>
+            </a:extLst>
+          </p:cNvPr>
+          <p:cNvSpPr txBox="1"/>
+          <p:nvPr/>
+        </p:nvSpPr>
+        <p:spPr>
+          <a:xfrm>
+            <a:off x="1120604" y="2103332"/>
+            <a:ext cx="9950791" cy="3108543"/>
+          </a:xfrm>
+          <a:prstGeom prst="rect">
+            <a:avLst/>
+          </a:prstGeom>
+          <a:noFill/>
+        </p:spPr>
+        <p:txBody>
+          <a:bodyPr wrap="square" rtlCol="0">
+            <a:spAutoFit/>
+          </a:bodyPr>
+          <a:lstStyle/>
+          <a:p>
+            <a:pPr marL="457200" indent="-457200">
+              <a:buFont typeface="Arial" panose="020B0604020202020204" pitchFamily="34" charset="0"/>
+              <a:buChar char="•"/>
+            </a:pPr>
+            <a:r>
+              <a:rPr lang="en-US" sz="2800" spc="-120" dirty="0">
+                <a:solidFill>
+                  <a:prstClr val="black"/>
+                </a:solidFill>
+                <a:latin typeface="Calibri Light" panose="020F0302020204030204"/>
+                <a:ea typeface="+mj-ea"/>
+                <a:cs typeface="+mj-cs"/>
+              </a:rPr>
+              <a:t>6 different Machine Learning Model has been trained.</a:t>
+            </a:r>
+          </a:p>
+          <a:p>
+            <a:r>
+              <a:rPr lang="en-US" sz="2800" spc="-120" dirty="0">
+                <a:solidFill>
+                  <a:prstClr val="black"/>
+                </a:solidFill>
+                <a:latin typeface="Calibri Light" panose="020F0302020204030204"/>
+                <a:ea typeface="+mj-ea"/>
+                <a:cs typeface="+mj-cs"/>
+              </a:rPr>
+              <a:t>Each one of them might be good at capturing some of the data.</a:t>
+            </a:r>
+          </a:p>
+          <a:p>
+            <a:pPr marL="457200" indent="-457200">
+              <a:buFont typeface="Arial" panose="020B0604020202020204" pitchFamily="34" charset="0"/>
+              <a:buChar char="•"/>
+            </a:pPr>
+            <a:endParaRPr lang="en-US" sz="2800" spc="-120" dirty="0">
+              <a:solidFill>
+                <a:prstClr val="black"/>
+              </a:solidFill>
+              <a:latin typeface="Calibri Light" panose="020F0302020204030204"/>
+              <a:ea typeface="+mj-ea"/>
+              <a:cs typeface="+mj-cs"/>
+            </a:endParaRPr>
+          </a:p>
+          <a:p>
+            <a:pPr marL="457200" indent="-457200">
+              <a:buFont typeface="Arial" panose="020B0604020202020204" pitchFamily="34" charset="0"/>
+              <a:buChar char="•"/>
+            </a:pPr>
+            <a:r>
+              <a:rPr lang="en-US" sz="2800" spc="-120" dirty="0">
+                <a:solidFill>
+                  <a:prstClr val="black"/>
+                </a:solidFill>
+                <a:latin typeface="Calibri Light" panose="020F0302020204030204"/>
+                <a:ea typeface="+mj-ea"/>
+                <a:cs typeface="+mj-cs"/>
+              </a:rPr>
+              <a:t>Therefore, we get 6 predictions for each example.</a:t>
+            </a:r>
+          </a:p>
+          <a:p>
+            <a:pPr marL="457200" indent="-457200">
+              <a:buFont typeface="Arial" panose="020B0604020202020204" pitchFamily="34" charset="0"/>
+              <a:buChar char="•"/>
+            </a:pPr>
+            <a:endParaRPr lang="en-US" sz="2800" spc="-120" dirty="0">
+              <a:solidFill>
+                <a:prstClr val="black"/>
+              </a:solidFill>
+              <a:latin typeface="Calibri Light" panose="020F0302020204030204"/>
+              <a:ea typeface="+mj-ea"/>
+              <a:cs typeface="+mj-cs"/>
+            </a:endParaRPr>
+          </a:p>
+          <a:p>
+            <a:pPr marL="457200" indent="-457200">
+              <a:buFont typeface="Arial" panose="020B0604020202020204" pitchFamily="34" charset="0"/>
+              <a:buChar char="•"/>
+            </a:pPr>
+            <a:r>
+              <a:rPr lang="en-US" sz="2800" spc="-120" dirty="0">
+                <a:solidFill>
+                  <a:prstClr val="black"/>
+                </a:solidFill>
+                <a:latin typeface="Calibri Light" panose="020F0302020204030204"/>
+                <a:ea typeface="+mj-ea"/>
+                <a:cs typeface="+mj-cs"/>
+              </a:rPr>
+              <a:t>On top of that 6 models, there is one final model which decides the final prediction for that example. This is called “Stacking”</a:t>
+            </a:r>
+          </a:p>
+        </p:txBody>
+      </p:sp>
+    </p:spTree>
+    <p:extLst>
+      <p:ext uri="{BB962C8B-B14F-4D97-AF65-F5344CB8AC3E}">
+        <p14:creationId xmlns:p14="http://schemas.microsoft.com/office/powerpoint/2010/main" val="2000242994"/>
+      </p:ext>
+    </p:extLst>
+  </p:cSld>
+  <p:clrMapOvr>
+    <a:masterClrMapping/>
+  </p:clrMapOvr>
+</p:sld>
+</file>
+
+<file path=ppt/slides/slide26.xml><?xml version="1.0" encoding="utf-8"?>
+<p:sld xmlns:a="http://schemas.openxmlformats.org/drawingml/2006/main" xmlns:r="http://schemas.openxmlformats.org/officeDocument/2006/relationships" xmlns:p="http://schemas.openxmlformats.org/presentationml/2006/main">
+  <p:cSld>
+    <p:spTree>
+      <p:nvGrpSpPr>
+        <p:cNvPr id="1" name=""/>
+        <p:cNvGrpSpPr/>
+        <p:nvPr/>
+      </p:nvGrpSpPr>
+      <p:grpSpPr>
+        <a:xfrm>
+          <a:off x="0" y="0"/>
+          <a:ext cx="0" cy="0"/>
+          <a:chOff x="0" y="0"/>
+          <a:chExt cx="0" cy="0"/>
+        </a:xfrm>
+      </p:grpSpPr>
+      <p:sp>
+        <p:nvSpPr>
+          <p:cNvPr id="20" name="Rectangle 19">
+            <a:extLst>
+              <a:ext uri="{FF2B5EF4-FFF2-40B4-BE49-F238E27FC236}">
+                <a16:creationId xmlns:a16="http://schemas.microsoft.com/office/drawing/2014/main" id="{434167B2-1F65-408D-9233-EF10B5990B6E}"/>
+              </a:ext>
+            </a:extLst>
+          </p:cNvPr>
+          <p:cNvSpPr/>
+          <p:nvPr/>
+        </p:nvSpPr>
+        <p:spPr>
+          <a:xfrm>
+            <a:off x="0" y="0"/>
+            <a:ext cx="12192000" cy="1334278"/>
+          </a:xfrm>
+          <a:prstGeom prst="rect">
+            <a:avLst/>
+          </a:prstGeom>
+        </p:spPr>
+        <p:style>
+          <a:lnRef idx="2">
+            <a:schemeClr val="accent1">
+              <a:shade val="50000"/>
+            </a:schemeClr>
+          </a:lnRef>
+          <a:fillRef idx="1">
+            <a:schemeClr val="accent1"/>
+          </a:fillRef>
+          <a:effectRef idx="0">
+            <a:schemeClr val="accent1"/>
+          </a:effectRef>
+          <a:fontRef idx="minor">
+            <a:schemeClr val="lt1"/>
+          </a:fontRef>
+        </p:style>
+        <p:txBody>
+          <a:bodyPr rtlCol="0" anchor="ctr"/>
+          <a:lstStyle/>
+          <a:p>
+            <a:pPr algn="ctr"/>
+            <a:endParaRPr lang="en-GB" dirty="0"/>
+          </a:p>
+        </p:txBody>
+      </p:sp>
+      <p:sp>
+        <p:nvSpPr>
+          <p:cNvPr id="9" name="Title 6">
+            <a:extLst>
+              <a:ext uri="{FF2B5EF4-FFF2-40B4-BE49-F238E27FC236}">
+                <a16:creationId xmlns:a16="http://schemas.microsoft.com/office/drawing/2014/main" id="{F5FB2926-5769-4612-9884-4A0888903E66}"/>
+              </a:ext>
+            </a:extLst>
+          </p:cNvPr>
+          <p:cNvSpPr txBox="1">
+            <a:spLocks/>
+          </p:cNvSpPr>
+          <p:nvPr/>
+        </p:nvSpPr>
+        <p:spPr>
+          <a:xfrm>
+            <a:off x="266229" y="0"/>
+            <a:ext cx="11453020" cy="1334278"/>
+          </a:xfrm>
+          <a:prstGeom prst="rect">
+            <a:avLst/>
+          </a:prstGeom>
+        </p:spPr>
+        <p:txBody>
+          <a:bodyPr vert="horz" lIns="91440" tIns="45720" rIns="91440" bIns="45720" rtlCol="0" anchor="ctr">
+            <a:normAutofit/>
+          </a:bodyPr>
+          <a:lstStyle>
+            <a:lvl1pPr algn="l" defTabSz="914400" rtl="0" eaLnBrk="1" latinLnBrk="0" hangingPunct="1">
+              <a:lnSpc>
+                <a:spcPct val="80000"/>
+              </a:lnSpc>
+              <a:spcBef>
+                <a:spcPct val="0"/>
+              </a:spcBef>
+              <a:buNone/>
+              <a:defRPr sz="8800" b="0" kern="1200" spc="-120" baseline="0">
+                <a:solidFill>
+                  <a:schemeClr val="accent1"/>
+                </a:solidFill>
+                <a:latin typeface="+mj-lt"/>
+                <a:ea typeface="+mj-ea"/>
+                <a:cs typeface="+mj-cs"/>
+              </a:defRPr>
+            </a:lvl1pPr>
+          </a:lstStyle>
+          <a:p>
+            <a:r>
+              <a:rPr lang="en-US" sz="4000" dirty="0">
+                <a:solidFill>
+                  <a:srgbClr val="FFFFFF"/>
+                </a:solidFill>
+              </a:rPr>
               <a:t>MODEL ASSESSMENT</a:t>
             </a:r>
             <a:endParaRPr lang="en-GB" sz="4000" dirty="0">
@@ -9743,7 +10754,7 @@
           <p:nvPr>
             <p:extLst>
               <p:ext uri="{D42A27DB-BD31-4B8C-83A1-F6EECF244321}">
-                <p14:modId xmlns:p14="http://schemas.microsoft.com/office/powerpoint/2010/main" val="1984144305"/>
+                <p14:modId xmlns:p14="http://schemas.microsoft.com/office/powerpoint/2010/main" val="47958016"/>
               </p:ext>
             </p:extLst>
           </p:nvPr>
@@ -9998,10 +11009,10 @@
                     <a:lstStyle/>
                     <a:p>
                       <a:r>
-                        <a:rPr lang="en-US" dirty="0"/>
+                        <a:rPr lang="en-US" sz="2000" b="1" u="sng" dirty="0"/>
                         <a:t>0.59</a:t>
                       </a:r>
-                      <a:endParaRPr lang="en-GB" dirty="0"/>
+                      <a:endParaRPr lang="en-GB" sz="2000" b="1" u="sng" dirty="0"/>
                     </a:p>
                   </a:txBody>
                   <a:tcPr/>
@@ -10075,10 +11086,10 @@
                     <a:lstStyle/>
                     <a:p>
                       <a:r>
-                        <a:rPr lang="en-US" dirty="0"/>
+                        <a:rPr lang="en-US" sz="2000" b="1" u="sng" dirty="0"/>
                         <a:t>0.96</a:t>
                       </a:r>
-                      <a:endParaRPr lang="en-GB" dirty="0"/>
+                      <a:endParaRPr lang="en-GB" sz="2000" b="1" u="sng" dirty="0"/>
                     </a:p>
                   </a:txBody>
                   <a:tcPr/>
@@ -10152,10 +11163,10 @@
                     <a:lstStyle/>
                     <a:p>
                       <a:r>
-                        <a:rPr lang="en-US" b="1" dirty="0"/>
+                        <a:rPr lang="en-US" sz="2000" b="1" u="sng" dirty="0"/>
                         <a:t>0.785</a:t>
                       </a:r>
-                      <a:endParaRPr lang="en-GB" b="1" dirty="0"/>
+                      <a:endParaRPr lang="en-GB" sz="2000" b="1" u="sng" dirty="0"/>
                     </a:p>
                   </a:txBody>
                   <a:tcPr/>
@@ -10230,7 +11241,7 @@
                     <a:p>
                       <a:r>
                         <a:rPr lang="en-US" dirty="0"/>
-                        <a:t>0.95</a:t>
+                        <a:t>0.958</a:t>
                       </a:r>
                       <a:endParaRPr lang="en-GB" dirty="0"/>
                     </a:p>
@@ -10274,7 +11285,7 @@
 </p:sld>
 </file>
 
-<file path=ppt/slides/slide23.xml><?xml version="1.0" encoding="utf-8"?>
+<file path=ppt/slides/slide27.xml><?xml version="1.0" encoding="utf-8"?>
 <p:sld xmlns:a="http://schemas.openxmlformats.org/drawingml/2006/main" xmlns:r="http://schemas.openxmlformats.org/officeDocument/2006/relationships" xmlns:p="http://schemas.openxmlformats.org/presentationml/2006/main">
   <p:cSld>
     <p:spTree>
@@ -10390,7 +11401,7 @@
                   <a:srgbClr val="FFFFFF"/>
                 </a:solidFill>
               </a:rPr>
-              <a:t>RESULTS</a:t>
+              <a:t>MODEL ASSESSMENT – ROC curve / Confusion Matrix</a:t>
             </a:r>
             <a:endParaRPr lang="en-GB" sz="4000" dirty="0">
               <a:solidFill>
@@ -10400,10 +11411,468 @@
           </a:p>
         </p:txBody>
       </p:sp>
+      <p:sp>
+        <p:nvSpPr>
+          <p:cNvPr id="4" name="TextBox 3">
+            <a:extLst>
+              <a:ext uri="{FF2B5EF4-FFF2-40B4-BE49-F238E27FC236}">
+                <a16:creationId xmlns:a16="http://schemas.microsoft.com/office/drawing/2014/main" id="{3DA49E5F-D608-4F32-99F6-C132B629BC23}"/>
+              </a:ext>
+            </a:extLst>
+          </p:cNvPr>
+          <p:cNvSpPr txBox="1"/>
+          <p:nvPr/>
+        </p:nvSpPr>
+        <p:spPr>
+          <a:xfrm>
+            <a:off x="6743853" y="1334278"/>
+            <a:ext cx="9950791" cy="523220"/>
+          </a:xfrm>
+          <a:prstGeom prst="rect">
+            <a:avLst/>
+          </a:prstGeom>
+          <a:noFill/>
+        </p:spPr>
+        <p:txBody>
+          <a:bodyPr wrap="square" rtlCol="0">
+            <a:spAutoFit/>
+          </a:bodyPr>
+          <a:lstStyle/>
+          <a:p>
+            <a:r>
+              <a:rPr lang="en-US" sz="2800" spc="-120" dirty="0">
+                <a:solidFill>
+                  <a:prstClr val="black"/>
+                </a:solidFill>
+                <a:latin typeface="Calibri Light" panose="020F0302020204030204"/>
+                <a:ea typeface="+mj-ea"/>
+                <a:cs typeface="+mj-cs"/>
+              </a:rPr>
+              <a:t> </a:t>
+            </a:r>
+            <a:endParaRPr kumimoji="0" lang="en-US" sz="2800" b="0" i="0" u="none" strike="noStrike" kern="1200" cap="none" spc="-120" normalizeH="0" baseline="0" noProof="0" dirty="0">
+              <a:ln>
+                <a:noFill/>
+              </a:ln>
+              <a:solidFill>
+                <a:prstClr val="black"/>
+              </a:solidFill>
+              <a:effectLst/>
+              <a:uLnTx/>
+              <a:uFillTx/>
+              <a:latin typeface="Calibri Light" panose="020F0302020204030204"/>
+              <a:ea typeface="+mj-ea"/>
+              <a:cs typeface="+mj-cs"/>
+            </a:endParaRPr>
+          </a:p>
+        </p:txBody>
+      </p:sp>
+      <p:pic>
+        <p:nvPicPr>
+          <p:cNvPr id="3" name="Picture 2">
+            <a:extLst>
+              <a:ext uri="{FF2B5EF4-FFF2-40B4-BE49-F238E27FC236}">
+                <a16:creationId xmlns:a16="http://schemas.microsoft.com/office/drawing/2014/main" id="{BA1B6FAE-1892-4866-B54B-2744B81FB64E}"/>
+              </a:ext>
+            </a:extLst>
+          </p:cNvPr>
+          <p:cNvPicPr>
+            <a:picLocks noChangeAspect="1"/>
+          </p:cNvPicPr>
+          <p:nvPr/>
+        </p:nvPicPr>
+        <p:blipFill>
+          <a:blip r:embed="rId2"/>
+          <a:stretch>
+            <a:fillRect/>
+          </a:stretch>
+        </p:blipFill>
+        <p:spPr>
+          <a:xfrm>
+            <a:off x="266229" y="2438478"/>
+            <a:ext cx="4901587" cy="3326984"/>
+          </a:xfrm>
+          <a:prstGeom prst="rect">
+            <a:avLst/>
+          </a:prstGeom>
+        </p:spPr>
+      </p:pic>
+      <p:sp>
+        <p:nvSpPr>
+          <p:cNvPr id="7" name="Content Placeholder 6">
+            <a:extLst>
+              <a:ext uri="{FF2B5EF4-FFF2-40B4-BE49-F238E27FC236}">
+                <a16:creationId xmlns:a16="http://schemas.microsoft.com/office/drawing/2014/main" id="{664FB0FF-821E-4897-8210-B23F80408BA1}"/>
+              </a:ext>
+            </a:extLst>
+          </p:cNvPr>
+          <p:cNvSpPr>
+            <a:spLocks noGrp="1"/>
+          </p:cNvSpPr>
+          <p:nvPr>
+            <p:ph sz="half" idx="1"/>
+          </p:nvPr>
+        </p:nvSpPr>
+        <p:spPr/>
+        <p:txBody>
+          <a:bodyPr/>
+          <a:lstStyle/>
+          <a:p>
+            <a:r>
+              <a:rPr lang="en-US" sz="2400" spc="-120" dirty="0">
+                <a:solidFill>
+                  <a:prstClr val="black"/>
+                </a:solidFill>
+                <a:latin typeface="Calibri Light" panose="020F0302020204030204"/>
+                <a:ea typeface="+mj-ea"/>
+                <a:cs typeface="+mj-cs"/>
+              </a:rPr>
+              <a:t>ROC and Precision/Recall Graph</a:t>
+            </a:r>
+          </a:p>
+          <a:p>
+            <a:endParaRPr lang="en-GB" dirty="0"/>
+          </a:p>
+        </p:txBody>
+      </p:sp>
+      <p:pic>
+        <p:nvPicPr>
+          <p:cNvPr id="11" name="Content Placeholder 10">
+            <a:extLst>
+              <a:ext uri="{FF2B5EF4-FFF2-40B4-BE49-F238E27FC236}">
+                <a16:creationId xmlns:a16="http://schemas.microsoft.com/office/drawing/2014/main" id="{75B446A0-6944-4520-BD0B-D859A16B57C9}"/>
+              </a:ext>
+            </a:extLst>
+          </p:cNvPr>
+          <p:cNvPicPr>
+            <a:picLocks noGrp="1" noChangeAspect="1"/>
+          </p:cNvPicPr>
+          <p:nvPr>
+            <p:ph sz="half" idx="2"/>
+          </p:nvPr>
+        </p:nvPicPr>
+        <p:blipFill>
+          <a:blip r:embed="rId3"/>
+          <a:stretch>
+            <a:fillRect/>
+          </a:stretch>
+        </p:blipFill>
+        <p:spPr>
+          <a:xfrm>
+            <a:off x="6011863" y="2040420"/>
+            <a:ext cx="4662487" cy="3683622"/>
+          </a:xfrm>
+        </p:spPr>
+      </p:pic>
     </p:spTree>
     <p:extLst>
       <p:ext uri="{BB962C8B-B14F-4D97-AF65-F5344CB8AC3E}">
-        <p14:creationId xmlns:p14="http://schemas.microsoft.com/office/powerpoint/2010/main" val="2196733545"/>
+        <p14:creationId xmlns:p14="http://schemas.microsoft.com/office/powerpoint/2010/main" val="318696778"/>
+      </p:ext>
+    </p:extLst>
+  </p:cSld>
+  <p:clrMapOvr>
+    <a:masterClrMapping/>
+  </p:clrMapOvr>
+</p:sld>
+</file>
+
+<file path=ppt/slides/slide28.xml><?xml version="1.0" encoding="utf-8"?>
+<p:sld xmlns:a="http://schemas.openxmlformats.org/drawingml/2006/main" xmlns:r="http://schemas.openxmlformats.org/officeDocument/2006/relationships" xmlns:p="http://schemas.openxmlformats.org/presentationml/2006/main">
+  <p:cSld>
+    <p:spTree>
+      <p:nvGrpSpPr>
+        <p:cNvPr id="1" name=""/>
+        <p:cNvGrpSpPr/>
+        <p:nvPr/>
+      </p:nvGrpSpPr>
+      <p:grpSpPr>
+        <a:xfrm>
+          <a:off x="0" y="0"/>
+          <a:ext cx="0" cy="0"/>
+          <a:chOff x="0" y="0"/>
+          <a:chExt cx="0" cy="0"/>
+        </a:xfrm>
+      </p:grpSpPr>
+      <p:sp>
+        <p:nvSpPr>
+          <p:cNvPr id="20" name="Rectangle 19">
+            <a:extLst>
+              <a:ext uri="{FF2B5EF4-FFF2-40B4-BE49-F238E27FC236}">
+                <a16:creationId xmlns:a16="http://schemas.microsoft.com/office/drawing/2014/main" id="{434167B2-1F65-408D-9233-EF10B5990B6E}"/>
+              </a:ext>
+            </a:extLst>
+          </p:cNvPr>
+          <p:cNvSpPr/>
+          <p:nvPr/>
+        </p:nvSpPr>
+        <p:spPr>
+          <a:xfrm>
+            <a:off x="0" y="0"/>
+            <a:ext cx="12192000" cy="1334278"/>
+          </a:xfrm>
+          <a:prstGeom prst="rect">
+            <a:avLst/>
+          </a:prstGeom>
+        </p:spPr>
+        <p:style>
+          <a:lnRef idx="2">
+            <a:schemeClr val="accent1">
+              <a:shade val="50000"/>
+            </a:schemeClr>
+          </a:lnRef>
+          <a:fillRef idx="1">
+            <a:schemeClr val="accent1"/>
+          </a:fillRef>
+          <a:effectRef idx="0">
+            <a:schemeClr val="accent1"/>
+          </a:effectRef>
+          <a:fontRef idx="minor">
+            <a:schemeClr val="lt1"/>
+          </a:fontRef>
+        </p:style>
+        <p:txBody>
+          <a:bodyPr rtlCol="0" anchor="ctr"/>
+          <a:lstStyle/>
+          <a:p>
+            <a:pPr algn="ctr"/>
+            <a:endParaRPr lang="en-GB" dirty="0"/>
+          </a:p>
+        </p:txBody>
+      </p:sp>
+      <p:sp>
+        <p:nvSpPr>
+          <p:cNvPr id="9" name="Title 6">
+            <a:extLst>
+              <a:ext uri="{FF2B5EF4-FFF2-40B4-BE49-F238E27FC236}">
+                <a16:creationId xmlns:a16="http://schemas.microsoft.com/office/drawing/2014/main" id="{F5FB2926-5769-4612-9884-4A0888903E66}"/>
+              </a:ext>
+            </a:extLst>
+          </p:cNvPr>
+          <p:cNvSpPr txBox="1">
+            <a:spLocks/>
+          </p:cNvSpPr>
+          <p:nvPr/>
+        </p:nvSpPr>
+        <p:spPr>
+          <a:xfrm>
+            <a:off x="266229" y="0"/>
+            <a:ext cx="11453020" cy="1334278"/>
+          </a:xfrm>
+          <a:prstGeom prst="rect">
+            <a:avLst/>
+          </a:prstGeom>
+        </p:spPr>
+        <p:txBody>
+          <a:bodyPr vert="horz" lIns="91440" tIns="45720" rIns="91440" bIns="45720" rtlCol="0" anchor="ctr">
+            <a:normAutofit/>
+          </a:bodyPr>
+          <a:lstStyle>
+            <a:lvl1pPr algn="l" defTabSz="914400" rtl="0" eaLnBrk="1" latinLnBrk="0" hangingPunct="1">
+              <a:lnSpc>
+                <a:spcPct val="80000"/>
+              </a:lnSpc>
+              <a:spcBef>
+                <a:spcPct val="0"/>
+              </a:spcBef>
+              <a:buNone/>
+              <a:defRPr sz="8800" b="0" kern="1200" spc="-120" baseline="0">
+                <a:solidFill>
+                  <a:schemeClr val="accent1"/>
+                </a:solidFill>
+                <a:latin typeface="+mj-lt"/>
+                <a:ea typeface="+mj-ea"/>
+                <a:cs typeface="+mj-cs"/>
+              </a:defRPr>
+            </a:lvl1pPr>
+          </a:lstStyle>
+          <a:p>
+            <a:r>
+              <a:rPr lang="en-US" sz="4000" dirty="0">
+                <a:solidFill>
+                  <a:srgbClr val="FFFFFF"/>
+                </a:solidFill>
+              </a:rPr>
+              <a:t>RESULTS – Model Interpretation (SHAP Graph)</a:t>
+            </a:r>
+            <a:endParaRPr lang="en-GB" sz="4000" dirty="0">
+              <a:solidFill>
+                <a:srgbClr val="FFFFFF"/>
+              </a:solidFill>
+            </a:endParaRPr>
+          </a:p>
+        </p:txBody>
+      </p:sp>
+      <p:pic>
+        <p:nvPicPr>
+          <p:cNvPr id="5" name="Picture 2">
+            <a:extLst>
+              <a:ext uri="{FF2B5EF4-FFF2-40B4-BE49-F238E27FC236}">
+                <a16:creationId xmlns:a16="http://schemas.microsoft.com/office/drawing/2014/main" id="{C8BBAA7A-4EB8-45C8-A83B-4D2108374ECF}"/>
+              </a:ext>
+            </a:extLst>
+          </p:cNvPr>
+          <p:cNvPicPr>
+            <a:picLocks noChangeAspect="1" noChangeArrowheads="1"/>
+          </p:cNvPicPr>
+          <p:nvPr/>
+        </p:nvPicPr>
+        <p:blipFill>
+          <a:blip r:embed="rId2">
+            <a:extLst>
+              <a:ext uri="{28A0092B-C50C-407E-A947-70E740481C1C}">
+                <a14:useLocalDpi xmlns:a14="http://schemas.microsoft.com/office/drawing/2010/main" val="0"/>
+              </a:ext>
+            </a:extLst>
+          </a:blip>
+          <a:srcRect/>
+          <a:stretch>
+            <a:fillRect/>
+          </a:stretch>
+        </p:blipFill>
+        <p:spPr bwMode="auto">
+          <a:xfrm>
+            <a:off x="2967012" y="1647756"/>
+            <a:ext cx="6369437" cy="4817364"/>
+          </a:xfrm>
+          <a:prstGeom prst="rect">
+            <a:avLst/>
+          </a:prstGeom>
+          <a:noFill/>
+          <a:extLst>
+            <a:ext uri="{909E8E84-426E-40DD-AFC4-6F175D3DCCD1}">
+              <a14:hiddenFill xmlns:a14="http://schemas.microsoft.com/office/drawing/2010/main">
+                <a:solidFill>
+                  <a:srgbClr val="FFFFFF"/>
+                </a:solidFill>
+              </a14:hiddenFill>
+            </a:ext>
+          </a:extLst>
+        </p:spPr>
+      </p:pic>
+    </p:spTree>
+    <p:extLst>
+      <p:ext uri="{BB962C8B-B14F-4D97-AF65-F5344CB8AC3E}">
+        <p14:creationId xmlns:p14="http://schemas.microsoft.com/office/powerpoint/2010/main" val="670242855"/>
+      </p:ext>
+    </p:extLst>
+  </p:cSld>
+  <p:clrMapOvr>
+    <a:masterClrMapping/>
+  </p:clrMapOvr>
+</p:sld>
+</file>
+
+<file path=ppt/slides/slide29.xml><?xml version="1.0" encoding="utf-8"?>
+<p:sld xmlns:a="http://schemas.openxmlformats.org/drawingml/2006/main" xmlns:r="http://schemas.openxmlformats.org/officeDocument/2006/relationships" xmlns:p="http://schemas.openxmlformats.org/presentationml/2006/main">
+  <p:cSld>
+    <p:spTree>
+      <p:nvGrpSpPr>
+        <p:cNvPr id="1" name=""/>
+        <p:cNvGrpSpPr/>
+        <p:nvPr/>
+      </p:nvGrpSpPr>
+      <p:grpSpPr>
+        <a:xfrm>
+          <a:off x="0" y="0"/>
+          <a:ext cx="0" cy="0"/>
+          <a:chOff x="0" y="0"/>
+          <a:chExt cx="0" cy="0"/>
+        </a:xfrm>
+      </p:grpSpPr>
+      <p:sp>
+        <p:nvSpPr>
+          <p:cNvPr id="2" name="Title 1">
+            <a:extLst>
+              <a:ext uri="{FF2B5EF4-FFF2-40B4-BE49-F238E27FC236}">
+                <a16:creationId xmlns:a16="http://schemas.microsoft.com/office/drawing/2014/main" id="{CDF5072B-2C61-4CAD-BBEC-6B6D1DF821EC}"/>
+              </a:ext>
+            </a:extLst>
+          </p:cNvPr>
+          <p:cNvSpPr>
+            <a:spLocks noGrp="1"/>
+          </p:cNvSpPr>
+          <p:nvPr>
+            <p:ph type="ctrTitle"/>
+          </p:nvPr>
+        </p:nvSpPr>
+        <p:spPr>
+          <a:xfrm>
+            <a:off x="1286503" y="1285196"/>
+            <a:ext cx="9607160" cy="2779429"/>
+          </a:xfrm>
+        </p:spPr>
+        <p:txBody>
+          <a:bodyPr>
+            <a:normAutofit/>
+          </a:bodyPr>
+          <a:lstStyle/>
+          <a:p>
+            <a:pPr algn="ctr"/>
+            <a:r>
+              <a:rPr lang="en-US" sz="7200" dirty="0"/>
+              <a:t>Thanks for Listening</a:t>
+            </a:r>
+            <a:br>
+              <a:rPr lang="en-US" sz="7200" dirty="0"/>
+            </a:br>
+            <a:r>
+              <a:rPr lang="en-US" sz="7200" dirty="0"/>
+              <a:t>Q &amp; A</a:t>
+            </a:r>
+            <a:endParaRPr lang="en-GB" sz="7200" dirty="0"/>
+          </a:p>
+        </p:txBody>
+      </p:sp>
+      <p:sp>
+        <p:nvSpPr>
+          <p:cNvPr id="3" name="Subtitle 2">
+            <a:extLst>
+              <a:ext uri="{FF2B5EF4-FFF2-40B4-BE49-F238E27FC236}">
+                <a16:creationId xmlns:a16="http://schemas.microsoft.com/office/drawing/2014/main" id="{F1B32AF0-6D08-45B3-A821-D68B856941BC}"/>
+              </a:ext>
+            </a:extLst>
+          </p:cNvPr>
+          <p:cNvSpPr>
+            <a:spLocks noGrp="1"/>
+          </p:cNvSpPr>
+          <p:nvPr>
+            <p:ph type="subTitle" idx="1"/>
+          </p:nvPr>
+        </p:nvSpPr>
+        <p:spPr>
+          <a:xfrm>
+            <a:off x="1286503" y="4064626"/>
+            <a:ext cx="9607159" cy="1476235"/>
+          </a:xfrm>
+        </p:spPr>
+        <p:txBody>
+          <a:bodyPr>
+            <a:normAutofit/>
+          </a:bodyPr>
+          <a:lstStyle/>
+          <a:p>
+            <a:pPr algn="ctr"/>
+            <a:r>
+              <a:rPr lang="en-US" sz="2800" dirty="0">
+                <a:solidFill>
+                  <a:srgbClr val="FFFFFF"/>
+                </a:solidFill>
+              </a:rPr>
+              <a:t>F. Ege Hosgungor</a:t>
+            </a:r>
+            <a:endParaRPr lang="en-GB" sz="2800" dirty="0">
+              <a:solidFill>
+                <a:srgbClr val="FFFFFF"/>
+              </a:solidFill>
+            </a:endParaRPr>
+          </a:p>
+        </p:txBody>
+      </p:sp>
+    </p:spTree>
+    <p:extLst>
+      <p:ext uri="{BB962C8B-B14F-4D97-AF65-F5344CB8AC3E}">
+        <p14:creationId xmlns:p14="http://schemas.microsoft.com/office/powerpoint/2010/main" val="3771409121"/>
       </p:ext>
     </p:extLst>
   </p:cSld>
@@ -10590,6 +12059,1006 @@
     <p:extLst>
       <p:ext uri="{BB962C8B-B14F-4D97-AF65-F5344CB8AC3E}">
         <p14:creationId xmlns:p14="http://schemas.microsoft.com/office/powerpoint/2010/main" val="3839201223"/>
+      </p:ext>
+    </p:extLst>
+  </p:cSld>
+  <p:clrMapOvr>
+    <a:masterClrMapping/>
+  </p:clrMapOvr>
+</p:sld>
+</file>
+
+<file path=ppt/slides/slide30.xml><?xml version="1.0" encoding="utf-8"?>
+<p:sld xmlns:a="http://schemas.openxmlformats.org/drawingml/2006/main" xmlns:r="http://schemas.openxmlformats.org/officeDocument/2006/relationships" xmlns:p="http://schemas.openxmlformats.org/presentationml/2006/main">
+  <p:cSld>
+    <p:spTree>
+      <p:nvGrpSpPr>
+        <p:cNvPr id="1" name=""/>
+        <p:cNvGrpSpPr/>
+        <p:nvPr/>
+      </p:nvGrpSpPr>
+      <p:grpSpPr>
+        <a:xfrm>
+          <a:off x="0" y="0"/>
+          <a:ext cx="0" cy="0"/>
+          <a:chOff x="0" y="0"/>
+          <a:chExt cx="0" cy="0"/>
+        </a:xfrm>
+      </p:grpSpPr>
+      <p:sp>
+        <p:nvSpPr>
+          <p:cNvPr id="20" name="Rectangle 19">
+            <a:extLst>
+              <a:ext uri="{FF2B5EF4-FFF2-40B4-BE49-F238E27FC236}">
+                <a16:creationId xmlns:a16="http://schemas.microsoft.com/office/drawing/2014/main" id="{434167B2-1F65-408D-9233-EF10B5990B6E}"/>
+              </a:ext>
+            </a:extLst>
+          </p:cNvPr>
+          <p:cNvSpPr/>
+          <p:nvPr/>
+        </p:nvSpPr>
+        <p:spPr>
+          <a:xfrm>
+            <a:off x="0" y="0"/>
+            <a:ext cx="12192000" cy="1334278"/>
+          </a:xfrm>
+          <a:prstGeom prst="rect">
+            <a:avLst/>
+          </a:prstGeom>
+        </p:spPr>
+        <p:style>
+          <a:lnRef idx="2">
+            <a:schemeClr val="accent1">
+              <a:shade val="50000"/>
+            </a:schemeClr>
+          </a:lnRef>
+          <a:fillRef idx="1">
+            <a:schemeClr val="accent1"/>
+          </a:fillRef>
+          <a:effectRef idx="0">
+            <a:schemeClr val="accent1"/>
+          </a:effectRef>
+          <a:fontRef idx="minor">
+            <a:schemeClr val="lt1"/>
+          </a:fontRef>
+        </p:style>
+        <p:txBody>
+          <a:bodyPr rtlCol="0" anchor="ctr"/>
+          <a:lstStyle/>
+          <a:p>
+            <a:pPr algn="ctr"/>
+            <a:endParaRPr lang="en-GB" dirty="0"/>
+          </a:p>
+        </p:txBody>
+      </p:sp>
+      <p:sp>
+        <p:nvSpPr>
+          <p:cNvPr id="9" name="Title 6">
+            <a:extLst>
+              <a:ext uri="{FF2B5EF4-FFF2-40B4-BE49-F238E27FC236}">
+                <a16:creationId xmlns:a16="http://schemas.microsoft.com/office/drawing/2014/main" id="{F5FB2926-5769-4612-9884-4A0888903E66}"/>
+              </a:ext>
+            </a:extLst>
+          </p:cNvPr>
+          <p:cNvSpPr txBox="1">
+            <a:spLocks/>
+          </p:cNvSpPr>
+          <p:nvPr/>
+        </p:nvSpPr>
+        <p:spPr>
+          <a:xfrm>
+            <a:off x="266229" y="0"/>
+            <a:ext cx="11453020" cy="1334278"/>
+          </a:xfrm>
+          <a:prstGeom prst="rect">
+            <a:avLst/>
+          </a:prstGeom>
+        </p:spPr>
+        <p:txBody>
+          <a:bodyPr vert="horz" lIns="91440" tIns="45720" rIns="91440" bIns="45720" rtlCol="0" anchor="ctr">
+            <a:normAutofit/>
+          </a:bodyPr>
+          <a:lstStyle>
+            <a:lvl1pPr algn="l" defTabSz="914400" rtl="0" eaLnBrk="1" latinLnBrk="0" hangingPunct="1">
+              <a:lnSpc>
+                <a:spcPct val="80000"/>
+              </a:lnSpc>
+              <a:spcBef>
+                <a:spcPct val="0"/>
+              </a:spcBef>
+              <a:buNone/>
+              <a:defRPr sz="8800" b="0" kern="1200" spc="-120" baseline="0">
+                <a:solidFill>
+                  <a:schemeClr val="accent1"/>
+                </a:solidFill>
+                <a:latin typeface="+mj-lt"/>
+                <a:ea typeface="+mj-ea"/>
+                <a:cs typeface="+mj-cs"/>
+              </a:defRPr>
+            </a:lvl1pPr>
+          </a:lstStyle>
+          <a:p>
+            <a:r>
+              <a:rPr lang="en-US" sz="4000" dirty="0">
+                <a:solidFill>
+                  <a:srgbClr val="FFFFFF"/>
+                </a:solidFill>
+              </a:rPr>
+              <a:t>Appendix A – All Selected (22) Features </a:t>
+            </a:r>
+            <a:endParaRPr lang="en-GB" sz="4000" dirty="0">
+              <a:solidFill>
+                <a:srgbClr val="FFFFFF"/>
+              </a:solidFill>
+            </a:endParaRPr>
+          </a:p>
+        </p:txBody>
+      </p:sp>
+      <p:sp>
+        <p:nvSpPr>
+          <p:cNvPr id="3" name="Content Placeholder 2">
+            <a:extLst>
+              <a:ext uri="{FF2B5EF4-FFF2-40B4-BE49-F238E27FC236}">
+                <a16:creationId xmlns:a16="http://schemas.microsoft.com/office/drawing/2014/main" id="{D23B46A2-71B7-45DC-ADB8-F5F72327C8E7}"/>
+              </a:ext>
+            </a:extLst>
+          </p:cNvPr>
+          <p:cNvSpPr>
+            <a:spLocks noGrp="1"/>
+          </p:cNvSpPr>
+          <p:nvPr>
+            <p:ph sz="half" idx="1"/>
+          </p:nvPr>
+        </p:nvSpPr>
+        <p:spPr/>
+        <p:txBody>
+          <a:bodyPr>
+            <a:normAutofit fontScale="70000" lnSpcReduction="20000"/>
+          </a:bodyPr>
+          <a:lstStyle/>
+          <a:p>
+            <a:pPr marL="457200" indent="-457200">
+              <a:buFont typeface="Arial" panose="020B0604020202020204" pitchFamily="34" charset="0"/>
+              <a:buChar char="•"/>
+            </a:pPr>
+            <a:r>
+              <a:rPr lang="en-US" sz="2400" spc="-120" dirty="0">
+                <a:solidFill>
+                  <a:prstClr val="black"/>
+                </a:solidFill>
+                <a:latin typeface="Calibri Light" panose="020F0302020204030204"/>
+                <a:ea typeface="+mj-ea"/>
+                <a:cs typeface="+mj-cs"/>
+              </a:rPr>
+              <a:t>Age</a:t>
+            </a:r>
+          </a:p>
+          <a:p>
+            <a:pPr marL="457200" indent="-457200">
+              <a:buFont typeface="Arial" panose="020B0604020202020204" pitchFamily="34" charset="0"/>
+              <a:buChar char="•"/>
+            </a:pPr>
+            <a:r>
+              <a:rPr lang="en-US" sz="2400" spc="-120" dirty="0">
+                <a:solidFill>
+                  <a:prstClr val="black"/>
+                </a:solidFill>
+                <a:latin typeface="Calibri Light" panose="020F0302020204030204"/>
+                <a:ea typeface="+mj-ea"/>
+                <a:cs typeface="+mj-cs"/>
+              </a:rPr>
+              <a:t>Class of Worker</a:t>
+            </a:r>
+          </a:p>
+          <a:p>
+            <a:pPr marL="457200" indent="-457200">
+              <a:buFont typeface="Arial" panose="020B0604020202020204" pitchFamily="34" charset="0"/>
+              <a:buChar char="•"/>
+            </a:pPr>
+            <a:r>
+              <a:rPr lang="en-US" sz="2400" spc="-120" dirty="0">
+                <a:solidFill>
+                  <a:prstClr val="black"/>
+                </a:solidFill>
+                <a:latin typeface="Calibri Light" panose="020F0302020204030204"/>
+                <a:ea typeface="+mj-ea"/>
+                <a:cs typeface="+mj-cs"/>
+              </a:rPr>
+              <a:t>Industry Code</a:t>
+            </a:r>
+          </a:p>
+          <a:p>
+            <a:pPr marL="457200" indent="-457200">
+              <a:buFont typeface="Arial" panose="020B0604020202020204" pitchFamily="34" charset="0"/>
+              <a:buChar char="•"/>
+            </a:pPr>
+            <a:r>
+              <a:rPr lang="en-US" sz="2400" spc="-120" dirty="0">
+                <a:solidFill>
+                  <a:prstClr val="black"/>
+                </a:solidFill>
+                <a:latin typeface="Calibri Light" panose="020F0302020204030204"/>
+                <a:ea typeface="+mj-ea"/>
+                <a:cs typeface="+mj-cs"/>
+              </a:rPr>
+              <a:t>Occupation Code</a:t>
+            </a:r>
+          </a:p>
+          <a:p>
+            <a:pPr marL="457200" indent="-457200">
+              <a:buFont typeface="Arial" panose="020B0604020202020204" pitchFamily="34" charset="0"/>
+              <a:buChar char="•"/>
+            </a:pPr>
+            <a:r>
+              <a:rPr lang="en-US" sz="2400" spc="-120" dirty="0">
+                <a:solidFill>
+                  <a:prstClr val="black"/>
+                </a:solidFill>
+                <a:latin typeface="Calibri Light" panose="020F0302020204030204"/>
+                <a:ea typeface="+mj-ea"/>
+                <a:cs typeface="+mj-cs"/>
+              </a:rPr>
+              <a:t>Education</a:t>
+            </a:r>
+          </a:p>
+          <a:p>
+            <a:pPr marL="457200" indent="-457200">
+              <a:buFont typeface="Arial" panose="020B0604020202020204" pitchFamily="34" charset="0"/>
+              <a:buChar char="•"/>
+            </a:pPr>
+            <a:r>
+              <a:rPr lang="en-US" sz="2400" spc="-120" dirty="0">
+                <a:solidFill>
+                  <a:prstClr val="black"/>
+                </a:solidFill>
+                <a:latin typeface="Calibri Light" panose="020F0302020204030204"/>
+                <a:ea typeface="+mj-ea"/>
+                <a:cs typeface="+mj-cs"/>
+              </a:rPr>
+              <a:t>Wage per hour</a:t>
+            </a:r>
+          </a:p>
+          <a:p>
+            <a:pPr marL="457200" indent="-457200">
+              <a:buFont typeface="Arial" panose="020B0604020202020204" pitchFamily="34" charset="0"/>
+              <a:buChar char="•"/>
+            </a:pPr>
+            <a:r>
+              <a:rPr lang="en-US" sz="2400" spc="-120" dirty="0">
+                <a:solidFill>
+                  <a:prstClr val="black"/>
+                </a:solidFill>
+                <a:latin typeface="Calibri Light" panose="020F0302020204030204"/>
+                <a:ea typeface="+mj-ea"/>
+                <a:cs typeface="+mj-cs"/>
+              </a:rPr>
+              <a:t>Marital Status</a:t>
+            </a:r>
+          </a:p>
+          <a:p>
+            <a:pPr marL="457200" indent="-457200">
+              <a:buFont typeface="Arial" panose="020B0604020202020204" pitchFamily="34" charset="0"/>
+              <a:buChar char="•"/>
+            </a:pPr>
+            <a:r>
+              <a:rPr lang="en-US" sz="2400" spc="-120" dirty="0">
+                <a:solidFill>
+                  <a:prstClr val="black"/>
+                </a:solidFill>
+                <a:latin typeface="Calibri Light" panose="020F0302020204030204"/>
+                <a:ea typeface="+mj-ea"/>
+                <a:cs typeface="+mj-cs"/>
+              </a:rPr>
+              <a:t>Major Industry Code</a:t>
+            </a:r>
+          </a:p>
+          <a:p>
+            <a:pPr marL="457200" indent="-457200">
+              <a:buFont typeface="Arial" panose="020B0604020202020204" pitchFamily="34" charset="0"/>
+              <a:buChar char="•"/>
+            </a:pPr>
+            <a:r>
+              <a:rPr lang="en-US" sz="2400" spc="-120" dirty="0">
+                <a:solidFill>
+                  <a:prstClr val="black"/>
+                </a:solidFill>
+                <a:latin typeface="Calibri Light" panose="020F0302020204030204"/>
+                <a:ea typeface="+mj-ea"/>
+                <a:cs typeface="+mj-cs"/>
+              </a:rPr>
+              <a:t>Major Occupation Code</a:t>
+            </a:r>
+          </a:p>
+          <a:p>
+            <a:pPr marL="457200" indent="-457200">
+              <a:buFont typeface="Arial" panose="020B0604020202020204" pitchFamily="34" charset="0"/>
+              <a:buChar char="•"/>
+            </a:pPr>
+            <a:r>
+              <a:rPr lang="en-US" spc="-120" dirty="0">
+                <a:solidFill>
+                  <a:prstClr val="black"/>
+                </a:solidFill>
+                <a:latin typeface="Calibri Light" panose="020F0302020204030204"/>
+                <a:ea typeface="+mj-ea"/>
+                <a:cs typeface="+mj-cs"/>
+              </a:rPr>
+              <a:t>Sex</a:t>
+            </a:r>
+          </a:p>
+          <a:p>
+            <a:pPr marL="457200" indent="-457200">
+              <a:buFont typeface="Arial" panose="020B0604020202020204" pitchFamily="34" charset="0"/>
+              <a:buChar char="•"/>
+            </a:pPr>
+            <a:r>
+              <a:rPr lang="en-US" spc="-120" dirty="0">
+                <a:solidFill>
+                  <a:prstClr val="black"/>
+                </a:solidFill>
+                <a:latin typeface="Calibri Light" panose="020F0302020204030204"/>
+                <a:ea typeface="+mj-ea"/>
+                <a:cs typeface="+mj-cs"/>
+              </a:rPr>
+              <a:t>Capital Gains</a:t>
+            </a:r>
+          </a:p>
+          <a:p>
+            <a:pPr marL="0" indent="0">
+              <a:buNone/>
+            </a:pPr>
+            <a:endParaRPr lang="en-US" sz="2400" spc="-120" dirty="0">
+              <a:solidFill>
+                <a:prstClr val="black"/>
+              </a:solidFill>
+              <a:latin typeface="Calibri Light" panose="020F0302020204030204"/>
+              <a:ea typeface="+mj-ea"/>
+              <a:cs typeface="+mj-cs"/>
+            </a:endParaRPr>
+          </a:p>
+          <a:p>
+            <a:endParaRPr lang="en-GB" dirty="0"/>
+          </a:p>
+        </p:txBody>
+      </p:sp>
+      <p:sp>
+        <p:nvSpPr>
+          <p:cNvPr id="8" name="Content Placeholder 2">
+            <a:extLst>
+              <a:ext uri="{FF2B5EF4-FFF2-40B4-BE49-F238E27FC236}">
+                <a16:creationId xmlns:a16="http://schemas.microsoft.com/office/drawing/2014/main" id="{3490268A-96A5-48BB-8095-ED2C4239285F}"/>
+              </a:ext>
+            </a:extLst>
+          </p:cNvPr>
+          <p:cNvSpPr>
+            <a:spLocks noGrp="1"/>
+          </p:cNvSpPr>
+          <p:nvPr>
+            <p:ph sz="half" idx="2"/>
+          </p:nvPr>
+        </p:nvSpPr>
+        <p:spPr>
+          <a:xfrm>
+            <a:off x="6011863" y="1998663"/>
+            <a:ext cx="4662487" cy="3767137"/>
+          </a:xfrm>
+        </p:spPr>
+        <p:txBody>
+          <a:bodyPr>
+            <a:normAutofit fontScale="70000" lnSpcReduction="20000"/>
+          </a:bodyPr>
+          <a:lstStyle/>
+          <a:p>
+            <a:pPr marL="457200" indent="-457200">
+              <a:buFont typeface="Arial" panose="020B0604020202020204" pitchFamily="34" charset="0"/>
+              <a:buChar char="•"/>
+            </a:pPr>
+            <a:r>
+              <a:rPr lang="en-US" sz="2400" spc="-120" dirty="0">
+                <a:solidFill>
+                  <a:prstClr val="black"/>
+                </a:solidFill>
+                <a:latin typeface="Calibri Light" panose="020F0302020204030204"/>
+                <a:ea typeface="+mj-ea"/>
+                <a:cs typeface="+mj-cs"/>
+              </a:rPr>
+              <a:t>Capital Losses</a:t>
+            </a:r>
+          </a:p>
+          <a:p>
+            <a:pPr marL="457200" indent="-457200">
+              <a:buFont typeface="Arial" panose="020B0604020202020204" pitchFamily="34" charset="0"/>
+              <a:buChar char="•"/>
+            </a:pPr>
+            <a:r>
+              <a:rPr lang="en-US" spc="-120" dirty="0">
+                <a:solidFill>
+                  <a:prstClr val="black"/>
+                </a:solidFill>
+                <a:latin typeface="Calibri Light" panose="020F0302020204030204"/>
+                <a:ea typeface="+mj-ea"/>
+                <a:cs typeface="+mj-cs"/>
+              </a:rPr>
+              <a:t>Dividends from Stocks</a:t>
+            </a:r>
+            <a:endParaRPr lang="en-US" sz="2400" spc="-120" dirty="0">
+              <a:solidFill>
+                <a:prstClr val="black"/>
+              </a:solidFill>
+              <a:latin typeface="Calibri Light" panose="020F0302020204030204"/>
+              <a:ea typeface="+mj-ea"/>
+              <a:cs typeface="+mj-cs"/>
+            </a:endParaRPr>
+          </a:p>
+          <a:p>
+            <a:pPr marL="457200" indent="-457200">
+              <a:buFont typeface="Arial" panose="020B0604020202020204" pitchFamily="34" charset="0"/>
+              <a:buChar char="•"/>
+            </a:pPr>
+            <a:r>
+              <a:rPr lang="en-US" spc="-120" dirty="0">
+                <a:solidFill>
+                  <a:prstClr val="black"/>
+                </a:solidFill>
+                <a:latin typeface="Calibri Light" panose="020F0302020204030204"/>
+                <a:ea typeface="+mj-ea"/>
+                <a:cs typeface="+mj-cs"/>
+              </a:rPr>
+              <a:t>Tax Filer Status</a:t>
+            </a:r>
+            <a:endParaRPr lang="en-US" sz="2400" spc="-120" dirty="0">
+              <a:solidFill>
+                <a:prstClr val="black"/>
+              </a:solidFill>
+              <a:latin typeface="Calibri Light" panose="020F0302020204030204"/>
+              <a:ea typeface="+mj-ea"/>
+              <a:cs typeface="+mj-cs"/>
+            </a:endParaRPr>
+          </a:p>
+          <a:p>
+            <a:pPr marL="457200" indent="-457200">
+              <a:buFont typeface="Arial" panose="020B0604020202020204" pitchFamily="34" charset="0"/>
+              <a:buChar char="•"/>
+            </a:pPr>
+            <a:r>
+              <a:rPr lang="en-US" sz="2400" spc="-120" dirty="0">
+                <a:solidFill>
+                  <a:prstClr val="black"/>
+                </a:solidFill>
+                <a:latin typeface="Calibri Light" panose="020F0302020204030204"/>
+                <a:ea typeface="+mj-ea"/>
+                <a:cs typeface="+mj-cs"/>
+              </a:rPr>
+              <a:t>Detailed Household and family </a:t>
+            </a:r>
+            <a:r>
+              <a:rPr lang="en-US" spc="-120" dirty="0">
+                <a:solidFill>
+                  <a:prstClr val="black"/>
+                </a:solidFill>
+                <a:latin typeface="Calibri Light" panose="020F0302020204030204"/>
+                <a:ea typeface="+mj-ea"/>
+                <a:cs typeface="+mj-cs"/>
+              </a:rPr>
+              <a:t>Statistics</a:t>
+            </a:r>
+            <a:endParaRPr lang="en-US" sz="2400" spc="-120" dirty="0">
+              <a:solidFill>
+                <a:prstClr val="black"/>
+              </a:solidFill>
+              <a:latin typeface="Calibri Light" panose="020F0302020204030204"/>
+              <a:ea typeface="+mj-ea"/>
+              <a:cs typeface="+mj-cs"/>
+            </a:endParaRPr>
+          </a:p>
+          <a:p>
+            <a:pPr marL="457200" indent="-457200">
+              <a:buFont typeface="Arial" panose="020B0604020202020204" pitchFamily="34" charset="0"/>
+              <a:buChar char="•"/>
+            </a:pPr>
+            <a:r>
+              <a:rPr lang="en-US" sz="2400" spc="-120" dirty="0">
+                <a:solidFill>
+                  <a:prstClr val="black"/>
+                </a:solidFill>
+                <a:latin typeface="Calibri Light" panose="020F0302020204030204"/>
+                <a:ea typeface="+mj-ea"/>
+                <a:cs typeface="+mj-cs"/>
+              </a:rPr>
+              <a:t>Detailed Household summary in household</a:t>
+            </a:r>
+          </a:p>
+          <a:p>
+            <a:pPr marL="457200" indent="-457200">
+              <a:buFont typeface="Arial" panose="020B0604020202020204" pitchFamily="34" charset="0"/>
+              <a:buChar char="•"/>
+            </a:pPr>
+            <a:r>
+              <a:rPr lang="en-US" spc="-120" dirty="0">
+                <a:solidFill>
+                  <a:prstClr val="black"/>
+                </a:solidFill>
+                <a:latin typeface="Calibri Light" panose="020F0302020204030204"/>
+                <a:ea typeface="+mj-ea"/>
+                <a:cs typeface="+mj-cs"/>
+              </a:rPr>
+              <a:t>Instance weight</a:t>
+            </a:r>
+            <a:endParaRPr lang="en-US" sz="2400" spc="-120" dirty="0">
+              <a:solidFill>
+                <a:prstClr val="black"/>
+              </a:solidFill>
+              <a:latin typeface="Calibri Light" panose="020F0302020204030204"/>
+              <a:ea typeface="+mj-ea"/>
+              <a:cs typeface="+mj-cs"/>
+            </a:endParaRPr>
+          </a:p>
+          <a:p>
+            <a:pPr marL="457200" indent="-457200">
+              <a:buFont typeface="Arial" panose="020B0604020202020204" pitchFamily="34" charset="0"/>
+              <a:buChar char="•"/>
+            </a:pPr>
+            <a:r>
+              <a:rPr lang="en-US" spc="-120" dirty="0">
+                <a:solidFill>
+                  <a:prstClr val="black"/>
+                </a:solidFill>
+                <a:latin typeface="Calibri Light" panose="020F0302020204030204"/>
+                <a:ea typeface="+mj-ea"/>
+                <a:cs typeface="+mj-cs"/>
+              </a:rPr>
+              <a:t>Number of persons worked for employer</a:t>
+            </a:r>
+            <a:endParaRPr lang="en-US" sz="2400" spc="-120" dirty="0">
+              <a:solidFill>
+                <a:prstClr val="black"/>
+              </a:solidFill>
+              <a:latin typeface="Calibri Light" panose="020F0302020204030204"/>
+              <a:ea typeface="+mj-ea"/>
+              <a:cs typeface="+mj-cs"/>
+            </a:endParaRPr>
+          </a:p>
+          <a:p>
+            <a:pPr marL="457200" indent="-457200">
+              <a:buFont typeface="Arial" panose="020B0604020202020204" pitchFamily="34" charset="0"/>
+              <a:buChar char="•"/>
+            </a:pPr>
+            <a:r>
+              <a:rPr lang="en-US" spc="-120" dirty="0">
+                <a:solidFill>
+                  <a:prstClr val="black"/>
+                </a:solidFill>
+                <a:latin typeface="Calibri Light" panose="020F0302020204030204"/>
+                <a:ea typeface="+mj-ea"/>
+                <a:cs typeface="+mj-cs"/>
+              </a:rPr>
+              <a:t>Country of Birth Father</a:t>
+            </a:r>
+            <a:endParaRPr lang="en-US" sz="2400" spc="-120" dirty="0">
+              <a:solidFill>
+                <a:prstClr val="black"/>
+              </a:solidFill>
+              <a:latin typeface="Calibri Light" panose="020F0302020204030204"/>
+              <a:ea typeface="+mj-ea"/>
+              <a:cs typeface="+mj-cs"/>
+            </a:endParaRPr>
+          </a:p>
+          <a:p>
+            <a:pPr marL="457200" indent="-457200">
+              <a:buFont typeface="Arial" panose="020B0604020202020204" pitchFamily="34" charset="0"/>
+              <a:buChar char="•"/>
+            </a:pPr>
+            <a:r>
+              <a:rPr lang="en-US" sz="2400" spc="-120" dirty="0">
+                <a:solidFill>
+                  <a:prstClr val="black"/>
+                </a:solidFill>
+                <a:latin typeface="Calibri Light" panose="020F0302020204030204"/>
+                <a:ea typeface="+mj-ea"/>
+                <a:cs typeface="+mj-cs"/>
+              </a:rPr>
+              <a:t>Country of Birth Mother</a:t>
+            </a:r>
+          </a:p>
+          <a:p>
+            <a:pPr marL="457200" indent="-457200">
+              <a:buFont typeface="Arial" panose="020B0604020202020204" pitchFamily="34" charset="0"/>
+              <a:buChar char="•"/>
+            </a:pPr>
+            <a:r>
+              <a:rPr lang="en-US" spc="-120" dirty="0">
+                <a:solidFill>
+                  <a:prstClr val="black"/>
+                </a:solidFill>
+                <a:latin typeface="Calibri Light" panose="020F0302020204030204"/>
+                <a:ea typeface="+mj-ea"/>
+                <a:cs typeface="+mj-cs"/>
+              </a:rPr>
+              <a:t>Own Business or Self Employed</a:t>
+            </a:r>
+          </a:p>
+          <a:p>
+            <a:pPr marL="457200" indent="-457200">
+              <a:buFont typeface="Arial" panose="020B0604020202020204" pitchFamily="34" charset="0"/>
+              <a:buChar char="•"/>
+            </a:pPr>
+            <a:r>
+              <a:rPr lang="en-US" spc="-120" dirty="0">
+                <a:solidFill>
+                  <a:prstClr val="black"/>
+                </a:solidFill>
+                <a:latin typeface="Calibri Light" panose="020F0302020204030204"/>
+                <a:ea typeface="+mj-ea"/>
+                <a:cs typeface="+mj-cs"/>
+              </a:rPr>
+              <a:t>Weeks Worked In Years</a:t>
+            </a:r>
+          </a:p>
+          <a:p>
+            <a:pPr marL="0" indent="0">
+              <a:buNone/>
+            </a:pPr>
+            <a:endParaRPr lang="en-US" sz="2400" spc="-120" dirty="0">
+              <a:solidFill>
+                <a:prstClr val="black"/>
+              </a:solidFill>
+              <a:latin typeface="Calibri Light" panose="020F0302020204030204"/>
+              <a:ea typeface="+mj-ea"/>
+              <a:cs typeface="+mj-cs"/>
+            </a:endParaRPr>
+          </a:p>
+          <a:p>
+            <a:endParaRPr lang="en-GB" dirty="0"/>
+          </a:p>
+        </p:txBody>
+      </p:sp>
+    </p:spTree>
+    <p:extLst>
+      <p:ext uri="{BB962C8B-B14F-4D97-AF65-F5344CB8AC3E}">
+        <p14:creationId xmlns:p14="http://schemas.microsoft.com/office/powerpoint/2010/main" val="2713166914"/>
+      </p:ext>
+    </p:extLst>
+  </p:cSld>
+  <p:clrMapOvr>
+    <a:masterClrMapping/>
+  </p:clrMapOvr>
+</p:sld>
+</file>
+
+<file path=ppt/slides/slide31.xml><?xml version="1.0" encoding="utf-8"?>
+<p:sld xmlns:a="http://schemas.openxmlformats.org/drawingml/2006/main" xmlns:r="http://schemas.openxmlformats.org/officeDocument/2006/relationships" xmlns:p="http://schemas.openxmlformats.org/presentationml/2006/main">
+  <p:cSld>
+    <p:spTree>
+      <p:nvGrpSpPr>
+        <p:cNvPr id="1" name=""/>
+        <p:cNvGrpSpPr/>
+        <p:nvPr/>
+      </p:nvGrpSpPr>
+      <p:grpSpPr>
+        <a:xfrm>
+          <a:off x="0" y="0"/>
+          <a:ext cx="0" cy="0"/>
+          <a:chOff x="0" y="0"/>
+          <a:chExt cx="0" cy="0"/>
+        </a:xfrm>
+      </p:grpSpPr>
+      <p:sp>
+        <p:nvSpPr>
+          <p:cNvPr id="20" name="Rectangle 19">
+            <a:extLst>
+              <a:ext uri="{FF2B5EF4-FFF2-40B4-BE49-F238E27FC236}">
+                <a16:creationId xmlns:a16="http://schemas.microsoft.com/office/drawing/2014/main" id="{434167B2-1F65-408D-9233-EF10B5990B6E}"/>
+              </a:ext>
+            </a:extLst>
+          </p:cNvPr>
+          <p:cNvSpPr/>
+          <p:nvPr/>
+        </p:nvSpPr>
+        <p:spPr>
+          <a:xfrm>
+            <a:off x="0" y="0"/>
+            <a:ext cx="12192000" cy="1334278"/>
+          </a:xfrm>
+          <a:prstGeom prst="rect">
+            <a:avLst/>
+          </a:prstGeom>
+        </p:spPr>
+        <p:style>
+          <a:lnRef idx="2">
+            <a:schemeClr val="accent1">
+              <a:shade val="50000"/>
+            </a:schemeClr>
+          </a:lnRef>
+          <a:fillRef idx="1">
+            <a:schemeClr val="accent1"/>
+          </a:fillRef>
+          <a:effectRef idx="0">
+            <a:schemeClr val="accent1"/>
+          </a:effectRef>
+          <a:fontRef idx="minor">
+            <a:schemeClr val="lt1"/>
+          </a:fontRef>
+        </p:style>
+        <p:txBody>
+          <a:bodyPr rtlCol="0" anchor="ctr"/>
+          <a:lstStyle/>
+          <a:p>
+            <a:pPr algn="ctr"/>
+            <a:endParaRPr lang="en-GB" dirty="0"/>
+          </a:p>
+        </p:txBody>
+      </p:sp>
+      <p:sp>
+        <p:nvSpPr>
+          <p:cNvPr id="9" name="Title 6">
+            <a:extLst>
+              <a:ext uri="{FF2B5EF4-FFF2-40B4-BE49-F238E27FC236}">
+                <a16:creationId xmlns:a16="http://schemas.microsoft.com/office/drawing/2014/main" id="{F5FB2926-5769-4612-9884-4A0888903E66}"/>
+              </a:ext>
+            </a:extLst>
+          </p:cNvPr>
+          <p:cNvSpPr txBox="1">
+            <a:spLocks/>
+          </p:cNvSpPr>
+          <p:nvPr/>
+        </p:nvSpPr>
+        <p:spPr>
+          <a:xfrm>
+            <a:off x="266229" y="0"/>
+            <a:ext cx="11453020" cy="1334278"/>
+          </a:xfrm>
+          <a:prstGeom prst="rect">
+            <a:avLst/>
+          </a:prstGeom>
+        </p:spPr>
+        <p:txBody>
+          <a:bodyPr vert="horz" lIns="91440" tIns="45720" rIns="91440" bIns="45720" rtlCol="0" anchor="ctr">
+            <a:normAutofit/>
+          </a:bodyPr>
+          <a:lstStyle>
+            <a:lvl1pPr algn="l" defTabSz="914400" rtl="0" eaLnBrk="1" latinLnBrk="0" hangingPunct="1">
+              <a:lnSpc>
+                <a:spcPct val="80000"/>
+              </a:lnSpc>
+              <a:spcBef>
+                <a:spcPct val="0"/>
+              </a:spcBef>
+              <a:buNone/>
+              <a:defRPr sz="8800" b="0" kern="1200" spc="-120" baseline="0">
+                <a:solidFill>
+                  <a:schemeClr val="accent1"/>
+                </a:solidFill>
+                <a:latin typeface="+mj-lt"/>
+                <a:ea typeface="+mj-ea"/>
+                <a:cs typeface="+mj-cs"/>
+              </a:defRPr>
+            </a:lvl1pPr>
+          </a:lstStyle>
+          <a:p>
+            <a:r>
+              <a:rPr lang="en-US" sz="4000" dirty="0">
+                <a:solidFill>
+                  <a:srgbClr val="FFFFFF"/>
+                </a:solidFill>
+              </a:rPr>
+              <a:t>Appendix B – What is SHAP </a:t>
+            </a:r>
+            <a:endParaRPr lang="en-GB" sz="4000" dirty="0">
+              <a:solidFill>
+                <a:srgbClr val="FFFFFF"/>
+              </a:solidFill>
+            </a:endParaRPr>
+          </a:p>
+        </p:txBody>
+      </p:sp>
+      <p:sp>
+        <p:nvSpPr>
+          <p:cNvPr id="4" name="Content Placeholder 3">
+            <a:extLst>
+              <a:ext uri="{FF2B5EF4-FFF2-40B4-BE49-F238E27FC236}">
+                <a16:creationId xmlns:a16="http://schemas.microsoft.com/office/drawing/2014/main" id="{96901DB4-A22F-40A4-90B4-592AFE8BD885}"/>
+              </a:ext>
+            </a:extLst>
+          </p:cNvPr>
+          <p:cNvSpPr>
+            <a:spLocks noGrp="1"/>
+          </p:cNvSpPr>
+          <p:nvPr>
+            <p:ph sz="half" idx="1"/>
+          </p:nvPr>
+        </p:nvSpPr>
+        <p:spPr>
+          <a:xfrm>
+            <a:off x="676656" y="1998134"/>
+            <a:ext cx="8750808" cy="3767328"/>
+          </a:xfrm>
+        </p:spPr>
+        <p:txBody>
+          <a:bodyPr>
+            <a:normAutofit/>
+          </a:bodyPr>
+          <a:lstStyle/>
+          <a:p>
+            <a:pPr>
+              <a:buFont typeface="Arial" panose="020B0604020202020204" pitchFamily="34" charset="0"/>
+              <a:buChar char="•"/>
+            </a:pPr>
+            <a:r>
+              <a:rPr lang="en-US" sz="2400" spc="-120" dirty="0">
+                <a:solidFill>
+                  <a:prstClr val="black"/>
+                </a:solidFill>
+                <a:latin typeface="Calibri Light" panose="020F0302020204030204"/>
+                <a:ea typeface="+mj-ea"/>
+                <a:cs typeface="+mj-cs"/>
+              </a:rPr>
+              <a:t> SHAP (</a:t>
+            </a:r>
+            <a:r>
+              <a:rPr lang="en-US" sz="2400" spc="-120" dirty="0" err="1">
+                <a:solidFill>
+                  <a:prstClr val="black"/>
+                </a:solidFill>
+                <a:latin typeface="Calibri Light" panose="020F0302020204030204"/>
+                <a:ea typeface="+mj-ea"/>
+                <a:cs typeface="+mj-cs"/>
+              </a:rPr>
+              <a:t>SHapley</a:t>
+            </a:r>
+            <a:r>
+              <a:rPr lang="en-US" sz="2400" spc="-120" dirty="0">
+                <a:solidFill>
+                  <a:prstClr val="black"/>
+                </a:solidFill>
+                <a:latin typeface="Calibri Light" panose="020F0302020204030204"/>
+                <a:ea typeface="+mj-ea"/>
+                <a:cs typeface="+mj-cs"/>
+              </a:rPr>
+              <a:t> Additive </a:t>
+            </a:r>
+            <a:r>
+              <a:rPr lang="en-US" sz="2400" spc="-120" dirty="0" err="1">
+                <a:solidFill>
+                  <a:prstClr val="black"/>
+                </a:solidFill>
+                <a:latin typeface="Calibri Light" panose="020F0302020204030204"/>
+                <a:ea typeface="+mj-ea"/>
+                <a:cs typeface="+mj-cs"/>
+              </a:rPr>
+              <a:t>exPlanations</a:t>
+            </a:r>
+            <a:r>
+              <a:rPr lang="en-US" sz="2400" spc="-120" dirty="0">
+                <a:solidFill>
+                  <a:prstClr val="black"/>
+                </a:solidFill>
+                <a:latin typeface="Calibri Light" panose="020F0302020204030204"/>
+                <a:ea typeface="+mj-ea"/>
+                <a:cs typeface="+mj-cs"/>
+              </a:rPr>
+              <a:t>) is a game theoretic approach to explain the output of any machine learning model.</a:t>
+            </a:r>
+          </a:p>
+          <a:p>
+            <a:pPr marL="0" indent="0">
+              <a:buNone/>
+            </a:pPr>
+            <a:endParaRPr lang="en-US" sz="2400" spc="-120" dirty="0">
+              <a:solidFill>
+                <a:prstClr val="black"/>
+              </a:solidFill>
+              <a:latin typeface="Calibri Light" panose="020F0302020204030204"/>
+              <a:ea typeface="+mj-ea"/>
+              <a:cs typeface="+mj-cs"/>
+            </a:endParaRPr>
+          </a:p>
+          <a:p>
+            <a:pPr>
+              <a:buFont typeface="Arial" panose="020B0604020202020204" pitchFamily="34" charset="0"/>
+              <a:buChar char="•"/>
+            </a:pPr>
+            <a:r>
+              <a:rPr lang="en-US" spc="-120" dirty="0">
+                <a:solidFill>
+                  <a:prstClr val="black"/>
+                </a:solidFill>
+                <a:latin typeface="Calibri Light" panose="020F0302020204030204"/>
+                <a:ea typeface="+mj-ea"/>
+                <a:cs typeface="+mj-cs"/>
+              </a:rPr>
+              <a:t>Used for analyzing the results of Model.</a:t>
+            </a:r>
+          </a:p>
+          <a:p>
+            <a:pPr>
+              <a:buFont typeface="Arial" panose="020B0604020202020204" pitchFamily="34" charset="0"/>
+              <a:buChar char="•"/>
+            </a:pPr>
+            <a:endParaRPr lang="en-US" spc="-120" dirty="0">
+              <a:solidFill>
+                <a:prstClr val="black"/>
+              </a:solidFill>
+              <a:latin typeface="Calibri Light" panose="020F0302020204030204"/>
+              <a:ea typeface="+mj-ea"/>
+              <a:cs typeface="+mj-cs"/>
+            </a:endParaRPr>
+          </a:p>
+          <a:p>
+            <a:pPr>
+              <a:buFont typeface="Arial" panose="020B0604020202020204" pitchFamily="34" charset="0"/>
+              <a:buChar char="•"/>
+            </a:pPr>
+            <a:r>
+              <a:rPr lang="en-US" spc="-120" dirty="0">
+                <a:solidFill>
+                  <a:prstClr val="black"/>
+                </a:solidFill>
+                <a:latin typeface="Calibri Light" panose="020F0302020204030204"/>
+                <a:ea typeface="+mj-ea"/>
+                <a:cs typeface="+mj-cs"/>
+              </a:rPr>
+              <a:t>Takes too much time to compute </a:t>
+            </a:r>
+            <a:r>
+              <a:rPr lang="en-US" spc="-120" dirty="0" err="1">
+                <a:solidFill>
+                  <a:prstClr val="black"/>
+                </a:solidFill>
+                <a:latin typeface="Calibri Light" panose="020F0302020204030204"/>
+                <a:ea typeface="+mj-ea"/>
+                <a:cs typeface="+mj-cs"/>
+              </a:rPr>
+              <a:t>shap</a:t>
+            </a:r>
+            <a:r>
+              <a:rPr lang="en-US" spc="-120" dirty="0">
+                <a:solidFill>
+                  <a:prstClr val="black"/>
+                </a:solidFill>
+                <a:latin typeface="Calibri Light" panose="020F0302020204030204"/>
+                <a:ea typeface="+mj-ea"/>
+                <a:cs typeface="+mj-cs"/>
+              </a:rPr>
+              <a:t> value (Not optimized that much yet)</a:t>
+            </a:r>
+          </a:p>
+          <a:p>
+            <a:pPr>
+              <a:buFont typeface="Arial" panose="020B0604020202020204" pitchFamily="34" charset="0"/>
+              <a:buChar char="•"/>
+            </a:pPr>
+            <a:endParaRPr lang="en-US" spc="-120" dirty="0">
+              <a:solidFill>
+                <a:prstClr val="black"/>
+              </a:solidFill>
+              <a:latin typeface="Calibri Light" panose="020F0302020204030204"/>
+              <a:ea typeface="+mj-ea"/>
+              <a:cs typeface="+mj-cs"/>
+            </a:endParaRPr>
+          </a:p>
+          <a:p>
+            <a:pPr>
+              <a:buFont typeface="Arial" panose="020B0604020202020204" pitchFamily="34" charset="0"/>
+              <a:buChar char="•"/>
+            </a:pPr>
+            <a:r>
+              <a:rPr lang="en-US" spc="-120" dirty="0">
+                <a:solidFill>
+                  <a:prstClr val="black"/>
+                </a:solidFill>
+                <a:latin typeface="Calibri Light" panose="020F0302020204030204"/>
+                <a:ea typeface="+mj-ea"/>
+                <a:cs typeface="+mj-cs"/>
+              </a:rPr>
+              <a:t>But has promising results</a:t>
+            </a:r>
+          </a:p>
+        </p:txBody>
+      </p:sp>
+    </p:spTree>
+    <p:extLst>
+      <p:ext uri="{BB962C8B-B14F-4D97-AF65-F5344CB8AC3E}">
+        <p14:creationId xmlns:p14="http://schemas.microsoft.com/office/powerpoint/2010/main" val="2141704438"/>
       </p:ext>
     </p:extLst>
   </p:cSld>

--- a/Task_Presentation.pptx
+++ b/Task_Presentation.pptx
@@ -29,13 +29,15 @@
     <p:sldId id="281" r:id="rId23"/>
     <p:sldId id="290" r:id="rId24"/>
     <p:sldId id="267" r:id="rId25"/>
-    <p:sldId id="284" r:id="rId26"/>
-    <p:sldId id="268" r:id="rId27"/>
-    <p:sldId id="287" r:id="rId28"/>
-    <p:sldId id="294" r:id="rId29"/>
-    <p:sldId id="293" r:id="rId30"/>
-    <p:sldId id="291" r:id="rId31"/>
-    <p:sldId id="295" r:id="rId32"/>
+    <p:sldId id="296" r:id="rId26"/>
+    <p:sldId id="284" r:id="rId27"/>
+    <p:sldId id="268" r:id="rId28"/>
+    <p:sldId id="287" r:id="rId29"/>
+    <p:sldId id="294" r:id="rId30"/>
+    <p:sldId id="297" r:id="rId31"/>
+    <p:sldId id="293" r:id="rId32"/>
+    <p:sldId id="291" r:id="rId33"/>
+    <p:sldId id="295" r:id="rId34"/>
   </p:sldIdLst>
   <p:sldSz cx="12192000" cy="6858000"/>
   <p:notesSz cx="6858000" cy="9144000"/>
@@ -10237,6 +10239,203 @@
                   <a:srgbClr val="FFFFFF"/>
                 </a:solidFill>
               </a:rPr>
+              <a:t>DATA MODELLING – Model Selection</a:t>
+            </a:r>
+          </a:p>
+        </p:txBody>
+      </p:sp>
+      <p:sp>
+        <p:nvSpPr>
+          <p:cNvPr id="13" name="TextBox 12">
+            <a:extLst>
+              <a:ext uri="{FF2B5EF4-FFF2-40B4-BE49-F238E27FC236}">
+                <a16:creationId xmlns:a16="http://schemas.microsoft.com/office/drawing/2014/main" id="{6B796211-20BD-46BC-850A-0393321C7948}"/>
+              </a:ext>
+            </a:extLst>
+          </p:cNvPr>
+          <p:cNvSpPr txBox="1"/>
+          <p:nvPr/>
+        </p:nvSpPr>
+        <p:spPr>
+          <a:xfrm>
+            <a:off x="1120604" y="2103332"/>
+            <a:ext cx="9950791" cy="954107"/>
+          </a:xfrm>
+          <a:prstGeom prst="rect">
+            <a:avLst/>
+          </a:prstGeom>
+          <a:noFill/>
+        </p:spPr>
+        <p:txBody>
+          <a:bodyPr wrap="square" rtlCol="0">
+            <a:spAutoFit/>
+          </a:bodyPr>
+          <a:lstStyle/>
+          <a:p>
+            <a:r>
+              <a:rPr lang="en-US" sz="2800" spc="-120" dirty="0" err="1">
+                <a:solidFill>
+                  <a:prstClr val="black"/>
+                </a:solidFill>
+                <a:latin typeface="Calibri Light" panose="020F0302020204030204"/>
+                <a:ea typeface="+mj-ea"/>
+                <a:cs typeface="+mj-cs"/>
+              </a:rPr>
+              <a:t>Rclassification</a:t>
+            </a:r>
+            <a:r>
+              <a:rPr lang="en-US" sz="2800" spc="-120" dirty="0">
+                <a:solidFill>
+                  <a:prstClr val="black"/>
+                </a:solidFill>
+                <a:latin typeface="Calibri Light" panose="020F0302020204030204"/>
+                <a:ea typeface="+mj-ea"/>
+                <a:cs typeface="+mj-cs"/>
+              </a:rPr>
+              <a:t> Models have been tested and </a:t>
+            </a:r>
+          </a:p>
+          <a:p>
+            <a:endParaRPr lang="en-US" sz="2800" spc="-120" dirty="0">
+              <a:solidFill>
+                <a:prstClr val="black"/>
+              </a:solidFill>
+              <a:latin typeface="Calibri Light" panose="020F0302020204030204"/>
+              <a:ea typeface="+mj-ea"/>
+              <a:cs typeface="+mj-cs"/>
+            </a:endParaRPr>
+          </a:p>
+        </p:txBody>
+      </p:sp>
+    </p:spTree>
+    <p:extLst>
+      <p:ext uri="{BB962C8B-B14F-4D97-AF65-F5344CB8AC3E}">
+        <p14:creationId xmlns:p14="http://schemas.microsoft.com/office/powerpoint/2010/main" val="2941449514"/>
+      </p:ext>
+    </p:extLst>
+  </p:cSld>
+  <p:clrMapOvr>
+    <a:masterClrMapping/>
+  </p:clrMapOvr>
+</p:sld>
+</file>
+
+<file path=ppt/slides/slide25.xml><?xml version="1.0" encoding="utf-8"?>
+<p:sld xmlns:a="http://schemas.openxmlformats.org/drawingml/2006/main" xmlns:r="http://schemas.openxmlformats.org/officeDocument/2006/relationships" xmlns:p="http://schemas.openxmlformats.org/presentationml/2006/main">
+  <p:cSld>
+    <p:spTree>
+      <p:nvGrpSpPr>
+        <p:cNvPr id="1" name=""/>
+        <p:cNvGrpSpPr/>
+        <p:nvPr/>
+      </p:nvGrpSpPr>
+      <p:grpSpPr>
+        <a:xfrm>
+          <a:off x="0" y="0"/>
+          <a:ext cx="0" cy="0"/>
+          <a:chOff x="0" y="0"/>
+          <a:chExt cx="0" cy="0"/>
+        </a:xfrm>
+      </p:grpSpPr>
+      <p:sp>
+        <p:nvSpPr>
+          <p:cNvPr id="20" name="Rectangle 19">
+            <a:extLst>
+              <a:ext uri="{FF2B5EF4-FFF2-40B4-BE49-F238E27FC236}">
+                <a16:creationId xmlns:a16="http://schemas.microsoft.com/office/drawing/2014/main" id="{434167B2-1F65-408D-9233-EF10B5990B6E}"/>
+              </a:ext>
+            </a:extLst>
+          </p:cNvPr>
+          <p:cNvSpPr/>
+          <p:nvPr/>
+        </p:nvSpPr>
+        <p:spPr>
+          <a:xfrm>
+            <a:off x="0" y="0"/>
+            <a:ext cx="12192000" cy="1334278"/>
+          </a:xfrm>
+          <a:prstGeom prst="rect">
+            <a:avLst/>
+          </a:prstGeom>
+        </p:spPr>
+        <p:style>
+          <a:lnRef idx="2">
+            <a:schemeClr val="accent1">
+              <a:shade val="50000"/>
+            </a:schemeClr>
+          </a:lnRef>
+          <a:fillRef idx="1">
+            <a:schemeClr val="accent1"/>
+          </a:fillRef>
+          <a:effectRef idx="0">
+            <a:schemeClr val="accent1"/>
+          </a:effectRef>
+          <a:fontRef idx="minor">
+            <a:schemeClr val="lt1"/>
+          </a:fontRef>
+        </p:style>
+        <p:txBody>
+          <a:bodyPr rtlCol="0" anchor="ctr"/>
+          <a:lstStyle/>
+          <a:p>
+            <a:pPr algn="ctr"/>
+            <a:endParaRPr lang="en-GB" dirty="0"/>
+          </a:p>
+        </p:txBody>
+      </p:sp>
+      <p:sp>
+        <p:nvSpPr>
+          <p:cNvPr id="9" name="Title 6">
+            <a:extLst>
+              <a:ext uri="{FF2B5EF4-FFF2-40B4-BE49-F238E27FC236}">
+                <a16:creationId xmlns:a16="http://schemas.microsoft.com/office/drawing/2014/main" id="{F5FB2926-5769-4612-9884-4A0888903E66}"/>
+              </a:ext>
+            </a:extLst>
+          </p:cNvPr>
+          <p:cNvSpPr txBox="1">
+            <a:spLocks/>
+          </p:cNvSpPr>
+          <p:nvPr/>
+        </p:nvSpPr>
+        <p:spPr>
+          <a:xfrm>
+            <a:off x="266229" y="0"/>
+            <a:ext cx="11453020" cy="1334278"/>
+          </a:xfrm>
+          <a:prstGeom prst="rect">
+            <a:avLst/>
+          </a:prstGeom>
+        </p:spPr>
+        <p:txBody>
+          <a:bodyPr vert="horz" lIns="91440" tIns="45720" rIns="91440" bIns="45720" rtlCol="0" anchor="ctr">
+            <a:normAutofit/>
+          </a:bodyPr>
+          <a:lstStyle>
+            <a:lvl1pPr algn="l" defTabSz="914400" rtl="0" eaLnBrk="1" latinLnBrk="0" hangingPunct="1">
+              <a:lnSpc>
+                <a:spcPct val="80000"/>
+              </a:lnSpc>
+              <a:spcBef>
+                <a:spcPct val="0"/>
+              </a:spcBef>
+              <a:buNone/>
+              <a:defRPr sz="8800" b="0" kern="1200" spc="-120" baseline="0">
+                <a:solidFill>
+                  <a:schemeClr val="accent1"/>
+                </a:solidFill>
+                <a:latin typeface="+mj-lt"/>
+                <a:ea typeface="+mj-ea"/>
+                <a:cs typeface="+mj-cs"/>
+              </a:defRPr>
+            </a:lvl1pPr>
+          </a:lstStyle>
+          <a:p>
+            <a:r>
+              <a:rPr lang="en-US" sz="4000" dirty="0">
+                <a:solidFill>
+                  <a:srgbClr val="FFFFFF"/>
+                </a:solidFill>
+              </a:rPr>
               <a:t>DATA MODELLING – Final Model Diagram</a:t>
             </a:r>
           </a:p>
@@ -10292,7 +10491,7 @@
     </p:spTree>
     <p:extLst>
       <p:ext uri="{BB962C8B-B14F-4D97-AF65-F5344CB8AC3E}">
-        <p14:creationId xmlns:p14="http://schemas.microsoft.com/office/powerpoint/2010/main" val="2941449514"/>
+        <p14:creationId xmlns:p14="http://schemas.microsoft.com/office/powerpoint/2010/main" val="2389926805"/>
       </p:ext>
     </p:extLst>
   </p:cSld>
@@ -10302,7 +10501,7 @@
 </p:sld>
 </file>
 
-<file path=ppt/slides/slide25.xml><?xml version="1.0" encoding="utf-8"?>
+<file path=ppt/slides/slide26.xml><?xml version="1.0" encoding="utf-8"?>
 <p:sld xmlns:a="http://schemas.openxmlformats.org/drawingml/2006/main" xmlns:r="http://schemas.openxmlformats.org/officeDocument/2006/relationships" xmlns:p="http://schemas.openxmlformats.org/presentationml/2006/main">
   <p:cSld>
     <p:spTree>
@@ -10557,7 +10756,7 @@
 </p:sld>
 </file>
 
-<file path=ppt/slides/slide26.xml><?xml version="1.0" encoding="utf-8"?>
+<file path=ppt/slides/slide27.xml><?xml version="1.0" encoding="utf-8"?>
 <p:sld xmlns:a="http://schemas.openxmlformats.org/drawingml/2006/main" xmlns:r="http://schemas.openxmlformats.org/officeDocument/2006/relationships" xmlns:p="http://schemas.openxmlformats.org/presentationml/2006/main">
   <p:cSld>
     <p:spTree>
@@ -11285,7 +11484,7 @@
 </p:sld>
 </file>
 
-<file path=ppt/slides/slide27.xml><?xml version="1.0" encoding="utf-8"?>
+<file path=ppt/slides/slide28.xml><?xml version="1.0" encoding="utf-8"?>
 <p:sld xmlns:a="http://schemas.openxmlformats.org/drawingml/2006/main" xmlns:r="http://schemas.openxmlformats.org/officeDocument/2006/relationships" xmlns:p="http://schemas.openxmlformats.org/presentationml/2006/main">
   <p:cSld>
     <p:spTree>
@@ -11577,7 +11776,7 @@
 </p:sld>
 </file>
 
-<file path=ppt/slides/slide28.xml><?xml version="1.0" encoding="utf-8"?>
+<file path=ppt/slides/slide29.xml><?xml version="1.0" encoding="utf-8"?>
 <p:sld xmlns:a="http://schemas.openxmlformats.org/drawingml/2006/main" xmlns:r="http://schemas.openxmlformats.org/officeDocument/2006/relationships" xmlns:p="http://schemas.openxmlformats.org/presentationml/2006/main">
   <p:cSld>
     <p:spTree>
@@ -11763,125 +11962,6 @@
 </p:sld>
 </file>
 
-<file path=ppt/slides/slide29.xml><?xml version="1.0" encoding="utf-8"?>
-<p:sld xmlns:a="http://schemas.openxmlformats.org/drawingml/2006/main" xmlns:r="http://schemas.openxmlformats.org/officeDocument/2006/relationships" xmlns:p="http://schemas.openxmlformats.org/presentationml/2006/main">
-  <p:cSld>
-    <p:spTree>
-      <p:nvGrpSpPr>
-        <p:cNvPr id="1" name=""/>
-        <p:cNvGrpSpPr/>
-        <p:nvPr/>
-      </p:nvGrpSpPr>
-      <p:grpSpPr>
-        <a:xfrm>
-          <a:off x="0" y="0"/>
-          <a:ext cx="0" cy="0"/>
-          <a:chOff x="0" y="0"/>
-          <a:chExt cx="0" cy="0"/>
-        </a:xfrm>
-      </p:grpSpPr>
-      <p:sp>
-        <p:nvSpPr>
-          <p:cNvPr id="2" name="Title 1">
-            <a:extLst>
-              <a:ext uri="{FF2B5EF4-FFF2-40B4-BE49-F238E27FC236}">
-                <a16:creationId xmlns:a16="http://schemas.microsoft.com/office/drawing/2014/main" id="{CDF5072B-2C61-4CAD-BBEC-6B6D1DF821EC}"/>
-              </a:ext>
-            </a:extLst>
-          </p:cNvPr>
-          <p:cNvSpPr>
-            <a:spLocks noGrp="1"/>
-          </p:cNvSpPr>
-          <p:nvPr>
-            <p:ph type="ctrTitle"/>
-          </p:nvPr>
-        </p:nvSpPr>
-        <p:spPr>
-          <a:xfrm>
-            <a:off x="1286503" y="1285196"/>
-            <a:ext cx="9607160" cy="2779429"/>
-          </a:xfrm>
-        </p:spPr>
-        <p:txBody>
-          <a:bodyPr>
-            <a:normAutofit/>
-          </a:bodyPr>
-          <a:lstStyle/>
-          <a:p>
-            <a:pPr algn="ctr"/>
-            <a:r>
-              <a:rPr lang="en-US" sz="7200" dirty="0"/>
-              <a:t>Thanks for Listening</a:t>
-            </a:r>
-            <a:br>
-              <a:rPr lang="en-US" sz="7200" dirty="0"/>
-            </a:br>
-            <a:r>
-              <a:rPr lang="en-US" sz="7200" dirty="0"/>
-              <a:t>Q &amp; A</a:t>
-            </a:r>
-            <a:endParaRPr lang="en-GB" sz="7200" dirty="0"/>
-          </a:p>
-        </p:txBody>
-      </p:sp>
-      <p:sp>
-        <p:nvSpPr>
-          <p:cNvPr id="3" name="Subtitle 2">
-            <a:extLst>
-              <a:ext uri="{FF2B5EF4-FFF2-40B4-BE49-F238E27FC236}">
-                <a16:creationId xmlns:a16="http://schemas.microsoft.com/office/drawing/2014/main" id="{F1B32AF0-6D08-45B3-A821-D68B856941BC}"/>
-              </a:ext>
-            </a:extLst>
-          </p:cNvPr>
-          <p:cNvSpPr>
-            <a:spLocks noGrp="1"/>
-          </p:cNvSpPr>
-          <p:nvPr>
-            <p:ph type="subTitle" idx="1"/>
-          </p:nvPr>
-        </p:nvSpPr>
-        <p:spPr>
-          <a:xfrm>
-            <a:off x="1286503" y="4064626"/>
-            <a:ext cx="9607159" cy="1476235"/>
-          </a:xfrm>
-        </p:spPr>
-        <p:txBody>
-          <a:bodyPr>
-            <a:normAutofit/>
-          </a:bodyPr>
-          <a:lstStyle/>
-          <a:p>
-            <a:pPr algn="ctr"/>
-            <a:r>
-              <a:rPr lang="en-US" sz="2800" dirty="0">
-                <a:solidFill>
-                  <a:srgbClr val="FFFFFF"/>
-                </a:solidFill>
-              </a:rPr>
-              <a:t>F. Ege Hosgungor</a:t>
-            </a:r>
-            <a:endParaRPr lang="en-GB" sz="2800" dirty="0">
-              <a:solidFill>
-                <a:srgbClr val="FFFFFF"/>
-              </a:solidFill>
-            </a:endParaRPr>
-          </a:p>
-        </p:txBody>
-      </p:sp>
-    </p:spTree>
-    <p:extLst>
-      <p:ext uri="{BB962C8B-B14F-4D97-AF65-F5344CB8AC3E}">
-        <p14:creationId xmlns:p14="http://schemas.microsoft.com/office/powerpoint/2010/main" val="3771409121"/>
-      </p:ext>
-    </p:extLst>
-  </p:cSld>
-  <p:clrMapOvr>
-    <a:masterClrMapping/>
-  </p:clrMapOvr>
-</p:sld>
-</file>
-
 <file path=ppt/slides/slide3.xml><?xml version="1.0" encoding="utf-8"?>
 <p:sld xmlns:a="http://schemas.openxmlformats.org/drawingml/2006/main" xmlns:r="http://schemas.openxmlformats.org/officeDocument/2006/relationships" xmlns:p="http://schemas.openxmlformats.org/presentationml/2006/main">
   <p:cSld>
@@ -12184,6 +12264,368 @@
                   <a:srgbClr val="FFFFFF"/>
                 </a:solidFill>
               </a:rPr>
+              <a:t>Future Plans</a:t>
+            </a:r>
+            <a:endParaRPr lang="en-GB" sz="4000" dirty="0">
+              <a:solidFill>
+                <a:srgbClr val="FFFFFF"/>
+              </a:solidFill>
+            </a:endParaRPr>
+          </a:p>
+        </p:txBody>
+      </p:sp>
+      <p:sp>
+        <p:nvSpPr>
+          <p:cNvPr id="6" name="TextBox 5">
+            <a:extLst>
+              <a:ext uri="{FF2B5EF4-FFF2-40B4-BE49-F238E27FC236}">
+                <a16:creationId xmlns:a16="http://schemas.microsoft.com/office/drawing/2014/main" id="{315BDFA6-7E84-49AD-B928-1001F94C0DAF}"/>
+              </a:ext>
+            </a:extLst>
+          </p:cNvPr>
+          <p:cNvSpPr txBox="1"/>
+          <p:nvPr/>
+        </p:nvSpPr>
+        <p:spPr>
+          <a:xfrm>
+            <a:off x="1120604" y="2103332"/>
+            <a:ext cx="9950791" cy="3108543"/>
+          </a:xfrm>
+          <a:prstGeom prst="rect">
+            <a:avLst/>
+          </a:prstGeom>
+          <a:noFill/>
+        </p:spPr>
+        <p:txBody>
+          <a:bodyPr wrap="square" rtlCol="0">
+            <a:spAutoFit/>
+          </a:bodyPr>
+          <a:lstStyle/>
+          <a:p>
+            <a:pPr marL="457200" indent="-457200">
+              <a:buFont typeface="Arial" panose="020B0604020202020204" pitchFamily="34" charset="0"/>
+              <a:buChar char="•"/>
+            </a:pPr>
+            <a:r>
+              <a:rPr lang="en-US" sz="2800" spc="-120" dirty="0">
+                <a:solidFill>
+                  <a:prstClr val="black"/>
+                </a:solidFill>
+                <a:latin typeface="Calibri Light" panose="020F0302020204030204"/>
+                <a:ea typeface="+mj-ea"/>
+                <a:cs typeface="+mj-cs"/>
+              </a:rPr>
+              <a:t>More data from people who earn more than $50K for balancing out the imbalance data.</a:t>
+            </a:r>
+          </a:p>
+          <a:p>
+            <a:endParaRPr lang="en-US" sz="2800" spc="-120" dirty="0">
+              <a:solidFill>
+                <a:prstClr val="black"/>
+              </a:solidFill>
+              <a:latin typeface="Calibri Light" panose="020F0302020204030204"/>
+              <a:ea typeface="+mj-ea"/>
+              <a:cs typeface="+mj-cs"/>
+            </a:endParaRPr>
+          </a:p>
+          <a:p>
+            <a:pPr marL="457200" indent="-457200">
+              <a:buFont typeface="Arial" panose="020B0604020202020204" pitchFamily="34" charset="0"/>
+              <a:buChar char="•"/>
+            </a:pPr>
+            <a:r>
+              <a:rPr lang="en-US" sz="2800" spc="-120" dirty="0">
+                <a:solidFill>
+                  <a:prstClr val="black"/>
+                </a:solidFill>
+                <a:latin typeface="Calibri Light" panose="020F0302020204030204"/>
+                <a:ea typeface="+mj-ea"/>
+                <a:cs typeface="+mj-cs"/>
+              </a:rPr>
+              <a:t>Hyperparameter Tuning</a:t>
+            </a:r>
+          </a:p>
+          <a:p>
+            <a:pPr marL="457200" indent="-457200">
+              <a:buFont typeface="Arial" panose="020B0604020202020204" pitchFamily="34" charset="0"/>
+              <a:buChar char="•"/>
+            </a:pPr>
+            <a:endParaRPr lang="en-US" sz="2800" spc="-120" dirty="0">
+              <a:solidFill>
+                <a:prstClr val="black"/>
+              </a:solidFill>
+              <a:latin typeface="Calibri Light" panose="020F0302020204030204"/>
+              <a:ea typeface="+mj-ea"/>
+              <a:cs typeface="+mj-cs"/>
+            </a:endParaRPr>
+          </a:p>
+          <a:p>
+            <a:pPr marL="457200" indent="-457200">
+              <a:buFont typeface="Arial" panose="020B0604020202020204" pitchFamily="34" charset="0"/>
+              <a:buChar char="•"/>
+            </a:pPr>
+            <a:r>
+              <a:rPr lang="en-US" sz="2800" spc="-120" dirty="0">
+                <a:solidFill>
+                  <a:prstClr val="black"/>
+                </a:solidFill>
+                <a:latin typeface="Calibri Light" panose="020F0302020204030204"/>
+                <a:ea typeface="+mj-ea"/>
+                <a:cs typeface="+mj-cs"/>
+              </a:rPr>
+              <a:t>Model Interpretability by additive explanations (it takes some time and computing power) </a:t>
+            </a:r>
+          </a:p>
+        </p:txBody>
+      </p:sp>
+    </p:spTree>
+    <p:extLst>
+      <p:ext uri="{BB962C8B-B14F-4D97-AF65-F5344CB8AC3E}">
+        <p14:creationId xmlns:p14="http://schemas.microsoft.com/office/powerpoint/2010/main" val="3914387335"/>
+      </p:ext>
+    </p:extLst>
+  </p:cSld>
+  <p:clrMapOvr>
+    <a:masterClrMapping/>
+  </p:clrMapOvr>
+</p:sld>
+</file>
+
+<file path=ppt/slides/slide31.xml><?xml version="1.0" encoding="utf-8"?>
+<p:sld xmlns:a="http://schemas.openxmlformats.org/drawingml/2006/main" xmlns:r="http://schemas.openxmlformats.org/officeDocument/2006/relationships" xmlns:p="http://schemas.openxmlformats.org/presentationml/2006/main">
+  <p:cSld>
+    <p:spTree>
+      <p:nvGrpSpPr>
+        <p:cNvPr id="1" name=""/>
+        <p:cNvGrpSpPr/>
+        <p:nvPr/>
+      </p:nvGrpSpPr>
+      <p:grpSpPr>
+        <a:xfrm>
+          <a:off x="0" y="0"/>
+          <a:ext cx="0" cy="0"/>
+          <a:chOff x="0" y="0"/>
+          <a:chExt cx="0" cy="0"/>
+        </a:xfrm>
+      </p:grpSpPr>
+      <p:sp>
+        <p:nvSpPr>
+          <p:cNvPr id="2" name="Title 1">
+            <a:extLst>
+              <a:ext uri="{FF2B5EF4-FFF2-40B4-BE49-F238E27FC236}">
+                <a16:creationId xmlns:a16="http://schemas.microsoft.com/office/drawing/2014/main" id="{CDF5072B-2C61-4CAD-BBEC-6B6D1DF821EC}"/>
+              </a:ext>
+            </a:extLst>
+          </p:cNvPr>
+          <p:cNvSpPr>
+            <a:spLocks noGrp="1"/>
+          </p:cNvSpPr>
+          <p:nvPr>
+            <p:ph type="ctrTitle"/>
+          </p:nvPr>
+        </p:nvSpPr>
+        <p:spPr>
+          <a:xfrm>
+            <a:off x="1286503" y="1285196"/>
+            <a:ext cx="9607160" cy="2779429"/>
+          </a:xfrm>
+        </p:spPr>
+        <p:txBody>
+          <a:bodyPr>
+            <a:normAutofit/>
+          </a:bodyPr>
+          <a:lstStyle/>
+          <a:p>
+            <a:pPr algn="ctr"/>
+            <a:r>
+              <a:rPr lang="en-US" sz="7200" dirty="0"/>
+              <a:t>Thanks for Listening</a:t>
+            </a:r>
+            <a:br>
+              <a:rPr lang="en-US" sz="7200" dirty="0"/>
+            </a:br>
+            <a:r>
+              <a:rPr lang="en-US" sz="7200" dirty="0"/>
+              <a:t>Q &amp; A</a:t>
+            </a:r>
+            <a:endParaRPr lang="en-GB" sz="7200" dirty="0"/>
+          </a:p>
+        </p:txBody>
+      </p:sp>
+      <p:sp>
+        <p:nvSpPr>
+          <p:cNvPr id="3" name="Subtitle 2">
+            <a:extLst>
+              <a:ext uri="{FF2B5EF4-FFF2-40B4-BE49-F238E27FC236}">
+                <a16:creationId xmlns:a16="http://schemas.microsoft.com/office/drawing/2014/main" id="{F1B32AF0-6D08-45B3-A821-D68B856941BC}"/>
+              </a:ext>
+            </a:extLst>
+          </p:cNvPr>
+          <p:cNvSpPr>
+            <a:spLocks noGrp="1"/>
+          </p:cNvSpPr>
+          <p:nvPr>
+            <p:ph type="subTitle" idx="1"/>
+          </p:nvPr>
+        </p:nvSpPr>
+        <p:spPr>
+          <a:xfrm>
+            <a:off x="1286503" y="4064626"/>
+            <a:ext cx="9607159" cy="1476235"/>
+          </a:xfrm>
+        </p:spPr>
+        <p:txBody>
+          <a:bodyPr>
+            <a:normAutofit/>
+          </a:bodyPr>
+          <a:lstStyle/>
+          <a:p>
+            <a:pPr algn="ctr"/>
+            <a:r>
+              <a:rPr lang="en-US" sz="2800" dirty="0">
+                <a:solidFill>
+                  <a:srgbClr val="FFFFFF"/>
+                </a:solidFill>
+              </a:rPr>
+              <a:t>F. Ege Hosgungor</a:t>
+            </a:r>
+            <a:endParaRPr lang="en-GB" sz="2800" dirty="0">
+              <a:solidFill>
+                <a:srgbClr val="FFFFFF"/>
+              </a:solidFill>
+            </a:endParaRPr>
+          </a:p>
+        </p:txBody>
+      </p:sp>
+    </p:spTree>
+    <p:extLst>
+      <p:ext uri="{BB962C8B-B14F-4D97-AF65-F5344CB8AC3E}">
+        <p14:creationId xmlns:p14="http://schemas.microsoft.com/office/powerpoint/2010/main" val="3771409121"/>
+      </p:ext>
+    </p:extLst>
+  </p:cSld>
+  <p:clrMapOvr>
+    <a:masterClrMapping/>
+  </p:clrMapOvr>
+</p:sld>
+</file>
+
+<file path=ppt/slides/slide32.xml><?xml version="1.0" encoding="utf-8"?>
+<p:sld xmlns:a="http://schemas.openxmlformats.org/drawingml/2006/main" xmlns:r="http://schemas.openxmlformats.org/officeDocument/2006/relationships" xmlns:p="http://schemas.openxmlformats.org/presentationml/2006/main">
+  <p:cSld>
+    <p:spTree>
+      <p:nvGrpSpPr>
+        <p:cNvPr id="1" name=""/>
+        <p:cNvGrpSpPr/>
+        <p:nvPr/>
+      </p:nvGrpSpPr>
+      <p:grpSpPr>
+        <a:xfrm>
+          <a:off x="0" y="0"/>
+          <a:ext cx="0" cy="0"/>
+          <a:chOff x="0" y="0"/>
+          <a:chExt cx="0" cy="0"/>
+        </a:xfrm>
+      </p:grpSpPr>
+      <p:sp>
+        <p:nvSpPr>
+          <p:cNvPr id="20" name="Rectangle 19">
+            <a:extLst>
+              <a:ext uri="{FF2B5EF4-FFF2-40B4-BE49-F238E27FC236}">
+                <a16:creationId xmlns:a16="http://schemas.microsoft.com/office/drawing/2014/main" id="{434167B2-1F65-408D-9233-EF10B5990B6E}"/>
+              </a:ext>
+            </a:extLst>
+          </p:cNvPr>
+          <p:cNvSpPr/>
+          <p:nvPr/>
+        </p:nvSpPr>
+        <p:spPr>
+          <a:xfrm>
+            <a:off x="0" y="0"/>
+            <a:ext cx="12192000" cy="1334278"/>
+          </a:xfrm>
+          <a:prstGeom prst="rect">
+            <a:avLst/>
+          </a:prstGeom>
+        </p:spPr>
+        <p:style>
+          <a:lnRef idx="2">
+            <a:schemeClr val="accent1">
+              <a:shade val="50000"/>
+            </a:schemeClr>
+          </a:lnRef>
+          <a:fillRef idx="1">
+            <a:schemeClr val="accent1"/>
+          </a:fillRef>
+          <a:effectRef idx="0">
+            <a:schemeClr val="accent1"/>
+          </a:effectRef>
+          <a:fontRef idx="minor">
+            <a:schemeClr val="lt1"/>
+          </a:fontRef>
+        </p:style>
+        <p:txBody>
+          <a:bodyPr rtlCol="0" anchor="ctr"/>
+          <a:lstStyle/>
+          <a:p>
+            <a:pPr algn="ctr"/>
+            <a:endParaRPr lang="en-GB" dirty="0"/>
+          </a:p>
+        </p:txBody>
+      </p:sp>
+      <p:sp>
+        <p:nvSpPr>
+          <p:cNvPr id="9" name="Title 6">
+            <a:extLst>
+              <a:ext uri="{FF2B5EF4-FFF2-40B4-BE49-F238E27FC236}">
+                <a16:creationId xmlns:a16="http://schemas.microsoft.com/office/drawing/2014/main" id="{F5FB2926-5769-4612-9884-4A0888903E66}"/>
+              </a:ext>
+            </a:extLst>
+          </p:cNvPr>
+          <p:cNvSpPr txBox="1">
+            <a:spLocks/>
+          </p:cNvSpPr>
+          <p:nvPr/>
+        </p:nvSpPr>
+        <p:spPr>
+          <a:xfrm>
+            <a:off x="266229" y="0"/>
+            <a:ext cx="11453020" cy="1334278"/>
+          </a:xfrm>
+          <a:prstGeom prst="rect">
+            <a:avLst/>
+          </a:prstGeom>
+        </p:spPr>
+        <p:txBody>
+          <a:bodyPr vert="horz" lIns="91440" tIns="45720" rIns="91440" bIns="45720" rtlCol="0" anchor="ctr">
+            <a:normAutofit/>
+          </a:bodyPr>
+          <a:lstStyle>
+            <a:lvl1pPr algn="l" defTabSz="914400" rtl="0" eaLnBrk="1" latinLnBrk="0" hangingPunct="1">
+              <a:lnSpc>
+                <a:spcPct val="80000"/>
+              </a:lnSpc>
+              <a:spcBef>
+                <a:spcPct val="0"/>
+              </a:spcBef>
+              <a:buNone/>
+              <a:defRPr sz="8800" b="0" kern="1200" spc="-120" baseline="0">
+                <a:solidFill>
+                  <a:schemeClr val="accent1"/>
+                </a:solidFill>
+                <a:latin typeface="+mj-lt"/>
+                <a:ea typeface="+mj-ea"/>
+                <a:cs typeface="+mj-cs"/>
+              </a:defRPr>
+            </a:lvl1pPr>
+          </a:lstStyle>
+          <a:p>
+            <a:r>
+              <a:rPr lang="en-US" sz="4000" dirty="0">
+                <a:solidFill>
+                  <a:srgbClr val="FFFFFF"/>
+                </a:solidFill>
+              </a:rPr>
               <a:t>Appendix A – All Selected (22) Features </a:t>
             </a:r>
             <a:endParaRPr lang="en-GB" sz="4000" dirty="0">
@@ -12725,7 +13167,7 @@
 </p:sld>
 </file>
 
-<file path=ppt/slides/slide31.xml><?xml version="1.0" encoding="utf-8"?>
+<file path=ppt/slides/slide33.xml><?xml version="1.0" encoding="utf-8"?>
 <p:sld xmlns:a="http://schemas.openxmlformats.org/drawingml/2006/main" xmlns:r="http://schemas.openxmlformats.org/officeDocument/2006/relationships" xmlns:p="http://schemas.openxmlformats.org/presentationml/2006/main">
   <p:cSld>
     <p:spTree>

--- a/Task_Presentation.pptx
+++ b/Task_Presentation.pptx
@@ -26,18 +26,15 @@
     <p:sldId id="278" r:id="rId20"/>
     <p:sldId id="279" r:id="rId21"/>
     <p:sldId id="280" r:id="rId22"/>
-    <p:sldId id="281" r:id="rId23"/>
-    <p:sldId id="290" r:id="rId24"/>
-    <p:sldId id="267" r:id="rId25"/>
-    <p:sldId id="296" r:id="rId26"/>
-    <p:sldId id="284" r:id="rId27"/>
-    <p:sldId id="268" r:id="rId28"/>
-    <p:sldId id="287" r:id="rId29"/>
-    <p:sldId id="294" r:id="rId30"/>
-    <p:sldId id="297" r:id="rId31"/>
-    <p:sldId id="293" r:id="rId32"/>
-    <p:sldId id="291" r:id="rId33"/>
-    <p:sldId id="295" r:id="rId34"/>
+    <p:sldId id="296" r:id="rId23"/>
+    <p:sldId id="284" r:id="rId24"/>
+    <p:sldId id="268" r:id="rId25"/>
+    <p:sldId id="287" r:id="rId26"/>
+    <p:sldId id="294" r:id="rId27"/>
+    <p:sldId id="297" r:id="rId28"/>
+    <p:sldId id="293" r:id="rId29"/>
+    <p:sldId id="291" r:id="rId30"/>
+    <p:sldId id="295" r:id="rId31"/>
   </p:sldIdLst>
   <p:sldSz cx="12192000" cy="6858000"/>
   <p:notesSz cx="6858000" cy="9144000"/>
@@ -9711,71 +9708,17 @@
                   <a:srgbClr val="FFFFFF"/>
                 </a:solidFill>
               </a:rPr>
-              <a:t>DATA PREPARATION – SHAP Summary Plot 	</a:t>
-            </a:r>
-            <a:endParaRPr lang="en-GB" sz="4000" dirty="0">
-              <a:solidFill>
-                <a:srgbClr val="FFFFFF"/>
-              </a:solidFill>
-            </a:endParaRPr>
-          </a:p>
-        </p:txBody>
-      </p:sp>
-      <p:sp>
-        <p:nvSpPr>
-          <p:cNvPr id="10" name="TextBox 9">
-            <a:extLst>
-              <a:ext uri="{FF2B5EF4-FFF2-40B4-BE49-F238E27FC236}">
-                <a16:creationId xmlns:a16="http://schemas.microsoft.com/office/drawing/2014/main" id="{756F8E5B-1EA2-42DF-B9DD-C15A8F82FC7F}"/>
-              </a:ext>
-            </a:extLst>
-          </p:cNvPr>
-          <p:cNvSpPr txBox="1"/>
-          <p:nvPr/>
-        </p:nvSpPr>
-        <p:spPr>
-          <a:xfrm>
-            <a:off x="2375068" y="2511469"/>
-            <a:ext cx="7553327" cy="954107"/>
-          </a:xfrm>
-          <a:prstGeom prst="rect">
-            <a:avLst/>
-          </a:prstGeom>
-          <a:noFill/>
-        </p:spPr>
-        <p:txBody>
-          <a:bodyPr wrap="square" rtlCol="0">
-            <a:spAutoFit/>
-          </a:bodyPr>
-          <a:lstStyle/>
-          <a:p>
-            <a:endParaRPr lang="en-US" sz="2800" spc="-120" dirty="0">
-              <a:solidFill>
-                <a:prstClr val="black"/>
-              </a:solidFill>
-              <a:latin typeface="Calibri Light" panose="020F0302020204030204"/>
-              <a:ea typeface="+mj-ea"/>
-              <a:cs typeface="+mj-cs"/>
-            </a:endParaRPr>
-          </a:p>
-          <a:p>
-            <a:endParaRPr lang="en-US" sz="2800" spc="-120" dirty="0">
-              <a:solidFill>
-                <a:prstClr val="black"/>
-              </a:solidFill>
-              <a:latin typeface="Calibri Light" panose="020F0302020204030204"/>
-              <a:ea typeface="+mj-ea"/>
-              <a:cs typeface="+mj-cs"/>
-            </a:endParaRPr>
+              <a:t>DATA MODELLING – Final Model Diagram</a:t>
+            </a:r>
           </a:p>
         </p:txBody>
       </p:sp>
       <p:pic>
         <p:nvPicPr>
-          <p:cNvPr id="14338" name="Picture 2">
+          <p:cNvPr id="10252" name="Picture 12">
             <a:extLst>
               <a:ext uri="{FF2B5EF4-FFF2-40B4-BE49-F238E27FC236}">
-                <a16:creationId xmlns:a16="http://schemas.microsoft.com/office/drawing/2014/main" id="{051009AF-58F8-4B0A-9A2E-D56EAB0CA73F}"/>
+                <a16:creationId xmlns:a16="http://schemas.microsoft.com/office/drawing/2014/main" id="{7C593522-3396-4752-9CF8-B34E8130358C}"/>
               </a:ext>
             </a:extLst>
           </p:cNvPr>
@@ -9799,8 +9742,8 @@
         </p:blipFill>
         <p:spPr bwMode="auto">
           <a:xfrm>
-            <a:off x="2967012" y="1647756"/>
-            <a:ext cx="6369437" cy="4817364"/>
+            <a:off x="1638826" y="1682496"/>
+            <a:ext cx="8914347" cy="4089083"/>
           </a:xfrm>
           <a:prstGeom prst="rect">
             <a:avLst/>
@@ -9820,7 +9763,7 @@
     </p:spTree>
     <p:extLst>
       <p:ext uri="{BB962C8B-B14F-4D97-AF65-F5344CB8AC3E}">
-        <p14:creationId xmlns:p14="http://schemas.microsoft.com/office/powerpoint/2010/main" val="3400818642"/>
+        <p14:creationId xmlns:p14="http://schemas.microsoft.com/office/powerpoint/2010/main" val="2389926805"/>
       </p:ext>
     </p:extLst>
   </p:cSld>
@@ -9946,677 +9889,6 @@
                   <a:srgbClr val="FFFFFF"/>
                 </a:solidFill>
               </a:rPr>
-              <a:t>DATA PREPARATION – Feature Selection	</a:t>
-            </a:r>
-            <a:endParaRPr lang="en-GB" sz="4000" dirty="0">
-              <a:solidFill>
-                <a:srgbClr val="FFFFFF"/>
-              </a:solidFill>
-            </a:endParaRPr>
-          </a:p>
-        </p:txBody>
-      </p:sp>
-      <p:sp>
-        <p:nvSpPr>
-          <p:cNvPr id="10" name="TextBox 9">
-            <a:extLst>
-              <a:ext uri="{FF2B5EF4-FFF2-40B4-BE49-F238E27FC236}">
-                <a16:creationId xmlns:a16="http://schemas.microsoft.com/office/drawing/2014/main" id="{756F8E5B-1EA2-42DF-B9DD-C15A8F82FC7F}"/>
-              </a:ext>
-            </a:extLst>
-          </p:cNvPr>
-          <p:cNvSpPr txBox="1"/>
-          <p:nvPr/>
-        </p:nvSpPr>
-        <p:spPr>
-          <a:xfrm>
-            <a:off x="2375068" y="2511469"/>
-            <a:ext cx="7553327" cy="954107"/>
-          </a:xfrm>
-          <a:prstGeom prst="rect">
-            <a:avLst/>
-          </a:prstGeom>
-          <a:noFill/>
-        </p:spPr>
-        <p:txBody>
-          <a:bodyPr wrap="square" rtlCol="0">
-            <a:spAutoFit/>
-          </a:bodyPr>
-          <a:lstStyle/>
-          <a:p>
-            <a:endParaRPr lang="en-US" sz="2800" spc="-120" dirty="0">
-              <a:solidFill>
-                <a:prstClr val="black"/>
-              </a:solidFill>
-              <a:latin typeface="Calibri Light" panose="020F0302020204030204"/>
-              <a:ea typeface="+mj-ea"/>
-              <a:cs typeface="+mj-cs"/>
-            </a:endParaRPr>
-          </a:p>
-          <a:p>
-            <a:endParaRPr lang="en-US" sz="2800" spc="-120" dirty="0">
-              <a:solidFill>
-                <a:prstClr val="black"/>
-              </a:solidFill>
-              <a:latin typeface="Calibri Light" panose="020F0302020204030204"/>
-              <a:ea typeface="+mj-ea"/>
-              <a:cs typeface="+mj-cs"/>
-            </a:endParaRPr>
-          </a:p>
-        </p:txBody>
-      </p:sp>
-      <p:sp>
-        <p:nvSpPr>
-          <p:cNvPr id="6" name="TextBox 5">
-            <a:extLst>
-              <a:ext uri="{FF2B5EF4-FFF2-40B4-BE49-F238E27FC236}">
-                <a16:creationId xmlns:a16="http://schemas.microsoft.com/office/drawing/2014/main" id="{E7D54BA8-2975-4B2F-B52F-46B2D5533CD3}"/>
-              </a:ext>
-            </a:extLst>
-          </p:cNvPr>
-          <p:cNvSpPr txBox="1"/>
-          <p:nvPr/>
-        </p:nvSpPr>
-        <p:spPr>
-          <a:xfrm>
-            <a:off x="1120604" y="2103332"/>
-            <a:ext cx="9950791" cy="2677656"/>
-          </a:xfrm>
-          <a:prstGeom prst="rect">
-            <a:avLst/>
-          </a:prstGeom>
-          <a:noFill/>
-        </p:spPr>
-        <p:txBody>
-          <a:bodyPr wrap="square" rtlCol="0">
-            <a:spAutoFit/>
-          </a:bodyPr>
-          <a:lstStyle/>
-          <a:p>
-            <a:pPr marL="457200" indent="-457200">
-              <a:buFont typeface="Arial" panose="020B0604020202020204" pitchFamily="34" charset="0"/>
-              <a:buChar char="•"/>
-            </a:pPr>
-            <a:r>
-              <a:rPr lang="en-US" sz="2800" spc="-120" dirty="0">
-                <a:solidFill>
-                  <a:prstClr val="black"/>
-                </a:solidFill>
-                <a:latin typeface="Calibri Light" panose="020F0302020204030204"/>
-                <a:ea typeface="+mj-ea"/>
-                <a:cs typeface="+mj-cs"/>
-              </a:rPr>
-              <a:t>From 45 engineered feature, I picked only 22 of them. Added all the selected features as Appendix A.</a:t>
-            </a:r>
-          </a:p>
-          <a:p>
-            <a:pPr marL="457200" indent="-457200">
-              <a:buFont typeface="Arial" panose="020B0604020202020204" pitchFamily="34" charset="0"/>
-              <a:buChar char="•"/>
-            </a:pPr>
-            <a:endParaRPr lang="en-US" sz="2800" spc="-120" dirty="0">
-              <a:solidFill>
-                <a:prstClr val="black"/>
-              </a:solidFill>
-              <a:latin typeface="Calibri Light" panose="020F0302020204030204"/>
-              <a:ea typeface="+mj-ea"/>
-              <a:cs typeface="+mj-cs"/>
-            </a:endParaRPr>
-          </a:p>
-          <a:p>
-            <a:pPr marL="457200" indent="-457200">
-              <a:buFont typeface="Arial" panose="020B0604020202020204" pitchFamily="34" charset="0"/>
-              <a:buChar char="•"/>
-            </a:pPr>
-            <a:r>
-              <a:rPr lang="en-US" sz="2800" spc="-120" dirty="0">
-                <a:solidFill>
-                  <a:prstClr val="black"/>
-                </a:solidFill>
-                <a:latin typeface="Calibri Light" panose="020F0302020204030204"/>
-                <a:ea typeface="+mj-ea"/>
-                <a:cs typeface="+mj-cs"/>
-              </a:rPr>
-              <a:t>Education</a:t>
-            </a:r>
-          </a:p>
-          <a:p>
-            <a:pPr marL="457200" indent="-457200">
-              <a:buFont typeface="Arial" panose="020B0604020202020204" pitchFamily="34" charset="0"/>
-              <a:buChar char="•"/>
-            </a:pPr>
-            <a:endParaRPr lang="en-US" sz="2800" spc="-120" dirty="0">
-              <a:solidFill>
-                <a:prstClr val="black"/>
-              </a:solidFill>
-              <a:latin typeface="Calibri Light" panose="020F0302020204030204"/>
-              <a:ea typeface="+mj-ea"/>
-              <a:cs typeface="+mj-cs"/>
-            </a:endParaRPr>
-          </a:p>
-          <a:p>
-            <a:pPr marL="457200" indent="-457200">
-              <a:buFont typeface="Arial" panose="020B0604020202020204" pitchFamily="34" charset="0"/>
-              <a:buChar char="•"/>
-            </a:pPr>
-            <a:endParaRPr lang="en-US" sz="2800" spc="-120" dirty="0">
-              <a:solidFill>
-                <a:prstClr val="black"/>
-              </a:solidFill>
-              <a:latin typeface="Calibri Light" panose="020F0302020204030204"/>
-              <a:ea typeface="+mj-ea"/>
-              <a:cs typeface="+mj-cs"/>
-            </a:endParaRPr>
-          </a:p>
-        </p:txBody>
-      </p:sp>
-    </p:spTree>
-    <p:extLst>
-      <p:ext uri="{BB962C8B-B14F-4D97-AF65-F5344CB8AC3E}">
-        <p14:creationId xmlns:p14="http://schemas.microsoft.com/office/powerpoint/2010/main" val="3905603528"/>
-      </p:ext>
-    </p:extLst>
-  </p:cSld>
-  <p:clrMapOvr>
-    <a:masterClrMapping/>
-  </p:clrMapOvr>
-</p:sld>
-</file>
-
-<file path=ppt/slides/slide24.xml><?xml version="1.0" encoding="utf-8"?>
-<p:sld xmlns:a="http://schemas.openxmlformats.org/drawingml/2006/main" xmlns:r="http://schemas.openxmlformats.org/officeDocument/2006/relationships" xmlns:p="http://schemas.openxmlformats.org/presentationml/2006/main">
-  <p:cSld>
-    <p:spTree>
-      <p:nvGrpSpPr>
-        <p:cNvPr id="1" name=""/>
-        <p:cNvGrpSpPr/>
-        <p:nvPr/>
-      </p:nvGrpSpPr>
-      <p:grpSpPr>
-        <a:xfrm>
-          <a:off x="0" y="0"/>
-          <a:ext cx="0" cy="0"/>
-          <a:chOff x="0" y="0"/>
-          <a:chExt cx="0" cy="0"/>
-        </a:xfrm>
-      </p:grpSpPr>
-      <p:sp>
-        <p:nvSpPr>
-          <p:cNvPr id="20" name="Rectangle 19">
-            <a:extLst>
-              <a:ext uri="{FF2B5EF4-FFF2-40B4-BE49-F238E27FC236}">
-                <a16:creationId xmlns:a16="http://schemas.microsoft.com/office/drawing/2014/main" id="{434167B2-1F65-408D-9233-EF10B5990B6E}"/>
-              </a:ext>
-            </a:extLst>
-          </p:cNvPr>
-          <p:cNvSpPr/>
-          <p:nvPr/>
-        </p:nvSpPr>
-        <p:spPr>
-          <a:xfrm>
-            <a:off x="0" y="0"/>
-            <a:ext cx="12192000" cy="1334278"/>
-          </a:xfrm>
-          <a:prstGeom prst="rect">
-            <a:avLst/>
-          </a:prstGeom>
-        </p:spPr>
-        <p:style>
-          <a:lnRef idx="2">
-            <a:schemeClr val="accent1">
-              <a:shade val="50000"/>
-            </a:schemeClr>
-          </a:lnRef>
-          <a:fillRef idx="1">
-            <a:schemeClr val="accent1"/>
-          </a:fillRef>
-          <a:effectRef idx="0">
-            <a:schemeClr val="accent1"/>
-          </a:effectRef>
-          <a:fontRef idx="minor">
-            <a:schemeClr val="lt1"/>
-          </a:fontRef>
-        </p:style>
-        <p:txBody>
-          <a:bodyPr rtlCol="0" anchor="ctr"/>
-          <a:lstStyle/>
-          <a:p>
-            <a:pPr algn="ctr"/>
-            <a:endParaRPr lang="en-GB" dirty="0"/>
-          </a:p>
-        </p:txBody>
-      </p:sp>
-      <p:sp>
-        <p:nvSpPr>
-          <p:cNvPr id="9" name="Title 6">
-            <a:extLst>
-              <a:ext uri="{FF2B5EF4-FFF2-40B4-BE49-F238E27FC236}">
-                <a16:creationId xmlns:a16="http://schemas.microsoft.com/office/drawing/2014/main" id="{F5FB2926-5769-4612-9884-4A0888903E66}"/>
-              </a:ext>
-            </a:extLst>
-          </p:cNvPr>
-          <p:cNvSpPr txBox="1">
-            <a:spLocks/>
-          </p:cNvSpPr>
-          <p:nvPr/>
-        </p:nvSpPr>
-        <p:spPr>
-          <a:xfrm>
-            <a:off x="266229" y="0"/>
-            <a:ext cx="11453020" cy="1334278"/>
-          </a:xfrm>
-          <a:prstGeom prst="rect">
-            <a:avLst/>
-          </a:prstGeom>
-        </p:spPr>
-        <p:txBody>
-          <a:bodyPr vert="horz" lIns="91440" tIns="45720" rIns="91440" bIns="45720" rtlCol="0" anchor="ctr">
-            <a:normAutofit/>
-          </a:bodyPr>
-          <a:lstStyle>
-            <a:lvl1pPr algn="l" defTabSz="914400" rtl="0" eaLnBrk="1" latinLnBrk="0" hangingPunct="1">
-              <a:lnSpc>
-                <a:spcPct val="80000"/>
-              </a:lnSpc>
-              <a:spcBef>
-                <a:spcPct val="0"/>
-              </a:spcBef>
-              <a:buNone/>
-              <a:defRPr sz="8800" b="0" kern="1200" spc="-120" baseline="0">
-                <a:solidFill>
-                  <a:schemeClr val="accent1"/>
-                </a:solidFill>
-                <a:latin typeface="+mj-lt"/>
-                <a:ea typeface="+mj-ea"/>
-                <a:cs typeface="+mj-cs"/>
-              </a:defRPr>
-            </a:lvl1pPr>
-          </a:lstStyle>
-          <a:p>
-            <a:r>
-              <a:rPr lang="en-US" sz="4000" dirty="0">
-                <a:solidFill>
-                  <a:srgbClr val="FFFFFF"/>
-                </a:solidFill>
-              </a:rPr>
-              <a:t>DATA MODELLING – Model Selection</a:t>
-            </a:r>
-          </a:p>
-        </p:txBody>
-      </p:sp>
-      <p:sp>
-        <p:nvSpPr>
-          <p:cNvPr id="13" name="TextBox 12">
-            <a:extLst>
-              <a:ext uri="{FF2B5EF4-FFF2-40B4-BE49-F238E27FC236}">
-                <a16:creationId xmlns:a16="http://schemas.microsoft.com/office/drawing/2014/main" id="{6B796211-20BD-46BC-850A-0393321C7948}"/>
-              </a:ext>
-            </a:extLst>
-          </p:cNvPr>
-          <p:cNvSpPr txBox="1"/>
-          <p:nvPr/>
-        </p:nvSpPr>
-        <p:spPr>
-          <a:xfrm>
-            <a:off x="1120604" y="2103332"/>
-            <a:ext cx="9950791" cy="954107"/>
-          </a:xfrm>
-          <a:prstGeom prst="rect">
-            <a:avLst/>
-          </a:prstGeom>
-          <a:noFill/>
-        </p:spPr>
-        <p:txBody>
-          <a:bodyPr wrap="square" rtlCol="0">
-            <a:spAutoFit/>
-          </a:bodyPr>
-          <a:lstStyle/>
-          <a:p>
-            <a:r>
-              <a:rPr lang="en-US" sz="2800" spc="-120" dirty="0" err="1">
-                <a:solidFill>
-                  <a:prstClr val="black"/>
-                </a:solidFill>
-                <a:latin typeface="Calibri Light" panose="020F0302020204030204"/>
-                <a:ea typeface="+mj-ea"/>
-                <a:cs typeface="+mj-cs"/>
-              </a:rPr>
-              <a:t>Rclassification</a:t>
-            </a:r>
-            <a:r>
-              <a:rPr lang="en-US" sz="2800" spc="-120" dirty="0">
-                <a:solidFill>
-                  <a:prstClr val="black"/>
-                </a:solidFill>
-                <a:latin typeface="Calibri Light" panose="020F0302020204030204"/>
-                <a:ea typeface="+mj-ea"/>
-                <a:cs typeface="+mj-cs"/>
-              </a:rPr>
-              <a:t> Models have been tested and </a:t>
-            </a:r>
-          </a:p>
-          <a:p>
-            <a:endParaRPr lang="en-US" sz="2800" spc="-120" dirty="0">
-              <a:solidFill>
-                <a:prstClr val="black"/>
-              </a:solidFill>
-              <a:latin typeface="Calibri Light" panose="020F0302020204030204"/>
-              <a:ea typeface="+mj-ea"/>
-              <a:cs typeface="+mj-cs"/>
-            </a:endParaRPr>
-          </a:p>
-        </p:txBody>
-      </p:sp>
-    </p:spTree>
-    <p:extLst>
-      <p:ext uri="{BB962C8B-B14F-4D97-AF65-F5344CB8AC3E}">
-        <p14:creationId xmlns:p14="http://schemas.microsoft.com/office/powerpoint/2010/main" val="2941449514"/>
-      </p:ext>
-    </p:extLst>
-  </p:cSld>
-  <p:clrMapOvr>
-    <a:masterClrMapping/>
-  </p:clrMapOvr>
-</p:sld>
-</file>
-
-<file path=ppt/slides/slide25.xml><?xml version="1.0" encoding="utf-8"?>
-<p:sld xmlns:a="http://schemas.openxmlformats.org/drawingml/2006/main" xmlns:r="http://schemas.openxmlformats.org/officeDocument/2006/relationships" xmlns:p="http://schemas.openxmlformats.org/presentationml/2006/main">
-  <p:cSld>
-    <p:spTree>
-      <p:nvGrpSpPr>
-        <p:cNvPr id="1" name=""/>
-        <p:cNvGrpSpPr/>
-        <p:nvPr/>
-      </p:nvGrpSpPr>
-      <p:grpSpPr>
-        <a:xfrm>
-          <a:off x="0" y="0"/>
-          <a:ext cx="0" cy="0"/>
-          <a:chOff x="0" y="0"/>
-          <a:chExt cx="0" cy="0"/>
-        </a:xfrm>
-      </p:grpSpPr>
-      <p:sp>
-        <p:nvSpPr>
-          <p:cNvPr id="20" name="Rectangle 19">
-            <a:extLst>
-              <a:ext uri="{FF2B5EF4-FFF2-40B4-BE49-F238E27FC236}">
-                <a16:creationId xmlns:a16="http://schemas.microsoft.com/office/drawing/2014/main" id="{434167B2-1F65-408D-9233-EF10B5990B6E}"/>
-              </a:ext>
-            </a:extLst>
-          </p:cNvPr>
-          <p:cNvSpPr/>
-          <p:nvPr/>
-        </p:nvSpPr>
-        <p:spPr>
-          <a:xfrm>
-            <a:off x="0" y="0"/>
-            <a:ext cx="12192000" cy="1334278"/>
-          </a:xfrm>
-          <a:prstGeom prst="rect">
-            <a:avLst/>
-          </a:prstGeom>
-        </p:spPr>
-        <p:style>
-          <a:lnRef idx="2">
-            <a:schemeClr val="accent1">
-              <a:shade val="50000"/>
-            </a:schemeClr>
-          </a:lnRef>
-          <a:fillRef idx="1">
-            <a:schemeClr val="accent1"/>
-          </a:fillRef>
-          <a:effectRef idx="0">
-            <a:schemeClr val="accent1"/>
-          </a:effectRef>
-          <a:fontRef idx="minor">
-            <a:schemeClr val="lt1"/>
-          </a:fontRef>
-        </p:style>
-        <p:txBody>
-          <a:bodyPr rtlCol="0" anchor="ctr"/>
-          <a:lstStyle/>
-          <a:p>
-            <a:pPr algn="ctr"/>
-            <a:endParaRPr lang="en-GB" dirty="0"/>
-          </a:p>
-        </p:txBody>
-      </p:sp>
-      <p:sp>
-        <p:nvSpPr>
-          <p:cNvPr id="9" name="Title 6">
-            <a:extLst>
-              <a:ext uri="{FF2B5EF4-FFF2-40B4-BE49-F238E27FC236}">
-                <a16:creationId xmlns:a16="http://schemas.microsoft.com/office/drawing/2014/main" id="{F5FB2926-5769-4612-9884-4A0888903E66}"/>
-              </a:ext>
-            </a:extLst>
-          </p:cNvPr>
-          <p:cNvSpPr txBox="1">
-            <a:spLocks/>
-          </p:cNvSpPr>
-          <p:nvPr/>
-        </p:nvSpPr>
-        <p:spPr>
-          <a:xfrm>
-            <a:off x="266229" y="0"/>
-            <a:ext cx="11453020" cy="1334278"/>
-          </a:xfrm>
-          <a:prstGeom prst="rect">
-            <a:avLst/>
-          </a:prstGeom>
-        </p:spPr>
-        <p:txBody>
-          <a:bodyPr vert="horz" lIns="91440" tIns="45720" rIns="91440" bIns="45720" rtlCol="0" anchor="ctr">
-            <a:normAutofit/>
-          </a:bodyPr>
-          <a:lstStyle>
-            <a:lvl1pPr algn="l" defTabSz="914400" rtl="0" eaLnBrk="1" latinLnBrk="0" hangingPunct="1">
-              <a:lnSpc>
-                <a:spcPct val="80000"/>
-              </a:lnSpc>
-              <a:spcBef>
-                <a:spcPct val="0"/>
-              </a:spcBef>
-              <a:buNone/>
-              <a:defRPr sz="8800" b="0" kern="1200" spc="-120" baseline="0">
-                <a:solidFill>
-                  <a:schemeClr val="accent1"/>
-                </a:solidFill>
-                <a:latin typeface="+mj-lt"/>
-                <a:ea typeface="+mj-ea"/>
-                <a:cs typeface="+mj-cs"/>
-              </a:defRPr>
-            </a:lvl1pPr>
-          </a:lstStyle>
-          <a:p>
-            <a:r>
-              <a:rPr lang="en-US" sz="4000" dirty="0">
-                <a:solidFill>
-                  <a:srgbClr val="FFFFFF"/>
-                </a:solidFill>
-              </a:rPr>
-              <a:t>DATA MODELLING – Final Model Diagram</a:t>
-            </a:r>
-          </a:p>
-        </p:txBody>
-      </p:sp>
-      <p:pic>
-        <p:nvPicPr>
-          <p:cNvPr id="10252" name="Picture 12">
-            <a:extLst>
-              <a:ext uri="{FF2B5EF4-FFF2-40B4-BE49-F238E27FC236}">
-                <a16:creationId xmlns:a16="http://schemas.microsoft.com/office/drawing/2014/main" id="{7C593522-3396-4752-9CF8-B34E8130358C}"/>
-              </a:ext>
-            </a:extLst>
-          </p:cNvPr>
-          <p:cNvPicPr>
-            <a:picLocks noChangeAspect="1" noChangeArrowheads="1"/>
-          </p:cNvPicPr>
-          <p:nvPr/>
-        </p:nvPicPr>
-        <p:blipFill>
-          <a:blip r:embed="rId2">
-            <a:extLst>
-              <a:ext uri="{28A0092B-C50C-407E-A947-70E740481C1C}">
-                <a14:useLocalDpi xmlns:a14="http://schemas.microsoft.com/office/drawing/2010/main" val="0"/>
-              </a:ext>
-            </a:extLst>
-          </a:blip>
-          <a:srcRect/>
-          <a:stretch>
-            <a:fillRect/>
-          </a:stretch>
-        </p:blipFill>
-        <p:spPr bwMode="auto">
-          <a:xfrm>
-            <a:off x="1638826" y="1682496"/>
-            <a:ext cx="8914347" cy="4089083"/>
-          </a:xfrm>
-          <a:prstGeom prst="rect">
-            <a:avLst/>
-          </a:prstGeom>
-          <a:noFill/>
-          <a:extLst>
-            <a:ext uri="{909E8E84-426E-40DD-AFC4-6F175D3DCCD1}">
-              <a14:hiddenFill xmlns:a14="http://schemas.microsoft.com/office/drawing/2010/main">
-                <a:solidFill>
-                  <a:srgbClr val="FFFFFF"/>
-                </a:solidFill>
-              </a14:hiddenFill>
-            </a:ext>
-          </a:extLst>
-        </p:spPr>
-      </p:pic>
-    </p:spTree>
-    <p:extLst>
-      <p:ext uri="{BB962C8B-B14F-4D97-AF65-F5344CB8AC3E}">
-        <p14:creationId xmlns:p14="http://schemas.microsoft.com/office/powerpoint/2010/main" val="2389926805"/>
-      </p:ext>
-    </p:extLst>
-  </p:cSld>
-  <p:clrMapOvr>
-    <a:masterClrMapping/>
-  </p:clrMapOvr>
-</p:sld>
-</file>
-
-<file path=ppt/slides/slide26.xml><?xml version="1.0" encoding="utf-8"?>
-<p:sld xmlns:a="http://schemas.openxmlformats.org/drawingml/2006/main" xmlns:r="http://schemas.openxmlformats.org/officeDocument/2006/relationships" xmlns:p="http://schemas.openxmlformats.org/presentationml/2006/main">
-  <p:cSld>
-    <p:spTree>
-      <p:nvGrpSpPr>
-        <p:cNvPr id="1" name=""/>
-        <p:cNvGrpSpPr/>
-        <p:nvPr/>
-      </p:nvGrpSpPr>
-      <p:grpSpPr>
-        <a:xfrm>
-          <a:off x="0" y="0"/>
-          <a:ext cx="0" cy="0"/>
-          <a:chOff x="0" y="0"/>
-          <a:chExt cx="0" cy="0"/>
-        </a:xfrm>
-      </p:grpSpPr>
-      <p:sp>
-        <p:nvSpPr>
-          <p:cNvPr id="20" name="Rectangle 19">
-            <a:extLst>
-              <a:ext uri="{FF2B5EF4-FFF2-40B4-BE49-F238E27FC236}">
-                <a16:creationId xmlns:a16="http://schemas.microsoft.com/office/drawing/2014/main" id="{434167B2-1F65-408D-9233-EF10B5990B6E}"/>
-              </a:ext>
-            </a:extLst>
-          </p:cNvPr>
-          <p:cNvSpPr/>
-          <p:nvPr/>
-        </p:nvSpPr>
-        <p:spPr>
-          <a:xfrm>
-            <a:off x="0" y="0"/>
-            <a:ext cx="12192000" cy="1334278"/>
-          </a:xfrm>
-          <a:prstGeom prst="rect">
-            <a:avLst/>
-          </a:prstGeom>
-        </p:spPr>
-        <p:style>
-          <a:lnRef idx="2">
-            <a:schemeClr val="accent1">
-              <a:shade val="50000"/>
-            </a:schemeClr>
-          </a:lnRef>
-          <a:fillRef idx="1">
-            <a:schemeClr val="accent1"/>
-          </a:fillRef>
-          <a:effectRef idx="0">
-            <a:schemeClr val="accent1"/>
-          </a:effectRef>
-          <a:fontRef idx="minor">
-            <a:schemeClr val="lt1"/>
-          </a:fontRef>
-        </p:style>
-        <p:txBody>
-          <a:bodyPr rtlCol="0" anchor="ctr"/>
-          <a:lstStyle/>
-          <a:p>
-            <a:pPr algn="ctr"/>
-            <a:endParaRPr lang="en-GB" dirty="0"/>
-          </a:p>
-        </p:txBody>
-      </p:sp>
-      <p:sp>
-        <p:nvSpPr>
-          <p:cNvPr id="9" name="Title 6">
-            <a:extLst>
-              <a:ext uri="{FF2B5EF4-FFF2-40B4-BE49-F238E27FC236}">
-                <a16:creationId xmlns:a16="http://schemas.microsoft.com/office/drawing/2014/main" id="{F5FB2926-5769-4612-9884-4A0888903E66}"/>
-              </a:ext>
-            </a:extLst>
-          </p:cNvPr>
-          <p:cNvSpPr txBox="1">
-            <a:spLocks/>
-          </p:cNvSpPr>
-          <p:nvPr/>
-        </p:nvSpPr>
-        <p:spPr>
-          <a:xfrm>
-            <a:off x="266229" y="0"/>
-            <a:ext cx="11453020" cy="1334278"/>
-          </a:xfrm>
-          <a:prstGeom prst="rect">
-            <a:avLst/>
-          </a:prstGeom>
-        </p:spPr>
-        <p:txBody>
-          <a:bodyPr vert="horz" lIns="91440" tIns="45720" rIns="91440" bIns="45720" rtlCol="0" anchor="ctr">
-            <a:normAutofit/>
-          </a:bodyPr>
-          <a:lstStyle>
-            <a:lvl1pPr algn="l" defTabSz="914400" rtl="0" eaLnBrk="1" latinLnBrk="0" hangingPunct="1">
-              <a:lnSpc>
-                <a:spcPct val="80000"/>
-              </a:lnSpc>
-              <a:spcBef>
-                <a:spcPct val="0"/>
-              </a:spcBef>
-              <a:buNone/>
-              <a:defRPr sz="8800" b="0" kern="1200" spc="-120" baseline="0">
-                <a:solidFill>
-                  <a:schemeClr val="accent1"/>
-                </a:solidFill>
-                <a:latin typeface="+mj-lt"/>
-                <a:ea typeface="+mj-ea"/>
-                <a:cs typeface="+mj-cs"/>
-              </a:defRPr>
-            </a:lvl1pPr>
-          </a:lstStyle>
-          <a:p>
-            <a:r>
-              <a:rPr lang="en-US" sz="4000" dirty="0">
-                <a:solidFill>
-                  <a:srgbClr val="FFFFFF"/>
-                </a:solidFill>
-              </a:rPr>
               <a:t>DATA MODELLING – Ensemble Learning</a:t>
             </a:r>
           </a:p>
@@ -10756,7 +10028,7 @@
 </p:sld>
 </file>
 
-<file path=ppt/slides/slide27.xml><?xml version="1.0" encoding="utf-8"?>
+<file path=ppt/slides/slide24.xml><?xml version="1.0" encoding="utf-8"?>
 <p:sld xmlns:a="http://schemas.openxmlformats.org/drawingml/2006/main" xmlns:r="http://schemas.openxmlformats.org/officeDocument/2006/relationships" xmlns:p="http://schemas.openxmlformats.org/presentationml/2006/main">
   <p:cSld>
     <p:spTree>
@@ -11484,7 +10756,7 @@
 </p:sld>
 </file>
 
-<file path=ppt/slides/slide28.xml><?xml version="1.0" encoding="utf-8"?>
+<file path=ppt/slides/slide25.xml><?xml version="1.0" encoding="utf-8"?>
 <p:sld xmlns:a="http://schemas.openxmlformats.org/drawingml/2006/main" xmlns:r="http://schemas.openxmlformats.org/officeDocument/2006/relationships" xmlns:p="http://schemas.openxmlformats.org/presentationml/2006/main">
   <p:cSld>
     <p:spTree>
@@ -11767,6 +11039,554 @@
     <p:extLst>
       <p:ext uri="{BB962C8B-B14F-4D97-AF65-F5344CB8AC3E}">
         <p14:creationId xmlns:p14="http://schemas.microsoft.com/office/powerpoint/2010/main" val="318696778"/>
+      </p:ext>
+    </p:extLst>
+  </p:cSld>
+  <p:clrMapOvr>
+    <a:masterClrMapping/>
+  </p:clrMapOvr>
+</p:sld>
+</file>
+
+<file path=ppt/slides/slide26.xml><?xml version="1.0" encoding="utf-8"?>
+<p:sld xmlns:a="http://schemas.openxmlformats.org/drawingml/2006/main" xmlns:r="http://schemas.openxmlformats.org/officeDocument/2006/relationships" xmlns:p="http://schemas.openxmlformats.org/presentationml/2006/main">
+  <p:cSld>
+    <p:spTree>
+      <p:nvGrpSpPr>
+        <p:cNvPr id="1" name=""/>
+        <p:cNvGrpSpPr/>
+        <p:nvPr/>
+      </p:nvGrpSpPr>
+      <p:grpSpPr>
+        <a:xfrm>
+          <a:off x="0" y="0"/>
+          <a:ext cx="0" cy="0"/>
+          <a:chOff x="0" y="0"/>
+          <a:chExt cx="0" cy="0"/>
+        </a:xfrm>
+      </p:grpSpPr>
+      <p:sp>
+        <p:nvSpPr>
+          <p:cNvPr id="20" name="Rectangle 19">
+            <a:extLst>
+              <a:ext uri="{FF2B5EF4-FFF2-40B4-BE49-F238E27FC236}">
+                <a16:creationId xmlns:a16="http://schemas.microsoft.com/office/drawing/2014/main" id="{434167B2-1F65-408D-9233-EF10B5990B6E}"/>
+              </a:ext>
+            </a:extLst>
+          </p:cNvPr>
+          <p:cNvSpPr/>
+          <p:nvPr/>
+        </p:nvSpPr>
+        <p:spPr>
+          <a:xfrm>
+            <a:off x="0" y="0"/>
+            <a:ext cx="12192000" cy="1334278"/>
+          </a:xfrm>
+          <a:prstGeom prst="rect">
+            <a:avLst/>
+          </a:prstGeom>
+        </p:spPr>
+        <p:style>
+          <a:lnRef idx="2">
+            <a:schemeClr val="accent1">
+              <a:shade val="50000"/>
+            </a:schemeClr>
+          </a:lnRef>
+          <a:fillRef idx="1">
+            <a:schemeClr val="accent1"/>
+          </a:fillRef>
+          <a:effectRef idx="0">
+            <a:schemeClr val="accent1"/>
+          </a:effectRef>
+          <a:fontRef idx="minor">
+            <a:schemeClr val="lt1"/>
+          </a:fontRef>
+        </p:style>
+        <p:txBody>
+          <a:bodyPr rtlCol="0" anchor="ctr"/>
+          <a:lstStyle/>
+          <a:p>
+            <a:pPr algn="ctr"/>
+            <a:endParaRPr lang="en-GB" dirty="0"/>
+          </a:p>
+        </p:txBody>
+      </p:sp>
+      <p:sp>
+        <p:nvSpPr>
+          <p:cNvPr id="9" name="Title 6">
+            <a:extLst>
+              <a:ext uri="{FF2B5EF4-FFF2-40B4-BE49-F238E27FC236}">
+                <a16:creationId xmlns:a16="http://schemas.microsoft.com/office/drawing/2014/main" id="{F5FB2926-5769-4612-9884-4A0888903E66}"/>
+              </a:ext>
+            </a:extLst>
+          </p:cNvPr>
+          <p:cNvSpPr txBox="1">
+            <a:spLocks/>
+          </p:cNvSpPr>
+          <p:nvPr/>
+        </p:nvSpPr>
+        <p:spPr>
+          <a:xfrm>
+            <a:off x="266229" y="0"/>
+            <a:ext cx="11453020" cy="1334278"/>
+          </a:xfrm>
+          <a:prstGeom prst="rect">
+            <a:avLst/>
+          </a:prstGeom>
+        </p:spPr>
+        <p:txBody>
+          <a:bodyPr vert="horz" lIns="91440" tIns="45720" rIns="91440" bIns="45720" rtlCol="0" anchor="ctr">
+            <a:normAutofit/>
+          </a:bodyPr>
+          <a:lstStyle>
+            <a:lvl1pPr algn="l" defTabSz="914400" rtl="0" eaLnBrk="1" latinLnBrk="0" hangingPunct="1">
+              <a:lnSpc>
+                <a:spcPct val="80000"/>
+              </a:lnSpc>
+              <a:spcBef>
+                <a:spcPct val="0"/>
+              </a:spcBef>
+              <a:buNone/>
+              <a:defRPr sz="8800" b="0" kern="1200" spc="-120" baseline="0">
+                <a:solidFill>
+                  <a:schemeClr val="accent1"/>
+                </a:solidFill>
+                <a:latin typeface="+mj-lt"/>
+                <a:ea typeface="+mj-ea"/>
+                <a:cs typeface="+mj-cs"/>
+              </a:defRPr>
+            </a:lvl1pPr>
+          </a:lstStyle>
+          <a:p>
+            <a:r>
+              <a:rPr lang="en-US" sz="4000" dirty="0">
+                <a:solidFill>
+                  <a:srgbClr val="FFFFFF"/>
+                </a:solidFill>
+              </a:rPr>
+              <a:t>RESULTS – Model Interpretation (SHAP Graph)</a:t>
+            </a:r>
+            <a:endParaRPr lang="en-GB" sz="4000" dirty="0">
+              <a:solidFill>
+                <a:srgbClr val="FFFFFF"/>
+              </a:solidFill>
+            </a:endParaRPr>
+          </a:p>
+        </p:txBody>
+      </p:sp>
+      <p:pic>
+        <p:nvPicPr>
+          <p:cNvPr id="5" name="Picture 2">
+            <a:extLst>
+              <a:ext uri="{FF2B5EF4-FFF2-40B4-BE49-F238E27FC236}">
+                <a16:creationId xmlns:a16="http://schemas.microsoft.com/office/drawing/2014/main" id="{C8BBAA7A-4EB8-45C8-A83B-4D2108374ECF}"/>
+              </a:ext>
+            </a:extLst>
+          </p:cNvPr>
+          <p:cNvPicPr>
+            <a:picLocks noChangeAspect="1" noChangeArrowheads="1"/>
+          </p:cNvPicPr>
+          <p:nvPr/>
+        </p:nvPicPr>
+        <p:blipFill>
+          <a:blip r:embed="rId2">
+            <a:extLst>
+              <a:ext uri="{28A0092B-C50C-407E-A947-70E740481C1C}">
+                <a14:useLocalDpi xmlns:a14="http://schemas.microsoft.com/office/drawing/2010/main" val="0"/>
+              </a:ext>
+            </a:extLst>
+          </a:blip>
+          <a:srcRect/>
+          <a:stretch>
+            <a:fillRect/>
+          </a:stretch>
+        </p:blipFill>
+        <p:spPr bwMode="auto">
+          <a:xfrm>
+            <a:off x="2967012" y="1647756"/>
+            <a:ext cx="6369437" cy="4817364"/>
+          </a:xfrm>
+          <a:prstGeom prst="rect">
+            <a:avLst/>
+          </a:prstGeom>
+          <a:noFill/>
+          <a:extLst>
+            <a:ext uri="{909E8E84-426E-40DD-AFC4-6F175D3DCCD1}">
+              <a14:hiddenFill xmlns:a14="http://schemas.microsoft.com/office/drawing/2010/main">
+                <a:solidFill>
+                  <a:srgbClr val="FFFFFF"/>
+                </a:solidFill>
+              </a14:hiddenFill>
+            </a:ext>
+          </a:extLst>
+        </p:spPr>
+      </p:pic>
+    </p:spTree>
+    <p:extLst>
+      <p:ext uri="{BB962C8B-B14F-4D97-AF65-F5344CB8AC3E}">
+        <p14:creationId xmlns:p14="http://schemas.microsoft.com/office/powerpoint/2010/main" val="670242855"/>
+      </p:ext>
+    </p:extLst>
+  </p:cSld>
+  <p:clrMapOvr>
+    <a:masterClrMapping/>
+  </p:clrMapOvr>
+</p:sld>
+</file>
+
+<file path=ppt/slides/slide27.xml><?xml version="1.0" encoding="utf-8"?>
+<p:sld xmlns:a="http://schemas.openxmlformats.org/drawingml/2006/main" xmlns:r="http://schemas.openxmlformats.org/officeDocument/2006/relationships" xmlns:p="http://schemas.openxmlformats.org/presentationml/2006/main">
+  <p:cSld>
+    <p:spTree>
+      <p:nvGrpSpPr>
+        <p:cNvPr id="1" name=""/>
+        <p:cNvGrpSpPr/>
+        <p:nvPr/>
+      </p:nvGrpSpPr>
+      <p:grpSpPr>
+        <a:xfrm>
+          <a:off x="0" y="0"/>
+          <a:ext cx="0" cy="0"/>
+          <a:chOff x="0" y="0"/>
+          <a:chExt cx="0" cy="0"/>
+        </a:xfrm>
+      </p:grpSpPr>
+      <p:sp>
+        <p:nvSpPr>
+          <p:cNvPr id="20" name="Rectangle 19">
+            <a:extLst>
+              <a:ext uri="{FF2B5EF4-FFF2-40B4-BE49-F238E27FC236}">
+                <a16:creationId xmlns:a16="http://schemas.microsoft.com/office/drawing/2014/main" id="{434167B2-1F65-408D-9233-EF10B5990B6E}"/>
+              </a:ext>
+            </a:extLst>
+          </p:cNvPr>
+          <p:cNvSpPr/>
+          <p:nvPr/>
+        </p:nvSpPr>
+        <p:spPr>
+          <a:xfrm>
+            <a:off x="0" y="0"/>
+            <a:ext cx="12192000" cy="1334278"/>
+          </a:xfrm>
+          <a:prstGeom prst="rect">
+            <a:avLst/>
+          </a:prstGeom>
+        </p:spPr>
+        <p:style>
+          <a:lnRef idx="2">
+            <a:schemeClr val="accent1">
+              <a:shade val="50000"/>
+            </a:schemeClr>
+          </a:lnRef>
+          <a:fillRef idx="1">
+            <a:schemeClr val="accent1"/>
+          </a:fillRef>
+          <a:effectRef idx="0">
+            <a:schemeClr val="accent1"/>
+          </a:effectRef>
+          <a:fontRef idx="minor">
+            <a:schemeClr val="lt1"/>
+          </a:fontRef>
+        </p:style>
+        <p:txBody>
+          <a:bodyPr rtlCol="0" anchor="ctr"/>
+          <a:lstStyle/>
+          <a:p>
+            <a:pPr algn="ctr"/>
+            <a:endParaRPr lang="en-GB" dirty="0"/>
+          </a:p>
+        </p:txBody>
+      </p:sp>
+      <p:sp>
+        <p:nvSpPr>
+          <p:cNvPr id="9" name="Title 6">
+            <a:extLst>
+              <a:ext uri="{FF2B5EF4-FFF2-40B4-BE49-F238E27FC236}">
+                <a16:creationId xmlns:a16="http://schemas.microsoft.com/office/drawing/2014/main" id="{F5FB2926-5769-4612-9884-4A0888903E66}"/>
+              </a:ext>
+            </a:extLst>
+          </p:cNvPr>
+          <p:cNvSpPr txBox="1">
+            <a:spLocks/>
+          </p:cNvSpPr>
+          <p:nvPr/>
+        </p:nvSpPr>
+        <p:spPr>
+          <a:xfrm>
+            <a:off x="266229" y="0"/>
+            <a:ext cx="11453020" cy="1334278"/>
+          </a:xfrm>
+          <a:prstGeom prst="rect">
+            <a:avLst/>
+          </a:prstGeom>
+        </p:spPr>
+        <p:txBody>
+          <a:bodyPr vert="horz" lIns="91440" tIns="45720" rIns="91440" bIns="45720" rtlCol="0" anchor="ctr">
+            <a:normAutofit/>
+          </a:bodyPr>
+          <a:lstStyle>
+            <a:lvl1pPr algn="l" defTabSz="914400" rtl="0" eaLnBrk="1" latinLnBrk="0" hangingPunct="1">
+              <a:lnSpc>
+                <a:spcPct val="80000"/>
+              </a:lnSpc>
+              <a:spcBef>
+                <a:spcPct val="0"/>
+              </a:spcBef>
+              <a:buNone/>
+              <a:defRPr sz="8800" b="0" kern="1200" spc="-120" baseline="0">
+                <a:solidFill>
+                  <a:schemeClr val="accent1"/>
+                </a:solidFill>
+                <a:latin typeface="+mj-lt"/>
+                <a:ea typeface="+mj-ea"/>
+                <a:cs typeface="+mj-cs"/>
+              </a:defRPr>
+            </a:lvl1pPr>
+          </a:lstStyle>
+          <a:p>
+            <a:r>
+              <a:rPr lang="en-US" sz="4000" dirty="0">
+                <a:solidFill>
+                  <a:srgbClr val="FFFFFF"/>
+                </a:solidFill>
+              </a:rPr>
+              <a:t>Future Plans</a:t>
+            </a:r>
+            <a:endParaRPr lang="en-GB" sz="4000" dirty="0">
+              <a:solidFill>
+                <a:srgbClr val="FFFFFF"/>
+              </a:solidFill>
+            </a:endParaRPr>
+          </a:p>
+        </p:txBody>
+      </p:sp>
+      <p:sp>
+        <p:nvSpPr>
+          <p:cNvPr id="6" name="TextBox 5">
+            <a:extLst>
+              <a:ext uri="{FF2B5EF4-FFF2-40B4-BE49-F238E27FC236}">
+                <a16:creationId xmlns:a16="http://schemas.microsoft.com/office/drawing/2014/main" id="{315BDFA6-7E84-49AD-B928-1001F94C0DAF}"/>
+              </a:ext>
+            </a:extLst>
+          </p:cNvPr>
+          <p:cNvSpPr txBox="1"/>
+          <p:nvPr/>
+        </p:nvSpPr>
+        <p:spPr>
+          <a:xfrm>
+            <a:off x="1120604" y="2103332"/>
+            <a:ext cx="9950791" cy="3108543"/>
+          </a:xfrm>
+          <a:prstGeom prst="rect">
+            <a:avLst/>
+          </a:prstGeom>
+          <a:noFill/>
+        </p:spPr>
+        <p:txBody>
+          <a:bodyPr wrap="square" rtlCol="0">
+            <a:spAutoFit/>
+          </a:bodyPr>
+          <a:lstStyle/>
+          <a:p>
+            <a:pPr marL="457200" indent="-457200">
+              <a:buFont typeface="Arial" panose="020B0604020202020204" pitchFamily="34" charset="0"/>
+              <a:buChar char="•"/>
+            </a:pPr>
+            <a:r>
+              <a:rPr lang="en-US" sz="2800" spc="-120" dirty="0">
+                <a:solidFill>
+                  <a:prstClr val="black"/>
+                </a:solidFill>
+                <a:latin typeface="Calibri Light" panose="020F0302020204030204"/>
+                <a:ea typeface="+mj-ea"/>
+                <a:cs typeface="+mj-cs"/>
+              </a:rPr>
+              <a:t>More data from people who earn more than $50K for balancing out the imbalance data.</a:t>
+            </a:r>
+          </a:p>
+          <a:p>
+            <a:endParaRPr lang="en-US" sz="2800" spc="-120" dirty="0">
+              <a:solidFill>
+                <a:prstClr val="black"/>
+              </a:solidFill>
+              <a:latin typeface="Calibri Light" panose="020F0302020204030204"/>
+              <a:ea typeface="+mj-ea"/>
+              <a:cs typeface="+mj-cs"/>
+            </a:endParaRPr>
+          </a:p>
+          <a:p>
+            <a:pPr marL="457200" indent="-457200">
+              <a:buFont typeface="Arial" panose="020B0604020202020204" pitchFamily="34" charset="0"/>
+              <a:buChar char="•"/>
+            </a:pPr>
+            <a:r>
+              <a:rPr lang="en-US" sz="2800" spc="-120" dirty="0">
+                <a:solidFill>
+                  <a:prstClr val="black"/>
+                </a:solidFill>
+                <a:latin typeface="Calibri Light" panose="020F0302020204030204"/>
+                <a:ea typeface="+mj-ea"/>
+                <a:cs typeface="+mj-cs"/>
+              </a:rPr>
+              <a:t>Hyperparameter Tuning</a:t>
+            </a:r>
+          </a:p>
+          <a:p>
+            <a:pPr marL="457200" indent="-457200">
+              <a:buFont typeface="Arial" panose="020B0604020202020204" pitchFamily="34" charset="0"/>
+              <a:buChar char="•"/>
+            </a:pPr>
+            <a:endParaRPr lang="en-US" sz="2800" spc="-120" dirty="0">
+              <a:solidFill>
+                <a:prstClr val="black"/>
+              </a:solidFill>
+              <a:latin typeface="Calibri Light" panose="020F0302020204030204"/>
+              <a:ea typeface="+mj-ea"/>
+              <a:cs typeface="+mj-cs"/>
+            </a:endParaRPr>
+          </a:p>
+          <a:p>
+            <a:pPr marL="457200" indent="-457200">
+              <a:buFont typeface="Arial" panose="020B0604020202020204" pitchFamily="34" charset="0"/>
+              <a:buChar char="•"/>
+            </a:pPr>
+            <a:r>
+              <a:rPr lang="en-US" sz="2800" spc="-120" dirty="0">
+                <a:solidFill>
+                  <a:prstClr val="black"/>
+                </a:solidFill>
+                <a:latin typeface="Calibri Light" panose="020F0302020204030204"/>
+                <a:ea typeface="+mj-ea"/>
+                <a:cs typeface="+mj-cs"/>
+              </a:rPr>
+              <a:t>Model Interpretability by additive explanations (it takes some time and computing power) </a:t>
+            </a:r>
+          </a:p>
+        </p:txBody>
+      </p:sp>
+    </p:spTree>
+    <p:extLst>
+      <p:ext uri="{BB962C8B-B14F-4D97-AF65-F5344CB8AC3E}">
+        <p14:creationId xmlns:p14="http://schemas.microsoft.com/office/powerpoint/2010/main" val="3914387335"/>
+      </p:ext>
+    </p:extLst>
+  </p:cSld>
+  <p:clrMapOvr>
+    <a:masterClrMapping/>
+  </p:clrMapOvr>
+</p:sld>
+</file>
+
+<file path=ppt/slides/slide28.xml><?xml version="1.0" encoding="utf-8"?>
+<p:sld xmlns:a="http://schemas.openxmlformats.org/drawingml/2006/main" xmlns:r="http://schemas.openxmlformats.org/officeDocument/2006/relationships" xmlns:p="http://schemas.openxmlformats.org/presentationml/2006/main">
+  <p:cSld>
+    <p:spTree>
+      <p:nvGrpSpPr>
+        <p:cNvPr id="1" name=""/>
+        <p:cNvGrpSpPr/>
+        <p:nvPr/>
+      </p:nvGrpSpPr>
+      <p:grpSpPr>
+        <a:xfrm>
+          <a:off x="0" y="0"/>
+          <a:ext cx="0" cy="0"/>
+          <a:chOff x="0" y="0"/>
+          <a:chExt cx="0" cy="0"/>
+        </a:xfrm>
+      </p:grpSpPr>
+      <p:sp>
+        <p:nvSpPr>
+          <p:cNvPr id="2" name="Title 1">
+            <a:extLst>
+              <a:ext uri="{FF2B5EF4-FFF2-40B4-BE49-F238E27FC236}">
+                <a16:creationId xmlns:a16="http://schemas.microsoft.com/office/drawing/2014/main" id="{CDF5072B-2C61-4CAD-BBEC-6B6D1DF821EC}"/>
+              </a:ext>
+            </a:extLst>
+          </p:cNvPr>
+          <p:cNvSpPr>
+            <a:spLocks noGrp="1"/>
+          </p:cNvSpPr>
+          <p:nvPr>
+            <p:ph type="ctrTitle"/>
+          </p:nvPr>
+        </p:nvSpPr>
+        <p:spPr>
+          <a:xfrm>
+            <a:off x="1286503" y="1285196"/>
+            <a:ext cx="9607160" cy="2779429"/>
+          </a:xfrm>
+        </p:spPr>
+        <p:txBody>
+          <a:bodyPr>
+            <a:normAutofit/>
+          </a:bodyPr>
+          <a:lstStyle/>
+          <a:p>
+            <a:pPr algn="ctr"/>
+            <a:r>
+              <a:rPr lang="en-US" sz="7200" dirty="0"/>
+              <a:t>Thanks for Listening</a:t>
+            </a:r>
+            <a:br>
+              <a:rPr lang="en-US" sz="7200" dirty="0"/>
+            </a:br>
+            <a:r>
+              <a:rPr lang="en-US" sz="7200" dirty="0"/>
+              <a:t>Q &amp; A</a:t>
+            </a:r>
+            <a:endParaRPr lang="en-GB" sz="7200" dirty="0"/>
+          </a:p>
+        </p:txBody>
+      </p:sp>
+      <p:sp>
+        <p:nvSpPr>
+          <p:cNvPr id="3" name="Subtitle 2">
+            <a:extLst>
+              <a:ext uri="{FF2B5EF4-FFF2-40B4-BE49-F238E27FC236}">
+                <a16:creationId xmlns:a16="http://schemas.microsoft.com/office/drawing/2014/main" id="{F1B32AF0-6D08-45B3-A821-D68B856941BC}"/>
+              </a:ext>
+            </a:extLst>
+          </p:cNvPr>
+          <p:cNvSpPr>
+            <a:spLocks noGrp="1"/>
+          </p:cNvSpPr>
+          <p:nvPr>
+            <p:ph type="subTitle" idx="1"/>
+          </p:nvPr>
+        </p:nvSpPr>
+        <p:spPr>
+          <a:xfrm>
+            <a:off x="1286503" y="4064626"/>
+            <a:ext cx="9607159" cy="1476235"/>
+          </a:xfrm>
+        </p:spPr>
+        <p:txBody>
+          <a:bodyPr>
+            <a:normAutofit/>
+          </a:bodyPr>
+          <a:lstStyle/>
+          <a:p>
+            <a:pPr algn="ctr"/>
+            <a:r>
+              <a:rPr lang="en-US" sz="2800" dirty="0">
+                <a:solidFill>
+                  <a:srgbClr val="FFFFFF"/>
+                </a:solidFill>
+              </a:rPr>
+              <a:t>F. Ege Hosgungor</a:t>
+            </a:r>
+            <a:endParaRPr lang="en-GB" sz="2800" dirty="0">
+              <a:solidFill>
+                <a:srgbClr val="FFFFFF"/>
+              </a:solidFill>
+            </a:endParaRPr>
+          </a:p>
+        </p:txBody>
+      </p:sp>
+    </p:spTree>
+    <p:extLst>
+      <p:ext uri="{BB962C8B-B14F-4D97-AF65-F5344CB8AC3E}">
+        <p14:creationId xmlns:p14="http://schemas.microsoft.com/office/powerpoint/2010/main" val="3771409121"/>
       </p:ext>
     </p:extLst>
   </p:cSld>
@@ -11892,7 +11712,7 @@
                   <a:srgbClr val="FFFFFF"/>
                 </a:solidFill>
               </a:rPr>
-              <a:t>RESULTS – Model Interpretation (SHAP Graph)</a:t>
+              <a:t>Appendix A – All Selected (22) Features </a:t>
             </a:r>
             <a:endParaRPr lang="en-GB" sz="4000" dirty="0">
               <a:solidFill>
@@ -11902,57 +11722,528 @@
           </a:p>
         </p:txBody>
       </p:sp>
-      <p:pic>
-        <p:nvPicPr>
-          <p:cNvPr id="5" name="Picture 2">
+      <p:sp>
+        <p:nvSpPr>
+          <p:cNvPr id="3" name="Content Placeholder 2">
             <a:extLst>
               <a:ext uri="{FF2B5EF4-FFF2-40B4-BE49-F238E27FC236}">
-                <a16:creationId xmlns:a16="http://schemas.microsoft.com/office/drawing/2014/main" id="{C8BBAA7A-4EB8-45C8-A83B-4D2108374ECF}"/>
+                <a16:creationId xmlns:a16="http://schemas.microsoft.com/office/drawing/2014/main" id="{D23B46A2-71B7-45DC-ADB8-F5F72327C8E7}"/>
               </a:ext>
             </a:extLst>
           </p:cNvPr>
-          <p:cNvPicPr>
-            <a:picLocks noChangeAspect="1" noChangeArrowheads="1"/>
-          </p:cNvPicPr>
-          <p:nvPr/>
-        </p:nvPicPr>
-        <p:blipFill>
-          <a:blip r:embed="rId2">
+          <p:cNvSpPr>
+            <a:spLocks noGrp="1"/>
+          </p:cNvSpPr>
+          <p:nvPr>
+            <p:ph sz="half" idx="1"/>
+          </p:nvPr>
+        </p:nvSpPr>
+        <p:spPr/>
+        <p:txBody>
+          <a:bodyPr>
+            <a:normAutofit fontScale="70000" lnSpcReduction="20000"/>
+          </a:bodyPr>
+          <a:lstStyle/>
+          <a:p>
+            <a:pPr marL="457200" indent="-457200">
+              <a:buFont typeface="Arial" panose="020B0604020202020204" pitchFamily="34" charset="0"/>
+              <a:buChar char="•"/>
+            </a:pPr>
+            <a:r>
+              <a:rPr lang="en-US" sz="2400" spc="-120" dirty="0">
+                <a:solidFill>
+                  <a:prstClr val="black"/>
+                </a:solidFill>
+                <a:latin typeface="Calibri Light" panose="020F0302020204030204"/>
+                <a:ea typeface="+mj-ea"/>
+                <a:cs typeface="+mj-cs"/>
+              </a:rPr>
+              <a:t>Age</a:t>
+            </a:r>
+          </a:p>
+          <a:p>
+            <a:pPr marL="457200" indent="-457200">
+              <a:buFont typeface="Arial" panose="020B0604020202020204" pitchFamily="34" charset="0"/>
+              <a:buChar char="•"/>
+            </a:pPr>
+            <a:r>
+              <a:rPr lang="en-US" sz="2400" spc="-120" dirty="0">
+                <a:solidFill>
+                  <a:prstClr val="black"/>
+                </a:solidFill>
+                <a:latin typeface="Calibri Light" panose="020F0302020204030204"/>
+                <a:ea typeface="+mj-ea"/>
+                <a:cs typeface="+mj-cs"/>
+              </a:rPr>
+              <a:t>Class of Worker</a:t>
+            </a:r>
+          </a:p>
+          <a:p>
+            <a:pPr marL="457200" indent="-457200">
+              <a:buFont typeface="Arial" panose="020B0604020202020204" pitchFamily="34" charset="0"/>
+              <a:buChar char="•"/>
+            </a:pPr>
+            <a:r>
+              <a:rPr lang="en-US" sz="2400" spc="-120" dirty="0">
+                <a:solidFill>
+                  <a:prstClr val="black"/>
+                </a:solidFill>
+                <a:latin typeface="Calibri Light" panose="020F0302020204030204"/>
+                <a:ea typeface="+mj-ea"/>
+                <a:cs typeface="+mj-cs"/>
+              </a:rPr>
+              <a:t>Industry Code</a:t>
+            </a:r>
+          </a:p>
+          <a:p>
+            <a:pPr marL="457200" indent="-457200">
+              <a:buFont typeface="Arial" panose="020B0604020202020204" pitchFamily="34" charset="0"/>
+              <a:buChar char="•"/>
+            </a:pPr>
+            <a:r>
+              <a:rPr lang="en-US" sz="2400" spc="-120" dirty="0">
+                <a:solidFill>
+                  <a:prstClr val="black"/>
+                </a:solidFill>
+                <a:latin typeface="Calibri Light" panose="020F0302020204030204"/>
+                <a:ea typeface="+mj-ea"/>
+                <a:cs typeface="+mj-cs"/>
+              </a:rPr>
+              <a:t>Occupation Code</a:t>
+            </a:r>
+          </a:p>
+          <a:p>
+            <a:pPr marL="457200" indent="-457200">
+              <a:buFont typeface="Arial" panose="020B0604020202020204" pitchFamily="34" charset="0"/>
+              <a:buChar char="•"/>
+            </a:pPr>
+            <a:r>
+              <a:rPr lang="en-US" sz="2400" spc="-120" dirty="0">
+                <a:solidFill>
+                  <a:prstClr val="black"/>
+                </a:solidFill>
+                <a:latin typeface="Calibri Light" panose="020F0302020204030204"/>
+                <a:ea typeface="+mj-ea"/>
+                <a:cs typeface="+mj-cs"/>
+              </a:rPr>
+              <a:t>Education</a:t>
+            </a:r>
+          </a:p>
+          <a:p>
+            <a:pPr marL="457200" indent="-457200">
+              <a:buFont typeface="Arial" panose="020B0604020202020204" pitchFamily="34" charset="0"/>
+              <a:buChar char="•"/>
+            </a:pPr>
+            <a:r>
+              <a:rPr lang="en-US" sz="2400" spc="-120" dirty="0">
+                <a:solidFill>
+                  <a:prstClr val="black"/>
+                </a:solidFill>
+                <a:latin typeface="Calibri Light" panose="020F0302020204030204"/>
+                <a:ea typeface="+mj-ea"/>
+                <a:cs typeface="+mj-cs"/>
+              </a:rPr>
+              <a:t>Wage per hour</a:t>
+            </a:r>
+          </a:p>
+          <a:p>
+            <a:pPr marL="457200" indent="-457200">
+              <a:buFont typeface="Arial" panose="020B0604020202020204" pitchFamily="34" charset="0"/>
+              <a:buChar char="•"/>
+            </a:pPr>
+            <a:r>
+              <a:rPr lang="en-US" sz="2400" spc="-120" dirty="0">
+                <a:solidFill>
+                  <a:prstClr val="black"/>
+                </a:solidFill>
+                <a:latin typeface="Calibri Light" panose="020F0302020204030204"/>
+                <a:ea typeface="+mj-ea"/>
+                <a:cs typeface="+mj-cs"/>
+              </a:rPr>
+              <a:t>Marital Status</a:t>
+            </a:r>
+          </a:p>
+          <a:p>
+            <a:pPr marL="457200" indent="-457200">
+              <a:buFont typeface="Arial" panose="020B0604020202020204" pitchFamily="34" charset="0"/>
+              <a:buChar char="•"/>
+            </a:pPr>
+            <a:r>
+              <a:rPr lang="en-US" sz="2400" spc="-120" dirty="0">
+                <a:solidFill>
+                  <a:prstClr val="black"/>
+                </a:solidFill>
+                <a:latin typeface="Calibri Light" panose="020F0302020204030204"/>
+                <a:ea typeface="+mj-ea"/>
+                <a:cs typeface="+mj-cs"/>
+              </a:rPr>
+              <a:t>Major Industry Code</a:t>
+            </a:r>
+          </a:p>
+          <a:p>
+            <a:pPr marL="457200" indent="-457200">
+              <a:buFont typeface="Arial" panose="020B0604020202020204" pitchFamily="34" charset="0"/>
+              <a:buChar char="•"/>
+            </a:pPr>
+            <a:r>
+              <a:rPr lang="en-US" sz="2400" spc="-120" dirty="0">
+                <a:solidFill>
+                  <a:prstClr val="black"/>
+                </a:solidFill>
+                <a:latin typeface="Calibri Light" panose="020F0302020204030204"/>
+                <a:ea typeface="+mj-ea"/>
+                <a:cs typeface="+mj-cs"/>
+              </a:rPr>
+              <a:t>Major Occupation Code</a:t>
+            </a:r>
+          </a:p>
+          <a:p>
+            <a:pPr marL="457200" indent="-457200">
+              <a:buFont typeface="Arial" panose="020B0604020202020204" pitchFamily="34" charset="0"/>
+              <a:buChar char="•"/>
+            </a:pPr>
+            <a:r>
+              <a:rPr lang="en-US" spc="-120" dirty="0">
+                <a:solidFill>
+                  <a:prstClr val="black"/>
+                </a:solidFill>
+                <a:latin typeface="Calibri Light" panose="020F0302020204030204"/>
+                <a:ea typeface="+mj-ea"/>
+                <a:cs typeface="+mj-cs"/>
+              </a:rPr>
+              <a:t>Sex</a:t>
+            </a:r>
+          </a:p>
+          <a:p>
+            <a:pPr marL="457200" indent="-457200">
+              <a:buFont typeface="Arial" panose="020B0604020202020204" pitchFamily="34" charset="0"/>
+              <a:buChar char="•"/>
+            </a:pPr>
+            <a:r>
+              <a:rPr lang="en-US" spc="-120" dirty="0">
+                <a:solidFill>
+                  <a:prstClr val="black"/>
+                </a:solidFill>
+                <a:latin typeface="Calibri Light" panose="020F0302020204030204"/>
+                <a:ea typeface="+mj-ea"/>
+                <a:cs typeface="+mj-cs"/>
+              </a:rPr>
+              <a:t>Capital Gains</a:t>
+            </a:r>
+          </a:p>
+          <a:p>
+            <a:pPr marL="0" indent="0">
+              <a:buNone/>
+            </a:pPr>
+            <a:endParaRPr lang="en-US" sz="2400" spc="-120" dirty="0">
+              <a:solidFill>
+                <a:prstClr val="black"/>
+              </a:solidFill>
+              <a:latin typeface="Calibri Light" panose="020F0302020204030204"/>
+              <a:ea typeface="+mj-ea"/>
+              <a:cs typeface="+mj-cs"/>
+            </a:endParaRPr>
+          </a:p>
+          <a:p>
+            <a:endParaRPr lang="en-GB" dirty="0"/>
+          </a:p>
+        </p:txBody>
+      </p:sp>
+      <p:sp>
+        <p:nvSpPr>
+          <p:cNvPr id="8" name="Content Placeholder 2">
             <a:extLst>
-              <a:ext uri="{28A0092B-C50C-407E-A947-70E740481C1C}">
-                <a14:useLocalDpi xmlns:a14="http://schemas.microsoft.com/office/drawing/2010/main" val="0"/>
+              <a:ext uri="{FF2B5EF4-FFF2-40B4-BE49-F238E27FC236}">
+                <a16:creationId xmlns:a16="http://schemas.microsoft.com/office/drawing/2014/main" id="{3490268A-96A5-48BB-8095-ED2C4239285F}"/>
               </a:ext>
             </a:extLst>
-          </a:blip>
-          <a:srcRect/>
-          <a:stretch>
-            <a:fillRect/>
-          </a:stretch>
-        </p:blipFill>
-        <p:spPr bwMode="auto">
+          </p:cNvPr>
+          <p:cNvSpPr>
+            <a:spLocks noGrp="1"/>
+          </p:cNvSpPr>
+          <p:nvPr>
+            <p:ph sz="half" idx="2"/>
+          </p:nvPr>
+        </p:nvSpPr>
+        <p:spPr>
           <a:xfrm>
-            <a:off x="2967012" y="1647756"/>
-            <a:ext cx="6369437" cy="4817364"/>
+            <a:off x="6011863" y="1998663"/>
+            <a:ext cx="4662487" cy="3767137"/>
           </a:xfrm>
-          <a:prstGeom prst="rect">
-            <a:avLst/>
-          </a:prstGeom>
-          <a:noFill/>
-          <a:extLst>
-            <a:ext uri="{909E8E84-426E-40DD-AFC4-6F175D3DCCD1}">
-              <a14:hiddenFill xmlns:a14="http://schemas.microsoft.com/office/drawing/2010/main">
-                <a:solidFill>
-                  <a:srgbClr val="FFFFFF"/>
-                </a:solidFill>
-              </a14:hiddenFill>
-            </a:ext>
-          </a:extLst>
         </p:spPr>
-      </p:pic>
+        <p:txBody>
+          <a:bodyPr>
+            <a:normAutofit fontScale="70000" lnSpcReduction="20000"/>
+          </a:bodyPr>
+          <a:lstStyle/>
+          <a:p>
+            <a:pPr marL="457200" indent="-457200">
+              <a:buFont typeface="Arial" panose="020B0604020202020204" pitchFamily="34" charset="0"/>
+              <a:buChar char="•"/>
+            </a:pPr>
+            <a:r>
+              <a:rPr lang="en-US" sz="2400" spc="-120" dirty="0">
+                <a:solidFill>
+                  <a:prstClr val="black"/>
+                </a:solidFill>
+                <a:latin typeface="Calibri Light" panose="020F0302020204030204"/>
+                <a:ea typeface="+mj-ea"/>
+                <a:cs typeface="+mj-cs"/>
+              </a:rPr>
+              <a:t>Capital Losses</a:t>
+            </a:r>
+          </a:p>
+          <a:p>
+            <a:pPr marL="457200" indent="-457200">
+              <a:buFont typeface="Arial" panose="020B0604020202020204" pitchFamily="34" charset="0"/>
+              <a:buChar char="•"/>
+            </a:pPr>
+            <a:r>
+              <a:rPr lang="en-US" spc="-120" dirty="0">
+                <a:solidFill>
+                  <a:prstClr val="black"/>
+                </a:solidFill>
+                <a:latin typeface="Calibri Light" panose="020F0302020204030204"/>
+                <a:ea typeface="+mj-ea"/>
+                <a:cs typeface="+mj-cs"/>
+              </a:rPr>
+              <a:t>Dividends from Stocks</a:t>
+            </a:r>
+            <a:endParaRPr lang="en-US" sz="2400" spc="-120" dirty="0">
+              <a:solidFill>
+                <a:prstClr val="black"/>
+              </a:solidFill>
+              <a:latin typeface="Calibri Light" panose="020F0302020204030204"/>
+              <a:ea typeface="+mj-ea"/>
+              <a:cs typeface="+mj-cs"/>
+            </a:endParaRPr>
+          </a:p>
+          <a:p>
+            <a:pPr marL="457200" indent="-457200">
+              <a:buFont typeface="Arial" panose="020B0604020202020204" pitchFamily="34" charset="0"/>
+              <a:buChar char="•"/>
+            </a:pPr>
+            <a:r>
+              <a:rPr lang="en-US" spc="-120" dirty="0">
+                <a:solidFill>
+                  <a:prstClr val="black"/>
+                </a:solidFill>
+                <a:latin typeface="Calibri Light" panose="020F0302020204030204"/>
+                <a:ea typeface="+mj-ea"/>
+                <a:cs typeface="+mj-cs"/>
+              </a:rPr>
+              <a:t>Tax Filer Status</a:t>
+            </a:r>
+            <a:endParaRPr lang="en-US" sz="2400" spc="-120" dirty="0">
+              <a:solidFill>
+                <a:prstClr val="black"/>
+              </a:solidFill>
+              <a:latin typeface="Calibri Light" panose="020F0302020204030204"/>
+              <a:ea typeface="+mj-ea"/>
+              <a:cs typeface="+mj-cs"/>
+            </a:endParaRPr>
+          </a:p>
+          <a:p>
+            <a:pPr marL="457200" indent="-457200">
+              <a:buFont typeface="Arial" panose="020B0604020202020204" pitchFamily="34" charset="0"/>
+              <a:buChar char="•"/>
+            </a:pPr>
+            <a:r>
+              <a:rPr lang="en-US" sz="2400" spc="-120" dirty="0">
+                <a:solidFill>
+                  <a:prstClr val="black"/>
+                </a:solidFill>
+                <a:latin typeface="Calibri Light" panose="020F0302020204030204"/>
+                <a:ea typeface="+mj-ea"/>
+                <a:cs typeface="+mj-cs"/>
+              </a:rPr>
+              <a:t>Detailed Household and family </a:t>
+            </a:r>
+            <a:r>
+              <a:rPr lang="en-US" spc="-120" dirty="0">
+                <a:solidFill>
+                  <a:prstClr val="black"/>
+                </a:solidFill>
+                <a:latin typeface="Calibri Light" panose="020F0302020204030204"/>
+                <a:ea typeface="+mj-ea"/>
+                <a:cs typeface="+mj-cs"/>
+              </a:rPr>
+              <a:t>Statistics</a:t>
+            </a:r>
+            <a:endParaRPr lang="en-US" sz="2400" spc="-120" dirty="0">
+              <a:solidFill>
+                <a:prstClr val="black"/>
+              </a:solidFill>
+              <a:latin typeface="Calibri Light" panose="020F0302020204030204"/>
+              <a:ea typeface="+mj-ea"/>
+              <a:cs typeface="+mj-cs"/>
+            </a:endParaRPr>
+          </a:p>
+          <a:p>
+            <a:pPr marL="457200" indent="-457200">
+              <a:buFont typeface="Arial" panose="020B0604020202020204" pitchFamily="34" charset="0"/>
+              <a:buChar char="•"/>
+            </a:pPr>
+            <a:r>
+              <a:rPr lang="en-US" sz="2400" spc="-120" dirty="0">
+                <a:solidFill>
+                  <a:prstClr val="black"/>
+                </a:solidFill>
+                <a:latin typeface="Calibri Light" panose="020F0302020204030204"/>
+                <a:ea typeface="+mj-ea"/>
+                <a:cs typeface="+mj-cs"/>
+              </a:rPr>
+              <a:t>Detailed Household summary in household</a:t>
+            </a:r>
+          </a:p>
+          <a:p>
+            <a:pPr marL="457200" indent="-457200">
+              <a:buFont typeface="Arial" panose="020B0604020202020204" pitchFamily="34" charset="0"/>
+              <a:buChar char="•"/>
+            </a:pPr>
+            <a:r>
+              <a:rPr lang="en-US" spc="-120" dirty="0">
+                <a:solidFill>
+                  <a:prstClr val="black"/>
+                </a:solidFill>
+                <a:latin typeface="Calibri Light" panose="020F0302020204030204"/>
+                <a:ea typeface="+mj-ea"/>
+                <a:cs typeface="+mj-cs"/>
+              </a:rPr>
+              <a:t>Instance weight</a:t>
+            </a:r>
+            <a:endParaRPr lang="en-US" sz="2400" spc="-120" dirty="0">
+              <a:solidFill>
+                <a:prstClr val="black"/>
+              </a:solidFill>
+              <a:latin typeface="Calibri Light" panose="020F0302020204030204"/>
+              <a:ea typeface="+mj-ea"/>
+              <a:cs typeface="+mj-cs"/>
+            </a:endParaRPr>
+          </a:p>
+          <a:p>
+            <a:pPr marL="457200" indent="-457200">
+              <a:buFont typeface="Arial" panose="020B0604020202020204" pitchFamily="34" charset="0"/>
+              <a:buChar char="•"/>
+            </a:pPr>
+            <a:r>
+              <a:rPr lang="en-US" spc="-120" dirty="0">
+                <a:solidFill>
+                  <a:prstClr val="black"/>
+                </a:solidFill>
+                <a:latin typeface="Calibri Light" panose="020F0302020204030204"/>
+                <a:ea typeface="+mj-ea"/>
+                <a:cs typeface="+mj-cs"/>
+              </a:rPr>
+              <a:t>Number of persons worked for employer</a:t>
+            </a:r>
+            <a:endParaRPr lang="en-US" sz="2400" spc="-120" dirty="0">
+              <a:solidFill>
+                <a:prstClr val="black"/>
+              </a:solidFill>
+              <a:latin typeface="Calibri Light" panose="020F0302020204030204"/>
+              <a:ea typeface="+mj-ea"/>
+              <a:cs typeface="+mj-cs"/>
+            </a:endParaRPr>
+          </a:p>
+          <a:p>
+            <a:pPr marL="457200" indent="-457200">
+              <a:buFont typeface="Arial" panose="020B0604020202020204" pitchFamily="34" charset="0"/>
+              <a:buChar char="•"/>
+            </a:pPr>
+            <a:r>
+              <a:rPr lang="en-US" spc="-120" dirty="0">
+                <a:solidFill>
+                  <a:prstClr val="black"/>
+                </a:solidFill>
+                <a:latin typeface="Calibri Light" panose="020F0302020204030204"/>
+                <a:ea typeface="+mj-ea"/>
+                <a:cs typeface="+mj-cs"/>
+              </a:rPr>
+              <a:t>Country of Birth Father</a:t>
+            </a:r>
+            <a:endParaRPr lang="en-US" sz="2400" spc="-120" dirty="0">
+              <a:solidFill>
+                <a:prstClr val="black"/>
+              </a:solidFill>
+              <a:latin typeface="Calibri Light" panose="020F0302020204030204"/>
+              <a:ea typeface="+mj-ea"/>
+              <a:cs typeface="+mj-cs"/>
+            </a:endParaRPr>
+          </a:p>
+          <a:p>
+            <a:pPr marL="457200" indent="-457200">
+              <a:buFont typeface="Arial" panose="020B0604020202020204" pitchFamily="34" charset="0"/>
+              <a:buChar char="•"/>
+            </a:pPr>
+            <a:r>
+              <a:rPr lang="en-US" sz="2400" spc="-120" dirty="0">
+                <a:solidFill>
+                  <a:prstClr val="black"/>
+                </a:solidFill>
+                <a:latin typeface="Calibri Light" panose="020F0302020204030204"/>
+                <a:ea typeface="+mj-ea"/>
+                <a:cs typeface="+mj-cs"/>
+              </a:rPr>
+              <a:t>Country of Birth Mother</a:t>
+            </a:r>
+          </a:p>
+          <a:p>
+            <a:pPr marL="457200" indent="-457200">
+              <a:buFont typeface="Arial" panose="020B0604020202020204" pitchFamily="34" charset="0"/>
+              <a:buChar char="•"/>
+            </a:pPr>
+            <a:r>
+              <a:rPr lang="en-US" spc="-120" dirty="0">
+                <a:solidFill>
+                  <a:prstClr val="black"/>
+                </a:solidFill>
+                <a:latin typeface="Calibri Light" panose="020F0302020204030204"/>
+                <a:ea typeface="+mj-ea"/>
+                <a:cs typeface="+mj-cs"/>
+              </a:rPr>
+              <a:t>Own Business or Self Employed</a:t>
+            </a:r>
+          </a:p>
+          <a:p>
+            <a:pPr marL="457200" indent="-457200">
+              <a:buFont typeface="Arial" panose="020B0604020202020204" pitchFamily="34" charset="0"/>
+              <a:buChar char="•"/>
+            </a:pPr>
+            <a:r>
+              <a:rPr lang="en-US" spc="-120" dirty="0">
+                <a:solidFill>
+                  <a:prstClr val="black"/>
+                </a:solidFill>
+                <a:latin typeface="Calibri Light" panose="020F0302020204030204"/>
+                <a:ea typeface="+mj-ea"/>
+                <a:cs typeface="+mj-cs"/>
+              </a:rPr>
+              <a:t>Weeks Worked In Years</a:t>
+            </a:r>
+          </a:p>
+          <a:p>
+            <a:pPr marL="0" indent="0">
+              <a:buNone/>
+            </a:pPr>
+            <a:endParaRPr lang="en-US" sz="2400" spc="-120" dirty="0">
+              <a:solidFill>
+                <a:prstClr val="black"/>
+              </a:solidFill>
+              <a:latin typeface="Calibri Light" panose="020F0302020204030204"/>
+              <a:ea typeface="+mj-ea"/>
+              <a:cs typeface="+mj-cs"/>
+            </a:endParaRPr>
+          </a:p>
+          <a:p>
+            <a:endParaRPr lang="en-GB" dirty="0"/>
+          </a:p>
+        </p:txBody>
+      </p:sp>
     </p:spTree>
     <p:extLst>
       <p:ext uri="{BB962C8B-B14F-4D97-AF65-F5344CB8AC3E}">
-        <p14:creationId xmlns:p14="http://schemas.microsoft.com/office/powerpoint/2010/main" val="670242855"/>
+        <p14:creationId xmlns:p14="http://schemas.microsoft.com/office/powerpoint/2010/main" val="2713166914"/>
       </p:ext>
     </p:extLst>
   </p:cSld>
@@ -12149,1025 +12440,6 @@
 </file>
 
 <file path=ppt/slides/slide30.xml><?xml version="1.0" encoding="utf-8"?>
-<p:sld xmlns:a="http://schemas.openxmlformats.org/drawingml/2006/main" xmlns:r="http://schemas.openxmlformats.org/officeDocument/2006/relationships" xmlns:p="http://schemas.openxmlformats.org/presentationml/2006/main">
-  <p:cSld>
-    <p:spTree>
-      <p:nvGrpSpPr>
-        <p:cNvPr id="1" name=""/>
-        <p:cNvGrpSpPr/>
-        <p:nvPr/>
-      </p:nvGrpSpPr>
-      <p:grpSpPr>
-        <a:xfrm>
-          <a:off x="0" y="0"/>
-          <a:ext cx="0" cy="0"/>
-          <a:chOff x="0" y="0"/>
-          <a:chExt cx="0" cy="0"/>
-        </a:xfrm>
-      </p:grpSpPr>
-      <p:sp>
-        <p:nvSpPr>
-          <p:cNvPr id="20" name="Rectangle 19">
-            <a:extLst>
-              <a:ext uri="{FF2B5EF4-FFF2-40B4-BE49-F238E27FC236}">
-                <a16:creationId xmlns:a16="http://schemas.microsoft.com/office/drawing/2014/main" id="{434167B2-1F65-408D-9233-EF10B5990B6E}"/>
-              </a:ext>
-            </a:extLst>
-          </p:cNvPr>
-          <p:cNvSpPr/>
-          <p:nvPr/>
-        </p:nvSpPr>
-        <p:spPr>
-          <a:xfrm>
-            <a:off x="0" y="0"/>
-            <a:ext cx="12192000" cy="1334278"/>
-          </a:xfrm>
-          <a:prstGeom prst="rect">
-            <a:avLst/>
-          </a:prstGeom>
-        </p:spPr>
-        <p:style>
-          <a:lnRef idx="2">
-            <a:schemeClr val="accent1">
-              <a:shade val="50000"/>
-            </a:schemeClr>
-          </a:lnRef>
-          <a:fillRef idx="1">
-            <a:schemeClr val="accent1"/>
-          </a:fillRef>
-          <a:effectRef idx="0">
-            <a:schemeClr val="accent1"/>
-          </a:effectRef>
-          <a:fontRef idx="minor">
-            <a:schemeClr val="lt1"/>
-          </a:fontRef>
-        </p:style>
-        <p:txBody>
-          <a:bodyPr rtlCol="0" anchor="ctr"/>
-          <a:lstStyle/>
-          <a:p>
-            <a:pPr algn="ctr"/>
-            <a:endParaRPr lang="en-GB" dirty="0"/>
-          </a:p>
-        </p:txBody>
-      </p:sp>
-      <p:sp>
-        <p:nvSpPr>
-          <p:cNvPr id="9" name="Title 6">
-            <a:extLst>
-              <a:ext uri="{FF2B5EF4-FFF2-40B4-BE49-F238E27FC236}">
-                <a16:creationId xmlns:a16="http://schemas.microsoft.com/office/drawing/2014/main" id="{F5FB2926-5769-4612-9884-4A0888903E66}"/>
-              </a:ext>
-            </a:extLst>
-          </p:cNvPr>
-          <p:cNvSpPr txBox="1">
-            <a:spLocks/>
-          </p:cNvSpPr>
-          <p:nvPr/>
-        </p:nvSpPr>
-        <p:spPr>
-          <a:xfrm>
-            <a:off x="266229" y="0"/>
-            <a:ext cx="11453020" cy="1334278"/>
-          </a:xfrm>
-          <a:prstGeom prst="rect">
-            <a:avLst/>
-          </a:prstGeom>
-        </p:spPr>
-        <p:txBody>
-          <a:bodyPr vert="horz" lIns="91440" tIns="45720" rIns="91440" bIns="45720" rtlCol="0" anchor="ctr">
-            <a:normAutofit/>
-          </a:bodyPr>
-          <a:lstStyle>
-            <a:lvl1pPr algn="l" defTabSz="914400" rtl="0" eaLnBrk="1" latinLnBrk="0" hangingPunct="1">
-              <a:lnSpc>
-                <a:spcPct val="80000"/>
-              </a:lnSpc>
-              <a:spcBef>
-                <a:spcPct val="0"/>
-              </a:spcBef>
-              <a:buNone/>
-              <a:defRPr sz="8800" b="0" kern="1200" spc="-120" baseline="0">
-                <a:solidFill>
-                  <a:schemeClr val="accent1"/>
-                </a:solidFill>
-                <a:latin typeface="+mj-lt"/>
-                <a:ea typeface="+mj-ea"/>
-                <a:cs typeface="+mj-cs"/>
-              </a:defRPr>
-            </a:lvl1pPr>
-          </a:lstStyle>
-          <a:p>
-            <a:r>
-              <a:rPr lang="en-US" sz="4000" dirty="0">
-                <a:solidFill>
-                  <a:srgbClr val="FFFFFF"/>
-                </a:solidFill>
-              </a:rPr>
-              <a:t>Future Plans</a:t>
-            </a:r>
-            <a:endParaRPr lang="en-GB" sz="4000" dirty="0">
-              <a:solidFill>
-                <a:srgbClr val="FFFFFF"/>
-              </a:solidFill>
-            </a:endParaRPr>
-          </a:p>
-        </p:txBody>
-      </p:sp>
-      <p:sp>
-        <p:nvSpPr>
-          <p:cNvPr id="6" name="TextBox 5">
-            <a:extLst>
-              <a:ext uri="{FF2B5EF4-FFF2-40B4-BE49-F238E27FC236}">
-                <a16:creationId xmlns:a16="http://schemas.microsoft.com/office/drawing/2014/main" id="{315BDFA6-7E84-49AD-B928-1001F94C0DAF}"/>
-              </a:ext>
-            </a:extLst>
-          </p:cNvPr>
-          <p:cNvSpPr txBox="1"/>
-          <p:nvPr/>
-        </p:nvSpPr>
-        <p:spPr>
-          <a:xfrm>
-            <a:off x="1120604" y="2103332"/>
-            <a:ext cx="9950791" cy="3108543"/>
-          </a:xfrm>
-          <a:prstGeom prst="rect">
-            <a:avLst/>
-          </a:prstGeom>
-          <a:noFill/>
-        </p:spPr>
-        <p:txBody>
-          <a:bodyPr wrap="square" rtlCol="0">
-            <a:spAutoFit/>
-          </a:bodyPr>
-          <a:lstStyle/>
-          <a:p>
-            <a:pPr marL="457200" indent="-457200">
-              <a:buFont typeface="Arial" panose="020B0604020202020204" pitchFamily="34" charset="0"/>
-              <a:buChar char="•"/>
-            </a:pPr>
-            <a:r>
-              <a:rPr lang="en-US" sz="2800" spc="-120" dirty="0">
-                <a:solidFill>
-                  <a:prstClr val="black"/>
-                </a:solidFill>
-                <a:latin typeface="Calibri Light" panose="020F0302020204030204"/>
-                <a:ea typeface="+mj-ea"/>
-                <a:cs typeface="+mj-cs"/>
-              </a:rPr>
-              <a:t>More data from people who earn more than $50K for balancing out the imbalance data.</a:t>
-            </a:r>
-          </a:p>
-          <a:p>
-            <a:endParaRPr lang="en-US" sz="2800" spc="-120" dirty="0">
-              <a:solidFill>
-                <a:prstClr val="black"/>
-              </a:solidFill>
-              <a:latin typeface="Calibri Light" panose="020F0302020204030204"/>
-              <a:ea typeface="+mj-ea"/>
-              <a:cs typeface="+mj-cs"/>
-            </a:endParaRPr>
-          </a:p>
-          <a:p>
-            <a:pPr marL="457200" indent="-457200">
-              <a:buFont typeface="Arial" panose="020B0604020202020204" pitchFamily="34" charset="0"/>
-              <a:buChar char="•"/>
-            </a:pPr>
-            <a:r>
-              <a:rPr lang="en-US" sz="2800" spc="-120" dirty="0">
-                <a:solidFill>
-                  <a:prstClr val="black"/>
-                </a:solidFill>
-                <a:latin typeface="Calibri Light" panose="020F0302020204030204"/>
-                <a:ea typeface="+mj-ea"/>
-                <a:cs typeface="+mj-cs"/>
-              </a:rPr>
-              <a:t>Hyperparameter Tuning</a:t>
-            </a:r>
-          </a:p>
-          <a:p>
-            <a:pPr marL="457200" indent="-457200">
-              <a:buFont typeface="Arial" panose="020B0604020202020204" pitchFamily="34" charset="0"/>
-              <a:buChar char="•"/>
-            </a:pPr>
-            <a:endParaRPr lang="en-US" sz="2800" spc="-120" dirty="0">
-              <a:solidFill>
-                <a:prstClr val="black"/>
-              </a:solidFill>
-              <a:latin typeface="Calibri Light" panose="020F0302020204030204"/>
-              <a:ea typeface="+mj-ea"/>
-              <a:cs typeface="+mj-cs"/>
-            </a:endParaRPr>
-          </a:p>
-          <a:p>
-            <a:pPr marL="457200" indent="-457200">
-              <a:buFont typeface="Arial" panose="020B0604020202020204" pitchFamily="34" charset="0"/>
-              <a:buChar char="•"/>
-            </a:pPr>
-            <a:r>
-              <a:rPr lang="en-US" sz="2800" spc="-120" dirty="0">
-                <a:solidFill>
-                  <a:prstClr val="black"/>
-                </a:solidFill>
-                <a:latin typeface="Calibri Light" panose="020F0302020204030204"/>
-                <a:ea typeface="+mj-ea"/>
-                <a:cs typeface="+mj-cs"/>
-              </a:rPr>
-              <a:t>Model Interpretability by additive explanations (it takes some time and computing power) </a:t>
-            </a:r>
-          </a:p>
-        </p:txBody>
-      </p:sp>
-    </p:spTree>
-    <p:extLst>
-      <p:ext uri="{BB962C8B-B14F-4D97-AF65-F5344CB8AC3E}">
-        <p14:creationId xmlns:p14="http://schemas.microsoft.com/office/powerpoint/2010/main" val="3914387335"/>
-      </p:ext>
-    </p:extLst>
-  </p:cSld>
-  <p:clrMapOvr>
-    <a:masterClrMapping/>
-  </p:clrMapOvr>
-</p:sld>
-</file>
-
-<file path=ppt/slides/slide31.xml><?xml version="1.0" encoding="utf-8"?>
-<p:sld xmlns:a="http://schemas.openxmlformats.org/drawingml/2006/main" xmlns:r="http://schemas.openxmlformats.org/officeDocument/2006/relationships" xmlns:p="http://schemas.openxmlformats.org/presentationml/2006/main">
-  <p:cSld>
-    <p:spTree>
-      <p:nvGrpSpPr>
-        <p:cNvPr id="1" name=""/>
-        <p:cNvGrpSpPr/>
-        <p:nvPr/>
-      </p:nvGrpSpPr>
-      <p:grpSpPr>
-        <a:xfrm>
-          <a:off x="0" y="0"/>
-          <a:ext cx="0" cy="0"/>
-          <a:chOff x="0" y="0"/>
-          <a:chExt cx="0" cy="0"/>
-        </a:xfrm>
-      </p:grpSpPr>
-      <p:sp>
-        <p:nvSpPr>
-          <p:cNvPr id="2" name="Title 1">
-            <a:extLst>
-              <a:ext uri="{FF2B5EF4-FFF2-40B4-BE49-F238E27FC236}">
-                <a16:creationId xmlns:a16="http://schemas.microsoft.com/office/drawing/2014/main" id="{CDF5072B-2C61-4CAD-BBEC-6B6D1DF821EC}"/>
-              </a:ext>
-            </a:extLst>
-          </p:cNvPr>
-          <p:cNvSpPr>
-            <a:spLocks noGrp="1"/>
-          </p:cNvSpPr>
-          <p:nvPr>
-            <p:ph type="ctrTitle"/>
-          </p:nvPr>
-        </p:nvSpPr>
-        <p:spPr>
-          <a:xfrm>
-            <a:off x="1286503" y="1285196"/>
-            <a:ext cx="9607160" cy="2779429"/>
-          </a:xfrm>
-        </p:spPr>
-        <p:txBody>
-          <a:bodyPr>
-            <a:normAutofit/>
-          </a:bodyPr>
-          <a:lstStyle/>
-          <a:p>
-            <a:pPr algn="ctr"/>
-            <a:r>
-              <a:rPr lang="en-US" sz="7200" dirty="0"/>
-              <a:t>Thanks for Listening</a:t>
-            </a:r>
-            <a:br>
-              <a:rPr lang="en-US" sz="7200" dirty="0"/>
-            </a:br>
-            <a:r>
-              <a:rPr lang="en-US" sz="7200" dirty="0"/>
-              <a:t>Q &amp; A</a:t>
-            </a:r>
-            <a:endParaRPr lang="en-GB" sz="7200" dirty="0"/>
-          </a:p>
-        </p:txBody>
-      </p:sp>
-      <p:sp>
-        <p:nvSpPr>
-          <p:cNvPr id="3" name="Subtitle 2">
-            <a:extLst>
-              <a:ext uri="{FF2B5EF4-FFF2-40B4-BE49-F238E27FC236}">
-                <a16:creationId xmlns:a16="http://schemas.microsoft.com/office/drawing/2014/main" id="{F1B32AF0-6D08-45B3-A821-D68B856941BC}"/>
-              </a:ext>
-            </a:extLst>
-          </p:cNvPr>
-          <p:cNvSpPr>
-            <a:spLocks noGrp="1"/>
-          </p:cNvSpPr>
-          <p:nvPr>
-            <p:ph type="subTitle" idx="1"/>
-          </p:nvPr>
-        </p:nvSpPr>
-        <p:spPr>
-          <a:xfrm>
-            <a:off x="1286503" y="4064626"/>
-            <a:ext cx="9607159" cy="1476235"/>
-          </a:xfrm>
-        </p:spPr>
-        <p:txBody>
-          <a:bodyPr>
-            <a:normAutofit/>
-          </a:bodyPr>
-          <a:lstStyle/>
-          <a:p>
-            <a:pPr algn="ctr"/>
-            <a:r>
-              <a:rPr lang="en-US" sz="2800" dirty="0">
-                <a:solidFill>
-                  <a:srgbClr val="FFFFFF"/>
-                </a:solidFill>
-              </a:rPr>
-              <a:t>F. Ege Hosgungor</a:t>
-            </a:r>
-            <a:endParaRPr lang="en-GB" sz="2800" dirty="0">
-              <a:solidFill>
-                <a:srgbClr val="FFFFFF"/>
-              </a:solidFill>
-            </a:endParaRPr>
-          </a:p>
-        </p:txBody>
-      </p:sp>
-    </p:spTree>
-    <p:extLst>
-      <p:ext uri="{BB962C8B-B14F-4D97-AF65-F5344CB8AC3E}">
-        <p14:creationId xmlns:p14="http://schemas.microsoft.com/office/powerpoint/2010/main" val="3771409121"/>
-      </p:ext>
-    </p:extLst>
-  </p:cSld>
-  <p:clrMapOvr>
-    <a:masterClrMapping/>
-  </p:clrMapOvr>
-</p:sld>
-</file>
-
-<file path=ppt/slides/slide32.xml><?xml version="1.0" encoding="utf-8"?>
-<p:sld xmlns:a="http://schemas.openxmlformats.org/drawingml/2006/main" xmlns:r="http://schemas.openxmlformats.org/officeDocument/2006/relationships" xmlns:p="http://schemas.openxmlformats.org/presentationml/2006/main">
-  <p:cSld>
-    <p:spTree>
-      <p:nvGrpSpPr>
-        <p:cNvPr id="1" name=""/>
-        <p:cNvGrpSpPr/>
-        <p:nvPr/>
-      </p:nvGrpSpPr>
-      <p:grpSpPr>
-        <a:xfrm>
-          <a:off x="0" y="0"/>
-          <a:ext cx="0" cy="0"/>
-          <a:chOff x="0" y="0"/>
-          <a:chExt cx="0" cy="0"/>
-        </a:xfrm>
-      </p:grpSpPr>
-      <p:sp>
-        <p:nvSpPr>
-          <p:cNvPr id="20" name="Rectangle 19">
-            <a:extLst>
-              <a:ext uri="{FF2B5EF4-FFF2-40B4-BE49-F238E27FC236}">
-                <a16:creationId xmlns:a16="http://schemas.microsoft.com/office/drawing/2014/main" id="{434167B2-1F65-408D-9233-EF10B5990B6E}"/>
-              </a:ext>
-            </a:extLst>
-          </p:cNvPr>
-          <p:cNvSpPr/>
-          <p:nvPr/>
-        </p:nvSpPr>
-        <p:spPr>
-          <a:xfrm>
-            <a:off x="0" y="0"/>
-            <a:ext cx="12192000" cy="1334278"/>
-          </a:xfrm>
-          <a:prstGeom prst="rect">
-            <a:avLst/>
-          </a:prstGeom>
-        </p:spPr>
-        <p:style>
-          <a:lnRef idx="2">
-            <a:schemeClr val="accent1">
-              <a:shade val="50000"/>
-            </a:schemeClr>
-          </a:lnRef>
-          <a:fillRef idx="1">
-            <a:schemeClr val="accent1"/>
-          </a:fillRef>
-          <a:effectRef idx="0">
-            <a:schemeClr val="accent1"/>
-          </a:effectRef>
-          <a:fontRef idx="minor">
-            <a:schemeClr val="lt1"/>
-          </a:fontRef>
-        </p:style>
-        <p:txBody>
-          <a:bodyPr rtlCol="0" anchor="ctr"/>
-          <a:lstStyle/>
-          <a:p>
-            <a:pPr algn="ctr"/>
-            <a:endParaRPr lang="en-GB" dirty="0"/>
-          </a:p>
-        </p:txBody>
-      </p:sp>
-      <p:sp>
-        <p:nvSpPr>
-          <p:cNvPr id="9" name="Title 6">
-            <a:extLst>
-              <a:ext uri="{FF2B5EF4-FFF2-40B4-BE49-F238E27FC236}">
-                <a16:creationId xmlns:a16="http://schemas.microsoft.com/office/drawing/2014/main" id="{F5FB2926-5769-4612-9884-4A0888903E66}"/>
-              </a:ext>
-            </a:extLst>
-          </p:cNvPr>
-          <p:cNvSpPr txBox="1">
-            <a:spLocks/>
-          </p:cNvSpPr>
-          <p:nvPr/>
-        </p:nvSpPr>
-        <p:spPr>
-          <a:xfrm>
-            <a:off x="266229" y="0"/>
-            <a:ext cx="11453020" cy="1334278"/>
-          </a:xfrm>
-          <a:prstGeom prst="rect">
-            <a:avLst/>
-          </a:prstGeom>
-        </p:spPr>
-        <p:txBody>
-          <a:bodyPr vert="horz" lIns="91440" tIns="45720" rIns="91440" bIns="45720" rtlCol="0" anchor="ctr">
-            <a:normAutofit/>
-          </a:bodyPr>
-          <a:lstStyle>
-            <a:lvl1pPr algn="l" defTabSz="914400" rtl="0" eaLnBrk="1" latinLnBrk="0" hangingPunct="1">
-              <a:lnSpc>
-                <a:spcPct val="80000"/>
-              </a:lnSpc>
-              <a:spcBef>
-                <a:spcPct val="0"/>
-              </a:spcBef>
-              <a:buNone/>
-              <a:defRPr sz="8800" b="0" kern="1200" spc="-120" baseline="0">
-                <a:solidFill>
-                  <a:schemeClr val="accent1"/>
-                </a:solidFill>
-                <a:latin typeface="+mj-lt"/>
-                <a:ea typeface="+mj-ea"/>
-                <a:cs typeface="+mj-cs"/>
-              </a:defRPr>
-            </a:lvl1pPr>
-          </a:lstStyle>
-          <a:p>
-            <a:r>
-              <a:rPr lang="en-US" sz="4000" dirty="0">
-                <a:solidFill>
-                  <a:srgbClr val="FFFFFF"/>
-                </a:solidFill>
-              </a:rPr>
-              <a:t>Appendix A – All Selected (22) Features </a:t>
-            </a:r>
-            <a:endParaRPr lang="en-GB" sz="4000" dirty="0">
-              <a:solidFill>
-                <a:srgbClr val="FFFFFF"/>
-              </a:solidFill>
-            </a:endParaRPr>
-          </a:p>
-        </p:txBody>
-      </p:sp>
-      <p:sp>
-        <p:nvSpPr>
-          <p:cNvPr id="3" name="Content Placeholder 2">
-            <a:extLst>
-              <a:ext uri="{FF2B5EF4-FFF2-40B4-BE49-F238E27FC236}">
-                <a16:creationId xmlns:a16="http://schemas.microsoft.com/office/drawing/2014/main" id="{D23B46A2-71B7-45DC-ADB8-F5F72327C8E7}"/>
-              </a:ext>
-            </a:extLst>
-          </p:cNvPr>
-          <p:cNvSpPr>
-            <a:spLocks noGrp="1"/>
-          </p:cNvSpPr>
-          <p:nvPr>
-            <p:ph sz="half" idx="1"/>
-          </p:nvPr>
-        </p:nvSpPr>
-        <p:spPr/>
-        <p:txBody>
-          <a:bodyPr>
-            <a:normAutofit fontScale="70000" lnSpcReduction="20000"/>
-          </a:bodyPr>
-          <a:lstStyle/>
-          <a:p>
-            <a:pPr marL="457200" indent="-457200">
-              <a:buFont typeface="Arial" panose="020B0604020202020204" pitchFamily="34" charset="0"/>
-              <a:buChar char="•"/>
-            </a:pPr>
-            <a:r>
-              <a:rPr lang="en-US" sz="2400" spc="-120" dirty="0">
-                <a:solidFill>
-                  <a:prstClr val="black"/>
-                </a:solidFill>
-                <a:latin typeface="Calibri Light" panose="020F0302020204030204"/>
-                <a:ea typeface="+mj-ea"/>
-                <a:cs typeface="+mj-cs"/>
-              </a:rPr>
-              <a:t>Age</a:t>
-            </a:r>
-          </a:p>
-          <a:p>
-            <a:pPr marL="457200" indent="-457200">
-              <a:buFont typeface="Arial" panose="020B0604020202020204" pitchFamily="34" charset="0"/>
-              <a:buChar char="•"/>
-            </a:pPr>
-            <a:r>
-              <a:rPr lang="en-US" sz="2400" spc="-120" dirty="0">
-                <a:solidFill>
-                  <a:prstClr val="black"/>
-                </a:solidFill>
-                <a:latin typeface="Calibri Light" panose="020F0302020204030204"/>
-                <a:ea typeface="+mj-ea"/>
-                <a:cs typeface="+mj-cs"/>
-              </a:rPr>
-              <a:t>Class of Worker</a:t>
-            </a:r>
-          </a:p>
-          <a:p>
-            <a:pPr marL="457200" indent="-457200">
-              <a:buFont typeface="Arial" panose="020B0604020202020204" pitchFamily="34" charset="0"/>
-              <a:buChar char="•"/>
-            </a:pPr>
-            <a:r>
-              <a:rPr lang="en-US" sz="2400" spc="-120" dirty="0">
-                <a:solidFill>
-                  <a:prstClr val="black"/>
-                </a:solidFill>
-                <a:latin typeface="Calibri Light" panose="020F0302020204030204"/>
-                <a:ea typeface="+mj-ea"/>
-                <a:cs typeface="+mj-cs"/>
-              </a:rPr>
-              <a:t>Industry Code</a:t>
-            </a:r>
-          </a:p>
-          <a:p>
-            <a:pPr marL="457200" indent="-457200">
-              <a:buFont typeface="Arial" panose="020B0604020202020204" pitchFamily="34" charset="0"/>
-              <a:buChar char="•"/>
-            </a:pPr>
-            <a:r>
-              <a:rPr lang="en-US" sz="2400" spc="-120" dirty="0">
-                <a:solidFill>
-                  <a:prstClr val="black"/>
-                </a:solidFill>
-                <a:latin typeface="Calibri Light" panose="020F0302020204030204"/>
-                <a:ea typeface="+mj-ea"/>
-                <a:cs typeface="+mj-cs"/>
-              </a:rPr>
-              <a:t>Occupation Code</a:t>
-            </a:r>
-          </a:p>
-          <a:p>
-            <a:pPr marL="457200" indent="-457200">
-              <a:buFont typeface="Arial" panose="020B0604020202020204" pitchFamily="34" charset="0"/>
-              <a:buChar char="•"/>
-            </a:pPr>
-            <a:r>
-              <a:rPr lang="en-US" sz="2400" spc="-120" dirty="0">
-                <a:solidFill>
-                  <a:prstClr val="black"/>
-                </a:solidFill>
-                <a:latin typeface="Calibri Light" panose="020F0302020204030204"/>
-                <a:ea typeface="+mj-ea"/>
-                <a:cs typeface="+mj-cs"/>
-              </a:rPr>
-              <a:t>Education</a:t>
-            </a:r>
-          </a:p>
-          <a:p>
-            <a:pPr marL="457200" indent="-457200">
-              <a:buFont typeface="Arial" panose="020B0604020202020204" pitchFamily="34" charset="0"/>
-              <a:buChar char="•"/>
-            </a:pPr>
-            <a:r>
-              <a:rPr lang="en-US" sz="2400" spc="-120" dirty="0">
-                <a:solidFill>
-                  <a:prstClr val="black"/>
-                </a:solidFill>
-                <a:latin typeface="Calibri Light" panose="020F0302020204030204"/>
-                <a:ea typeface="+mj-ea"/>
-                <a:cs typeface="+mj-cs"/>
-              </a:rPr>
-              <a:t>Wage per hour</a:t>
-            </a:r>
-          </a:p>
-          <a:p>
-            <a:pPr marL="457200" indent="-457200">
-              <a:buFont typeface="Arial" panose="020B0604020202020204" pitchFamily="34" charset="0"/>
-              <a:buChar char="•"/>
-            </a:pPr>
-            <a:r>
-              <a:rPr lang="en-US" sz="2400" spc="-120" dirty="0">
-                <a:solidFill>
-                  <a:prstClr val="black"/>
-                </a:solidFill>
-                <a:latin typeface="Calibri Light" panose="020F0302020204030204"/>
-                <a:ea typeface="+mj-ea"/>
-                <a:cs typeface="+mj-cs"/>
-              </a:rPr>
-              <a:t>Marital Status</a:t>
-            </a:r>
-          </a:p>
-          <a:p>
-            <a:pPr marL="457200" indent="-457200">
-              <a:buFont typeface="Arial" panose="020B0604020202020204" pitchFamily="34" charset="0"/>
-              <a:buChar char="•"/>
-            </a:pPr>
-            <a:r>
-              <a:rPr lang="en-US" sz="2400" spc="-120" dirty="0">
-                <a:solidFill>
-                  <a:prstClr val="black"/>
-                </a:solidFill>
-                <a:latin typeface="Calibri Light" panose="020F0302020204030204"/>
-                <a:ea typeface="+mj-ea"/>
-                <a:cs typeface="+mj-cs"/>
-              </a:rPr>
-              <a:t>Major Industry Code</a:t>
-            </a:r>
-          </a:p>
-          <a:p>
-            <a:pPr marL="457200" indent="-457200">
-              <a:buFont typeface="Arial" panose="020B0604020202020204" pitchFamily="34" charset="0"/>
-              <a:buChar char="•"/>
-            </a:pPr>
-            <a:r>
-              <a:rPr lang="en-US" sz="2400" spc="-120" dirty="0">
-                <a:solidFill>
-                  <a:prstClr val="black"/>
-                </a:solidFill>
-                <a:latin typeface="Calibri Light" panose="020F0302020204030204"/>
-                <a:ea typeface="+mj-ea"/>
-                <a:cs typeface="+mj-cs"/>
-              </a:rPr>
-              <a:t>Major Occupation Code</a:t>
-            </a:r>
-          </a:p>
-          <a:p>
-            <a:pPr marL="457200" indent="-457200">
-              <a:buFont typeface="Arial" panose="020B0604020202020204" pitchFamily="34" charset="0"/>
-              <a:buChar char="•"/>
-            </a:pPr>
-            <a:r>
-              <a:rPr lang="en-US" spc="-120" dirty="0">
-                <a:solidFill>
-                  <a:prstClr val="black"/>
-                </a:solidFill>
-                <a:latin typeface="Calibri Light" panose="020F0302020204030204"/>
-                <a:ea typeface="+mj-ea"/>
-                <a:cs typeface="+mj-cs"/>
-              </a:rPr>
-              <a:t>Sex</a:t>
-            </a:r>
-          </a:p>
-          <a:p>
-            <a:pPr marL="457200" indent="-457200">
-              <a:buFont typeface="Arial" panose="020B0604020202020204" pitchFamily="34" charset="0"/>
-              <a:buChar char="•"/>
-            </a:pPr>
-            <a:r>
-              <a:rPr lang="en-US" spc="-120" dirty="0">
-                <a:solidFill>
-                  <a:prstClr val="black"/>
-                </a:solidFill>
-                <a:latin typeface="Calibri Light" panose="020F0302020204030204"/>
-                <a:ea typeface="+mj-ea"/>
-                <a:cs typeface="+mj-cs"/>
-              </a:rPr>
-              <a:t>Capital Gains</a:t>
-            </a:r>
-          </a:p>
-          <a:p>
-            <a:pPr marL="0" indent="0">
-              <a:buNone/>
-            </a:pPr>
-            <a:endParaRPr lang="en-US" sz="2400" spc="-120" dirty="0">
-              <a:solidFill>
-                <a:prstClr val="black"/>
-              </a:solidFill>
-              <a:latin typeface="Calibri Light" panose="020F0302020204030204"/>
-              <a:ea typeface="+mj-ea"/>
-              <a:cs typeface="+mj-cs"/>
-            </a:endParaRPr>
-          </a:p>
-          <a:p>
-            <a:endParaRPr lang="en-GB" dirty="0"/>
-          </a:p>
-        </p:txBody>
-      </p:sp>
-      <p:sp>
-        <p:nvSpPr>
-          <p:cNvPr id="8" name="Content Placeholder 2">
-            <a:extLst>
-              <a:ext uri="{FF2B5EF4-FFF2-40B4-BE49-F238E27FC236}">
-                <a16:creationId xmlns:a16="http://schemas.microsoft.com/office/drawing/2014/main" id="{3490268A-96A5-48BB-8095-ED2C4239285F}"/>
-              </a:ext>
-            </a:extLst>
-          </p:cNvPr>
-          <p:cNvSpPr>
-            <a:spLocks noGrp="1"/>
-          </p:cNvSpPr>
-          <p:nvPr>
-            <p:ph sz="half" idx="2"/>
-          </p:nvPr>
-        </p:nvSpPr>
-        <p:spPr>
-          <a:xfrm>
-            <a:off x="6011863" y="1998663"/>
-            <a:ext cx="4662487" cy="3767137"/>
-          </a:xfrm>
-        </p:spPr>
-        <p:txBody>
-          <a:bodyPr>
-            <a:normAutofit fontScale="70000" lnSpcReduction="20000"/>
-          </a:bodyPr>
-          <a:lstStyle/>
-          <a:p>
-            <a:pPr marL="457200" indent="-457200">
-              <a:buFont typeface="Arial" panose="020B0604020202020204" pitchFamily="34" charset="0"/>
-              <a:buChar char="•"/>
-            </a:pPr>
-            <a:r>
-              <a:rPr lang="en-US" sz="2400" spc="-120" dirty="0">
-                <a:solidFill>
-                  <a:prstClr val="black"/>
-                </a:solidFill>
-                <a:latin typeface="Calibri Light" panose="020F0302020204030204"/>
-                <a:ea typeface="+mj-ea"/>
-                <a:cs typeface="+mj-cs"/>
-              </a:rPr>
-              <a:t>Capital Losses</a:t>
-            </a:r>
-          </a:p>
-          <a:p>
-            <a:pPr marL="457200" indent="-457200">
-              <a:buFont typeface="Arial" panose="020B0604020202020204" pitchFamily="34" charset="0"/>
-              <a:buChar char="•"/>
-            </a:pPr>
-            <a:r>
-              <a:rPr lang="en-US" spc="-120" dirty="0">
-                <a:solidFill>
-                  <a:prstClr val="black"/>
-                </a:solidFill>
-                <a:latin typeface="Calibri Light" panose="020F0302020204030204"/>
-                <a:ea typeface="+mj-ea"/>
-                <a:cs typeface="+mj-cs"/>
-              </a:rPr>
-              <a:t>Dividends from Stocks</a:t>
-            </a:r>
-            <a:endParaRPr lang="en-US" sz="2400" spc="-120" dirty="0">
-              <a:solidFill>
-                <a:prstClr val="black"/>
-              </a:solidFill>
-              <a:latin typeface="Calibri Light" panose="020F0302020204030204"/>
-              <a:ea typeface="+mj-ea"/>
-              <a:cs typeface="+mj-cs"/>
-            </a:endParaRPr>
-          </a:p>
-          <a:p>
-            <a:pPr marL="457200" indent="-457200">
-              <a:buFont typeface="Arial" panose="020B0604020202020204" pitchFamily="34" charset="0"/>
-              <a:buChar char="•"/>
-            </a:pPr>
-            <a:r>
-              <a:rPr lang="en-US" spc="-120" dirty="0">
-                <a:solidFill>
-                  <a:prstClr val="black"/>
-                </a:solidFill>
-                <a:latin typeface="Calibri Light" panose="020F0302020204030204"/>
-                <a:ea typeface="+mj-ea"/>
-                <a:cs typeface="+mj-cs"/>
-              </a:rPr>
-              <a:t>Tax Filer Status</a:t>
-            </a:r>
-            <a:endParaRPr lang="en-US" sz="2400" spc="-120" dirty="0">
-              <a:solidFill>
-                <a:prstClr val="black"/>
-              </a:solidFill>
-              <a:latin typeface="Calibri Light" panose="020F0302020204030204"/>
-              <a:ea typeface="+mj-ea"/>
-              <a:cs typeface="+mj-cs"/>
-            </a:endParaRPr>
-          </a:p>
-          <a:p>
-            <a:pPr marL="457200" indent="-457200">
-              <a:buFont typeface="Arial" panose="020B0604020202020204" pitchFamily="34" charset="0"/>
-              <a:buChar char="•"/>
-            </a:pPr>
-            <a:r>
-              <a:rPr lang="en-US" sz="2400" spc="-120" dirty="0">
-                <a:solidFill>
-                  <a:prstClr val="black"/>
-                </a:solidFill>
-                <a:latin typeface="Calibri Light" panose="020F0302020204030204"/>
-                <a:ea typeface="+mj-ea"/>
-                <a:cs typeface="+mj-cs"/>
-              </a:rPr>
-              <a:t>Detailed Household and family </a:t>
-            </a:r>
-            <a:r>
-              <a:rPr lang="en-US" spc="-120" dirty="0">
-                <a:solidFill>
-                  <a:prstClr val="black"/>
-                </a:solidFill>
-                <a:latin typeface="Calibri Light" panose="020F0302020204030204"/>
-                <a:ea typeface="+mj-ea"/>
-                <a:cs typeface="+mj-cs"/>
-              </a:rPr>
-              <a:t>Statistics</a:t>
-            </a:r>
-            <a:endParaRPr lang="en-US" sz="2400" spc="-120" dirty="0">
-              <a:solidFill>
-                <a:prstClr val="black"/>
-              </a:solidFill>
-              <a:latin typeface="Calibri Light" panose="020F0302020204030204"/>
-              <a:ea typeface="+mj-ea"/>
-              <a:cs typeface="+mj-cs"/>
-            </a:endParaRPr>
-          </a:p>
-          <a:p>
-            <a:pPr marL="457200" indent="-457200">
-              <a:buFont typeface="Arial" panose="020B0604020202020204" pitchFamily="34" charset="0"/>
-              <a:buChar char="•"/>
-            </a:pPr>
-            <a:r>
-              <a:rPr lang="en-US" sz="2400" spc="-120" dirty="0">
-                <a:solidFill>
-                  <a:prstClr val="black"/>
-                </a:solidFill>
-                <a:latin typeface="Calibri Light" panose="020F0302020204030204"/>
-                <a:ea typeface="+mj-ea"/>
-                <a:cs typeface="+mj-cs"/>
-              </a:rPr>
-              <a:t>Detailed Household summary in household</a:t>
-            </a:r>
-          </a:p>
-          <a:p>
-            <a:pPr marL="457200" indent="-457200">
-              <a:buFont typeface="Arial" panose="020B0604020202020204" pitchFamily="34" charset="0"/>
-              <a:buChar char="•"/>
-            </a:pPr>
-            <a:r>
-              <a:rPr lang="en-US" spc="-120" dirty="0">
-                <a:solidFill>
-                  <a:prstClr val="black"/>
-                </a:solidFill>
-                <a:latin typeface="Calibri Light" panose="020F0302020204030204"/>
-                <a:ea typeface="+mj-ea"/>
-                <a:cs typeface="+mj-cs"/>
-              </a:rPr>
-              <a:t>Instance weight</a:t>
-            </a:r>
-            <a:endParaRPr lang="en-US" sz="2400" spc="-120" dirty="0">
-              <a:solidFill>
-                <a:prstClr val="black"/>
-              </a:solidFill>
-              <a:latin typeface="Calibri Light" panose="020F0302020204030204"/>
-              <a:ea typeface="+mj-ea"/>
-              <a:cs typeface="+mj-cs"/>
-            </a:endParaRPr>
-          </a:p>
-          <a:p>
-            <a:pPr marL="457200" indent="-457200">
-              <a:buFont typeface="Arial" panose="020B0604020202020204" pitchFamily="34" charset="0"/>
-              <a:buChar char="•"/>
-            </a:pPr>
-            <a:r>
-              <a:rPr lang="en-US" spc="-120" dirty="0">
-                <a:solidFill>
-                  <a:prstClr val="black"/>
-                </a:solidFill>
-                <a:latin typeface="Calibri Light" panose="020F0302020204030204"/>
-                <a:ea typeface="+mj-ea"/>
-                <a:cs typeface="+mj-cs"/>
-              </a:rPr>
-              <a:t>Number of persons worked for employer</a:t>
-            </a:r>
-            <a:endParaRPr lang="en-US" sz="2400" spc="-120" dirty="0">
-              <a:solidFill>
-                <a:prstClr val="black"/>
-              </a:solidFill>
-              <a:latin typeface="Calibri Light" panose="020F0302020204030204"/>
-              <a:ea typeface="+mj-ea"/>
-              <a:cs typeface="+mj-cs"/>
-            </a:endParaRPr>
-          </a:p>
-          <a:p>
-            <a:pPr marL="457200" indent="-457200">
-              <a:buFont typeface="Arial" panose="020B0604020202020204" pitchFamily="34" charset="0"/>
-              <a:buChar char="•"/>
-            </a:pPr>
-            <a:r>
-              <a:rPr lang="en-US" spc="-120" dirty="0">
-                <a:solidFill>
-                  <a:prstClr val="black"/>
-                </a:solidFill>
-                <a:latin typeface="Calibri Light" panose="020F0302020204030204"/>
-                <a:ea typeface="+mj-ea"/>
-                <a:cs typeface="+mj-cs"/>
-              </a:rPr>
-              <a:t>Country of Birth Father</a:t>
-            </a:r>
-            <a:endParaRPr lang="en-US" sz="2400" spc="-120" dirty="0">
-              <a:solidFill>
-                <a:prstClr val="black"/>
-              </a:solidFill>
-              <a:latin typeface="Calibri Light" panose="020F0302020204030204"/>
-              <a:ea typeface="+mj-ea"/>
-              <a:cs typeface="+mj-cs"/>
-            </a:endParaRPr>
-          </a:p>
-          <a:p>
-            <a:pPr marL="457200" indent="-457200">
-              <a:buFont typeface="Arial" panose="020B0604020202020204" pitchFamily="34" charset="0"/>
-              <a:buChar char="•"/>
-            </a:pPr>
-            <a:r>
-              <a:rPr lang="en-US" sz="2400" spc="-120" dirty="0">
-                <a:solidFill>
-                  <a:prstClr val="black"/>
-                </a:solidFill>
-                <a:latin typeface="Calibri Light" panose="020F0302020204030204"/>
-                <a:ea typeface="+mj-ea"/>
-                <a:cs typeface="+mj-cs"/>
-              </a:rPr>
-              <a:t>Country of Birth Mother</a:t>
-            </a:r>
-          </a:p>
-          <a:p>
-            <a:pPr marL="457200" indent="-457200">
-              <a:buFont typeface="Arial" panose="020B0604020202020204" pitchFamily="34" charset="0"/>
-              <a:buChar char="•"/>
-            </a:pPr>
-            <a:r>
-              <a:rPr lang="en-US" spc="-120" dirty="0">
-                <a:solidFill>
-                  <a:prstClr val="black"/>
-                </a:solidFill>
-                <a:latin typeface="Calibri Light" panose="020F0302020204030204"/>
-                <a:ea typeface="+mj-ea"/>
-                <a:cs typeface="+mj-cs"/>
-              </a:rPr>
-              <a:t>Own Business or Self Employed</a:t>
-            </a:r>
-          </a:p>
-          <a:p>
-            <a:pPr marL="457200" indent="-457200">
-              <a:buFont typeface="Arial" panose="020B0604020202020204" pitchFamily="34" charset="0"/>
-              <a:buChar char="•"/>
-            </a:pPr>
-            <a:r>
-              <a:rPr lang="en-US" spc="-120" dirty="0">
-                <a:solidFill>
-                  <a:prstClr val="black"/>
-                </a:solidFill>
-                <a:latin typeface="Calibri Light" panose="020F0302020204030204"/>
-                <a:ea typeface="+mj-ea"/>
-                <a:cs typeface="+mj-cs"/>
-              </a:rPr>
-              <a:t>Weeks Worked In Years</a:t>
-            </a:r>
-          </a:p>
-          <a:p>
-            <a:pPr marL="0" indent="0">
-              <a:buNone/>
-            </a:pPr>
-            <a:endParaRPr lang="en-US" sz="2400" spc="-120" dirty="0">
-              <a:solidFill>
-                <a:prstClr val="black"/>
-              </a:solidFill>
-              <a:latin typeface="Calibri Light" panose="020F0302020204030204"/>
-              <a:ea typeface="+mj-ea"/>
-              <a:cs typeface="+mj-cs"/>
-            </a:endParaRPr>
-          </a:p>
-          <a:p>
-            <a:endParaRPr lang="en-GB" dirty="0"/>
-          </a:p>
-        </p:txBody>
-      </p:sp>
-    </p:spTree>
-    <p:extLst>
-      <p:ext uri="{BB962C8B-B14F-4D97-AF65-F5344CB8AC3E}">
-        <p14:creationId xmlns:p14="http://schemas.microsoft.com/office/powerpoint/2010/main" val="2713166914"/>
-      </p:ext>
-    </p:extLst>
-  </p:cSld>
-  <p:clrMapOvr>
-    <a:masterClrMapping/>
-  </p:clrMapOvr>
-</p:sld>
-</file>
-
-<file path=ppt/slides/slide33.xml><?xml version="1.0" encoding="utf-8"?>
 <p:sld xmlns:a="http://schemas.openxmlformats.org/drawingml/2006/main" xmlns:r="http://schemas.openxmlformats.org/officeDocument/2006/relationships" xmlns:p="http://schemas.openxmlformats.org/presentationml/2006/main">
   <p:cSld>
     <p:spTree>

--- a/Task_Presentation.pptx
+++ b/Task_Presentation.pptx
@@ -24,17 +24,21 @@
     <p:sldId id="289" r:id="rId18"/>
     <p:sldId id="277" r:id="rId19"/>
     <p:sldId id="278" r:id="rId20"/>
-    <p:sldId id="279" r:id="rId21"/>
-    <p:sldId id="280" r:id="rId22"/>
-    <p:sldId id="296" r:id="rId23"/>
-    <p:sldId id="284" r:id="rId24"/>
-    <p:sldId id="268" r:id="rId25"/>
+    <p:sldId id="299" r:id="rId21"/>
+    <p:sldId id="279" r:id="rId22"/>
+    <p:sldId id="280" r:id="rId23"/>
+    <p:sldId id="296" r:id="rId24"/>
+    <p:sldId id="284" r:id="rId25"/>
     <p:sldId id="287" r:id="rId26"/>
-    <p:sldId id="294" r:id="rId27"/>
-    <p:sldId id="297" r:id="rId28"/>
-    <p:sldId id="293" r:id="rId29"/>
-    <p:sldId id="291" r:id="rId30"/>
-    <p:sldId id="295" r:id="rId31"/>
+    <p:sldId id="268" r:id="rId27"/>
+    <p:sldId id="300" r:id="rId28"/>
+    <p:sldId id="301" r:id="rId29"/>
+    <p:sldId id="297" r:id="rId30"/>
+    <p:sldId id="302" r:id="rId31"/>
+    <p:sldId id="293" r:id="rId32"/>
+    <p:sldId id="291" r:id="rId33"/>
+    <p:sldId id="294" r:id="rId34"/>
+    <p:sldId id="295" r:id="rId35"/>
   </p:sldIdLst>
   <p:sldSz cx="12192000" cy="6858000"/>
   <p:notesSz cx="6858000" cy="9144000"/>
@@ -133,6 +137,11 @@
       </a:defRPr>
     </a:lvl9pPr>
   </p:defaultTextStyle>
+  <p:extLst>
+    <p:ext uri="{EFAFB233-063F-42B5-8137-9DF3F51BA10A}">
+      <p15:sldGuideLst xmlns:p15="http://schemas.microsoft.com/office/powerpoint/2012/main"/>
+    </p:ext>
+  </p:extLst>
 </p:presentation>
 </file>
 
@@ -3548,7 +3557,7 @@
             <a:fld id="{5586B75A-687E-405C-8A0B-8D00578BA2C3}" type="datetimeFigureOut">
               <a:rPr lang="en-US" dirty="0"/>
               <a:pPr/>
-              <a:t>6/8/2021</a:t>
+              <a:t>6/15/2021</a:t>
             </a:fld>
             <a:endParaRPr lang="en-US" dirty="0"/>
           </a:p>
@@ -3734,7 +3743,7 @@
           <a:p>
             <a:fld id="{5F4E5243-F52A-4D37-9694-EB26C6C31910}" type="datetimeFigureOut">
               <a:rPr lang="en-US" dirty="0"/>
-              <a:t>6/8/2021</a:t>
+              <a:t>6/15/2021</a:t>
             </a:fld>
             <a:endParaRPr lang="en-US" dirty="0"/>
           </a:p>
@@ -3909,7 +3918,7 @@
           <a:p>
             <a:fld id="{3A77B6E1-634A-48DC-9E8B-D894023267EF}" type="datetimeFigureOut">
               <a:rPr lang="en-US" dirty="0"/>
-              <a:t>6/8/2021</a:t>
+              <a:t>6/15/2021</a:t>
             </a:fld>
             <a:endParaRPr lang="en-US" dirty="0"/>
           </a:p>
@@ -4074,7 +4083,7 @@
           <a:p>
             <a:fld id="{7B2D3E9E-A95C-48F2-B4BF-A71542E0BE9A}" type="datetimeFigureOut">
               <a:rPr lang="en-US" dirty="0"/>
-              <a:t>6/8/2021</a:t>
+              <a:t>6/15/2021</a:t>
             </a:fld>
             <a:endParaRPr lang="en-US" dirty="0"/>
           </a:p>
@@ -4326,7 +4335,7 @@
             <a:fld id="{5586B75A-687E-405C-8A0B-8D00578BA2C3}" type="datetimeFigureOut">
               <a:rPr lang="en-US" dirty="0"/>
               <a:pPr/>
-              <a:t>6/8/2021</a:t>
+              <a:t>6/15/2021</a:t>
             </a:fld>
             <a:endParaRPr lang="en-US" dirty="0"/>
           </a:p>
@@ -4610,7 +4619,7 @@
           <a:p>
             <a:fld id="{F12952B5-7A2F-4CC8-B7CE-9234E21C2837}" type="datetimeFigureOut">
               <a:rPr lang="en-US" dirty="0"/>
-              <a:t>6/8/2021</a:t>
+              <a:t>6/15/2021</a:t>
             </a:fld>
             <a:endParaRPr lang="en-US" dirty="0"/>
           </a:p>
@@ -5043,7 +5052,7 @@
           <a:p>
             <a:fld id="{CE1DA07A-9201-4B4B-BAF2-015AFA30F520}" type="datetimeFigureOut">
               <a:rPr lang="en-US" dirty="0"/>
-              <a:t>6/8/2021</a:t>
+              <a:t>6/15/2021</a:t>
             </a:fld>
             <a:endParaRPr lang="en-US" dirty="0"/>
           </a:p>
@@ -5156,7 +5165,7 @@
           <a:p>
             <a:fld id="{73D7E00A-486F-4252-8B1D-E32645521F49}" type="datetimeFigureOut">
               <a:rPr lang="en-US" dirty="0"/>
-              <a:t>6/8/2021</a:t>
+              <a:t>6/15/2021</a:t>
             </a:fld>
             <a:endParaRPr lang="en-US" dirty="0"/>
           </a:p>
@@ -5246,7 +5255,7 @@
           <a:p>
             <a:fld id="{8DDF5F92-E675-4B36-9A60-69A962A68675}" type="datetimeFigureOut">
               <a:rPr lang="en-US" dirty="0"/>
-              <a:t>6/8/2021</a:t>
+              <a:t>6/15/2021</a:t>
             </a:fld>
             <a:endParaRPr lang="en-US" dirty="0"/>
           </a:p>
@@ -5597,7 +5606,7 @@
           <a:p>
             <a:fld id="{AF6E2C9B-5FA2-460D-9BE7-B0812FC2A6FF}" type="datetimeFigureOut">
               <a:rPr lang="en-US" dirty="0"/>
-              <a:t>6/8/2021</a:t>
+              <a:t>6/15/2021</a:t>
             </a:fld>
             <a:endParaRPr lang="en-US" dirty="0"/>
           </a:p>
@@ -5910,7 +5919,7 @@
             <a:fld id="{5586B75A-687E-405C-8A0B-8D00578BA2C3}" type="datetimeFigureOut">
               <a:rPr lang="en-US" dirty="0"/>
               <a:pPr/>
-              <a:t>6/8/2021</a:t>
+              <a:t>6/15/2021</a:t>
             </a:fld>
             <a:endParaRPr lang="en-US" dirty="0"/>
           </a:p>
@@ -6140,7 +6149,7 @@
             <a:fld id="{5586B75A-687E-405C-8A0B-8D00578BA2C3}" type="datetimeFigureOut">
               <a:rPr lang="en-US" dirty="0"/>
               <a:pPr/>
-              <a:t>6/8/2021</a:t>
+              <a:t>6/15/2021</a:t>
             </a:fld>
             <a:endParaRPr lang="en-US" dirty="0"/>
           </a:p>
@@ -7733,7 +7742,7 @@
         </p:blipFill>
         <p:spPr>
           <a:xfrm>
-            <a:off x="6779300" y="1709928"/>
+            <a:off x="6779300" y="1729178"/>
             <a:ext cx="4666096" cy="2466692"/>
           </a:xfrm>
           <a:prstGeom prst="rect">
@@ -8547,7 +8556,29 @@
                 <a:ea typeface="+mj-ea"/>
                 <a:cs typeface="+mj-cs"/>
               </a:rPr>
-              <a:t>nominal features were encoded ordinally by researching the features on Current Population Survey Handbook</a:t>
+              <a:t>nominal features were </a:t>
+            </a:r>
+            <a:r>
+              <a:rPr lang="en-US" sz="2800" b="1" spc="-120" dirty="0">
+                <a:solidFill>
+                  <a:prstClr val="black"/>
+                </a:solidFill>
+                <a:latin typeface="Calibri Light" panose="020F0302020204030204"/>
+                <a:ea typeface="+mj-ea"/>
+                <a:cs typeface="+mj-cs"/>
+              </a:rPr>
+              <a:t>encoded ordinally </a:t>
+            </a:r>
+            <a:r>
+              <a:rPr lang="en-US" sz="2800" spc="-120" dirty="0">
+                <a:solidFill>
+                  <a:prstClr val="black"/>
+                </a:solidFill>
+                <a:latin typeface="Calibri Light" panose="020F0302020204030204"/>
+                <a:ea typeface="+mj-ea"/>
+                <a:cs typeface="+mj-cs"/>
+              </a:rPr>
+              <a:t>by researching the features on Current Population Survey Handbook</a:t>
             </a:r>
           </a:p>
           <a:p>
@@ -8570,6 +8601,17 @@
               <a:buChar char="•"/>
             </a:pPr>
             <a:r>
+              <a:rPr lang="en-US" sz="2800" b="1" spc="-120" dirty="0">
+                <a:solidFill>
+                  <a:prstClr val="black"/>
+                </a:solidFill>
+                <a:latin typeface="Calibri Light" panose="020F0302020204030204"/>
+                <a:ea typeface="+mj-ea"/>
+                <a:cs typeface="+mj-cs"/>
+              </a:rPr>
+              <a:t>New features</a:t>
+            </a:r>
+            <a:r>
               <a:rPr lang="en-US" sz="2800" spc="-120" dirty="0">
                 <a:solidFill>
                   <a:prstClr val="black"/>
@@ -8578,29 +8620,7 @@
                 <a:ea typeface="+mj-ea"/>
                 <a:cs typeface="+mj-cs"/>
               </a:rPr>
-              <a:t>From Capital </a:t>
-            </a:r>
-            <a:r>
-              <a:rPr lang="en-US" sz="2800" spc="-120" dirty="0" err="1">
-                <a:solidFill>
-                  <a:prstClr val="black"/>
-                </a:solidFill>
-                <a:latin typeface="Calibri Light" panose="020F0302020204030204"/>
-                <a:ea typeface="+mj-ea"/>
-                <a:cs typeface="+mj-cs"/>
-              </a:rPr>
-              <a:t>Gains,Losses</a:t>
-            </a:r>
-            <a:r>
-              <a:rPr lang="en-US" sz="2800" spc="-120" dirty="0">
-                <a:solidFill>
-                  <a:prstClr val="black"/>
-                </a:solidFill>
-                <a:latin typeface="Calibri Light" panose="020F0302020204030204"/>
-                <a:ea typeface="+mj-ea"/>
-                <a:cs typeface="+mj-cs"/>
-              </a:rPr>
-              <a:t> and Dividends, new features are engineered</a:t>
+              <a:t> are created (feature engineering)</a:t>
             </a:r>
           </a:p>
           <a:p>
@@ -8631,7 +8651,29 @@
                 <a:ea typeface="+mj-ea"/>
                 <a:cs typeface="+mj-cs"/>
               </a:rPr>
-              <a:t>Some features are normalized for easier training.</a:t>
+              <a:t>Some features are </a:t>
+            </a:r>
+            <a:r>
+              <a:rPr lang="en-US" sz="2800" b="1" spc="-120" dirty="0">
+                <a:solidFill>
+                  <a:prstClr val="black"/>
+                </a:solidFill>
+                <a:latin typeface="Calibri Light" panose="020F0302020204030204"/>
+                <a:ea typeface="+mj-ea"/>
+                <a:cs typeface="+mj-cs"/>
+              </a:rPr>
+              <a:t>normalized</a:t>
+            </a:r>
+            <a:r>
+              <a:rPr lang="en-US" sz="2800" spc="-120" dirty="0">
+                <a:solidFill>
+                  <a:prstClr val="black"/>
+                </a:solidFill>
+                <a:latin typeface="Calibri Light" panose="020F0302020204030204"/>
+                <a:ea typeface="+mj-ea"/>
+                <a:cs typeface="+mj-cs"/>
+              </a:rPr>
+              <a:t> for easier training.</a:t>
             </a:r>
           </a:p>
           <a:p>
@@ -8835,8 +8877,8 @@
         </p:nvSpPr>
         <p:spPr>
           <a:xfrm>
-            <a:off x="1120604" y="2103332"/>
-            <a:ext cx="9950791" cy="3539430"/>
+            <a:off x="3602898" y="2103332"/>
+            <a:ext cx="4779682" cy="954107"/>
           </a:xfrm>
           <a:prstGeom prst="rect">
             <a:avLst/>
@@ -8849,10 +8891,6 @@
           </a:bodyPr>
           <a:lstStyle/>
           <a:p>
-            <a:pPr marL="457200" indent="-457200">
-              <a:buFont typeface="Arial" panose="020B0604020202020204" pitchFamily="34" charset="0"/>
-              <a:buChar char="•"/>
-            </a:pPr>
             <a:r>
               <a:rPr lang="en-US" sz="2800" spc="-120" dirty="0">
                 <a:solidFill>
@@ -8862,30 +8900,10 @@
                 <a:ea typeface="+mj-ea"/>
                 <a:cs typeface="+mj-cs"/>
               </a:rPr>
-              <a:t>There are 187,000 individuals who has less income than $50K and only 12,300 individuals have more income than $50K. For balancing this imbalance:</a:t>
-            </a:r>
-          </a:p>
-          <a:p>
-            <a:pPr marL="457200" indent="-457200">
-              <a:buFont typeface="Arial" panose="020B0604020202020204" pitchFamily="34" charset="0"/>
-              <a:buChar char="•"/>
-            </a:pPr>
-            <a:endParaRPr lang="en-US" sz="2800" spc="-120" dirty="0">
-              <a:solidFill>
-                <a:prstClr val="black"/>
-              </a:solidFill>
-              <a:latin typeface="Calibri Light" panose="020F0302020204030204"/>
-              <a:ea typeface="+mj-ea"/>
-              <a:cs typeface="+mj-cs"/>
-            </a:endParaRPr>
-          </a:p>
-          <a:p>
-            <a:pPr marL="457200" indent="-457200">
-              <a:buFont typeface="Arial" panose="020B0604020202020204" pitchFamily="34" charset="0"/>
-              <a:buChar char="•"/>
-            </a:pPr>
-            <a:r>
-              <a:rPr lang="en-US" sz="2800" spc="-120" dirty="0" err="1">
+              <a:t>Income &gt; $50K: </a:t>
+            </a:r>
+            <a:r>
+              <a:rPr lang="en-US" sz="2800" b="1" spc="-120" dirty="0">
                 <a:solidFill>
                   <a:prstClr val="black"/>
                 </a:solidFill>
@@ -8893,7 +8911,7 @@
                 <a:ea typeface="+mj-ea"/>
                 <a:cs typeface="+mj-cs"/>
               </a:rPr>
-              <a:t>Downsample</a:t>
+              <a:t>187</a:t>
             </a:r>
             <a:r>
               <a:rPr lang="en-US" sz="2800" spc="-120" dirty="0">
@@ -8904,16 +8922,10 @@
                 <a:ea typeface="+mj-ea"/>
                 <a:cs typeface="+mj-cs"/>
               </a:rPr>
-              <a:t> the majority class to 150,000</a:t>
-            </a:r>
-          </a:p>
-          <a:p>
-            <a:pPr marL="457200" indent="-457200">
-              <a:buFont typeface="Arial" panose="020B0604020202020204" pitchFamily="34" charset="0"/>
-              <a:buChar char="•"/>
-            </a:pPr>
-            <a:r>
-              <a:rPr lang="en-US" sz="2800" spc="-120" dirty="0" err="1">
+              <a:t>,</a:t>
+            </a:r>
+            <a:r>
+              <a:rPr lang="en-US" sz="2800" b="1" spc="-120" dirty="0">
                 <a:solidFill>
                   <a:prstClr val="black"/>
                 </a:solidFill>
@@ -8921,7 +8933,7 @@
                 <a:ea typeface="+mj-ea"/>
                 <a:cs typeface="+mj-cs"/>
               </a:rPr>
-              <a:t>Upsample</a:t>
+              <a:t>000</a:t>
             </a:r>
             <a:r>
               <a:rPr lang="en-US" sz="2800" spc="-120" dirty="0">
@@ -8932,14 +8944,10 @@
                 <a:ea typeface="+mj-ea"/>
                 <a:cs typeface="+mj-cs"/>
               </a:rPr>
-              <a:t> the minority class to 15,000</a:t>
-            </a:r>
-          </a:p>
-          <a:p>
-            <a:pPr marL="457200" indent="-457200">
-              <a:buFont typeface="Arial" panose="020B0604020202020204" pitchFamily="34" charset="0"/>
-              <a:buChar char="•"/>
-            </a:pPr>
+              <a:t> individuals </a:t>
+            </a:r>
+          </a:p>
+          <a:p>
             <a:r>
               <a:rPr lang="en-US" sz="2800" spc="-120" dirty="0">
                 <a:solidFill>
@@ -8949,18 +8957,170 @@
                 <a:ea typeface="+mj-ea"/>
                 <a:cs typeface="+mj-cs"/>
               </a:rPr>
-              <a:t>Use different class weights for each class</a:t>
-            </a:r>
-          </a:p>
-          <a:p>
-            <a:endParaRPr lang="en-US" sz="2800" spc="-120" dirty="0">
-              <a:solidFill>
-                <a:prstClr val="black"/>
-              </a:solidFill>
-              <a:latin typeface="Calibri Light" panose="020F0302020204030204"/>
-              <a:ea typeface="+mj-ea"/>
-              <a:cs typeface="+mj-cs"/>
-            </a:endParaRPr>
+              <a:t>Income &lt; $50K: </a:t>
+            </a:r>
+            <a:r>
+              <a:rPr lang="en-US" sz="2800" b="1" spc="-120" dirty="0">
+                <a:solidFill>
+                  <a:prstClr val="black"/>
+                </a:solidFill>
+                <a:latin typeface="Calibri Light" panose="020F0302020204030204"/>
+                <a:ea typeface="+mj-ea"/>
+                <a:cs typeface="+mj-cs"/>
+              </a:rPr>
+              <a:t>12</a:t>
+            </a:r>
+            <a:r>
+              <a:rPr lang="en-US" sz="2800" spc="-120" dirty="0">
+                <a:solidFill>
+                  <a:prstClr val="black"/>
+                </a:solidFill>
+                <a:latin typeface="Calibri Light" panose="020F0302020204030204"/>
+                <a:ea typeface="+mj-ea"/>
+                <a:cs typeface="+mj-cs"/>
+              </a:rPr>
+              <a:t>,</a:t>
+            </a:r>
+            <a:r>
+              <a:rPr lang="en-US" sz="2800" b="1" spc="-120" dirty="0">
+                <a:solidFill>
+                  <a:prstClr val="black"/>
+                </a:solidFill>
+                <a:latin typeface="Calibri Light" panose="020F0302020204030204"/>
+                <a:ea typeface="+mj-ea"/>
+                <a:cs typeface="+mj-cs"/>
+              </a:rPr>
+              <a:t>300</a:t>
+            </a:r>
+            <a:r>
+              <a:rPr lang="en-US" sz="2800" spc="-120" dirty="0">
+                <a:solidFill>
+                  <a:prstClr val="black"/>
+                </a:solidFill>
+                <a:latin typeface="Calibri Light" panose="020F0302020204030204"/>
+                <a:ea typeface="+mj-ea"/>
+                <a:cs typeface="+mj-cs"/>
+              </a:rPr>
+              <a:t> individuals</a:t>
+            </a:r>
+          </a:p>
+        </p:txBody>
+      </p:sp>
+      <p:sp>
+        <p:nvSpPr>
+          <p:cNvPr id="5" name="TextBox 4">
+            <a:extLst>
+              <a:ext uri="{FF2B5EF4-FFF2-40B4-BE49-F238E27FC236}">
+                <a16:creationId xmlns:a16="http://schemas.microsoft.com/office/drawing/2014/main" id="{FB4FE114-13EF-45A7-BD02-528A8CA9314C}"/>
+              </a:ext>
+            </a:extLst>
+          </p:cNvPr>
+          <p:cNvSpPr txBox="1"/>
+          <p:nvPr/>
+        </p:nvSpPr>
+        <p:spPr>
+          <a:xfrm>
+            <a:off x="3602898" y="3800562"/>
+            <a:ext cx="4779682" cy="523220"/>
+          </a:xfrm>
+          <a:prstGeom prst="rect">
+            <a:avLst/>
+          </a:prstGeom>
+          <a:noFill/>
+        </p:spPr>
+        <p:txBody>
+          <a:bodyPr wrap="square" rtlCol="0">
+            <a:spAutoFit/>
+          </a:bodyPr>
+          <a:lstStyle/>
+          <a:p>
+            <a:r>
+              <a:rPr lang="en-US" sz="2800" spc="-120" dirty="0">
+                <a:solidFill>
+                  <a:prstClr val="black"/>
+                </a:solidFill>
+                <a:latin typeface="Calibri Light" panose="020F0302020204030204"/>
+                <a:ea typeface="+mj-ea"/>
+                <a:cs typeface="+mj-cs"/>
+              </a:rPr>
+              <a:t>How can we handle this problem ?</a:t>
+            </a:r>
+          </a:p>
+        </p:txBody>
+      </p:sp>
+      <p:sp>
+        <p:nvSpPr>
+          <p:cNvPr id="6" name="TextBox 5">
+            <a:extLst>
+              <a:ext uri="{FF2B5EF4-FFF2-40B4-BE49-F238E27FC236}">
+                <a16:creationId xmlns:a16="http://schemas.microsoft.com/office/drawing/2014/main" id="{F0DFA21B-67F3-4FB2-B991-86359D4E867F}"/>
+              </a:ext>
+            </a:extLst>
+          </p:cNvPr>
+          <p:cNvSpPr txBox="1"/>
+          <p:nvPr/>
+        </p:nvSpPr>
+        <p:spPr>
+          <a:xfrm>
+            <a:off x="2011680" y="5066905"/>
+            <a:ext cx="8585735" cy="523220"/>
+          </a:xfrm>
+          <a:prstGeom prst="rect">
+            <a:avLst/>
+          </a:prstGeom>
+          <a:noFill/>
+        </p:spPr>
+        <p:txBody>
+          <a:bodyPr wrap="square" rtlCol="0">
+            <a:spAutoFit/>
+          </a:bodyPr>
+          <a:lstStyle/>
+          <a:p>
+            <a:pPr algn="ctr"/>
+            <a:r>
+              <a:rPr lang="en-US" sz="2800" b="1" spc="-120" dirty="0" err="1">
+                <a:solidFill>
+                  <a:prstClr val="black"/>
+                </a:solidFill>
+                <a:latin typeface="Calibri Light" panose="020F0302020204030204"/>
+                <a:ea typeface="+mj-ea"/>
+                <a:cs typeface="+mj-cs"/>
+              </a:rPr>
+              <a:t>Upsampling</a:t>
+            </a:r>
+            <a:r>
+              <a:rPr lang="en-US" sz="2800" spc="-120" dirty="0">
+                <a:solidFill>
+                  <a:prstClr val="black"/>
+                </a:solidFill>
+                <a:latin typeface="Calibri Light" panose="020F0302020204030204"/>
+                <a:ea typeface="+mj-ea"/>
+                <a:cs typeface="+mj-cs"/>
+              </a:rPr>
+              <a:t> the minority class &amp; </a:t>
+            </a:r>
+            <a:r>
+              <a:rPr lang="en-US" sz="2800" b="1" spc="-120" dirty="0" err="1">
+                <a:solidFill>
+                  <a:prstClr val="black"/>
+                </a:solidFill>
+                <a:latin typeface="Calibri Light" panose="020F0302020204030204"/>
+                <a:ea typeface="+mj-ea"/>
+                <a:cs typeface="+mj-cs"/>
+              </a:rPr>
+              <a:t>downsampling</a:t>
+            </a:r>
+            <a:r>
+              <a:rPr lang="en-US" sz="2800" spc="-120" dirty="0">
+                <a:solidFill>
+                  <a:prstClr val="black"/>
+                </a:solidFill>
+                <a:latin typeface="Calibri Light" panose="020F0302020204030204"/>
+                <a:ea typeface="+mj-ea"/>
+                <a:cs typeface="+mj-cs"/>
+              </a:rPr>
+              <a:t> the majority class</a:t>
+            </a:r>
           </a:p>
         </p:txBody>
       </p:sp>
@@ -9244,7 +9404,39 @@
                   <a:srgbClr val="FFFFFF"/>
                 </a:solidFill>
               </a:rPr>
-              <a:t>DATA PREPARATION – Feature Importance 	</a:t>
+              <a:t>DATA PREPARATION – </a:t>
+            </a:r>
+            <a:r>
+              <a:rPr lang="en-US" sz="4000" dirty="0" err="1">
+                <a:solidFill>
+                  <a:srgbClr val="FFFFFF"/>
+                </a:solidFill>
+              </a:rPr>
+              <a:t>Upsampling</a:t>
+            </a:r>
+            <a:r>
+              <a:rPr lang="en-US" sz="4000" dirty="0">
+                <a:solidFill>
+                  <a:srgbClr val="FFFFFF"/>
+                </a:solidFill>
+              </a:rPr>
+              <a:t> &amp; </a:t>
+            </a:r>
+            <a:r>
+              <a:rPr lang="en-US" sz="4000" dirty="0" err="1">
+                <a:solidFill>
+                  <a:srgbClr val="FFFFFF"/>
+                </a:solidFill>
+              </a:rPr>
+              <a:t>Downsampling</a:t>
+            </a:r>
+            <a:r>
+              <a:rPr lang="en-US" sz="4000" dirty="0">
+                <a:solidFill>
+                  <a:srgbClr val="FFFFFF"/>
+                </a:solidFill>
+              </a:rPr>
+              <a:t> 	</a:t>
             </a:r>
             <a:endParaRPr lang="en-GB" sz="4000" dirty="0">
               <a:solidFill>
@@ -9254,120 +9446,1032 @@
           </a:p>
         </p:txBody>
       </p:sp>
-      <p:sp>
-        <p:nvSpPr>
-          <p:cNvPr id="10" name="TextBox 9">
+      <p:grpSp>
+        <p:nvGrpSpPr>
+          <p:cNvPr id="28" name="Group 27">
             <a:extLst>
               <a:ext uri="{FF2B5EF4-FFF2-40B4-BE49-F238E27FC236}">
-                <a16:creationId xmlns:a16="http://schemas.microsoft.com/office/drawing/2014/main" id="{756F8E5B-1EA2-42DF-B9DD-C15A8F82FC7F}"/>
+                <a16:creationId xmlns:a16="http://schemas.microsoft.com/office/drawing/2014/main" id="{14478154-0837-4EFD-A465-AC0C300C202E}"/>
               </a:ext>
             </a:extLst>
           </p:cNvPr>
-          <p:cNvSpPr txBox="1"/>
+          <p:cNvGrpSpPr/>
           <p:nvPr/>
-        </p:nvSpPr>
-        <p:spPr>
+        </p:nvGrpSpPr>
+        <p:grpSpPr>
           <a:xfrm>
-            <a:off x="1120604" y="2103332"/>
-            <a:ext cx="9950791" cy="954107"/>
+            <a:off x="3461953" y="2371142"/>
+            <a:ext cx="5268094" cy="3521005"/>
+            <a:chOff x="3340304" y="2210095"/>
+            <a:chExt cx="5268094" cy="3521005"/>
           </a:xfrm>
-          <a:prstGeom prst="rect">
-            <a:avLst/>
-          </a:prstGeom>
-          <a:noFill/>
-        </p:spPr>
-        <p:txBody>
-          <a:bodyPr wrap="square" rtlCol="0">
-            <a:spAutoFit/>
-          </a:bodyPr>
-          <a:lstStyle/>
-          <a:p>
-            <a:r>
-              <a:rPr lang="en-US" sz="2800" spc="-120" dirty="0">
-                <a:solidFill>
-                  <a:prstClr val="black"/>
-                </a:solidFill>
-                <a:latin typeface="Calibri Light" panose="020F0302020204030204"/>
-                <a:ea typeface="+mj-ea"/>
-                <a:cs typeface="+mj-cs"/>
-              </a:rPr>
-              <a:t>Used </a:t>
-            </a:r>
-            <a:r>
-              <a:rPr lang="en-US" sz="2800" spc="-120" dirty="0" err="1">
-                <a:solidFill>
-                  <a:prstClr val="black"/>
-                </a:solidFill>
-                <a:latin typeface="Calibri Light" panose="020F0302020204030204"/>
-                <a:ea typeface="+mj-ea"/>
-                <a:cs typeface="+mj-cs"/>
-              </a:rPr>
-              <a:t>LightGBM</a:t>
-            </a:r>
-            <a:r>
-              <a:rPr lang="en-US" sz="2800" spc="-120" dirty="0">
-                <a:solidFill>
-                  <a:prstClr val="black"/>
-                </a:solidFill>
-                <a:latin typeface="Calibri Light" panose="020F0302020204030204"/>
-                <a:ea typeface="+mj-ea"/>
-                <a:cs typeface="+mj-cs"/>
-              </a:rPr>
-              <a:t> to extract Feature Importance</a:t>
-            </a:r>
-          </a:p>
-          <a:p>
-            <a:endParaRPr lang="en-US" sz="2800" spc="-120" dirty="0">
-              <a:solidFill>
-                <a:prstClr val="black"/>
-              </a:solidFill>
-              <a:latin typeface="Calibri Light" panose="020F0302020204030204"/>
-              <a:ea typeface="+mj-ea"/>
-              <a:cs typeface="+mj-cs"/>
-            </a:endParaRPr>
-          </a:p>
-        </p:txBody>
-      </p:sp>
-      <p:pic>
-        <p:nvPicPr>
-          <p:cNvPr id="3" name="Picture 2">
+        </p:grpSpPr>
+        <p:pic>
+          <p:nvPicPr>
+            <p:cNvPr id="7" name="Picture 6">
+              <a:extLst>
+                <a:ext uri="{FF2B5EF4-FFF2-40B4-BE49-F238E27FC236}">
+                  <a16:creationId xmlns:a16="http://schemas.microsoft.com/office/drawing/2014/main" id="{9D2A8B8B-AE6E-4FCE-B3F9-73CD364D834E}"/>
+                </a:ext>
+              </a:extLst>
+            </p:cNvPr>
+            <p:cNvPicPr>
+              <a:picLocks noChangeAspect="1"/>
+            </p:cNvPicPr>
+            <p:nvPr/>
+          </p:nvPicPr>
+          <p:blipFill>
+            <a:blip r:embed="rId2"/>
+            <a:stretch>
+              <a:fillRect/>
+            </a:stretch>
+          </p:blipFill>
+          <p:spPr>
+            <a:xfrm>
+              <a:off x="3340304" y="2210095"/>
+              <a:ext cx="4731065" cy="3521005"/>
+            </a:xfrm>
+            <a:prstGeom prst="rect">
+              <a:avLst/>
+            </a:prstGeom>
+          </p:spPr>
+        </p:pic>
+        <p:sp>
+          <p:nvSpPr>
+            <p:cNvPr id="26" name="TextBox 25">
+              <a:extLst>
+                <a:ext uri="{FF2B5EF4-FFF2-40B4-BE49-F238E27FC236}">
+                  <a16:creationId xmlns:a16="http://schemas.microsoft.com/office/drawing/2014/main" id="{6F0A2556-ECFE-41F8-BC68-3418878B5B3E}"/>
+                </a:ext>
+              </a:extLst>
+            </p:cNvPr>
+            <p:cNvSpPr txBox="1"/>
+            <p:nvPr/>
+          </p:nvSpPr>
+          <p:spPr>
+            <a:xfrm>
+              <a:off x="4775557" y="3780658"/>
+              <a:ext cx="1992429" cy="369332"/>
+            </a:xfrm>
+            <a:prstGeom prst="rect">
+              <a:avLst/>
+            </a:prstGeom>
+            <a:noFill/>
+          </p:spPr>
+          <p:txBody>
+            <a:bodyPr wrap="square">
+              <a:spAutoFit/>
+            </a:bodyPr>
+            <a:lstStyle/>
+            <a:p>
+              <a:r>
+                <a:rPr lang="en-US" sz="1800" spc="-120" dirty="0">
+                  <a:solidFill>
+                    <a:prstClr val="black"/>
+                  </a:solidFill>
+                  <a:latin typeface="Calibri Light" panose="020F0302020204030204"/>
+                  <a:ea typeface="+mj-ea"/>
+                  <a:cs typeface="+mj-cs"/>
+                </a:rPr>
+                <a:t>180K</a:t>
+              </a:r>
+            </a:p>
+          </p:txBody>
+        </p:sp>
+        <p:sp>
+          <p:nvSpPr>
+            <p:cNvPr id="27" name="TextBox 26">
+              <a:extLst>
+                <a:ext uri="{FF2B5EF4-FFF2-40B4-BE49-F238E27FC236}">
+                  <a16:creationId xmlns:a16="http://schemas.microsoft.com/office/drawing/2014/main" id="{D22F16BB-1F45-4D7B-BB49-502828FD00E6}"/>
+                </a:ext>
+              </a:extLst>
+            </p:cNvPr>
+            <p:cNvSpPr txBox="1"/>
+            <p:nvPr/>
+          </p:nvSpPr>
+          <p:spPr>
+            <a:xfrm>
+              <a:off x="6615969" y="4841141"/>
+              <a:ext cx="1992429" cy="369332"/>
+            </a:xfrm>
+            <a:prstGeom prst="rect">
+              <a:avLst/>
+            </a:prstGeom>
+            <a:noFill/>
+          </p:spPr>
+          <p:txBody>
+            <a:bodyPr wrap="square">
+              <a:spAutoFit/>
+            </a:bodyPr>
+            <a:lstStyle/>
+            <a:p>
+              <a:r>
+                <a:rPr lang="en-US" sz="1800" spc="-120" dirty="0">
+                  <a:solidFill>
+                    <a:prstClr val="black"/>
+                  </a:solidFill>
+                  <a:latin typeface="Calibri Light" panose="020F0302020204030204"/>
+                  <a:ea typeface="+mj-ea"/>
+                  <a:cs typeface="+mj-cs"/>
+                </a:rPr>
+                <a:t>12K</a:t>
+              </a:r>
+            </a:p>
+          </p:txBody>
+        </p:sp>
+      </p:grpSp>
+      <p:grpSp>
+        <p:nvGrpSpPr>
+          <p:cNvPr id="25" name="Group 24">
             <a:extLst>
               <a:ext uri="{FF2B5EF4-FFF2-40B4-BE49-F238E27FC236}">
-                <a16:creationId xmlns:a16="http://schemas.microsoft.com/office/drawing/2014/main" id="{FB3CFD7E-2AFD-4F11-BD31-6D4500000DD6}"/>
+                <a16:creationId xmlns:a16="http://schemas.microsoft.com/office/drawing/2014/main" id="{17C4F284-76CD-473C-8525-B4648E0EEA70}"/>
               </a:ext>
             </a:extLst>
           </p:cNvPr>
-          <p:cNvPicPr>
-            <a:picLocks noChangeAspect="1"/>
-          </p:cNvPicPr>
+          <p:cNvGrpSpPr/>
           <p:nvPr/>
-        </p:nvPicPr>
-        <p:blipFill>
-          <a:blip r:embed="rId2"/>
-          <a:stretch>
-            <a:fillRect/>
-          </a:stretch>
-        </p:blipFill>
-        <p:spPr>
+        </p:nvGrpSpPr>
+        <p:grpSpPr>
           <a:xfrm>
-            <a:off x="2375910" y="2735579"/>
-            <a:ext cx="7440178" cy="3720089"/>
+            <a:off x="3475250" y="2371142"/>
+            <a:ext cx="5241500" cy="3521005"/>
+            <a:chOff x="3521622" y="2329703"/>
+            <a:chExt cx="5241500" cy="3521005"/>
           </a:xfrm>
-          <a:prstGeom prst="rect">
-            <a:avLst/>
-          </a:prstGeom>
-        </p:spPr>
-      </p:pic>
+        </p:grpSpPr>
+        <p:pic>
+          <p:nvPicPr>
+            <p:cNvPr id="11" name="Picture 10">
+              <a:extLst>
+                <a:ext uri="{FF2B5EF4-FFF2-40B4-BE49-F238E27FC236}">
+                  <a16:creationId xmlns:a16="http://schemas.microsoft.com/office/drawing/2014/main" id="{D70E24B2-23A8-4D25-AE26-E4C18C6ED71B}"/>
+                </a:ext>
+              </a:extLst>
+            </p:cNvPr>
+            <p:cNvPicPr>
+              <a:picLocks noChangeAspect="1"/>
+            </p:cNvPicPr>
+            <p:nvPr/>
+          </p:nvPicPr>
+          <p:blipFill>
+            <a:blip r:embed="rId3"/>
+            <a:stretch>
+              <a:fillRect/>
+            </a:stretch>
+          </p:blipFill>
+          <p:spPr>
+            <a:xfrm>
+              <a:off x="3521622" y="2329703"/>
+              <a:ext cx="4731065" cy="3521005"/>
+            </a:xfrm>
+            <a:prstGeom prst="rect">
+              <a:avLst/>
+            </a:prstGeom>
+          </p:spPr>
+        </p:pic>
+        <p:sp>
+          <p:nvSpPr>
+            <p:cNvPr id="23" name="TextBox 22">
+              <a:extLst>
+                <a:ext uri="{FF2B5EF4-FFF2-40B4-BE49-F238E27FC236}">
+                  <a16:creationId xmlns:a16="http://schemas.microsoft.com/office/drawing/2014/main" id="{18B610EC-0374-4B69-99E0-D8BB7D406C82}"/>
+                </a:ext>
+              </a:extLst>
+            </p:cNvPr>
+            <p:cNvSpPr txBox="1"/>
+            <p:nvPr/>
+          </p:nvSpPr>
+          <p:spPr>
+            <a:xfrm>
+              <a:off x="4856870" y="4190090"/>
+              <a:ext cx="1992429" cy="369332"/>
+            </a:xfrm>
+            <a:prstGeom prst="rect">
+              <a:avLst/>
+            </a:prstGeom>
+            <a:noFill/>
+          </p:spPr>
+          <p:txBody>
+            <a:bodyPr wrap="square">
+              <a:spAutoFit/>
+            </a:bodyPr>
+            <a:lstStyle/>
+            <a:p>
+              <a:r>
+                <a:rPr lang="en-US" sz="1800" spc="-120" dirty="0">
+                  <a:solidFill>
+                    <a:prstClr val="black"/>
+                  </a:solidFill>
+                  <a:latin typeface="Calibri Light" panose="020F0302020204030204"/>
+                  <a:ea typeface="+mj-ea"/>
+                  <a:cs typeface="+mj-cs"/>
+                </a:rPr>
+                <a:t>150K</a:t>
+              </a:r>
+            </a:p>
+          </p:txBody>
+        </p:sp>
+        <p:sp>
+          <p:nvSpPr>
+            <p:cNvPr id="24" name="TextBox 23">
+              <a:extLst>
+                <a:ext uri="{FF2B5EF4-FFF2-40B4-BE49-F238E27FC236}">
+                  <a16:creationId xmlns:a16="http://schemas.microsoft.com/office/drawing/2014/main" id="{B334F5F2-FD0A-43DA-8D47-E26E9BBFC6DD}"/>
+                </a:ext>
+              </a:extLst>
+            </p:cNvPr>
+            <p:cNvSpPr txBox="1"/>
+            <p:nvPr/>
+          </p:nvSpPr>
+          <p:spPr>
+            <a:xfrm>
+              <a:off x="6770693" y="4859315"/>
+              <a:ext cx="1992429" cy="369332"/>
+            </a:xfrm>
+            <a:prstGeom prst="rect">
+              <a:avLst/>
+            </a:prstGeom>
+            <a:noFill/>
+          </p:spPr>
+          <p:txBody>
+            <a:bodyPr wrap="square">
+              <a:spAutoFit/>
+            </a:bodyPr>
+            <a:lstStyle/>
+            <a:p>
+              <a:r>
+                <a:rPr lang="en-US" sz="1800" spc="-120" dirty="0">
+                  <a:solidFill>
+                    <a:prstClr val="black"/>
+                  </a:solidFill>
+                  <a:latin typeface="Calibri Light" panose="020F0302020204030204"/>
+                  <a:ea typeface="+mj-ea"/>
+                  <a:cs typeface="+mj-cs"/>
+                </a:rPr>
+                <a:t>15K</a:t>
+              </a:r>
+            </a:p>
+          </p:txBody>
+        </p:sp>
+      </p:grpSp>
+      <p:grpSp>
+        <p:nvGrpSpPr>
+          <p:cNvPr id="8" name="Group 7">
+            <a:extLst>
+              <a:ext uri="{FF2B5EF4-FFF2-40B4-BE49-F238E27FC236}">
+                <a16:creationId xmlns:a16="http://schemas.microsoft.com/office/drawing/2014/main" id="{67E6D7D5-D2F4-4146-AE35-C5A9E836C383}"/>
+              </a:ext>
+            </a:extLst>
+          </p:cNvPr>
+          <p:cNvGrpSpPr/>
+          <p:nvPr/>
+        </p:nvGrpSpPr>
+        <p:grpSpPr>
+          <a:xfrm>
+            <a:off x="3475250" y="2365868"/>
+            <a:ext cx="5368693" cy="3521005"/>
+            <a:chOff x="3297414" y="2065436"/>
+            <a:chExt cx="5368693" cy="3521005"/>
+          </a:xfrm>
+        </p:grpSpPr>
+        <p:pic>
+          <p:nvPicPr>
+            <p:cNvPr id="13" name="Picture 12">
+              <a:extLst>
+                <a:ext uri="{FF2B5EF4-FFF2-40B4-BE49-F238E27FC236}">
+                  <a16:creationId xmlns:a16="http://schemas.microsoft.com/office/drawing/2014/main" id="{02E92DA5-F2D7-46B2-9649-EA6F0C4ED030}"/>
+                </a:ext>
+              </a:extLst>
+            </p:cNvPr>
+            <p:cNvPicPr>
+              <a:picLocks noChangeAspect="1"/>
+            </p:cNvPicPr>
+            <p:nvPr/>
+          </p:nvPicPr>
+          <p:blipFill>
+            <a:blip r:embed="rId4"/>
+            <a:stretch>
+              <a:fillRect/>
+            </a:stretch>
+          </p:blipFill>
+          <p:spPr>
+            <a:xfrm>
+              <a:off x="3297414" y="2065436"/>
+              <a:ext cx="4731065" cy="3521005"/>
+            </a:xfrm>
+            <a:prstGeom prst="rect">
+              <a:avLst/>
+            </a:prstGeom>
+          </p:spPr>
+        </p:pic>
+        <p:sp>
+          <p:nvSpPr>
+            <p:cNvPr id="21" name="TextBox 20">
+              <a:extLst>
+                <a:ext uri="{FF2B5EF4-FFF2-40B4-BE49-F238E27FC236}">
+                  <a16:creationId xmlns:a16="http://schemas.microsoft.com/office/drawing/2014/main" id="{0756B17E-092E-49D8-88C4-62C20CCDCE63}"/>
+                </a:ext>
+              </a:extLst>
+            </p:cNvPr>
+            <p:cNvSpPr txBox="1"/>
+            <p:nvPr/>
+          </p:nvSpPr>
+          <p:spPr>
+            <a:xfrm>
+              <a:off x="4758090" y="4230029"/>
+              <a:ext cx="1992429" cy="369332"/>
+            </a:xfrm>
+            <a:prstGeom prst="rect">
+              <a:avLst/>
+            </a:prstGeom>
+            <a:noFill/>
+          </p:spPr>
+          <p:txBody>
+            <a:bodyPr wrap="square">
+              <a:spAutoFit/>
+            </a:bodyPr>
+            <a:lstStyle/>
+            <a:p>
+              <a:r>
+                <a:rPr lang="en-US" sz="1800" spc="-120" dirty="0">
+                  <a:solidFill>
+                    <a:prstClr val="black"/>
+                  </a:solidFill>
+                  <a:latin typeface="Calibri Light" panose="020F0302020204030204"/>
+                  <a:ea typeface="+mj-ea"/>
+                  <a:cs typeface="+mj-cs"/>
+                </a:rPr>
+                <a:t>120K</a:t>
+              </a:r>
+            </a:p>
+          </p:txBody>
+        </p:sp>
+        <p:sp>
+          <p:nvSpPr>
+            <p:cNvPr id="22" name="TextBox 21">
+              <a:extLst>
+                <a:ext uri="{FF2B5EF4-FFF2-40B4-BE49-F238E27FC236}">
+                  <a16:creationId xmlns:a16="http://schemas.microsoft.com/office/drawing/2014/main" id="{C3A8F0D8-C1D7-4CB7-AFBE-E787941E5156}"/>
+                </a:ext>
+              </a:extLst>
+            </p:cNvPr>
+            <p:cNvSpPr txBox="1"/>
+            <p:nvPr/>
+          </p:nvSpPr>
+          <p:spPr>
+            <a:xfrm>
+              <a:off x="6673678" y="4841638"/>
+              <a:ext cx="1992429" cy="369332"/>
+            </a:xfrm>
+            <a:prstGeom prst="rect">
+              <a:avLst/>
+            </a:prstGeom>
+            <a:noFill/>
+          </p:spPr>
+          <p:txBody>
+            <a:bodyPr wrap="square">
+              <a:spAutoFit/>
+            </a:bodyPr>
+            <a:lstStyle/>
+            <a:p>
+              <a:r>
+                <a:rPr lang="en-US" spc="-120" dirty="0">
+                  <a:solidFill>
+                    <a:prstClr val="black"/>
+                  </a:solidFill>
+                  <a:latin typeface="Calibri Light" panose="020F0302020204030204"/>
+                  <a:ea typeface="+mj-ea"/>
+                  <a:cs typeface="+mj-cs"/>
+                </a:rPr>
+                <a:t>40</a:t>
+              </a:r>
+              <a:r>
+                <a:rPr lang="en-US" sz="1800" spc="-120" dirty="0">
+                  <a:solidFill>
+                    <a:prstClr val="black"/>
+                  </a:solidFill>
+                  <a:latin typeface="Calibri Light" panose="020F0302020204030204"/>
+                  <a:ea typeface="+mj-ea"/>
+                  <a:cs typeface="+mj-cs"/>
+                </a:rPr>
+                <a:t>K</a:t>
+              </a:r>
+            </a:p>
+          </p:txBody>
+        </p:sp>
+      </p:grpSp>
+      <p:grpSp>
+        <p:nvGrpSpPr>
+          <p:cNvPr id="6" name="Group 5">
+            <a:extLst>
+              <a:ext uri="{FF2B5EF4-FFF2-40B4-BE49-F238E27FC236}">
+                <a16:creationId xmlns:a16="http://schemas.microsoft.com/office/drawing/2014/main" id="{411A3B18-3D28-4DC0-9BEA-E736EE9012AB}"/>
+              </a:ext>
+            </a:extLst>
+          </p:cNvPr>
+          <p:cNvGrpSpPr/>
+          <p:nvPr/>
+        </p:nvGrpSpPr>
+        <p:grpSpPr>
+          <a:xfrm>
+            <a:off x="3461953" y="2360594"/>
+            <a:ext cx="5213685" cy="3521005"/>
+            <a:chOff x="3340296" y="2210091"/>
+            <a:chExt cx="5213685" cy="3521005"/>
+          </a:xfrm>
+        </p:grpSpPr>
+        <p:pic>
+          <p:nvPicPr>
+            <p:cNvPr id="3" name="Picture 2">
+              <a:extLst>
+                <a:ext uri="{FF2B5EF4-FFF2-40B4-BE49-F238E27FC236}">
+                  <a16:creationId xmlns:a16="http://schemas.microsoft.com/office/drawing/2014/main" id="{2377F12A-9075-4B79-B4A0-DD89493CA2C4}"/>
+                </a:ext>
+              </a:extLst>
+            </p:cNvPr>
+            <p:cNvPicPr>
+              <a:picLocks noChangeAspect="1"/>
+            </p:cNvPicPr>
+            <p:nvPr/>
+          </p:nvPicPr>
+          <p:blipFill>
+            <a:blip r:embed="rId5"/>
+            <a:stretch>
+              <a:fillRect/>
+            </a:stretch>
+          </p:blipFill>
+          <p:spPr>
+            <a:xfrm>
+              <a:off x="3340296" y="2210091"/>
+              <a:ext cx="4731065" cy="3521005"/>
+            </a:xfrm>
+            <a:prstGeom prst="rect">
+              <a:avLst/>
+            </a:prstGeom>
+          </p:spPr>
+        </p:pic>
+        <p:sp>
+          <p:nvSpPr>
+            <p:cNvPr id="18" name="TextBox 17">
+              <a:extLst>
+                <a:ext uri="{FF2B5EF4-FFF2-40B4-BE49-F238E27FC236}">
+                  <a16:creationId xmlns:a16="http://schemas.microsoft.com/office/drawing/2014/main" id="{B34401C3-42CF-42EE-A34F-703A54F62F3A}"/>
+                </a:ext>
+              </a:extLst>
+            </p:cNvPr>
+            <p:cNvSpPr txBox="1"/>
+            <p:nvPr/>
+          </p:nvSpPr>
+          <p:spPr>
+            <a:xfrm>
+              <a:off x="6561552" y="4537677"/>
+              <a:ext cx="1992429" cy="369332"/>
+            </a:xfrm>
+            <a:prstGeom prst="rect">
+              <a:avLst/>
+            </a:prstGeom>
+            <a:noFill/>
+          </p:spPr>
+          <p:txBody>
+            <a:bodyPr wrap="square">
+              <a:spAutoFit/>
+            </a:bodyPr>
+            <a:lstStyle/>
+            <a:p>
+              <a:r>
+                <a:rPr lang="en-US" spc="-120" dirty="0">
+                  <a:solidFill>
+                    <a:prstClr val="black"/>
+                  </a:solidFill>
+                  <a:latin typeface="Calibri Light" panose="020F0302020204030204"/>
+                  <a:ea typeface="+mj-ea"/>
+                  <a:cs typeface="+mj-cs"/>
+                </a:rPr>
+                <a:t>80</a:t>
+              </a:r>
+              <a:r>
+                <a:rPr lang="en-US" sz="1800" spc="-120" dirty="0">
+                  <a:solidFill>
+                    <a:prstClr val="black"/>
+                  </a:solidFill>
+                  <a:latin typeface="Calibri Light" panose="020F0302020204030204"/>
+                  <a:ea typeface="+mj-ea"/>
+                  <a:cs typeface="+mj-cs"/>
+                </a:rPr>
+                <a:t>K</a:t>
+              </a:r>
+            </a:p>
+          </p:txBody>
+        </p:sp>
+        <p:sp>
+          <p:nvSpPr>
+            <p:cNvPr id="19" name="TextBox 18">
+              <a:extLst>
+                <a:ext uri="{FF2B5EF4-FFF2-40B4-BE49-F238E27FC236}">
+                  <a16:creationId xmlns:a16="http://schemas.microsoft.com/office/drawing/2014/main" id="{FADBDA03-B510-4353-A500-C27F9AD6838E}"/>
+                </a:ext>
+              </a:extLst>
+            </p:cNvPr>
+            <p:cNvSpPr txBox="1"/>
+            <p:nvPr/>
+          </p:nvSpPr>
+          <p:spPr>
+            <a:xfrm>
+              <a:off x="4856530" y="4537673"/>
+              <a:ext cx="1992429" cy="369332"/>
+            </a:xfrm>
+            <a:prstGeom prst="rect">
+              <a:avLst/>
+            </a:prstGeom>
+            <a:noFill/>
+          </p:spPr>
+          <p:txBody>
+            <a:bodyPr wrap="square">
+              <a:spAutoFit/>
+            </a:bodyPr>
+            <a:lstStyle/>
+            <a:p>
+              <a:r>
+                <a:rPr lang="en-US" spc="-120" dirty="0">
+                  <a:solidFill>
+                    <a:prstClr val="black"/>
+                  </a:solidFill>
+                  <a:latin typeface="Calibri Light" panose="020F0302020204030204"/>
+                  <a:ea typeface="+mj-ea"/>
+                  <a:cs typeface="+mj-cs"/>
+                </a:rPr>
+                <a:t>80</a:t>
+              </a:r>
+              <a:r>
+                <a:rPr lang="en-US" sz="1800" spc="-120" dirty="0">
+                  <a:solidFill>
+                    <a:prstClr val="black"/>
+                  </a:solidFill>
+                  <a:latin typeface="Calibri Light" panose="020F0302020204030204"/>
+                  <a:ea typeface="+mj-ea"/>
+                  <a:cs typeface="+mj-cs"/>
+                </a:rPr>
+                <a:t>K</a:t>
+              </a:r>
+            </a:p>
+          </p:txBody>
+        </p:sp>
+      </p:grpSp>
+      <p:grpSp>
+        <p:nvGrpSpPr>
+          <p:cNvPr id="5" name="Group 4">
+            <a:extLst>
+              <a:ext uri="{FF2B5EF4-FFF2-40B4-BE49-F238E27FC236}">
+                <a16:creationId xmlns:a16="http://schemas.microsoft.com/office/drawing/2014/main" id="{A9C8E402-3D10-4088-A916-7D6B486A22B6}"/>
+              </a:ext>
+            </a:extLst>
+          </p:cNvPr>
+          <p:cNvGrpSpPr/>
+          <p:nvPr/>
+        </p:nvGrpSpPr>
+        <p:grpSpPr>
+          <a:xfrm>
+            <a:off x="3475250" y="2360594"/>
+            <a:ext cx="5323867" cy="3592894"/>
+            <a:chOff x="3340296" y="2210087"/>
+            <a:chExt cx="5323867" cy="3592894"/>
+          </a:xfrm>
+        </p:grpSpPr>
+        <p:pic>
+          <p:nvPicPr>
+            <p:cNvPr id="10" name="Picture 9">
+              <a:extLst>
+                <a:ext uri="{FF2B5EF4-FFF2-40B4-BE49-F238E27FC236}">
+                  <a16:creationId xmlns:a16="http://schemas.microsoft.com/office/drawing/2014/main" id="{F7CCFB8B-8C04-4775-B689-5B40487A3F92}"/>
+                </a:ext>
+              </a:extLst>
+            </p:cNvPr>
+            <p:cNvPicPr>
+              <a:picLocks noChangeAspect="1"/>
+            </p:cNvPicPr>
+            <p:nvPr/>
+          </p:nvPicPr>
+          <p:blipFill>
+            <a:blip r:embed="rId3"/>
+            <a:stretch>
+              <a:fillRect/>
+            </a:stretch>
+          </p:blipFill>
+          <p:spPr>
+            <a:xfrm>
+              <a:off x="3340296" y="2210087"/>
+              <a:ext cx="4827660" cy="3592894"/>
+            </a:xfrm>
+            <a:prstGeom prst="rect">
+              <a:avLst/>
+            </a:prstGeom>
+          </p:spPr>
+        </p:pic>
+        <p:sp>
+          <p:nvSpPr>
+            <p:cNvPr id="12" name="TextBox 11">
+              <a:extLst>
+                <a:ext uri="{FF2B5EF4-FFF2-40B4-BE49-F238E27FC236}">
+                  <a16:creationId xmlns:a16="http://schemas.microsoft.com/office/drawing/2014/main" id="{5FA9F178-E182-45BB-8646-5107DB7062F2}"/>
+                </a:ext>
+              </a:extLst>
+            </p:cNvPr>
+            <p:cNvSpPr txBox="1"/>
+            <p:nvPr/>
+          </p:nvSpPr>
+          <p:spPr>
+            <a:xfrm>
+              <a:off x="5457524" y="2694654"/>
+              <a:ext cx="1992429" cy="369332"/>
+            </a:xfrm>
+            <a:prstGeom prst="rect">
+              <a:avLst/>
+            </a:prstGeom>
+            <a:noFill/>
+          </p:spPr>
+          <p:txBody>
+            <a:bodyPr wrap="square">
+              <a:spAutoFit/>
+            </a:bodyPr>
+            <a:lstStyle/>
+            <a:p>
+              <a:r>
+                <a:rPr lang="en-US" spc="-120" dirty="0">
+                  <a:solidFill>
+                    <a:prstClr val="black"/>
+                  </a:solidFill>
+                  <a:latin typeface="Calibri Light" panose="020F0302020204030204"/>
+                  <a:ea typeface="+mj-ea"/>
+                  <a:cs typeface="+mj-cs"/>
+                </a:rPr>
+                <a:t>Best Results:</a:t>
+              </a:r>
+              <a:endParaRPr lang="en-US" sz="1800" spc="-120" dirty="0">
+                <a:solidFill>
+                  <a:prstClr val="black"/>
+                </a:solidFill>
+                <a:latin typeface="Calibri Light" panose="020F0302020204030204"/>
+                <a:ea typeface="+mj-ea"/>
+                <a:cs typeface="+mj-cs"/>
+              </a:endParaRPr>
+            </a:p>
+          </p:txBody>
+        </p:sp>
+        <p:sp>
+          <p:nvSpPr>
+            <p:cNvPr id="14" name="TextBox 13">
+              <a:extLst>
+                <a:ext uri="{FF2B5EF4-FFF2-40B4-BE49-F238E27FC236}">
+                  <a16:creationId xmlns:a16="http://schemas.microsoft.com/office/drawing/2014/main" id="{588C8640-6E44-4EF9-935A-0E737DEB19C7}"/>
+                </a:ext>
+              </a:extLst>
+            </p:cNvPr>
+            <p:cNvSpPr txBox="1"/>
+            <p:nvPr/>
+          </p:nvSpPr>
+          <p:spPr>
+            <a:xfrm>
+              <a:off x="4757911" y="4212875"/>
+              <a:ext cx="1992429" cy="369332"/>
+            </a:xfrm>
+            <a:prstGeom prst="rect">
+              <a:avLst/>
+            </a:prstGeom>
+            <a:noFill/>
+          </p:spPr>
+          <p:txBody>
+            <a:bodyPr wrap="square">
+              <a:spAutoFit/>
+            </a:bodyPr>
+            <a:lstStyle/>
+            <a:p>
+              <a:r>
+                <a:rPr lang="en-US" sz="1800" spc="-120" dirty="0">
+                  <a:solidFill>
+                    <a:prstClr val="black"/>
+                  </a:solidFill>
+                  <a:latin typeface="Calibri Light" panose="020F0302020204030204"/>
+                  <a:ea typeface="+mj-ea"/>
+                  <a:cs typeface="+mj-cs"/>
+                </a:rPr>
+                <a:t>150K</a:t>
+              </a:r>
+            </a:p>
+          </p:txBody>
+        </p:sp>
+        <p:sp>
+          <p:nvSpPr>
+            <p:cNvPr id="16" name="TextBox 15">
+              <a:extLst>
+                <a:ext uri="{FF2B5EF4-FFF2-40B4-BE49-F238E27FC236}">
+                  <a16:creationId xmlns:a16="http://schemas.microsoft.com/office/drawing/2014/main" id="{E58784CB-8AF5-4ABF-85F4-23CDE7634CD1}"/>
+                </a:ext>
+              </a:extLst>
+            </p:cNvPr>
+            <p:cNvSpPr txBox="1"/>
+            <p:nvPr/>
+          </p:nvSpPr>
+          <p:spPr>
+            <a:xfrm>
+              <a:off x="6671734" y="4882100"/>
+              <a:ext cx="1992429" cy="369332"/>
+            </a:xfrm>
+            <a:prstGeom prst="rect">
+              <a:avLst/>
+            </a:prstGeom>
+            <a:noFill/>
+          </p:spPr>
+          <p:txBody>
+            <a:bodyPr wrap="square">
+              <a:spAutoFit/>
+            </a:bodyPr>
+            <a:lstStyle/>
+            <a:p>
+              <a:r>
+                <a:rPr lang="en-US" sz="1800" spc="-120" dirty="0">
+                  <a:solidFill>
+                    <a:prstClr val="black"/>
+                  </a:solidFill>
+                  <a:latin typeface="Calibri Light" panose="020F0302020204030204"/>
+                  <a:ea typeface="+mj-ea"/>
+                  <a:cs typeface="+mj-cs"/>
+                </a:rPr>
+                <a:t>15K</a:t>
+              </a:r>
+            </a:p>
+          </p:txBody>
+        </p:sp>
+      </p:grpSp>
     </p:spTree>
     <p:extLst>
       <p:ext uri="{BB962C8B-B14F-4D97-AF65-F5344CB8AC3E}">
-        <p14:creationId xmlns:p14="http://schemas.microsoft.com/office/powerpoint/2010/main" val="2554375758"/>
+        <p14:creationId xmlns:p14="http://schemas.microsoft.com/office/powerpoint/2010/main" val="1952855963"/>
       </p:ext>
     </p:extLst>
   </p:cSld>
   <p:clrMapOvr>
     <a:masterClrMapping/>
   </p:clrMapOvr>
+  <p:timing>
+    <p:tnLst>
+      <p:par>
+        <p:cTn id="1" dur="indefinite" restart="never" nodeType="tmRoot">
+          <p:childTnLst>
+            <p:seq concurrent="1" nextAc="seek">
+              <p:cTn id="2" dur="indefinite" nodeType="mainSeq">
+                <p:childTnLst>
+                  <p:par>
+                    <p:cTn id="3" fill="hold">
+                      <p:stCondLst>
+                        <p:cond delay="indefinite"/>
+                        <p:cond evt="onBegin" delay="0">
+                          <p:tn val="2"/>
+                        </p:cond>
+                      </p:stCondLst>
+                      <p:childTnLst>
+                        <p:par>
+                          <p:cTn id="4" fill="hold">
+                            <p:stCondLst>
+                              <p:cond delay="0"/>
+                            </p:stCondLst>
+                            <p:childTnLst>
+                              <p:par>
+                                <p:cTn id="5" presetID="1" presetClass="entr" presetSubtype="0" fill="hold" nodeType="withEffect">
+                                  <p:stCondLst>
+                                    <p:cond delay="0"/>
+                                  </p:stCondLst>
+                                  <p:childTnLst>
+                                    <p:set>
+                                      <p:cBhvr>
+                                        <p:cTn id="6" dur="1" fill="hold">
+                                          <p:stCondLst>
+                                            <p:cond delay="0"/>
+                                          </p:stCondLst>
+                                        </p:cTn>
+                                        <p:tgtEl>
+                                          <p:spTgt spid="28"/>
+                                        </p:tgtEl>
+                                        <p:attrNameLst>
+                                          <p:attrName>style.visibility</p:attrName>
+                                        </p:attrNameLst>
+                                      </p:cBhvr>
+                                      <p:to>
+                                        <p:strVal val="visible"/>
+                                      </p:to>
+                                    </p:set>
+                                  </p:childTnLst>
+                                </p:cTn>
+                              </p:par>
+                            </p:childTnLst>
+                          </p:cTn>
+                        </p:par>
+                      </p:childTnLst>
+                    </p:cTn>
+                  </p:par>
+                  <p:par>
+                    <p:cTn id="7" fill="hold">
+                      <p:stCondLst>
+                        <p:cond delay="indefinite"/>
+                      </p:stCondLst>
+                      <p:childTnLst>
+                        <p:par>
+                          <p:cTn id="8" fill="hold">
+                            <p:stCondLst>
+                              <p:cond delay="0"/>
+                            </p:stCondLst>
+                            <p:childTnLst>
+                              <p:par>
+                                <p:cTn id="9" presetID="1" presetClass="entr" presetSubtype="0" fill="hold" nodeType="clickEffect">
+                                  <p:stCondLst>
+                                    <p:cond delay="0"/>
+                                  </p:stCondLst>
+                                  <p:childTnLst>
+                                    <p:set>
+                                      <p:cBhvr>
+                                        <p:cTn id="10" dur="1" fill="hold">
+                                          <p:stCondLst>
+                                            <p:cond delay="0"/>
+                                          </p:stCondLst>
+                                        </p:cTn>
+                                        <p:tgtEl>
+                                          <p:spTgt spid="25"/>
+                                        </p:tgtEl>
+                                        <p:attrNameLst>
+                                          <p:attrName>style.visibility</p:attrName>
+                                        </p:attrNameLst>
+                                      </p:cBhvr>
+                                      <p:to>
+                                        <p:strVal val="visible"/>
+                                      </p:to>
+                                    </p:set>
+                                  </p:childTnLst>
+                                </p:cTn>
+                              </p:par>
+                            </p:childTnLst>
+                          </p:cTn>
+                        </p:par>
+                      </p:childTnLst>
+                    </p:cTn>
+                  </p:par>
+                  <p:par>
+                    <p:cTn id="11" fill="hold">
+                      <p:stCondLst>
+                        <p:cond delay="indefinite"/>
+                      </p:stCondLst>
+                      <p:childTnLst>
+                        <p:par>
+                          <p:cTn id="12" fill="hold">
+                            <p:stCondLst>
+                              <p:cond delay="0"/>
+                            </p:stCondLst>
+                            <p:childTnLst>
+                              <p:par>
+                                <p:cTn id="13" presetID="1" presetClass="entr" presetSubtype="0" fill="hold" nodeType="clickEffect">
+                                  <p:stCondLst>
+                                    <p:cond delay="0"/>
+                                  </p:stCondLst>
+                                  <p:childTnLst>
+                                    <p:set>
+                                      <p:cBhvr>
+                                        <p:cTn id="14" dur="1" fill="hold">
+                                          <p:stCondLst>
+                                            <p:cond delay="0"/>
+                                          </p:stCondLst>
+                                        </p:cTn>
+                                        <p:tgtEl>
+                                          <p:spTgt spid="8"/>
+                                        </p:tgtEl>
+                                        <p:attrNameLst>
+                                          <p:attrName>style.visibility</p:attrName>
+                                        </p:attrNameLst>
+                                      </p:cBhvr>
+                                      <p:to>
+                                        <p:strVal val="visible"/>
+                                      </p:to>
+                                    </p:set>
+                                  </p:childTnLst>
+                                </p:cTn>
+                              </p:par>
+                            </p:childTnLst>
+                          </p:cTn>
+                        </p:par>
+                      </p:childTnLst>
+                    </p:cTn>
+                  </p:par>
+                  <p:par>
+                    <p:cTn id="15" fill="hold">
+                      <p:stCondLst>
+                        <p:cond delay="indefinite"/>
+                      </p:stCondLst>
+                      <p:childTnLst>
+                        <p:par>
+                          <p:cTn id="16" fill="hold">
+                            <p:stCondLst>
+                              <p:cond delay="0"/>
+                            </p:stCondLst>
+                            <p:childTnLst>
+                              <p:par>
+                                <p:cTn id="17" presetID="1" presetClass="entr" presetSubtype="0" fill="hold" nodeType="clickEffect">
+                                  <p:stCondLst>
+                                    <p:cond delay="0"/>
+                                  </p:stCondLst>
+                                  <p:childTnLst>
+                                    <p:set>
+                                      <p:cBhvr>
+                                        <p:cTn id="18" dur="1" fill="hold">
+                                          <p:stCondLst>
+                                            <p:cond delay="0"/>
+                                          </p:stCondLst>
+                                        </p:cTn>
+                                        <p:tgtEl>
+                                          <p:spTgt spid="6"/>
+                                        </p:tgtEl>
+                                        <p:attrNameLst>
+                                          <p:attrName>style.visibility</p:attrName>
+                                        </p:attrNameLst>
+                                      </p:cBhvr>
+                                      <p:to>
+                                        <p:strVal val="visible"/>
+                                      </p:to>
+                                    </p:set>
+                                  </p:childTnLst>
+                                </p:cTn>
+                              </p:par>
+                            </p:childTnLst>
+                          </p:cTn>
+                        </p:par>
+                      </p:childTnLst>
+                    </p:cTn>
+                  </p:par>
+                  <p:par>
+                    <p:cTn id="19" fill="hold">
+                      <p:stCondLst>
+                        <p:cond delay="indefinite"/>
+                      </p:stCondLst>
+                      <p:childTnLst>
+                        <p:par>
+                          <p:cTn id="20" fill="hold">
+                            <p:stCondLst>
+                              <p:cond delay="0"/>
+                            </p:stCondLst>
+                            <p:childTnLst>
+                              <p:par>
+                                <p:cTn id="21" presetID="1" presetClass="entr" presetSubtype="0" fill="hold" nodeType="clickEffect">
+                                  <p:stCondLst>
+                                    <p:cond delay="0"/>
+                                  </p:stCondLst>
+                                  <p:childTnLst>
+                                    <p:set>
+                                      <p:cBhvr>
+                                        <p:cTn id="22" dur="1" fill="hold">
+                                          <p:stCondLst>
+                                            <p:cond delay="0"/>
+                                          </p:stCondLst>
+                                        </p:cTn>
+                                        <p:tgtEl>
+                                          <p:spTgt spid="5"/>
+                                        </p:tgtEl>
+                                        <p:attrNameLst>
+                                          <p:attrName>style.visibility</p:attrName>
+                                        </p:attrNameLst>
+                                      </p:cBhvr>
+                                      <p:to>
+                                        <p:strVal val="visible"/>
+                                      </p:to>
+                                    </p:set>
+                                  </p:childTnLst>
+                                </p:cTn>
+                              </p:par>
+                            </p:childTnLst>
+                          </p:cTn>
+                        </p:par>
+                      </p:childTnLst>
+                    </p:cTn>
+                  </p:par>
+                </p:childTnLst>
+              </p:cTn>
+              <p:prevCondLst>
+                <p:cond evt="onPrev" delay="0">
+                  <p:tgtEl>
+                    <p:sldTgt/>
+                  </p:tgtEl>
+                </p:cond>
+              </p:prevCondLst>
+              <p:nextCondLst>
+                <p:cond evt="onNext" delay="0">
+                  <p:tgtEl>
+                    <p:sldTgt/>
+                  </p:tgtEl>
+                </p:cond>
+              </p:nextCondLst>
+            </p:seq>
+          </p:childTnLst>
+        </p:cTn>
+      </p:par>
+    </p:tnLst>
+  </p:timing>
 </p:sld>
 </file>
 
@@ -9487,7 +10591,7 @@
                   <a:srgbClr val="FFFFFF"/>
                 </a:solidFill>
               </a:rPr>
-              <a:t>DATA PREPARATION – Cumulative Feature Importance 	</a:t>
+              <a:t>DATA PREPARATION – Feature Importance 	</a:t>
             </a:r>
             <a:endParaRPr lang="en-GB" sz="4000" dirty="0">
               <a:solidFill>
@@ -9512,7 +10616,7 @@
         <p:spPr>
           <a:xfrm>
             <a:off x="1120604" y="2103332"/>
-            <a:ext cx="9950791" cy="1384995"/>
+            <a:ext cx="9950791" cy="954107"/>
           </a:xfrm>
           <a:prstGeom prst="rect">
             <a:avLst/>
@@ -9534,7 +10638,29 @@
                 <a:ea typeface="+mj-ea"/>
                 <a:cs typeface="+mj-cs"/>
               </a:rPr>
-              <a:t>Removed 22 features from 45 since they weren’t adding any value to the model</a:t>
+              <a:t>Used </a:t>
+            </a:r>
+            <a:r>
+              <a:rPr lang="en-US" sz="2800" spc="-120" dirty="0" err="1">
+                <a:solidFill>
+                  <a:prstClr val="black"/>
+                </a:solidFill>
+                <a:latin typeface="Calibri Light" panose="020F0302020204030204"/>
+                <a:ea typeface="+mj-ea"/>
+                <a:cs typeface="+mj-cs"/>
+              </a:rPr>
+              <a:t>LightGBM</a:t>
+            </a:r>
+            <a:r>
+              <a:rPr lang="en-US" sz="2800" spc="-120" dirty="0">
+                <a:solidFill>
+                  <a:prstClr val="black"/>
+                </a:solidFill>
+                <a:latin typeface="Calibri Light" panose="020F0302020204030204"/>
+                <a:ea typeface="+mj-ea"/>
+                <a:cs typeface="+mj-cs"/>
+              </a:rPr>
+              <a:t> to extract Feature Importance</a:t>
             </a:r>
           </a:p>
           <a:p>
@@ -9551,10 +10677,10 @@
       </p:sp>
       <p:pic>
         <p:nvPicPr>
-          <p:cNvPr id="4" name="Picture 3">
+          <p:cNvPr id="3" name="Picture 2">
             <a:extLst>
               <a:ext uri="{FF2B5EF4-FFF2-40B4-BE49-F238E27FC236}">
-                <a16:creationId xmlns:a16="http://schemas.microsoft.com/office/drawing/2014/main" id="{D67B57C9-658A-4DBF-9515-C05E7978770F}"/>
+                <a16:creationId xmlns:a16="http://schemas.microsoft.com/office/drawing/2014/main" id="{FB3CFD7E-2AFD-4F11-BD31-6D4500000DD6}"/>
               </a:ext>
             </a:extLst>
           </p:cNvPr>
@@ -9571,8 +10697,8 @@
         </p:blipFill>
         <p:spPr>
           <a:xfrm>
-            <a:off x="3510138" y="2690237"/>
-            <a:ext cx="4965202" cy="3630175"/>
+            <a:off x="2375910" y="2735579"/>
+            <a:ext cx="7440178" cy="3720089"/>
           </a:xfrm>
           <a:prstGeom prst="rect">
             <a:avLst/>
@@ -9582,7 +10708,7 @@
     </p:spTree>
     <p:extLst>
       <p:ext uri="{BB962C8B-B14F-4D97-AF65-F5344CB8AC3E}">
-        <p14:creationId xmlns:p14="http://schemas.microsoft.com/office/powerpoint/2010/main" val="1933927762"/>
+        <p14:creationId xmlns:p14="http://schemas.microsoft.com/office/powerpoint/2010/main" val="2554375758"/>
       </p:ext>
     </p:extLst>
   </p:cSld>
@@ -9708,62 +10834,102 @@
                   <a:srgbClr val="FFFFFF"/>
                 </a:solidFill>
               </a:rPr>
-              <a:t>DATA MODELLING – Final Model Diagram</a:t>
-            </a:r>
+              <a:t>DATA PREPARATION – Cumulative Feature Importance 	</a:t>
+            </a:r>
+            <a:endParaRPr lang="en-GB" sz="4000" dirty="0">
+              <a:solidFill>
+                <a:srgbClr val="FFFFFF"/>
+              </a:solidFill>
+            </a:endParaRPr>
           </a:p>
         </p:txBody>
       </p:sp>
-      <p:pic>
-        <p:nvPicPr>
-          <p:cNvPr id="10252" name="Picture 12">
+      <p:sp>
+        <p:nvSpPr>
+          <p:cNvPr id="10" name="TextBox 9">
             <a:extLst>
               <a:ext uri="{FF2B5EF4-FFF2-40B4-BE49-F238E27FC236}">
-                <a16:creationId xmlns:a16="http://schemas.microsoft.com/office/drawing/2014/main" id="{7C593522-3396-4752-9CF8-B34E8130358C}"/>
+                <a16:creationId xmlns:a16="http://schemas.microsoft.com/office/drawing/2014/main" id="{756F8E5B-1EA2-42DF-B9DD-C15A8F82FC7F}"/>
               </a:ext>
             </a:extLst>
           </p:cNvPr>
-          <p:cNvPicPr>
-            <a:picLocks noChangeAspect="1" noChangeArrowheads="1"/>
-          </p:cNvPicPr>
+          <p:cNvSpPr txBox="1"/>
           <p:nvPr/>
-        </p:nvPicPr>
-        <p:blipFill>
-          <a:blip r:embed="rId2">
-            <a:extLst>
-              <a:ext uri="{28A0092B-C50C-407E-A947-70E740481C1C}">
-                <a14:useLocalDpi xmlns:a14="http://schemas.microsoft.com/office/drawing/2010/main" val="0"/>
-              </a:ext>
-            </a:extLst>
-          </a:blip>
-          <a:srcRect/>
-          <a:stretch>
-            <a:fillRect/>
-          </a:stretch>
-        </p:blipFill>
-        <p:spPr bwMode="auto">
+        </p:nvSpPr>
+        <p:spPr>
           <a:xfrm>
-            <a:off x="1638826" y="1682496"/>
-            <a:ext cx="8914347" cy="4089083"/>
+            <a:off x="1120604" y="2103332"/>
+            <a:ext cx="9950791" cy="1384995"/>
           </a:xfrm>
           <a:prstGeom prst="rect">
             <a:avLst/>
           </a:prstGeom>
           <a:noFill/>
-          <a:extLst>
-            <a:ext uri="{909E8E84-426E-40DD-AFC4-6F175D3DCCD1}">
-              <a14:hiddenFill xmlns:a14="http://schemas.microsoft.com/office/drawing/2010/main">
-                <a:solidFill>
-                  <a:srgbClr val="FFFFFF"/>
-                </a:solidFill>
-              </a14:hiddenFill>
-            </a:ext>
-          </a:extLst>
+        </p:spPr>
+        <p:txBody>
+          <a:bodyPr wrap="square" rtlCol="0">
+            <a:spAutoFit/>
+          </a:bodyPr>
+          <a:lstStyle/>
+          <a:p>
+            <a:r>
+              <a:rPr lang="en-US" sz="2800" spc="-120" dirty="0">
+                <a:solidFill>
+                  <a:prstClr val="black"/>
+                </a:solidFill>
+                <a:latin typeface="Calibri Light" panose="020F0302020204030204"/>
+                <a:ea typeface="+mj-ea"/>
+                <a:cs typeface="+mj-cs"/>
+              </a:rPr>
+              <a:t>Removed 22 features from 45 since they weren’t adding any value to the model</a:t>
+            </a:r>
+          </a:p>
+          <a:p>
+            <a:endParaRPr lang="en-US" sz="2800" spc="-120" dirty="0">
+              <a:solidFill>
+                <a:prstClr val="black"/>
+              </a:solidFill>
+              <a:latin typeface="Calibri Light" panose="020F0302020204030204"/>
+              <a:ea typeface="+mj-ea"/>
+              <a:cs typeface="+mj-cs"/>
+            </a:endParaRPr>
+          </a:p>
+        </p:txBody>
+      </p:sp>
+      <p:pic>
+        <p:nvPicPr>
+          <p:cNvPr id="4" name="Picture 3">
+            <a:extLst>
+              <a:ext uri="{FF2B5EF4-FFF2-40B4-BE49-F238E27FC236}">
+                <a16:creationId xmlns:a16="http://schemas.microsoft.com/office/drawing/2014/main" id="{D67B57C9-658A-4DBF-9515-C05E7978770F}"/>
+              </a:ext>
+            </a:extLst>
+          </p:cNvPr>
+          <p:cNvPicPr>
+            <a:picLocks noChangeAspect="1"/>
+          </p:cNvPicPr>
+          <p:nvPr/>
+        </p:nvPicPr>
+        <p:blipFill>
+          <a:blip r:embed="rId2"/>
+          <a:stretch>
+            <a:fillRect/>
+          </a:stretch>
+        </p:blipFill>
+        <p:spPr>
+          <a:xfrm>
+            <a:off x="3510138" y="2690237"/>
+            <a:ext cx="4965202" cy="3630175"/>
+          </a:xfrm>
+          <a:prstGeom prst="rect">
+            <a:avLst/>
+          </a:prstGeom>
         </p:spPr>
       </p:pic>
     </p:spTree>
     <p:extLst>
       <p:ext uri="{BB962C8B-B14F-4D97-AF65-F5344CB8AC3E}">
-        <p14:creationId xmlns:p14="http://schemas.microsoft.com/office/powerpoint/2010/main" val="2389926805"/>
+        <p14:creationId xmlns:p14="http://schemas.microsoft.com/office/powerpoint/2010/main" val="1933927762"/>
       </p:ext>
     </p:extLst>
   </p:cSld>
@@ -9889,136 +11055,109 @@
                   <a:srgbClr val="FFFFFF"/>
                 </a:solidFill>
               </a:rPr>
-              <a:t>DATA MODELLING – Ensemble Learning</a:t>
+              <a:t>DATA MODELLING – Final Model Diagram</a:t>
             </a:r>
           </a:p>
         </p:txBody>
       </p:sp>
-      <p:sp>
-        <p:nvSpPr>
-          <p:cNvPr id="5" name="TextBox 4">
+      <p:pic>
+        <p:nvPicPr>
+          <p:cNvPr id="10252" name="Picture 12">
             <a:extLst>
               <a:ext uri="{FF2B5EF4-FFF2-40B4-BE49-F238E27FC236}">
-                <a16:creationId xmlns:a16="http://schemas.microsoft.com/office/drawing/2014/main" id="{FB21CF64-73EC-4974-AA58-D746D3421BF5}"/>
+                <a16:creationId xmlns:a16="http://schemas.microsoft.com/office/drawing/2014/main" id="{7C593522-3396-4752-9CF8-B34E8130358C}"/>
               </a:ext>
             </a:extLst>
           </p:cNvPr>
-          <p:cNvSpPr txBox="1"/>
+          <p:cNvPicPr>
+            <a:picLocks noChangeAspect="1" noChangeArrowheads="1"/>
+          </p:cNvPicPr>
           <p:nvPr/>
-        </p:nvSpPr>
-        <p:spPr>
+        </p:nvPicPr>
+        <p:blipFill>
+          <a:blip r:embed="rId2">
+            <a:extLst>
+              <a:ext uri="{28A0092B-C50C-407E-A947-70E740481C1C}">
+                <a14:useLocalDpi xmlns:a14="http://schemas.microsoft.com/office/drawing/2010/main" val="0"/>
+              </a:ext>
+            </a:extLst>
+          </a:blip>
+          <a:srcRect/>
+          <a:stretch>
+            <a:fillRect/>
+          </a:stretch>
+        </p:blipFill>
+        <p:spPr bwMode="auto">
           <a:xfrm>
-            <a:off x="1120604" y="2103332"/>
-            <a:ext cx="9950791" cy="3108543"/>
+            <a:off x="1989260" y="2361754"/>
+            <a:ext cx="6831365" cy="3133602"/>
           </a:xfrm>
           <a:prstGeom prst="rect">
             <a:avLst/>
           </a:prstGeom>
           <a:noFill/>
+          <a:extLst>
+            <a:ext uri="{909E8E84-426E-40DD-AFC4-6F175D3DCCD1}">
+              <a14:hiddenFill xmlns:a14="http://schemas.microsoft.com/office/drawing/2010/main">
+                <a:solidFill>
+                  <a:srgbClr val="FFFFFF"/>
+                </a:solidFill>
+              </a14:hiddenFill>
+            </a:ext>
+          </a:extLst>
         </p:spPr>
-        <p:txBody>
-          <a:bodyPr wrap="square" rtlCol="0">
-            <a:spAutoFit/>
-          </a:bodyPr>
-          <a:lstStyle/>
-          <a:p>
-            <a:pPr marL="457200" indent="-457200">
-              <a:buFont typeface="Arial" panose="020B0604020202020204" pitchFamily="34" charset="0"/>
-              <a:buChar char="•"/>
-            </a:pPr>
-            <a:r>
-              <a:rPr lang="en-US" sz="2800" spc="-120" dirty="0">
-                <a:solidFill>
-                  <a:prstClr val="black"/>
-                </a:solidFill>
-                <a:latin typeface="Calibri Light" panose="020F0302020204030204"/>
-                <a:ea typeface="+mj-ea"/>
-                <a:cs typeface="+mj-cs"/>
-              </a:rPr>
-              <a:t>6 different Machine Learning Model has been trained.</a:t>
-            </a:r>
-          </a:p>
-          <a:p>
-            <a:r>
-              <a:rPr lang="en-US" sz="2800" spc="-120" dirty="0">
-                <a:solidFill>
-                  <a:prstClr val="black"/>
-                </a:solidFill>
-                <a:latin typeface="Calibri Light" panose="020F0302020204030204"/>
-                <a:ea typeface="+mj-ea"/>
-                <a:cs typeface="+mj-cs"/>
-              </a:rPr>
-              <a:t>Each one of them might be good at capturing some of the data.</a:t>
-            </a:r>
-          </a:p>
-          <a:p>
-            <a:pPr marL="457200" indent="-457200">
-              <a:buFont typeface="Arial" panose="020B0604020202020204" pitchFamily="34" charset="0"/>
-              <a:buChar char="•"/>
-            </a:pPr>
-            <a:endParaRPr lang="en-US" sz="2800" spc="-120" dirty="0">
-              <a:solidFill>
-                <a:prstClr val="black"/>
-              </a:solidFill>
-              <a:latin typeface="Calibri Light" panose="020F0302020204030204"/>
-              <a:ea typeface="+mj-ea"/>
-              <a:cs typeface="+mj-cs"/>
-            </a:endParaRPr>
-          </a:p>
-          <a:p>
-            <a:pPr marL="457200" indent="-457200">
-              <a:buFont typeface="Arial" panose="020B0604020202020204" pitchFamily="34" charset="0"/>
-              <a:buChar char="•"/>
-            </a:pPr>
-            <a:r>
-              <a:rPr lang="en-US" sz="2800" spc="-120" dirty="0">
-                <a:solidFill>
-                  <a:prstClr val="black"/>
-                </a:solidFill>
-                <a:latin typeface="Calibri Light" panose="020F0302020204030204"/>
-                <a:ea typeface="+mj-ea"/>
-                <a:cs typeface="+mj-cs"/>
-              </a:rPr>
-              <a:t>Therefore, we get 6 predictions for each example.</a:t>
-            </a:r>
-          </a:p>
-          <a:p>
-            <a:pPr marL="457200" indent="-457200">
-              <a:buFont typeface="Arial" panose="020B0604020202020204" pitchFamily="34" charset="0"/>
-              <a:buChar char="•"/>
-            </a:pPr>
-            <a:endParaRPr lang="en-US" sz="2800" spc="-120" dirty="0">
-              <a:solidFill>
-                <a:prstClr val="black"/>
-              </a:solidFill>
-              <a:latin typeface="Calibri Light" panose="020F0302020204030204"/>
-              <a:ea typeface="+mj-ea"/>
-              <a:cs typeface="+mj-cs"/>
-            </a:endParaRPr>
-          </a:p>
-          <a:p>
-            <a:pPr marL="457200" indent="-457200">
-              <a:buFont typeface="Arial" panose="020B0604020202020204" pitchFamily="34" charset="0"/>
-              <a:buChar char="•"/>
-            </a:pPr>
-            <a:r>
-              <a:rPr lang="en-US" sz="2800" spc="-120" dirty="0">
-                <a:solidFill>
-                  <a:prstClr val="black"/>
-                </a:solidFill>
-                <a:latin typeface="Calibri Light" panose="020F0302020204030204"/>
-                <a:ea typeface="+mj-ea"/>
-                <a:cs typeface="+mj-cs"/>
-              </a:rPr>
-              <a:t>On top of that 6 models, there is one final model which decides the final prediction for that example. This is called “Stacking”</a:t>
-            </a:r>
-          </a:p>
-        </p:txBody>
-      </p:sp>
+      </p:pic>
+      <p:pic>
+        <p:nvPicPr>
+          <p:cNvPr id="2050" name="Picture 2">
+            <a:extLst>
+              <a:ext uri="{FF2B5EF4-FFF2-40B4-BE49-F238E27FC236}">
+                <a16:creationId xmlns:a16="http://schemas.microsoft.com/office/drawing/2014/main" id="{5BBB17D1-0BAB-4D93-B850-44765E863EAF}"/>
+              </a:ext>
+            </a:extLst>
+          </p:cNvPr>
+          <p:cNvPicPr>
+            <a:picLocks noChangeAspect="1" noChangeArrowheads="1"/>
+          </p:cNvPicPr>
+          <p:nvPr/>
+        </p:nvPicPr>
+        <p:blipFill>
+          <a:blip r:embed="rId3">
+            <a:extLst>
+              <a:ext uri="{28A0092B-C50C-407E-A947-70E740481C1C}">
+                <a14:useLocalDpi xmlns:a14="http://schemas.microsoft.com/office/drawing/2010/main" val="0"/>
+              </a:ext>
+            </a:extLst>
+          </a:blip>
+          <a:srcRect/>
+          <a:stretch>
+            <a:fillRect/>
+          </a:stretch>
+        </p:blipFill>
+        <p:spPr bwMode="auto">
+          <a:xfrm>
+            <a:off x="1260910" y="1597701"/>
+            <a:ext cx="8927080" cy="4474489"/>
+          </a:xfrm>
+          <a:prstGeom prst="rect">
+            <a:avLst/>
+          </a:prstGeom>
+          <a:noFill/>
+          <a:extLst>
+            <a:ext uri="{909E8E84-426E-40DD-AFC4-6F175D3DCCD1}">
+              <a14:hiddenFill xmlns:a14="http://schemas.microsoft.com/office/drawing/2010/main">
+                <a:solidFill>
+                  <a:srgbClr val="FFFFFF"/>
+                </a:solidFill>
+              </a14:hiddenFill>
+            </a:ext>
+          </a:extLst>
+        </p:spPr>
+      </p:pic>
     </p:spTree>
     <p:extLst>
       <p:ext uri="{BB962C8B-B14F-4D97-AF65-F5344CB8AC3E}">
-        <p14:creationId xmlns:p14="http://schemas.microsoft.com/office/powerpoint/2010/main" val="2000242994"/>
+        <p14:creationId xmlns:p14="http://schemas.microsoft.com/office/powerpoint/2010/main" val="2389926805"/>
       </p:ext>
     </p:extLst>
   </p:cSld>
@@ -10144,7 +11283,346 @@
                   <a:srgbClr val="FFFFFF"/>
                 </a:solidFill>
               </a:rPr>
-              <a:t>MODEL ASSESSMENT</a:t>
+              <a:t>DATA MODELLING – Ensemble Learning</a:t>
+            </a:r>
+          </a:p>
+        </p:txBody>
+      </p:sp>
+      <p:sp>
+        <p:nvSpPr>
+          <p:cNvPr id="5" name="TextBox 4">
+            <a:extLst>
+              <a:ext uri="{FF2B5EF4-FFF2-40B4-BE49-F238E27FC236}">
+                <a16:creationId xmlns:a16="http://schemas.microsoft.com/office/drawing/2014/main" id="{FB21CF64-73EC-4974-AA58-D746D3421BF5}"/>
+              </a:ext>
+            </a:extLst>
+          </p:cNvPr>
+          <p:cNvSpPr txBox="1"/>
+          <p:nvPr/>
+        </p:nvSpPr>
+        <p:spPr>
+          <a:xfrm>
+            <a:off x="1120604" y="2103332"/>
+            <a:ext cx="9950791" cy="4401205"/>
+          </a:xfrm>
+          <a:prstGeom prst="rect">
+            <a:avLst/>
+          </a:prstGeom>
+          <a:noFill/>
+        </p:spPr>
+        <p:txBody>
+          <a:bodyPr wrap="square" rtlCol="0">
+            <a:spAutoFit/>
+          </a:bodyPr>
+          <a:lstStyle/>
+          <a:p>
+            <a:pPr marL="457200" indent="-457200">
+              <a:buFont typeface="Arial" panose="020B0604020202020204" pitchFamily="34" charset="0"/>
+              <a:buChar char="•"/>
+            </a:pPr>
+            <a:r>
+              <a:rPr lang="en-US" sz="2800" spc="-120" dirty="0">
+                <a:solidFill>
+                  <a:prstClr val="black"/>
+                </a:solidFill>
+                <a:latin typeface="Calibri Light" panose="020F0302020204030204"/>
+                <a:ea typeface="+mj-ea"/>
+                <a:cs typeface="+mj-cs"/>
+              </a:rPr>
+              <a:t>6 different model has been </a:t>
+            </a:r>
+            <a:r>
+              <a:rPr lang="en-US" sz="2800" spc="-120" dirty="0" err="1">
+                <a:solidFill>
+                  <a:prstClr val="black"/>
+                </a:solidFill>
+                <a:latin typeface="Calibri Light" panose="020F0302020204030204"/>
+                <a:ea typeface="+mj-ea"/>
+                <a:cs typeface="+mj-cs"/>
+              </a:rPr>
+              <a:t>trained.Each</a:t>
+            </a:r>
+            <a:r>
+              <a:rPr lang="en-US" sz="2800" spc="-120" dirty="0">
+                <a:solidFill>
+                  <a:prstClr val="black"/>
+                </a:solidFill>
+                <a:latin typeface="Calibri Light" panose="020F0302020204030204"/>
+                <a:ea typeface="+mj-ea"/>
+                <a:cs typeface="+mj-cs"/>
+              </a:rPr>
+              <a:t> one of them might be good at capturing some of the data.</a:t>
+            </a:r>
+          </a:p>
+          <a:p>
+            <a:pPr marL="457200" indent="-457200">
+              <a:buFont typeface="Arial" panose="020B0604020202020204" pitchFamily="34" charset="0"/>
+              <a:buChar char="•"/>
+            </a:pPr>
+            <a:endParaRPr lang="en-US" sz="2800" spc="-120" dirty="0">
+              <a:solidFill>
+                <a:prstClr val="black"/>
+              </a:solidFill>
+              <a:latin typeface="Calibri Light" panose="020F0302020204030204"/>
+              <a:ea typeface="+mj-ea"/>
+              <a:cs typeface="+mj-cs"/>
+            </a:endParaRPr>
+          </a:p>
+          <a:p>
+            <a:pPr marL="457200" indent="-457200">
+              <a:buFont typeface="Arial" panose="020B0604020202020204" pitchFamily="34" charset="0"/>
+              <a:buChar char="•"/>
+            </a:pPr>
+            <a:r>
+              <a:rPr lang="en-US" sz="2800" b="1" spc="-120" dirty="0">
+                <a:solidFill>
+                  <a:prstClr val="black"/>
+                </a:solidFill>
+                <a:latin typeface="Calibri Light" panose="020F0302020204030204"/>
+                <a:ea typeface="+mj-ea"/>
+                <a:cs typeface="+mj-cs"/>
+              </a:rPr>
+              <a:t>6 predictions </a:t>
+            </a:r>
+            <a:r>
+              <a:rPr lang="en-US" sz="2800" spc="-120" dirty="0">
+                <a:solidFill>
+                  <a:prstClr val="black"/>
+                </a:solidFill>
+                <a:latin typeface="Calibri Light" panose="020F0302020204030204"/>
+                <a:ea typeface="+mj-ea"/>
+                <a:cs typeface="+mj-cs"/>
+              </a:rPr>
+              <a:t>for each example.</a:t>
+            </a:r>
+          </a:p>
+          <a:p>
+            <a:pPr marL="457200" indent="-457200">
+              <a:buFont typeface="Arial" panose="020B0604020202020204" pitchFamily="34" charset="0"/>
+              <a:buChar char="•"/>
+            </a:pPr>
+            <a:endParaRPr lang="en-US" sz="2800" spc="-120" dirty="0">
+              <a:solidFill>
+                <a:prstClr val="black"/>
+              </a:solidFill>
+              <a:latin typeface="Calibri Light" panose="020F0302020204030204"/>
+              <a:ea typeface="+mj-ea"/>
+              <a:cs typeface="+mj-cs"/>
+            </a:endParaRPr>
+          </a:p>
+          <a:p>
+            <a:pPr marL="457200" indent="-457200">
+              <a:buFont typeface="Arial" panose="020B0604020202020204" pitchFamily="34" charset="0"/>
+              <a:buChar char="•"/>
+            </a:pPr>
+            <a:r>
+              <a:rPr lang="en-US" sz="2800" spc="-120" dirty="0">
+                <a:solidFill>
+                  <a:prstClr val="black"/>
+                </a:solidFill>
+                <a:latin typeface="Calibri Light" panose="020F0302020204030204"/>
+                <a:ea typeface="+mj-ea"/>
+                <a:cs typeface="+mj-cs"/>
+              </a:rPr>
+              <a:t>On top of that 6 models, one linear regression model which decides the final prediction. This is called </a:t>
+            </a:r>
+            <a:r>
+              <a:rPr lang="en-US" sz="2800" b="1" spc="-120" dirty="0">
+                <a:solidFill>
+                  <a:prstClr val="black"/>
+                </a:solidFill>
+                <a:latin typeface="Calibri Light" panose="020F0302020204030204"/>
+                <a:ea typeface="+mj-ea"/>
+                <a:cs typeface="+mj-cs"/>
+              </a:rPr>
+              <a:t>“Stacking”</a:t>
+            </a:r>
+          </a:p>
+          <a:p>
+            <a:pPr marL="457200" indent="-457200">
+              <a:buFont typeface="Arial" panose="020B0604020202020204" pitchFamily="34" charset="0"/>
+              <a:buChar char="•"/>
+            </a:pPr>
+            <a:endParaRPr lang="en-US" sz="2800" b="1" spc="-120" dirty="0">
+              <a:solidFill>
+                <a:prstClr val="black"/>
+              </a:solidFill>
+              <a:latin typeface="Calibri Light" panose="020F0302020204030204"/>
+              <a:ea typeface="+mj-ea"/>
+              <a:cs typeface="+mj-cs"/>
+            </a:endParaRPr>
+          </a:p>
+          <a:p>
+            <a:pPr marL="457200" indent="-457200">
+              <a:buFont typeface="Arial" panose="020B0604020202020204" pitchFamily="34" charset="0"/>
+              <a:buChar char="•"/>
+            </a:pPr>
+            <a:r>
+              <a:rPr lang="en-US" sz="2800" spc="-120" dirty="0">
+                <a:solidFill>
+                  <a:prstClr val="black"/>
+                </a:solidFill>
+                <a:latin typeface="Calibri Light" panose="020F0302020204030204"/>
+                <a:ea typeface="+mj-ea"/>
+                <a:cs typeface="+mj-cs"/>
+              </a:rPr>
+              <a:t>Disadvantage: </a:t>
+            </a:r>
+            <a:r>
+              <a:rPr lang="en-US" sz="2800" b="1" spc="-120" dirty="0">
+                <a:solidFill>
+                  <a:prstClr val="black"/>
+                </a:solidFill>
+                <a:latin typeface="Calibri Light" panose="020F0302020204030204"/>
+                <a:ea typeface="+mj-ea"/>
+                <a:cs typeface="+mj-cs"/>
+              </a:rPr>
+              <a:t>Takes long time to compute </a:t>
+            </a:r>
+            <a:r>
+              <a:rPr lang="en-US" sz="2800" spc="-120" dirty="0">
+                <a:solidFill>
+                  <a:prstClr val="black"/>
+                </a:solidFill>
+                <a:latin typeface="Calibri Light" panose="020F0302020204030204"/>
+                <a:ea typeface="+mj-ea"/>
+                <a:cs typeface="+mj-cs"/>
+              </a:rPr>
+              <a:t>prediction for 6 different models.</a:t>
+            </a:r>
+          </a:p>
+        </p:txBody>
+      </p:sp>
+    </p:spTree>
+    <p:extLst>
+      <p:ext uri="{BB962C8B-B14F-4D97-AF65-F5344CB8AC3E}">
+        <p14:creationId xmlns:p14="http://schemas.microsoft.com/office/powerpoint/2010/main" val="2000242994"/>
+      </p:ext>
+    </p:extLst>
+  </p:cSld>
+  <p:clrMapOvr>
+    <a:masterClrMapping/>
+  </p:clrMapOvr>
+</p:sld>
+</file>
+
+<file path=ppt/slides/slide25.xml><?xml version="1.0" encoding="utf-8"?>
+<p:sld xmlns:a="http://schemas.openxmlformats.org/drawingml/2006/main" xmlns:r="http://schemas.openxmlformats.org/officeDocument/2006/relationships" xmlns:p="http://schemas.openxmlformats.org/presentationml/2006/main">
+  <p:cSld>
+    <p:spTree>
+      <p:nvGrpSpPr>
+        <p:cNvPr id="1" name=""/>
+        <p:cNvGrpSpPr/>
+        <p:nvPr/>
+      </p:nvGrpSpPr>
+      <p:grpSpPr>
+        <a:xfrm>
+          <a:off x="0" y="0"/>
+          <a:ext cx="0" cy="0"/>
+          <a:chOff x="0" y="0"/>
+          <a:chExt cx="0" cy="0"/>
+        </a:xfrm>
+      </p:grpSpPr>
+      <p:sp>
+        <p:nvSpPr>
+          <p:cNvPr id="20" name="Rectangle 19">
+            <a:extLst>
+              <a:ext uri="{FF2B5EF4-FFF2-40B4-BE49-F238E27FC236}">
+                <a16:creationId xmlns:a16="http://schemas.microsoft.com/office/drawing/2014/main" id="{434167B2-1F65-408D-9233-EF10B5990B6E}"/>
+              </a:ext>
+            </a:extLst>
+          </p:cNvPr>
+          <p:cNvSpPr/>
+          <p:nvPr/>
+        </p:nvSpPr>
+        <p:spPr>
+          <a:xfrm>
+            <a:off x="0" y="0"/>
+            <a:ext cx="12192000" cy="1334278"/>
+          </a:xfrm>
+          <a:prstGeom prst="rect">
+            <a:avLst/>
+          </a:prstGeom>
+        </p:spPr>
+        <p:style>
+          <a:lnRef idx="2">
+            <a:schemeClr val="accent1">
+              <a:shade val="50000"/>
+            </a:schemeClr>
+          </a:lnRef>
+          <a:fillRef idx="1">
+            <a:schemeClr val="accent1"/>
+          </a:fillRef>
+          <a:effectRef idx="0">
+            <a:schemeClr val="accent1"/>
+          </a:effectRef>
+          <a:fontRef idx="minor">
+            <a:schemeClr val="lt1"/>
+          </a:fontRef>
+        </p:style>
+        <p:txBody>
+          <a:bodyPr rtlCol="0" anchor="ctr"/>
+          <a:lstStyle/>
+          <a:p>
+            <a:pPr algn="ctr"/>
+            <a:endParaRPr lang="en-GB" dirty="0"/>
+          </a:p>
+        </p:txBody>
+      </p:sp>
+      <p:sp>
+        <p:nvSpPr>
+          <p:cNvPr id="9" name="Title 6">
+            <a:extLst>
+              <a:ext uri="{FF2B5EF4-FFF2-40B4-BE49-F238E27FC236}">
+                <a16:creationId xmlns:a16="http://schemas.microsoft.com/office/drawing/2014/main" id="{F5FB2926-5769-4612-9884-4A0888903E66}"/>
+              </a:ext>
+            </a:extLst>
+          </p:cNvPr>
+          <p:cNvSpPr txBox="1">
+            <a:spLocks/>
+          </p:cNvSpPr>
+          <p:nvPr/>
+        </p:nvSpPr>
+        <p:spPr>
+          <a:xfrm>
+            <a:off x="266229" y="0"/>
+            <a:ext cx="11453020" cy="1334278"/>
+          </a:xfrm>
+          <a:prstGeom prst="rect">
+            <a:avLst/>
+          </a:prstGeom>
+        </p:spPr>
+        <p:txBody>
+          <a:bodyPr vert="horz" lIns="91440" tIns="45720" rIns="91440" bIns="45720" rtlCol="0" anchor="ctr">
+            <a:normAutofit/>
+          </a:bodyPr>
+          <a:lstStyle>
+            <a:lvl1pPr algn="l" defTabSz="914400" rtl="0" eaLnBrk="1" latinLnBrk="0" hangingPunct="1">
+              <a:lnSpc>
+                <a:spcPct val="80000"/>
+              </a:lnSpc>
+              <a:spcBef>
+                <a:spcPct val="0"/>
+              </a:spcBef>
+              <a:buNone/>
+              <a:defRPr sz="8800" b="0" kern="1200" spc="-120" baseline="0">
+                <a:solidFill>
+                  <a:schemeClr val="accent1"/>
+                </a:solidFill>
+                <a:latin typeface="+mj-lt"/>
+                <a:ea typeface="+mj-ea"/>
+                <a:cs typeface="+mj-cs"/>
+              </a:defRPr>
+            </a:lvl1pPr>
+          </a:lstStyle>
+          <a:p>
+            <a:r>
+              <a:rPr lang="en-US" sz="4000" dirty="0">
+                <a:solidFill>
+                  <a:srgbClr val="FFFFFF"/>
+                </a:solidFill>
+              </a:rPr>
+              <a:t>MODEL ASSESSMENT – Confusion Matrix / ROC CURVE</a:t>
             </a:r>
             <a:endParaRPr lang="en-GB" sz="4000" dirty="0">
               <a:solidFill>
@@ -10210,6 +11688,303 @@
           </a:p>
         </p:txBody>
       </p:sp>
+      <p:pic>
+        <p:nvPicPr>
+          <p:cNvPr id="3" name="Picture 2">
+            <a:extLst>
+              <a:ext uri="{FF2B5EF4-FFF2-40B4-BE49-F238E27FC236}">
+                <a16:creationId xmlns:a16="http://schemas.microsoft.com/office/drawing/2014/main" id="{BA1B6FAE-1892-4866-B54B-2744B81FB64E}"/>
+              </a:ext>
+            </a:extLst>
+          </p:cNvPr>
+          <p:cNvPicPr>
+            <a:picLocks noChangeAspect="1"/>
+          </p:cNvPicPr>
+          <p:nvPr/>
+        </p:nvPicPr>
+        <p:blipFill>
+          <a:blip r:embed="rId2"/>
+          <a:stretch>
+            <a:fillRect/>
+          </a:stretch>
+        </p:blipFill>
+        <p:spPr>
+          <a:xfrm>
+            <a:off x="6333426" y="2756112"/>
+            <a:ext cx="4901587" cy="3326984"/>
+          </a:xfrm>
+          <a:prstGeom prst="rect">
+            <a:avLst/>
+          </a:prstGeom>
+        </p:spPr>
+      </p:pic>
+      <p:sp>
+        <p:nvSpPr>
+          <p:cNvPr id="7" name="Content Placeholder 6">
+            <a:extLst>
+              <a:ext uri="{FF2B5EF4-FFF2-40B4-BE49-F238E27FC236}">
+                <a16:creationId xmlns:a16="http://schemas.microsoft.com/office/drawing/2014/main" id="{664FB0FF-821E-4897-8210-B23F80408BA1}"/>
+              </a:ext>
+            </a:extLst>
+          </p:cNvPr>
+          <p:cNvSpPr>
+            <a:spLocks noGrp="1"/>
+          </p:cNvSpPr>
+          <p:nvPr>
+            <p:ph sz="half" idx="1"/>
+          </p:nvPr>
+        </p:nvSpPr>
+        <p:spPr>
+          <a:xfrm>
+            <a:off x="6743853" y="2315768"/>
+            <a:ext cx="4663440" cy="3767328"/>
+          </a:xfrm>
+        </p:spPr>
+        <p:txBody>
+          <a:bodyPr/>
+          <a:lstStyle/>
+          <a:p>
+            <a:r>
+              <a:rPr lang="en-US" sz="2400" spc="-120" dirty="0">
+                <a:solidFill>
+                  <a:prstClr val="black"/>
+                </a:solidFill>
+                <a:latin typeface="Calibri Light" panose="020F0302020204030204"/>
+                <a:ea typeface="+mj-ea"/>
+                <a:cs typeface="+mj-cs"/>
+              </a:rPr>
+              <a:t>ROC and Precision/Recall Graph</a:t>
+            </a:r>
+          </a:p>
+          <a:p>
+            <a:endParaRPr lang="en-GB" dirty="0"/>
+          </a:p>
+        </p:txBody>
+      </p:sp>
+      <p:pic>
+        <p:nvPicPr>
+          <p:cNvPr id="11" name="Content Placeholder 10">
+            <a:extLst>
+              <a:ext uri="{FF2B5EF4-FFF2-40B4-BE49-F238E27FC236}">
+                <a16:creationId xmlns:a16="http://schemas.microsoft.com/office/drawing/2014/main" id="{75B446A0-6944-4520-BD0B-D859A16B57C9}"/>
+              </a:ext>
+            </a:extLst>
+          </p:cNvPr>
+          <p:cNvPicPr>
+            <a:picLocks noGrp="1" noChangeAspect="1"/>
+          </p:cNvPicPr>
+          <p:nvPr>
+            <p:ph sz="half" idx="2"/>
+          </p:nvPr>
+        </p:nvPicPr>
+        <p:blipFill>
+          <a:blip r:embed="rId3"/>
+          <a:stretch>
+            <a:fillRect/>
+          </a:stretch>
+        </p:blipFill>
+        <p:spPr>
+          <a:xfrm>
+            <a:off x="877255" y="2483182"/>
+            <a:ext cx="4662487" cy="3683622"/>
+          </a:xfrm>
+        </p:spPr>
+      </p:pic>
+    </p:spTree>
+    <p:extLst>
+      <p:ext uri="{BB962C8B-B14F-4D97-AF65-F5344CB8AC3E}">
+        <p14:creationId xmlns:p14="http://schemas.microsoft.com/office/powerpoint/2010/main" val="318696778"/>
+      </p:ext>
+    </p:extLst>
+  </p:cSld>
+  <p:clrMapOvr>
+    <a:masterClrMapping/>
+  </p:clrMapOvr>
+</p:sld>
+</file>
+
+<file path=ppt/slides/slide26.xml><?xml version="1.0" encoding="utf-8"?>
+<p:sld xmlns:a="http://schemas.openxmlformats.org/drawingml/2006/main" xmlns:r="http://schemas.openxmlformats.org/officeDocument/2006/relationships" xmlns:p="http://schemas.openxmlformats.org/presentationml/2006/main">
+  <p:cSld>
+    <p:spTree>
+      <p:nvGrpSpPr>
+        <p:cNvPr id="1" name=""/>
+        <p:cNvGrpSpPr/>
+        <p:nvPr/>
+      </p:nvGrpSpPr>
+      <p:grpSpPr>
+        <a:xfrm>
+          <a:off x="0" y="0"/>
+          <a:ext cx="0" cy="0"/>
+          <a:chOff x="0" y="0"/>
+          <a:chExt cx="0" cy="0"/>
+        </a:xfrm>
+      </p:grpSpPr>
+      <p:sp>
+        <p:nvSpPr>
+          <p:cNvPr id="20" name="Rectangle 19">
+            <a:extLst>
+              <a:ext uri="{FF2B5EF4-FFF2-40B4-BE49-F238E27FC236}">
+                <a16:creationId xmlns:a16="http://schemas.microsoft.com/office/drawing/2014/main" id="{434167B2-1F65-408D-9233-EF10B5990B6E}"/>
+              </a:ext>
+            </a:extLst>
+          </p:cNvPr>
+          <p:cNvSpPr/>
+          <p:nvPr/>
+        </p:nvSpPr>
+        <p:spPr>
+          <a:xfrm>
+            <a:off x="0" y="0"/>
+            <a:ext cx="12192000" cy="1334278"/>
+          </a:xfrm>
+          <a:prstGeom prst="rect">
+            <a:avLst/>
+          </a:prstGeom>
+        </p:spPr>
+        <p:style>
+          <a:lnRef idx="2">
+            <a:schemeClr val="accent1">
+              <a:shade val="50000"/>
+            </a:schemeClr>
+          </a:lnRef>
+          <a:fillRef idx="1">
+            <a:schemeClr val="accent1"/>
+          </a:fillRef>
+          <a:effectRef idx="0">
+            <a:schemeClr val="accent1"/>
+          </a:effectRef>
+          <a:fontRef idx="minor">
+            <a:schemeClr val="lt1"/>
+          </a:fontRef>
+        </p:style>
+        <p:txBody>
+          <a:bodyPr rtlCol="0" anchor="ctr"/>
+          <a:lstStyle/>
+          <a:p>
+            <a:pPr algn="ctr"/>
+            <a:endParaRPr lang="en-GB" dirty="0"/>
+          </a:p>
+        </p:txBody>
+      </p:sp>
+      <p:sp>
+        <p:nvSpPr>
+          <p:cNvPr id="9" name="Title 6">
+            <a:extLst>
+              <a:ext uri="{FF2B5EF4-FFF2-40B4-BE49-F238E27FC236}">
+                <a16:creationId xmlns:a16="http://schemas.microsoft.com/office/drawing/2014/main" id="{F5FB2926-5769-4612-9884-4A0888903E66}"/>
+              </a:ext>
+            </a:extLst>
+          </p:cNvPr>
+          <p:cNvSpPr txBox="1">
+            <a:spLocks/>
+          </p:cNvSpPr>
+          <p:nvPr/>
+        </p:nvSpPr>
+        <p:spPr>
+          <a:xfrm>
+            <a:off x="266229" y="0"/>
+            <a:ext cx="11453020" cy="1334278"/>
+          </a:xfrm>
+          <a:prstGeom prst="rect">
+            <a:avLst/>
+          </a:prstGeom>
+        </p:spPr>
+        <p:txBody>
+          <a:bodyPr vert="horz" lIns="91440" tIns="45720" rIns="91440" bIns="45720" rtlCol="0" anchor="ctr">
+            <a:normAutofit/>
+          </a:bodyPr>
+          <a:lstStyle>
+            <a:lvl1pPr algn="l" defTabSz="914400" rtl="0" eaLnBrk="1" latinLnBrk="0" hangingPunct="1">
+              <a:lnSpc>
+                <a:spcPct val="80000"/>
+              </a:lnSpc>
+              <a:spcBef>
+                <a:spcPct val="0"/>
+              </a:spcBef>
+              <a:buNone/>
+              <a:defRPr sz="8800" b="0" kern="1200" spc="-120" baseline="0">
+                <a:solidFill>
+                  <a:schemeClr val="accent1"/>
+                </a:solidFill>
+                <a:latin typeface="+mj-lt"/>
+                <a:ea typeface="+mj-ea"/>
+                <a:cs typeface="+mj-cs"/>
+              </a:defRPr>
+            </a:lvl1pPr>
+          </a:lstStyle>
+          <a:p>
+            <a:r>
+              <a:rPr lang="en-US" sz="4000" dirty="0">
+                <a:solidFill>
+                  <a:srgbClr val="FFFFFF"/>
+                </a:solidFill>
+              </a:rPr>
+              <a:t>MODEL ASSESSMENT</a:t>
+            </a:r>
+            <a:endParaRPr lang="en-GB" sz="4000" dirty="0">
+              <a:solidFill>
+                <a:srgbClr val="FFFFFF"/>
+              </a:solidFill>
+            </a:endParaRPr>
+          </a:p>
+        </p:txBody>
+      </p:sp>
+      <p:sp>
+        <p:nvSpPr>
+          <p:cNvPr id="4" name="TextBox 3">
+            <a:extLst>
+              <a:ext uri="{FF2B5EF4-FFF2-40B4-BE49-F238E27FC236}">
+                <a16:creationId xmlns:a16="http://schemas.microsoft.com/office/drawing/2014/main" id="{3DA49E5F-D608-4F32-99F6-C132B629BC23}"/>
+              </a:ext>
+            </a:extLst>
+          </p:cNvPr>
+          <p:cNvSpPr txBox="1"/>
+          <p:nvPr/>
+        </p:nvSpPr>
+        <p:spPr>
+          <a:xfrm>
+            <a:off x="6743853" y="1334278"/>
+            <a:ext cx="9950791" cy="523220"/>
+          </a:xfrm>
+          <a:prstGeom prst="rect">
+            <a:avLst/>
+          </a:prstGeom>
+          <a:noFill/>
+        </p:spPr>
+        <p:txBody>
+          <a:bodyPr wrap="square" rtlCol="0">
+            <a:spAutoFit/>
+          </a:bodyPr>
+          <a:lstStyle/>
+          <a:p>
+            <a:r>
+              <a:rPr lang="en-US" sz="2800" spc="-120" dirty="0">
+                <a:solidFill>
+                  <a:prstClr val="black"/>
+                </a:solidFill>
+                <a:latin typeface="Calibri Light" panose="020F0302020204030204"/>
+                <a:ea typeface="+mj-ea"/>
+                <a:cs typeface="+mj-cs"/>
+              </a:rPr>
+              <a:t> </a:t>
+            </a:r>
+            <a:endParaRPr kumimoji="0" lang="en-US" sz="2800" b="0" i="0" u="none" strike="noStrike" kern="1200" cap="none" spc="-120" normalizeH="0" baseline="0" noProof="0" dirty="0">
+              <a:ln>
+                <a:noFill/>
+              </a:ln>
+              <a:solidFill>
+                <a:prstClr val="black"/>
+              </a:solidFill>
+              <a:effectLst/>
+              <a:uLnTx/>
+              <a:uFillTx/>
+              <a:latin typeface="Calibri Light" panose="020F0302020204030204"/>
+              <a:ea typeface="+mj-ea"/>
+              <a:cs typeface="+mj-cs"/>
+            </a:endParaRPr>
+          </a:p>
+        </p:txBody>
+      </p:sp>
       <p:graphicFrame>
         <p:nvGraphicFramePr>
           <p:cNvPr id="3" name="Table 4">
@@ -10225,7 +12000,7 @@
           <p:nvPr>
             <p:extLst>
               <p:ext uri="{D42A27DB-BD31-4B8C-83A1-F6EECF244321}">
-                <p14:modId xmlns:p14="http://schemas.microsoft.com/office/powerpoint/2010/main" val="47958016"/>
+                <p14:modId xmlns:p14="http://schemas.microsoft.com/office/powerpoint/2010/main" val="4030448924"/>
               </p:ext>
             </p:extLst>
           </p:nvPr>
@@ -10283,10 +12058,6 @@
                     <a:bodyPr/>
                     <a:lstStyle/>
                     <a:p>
-                      <a:r>
-                        <a:rPr lang="en-US" dirty="0"/>
-                        <a:t>PRECISION</a:t>
-                      </a:r>
                       <a:endParaRPr lang="en-GB" dirty="0"/>
                     </a:p>
                   </a:txBody>
@@ -10756,7 +12527,429 @@
 </p:sld>
 </file>
 
-<file path=ppt/slides/slide25.xml><?xml version="1.0" encoding="utf-8"?>
+<file path=ppt/slides/slide27.xml><?xml version="1.0" encoding="utf-8"?>
+<p:sld xmlns:a="http://schemas.openxmlformats.org/drawingml/2006/main" xmlns:r="http://schemas.openxmlformats.org/officeDocument/2006/relationships" xmlns:p="http://schemas.openxmlformats.org/presentationml/2006/main">
+  <p:cSld>
+    <p:spTree>
+      <p:nvGrpSpPr>
+        <p:cNvPr id="1" name=""/>
+        <p:cNvGrpSpPr/>
+        <p:nvPr/>
+      </p:nvGrpSpPr>
+      <p:grpSpPr>
+        <a:xfrm>
+          <a:off x="0" y="0"/>
+          <a:ext cx="0" cy="0"/>
+          <a:chOff x="0" y="0"/>
+          <a:chExt cx="0" cy="0"/>
+        </a:xfrm>
+      </p:grpSpPr>
+      <p:sp>
+        <p:nvSpPr>
+          <p:cNvPr id="20" name="Rectangle 19">
+            <a:extLst>
+              <a:ext uri="{FF2B5EF4-FFF2-40B4-BE49-F238E27FC236}">
+                <a16:creationId xmlns:a16="http://schemas.microsoft.com/office/drawing/2014/main" id="{434167B2-1F65-408D-9233-EF10B5990B6E}"/>
+              </a:ext>
+            </a:extLst>
+          </p:cNvPr>
+          <p:cNvSpPr/>
+          <p:nvPr/>
+        </p:nvSpPr>
+        <p:spPr>
+          <a:xfrm>
+            <a:off x="9525" y="0"/>
+            <a:ext cx="12192000" cy="1334278"/>
+          </a:xfrm>
+          <a:prstGeom prst="rect">
+            <a:avLst/>
+          </a:prstGeom>
+        </p:spPr>
+        <p:style>
+          <a:lnRef idx="2">
+            <a:schemeClr val="accent1">
+              <a:shade val="50000"/>
+            </a:schemeClr>
+          </a:lnRef>
+          <a:fillRef idx="1">
+            <a:schemeClr val="accent1"/>
+          </a:fillRef>
+          <a:effectRef idx="0">
+            <a:schemeClr val="accent1"/>
+          </a:effectRef>
+          <a:fontRef idx="minor">
+            <a:schemeClr val="lt1"/>
+          </a:fontRef>
+        </p:style>
+        <p:txBody>
+          <a:bodyPr rtlCol="0" anchor="ctr"/>
+          <a:lstStyle/>
+          <a:p>
+            <a:pPr algn="ctr"/>
+            <a:endParaRPr lang="en-GB" dirty="0"/>
+          </a:p>
+        </p:txBody>
+      </p:sp>
+      <p:sp>
+        <p:nvSpPr>
+          <p:cNvPr id="9" name="Title 6">
+            <a:extLst>
+              <a:ext uri="{FF2B5EF4-FFF2-40B4-BE49-F238E27FC236}">
+                <a16:creationId xmlns:a16="http://schemas.microsoft.com/office/drawing/2014/main" id="{F5FB2926-5769-4612-9884-4A0888903E66}"/>
+              </a:ext>
+            </a:extLst>
+          </p:cNvPr>
+          <p:cNvSpPr txBox="1">
+            <a:spLocks/>
+          </p:cNvSpPr>
+          <p:nvPr/>
+        </p:nvSpPr>
+        <p:spPr>
+          <a:xfrm>
+            <a:off x="266229" y="0"/>
+            <a:ext cx="11453020" cy="1334278"/>
+          </a:xfrm>
+          <a:prstGeom prst="rect">
+            <a:avLst/>
+          </a:prstGeom>
+        </p:spPr>
+        <p:txBody>
+          <a:bodyPr vert="horz" lIns="91440" tIns="45720" rIns="91440" bIns="45720" rtlCol="0" anchor="ctr">
+            <a:normAutofit/>
+          </a:bodyPr>
+          <a:lstStyle>
+            <a:lvl1pPr algn="l" defTabSz="914400" rtl="0" eaLnBrk="1" latinLnBrk="0" hangingPunct="1">
+              <a:lnSpc>
+                <a:spcPct val="80000"/>
+              </a:lnSpc>
+              <a:spcBef>
+                <a:spcPct val="0"/>
+              </a:spcBef>
+              <a:buNone/>
+              <a:defRPr sz="8800" b="0" kern="1200" spc="-120" baseline="0">
+                <a:solidFill>
+                  <a:schemeClr val="accent1"/>
+                </a:solidFill>
+                <a:latin typeface="+mj-lt"/>
+                <a:ea typeface="+mj-ea"/>
+                <a:cs typeface="+mj-cs"/>
+              </a:defRPr>
+            </a:lvl1pPr>
+          </a:lstStyle>
+          <a:p>
+            <a:r>
+              <a:rPr lang="en-US" sz="4000" dirty="0">
+                <a:solidFill>
+                  <a:srgbClr val="FFFFFF"/>
+                </a:solidFill>
+              </a:rPr>
+              <a:t>RESULTS– </a:t>
+            </a:r>
+            <a:r>
+              <a:rPr lang="en-US" sz="4000" dirty="0" err="1">
+                <a:solidFill>
+                  <a:srgbClr val="FFFFFF"/>
+                </a:solidFill>
+              </a:rPr>
+              <a:t>Quantitivate</a:t>
+            </a:r>
+            <a:r>
+              <a:rPr lang="en-US" sz="4000" dirty="0">
+                <a:solidFill>
+                  <a:srgbClr val="FFFFFF"/>
+                </a:solidFill>
+              </a:rPr>
+              <a:t> </a:t>
+            </a:r>
+            <a:endParaRPr lang="en-GB" sz="4000" dirty="0">
+              <a:solidFill>
+                <a:srgbClr val="FFFFFF"/>
+              </a:solidFill>
+            </a:endParaRPr>
+          </a:p>
+        </p:txBody>
+      </p:sp>
+      <p:sp>
+        <p:nvSpPr>
+          <p:cNvPr id="4" name="TextBox 3">
+            <a:extLst>
+              <a:ext uri="{FF2B5EF4-FFF2-40B4-BE49-F238E27FC236}">
+                <a16:creationId xmlns:a16="http://schemas.microsoft.com/office/drawing/2014/main" id="{3DA49E5F-D608-4F32-99F6-C132B629BC23}"/>
+              </a:ext>
+            </a:extLst>
+          </p:cNvPr>
+          <p:cNvSpPr txBox="1"/>
+          <p:nvPr/>
+        </p:nvSpPr>
+        <p:spPr>
+          <a:xfrm>
+            <a:off x="6743853" y="1334278"/>
+            <a:ext cx="9950791" cy="523220"/>
+          </a:xfrm>
+          <a:prstGeom prst="rect">
+            <a:avLst/>
+          </a:prstGeom>
+          <a:noFill/>
+        </p:spPr>
+        <p:txBody>
+          <a:bodyPr wrap="square" rtlCol="0">
+            <a:spAutoFit/>
+          </a:bodyPr>
+          <a:lstStyle/>
+          <a:p>
+            <a:r>
+              <a:rPr lang="en-US" sz="2800" spc="-120" dirty="0">
+                <a:solidFill>
+                  <a:prstClr val="black"/>
+                </a:solidFill>
+                <a:latin typeface="Calibri Light" panose="020F0302020204030204"/>
+                <a:ea typeface="+mj-ea"/>
+                <a:cs typeface="+mj-cs"/>
+              </a:rPr>
+              <a:t> </a:t>
+            </a:r>
+            <a:endParaRPr kumimoji="0" lang="en-US" sz="2800" b="0" i="0" u="none" strike="noStrike" kern="1200" cap="none" spc="-120" normalizeH="0" baseline="0" noProof="0" dirty="0">
+              <a:ln>
+                <a:noFill/>
+              </a:ln>
+              <a:solidFill>
+                <a:prstClr val="black"/>
+              </a:solidFill>
+              <a:effectLst/>
+              <a:uLnTx/>
+              <a:uFillTx/>
+              <a:latin typeface="Calibri Light" panose="020F0302020204030204"/>
+              <a:ea typeface="+mj-ea"/>
+              <a:cs typeface="+mj-cs"/>
+            </a:endParaRPr>
+          </a:p>
+        </p:txBody>
+      </p:sp>
+      <p:sp>
+        <p:nvSpPr>
+          <p:cNvPr id="6" name="TextBox 5">
+            <a:extLst>
+              <a:ext uri="{FF2B5EF4-FFF2-40B4-BE49-F238E27FC236}">
+                <a16:creationId xmlns:a16="http://schemas.microsoft.com/office/drawing/2014/main" id="{DBF781B0-C3C7-4376-B9AE-072F0D527589}"/>
+              </a:ext>
+            </a:extLst>
+          </p:cNvPr>
+          <p:cNvSpPr txBox="1"/>
+          <p:nvPr/>
+        </p:nvSpPr>
+        <p:spPr>
+          <a:xfrm>
+            <a:off x="1120604" y="2103332"/>
+            <a:ext cx="10256457" cy="3539430"/>
+          </a:xfrm>
+          <a:prstGeom prst="rect">
+            <a:avLst/>
+          </a:prstGeom>
+          <a:noFill/>
+        </p:spPr>
+        <p:txBody>
+          <a:bodyPr wrap="square" rtlCol="0">
+            <a:spAutoFit/>
+          </a:bodyPr>
+          <a:lstStyle/>
+          <a:p>
+            <a:pPr marL="457200" indent="-457200">
+              <a:buFont typeface="Arial" panose="020B0604020202020204" pitchFamily="34" charset="0"/>
+              <a:buChar char="•"/>
+            </a:pPr>
+            <a:r>
+              <a:rPr lang="en-US" sz="2800" spc="-120" dirty="0">
+                <a:solidFill>
+                  <a:prstClr val="black"/>
+                </a:solidFill>
+                <a:latin typeface="Calibri Light" panose="020F0302020204030204"/>
+                <a:ea typeface="+mj-ea"/>
+                <a:cs typeface="+mj-cs"/>
+              </a:rPr>
+              <a:t>97% of the time, individuals who has less income are predicted correctly.</a:t>
+            </a:r>
+          </a:p>
+          <a:p>
+            <a:pPr marL="457200" indent="-457200">
+              <a:buFont typeface="Arial" panose="020B0604020202020204" pitchFamily="34" charset="0"/>
+              <a:buChar char="•"/>
+            </a:pPr>
+            <a:r>
+              <a:rPr lang="en-US" sz="2800" spc="-120" dirty="0">
+                <a:solidFill>
+                  <a:prstClr val="black"/>
+                </a:solidFill>
+                <a:latin typeface="Calibri Light" panose="020F0302020204030204"/>
+                <a:ea typeface="+mj-ea"/>
+                <a:cs typeface="+mj-cs"/>
+              </a:rPr>
+              <a:t>75% of the time , individuals who has more income are predicted correctly.</a:t>
+            </a:r>
+          </a:p>
+          <a:p>
+            <a:pPr marL="457200" indent="-457200">
+              <a:buFont typeface="Arial" panose="020B0604020202020204" pitchFamily="34" charset="0"/>
+              <a:buChar char="•"/>
+            </a:pPr>
+            <a:endParaRPr lang="en-US" sz="2800" spc="-120" dirty="0">
+              <a:solidFill>
+                <a:prstClr val="black"/>
+              </a:solidFill>
+              <a:latin typeface="Calibri Light" panose="020F0302020204030204"/>
+              <a:ea typeface="+mj-ea"/>
+              <a:cs typeface="+mj-cs"/>
+            </a:endParaRPr>
+          </a:p>
+          <a:p>
+            <a:pPr marL="457200" indent="-457200">
+              <a:buFont typeface="Arial" panose="020B0604020202020204" pitchFamily="34" charset="0"/>
+              <a:buChar char="•"/>
+            </a:pPr>
+            <a:r>
+              <a:rPr lang="en-US" sz="2800" spc="-120" dirty="0">
+                <a:solidFill>
+                  <a:prstClr val="black"/>
+                </a:solidFill>
+                <a:latin typeface="Calibri Light" panose="020F0302020204030204"/>
+                <a:ea typeface="+mj-ea"/>
+                <a:cs typeface="+mj-cs"/>
+              </a:rPr>
+              <a:t>99% of the individuals who has less income  are caught. </a:t>
+            </a:r>
+            <a:r>
+              <a:rPr lang="en-US" sz="1400" spc="-120" dirty="0">
+                <a:solidFill>
+                  <a:prstClr val="black"/>
+                </a:solidFill>
+                <a:latin typeface="Calibri Light" panose="020F0302020204030204"/>
+                <a:ea typeface="+mj-ea"/>
+                <a:cs typeface="+mj-cs"/>
+              </a:rPr>
+              <a:t>(So it is obvious if you have less money)</a:t>
+            </a:r>
+            <a:endParaRPr lang="en-US" sz="2000" spc="-120" dirty="0">
+              <a:solidFill>
+                <a:prstClr val="black"/>
+              </a:solidFill>
+              <a:latin typeface="Calibri Light" panose="020F0302020204030204"/>
+              <a:ea typeface="+mj-ea"/>
+              <a:cs typeface="+mj-cs"/>
+            </a:endParaRPr>
+          </a:p>
+          <a:p>
+            <a:pPr marL="457200" indent="-457200">
+              <a:buFont typeface="Arial" panose="020B0604020202020204" pitchFamily="34" charset="0"/>
+              <a:buChar char="•"/>
+            </a:pPr>
+            <a:r>
+              <a:rPr lang="en-US" sz="2800" spc="-120" dirty="0">
+                <a:solidFill>
+                  <a:prstClr val="black"/>
+                </a:solidFill>
+                <a:latin typeface="Calibri Light" panose="020F0302020204030204"/>
+                <a:ea typeface="+mj-ea"/>
+                <a:cs typeface="+mj-cs"/>
+              </a:rPr>
+              <a:t>Only </a:t>
+            </a:r>
+            <a:r>
+              <a:rPr lang="en-US" sz="2800" b="1" spc="-120" dirty="0">
+                <a:solidFill>
+                  <a:prstClr val="black"/>
+                </a:solidFill>
+                <a:latin typeface="Calibri Light" panose="020F0302020204030204"/>
+                <a:ea typeface="+mj-ea"/>
+                <a:cs typeface="+mj-cs"/>
+              </a:rPr>
+              <a:t>60% </a:t>
+            </a:r>
+            <a:r>
+              <a:rPr lang="en-US" sz="2800" spc="-120" dirty="0">
+                <a:solidFill>
+                  <a:prstClr val="black"/>
+                </a:solidFill>
+                <a:latin typeface="Calibri Light" panose="020F0302020204030204"/>
+                <a:ea typeface="+mj-ea"/>
+                <a:cs typeface="+mj-cs"/>
+              </a:rPr>
+              <a:t>of the individuals who has more income are caught.</a:t>
+            </a:r>
+          </a:p>
+          <a:p>
+            <a:pPr marL="457200" indent="-457200">
+              <a:buFont typeface="Arial" panose="020B0604020202020204" pitchFamily="34" charset="0"/>
+              <a:buChar char="•"/>
+            </a:pPr>
+            <a:endParaRPr lang="en-US" sz="2800" spc="-120" dirty="0">
+              <a:solidFill>
+                <a:prstClr val="black"/>
+              </a:solidFill>
+              <a:latin typeface="Calibri Light" panose="020F0302020204030204"/>
+              <a:ea typeface="+mj-ea"/>
+              <a:cs typeface="+mj-cs"/>
+            </a:endParaRPr>
+          </a:p>
+          <a:p>
+            <a:pPr marL="457200" indent="-457200">
+              <a:buFont typeface="Arial" panose="020B0604020202020204" pitchFamily="34" charset="0"/>
+              <a:buChar char="•"/>
+            </a:pPr>
+            <a:r>
+              <a:rPr lang="en-US" sz="2800" spc="-120" dirty="0">
+                <a:solidFill>
+                  <a:prstClr val="black"/>
+                </a:solidFill>
+                <a:latin typeface="Calibri Light" panose="020F0302020204030204"/>
+                <a:ea typeface="+mj-ea"/>
+                <a:cs typeface="+mj-cs"/>
+              </a:rPr>
+              <a:t>The accuracy of the model is 96%</a:t>
+            </a:r>
+          </a:p>
+          <a:p>
+            <a:pPr marL="457200" indent="-457200">
+              <a:buFont typeface="Arial" panose="020B0604020202020204" pitchFamily="34" charset="0"/>
+              <a:buChar char="•"/>
+            </a:pPr>
+            <a:r>
+              <a:rPr lang="en-US" sz="2800" spc="-120" dirty="0">
+                <a:solidFill>
+                  <a:prstClr val="black"/>
+                </a:solidFill>
+                <a:latin typeface="Calibri Light" panose="020F0302020204030204"/>
+                <a:ea typeface="+mj-ea"/>
+                <a:cs typeface="+mj-cs"/>
+              </a:rPr>
+              <a:t>The macro average accuracy is </a:t>
+            </a:r>
+            <a:r>
+              <a:rPr lang="en-US" sz="2800" b="1" spc="-120" dirty="0">
+                <a:solidFill>
+                  <a:prstClr val="black"/>
+                </a:solidFill>
+                <a:latin typeface="Calibri Light" panose="020F0302020204030204"/>
+                <a:ea typeface="+mj-ea"/>
+                <a:cs typeface="+mj-cs"/>
+              </a:rPr>
+              <a:t>79% </a:t>
+            </a:r>
+          </a:p>
+        </p:txBody>
+      </p:sp>
+    </p:spTree>
+    <p:extLst>
+      <p:ext uri="{BB962C8B-B14F-4D97-AF65-F5344CB8AC3E}">
+        <p14:creationId xmlns:p14="http://schemas.microsoft.com/office/powerpoint/2010/main" val="3628880362"/>
+      </p:ext>
+    </p:extLst>
+  </p:cSld>
+  <p:clrMapOvr>
+    <a:masterClrMapping/>
+  </p:clrMapOvr>
+</p:sld>
+</file>
+
+<file path=ppt/slides/slide28.xml><?xml version="1.0" encoding="utf-8"?>
 <p:sld xmlns:a="http://schemas.openxmlformats.org/drawingml/2006/main" xmlns:r="http://schemas.openxmlformats.org/officeDocument/2006/relationships" xmlns:p="http://schemas.openxmlformats.org/presentationml/2006/main">
   <p:cSld>
     <p:spTree>
@@ -10872,7 +13065,7 @@
                   <a:srgbClr val="FFFFFF"/>
                 </a:solidFill>
               </a:rPr>
-              <a:t>MODEL ASSESSMENT – ROC curve / Confusion Matrix</a:t>
+              <a:t>RESULTS - Qualitative</a:t>
             </a:r>
             <a:endParaRPr lang="en-GB" sz="4000" dirty="0">
               <a:solidFill>
@@ -10884,10 +13077,10 @@
       </p:sp>
       <p:sp>
         <p:nvSpPr>
-          <p:cNvPr id="4" name="TextBox 3">
+          <p:cNvPr id="6" name="TextBox 5">
             <a:extLst>
               <a:ext uri="{FF2B5EF4-FFF2-40B4-BE49-F238E27FC236}">
-                <a16:creationId xmlns:a16="http://schemas.microsoft.com/office/drawing/2014/main" id="{3DA49E5F-D608-4F32-99F6-C132B629BC23}"/>
+                <a16:creationId xmlns:a16="http://schemas.microsoft.com/office/drawing/2014/main" id="{FA897179-3FA8-45AF-B721-42F7E4E6171A}"/>
               </a:ext>
             </a:extLst>
           </p:cNvPr>
@@ -10896,8 +13089,8 @@
         </p:nvSpPr>
         <p:spPr>
           <a:xfrm>
-            <a:off x="6743853" y="1334278"/>
-            <a:ext cx="9950791" cy="523220"/>
+            <a:off x="967771" y="1741382"/>
+            <a:ext cx="10256457" cy="4832092"/>
           </a:xfrm>
           <a:prstGeom prst="rect">
             <a:avLst/>
@@ -10910,484 +13103,6 @@
           </a:bodyPr>
           <a:lstStyle/>
           <a:p>
-            <a:r>
-              <a:rPr lang="en-US" sz="2800" spc="-120" dirty="0">
-                <a:solidFill>
-                  <a:prstClr val="black"/>
-                </a:solidFill>
-                <a:latin typeface="Calibri Light" panose="020F0302020204030204"/>
-                <a:ea typeface="+mj-ea"/>
-                <a:cs typeface="+mj-cs"/>
-              </a:rPr>
-              <a:t> </a:t>
-            </a:r>
-            <a:endParaRPr kumimoji="0" lang="en-US" sz="2800" b="0" i="0" u="none" strike="noStrike" kern="1200" cap="none" spc="-120" normalizeH="0" baseline="0" noProof="0" dirty="0">
-              <a:ln>
-                <a:noFill/>
-              </a:ln>
-              <a:solidFill>
-                <a:prstClr val="black"/>
-              </a:solidFill>
-              <a:effectLst/>
-              <a:uLnTx/>
-              <a:uFillTx/>
-              <a:latin typeface="Calibri Light" panose="020F0302020204030204"/>
-              <a:ea typeface="+mj-ea"/>
-              <a:cs typeface="+mj-cs"/>
-            </a:endParaRPr>
-          </a:p>
-        </p:txBody>
-      </p:sp>
-      <p:pic>
-        <p:nvPicPr>
-          <p:cNvPr id="3" name="Picture 2">
-            <a:extLst>
-              <a:ext uri="{FF2B5EF4-FFF2-40B4-BE49-F238E27FC236}">
-                <a16:creationId xmlns:a16="http://schemas.microsoft.com/office/drawing/2014/main" id="{BA1B6FAE-1892-4866-B54B-2744B81FB64E}"/>
-              </a:ext>
-            </a:extLst>
-          </p:cNvPr>
-          <p:cNvPicPr>
-            <a:picLocks noChangeAspect="1"/>
-          </p:cNvPicPr>
-          <p:nvPr/>
-        </p:nvPicPr>
-        <p:blipFill>
-          <a:blip r:embed="rId2"/>
-          <a:stretch>
-            <a:fillRect/>
-          </a:stretch>
-        </p:blipFill>
-        <p:spPr>
-          <a:xfrm>
-            <a:off x="266229" y="2438478"/>
-            <a:ext cx="4901587" cy="3326984"/>
-          </a:xfrm>
-          <a:prstGeom prst="rect">
-            <a:avLst/>
-          </a:prstGeom>
-        </p:spPr>
-      </p:pic>
-      <p:sp>
-        <p:nvSpPr>
-          <p:cNvPr id="7" name="Content Placeholder 6">
-            <a:extLst>
-              <a:ext uri="{FF2B5EF4-FFF2-40B4-BE49-F238E27FC236}">
-                <a16:creationId xmlns:a16="http://schemas.microsoft.com/office/drawing/2014/main" id="{664FB0FF-821E-4897-8210-B23F80408BA1}"/>
-              </a:ext>
-            </a:extLst>
-          </p:cNvPr>
-          <p:cNvSpPr>
-            <a:spLocks noGrp="1"/>
-          </p:cNvSpPr>
-          <p:nvPr>
-            <p:ph sz="half" idx="1"/>
-          </p:nvPr>
-        </p:nvSpPr>
-        <p:spPr/>
-        <p:txBody>
-          <a:bodyPr/>
-          <a:lstStyle/>
-          <a:p>
-            <a:r>
-              <a:rPr lang="en-US" sz="2400" spc="-120" dirty="0">
-                <a:solidFill>
-                  <a:prstClr val="black"/>
-                </a:solidFill>
-                <a:latin typeface="Calibri Light" panose="020F0302020204030204"/>
-                <a:ea typeface="+mj-ea"/>
-                <a:cs typeface="+mj-cs"/>
-              </a:rPr>
-              <a:t>ROC and Precision/Recall Graph</a:t>
-            </a:r>
-          </a:p>
-          <a:p>
-            <a:endParaRPr lang="en-GB" dirty="0"/>
-          </a:p>
-        </p:txBody>
-      </p:sp>
-      <p:pic>
-        <p:nvPicPr>
-          <p:cNvPr id="11" name="Content Placeholder 10">
-            <a:extLst>
-              <a:ext uri="{FF2B5EF4-FFF2-40B4-BE49-F238E27FC236}">
-                <a16:creationId xmlns:a16="http://schemas.microsoft.com/office/drawing/2014/main" id="{75B446A0-6944-4520-BD0B-D859A16B57C9}"/>
-              </a:ext>
-            </a:extLst>
-          </p:cNvPr>
-          <p:cNvPicPr>
-            <a:picLocks noGrp="1" noChangeAspect="1"/>
-          </p:cNvPicPr>
-          <p:nvPr>
-            <p:ph sz="half" idx="2"/>
-          </p:nvPr>
-        </p:nvPicPr>
-        <p:blipFill>
-          <a:blip r:embed="rId3"/>
-          <a:stretch>
-            <a:fillRect/>
-          </a:stretch>
-        </p:blipFill>
-        <p:spPr>
-          <a:xfrm>
-            <a:off x="6011863" y="2040420"/>
-            <a:ext cx="4662487" cy="3683622"/>
-          </a:xfrm>
-        </p:spPr>
-      </p:pic>
-    </p:spTree>
-    <p:extLst>
-      <p:ext uri="{BB962C8B-B14F-4D97-AF65-F5344CB8AC3E}">
-        <p14:creationId xmlns:p14="http://schemas.microsoft.com/office/powerpoint/2010/main" val="318696778"/>
-      </p:ext>
-    </p:extLst>
-  </p:cSld>
-  <p:clrMapOvr>
-    <a:masterClrMapping/>
-  </p:clrMapOvr>
-</p:sld>
-</file>
-
-<file path=ppt/slides/slide26.xml><?xml version="1.0" encoding="utf-8"?>
-<p:sld xmlns:a="http://schemas.openxmlformats.org/drawingml/2006/main" xmlns:r="http://schemas.openxmlformats.org/officeDocument/2006/relationships" xmlns:p="http://schemas.openxmlformats.org/presentationml/2006/main">
-  <p:cSld>
-    <p:spTree>
-      <p:nvGrpSpPr>
-        <p:cNvPr id="1" name=""/>
-        <p:cNvGrpSpPr/>
-        <p:nvPr/>
-      </p:nvGrpSpPr>
-      <p:grpSpPr>
-        <a:xfrm>
-          <a:off x="0" y="0"/>
-          <a:ext cx="0" cy="0"/>
-          <a:chOff x="0" y="0"/>
-          <a:chExt cx="0" cy="0"/>
-        </a:xfrm>
-      </p:grpSpPr>
-      <p:sp>
-        <p:nvSpPr>
-          <p:cNvPr id="20" name="Rectangle 19">
-            <a:extLst>
-              <a:ext uri="{FF2B5EF4-FFF2-40B4-BE49-F238E27FC236}">
-                <a16:creationId xmlns:a16="http://schemas.microsoft.com/office/drawing/2014/main" id="{434167B2-1F65-408D-9233-EF10B5990B6E}"/>
-              </a:ext>
-            </a:extLst>
-          </p:cNvPr>
-          <p:cNvSpPr/>
-          <p:nvPr/>
-        </p:nvSpPr>
-        <p:spPr>
-          <a:xfrm>
-            <a:off x="0" y="0"/>
-            <a:ext cx="12192000" cy="1334278"/>
-          </a:xfrm>
-          <a:prstGeom prst="rect">
-            <a:avLst/>
-          </a:prstGeom>
-        </p:spPr>
-        <p:style>
-          <a:lnRef idx="2">
-            <a:schemeClr val="accent1">
-              <a:shade val="50000"/>
-            </a:schemeClr>
-          </a:lnRef>
-          <a:fillRef idx="1">
-            <a:schemeClr val="accent1"/>
-          </a:fillRef>
-          <a:effectRef idx="0">
-            <a:schemeClr val="accent1"/>
-          </a:effectRef>
-          <a:fontRef idx="minor">
-            <a:schemeClr val="lt1"/>
-          </a:fontRef>
-        </p:style>
-        <p:txBody>
-          <a:bodyPr rtlCol="0" anchor="ctr"/>
-          <a:lstStyle/>
-          <a:p>
-            <a:pPr algn="ctr"/>
-            <a:endParaRPr lang="en-GB" dirty="0"/>
-          </a:p>
-        </p:txBody>
-      </p:sp>
-      <p:sp>
-        <p:nvSpPr>
-          <p:cNvPr id="9" name="Title 6">
-            <a:extLst>
-              <a:ext uri="{FF2B5EF4-FFF2-40B4-BE49-F238E27FC236}">
-                <a16:creationId xmlns:a16="http://schemas.microsoft.com/office/drawing/2014/main" id="{F5FB2926-5769-4612-9884-4A0888903E66}"/>
-              </a:ext>
-            </a:extLst>
-          </p:cNvPr>
-          <p:cNvSpPr txBox="1">
-            <a:spLocks/>
-          </p:cNvSpPr>
-          <p:nvPr/>
-        </p:nvSpPr>
-        <p:spPr>
-          <a:xfrm>
-            <a:off x="266229" y="0"/>
-            <a:ext cx="11453020" cy="1334278"/>
-          </a:xfrm>
-          <a:prstGeom prst="rect">
-            <a:avLst/>
-          </a:prstGeom>
-        </p:spPr>
-        <p:txBody>
-          <a:bodyPr vert="horz" lIns="91440" tIns="45720" rIns="91440" bIns="45720" rtlCol="0" anchor="ctr">
-            <a:normAutofit/>
-          </a:bodyPr>
-          <a:lstStyle>
-            <a:lvl1pPr algn="l" defTabSz="914400" rtl="0" eaLnBrk="1" latinLnBrk="0" hangingPunct="1">
-              <a:lnSpc>
-                <a:spcPct val="80000"/>
-              </a:lnSpc>
-              <a:spcBef>
-                <a:spcPct val="0"/>
-              </a:spcBef>
-              <a:buNone/>
-              <a:defRPr sz="8800" b="0" kern="1200" spc="-120" baseline="0">
-                <a:solidFill>
-                  <a:schemeClr val="accent1"/>
-                </a:solidFill>
-                <a:latin typeface="+mj-lt"/>
-                <a:ea typeface="+mj-ea"/>
-                <a:cs typeface="+mj-cs"/>
-              </a:defRPr>
-            </a:lvl1pPr>
-          </a:lstStyle>
-          <a:p>
-            <a:r>
-              <a:rPr lang="en-US" sz="4000" dirty="0">
-                <a:solidFill>
-                  <a:srgbClr val="FFFFFF"/>
-                </a:solidFill>
-              </a:rPr>
-              <a:t>RESULTS – Model Interpretation (SHAP Graph)</a:t>
-            </a:r>
-            <a:endParaRPr lang="en-GB" sz="4000" dirty="0">
-              <a:solidFill>
-                <a:srgbClr val="FFFFFF"/>
-              </a:solidFill>
-            </a:endParaRPr>
-          </a:p>
-        </p:txBody>
-      </p:sp>
-      <p:pic>
-        <p:nvPicPr>
-          <p:cNvPr id="5" name="Picture 2">
-            <a:extLst>
-              <a:ext uri="{FF2B5EF4-FFF2-40B4-BE49-F238E27FC236}">
-                <a16:creationId xmlns:a16="http://schemas.microsoft.com/office/drawing/2014/main" id="{C8BBAA7A-4EB8-45C8-A83B-4D2108374ECF}"/>
-              </a:ext>
-            </a:extLst>
-          </p:cNvPr>
-          <p:cNvPicPr>
-            <a:picLocks noChangeAspect="1" noChangeArrowheads="1"/>
-          </p:cNvPicPr>
-          <p:nvPr/>
-        </p:nvPicPr>
-        <p:blipFill>
-          <a:blip r:embed="rId2">
-            <a:extLst>
-              <a:ext uri="{28A0092B-C50C-407E-A947-70E740481C1C}">
-                <a14:useLocalDpi xmlns:a14="http://schemas.microsoft.com/office/drawing/2010/main" val="0"/>
-              </a:ext>
-            </a:extLst>
-          </a:blip>
-          <a:srcRect/>
-          <a:stretch>
-            <a:fillRect/>
-          </a:stretch>
-        </p:blipFill>
-        <p:spPr bwMode="auto">
-          <a:xfrm>
-            <a:off x="2967012" y="1647756"/>
-            <a:ext cx="6369437" cy="4817364"/>
-          </a:xfrm>
-          <a:prstGeom prst="rect">
-            <a:avLst/>
-          </a:prstGeom>
-          <a:noFill/>
-          <a:extLst>
-            <a:ext uri="{909E8E84-426E-40DD-AFC4-6F175D3DCCD1}">
-              <a14:hiddenFill xmlns:a14="http://schemas.microsoft.com/office/drawing/2010/main">
-                <a:solidFill>
-                  <a:srgbClr val="FFFFFF"/>
-                </a:solidFill>
-              </a14:hiddenFill>
-            </a:ext>
-          </a:extLst>
-        </p:spPr>
-      </p:pic>
-    </p:spTree>
-    <p:extLst>
-      <p:ext uri="{BB962C8B-B14F-4D97-AF65-F5344CB8AC3E}">
-        <p14:creationId xmlns:p14="http://schemas.microsoft.com/office/powerpoint/2010/main" val="670242855"/>
-      </p:ext>
-    </p:extLst>
-  </p:cSld>
-  <p:clrMapOvr>
-    <a:masterClrMapping/>
-  </p:clrMapOvr>
-</p:sld>
-</file>
-
-<file path=ppt/slides/slide27.xml><?xml version="1.0" encoding="utf-8"?>
-<p:sld xmlns:a="http://schemas.openxmlformats.org/drawingml/2006/main" xmlns:r="http://schemas.openxmlformats.org/officeDocument/2006/relationships" xmlns:p="http://schemas.openxmlformats.org/presentationml/2006/main">
-  <p:cSld>
-    <p:spTree>
-      <p:nvGrpSpPr>
-        <p:cNvPr id="1" name=""/>
-        <p:cNvGrpSpPr/>
-        <p:nvPr/>
-      </p:nvGrpSpPr>
-      <p:grpSpPr>
-        <a:xfrm>
-          <a:off x="0" y="0"/>
-          <a:ext cx="0" cy="0"/>
-          <a:chOff x="0" y="0"/>
-          <a:chExt cx="0" cy="0"/>
-        </a:xfrm>
-      </p:grpSpPr>
-      <p:sp>
-        <p:nvSpPr>
-          <p:cNvPr id="20" name="Rectangle 19">
-            <a:extLst>
-              <a:ext uri="{FF2B5EF4-FFF2-40B4-BE49-F238E27FC236}">
-                <a16:creationId xmlns:a16="http://schemas.microsoft.com/office/drawing/2014/main" id="{434167B2-1F65-408D-9233-EF10B5990B6E}"/>
-              </a:ext>
-            </a:extLst>
-          </p:cNvPr>
-          <p:cNvSpPr/>
-          <p:nvPr/>
-        </p:nvSpPr>
-        <p:spPr>
-          <a:xfrm>
-            <a:off x="0" y="0"/>
-            <a:ext cx="12192000" cy="1334278"/>
-          </a:xfrm>
-          <a:prstGeom prst="rect">
-            <a:avLst/>
-          </a:prstGeom>
-        </p:spPr>
-        <p:style>
-          <a:lnRef idx="2">
-            <a:schemeClr val="accent1">
-              <a:shade val="50000"/>
-            </a:schemeClr>
-          </a:lnRef>
-          <a:fillRef idx="1">
-            <a:schemeClr val="accent1"/>
-          </a:fillRef>
-          <a:effectRef idx="0">
-            <a:schemeClr val="accent1"/>
-          </a:effectRef>
-          <a:fontRef idx="minor">
-            <a:schemeClr val="lt1"/>
-          </a:fontRef>
-        </p:style>
-        <p:txBody>
-          <a:bodyPr rtlCol="0" anchor="ctr"/>
-          <a:lstStyle/>
-          <a:p>
-            <a:pPr algn="ctr"/>
-            <a:endParaRPr lang="en-GB" dirty="0"/>
-          </a:p>
-        </p:txBody>
-      </p:sp>
-      <p:sp>
-        <p:nvSpPr>
-          <p:cNvPr id="9" name="Title 6">
-            <a:extLst>
-              <a:ext uri="{FF2B5EF4-FFF2-40B4-BE49-F238E27FC236}">
-                <a16:creationId xmlns:a16="http://schemas.microsoft.com/office/drawing/2014/main" id="{F5FB2926-5769-4612-9884-4A0888903E66}"/>
-              </a:ext>
-            </a:extLst>
-          </p:cNvPr>
-          <p:cNvSpPr txBox="1">
-            <a:spLocks/>
-          </p:cNvSpPr>
-          <p:nvPr/>
-        </p:nvSpPr>
-        <p:spPr>
-          <a:xfrm>
-            <a:off x="266229" y="0"/>
-            <a:ext cx="11453020" cy="1334278"/>
-          </a:xfrm>
-          <a:prstGeom prst="rect">
-            <a:avLst/>
-          </a:prstGeom>
-        </p:spPr>
-        <p:txBody>
-          <a:bodyPr vert="horz" lIns="91440" tIns="45720" rIns="91440" bIns="45720" rtlCol="0" anchor="ctr">
-            <a:normAutofit/>
-          </a:bodyPr>
-          <a:lstStyle>
-            <a:lvl1pPr algn="l" defTabSz="914400" rtl="0" eaLnBrk="1" latinLnBrk="0" hangingPunct="1">
-              <a:lnSpc>
-                <a:spcPct val="80000"/>
-              </a:lnSpc>
-              <a:spcBef>
-                <a:spcPct val="0"/>
-              </a:spcBef>
-              <a:buNone/>
-              <a:defRPr sz="8800" b="0" kern="1200" spc="-120" baseline="0">
-                <a:solidFill>
-                  <a:schemeClr val="accent1"/>
-                </a:solidFill>
-                <a:latin typeface="+mj-lt"/>
-                <a:ea typeface="+mj-ea"/>
-                <a:cs typeface="+mj-cs"/>
-              </a:defRPr>
-            </a:lvl1pPr>
-          </a:lstStyle>
-          <a:p>
-            <a:r>
-              <a:rPr lang="en-US" sz="4000" dirty="0">
-                <a:solidFill>
-                  <a:srgbClr val="FFFFFF"/>
-                </a:solidFill>
-              </a:rPr>
-              <a:t>Future Plans</a:t>
-            </a:r>
-            <a:endParaRPr lang="en-GB" sz="4000" dirty="0">
-              <a:solidFill>
-                <a:srgbClr val="FFFFFF"/>
-              </a:solidFill>
-            </a:endParaRPr>
-          </a:p>
-        </p:txBody>
-      </p:sp>
-      <p:sp>
-        <p:nvSpPr>
-          <p:cNvPr id="6" name="TextBox 5">
-            <a:extLst>
-              <a:ext uri="{FF2B5EF4-FFF2-40B4-BE49-F238E27FC236}">
-                <a16:creationId xmlns:a16="http://schemas.microsoft.com/office/drawing/2014/main" id="{315BDFA6-7E84-49AD-B928-1001F94C0DAF}"/>
-              </a:ext>
-            </a:extLst>
-          </p:cNvPr>
-          <p:cNvSpPr txBox="1"/>
-          <p:nvPr/>
-        </p:nvSpPr>
-        <p:spPr>
-          <a:xfrm>
-            <a:off x="1120604" y="2103332"/>
-            <a:ext cx="9950791" cy="3108543"/>
-          </a:xfrm>
-          <a:prstGeom prst="rect">
-            <a:avLst/>
-          </a:prstGeom>
-          <a:noFill/>
-        </p:spPr>
-        <p:txBody>
-          <a:bodyPr wrap="square" rtlCol="0">
-            <a:spAutoFit/>
-          </a:bodyPr>
-          <a:lstStyle/>
-          <a:p>
             <a:pPr marL="457200" indent="-457200">
               <a:buFont typeface="Arial" panose="020B0604020202020204" pitchFamily="34" charset="0"/>
               <a:buChar char="•"/>
@@ -11401,24 +13116,19 @@
                 <a:ea typeface="+mj-ea"/>
                 <a:cs typeface="+mj-cs"/>
               </a:rPr>
-              <a:t>More data from people who earn more than $50K for balancing out the imbalance data.</a:t>
-            </a:r>
-          </a:p>
-          <a:p>
-            <a:endParaRPr lang="en-US" sz="2800" spc="-120" dirty="0">
-              <a:solidFill>
-                <a:prstClr val="black"/>
-              </a:solidFill>
-              <a:latin typeface="Calibri Light" panose="020F0302020204030204"/>
-              <a:ea typeface="+mj-ea"/>
-              <a:cs typeface="+mj-cs"/>
-            </a:endParaRPr>
-          </a:p>
-          <a:p>
-            <a:pPr marL="457200" indent="-457200">
-              <a:buFont typeface="Arial" panose="020B0604020202020204" pitchFamily="34" charset="0"/>
-              <a:buChar char="•"/>
-            </a:pPr>
+              <a:t>Most of the individuals who have more income than $50K are </a:t>
+            </a:r>
+            <a:r>
+              <a:rPr lang="en-US" sz="2800" b="1" spc="-120" dirty="0">
+                <a:solidFill>
+                  <a:prstClr val="black"/>
+                </a:solidFill>
+                <a:latin typeface="Calibri Light" panose="020F0302020204030204"/>
+                <a:ea typeface="+mj-ea"/>
+                <a:cs typeface="+mj-cs"/>
+              </a:rPr>
+              <a:t>white</a:t>
+            </a:r>
             <a:r>
               <a:rPr lang="en-US" sz="2800" spc="-120" dirty="0">
                 <a:solidFill>
@@ -11428,7 +13138,29 @@
                 <a:ea typeface="+mj-ea"/>
                 <a:cs typeface="+mj-cs"/>
               </a:rPr>
-              <a:t>Hyperparameter Tuning</a:t>
+              <a:t> but as a ratio </a:t>
+            </a:r>
+            <a:r>
+              <a:rPr lang="en-US" sz="2800" b="1" spc="-120" dirty="0">
+                <a:solidFill>
+                  <a:prstClr val="black"/>
+                </a:solidFill>
+                <a:latin typeface="Calibri Light" panose="020F0302020204030204"/>
+                <a:ea typeface="+mj-ea"/>
+                <a:cs typeface="+mj-cs"/>
+              </a:rPr>
+              <a:t>Asian or Pacific Islanders have higher probability</a:t>
+            </a:r>
+            <a:r>
+              <a:rPr lang="en-US" sz="2800" spc="-120" dirty="0">
+                <a:solidFill>
+                  <a:prstClr val="black"/>
+                </a:solidFill>
+                <a:latin typeface="Calibri Light" panose="020F0302020204030204"/>
+                <a:ea typeface="+mj-ea"/>
+                <a:cs typeface="+mj-cs"/>
+              </a:rPr>
+              <a:t>.</a:t>
             </a:r>
           </a:p>
           <a:p>
@@ -11459,7 +13191,236 @@
                 <a:ea typeface="+mj-ea"/>
                 <a:cs typeface="+mj-cs"/>
               </a:rPr>
-              <a:t>Model Interpretability by additive explanations (it takes some time and computing power) </a:t>
+              <a:t>The gender inequality is way higher between </a:t>
+            </a:r>
+            <a:r>
+              <a:rPr lang="en-US" sz="2800" b="1" spc="-120" dirty="0">
+                <a:solidFill>
+                  <a:prstClr val="black"/>
+                </a:solidFill>
+                <a:latin typeface="Calibri Light" panose="020F0302020204030204"/>
+                <a:ea typeface="+mj-ea"/>
+                <a:cs typeface="+mj-cs"/>
+              </a:rPr>
+              <a:t>high earners</a:t>
+            </a:r>
+            <a:r>
+              <a:rPr lang="en-US" sz="2800" spc="-120" dirty="0">
+                <a:solidFill>
+                  <a:prstClr val="black"/>
+                </a:solidFill>
+                <a:latin typeface="Calibri Light" panose="020F0302020204030204"/>
+                <a:ea typeface="+mj-ea"/>
+                <a:cs typeface="+mj-cs"/>
+              </a:rPr>
+              <a:t>.</a:t>
+            </a:r>
+          </a:p>
+          <a:p>
+            <a:pPr marL="457200" indent="-457200">
+              <a:buFont typeface="Arial" panose="020B0604020202020204" pitchFamily="34" charset="0"/>
+              <a:buChar char="•"/>
+            </a:pPr>
+            <a:endParaRPr lang="en-US" sz="2800" spc="-120" dirty="0">
+              <a:solidFill>
+                <a:prstClr val="black"/>
+              </a:solidFill>
+              <a:latin typeface="Calibri Light" panose="020F0302020204030204"/>
+              <a:ea typeface="+mj-ea"/>
+              <a:cs typeface="+mj-cs"/>
+            </a:endParaRPr>
+          </a:p>
+          <a:p>
+            <a:pPr marL="457200" indent="-457200">
+              <a:buFont typeface="Arial" panose="020B0604020202020204" pitchFamily="34" charset="0"/>
+              <a:buChar char="•"/>
+            </a:pPr>
+            <a:r>
+              <a:rPr lang="en-US" sz="2800" spc="-120" dirty="0">
+                <a:solidFill>
+                  <a:prstClr val="black"/>
+                </a:solidFill>
+                <a:latin typeface="Calibri Light" panose="020F0302020204030204"/>
+                <a:ea typeface="+mj-ea"/>
+                <a:cs typeface="+mj-cs"/>
+              </a:rPr>
+              <a:t>Having capitals correlates with </a:t>
+            </a:r>
+            <a:r>
+              <a:rPr lang="en-US" sz="2800" b="1" spc="-120" dirty="0">
+                <a:solidFill>
+                  <a:prstClr val="black"/>
+                </a:solidFill>
+                <a:latin typeface="Calibri Light" panose="020F0302020204030204"/>
+                <a:ea typeface="+mj-ea"/>
+                <a:cs typeface="+mj-cs"/>
+              </a:rPr>
+              <a:t>high earning </a:t>
+            </a:r>
+            <a:r>
+              <a:rPr lang="en-US" sz="2800" spc="-120" dirty="0">
+                <a:solidFill>
+                  <a:prstClr val="black"/>
+                </a:solidFill>
+                <a:latin typeface="Calibri Light" panose="020F0302020204030204"/>
+                <a:ea typeface="+mj-ea"/>
+                <a:cs typeface="+mj-cs"/>
+              </a:rPr>
+              <a:t>which indicates these individuals are </a:t>
+            </a:r>
+            <a:r>
+              <a:rPr lang="en-US" sz="2800" b="1" spc="-120" dirty="0">
+                <a:solidFill>
+                  <a:prstClr val="black"/>
+                </a:solidFill>
+                <a:latin typeface="Calibri Light" panose="020F0302020204030204"/>
+                <a:ea typeface="+mj-ea"/>
+                <a:cs typeface="+mj-cs"/>
+              </a:rPr>
+              <a:t>more willing to take risk </a:t>
+            </a:r>
+            <a:r>
+              <a:rPr lang="en-US" sz="2800" spc="-120" dirty="0">
+                <a:solidFill>
+                  <a:prstClr val="black"/>
+                </a:solidFill>
+                <a:latin typeface="Calibri Light" panose="020F0302020204030204"/>
+                <a:ea typeface="+mj-ea"/>
+                <a:cs typeface="+mj-cs"/>
+              </a:rPr>
+              <a:t>and invest their money.</a:t>
+            </a:r>
+          </a:p>
+          <a:p>
+            <a:endParaRPr lang="en-US" sz="2800" spc="-120" dirty="0">
+              <a:solidFill>
+                <a:prstClr val="black"/>
+              </a:solidFill>
+              <a:latin typeface="Calibri Light" panose="020F0302020204030204"/>
+              <a:ea typeface="+mj-ea"/>
+              <a:cs typeface="+mj-cs"/>
+            </a:endParaRPr>
+          </a:p>
+          <a:p>
+            <a:pPr marL="457200" indent="-457200">
+              <a:buFont typeface="Arial" panose="020B0604020202020204" pitchFamily="34" charset="0"/>
+              <a:buChar char="•"/>
+            </a:pPr>
+            <a:r>
+              <a:rPr lang="en-US" sz="2800" b="1" spc="-120" dirty="0" err="1">
+                <a:solidFill>
+                  <a:prstClr val="black"/>
+                </a:solidFill>
+                <a:latin typeface="Calibri Light" panose="020F0302020204030204"/>
+                <a:ea typeface="+mj-ea"/>
+                <a:cs typeface="+mj-cs"/>
+              </a:rPr>
+              <a:t>Marrried</a:t>
+            </a:r>
+            <a:r>
+              <a:rPr lang="en-US" sz="2800" b="1" spc="-120" dirty="0">
+                <a:solidFill>
+                  <a:prstClr val="black"/>
+                </a:solidFill>
+                <a:latin typeface="Calibri Light" panose="020F0302020204030204"/>
+                <a:ea typeface="+mj-ea"/>
+                <a:cs typeface="+mj-cs"/>
+              </a:rPr>
+              <a:t> individuals </a:t>
+            </a:r>
+            <a:r>
+              <a:rPr lang="en-US" sz="2800" spc="-120" dirty="0">
+                <a:solidFill>
+                  <a:prstClr val="black"/>
+                </a:solidFill>
+                <a:latin typeface="Calibri Light" panose="020F0302020204030204"/>
+                <a:ea typeface="+mj-ea"/>
+                <a:cs typeface="+mj-cs"/>
+              </a:rPr>
+              <a:t>have more chance to earn &gt;$50K than </a:t>
+            </a:r>
+            <a:r>
+              <a:rPr lang="en-US" sz="2800" b="1" spc="-120" dirty="0">
+                <a:solidFill>
+                  <a:prstClr val="black"/>
+                </a:solidFill>
+                <a:latin typeface="Calibri Light" panose="020F0302020204030204"/>
+                <a:ea typeface="+mj-ea"/>
+                <a:cs typeface="+mj-cs"/>
+              </a:rPr>
+              <a:t>never married </a:t>
+            </a:r>
+            <a:r>
+              <a:rPr lang="en-US" sz="2800" spc="-120" dirty="0">
+                <a:solidFill>
+                  <a:prstClr val="black"/>
+                </a:solidFill>
+                <a:latin typeface="Calibri Light" panose="020F0302020204030204"/>
+                <a:ea typeface="+mj-ea"/>
+                <a:cs typeface="+mj-cs"/>
+              </a:rPr>
+              <a:t>people.</a:t>
+            </a:r>
+          </a:p>
+          <a:p>
+            <a:pPr marL="457200" indent="-457200">
+              <a:buFont typeface="Arial" panose="020B0604020202020204" pitchFamily="34" charset="0"/>
+              <a:buChar char="•"/>
+            </a:pPr>
+            <a:r>
+              <a:rPr lang="en-US" sz="2800" spc="-120" dirty="0">
+                <a:solidFill>
+                  <a:prstClr val="black"/>
+                </a:solidFill>
+                <a:latin typeface="Calibri Light" panose="020F0302020204030204"/>
+                <a:ea typeface="+mj-ea"/>
+                <a:cs typeface="+mj-cs"/>
+              </a:rPr>
+              <a:t> </a:t>
+            </a:r>
+            <a:r>
+              <a:rPr lang="en-US" sz="2800" b="1" spc="-120" dirty="0">
+                <a:solidFill>
+                  <a:prstClr val="black"/>
+                </a:solidFill>
+                <a:latin typeface="Calibri Light" panose="020F0302020204030204"/>
+                <a:ea typeface="+mj-ea"/>
+                <a:cs typeface="+mj-cs"/>
+              </a:rPr>
+              <a:t>Age </a:t>
+            </a:r>
+            <a:r>
+              <a:rPr lang="en-US" sz="2800" spc="-120" dirty="0">
+                <a:solidFill>
+                  <a:prstClr val="black"/>
+                </a:solidFill>
+                <a:latin typeface="Calibri Light" panose="020F0302020204030204"/>
+                <a:ea typeface="+mj-ea"/>
+                <a:cs typeface="+mj-cs"/>
+              </a:rPr>
+              <a:t>is an indicator for predict the individuals with </a:t>
+            </a:r>
+            <a:r>
+              <a:rPr lang="en-US" sz="2800" b="1" spc="-120" dirty="0">
+                <a:solidFill>
+                  <a:prstClr val="black"/>
+                </a:solidFill>
+                <a:latin typeface="Calibri Light" panose="020F0302020204030204"/>
+                <a:ea typeface="+mj-ea"/>
+                <a:cs typeface="+mj-cs"/>
+              </a:rPr>
+              <a:t>more income</a:t>
+            </a:r>
+            <a:r>
+              <a:rPr lang="en-US" sz="2800" spc="-120" dirty="0">
+                <a:solidFill>
+                  <a:prstClr val="black"/>
+                </a:solidFill>
+                <a:latin typeface="Calibri Light" panose="020F0302020204030204"/>
+                <a:ea typeface="+mj-ea"/>
+                <a:cs typeface="+mj-cs"/>
+              </a:rPr>
+              <a:t>. </a:t>
             </a:r>
           </a:p>
         </p:txBody>
@@ -11467,126 +13428,7 @@
     </p:spTree>
     <p:extLst>
       <p:ext uri="{BB962C8B-B14F-4D97-AF65-F5344CB8AC3E}">
-        <p14:creationId xmlns:p14="http://schemas.microsoft.com/office/powerpoint/2010/main" val="3914387335"/>
-      </p:ext>
-    </p:extLst>
-  </p:cSld>
-  <p:clrMapOvr>
-    <a:masterClrMapping/>
-  </p:clrMapOvr>
-</p:sld>
-</file>
-
-<file path=ppt/slides/slide28.xml><?xml version="1.0" encoding="utf-8"?>
-<p:sld xmlns:a="http://schemas.openxmlformats.org/drawingml/2006/main" xmlns:r="http://schemas.openxmlformats.org/officeDocument/2006/relationships" xmlns:p="http://schemas.openxmlformats.org/presentationml/2006/main">
-  <p:cSld>
-    <p:spTree>
-      <p:nvGrpSpPr>
-        <p:cNvPr id="1" name=""/>
-        <p:cNvGrpSpPr/>
-        <p:nvPr/>
-      </p:nvGrpSpPr>
-      <p:grpSpPr>
-        <a:xfrm>
-          <a:off x="0" y="0"/>
-          <a:ext cx="0" cy="0"/>
-          <a:chOff x="0" y="0"/>
-          <a:chExt cx="0" cy="0"/>
-        </a:xfrm>
-      </p:grpSpPr>
-      <p:sp>
-        <p:nvSpPr>
-          <p:cNvPr id="2" name="Title 1">
-            <a:extLst>
-              <a:ext uri="{FF2B5EF4-FFF2-40B4-BE49-F238E27FC236}">
-                <a16:creationId xmlns:a16="http://schemas.microsoft.com/office/drawing/2014/main" id="{CDF5072B-2C61-4CAD-BBEC-6B6D1DF821EC}"/>
-              </a:ext>
-            </a:extLst>
-          </p:cNvPr>
-          <p:cNvSpPr>
-            <a:spLocks noGrp="1"/>
-          </p:cNvSpPr>
-          <p:nvPr>
-            <p:ph type="ctrTitle"/>
-          </p:nvPr>
-        </p:nvSpPr>
-        <p:spPr>
-          <a:xfrm>
-            <a:off x="1286503" y="1285196"/>
-            <a:ext cx="9607160" cy="2779429"/>
-          </a:xfrm>
-        </p:spPr>
-        <p:txBody>
-          <a:bodyPr>
-            <a:normAutofit/>
-          </a:bodyPr>
-          <a:lstStyle/>
-          <a:p>
-            <a:pPr algn="ctr"/>
-            <a:r>
-              <a:rPr lang="en-US" sz="7200" dirty="0"/>
-              <a:t>Thanks for Listening</a:t>
-            </a:r>
-            <a:br>
-              <a:rPr lang="en-US" sz="7200" dirty="0"/>
-            </a:br>
-            <a:r>
-              <a:rPr lang="en-US" sz="7200" dirty="0"/>
-              <a:t>Q &amp; A</a:t>
-            </a:r>
-            <a:endParaRPr lang="en-GB" sz="7200" dirty="0"/>
-          </a:p>
-        </p:txBody>
-      </p:sp>
-      <p:sp>
-        <p:nvSpPr>
-          <p:cNvPr id="3" name="Subtitle 2">
-            <a:extLst>
-              <a:ext uri="{FF2B5EF4-FFF2-40B4-BE49-F238E27FC236}">
-                <a16:creationId xmlns:a16="http://schemas.microsoft.com/office/drawing/2014/main" id="{F1B32AF0-6D08-45B3-A821-D68B856941BC}"/>
-              </a:ext>
-            </a:extLst>
-          </p:cNvPr>
-          <p:cNvSpPr>
-            <a:spLocks noGrp="1"/>
-          </p:cNvSpPr>
-          <p:nvPr>
-            <p:ph type="subTitle" idx="1"/>
-          </p:nvPr>
-        </p:nvSpPr>
-        <p:spPr>
-          <a:xfrm>
-            <a:off x="1286503" y="4064626"/>
-            <a:ext cx="9607159" cy="1476235"/>
-          </a:xfrm>
-        </p:spPr>
-        <p:txBody>
-          <a:bodyPr>
-            <a:normAutofit/>
-          </a:bodyPr>
-          <a:lstStyle/>
-          <a:p>
-            <a:pPr algn="ctr"/>
-            <a:r>
-              <a:rPr lang="en-US" sz="2800" dirty="0">
-                <a:solidFill>
-                  <a:srgbClr val="FFFFFF"/>
-                </a:solidFill>
-              </a:rPr>
-              <a:t>F. Ege Hosgungor</a:t>
-            </a:r>
-            <a:endParaRPr lang="en-GB" sz="2800" dirty="0">
-              <a:solidFill>
-                <a:srgbClr val="FFFFFF"/>
-              </a:solidFill>
-            </a:endParaRPr>
-          </a:p>
-        </p:txBody>
-      </p:sp>
-    </p:spTree>
-    <p:extLst>
-      <p:ext uri="{BB962C8B-B14F-4D97-AF65-F5344CB8AC3E}">
-        <p14:creationId xmlns:p14="http://schemas.microsoft.com/office/powerpoint/2010/main" val="3771409121"/>
+        <p14:creationId xmlns:p14="http://schemas.microsoft.com/office/powerpoint/2010/main" val="438414039"/>
       </p:ext>
     </p:extLst>
   </p:cSld>
@@ -11712,7 +13554,7 @@
                   <a:srgbClr val="FFFFFF"/>
                 </a:solidFill>
               </a:rPr>
-              <a:t>Appendix A – All Selected (22) Features </a:t>
+              <a:t>Future Plans</a:t>
             </a:r>
             <a:endParaRPr lang="en-GB" sz="4000" dirty="0">
               <a:solidFill>
@@ -11724,24 +13566,29 @@
       </p:sp>
       <p:sp>
         <p:nvSpPr>
-          <p:cNvPr id="3" name="Content Placeholder 2">
+          <p:cNvPr id="6" name="TextBox 5">
             <a:extLst>
               <a:ext uri="{FF2B5EF4-FFF2-40B4-BE49-F238E27FC236}">
-                <a16:creationId xmlns:a16="http://schemas.microsoft.com/office/drawing/2014/main" id="{D23B46A2-71B7-45DC-ADB8-F5F72327C8E7}"/>
+                <a16:creationId xmlns:a16="http://schemas.microsoft.com/office/drawing/2014/main" id="{315BDFA6-7E84-49AD-B928-1001F94C0DAF}"/>
               </a:ext>
             </a:extLst>
           </p:cNvPr>
-          <p:cNvSpPr>
-            <a:spLocks noGrp="1"/>
-          </p:cNvSpPr>
-          <p:nvPr>
-            <p:ph sz="half" idx="1"/>
-          </p:nvPr>
+          <p:cNvSpPr txBox="1"/>
+          <p:nvPr/>
         </p:nvSpPr>
-        <p:spPr/>
+        <p:spPr>
+          <a:xfrm>
+            <a:off x="1120604" y="2103332"/>
+            <a:ext cx="9950791" cy="3108543"/>
+          </a:xfrm>
+          <a:prstGeom prst="rect">
+            <a:avLst/>
+          </a:prstGeom>
+          <a:noFill/>
+        </p:spPr>
         <p:txBody>
-          <a:bodyPr>
-            <a:normAutofit fontScale="70000" lnSpcReduction="20000"/>
+          <a:bodyPr wrap="square" rtlCol="0">
+            <a:spAutoFit/>
           </a:bodyPr>
           <a:lstStyle/>
           <a:p>
@@ -11750,7 +13597,7 @@
               <a:buChar char="•"/>
             </a:pPr>
             <a:r>
-              <a:rPr lang="en-US" sz="2400" spc="-120" dirty="0">
+              <a:rPr lang="en-US" sz="2800" b="1" spc="-120" dirty="0">
                 <a:solidFill>
                   <a:prstClr val="black"/>
                 </a:solidFill>
@@ -11758,7 +13605,18 @@
                 <a:ea typeface="+mj-ea"/>
                 <a:cs typeface="+mj-cs"/>
               </a:rPr>
-              <a:t>Age</a:t>
+              <a:t>More data </a:t>
+            </a:r>
+            <a:r>
+              <a:rPr lang="en-US" sz="2800" spc="-120" dirty="0">
+                <a:solidFill>
+                  <a:prstClr val="black"/>
+                </a:solidFill>
+                <a:latin typeface="Calibri Light" panose="020F0302020204030204"/>
+                <a:ea typeface="+mj-ea"/>
+                <a:cs typeface="+mj-cs"/>
+              </a:rPr>
+              <a:t>from people who earn more than $50K for balancing out the imbalance data.</a:t>
             </a:r>
           </a:p>
           <a:p>
@@ -11767,7 +13625,7 @@
               <a:buChar char="•"/>
             </a:pPr>
             <a:r>
-              <a:rPr lang="en-US" sz="2400" spc="-120" dirty="0">
+              <a:rPr lang="en-US" sz="2800" b="1" spc="-120" dirty="0">
                 <a:solidFill>
                   <a:prstClr val="black"/>
                 </a:solidFill>
@@ -11775,7 +13633,18 @@
                 <a:ea typeface="+mj-ea"/>
                 <a:cs typeface="+mj-cs"/>
               </a:rPr>
-              <a:t>Class of Worker</a:t>
+              <a:t>More features </a:t>
+            </a:r>
+            <a:r>
+              <a:rPr lang="en-US" sz="2800" spc="-120" dirty="0">
+                <a:solidFill>
+                  <a:prstClr val="black"/>
+                </a:solidFill>
+                <a:latin typeface="Calibri Light" panose="020F0302020204030204"/>
+                <a:ea typeface="+mj-ea"/>
+                <a:cs typeface="+mj-cs"/>
+              </a:rPr>
+              <a:t>from Census Data</a:t>
             </a:r>
           </a:p>
           <a:p>
@@ -11784,7 +13653,7 @@
               <a:buChar char="•"/>
             </a:pPr>
             <a:r>
-              <a:rPr lang="en-US" sz="2400" spc="-120" dirty="0">
+              <a:rPr lang="en-US" sz="2800" spc="-120" dirty="0">
                 <a:solidFill>
                   <a:prstClr val="black"/>
                 </a:solidFill>
@@ -11792,7 +13661,7 @@
                 <a:ea typeface="+mj-ea"/>
                 <a:cs typeface="+mj-cs"/>
               </a:rPr>
-              <a:t>Industry Code</a:t>
+              <a:t>Up-to-date Data (they are from 94/95)</a:t>
             </a:r>
           </a:p>
           <a:p>
@@ -11801,7 +13670,7 @@
               <a:buChar char="•"/>
             </a:pPr>
             <a:r>
-              <a:rPr lang="en-US" sz="2400" spc="-120" dirty="0">
+              <a:rPr lang="en-US" sz="2800" spc="-120" dirty="0">
                 <a:solidFill>
                   <a:prstClr val="black"/>
                 </a:solidFill>
@@ -11809,7 +13678,7 @@
                 <a:ea typeface="+mj-ea"/>
                 <a:cs typeface="+mj-cs"/>
               </a:rPr>
-              <a:t>Occupation Code</a:t>
+              <a:t>Hyperparameter Tuning</a:t>
             </a:r>
           </a:p>
           <a:p>
@@ -11818,7 +13687,7 @@
               <a:buChar char="•"/>
             </a:pPr>
             <a:r>
-              <a:rPr lang="en-US" sz="2400" spc="-120" dirty="0">
+              <a:rPr lang="en-US" sz="2800" spc="-120" dirty="0">
                 <a:solidFill>
                   <a:prstClr val="black"/>
                 </a:solidFill>
@@ -11826,424 +13695,15 @@
                 <a:ea typeface="+mj-ea"/>
                 <a:cs typeface="+mj-cs"/>
               </a:rPr>
-              <a:t>Education</a:t>
-            </a:r>
-          </a:p>
-          <a:p>
-            <a:pPr marL="457200" indent="-457200">
-              <a:buFont typeface="Arial" panose="020B0604020202020204" pitchFamily="34" charset="0"/>
-              <a:buChar char="•"/>
-            </a:pPr>
-            <a:r>
-              <a:rPr lang="en-US" sz="2400" spc="-120" dirty="0">
-                <a:solidFill>
-                  <a:prstClr val="black"/>
-                </a:solidFill>
-                <a:latin typeface="Calibri Light" panose="020F0302020204030204"/>
-                <a:ea typeface="+mj-ea"/>
-                <a:cs typeface="+mj-cs"/>
-              </a:rPr>
-              <a:t>Wage per hour</a:t>
-            </a:r>
-          </a:p>
-          <a:p>
-            <a:pPr marL="457200" indent="-457200">
-              <a:buFont typeface="Arial" panose="020B0604020202020204" pitchFamily="34" charset="0"/>
-              <a:buChar char="•"/>
-            </a:pPr>
-            <a:r>
-              <a:rPr lang="en-US" sz="2400" spc="-120" dirty="0">
-                <a:solidFill>
-                  <a:prstClr val="black"/>
-                </a:solidFill>
-                <a:latin typeface="Calibri Light" panose="020F0302020204030204"/>
-                <a:ea typeface="+mj-ea"/>
-                <a:cs typeface="+mj-cs"/>
-              </a:rPr>
-              <a:t>Marital Status</a:t>
-            </a:r>
-          </a:p>
-          <a:p>
-            <a:pPr marL="457200" indent="-457200">
-              <a:buFont typeface="Arial" panose="020B0604020202020204" pitchFamily="34" charset="0"/>
-              <a:buChar char="•"/>
-            </a:pPr>
-            <a:r>
-              <a:rPr lang="en-US" sz="2400" spc="-120" dirty="0">
-                <a:solidFill>
-                  <a:prstClr val="black"/>
-                </a:solidFill>
-                <a:latin typeface="Calibri Light" panose="020F0302020204030204"/>
-                <a:ea typeface="+mj-ea"/>
-                <a:cs typeface="+mj-cs"/>
-              </a:rPr>
-              <a:t>Major Industry Code</a:t>
-            </a:r>
-          </a:p>
-          <a:p>
-            <a:pPr marL="457200" indent="-457200">
-              <a:buFont typeface="Arial" panose="020B0604020202020204" pitchFamily="34" charset="0"/>
-              <a:buChar char="•"/>
-            </a:pPr>
-            <a:r>
-              <a:rPr lang="en-US" sz="2400" spc="-120" dirty="0">
-                <a:solidFill>
-                  <a:prstClr val="black"/>
-                </a:solidFill>
-                <a:latin typeface="Calibri Light" panose="020F0302020204030204"/>
-                <a:ea typeface="+mj-ea"/>
-                <a:cs typeface="+mj-cs"/>
-              </a:rPr>
-              <a:t>Major Occupation Code</a:t>
-            </a:r>
-          </a:p>
-          <a:p>
-            <a:pPr marL="457200" indent="-457200">
-              <a:buFont typeface="Arial" panose="020B0604020202020204" pitchFamily="34" charset="0"/>
-              <a:buChar char="•"/>
-            </a:pPr>
-            <a:r>
-              <a:rPr lang="en-US" spc="-120" dirty="0">
-                <a:solidFill>
-                  <a:prstClr val="black"/>
-                </a:solidFill>
-                <a:latin typeface="Calibri Light" panose="020F0302020204030204"/>
-                <a:ea typeface="+mj-ea"/>
-                <a:cs typeface="+mj-cs"/>
-              </a:rPr>
-              <a:t>Sex</a:t>
-            </a:r>
-          </a:p>
-          <a:p>
-            <a:pPr marL="457200" indent="-457200">
-              <a:buFont typeface="Arial" panose="020B0604020202020204" pitchFamily="34" charset="0"/>
-              <a:buChar char="•"/>
-            </a:pPr>
-            <a:r>
-              <a:rPr lang="en-US" spc="-120" dirty="0">
-                <a:solidFill>
-                  <a:prstClr val="black"/>
-                </a:solidFill>
-                <a:latin typeface="Calibri Light" panose="020F0302020204030204"/>
-                <a:ea typeface="+mj-ea"/>
-                <a:cs typeface="+mj-cs"/>
-              </a:rPr>
-              <a:t>Capital Gains</a:t>
-            </a:r>
-          </a:p>
-          <a:p>
-            <a:pPr marL="0" indent="0">
-              <a:buNone/>
-            </a:pPr>
-            <a:endParaRPr lang="en-US" sz="2400" spc="-120" dirty="0">
-              <a:solidFill>
-                <a:prstClr val="black"/>
-              </a:solidFill>
-              <a:latin typeface="Calibri Light" panose="020F0302020204030204"/>
-              <a:ea typeface="+mj-ea"/>
-              <a:cs typeface="+mj-cs"/>
-            </a:endParaRPr>
-          </a:p>
-          <a:p>
-            <a:endParaRPr lang="en-GB" dirty="0"/>
-          </a:p>
-        </p:txBody>
-      </p:sp>
-      <p:sp>
-        <p:nvSpPr>
-          <p:cNvPr id="8" name="Content Placeholder 2">
-            <a:extLst>
-              <a:ext uri="{FF2B5EF4-FFF2-40B4-BE49-F238E27FC236}">
-                <a16:creationId xmlns:a16="http://schemas.microsoft.com/office/drawing/2014/main" id="{3490268A-96A5-48BB-8095-ED2C4239285F}"/>
-              </a:ext>
-            </a:extLst>
-          </p:cNvPr>
-          <p:cNvSpPr>
-            <a:spLocks noGrp="1"/>
-          </p:cNvSpPr>
-          <p:nvPr>
-            <p:ph sz="half" idx="2"/>
-          </p:nvPr>
-        </p:nvSpPr>
-        <p:spPr>
-          <a:xfrm>
-            <a:off x="6011863" y="1998663"/>
-            <a:ext cx="4662487" cy="3767137"/>
-          </a:xfrm>
-        </p:spPr>
-        <p:txBody>
-          <a:bodyPr>
-            <a:normAutofit fontScale="70000" lnSpcReduction="20000"/>
-          </a:bodyPr>
-          <a:lstStyle/>
-          <a:p>
-            <a:pPr marL="457200" indent="-457200">
-              <a:buFont typeface="Arial" panose="020B0604020202020204" pitchFamily="34" charset="0"/>
-              <a:buChar char="•"/>
-            </a:pPr>
-            <a:r>
-              <a:rPr lang="en-US" sz="2400" spc="-120" dirty="0">
-                <a:solidFill>
-                  <a:prstClr val="black"/>
-                </a:solidFill>
-                <a:latin typeface="Calibri Light" panose="020F0302020204030204"/>
-                <a:ea typeface="+mj-ea"/>
-                <a:cs typeface="+mj-cs"/>
-              </a:rPr>
-              <a:t>Capital Losses</a:t>
-            </a:r>
-          </a:p>
-          <a:p>
-            <a:pPr marL="457200" indent="-457200">
-              <a:buFont typeface="Arial" panose="020B0604020202020204" pitchFamily="34" charset="0"/>
-              <a:buChar char="•"/>
-            </a:pPr>
-            <a:r>
-              <a:rPr lang="en-US" spc="-120" dirty="0">
-                <a:solidFill>
-                  <a:prstClr val="black"/>
-                </a:solidFill>
-                <a:latin typeface="Calibri Light" panose="020F0302020204030204"/>
-                <a:ea typeface="+mj-ea"/>
-                <a:cs typeface="+mj-cs"/>
-              </a:rPr>
-              <a:t>Dividends from Stocks</a:t>
-            </a:r>
-            <a:endParaRPr lang="en-US" sz="2400" spc="-120" dirty="0">
-              <a:solidFill>
-                <a:prstClr val="black"/>
-              </a:solidFill>
-              <a:latin typeface="Calibri Light" panose="020F0302020204030204"/>
-              <a:ea typeface="+mj-ea"/>
-              <a:cs typeface="+mj-cs"/>
-            </a:endParaRPr>
-          </a:p>
-          <a:p>
-            <a:pPr marL="457200" indent="-457200">
-              <a:buFont typeface="Arial" panose="020B0604020202020204" pitchFamily="34" charset="0"/>
-              <a:buChar char="•"/>
-            </a:pPr>
-            <a:r>
-              <a:rPr lang="en-US" spc="-120" dirty="0">
-                <a:solidFill>
-                  <a:prstClr val="black"/>
-                </a:solidFill>
-                <a:latin typeface="Calibri Light" panose="020F0302020204030204"/>
-                <a:ea typeface="+mj-ea"/>
-                <a:cs typeface="+mj-cs"/>
-              </a:rPr>
-              <a:t>Tax Filer Status</a:t>
-            </a:r>
-            <a:endParaRPr lang="en-US" sz="2400" spc="-120" dirty="0">
-              <a:solidFill>
-                <a:prstClr val="black"/>
-              </a:solidFill>
-              <a:latin typeface="Calibri Light" panose="020F0302020204030204"/>
-              <a:ea typeface="+mj-ea"/>
-              <a:cs typeface="+mj-cs"/>
-            </a:endParaRPr>
-          </a:p>
-          <a:p>
-            <a:pPr marL="457200" indent="-457200">
-              <a:buFont typeface="Arial" panose="020B0604020202020204" pitchFamily="34" charset="0"/>
-              <a:buChar char="•"/>
-            </a:pPr>
-            <a:r>
-              <a:rPr lang="en-US" sz="2400" spc="-120" dirty="0">
-                <a:solidFill>
-                  <a:prstClr val="black"/>
-                </a:solidFill>
-                <a:latin typeface="Calibri Light" panose="020F0302020204030204"/>
-                <a:ea typeface="+mj-ea"/>
-                <a:cs typeface="+mj-cs"/>
-              </a:rPr>
-              <a:t>Detailed Household and family </a:t>
-            </a:r>
-            <a:r>
-              <a:rPr lang="en-US" spc="-120" dirty="0">
-                <a:solidFill>
-                  <a:prstClr val="black"/>
-                </a:solidFill>
-                <a:latin typeface="Calibri Light" panose="020F0302020204030204"/>
-                <a:ea typeface="+mj-ea"/>
-                <a:cs typeface="+mj-cs"/>
-              </a:rPr>
-              <a:t>Statistics</a:t>
-            </a:r>
-            <a:endParaRPr lang="en-US" sz="2400" spc="-120" dirty="0">
-              <a:solidFill>
-                <a:prstClr val="black"/>
-              </a:solidFill>
-              <a:latin typeface="Calibri Light" panose="020F0302020204030204"/>
-              <a:ea typeface="+mj-ea"/>
-              <a:cs typeface="+mj-cs"/>
-            </a:endParaRPr>
-          </a:p>
-          <a:p>
-            <a:pPr marL="457200" indent="-457200">
-              <a:buFont typeface="Arial" panose="020B0604020202020204" pitchFamily="34" charset="0"/>
-              <a:buChar char="•"/>
-            </a:pPr>
-            <a:r>
-              <a:rPr lang="en-US" sz="2400" spc="-120" dirty="0">
-                <a:solidFill>
-                  <a:prstClr val="black"/>
-                </a:solidFill>
-                <a:latin typeface="Calibri Light" panose="020F0302020204030204"/>
-                <a:ea typeface="+mj-ea"/>
-                <a:cs typeface="+mj-cs"/>
-              </a:rPr>
-              <a:t>Detailed Household summary in household</a:t>
-            </a:r>
-          </a:p>
-          <a:p>
-            <a:pPr marL="457200" indent="-457200">
-              <a:buFont typeface="Arial" panose="020B0604020202020204" pitchFamily="34" charset="0"/>
-              <a:buChar char="•"/>
-            </a:pPr>
-            <a:r>
-              <a:rPr lang="en-US" spc="-120" dirty="0">
-                <a:solidFill>
-                  <a:prstClr val="black"/>
-                </a:solidFill>
-                <a:latin typeface="Calibri Light" panose="020F0302020204030204"/>
-                <a:ea typeface="+mj-ea"/>
-                <a:cs typeface="+mj-cs"/>
-              </a:rPr>
-              <a:t>Instance weight</a:t>
-            </a:r>
-            <a:endParaRPr lang="en-US" sz="2400" spc="-120" dirty="0">
-              <a:solidFill>
-                <a:prstClr val="black"/>
-              </a:solidFill>
-              <a:latin typeface="Calibri Light" panose="020F0302020204030204"/>
-              <a:ea typeface="+mj-ea"/>
-              <a:cs typeface="+mj-cs"/>
-            </a:endParaRPr>
-          </a:p>
-          <a:p>
-            <a:pPr marL="457200" indent="-457200">
-              <a:buFont typeface="Arial" panose="020B0604020202020204" pitchFamily="34" charset="0"/>
-              <a:buChar char="•"/>
-            </a:pPr>
-            <a:r>
-              <a:rPr lang="en-US" spc="-120" dirty="0">
-                <a:solidFill>
-                  <a:prstClr val="black"/>
-                </a:solidFill>
-                <a:latin typeface="Calibri Light" panose="020F0302020204030204"/>
-                <a:ea typeface="+mj-ea"/>
-                <a:cs typeface="+mj-cs"/>
-              </a:rPr>
-              <a:t>Number of persons worked for employer</a:t>
-            </a:r>
-            <a:endParaRPr lang="en-US" sz="2400" spc="-120" dirty="0">
-              <a:solidFill>
-                <a:prstClr val="black"/>
-              </a:solidFill>
-              <a:latin typeface="Calibri Light" panose="020F0302020204030204"/>
-              <a:ea typeface="+mj-ea"/>
-              <a:cs typeface="+mj-cs"/>
-            </a:endParaRPr>
-          </a:p>
-          <a:p>
-            <a:pPr marL="457200" indent="-457200">
-              <a:buFont typeface="Arial" panose="020B0604020202020204" pitchFamily="34" charset="0"/>
-              <a:buChar char="•"/>
-            </a:pPr>
-            <a:r>
-              <a:rPr lang="en-US" spc="-120" dirty="0">
-                <a:solidFill>
-                  <a:prstClr val="black"/>
-                </a:solidFill>
-                <a:latin typeface="Calibri Light" panose="020F0302020204030204"/>
-                <a:ea typeface="+mj-ea"/>
-                <a:cs typeface="+mj-cs"/>
-              </a:rPr>
-              <a:t>Country of Birth Father</a:t>
-            </a:r>
-            <a:endParaRPr lang="en-US" sz="2400" spc="-120" dirty="0">
-              <a:solidFill>
-                <a:prstClr val="black"/>
-              </a:solidFill>
-              <a:latin typeface="Calibri Light" panose="020F0302020204030204"/>
-              <a:ea typeface="+mj-ea"/>
-              <a:cs typeface="+mj-cs"/>
-            </a:endParaRPr>
-          </a:p>
-          <a:p>
-            <a:pPr marL="457200" indent="-457200">
-              <a:buFont typeface="Arial" panose="020B0604020202020204" pitchFamily="34" charset="0"/>
-              <a:buChar char="•"/>
-            </a:pPr>
-            <a:r>
-              <a:rPr lang="en-US" sz="2400" spc="-120" dirty="0">
-                <a:solidFill>
-                  <a:prstClr val="black"/>
-                </a:solidFill>
-                <a:latin typeface="Calibri Light" panose="020F0302020204030204"/>
-                <a:ea typeface="+mj-ea"/>
-                <a:cs typeface="+mj-cs"/>
-              </a:rPr>
-              <a:t>Country of Birth Mother</a:t>
-            </a:r>
-          </a:p>
-          <a:p>
-            <a:pPr marL="457200" indent="-457200">
-              <a:buFont typeface="Arial" panose="020B0604020202020204" pitchFamily="34" charset="0"/>
-              <a:buChar char="•"/>
-            </a:pPr>
-            <a:r>
-              <a:rPr lang="en-US" spc="-120" dirty="0">
-                <a:solidFill>
-                  <a:prstClr val="black"/>
-                </a:solidFill>
-                <a:latin typeface="Calibri Light" panose="020F0302020204030204"/>
-                <a:ea typeface="+mj-ea"/>
-                <a:cs typeface="+mj-cs"/>
-              </a:rPr>
-              <a:t>Own Business or Self Employed</a:t>
-            </a:r>
-          </a:p>
-          <a:p>
-            <a:pPr marL="457200" indent="-457200">
-              <a:buFont typeface="Arial" panose="020B0604020202020204" pitchFamily="34" charset="0"/>
-              <a:buChar char="•"/>
-            </a:pPr>
-            <a:r>
-              <a:rPr lang="en-US" spc="-120" dirty="0">
-                <a:solidFill>
-                  <a:prstClr val="black"/>
-                </a:solidFill>
-                <a:latin typeface="Calibri Light" panose="020F0302020204030204"/>
-                <a:ea typeface="+mj-ea"/>
-                <a:cs typeface="+mj-cs"/>
-              </a:rPr>
-              <a:t>Weeks Worked In Years</a:t>
-            </a:r>
-          </a:p>
-          <a:p>
-            <a:pPr marL="0" indent="0">
-              <a:buNone/>
-            </a:pPr>
-            <a:endParaRPr lang="en-US" sz="2400" spc="-120" dirty="0">
-              <a:solidFill>
-                <a:prstClr val="black"/>
-              </a:solidFill>
-              <a:latin typeface="Calibri Light" panose="020F0302020204030204"/>
-              <a:ea typeface="+mj-ea"/>
-              <a:cs typeface="+mj-cs"/>
-            </a:endParaRPr>
-          </a:p>
-          <a:p>
-            <a:endParaRPr lang="en-GB" dirty="0"/>
+              <a:t>Model Interpretability by additive explanations (SHAP takes some time and computing power) </a:t>
+            </a:r>
           </a:p>
         </p:txBody>
       </p:sp>
     </p:spTree>
     <p:extLst>
       <p:ext uri="{BB962C8B-B14F-4D97-AF65-F5344CB8AC3E}">
-        <p14:creationId xmlns:p14="http://schemas.microsoft.com/office/powerpoint/2010/main" val="2713166914"/>
+        <p14:creationId xmlns:p14="http://schemas.microsoft.com/office/powerpoint/2010/main" val="3914387335"/>
       </p:ext>
     </p:extLst>
   </p:cSld>
@@ -12369,7 +13829,7 @@
                   <a:srgbClr val="FFFFFF"/>
                 </a:solidFill>
               </a:rPr>
-              <a:t>OUTLINE</a:t>
+              <a:t>OUTLINE – Whole Process Diagram</a:t>
             </a:r>
             <a:endParaRPr lang="en-GB" sz="4000" dirty="0">
               <a:solidFill>
@@ -12381,10 +13841,10 @@
       </p:sp>
       <p:pic>
         <p:nvPicPr>
-          <p:cNvPr id="24578" name="Picture 2">
+          <p:cNvPr id="1028" name="Picture 4">
             <a:extLst>
               <a:ext uri="{FF2B5EF4-FFF2-40B4-BE49-F238E27FC236}">
-                <a16:creationId xmlns:a16="http://schemas.microsoft.com/office/drawing/2014/main" id="{F8C7E4D3-8ADE-44E2-86E8-4B84D9109F00}"/>
+                <a16:creationId xmlns:a16="http://schemas.microsoft.com/office/drawing/2014/main" id="{0B5401B0-4309-4C0A-B029-A30750039A80}"/>
               </a:ext>
             </a:extLst>
           </p:cNvPr>
@@ -12393,7 +13853,7 @@
           </p:cNvPicPr>
           <p:nvPr/>
         </p:nvPicPr>
-        <p:blipFill>
+        <p:blipFill rotWithShape="1">
           <a:blip r:embed="rId2">
             <a:extLst>
               <a:ext uri="{28A0092B-C50C-407E-A947-70E740481C1C}">
@@ -12401,15 +13861,13 @@
               </a:ext>
             </a:extLst>
           </a:blip>
-          <a:srcRect/>
-          <a:stretch>
-            <a:fillRect/>
-          </a:stretch>
+          <a:srcRect t="6603" b="4635"/>
+          <a:stretch/>
         </p:blipFill>
         <p:spPr bwMode="auto">
           <a:xfrm>
-            <a:off x="2570448" y="1467668"/>
-            <a:ext cx="7051104" cy="5390332"/>
+            <a:off x="3080862" y="1403947"/>
+            <a:ext cx="5823753" cy="5261843"/>
           </a:xfrm>
           <a:prstGeom prst="rect">
             <a:avLst/>
@@ -12555,6 +14013,1500 @@
                   <a:srgbClr val="FFFFFF"/>
                 </a:solidFill>
               </a:rPr>
+              <a:t>Summary</a:t>
+            </a:r>
+            <a:endParaRPr lang="en-GB" sz="4000" dirty="0">
+              <a:solidFill>
+                <a:srgbClr val="FFFFFF"/>
+              </a:solidFill>
+            </a:endParaRPr>
+          </a:p>
+        </p:txBody>
+      </p:sp>
+      <p:pic>
+        <p:nvPicPr>
+          <p:cNvPr id="5" name="Picture 4">
+            <a:extLst>
+              <a:ext uri="{FF2B5EF4-FFF2-40B4-BE49-F238E27FC236}">
+                <a16:creationId xmlns:a16="http://schemas.microsoft.com/office/drawing/2014/main" id="{71673E51-7B42-4BBB-9383-967F6F40FF61}"/>
+              </a:ext>
+            </a:extLst>
+          </p:cNvPr>
+          <p:cNvPicPr>
+            <a:picLocks noChangeAspect="1" noChangeArrowheads="1"/>
+          </p:cNvPicPr>
+          <p:nvPr/>
+        </p:nvPicPr>
+        <p:blipFill rotWithShape="1">
+          <a:blip r:embed="rId2">
+            <a:extLst>
+              <a:ext uri="{28A0092B-C50C-407E-A947-70E740481C1C}">
+                <a14:useLocalDpi xmlns:a14="http://schemas.microsoft.com/office/drawing/2010/main" val="0"/>
+              </a:ext>
+            </a:extLst>
+          </a:blip>
+          <a:srcRect t="6604" b="77972"/>
+          <a:stretch/>
+        </p:blipFill>
+        <p:spPr bwMode="auto">
+          <a:xfrm>
+            <a:off x="1962150" y="1458103"/>
+            <a:ext cx="7762876" cy="1218811"/>
+          </a:xfrm>
+          <a:prstGeom prst="rect">
+            <a:avLst/>
+          </a:prstGeom>
+          <a:noFill/>
+          <a:extLst>
+            <a:ext uri="{909E8E84-426E-40DD-AFC4-6F175D3DCCD1}">
+              <a14:hiddenFill xmlns:a14="http://schemas.microsoft.com/office/drawing/2010/main">
+                <a:solidFill>
+                  <a:srgbClr val="FFFFFF"/>
+                </a:solidFill>
+              </a14:hiddenFill>
+            </a:ext>
+          </a:extLst>
+        </p:spPr>
+      </p:pic>
+      <p:pic>
+        <p:nvPicPr>
+          <p:cNvPr id="8" name="Picture 7">
+            <a:extLst>
+              <a:ext uri="{FF2B5EF4-FFF2-40B4-BE49-F238E27FC236}">
+                <a16:creationId xmlns:a16="http://schemas.microsoft.com/office/drawing/2014/main" id="{3B516FE6-8A95-45A4-8BC6-CEB5F42CFED4}"/>
+              </a:ext>
+            </a:extLst>
+          </p:cNvPr>
+          <p:cNvPicPr>
+            <a:picLocks noChangeAspect="1" noChangeArrowheads="1"/>
+          </p:cNvPicPr>
+          <p:nvPr/>
+        </p:nvPicPr>
+        <p:blipFill rotWithShape="1">
+          <a:blip r:embed="rId2">
+            <a:extLst>
+              <a:ext uri="{28A0092B-C50C-407E-A947-70E740481C1C}">
+                <a14:useLocalDpi xmlns:a14="http://schemas.microsoft.com/office/drawing/2010/main" val="0"/>
+              </a:ext>
+            </a:extLst>
+          </a:blip>
+          <a:srcRect t="6604" b="66526"/>
+          <a:stretch/>
+        </p:blipFill>
+        <p:spPr bwMode="auto">
+          <a:xfrm>
+            <a:off x="1962150" y="1458102"/>
+            <a:ext cx="7762876" cy="2123298"/>
+          </a:xfrm>
+          <a:prstGeom prst="rect">
+            <a:avLst/>
+          </a:prstGeom>
+          <a:noFill/>
+          <a:extLst>
+            <a:ext uri="{909E8E84-426E-40DD-AFC4-6F175D3DCCD1}">
+              <a14:hiddenFill xmlns:a14="http://schemas.microsoft.com/office/drawing/2010/main">
+                <a:solidFill>
+                  <a:srgbClr val="FFFFFF"/>
+                </a:solidFill>
+              </a14:hiddenFill>
+            </a:ext>
+          </a:extLst>
+        </p:spPr>
+      </p:pic>
+      <p:pic>
+        <p:nvPicPr>
+          <p:cNvPr id="10" name="Picture 9">
+            <a:extLst>
+              <a:ext uri="{FF2B5EF4-FFF2-40B4-BE49-F238E27FC236}">
+                <a16:creationId xmlns:a16="http://schemas.microsoft.com/office/drawing/2014/main" id="{1DEFF6A0-FACE-4A05-A14A-8AB6311499FD}"/>
+              </a:ext>
+            </a:extLst>
+          </p:cNvPr>
+          <p:cNvPicPr>
+            <a:picLocks noChangeAspect="1" noChangeArrowheads="1"/>
+          </p:cNvPicPr>
+          <p:nvPr/>
+        </p:nvPicPr>
+        <p:blipFill rotWithShape="1">
+          <a:blip r:embed="rId2">
+            <a:extLst>
+              <a:ext uri="{28A0092B-C50C-407E-A947-70E740481C1C}">
+                <a14:useLocalDpi xmlns:a14="http://schemas.microsoft.com/office/drawing/2010/main" val="0"/>
+              </a:ext>
+            </a:extLst>
+          </a:blip>
+          <a:srcRect t="6604" b="39410"/>
+          <a:stretch/>
+        </p:blipFill>
+        <p:spPr bwMode="auto">
+          <a:xfrm>
+            <a:off x="1962150" y="1458102"/>
+            <a:ext cx="7762876" cy="4266035"/>
+          </a:xfrm>
+          <a:prstGeom prst="rect">
+            <a:avLst/>
+          </a:prstGeom>
+          <a:noFill/>
+          <a:extLst>
+            <a:ext uri="{909E8E84-426E-40DD-AFC4-6F175D3DCCD1}">
+              <a14:hiddenFill xmlns:a14="http://schemas.microsoft.com/office/drawing/2010/main">
+                <a:solidFill>
+                  <a:srgbClr val="FFFFFF"/>
+                </a:solidFill>
+              </a14:hiddenFill>
+            </a:ext>
+          </a:extLst>
+        </p:spPr>
+      </p:pic>
+      <p:pic>
+        <p:nvPicPr>
+          <p:cNvPr id="12" name="Picture 11">
+            <a:extLst>
+              <a:ext uri="{FF2B5EF4-FFF2-40B4-BE49-F238E27FC236}">
+                <a16:creationId xmlns:a16="http://schemas.microsoft.com/office/drawing/2014/main" id="{58DE0915-7B2D-4D74-B239-229D6AD65EFF}"/>
+              </a:ext>
+            </a:extLst>
+          </p:cNvPr>
+          <p:cNvPicPr>
+            <a:picLocks noChangeAspect="1" noChangeArrowheads="1"/>
+          </p:cNvPicPr>
+          <p:nvPr/>
+        </p:nvPicPr>
+        <p:blipFill rotWithShape="1">
+          <a:blip r:embed="rId2">
+            <a:extLst>
+              <a:ext uri="{28A0092B-C50C-407E-A947-70E740481C1C}">
+                <a14:useLocalDpi xmlns:a14="http://schemas.microsoft.com/office/drawing/2010/main" val="0"/>
+              </a:ext>
+            </a:extLst>
+          </a:blip>
+          <a:srcRect t="38054" b="2160"/>
+          <a:stretch/>
+        </p:blipFill>
+        <p:spPr bwMode="auto">
+          <a:xfrm>
+            <a:off x="1962150" y="1458102"/>
+            <a:ext cx="7762876" cy="4724400"/>
+          </a:xfrm>
+          <a:prstGeom prst="rect">
+            <a:avLst/>
+          </a:prstGeom>
+          <a:noFill/>
+          <a:extLst>
+            <a:ext uri="{909E8E84-426E-40DD-AFC4-6F175D3DCCD1}">
+              <a14:hiddenFill xmlns:a14="http://schemas.microsoft.com/office/drawing/2010/main">
+                <a:solidFill>
+                  <a:srgbClr val="FFFFFF"/>
+                </a:solidFill>
+              </a14:hiddenFill>
+            </a:ext>
+          </a:extLst>
+        </p:spPr>
+      </p:pic>
+    </p:spTree>
+    <p:extLst>
+      <p:ext uri="{BB962C8B-B14F-4D97-AF65-F5344CB8AC3E}">
+        <p14:creationId xmlns:p14="http://schemas.microsoft.com/office/powerpoint/2010/main" val="3488406654"/>
+      </p:ext>
+    </p:extLst>
+  </p:cSld>
+  <p:clrMapOvr>
+    <a:masterClrMapping/>
+  </p:clrMapOvr>
+  <p:timing>
+    <p:tnLst>
+      <p:par>
+        <p:cTn id="1" dur="indefinite" restart="never" nodeType="tmRoot">
+          <p:childTnLst>
+            <p:seq concurrent="1" nextAc="seek">
+              <p:cTn id="2" dur="indefinite" nodeType="mainSeq">
+                <p:childTnLst>
+                  <p:par>
+                    <p:cTn id="3" fill="hold">
+                      <p:stCondLst>
+                        <p:cond delay="indefinite"/>
+                        <p:cond evt="onBegin" delay="0">
+                          <p:tn val="2"/>
+                        </p:cond>
+                      </p:stCondLst>
+                      <p:childTnLst>
+                        <p:par>
+                          <p:cTn id="4" fill="hold">
+                            <p:stCondLst>
+                              <p:cond delay="0"/>
+                            </p:stCondLst>
+                            <p:childTnLst>
+                              <p:par>
+                                <p:cTn id="5" presetID="1" presetClass="entr" presetSubtype="0" fill="hold" nodeType="withEffect">
+                                  <p:stCondLst>
+                                    <p:cond delay="0"/>
+                                  </p:stCondLst>
+                                  <p:childTnLst>
+                                    <p:set>
+                                      <p:cBhvr>
+                                        <p:cTn id="6" dur="1" fill="hold">
+                                          <p:stCondLst>
+                                            <p:cond delay="0"/>
+                                          </p:stCondLst>
+                                        </p:cTn>
+                                        <p:tgtEl>
+                                          <p:spTgt spid="5"/>
+                                        </p:tgtEl>
+                                        <p:attrNameLst>
+                                          <p:attrName>style.visibility</p:attrName>
+                                        </p:attrNameLst>
+                                      </p:cBhvr>
+                                      <p:to>
+                                        <p:strVal val="visible"/>
+                                      </p:to>
+                                    </p:set>
+                                  </p:childTnLst>
+                                </p:cTn>
+                              </p:par>
+                            </p:childTnLst>
+                          </p:cTn>
+                        </p:par>
+                      </p:childTnLst>
+                    </p:cTn>
+                  </p:par>
+                  <p:par>
+                    <p:cTn id="7" fill="hold">
+                      <p:stCondLst>
+                        <p:cond delay="indefinite"/>
+                      </p:stCondLst>
+                      <p:childTnLst>
+                        <p:par>
+                          <p:cTn id="8" fill="hold">
+                            <p:stCondLst>
+                              <p:cond delay="0"/>
+                            </p:stCondLst>
+                            <p:childTnLst>
+                              <p:par>
+                                <p:cTn id="9" presetID="1" presetClass="entr" presetSubtype="0" fill="hold" nodeType="clickEffect">
+                                  <p:stCondLst>
+                                    <p:cond delay="0"/>
+                                  </p:stCondLst>
+                                  <p:childTnLst>
+                                    <p:set>
+                                      <p:cBhvr>
+                                        <p:cTn id="10" dur="1" fill="hold">
+                                          <p:stCondLst>
+                                            <p:cond delay="0"/>
+                                          </p:stCondLst>
+                                        </p:cTn>
+                                        <p:tgtEl>
+                                          <p:spTgt spid="8"/>
+                                        </p:tgtEl>
+                                        <p:attrNameLst>
+                                          <p:attrName>style.visibility</p:attrName>
+                                        </p:attrNameLst>
+                                      </p:cBhvr>
+                                      <p:to>
+                                        <p:strVal val="visible"/>
+                                      </p:to>
+                                    </p:set>
+                                  </p:childTnLst>
+                                </p:cTn>
+                              </p:par>
+                            </p:childTnLst>
+                          </p:cTn>
+                        </p:par>
+                      </p:childTnLst>
+                    </p:cTn>
+                  </p:par>
+                  <p:par>
+                    <p:cTn id="11" fill="hold">
+                      <p:stCondLst>
+                        <p:cond delay="indefinite"/>
+                      </p:stCondLst>
+                      <p:childTnLst>
+                        <p:par>
+                          <p:cTn id="12" fill="hold">
+                            <p:stCondLst>
+                              <p:cond delay="0"/>
+                            </p:stCondLst>
+                            <p:childTnLst>
+                              <p:par>
+                                <p:cTn id="13" presetID="1" presetClass="entr" presetSubtype="0" fill="hold" nodeType="clickEffect">
+                                  <p:stCondLst>
+                                    <p:cond delay="0"/>
+                                  </p:stCondLst>
+                                  <p:childTnLst>
+                                    <p:set>
+                                      <p:cBhvr>
+                                        <p:cTn id="14" dur="1" fill="hold">
+                                          <p:stCondLst>
+                                            <p:cond delay="0"/>
+                                          </p:stCondLst>
+                                        </p:cTn>
+                                        <p:tgtEl>
+                                          <p:spTgt spid="10"/>
+                                        </p:tgtEl>
+                                        <p:attrNameLst>
+                                          <p:attrName>style.visibility</p:attrName>
+                                        </p:attrNameLst>
+                                      </p:cBhvr>
+                                      <p:to>
+                                        <p:strVal val="visible"/>
+                                      </p:to>
+                                    </p:set>
+                                  </p:childTnLst>
+                                </p:cTn>
+                              </p:par>
+                            </p:childTnLst>
+                          </p:cTn>
+                        </p:par>
+                      </p:childTnLst>
+                    </p:cTn>
+                  </p:par>
+                  <p:par>
+                    <p:cTn id="15" fill="hold">
+                      <p:stCondLst>
+                        <p:cond delay="indefinite"/>
+                      </p:stCondLst>
+                      <p:childTnLst>
+                        <p:par>
+                          <p:cTn id="16" fill="hold">
+                            <p:stCondLst>
+                              <p:cond delay="0"/>
+                            </p:stCondLst>
+                            <p:childTnLst>
+                              <p:par>
+                                <p:cTn id="17" presetID="1" presetClass="entr" presetSubtype="0" fill="hold" nodeType="clickEffect">
+                                  <p:stCondLst>
+                                    <p:cond delay="0"/>
+                                  </p:stCondLst>
+                                  <p:childTnLst>
+                                    <p:set>
+                                      <p:cBhvr>
+                                        <p:cTn id="18" dur="1" fill="hold">
+                                          <p:stCondLst>
+                                            <p:cond delay="0"/>
+                                          </p:stCondLst>
+                                        </p:cTn>
+                                        <p:tgtEl>
+                                          <p:spTgt spid="12"/>
+                                        </p:tgtEl>
+                                        <p:attrNameLst>
+                                          <p:attrName>style.visibility</p:attrName>
+                                        </p:attrNameLst>
+                                      </p:cBhvr>
+                                      <p:to>
+                                        <p:strVal val="visible"/>
+                                      </p:to>
+                                    </p:set>
+                                  </p:childTnLst>
+                                </p:cTn>
+                              </p:par>
+                            </p:childTnLst>
+                          </p:cTn>
+                        </p:par>
+                      </p:childTnLst>
+                    </p:cTn>
+                  </p:par>
+                </p:childTnLst>
+              </p:cTn>
+              <p:prevCondLst>
+                <p:cond evt="onPrev" delay="0">
+                  <p:tgtEl>
+                    <p:sldTgt/>
+                  </p:tgtEl>
+                </p:cond>
+              </p:prevCondLst>
+              <p:nextCondLst>
+                <p:cond evt="onNext" delay="0">
+                  <p:tgtEl>
+                    <p:sldTgt/>
+                  </p:tgtEl>
+                </p:cond>
+              </p:nextCondLst>
+            </p:seq>
+          </p:childTnLst>
+        </p:cTn>
+      </p:par>
+    </p:tnLst>
+  </p:timing>
+</p:sld>
+</file>
+
+<file path=ppt/slides/slide31.xml><?xml version="1.0" encoding="utf-8"?>
+<p:sld xmlns:a="http://schemas.openxmlformats.org/drawingml/2006/main" xmlns:r="http://schemas.openxmlformats.org/officeDocument/2006/relationships" xmlns:p="http://schemas.openxmlformats.org/presentationml/2006/main">
+  <p:cSld>
+    <p:spTree>
+      <p:nvGrpSpPr>
+        <p:cNvPr id="1" name=""/>
+        <p:cNvGrpSpPr/>
+        <p:nvPr/>
+      </p:nvGrpSpPr>
+      <p:grpSpPr>
+        <a:xfrm>
+          <a:off x="0" y="0"/>
+          <a:ext cx="0" cy="0"/>
+          <a:chOff x="0" y="0"/>
+          <a:chExt cx="0" cy="0"/>
+        </a:xfrm>
+      </p:grpSpPr>
+      <p:sp>
+        <p:nvSpPr>
+          <p:cNvPr id="2" name="Title 1">
+            <a:extLst>
+              <a:ext uri="{FF2B5EF4-FFF2-40B4-BE49-F238E27FC236}">
+                <a16:creationId xmlns:a16="http://schemas.microsoft.com/office/drawing/2014/main" id="{CDF5072B-2C61-4CAD-BBEC-6B6D1DF821EC}"/>
+              </a:ext>
+            </a:extLst>
+          </p:cNvPr>
+          <p:cNvSpPr>
+            <a:spLocks noGrp="1"/>
+          </p:cNvSpPr>
+          <p:nvPr>
+            <p:ph type="ctrTitle"/>
+          </p:nvPr>
+        </p:nvSpPr>
+        <p:spPr>
+          <a:xfrm>
+            <a:off x="1286503" y="1285196"/>
+            <a:ext cx="9607160" cy="2779429"/>
+          </a:xfrm>
+        </p:spPr>
+        <p:txBody>
+          <a:bodyPr>
+            <a:normAutofit/>
+          </a:bodyPr>
+          <a:lstStyle/>
+          <a:p>
+            <a:pPr algn="ctr"/>
+            <a:r>
+              <a:rPr lang="en-US" sz="7200" dirty="0"/>
+              <a:t>Thanks for Listening</a:t>
+            </a:r>
+            <a:br>
+              <a:rPr lang="en-US" sz="7200" dirty="0"/>
+            </a:br>
+            <a:r>
+              <a:rPr lang="en-US" sz="7200" dirty="0"/>
+              <a:t>Q &amp; A</a:t>
+            </a:r>
+            <a:endParaRPr lang="en-GB" sz="7200" dirty="0"/>
+          </a:p>
+        </p:txBody>
+      </p:sp>
+      <p:sp>
+        <p:nvSpPr>
+          <p:cNvPr id="3" name="Subtitle 2">
+            <a:extLst>
+              <a:ext uri="{FF2B5EF4-FFF2-40B4-BE49-F238E27FC236}">
+                <a16:creationId xmlns:a16="http://schemas.microsoft.com/office/drawing/2014/main" id="{F1B32AF0-6D08-45B3-A821-D68B856941BC}"/>
+              </a:ext>
+            </a:extLst>
+          </p:cNvPr>
+          <p:cNvSpPr>
+            <a:spLocks noGrp="1"/>
+          </p:cNvSpPr>
+          <p:nvPr>
+            <p:ph type="subTitle" idx="1"/>
+          </p:nvPr>
+        </p:nvSpPr>
+        <p:spPr>
+          <a:xfrm>
+            <a:off x="1286503" y="4064626"/>
+            <a:ext cx="9607159" cy="1476235"/>
+          </a:xfrm>
+        </p:spPr>
+        <p:txBody>
+          <a:bodyPr>
+            <a:normAutofit/>
+          </a:bodyPr>
+          <a:lstStyle/>
+          <a:p>
+            <a:pPr algn="ctr"/>
+            <a:r>
+              <a:rPr lang="en-US" sz="2800" dirty="0">
+                <a:solidFill>
+                  <a:srgbClr val="FFFFFF"/>
+                </a:solidFill>
+              </a:rPr>
+              <a:t>F. Ege Hosgungor</a:t>
+            </a:r>
+            <a:endParaRPr lang="en-GB" sz="2800" dirty="0">
+              <a:solidFill>
+                <a:srgbClr val="FFFFFF"/>
+              </a:solidFill>
+            </a:endParaRPr>
+          </a:p>
+        </p:txBody>
+      </p:sp>
+    </p:spTree>
+    <p:extLst>
+      <p:ext uri="{BB962C8B-B14F-4D97-AF65-F5344CB8AC3E}">
+        <p14:creationId xmlns:p14="http://schemas.microsoft.com/office/powerpoint/2010/main" val="3771409121"/>
+      </p:ext>
+    </p:extLst>
+  </p:cSld>
+  <p:clrMapOvr>
+    <a:masterClrMapping/>
+  </p:clrMapOvr>
+</p:sld>
+</file>
+
+<file path=ppt/slides/slide32.xml><?xml version="1.0" encoding="utf-8"?>
+<p:sld xmlns:a="http://schemas.openxmlformats.org/drawingml/2006/main" xmlns:r="http://schemas.openxmlformats.org/officeDocument/2006/relationships" xmlns:p="http://schemas.openxmlformats.org/presentationml/2006/main">
+  <p:cSld>
+    <p:spTree>
+      <p:nvGrpSpPr>
+        <p:cNvPr id="1" name=""/>
+        <p:cNvGrpSpPr/>
+        <p:nvPr/>
+      </p:nvGrpSpPr>
+      <p:grpSpPr>
+        <a:xfrm>
+          <a:off x="0" y="0"/>
+          <a:ext cx="0" cy="0"/>
+          <a:chOff x="0" y="0"/>
+          <a:chExt cx="0" cy="0"/>
+        </a:xfrm>
+      </p:grpSpPr>
+      <p:sp>
+        <p:nvSpPr>
+          <p:cNvPr id="20" name="Rectangle 19">
+            <a:extLst>
+              <a:ext uri="{FF2B5EF4-FFF2-40B4-BE49-F238E27FC236}">
+                <a16:creationId xmlns:a16="http://schemas.microsoft.com/office/drawing/2014/main" id="{434167B2-1F65-408D-9233-EF10B5990B6E}"/>
+              </a:ext>
+            </a:extLst>
+          </p:cNvPr>
+          <p:cNvSpPr/>
+          <p:nvPr/>
+        </p:nvSpPr>
+        <p:spPr>
+          <a:xfrm>
+            <a:off x="0" y="0"/>
+            <a:ext cx="12192000" cy="1334278"/>
+          </a:xfrm>
+          <a:prstGeom prst="rect">
+            <a:avLst/>
+          </a:prstGeom>
+        </p:spPr>
+        <p:style>
+          <a:lnRef idx="2">
+            <a:schemeClr val="accent1">
+              <a:shade val="50000"/>
+            </a:schemeClr>
+          </a:lnRef>
+          <a:fillRef idx="1">
+            <a:schemeClr val="accent1"/>
+          </a:fillRef>
+          <a:effectRef idx="0">
+            <a:schemeClr val="accent1"/>
+          </a:effectRef>
+          <a:fontRef idx="minor">
+            <a:schemeClr val="lt1"/>
+          </a:fontRef>
+        </p:style>
+        <p:txBody>
+          <a:bodyPr rtlCol="0" anchor="ctr"/>
+          <a:lstStyle/>
+          <a:p>
+            <a:pPr algn="ctr"/>
+            <a:endParaRPr lang="en-GB" dirty="0"/>
+          </a:p>
+        </p:txBody>
+      </p:sp>
+      <p:sp>
+        <p:nvSpPr>
+          <p:cNvPr id="9" name="Title 6">
+            <a:extLst>
+              <a:ext uri="{FF2B5EF4-FFF2-40B4-BE49-F238E27FC236}">
+                <a16:creationId xmlns:a16="http://schemas.microsoft.com/office/drawing/2014/main" id="{F5FB2926-5769-4612-9884-4A0888903E66}"/>
+              </a:ext>
+            </a:extLst>
+          </p:cNvPr>
+          <p:cNvSpPr txBox="1">
+            <a:spLocks/>
+          </p:cNvSpPr>
+          <p:nvPr/>
+        </p:nvSpPr>
+        <p:spPr>
+          <a:xfrm>
+            <a:off x="266229" y="0"/>
+            <a:ext cx="11453020" cy="1334278"/>
+          </a:xfrm>
+          <a:prstGeom prst="rect">
+            <a:avLst/>
+          </a:prstGeom>
+        </p:spPr>
+        <p:txBody>
+          <a:bodyPr vert="horz" lIns="91440" tIns="45720" rIns="91440" bIns="45720" rtlCol="0" anchor="ctr">
+            <a:normAutofit/>
+          </a:bodyPr>
+          <a:lstStyle>
+            <a:lvl1pPr algn="l" defTabSz="914400" rtl="0" eaLnBrk="1" latinLnBrk="0" hangingPunct="1">
+              <a:lnSpc>
+                <a:spcPct val="80000"/>
+              </a:lnSpc>
+              <a:spcBef>
+                <a:spcPct val="0"/>
+              </a:spcBef>
+              <a:buNone/>
+              <a:defRPr sz="8800" b="0" kern="1200" spc="-120" baseline="0">
+                <a:solidFill>
+                  <a:schemeClr val="accent1"/>
+                </a:solidFill>
+                <a:latin typeface="+mj-lt"/>
+                <a:ea typeface="+mj-ea"/>
+                <a:cs typeface="+mj-cs"/>
+              </a:defRPr>
+            </a:lvl1pPr>
+          </a:lstStyle>
+          <a:p>
+            <a:r>
+              <a:rPr lang="en-US" sz="4000" dirty="0">
+                <a:solidFill>
+                  <a:srgbClr val="FFFFFF"/>
+                </a:solidFill>
+              </a:rPr>
+              <a:t>Appendix A – All Selected (22) Features </a:t>
+            </a:r>
+            <a:endParaRPr lang="en-GB" sz="4000" dirty="0">
+              <a:solidFill>
+                <a:srgbClr val="FFFFFF"/>
+              </a:solidFill>
+            </a:endParaRPr>
+          </a:p>
+        </p:txBody>
+      </p:sp>
+      <p:sp>
+        <p:nvSpPr>
+          <p:cNvPr id="3" name="Content Placeholder 2">
+            <a:extLst>
+              <a:ext uri="{FF2B5EF4-FFF2-40B4-BE49-F238E27FC236}">
+                <a16:creationId xmlns:a16="http://schemas.microsoft.com/office/drawing/2014/main" id="{D23B46A2-71B7-45DC-ADB8-F5F72327C8E7}"/>
+              </a:ext>
+            </a:extLst>
+          </p:cNvPr>
+          <p:cNvSpPr>
+            <a:spLocks noGrp="1"/>
+          </p:cNvSpPr>
+          <p:nvPr>
+            <p:ph sz="half" idx="1"/>
+          </p:nvPr>
+        </p:nvSpPr>
+        <p:spPr/>
+        <p:txBody>
+          <a:bodyPr>
+            <a:normAutofit fontScale="70000" lnSpcReduction="20000"/>
+          </a:bodyPr>
+          <a:lstStyle/>
+          <a:p>
+            <a:pPr marL="457200" indent="-457200">
+              <a:buFont typeface="Arial" panose="020B0604020202020204" pitchFamily="34" charset="0"/>
+              <a:buChar char="•"/>
+            </a:pPr>
+            <a:r>
+              <a:rPr lang="en-US" sz="2400" spc="-120" dirty="0">
+                <a:solidFill>
+                  <a:prstClr val="black"/>
+                </a:solidFill>
+                <a:latin typeface="Calibri Light" panose="020F0302020204030204"/>
+                <a:ea typeface="+mj-ea"/>
+                <a:cs typeface="+mj-cs"/>
+              </a:rPr>
+              <a:t>Age</a:t>
+            </a:r>
+          </a:p>
+          <a:p>
+            <a:pPr marL="457200" indent="-457200">
+              <a:buFont typeface="Arial" panose="020B0604020202020204" pitchFamily="34" charset="0"/>
+              <a:buChar char="•"/>
+            </a:pPr>
+            <a:r>
+              <a:rPr lang="en-US" sz="2400" spc="-120" dirty="0">
+                <a:solidFill>
+                  <a:prstClr val="black"/>
+                </a:solidFill>
+                <a:latin typeface="Calibri Light" panose="020F0302020204030204"/>
+                <a:ea typeface="+mj-ea"/>
+                <a:cs typeface="+mj-cs"/>
+              </a:rPr>
+              <a:t>Class of Worker</a:t>
+            </a:r>
+          </a:p>
+          <a:p>
+            <a:pPr marL="457200" indent="-457200">
+              <a:buFont typeface="Arial" panose="020B0604020202020204" pitchFamily="34" charset="0"/>
+              <a:buChar char="•"/>
+            </a:pPr>
+            <a:r>
+              <a:rPr lang="en-US" sz="2400" spc="-120" dirty="0">
+                <a:solidFill>
+                  <a:prstClr val="black"/>
+                </a:solidFill>
+                <a:latin typeface="Calibri Light" panose="020F0302020204030204"/>
+                <a:ea typeface="+mj-ea"/>
+                <a:cs typeface="+mj-cs"/>
+              </a:rPr>
+              <a:t>Industry Code</a:t>
+            </a:r>
+          </a:p>
+          <a:p>
+            <a:pPr marL="457200" indent="-457200">
+              <a:buFont typeface="Arial" panose="020B0604020202020204" pitchFamily="34" charset="0"/>
+              <a:buChar char="•"/>
+            </a:pPr>
+            <a:r>
+              <a:rPr lang="en-US" sz="2400" spc="-120" dirty="0">
+                <a:solidFill>
+                  <a:prstClr val="black"/>
+                </a:solidFill>
+                <a:latin typeface="Calibri Light" panose="020F0302020204030204"/>
+                <a:ea typeface="+mj-ea"/>
+                <a:cs typeface="+mj-cs"/>
+              </a:rPr>
+              <a:t>Occupation Code</a:t>
+            </a:r>
+          </a:p>
+          <a:p>
+            <a:pPr marL="457200" indent="-457200">
+              <a:buFont typeface="Arial" panose="020B0604020202020204" pitchFamily="34" charset="0"/>
+              <a:buChar char="•"/>
+            </a:pPr>
+            <a:r>
+              <a:rPr lang="en-US" sz="2400" spc="-120" dirty="0">
+                <a:solidFill>
+                  <a:prstClr val="black"/>
+                </a:solidFill>
+                <a:latin typeface="Calibri Light" panose="020F0302020204030204"/>
+                <a:ea typeface="+mj-ea"/>
+                <a:cs typeface="+mj-cs"/>
+              </a:rPr>
+              <a:t>Education</a:t>
+            </a:r>
+          </a:p>
+          <a:p>
+            <a:pPr marL="457200" indent="-457200">
+              <a:buFont typeface="Arial" panose="020B0604020202020204" pitchFamily="34" charset="0"/>
+              <a:buChar char="•"/>
+            </a:pPr>
+            <a:r>
+              <a:rPr lang="en-US" sz="2400" spc="-120" dirty="0">
+                <a:solidFill>
+                  <a:prstClr val="black"/>
+                </a:solidFill>
+                <a:latin typeface="Calibri Light" panose="020F0302020204030204"/>
+                <a:ea typeface="+mj-ea"/>
+                <a:cs typeface="+mj-cs"/>
+              </a:rPr>
+              <a:t>Wage per hour</a:t>
+            </a:r>
+          </a:p>
+          <a:p>
+            <a:pPr marL="457200" indent="-457200">
+              <a:buFont typeface="Arial" panose="020B0604020202020204" pitchFamily="34" charset="0"/>
+              <a:buChar char="•"/>
+            </a:pPr>
+            <a:r>
+              <a:rPr lang="en-US" sz="2400" spc="-120" dirty="0">
+                <a:solidFill>
+                  <a:prstClr val="black"/>
+                </a:solidFill>
+                <a:latin typeface="Calibri Light" panose="020F0302020204030204"/>
+                <a:ea typeface="+mj-ea"/>
+                <a:cs typeface="+mj-cs"/>
+              </a:rPr>
+              <a:t>Marital Status</a:t>
+            </a:r>
+          </a:p>
+          <a:p>
+            <a:pPr marL="457200" indent="-457200">
+              <a:buFont typeface="Arial" panose="020B0604020202020204" pitchFamily="34" charset="0"/>
+              <a:buChar char="•"/>
+            </a:pPr>
+            <a:r>
+              <a:rPr lang="en-US" sz="2400" spc="-120" dirty="0">
+                <a:solidFill>
+                  <a:prstClr val="black"/>
+                </a:solidFill>
+                <a:latin typeface="Calibri Light" panose="020F0302020204030204"/>
+                <a:ea typeface="+mj-ea"/>
+                <a:cs typeface="+mj-cs"/>
+              </a:rPr>
+              <a:t>Major Industry Code</a:t>
+            </a:r>
+          </a:p>
+          <a:p>
+            <a:pPr marL="457200" indent="-457200">
+              <a:buFont typeface="Arial" panose="020B0604020202020204" pitchFamily="34" charset="0"/>
+              <a:buChar char="•"/>
+            </a:pPr>
+            <a:r>
+              <a:rPr lang="en-US" sz="2400" spc="-120" dirty="0">
+                <a:solidFill>
+                  <a:prstClr val="black"/>
+                </a:solidFill>
+                <a:latin typeface="Calibri Light" panose="020F0302020204030204"/>
+                <a:ea typeface="+mj-ea"/>
+                <a:cs typeface="+mj-cs"/>
+              </a:rPr>
+              <a:t>Major Occupation Code</a:t>
+            </a:r>
+          </a:p>
+          <a:p>
+            <a:pPr marL="457200" indent="-457200">
+              <a:buFont typeface="Arial" panose="020B0604020202020204" pitchFamily="34" charset="0"/>
+              <a:buChar char="•"/>
+            </a:pPr>
+            <a:r>
+              <a:rPr lang="en-US" spc="-120" dirty="0">
+                <a:solidFill>
+                  <a:prstClr val="black"/>
+                </a:solidFill>
+                <a:latin typeface="Calibri Light" panose="020F0302020204030204"/>
+                <a:ea typeface="+mj-ea"/>
+                <a:cs typeface="+mj-cs"/>
+              </a:rPr>
+              <a:t>Sex</a:t>
+            </a:r>
+          </a:p>
+          <a:p>
+            <a:pPr marL="457200" indent="-457200">
+              <a:buFont typeface="Arial" panose="020B0604020202020204" pitchFamily="34" charset="0"/>
+              <a:buChar char="•"/>
+            </a:pPr>
+            <a:r>
+              <a:rPr lang="en-US" spc="-120" dirty="0">
+                <a:solidFill>
+                  <a:prstClr val="black"/>
+                </a:solidFill>
+                <a:latin typeface="Calibri Light" panose="020F0302020204030204"/>
+                <a:ea typeface="+mj-ea"/>
+                <a:cs typeface="+mj-cs"/>
+              </a:rPr>
+              <a:t>Capital Gains</a:t>
+            </a:r>
+          </a:p>
+          <a:p>
+            <a:pPr marL="0" indent="0">
+              <a:buNone/>
+            </a:pPr>
+            <a:endParaRPr lang="en-US" sz="2400" spc="-120" dirty="0">
+              <a:solidFill>
+                <a:prstClr val="black"/>
+              </a:solidFill>
+              <a:latin typeface="Calibri Light" panose="020F0302020204030204"/>
+              <a:ea typeface="+mj-ea"/>
+              <a:cs typeface="+mj-cs"/>
+            </a:endParaRPr>
+          </a:p>
+          <a:p>
+            <a:endParaRPr lang="en-GB" dirty="0"/>
+          </a:p>
+        </p:txBody>
+      </p:sp>
+      <p:sp>
+        <p:nvSpPr>
+          <p:cNvPr id="8" name="Content Placeholder 2">
+            <a:extLst>
+              <a:ext uri="{FF2B5EF4-FFF2-40B4-BE49-F238E27FC236}">
+                <a16:creationId xmlns:a16="http://schemas.microsoft.com/office/drawing/2014/main" id="{3490268A-96A5-48BB-8095-ED2C4239285F}"/>
+              </a:ext>
+            </a:extLst>
+          </p:cNvPr>
+          <p:cNvSpPr>
+            <a:spLocks noGrp="1"/>
+          </p:cNvSpPr>
+          <p:nvPr>
+            <p:ph sz="half" idx="2"/>
+          </p:nvPr>
+        </p:nvSpPr>
+        <p:spPr>
+          <a:xfrm>
+            <a:off x="6011863" y="1998663"/>
+            <a:ext cx="4662487" cy="3767137"/>
+          </a:xfrm>
+        </p:spPr>
+        <p:txBody>
+          <a:bodyPr>
+            <a:normAutofit fontScale="70000" lnSpcReduction="20000"/>
+          </a:bodyPr>
+          <a:lstStyle/>
+          <a:p>
+            <a:pPr marL="457200" indent="-457200">
+              <a:buFont typeface="Arial" panose="020B0604020202020204" pitchFamily="34" charset="0"/>
+              <a:buChar char="•"/>
+            </a:pPr>
+            <a:r>
+              <a:rPr lang="en-US" sz="2400" spc="-120" dirty="0">
+                <a:solidFill>
+                  <a:prstClr val="black"/>
+                </a:solidFill>
+                <a:latin typeface="Calibri Light" panose="020F0302020204030204"/>
+                <a:ea typeface="+mj-ea"/>
+                <a:cs typeface="+mj-cs"/>
+              </a:rPr>
+              <a:t>Capital Losses</a:t>
+            </a:r>
+          </a:p>
+          <a:p>
+            <a:pPr marL="457200" indent="-457200">
+              <a:buFont typeface="Arial" panose="020B0604020202020204" pitchFamily="34" charset="0"/>
+              <a:buChar char="•"/>
+            </a:pPr>
+            <a:r>
+              <a:rPr lang="en-US" spc="-120" dirty="0">
+                <a:solidFill>
+                  <a:prstClr val="black"/>
+                </a:solidFill>
+                <a:latin typeface="Calibri Light" panose="020F0302020204030204"/>
+                <a:ea typeface="+mj-ea"/>
+                <a:cs typeface="+mj-cs"/>
+              </a:rPr>
+              <a:t>Dividends from Stocks</a:t>
+            </a:r>
+            <a:endParaRPr lang="en-US" sz="2400" spc="-120" dirty="0">
+              <a:solidFill>
+                <a:prstClr val="black"/>
+              </a:solidFill>
+              <a:latin typeface="Calibri Light" panose="020F0302020204030204"/>
+              <a:ea typeface="+mj-ea"/>
+              <a:cs typeface="+mj-cs"/>
+            </a:endParaRPr>
+          </a:p>
+          <a:p>
+            <a:pPr marL="457200" indent="-457200">
+              <a:buFont typeface="Arial" panose="020B0604020202020204" pitchFamily="34" charset="0"/>
+              <a:buChar char="•"/>
+            </a:pPr>
+            <a:r>
+              <a:rPr lang="en-US" spc="-120" dirty="0">
+                <a:solidFill>
+                  <a:prstClr val="black"/>
+                </a:solidFill>
+                <a:latin typeface="Calibri Light" panose="020F0302020204030204"/>
+                <a:ea typeface="+mj-ea"/>
+                <a:cs typeface="+mj-cs"/>
+              </a:rPr>
+              <a:t>Tax Filer Status</a:t>
+            </a:r>
+            <a:endParaRPr lang="en-US" sz="2400" spc="-120" dirty="0">
+              <a:solidFill>
+                <a:prstClr val="black"/>
+              </a:solidFill>
+              <a:latin typeface="Calibri Light" panose="020F0302020204030204"/>
+              <a:ea typeface="+mj-ea"/>
+              <a:cs typeface="+mj-cs"/>
+            </a:endParaRPr>
+          </a:p>
+          <a:p>
+            <a:pPr marL="457200" indent="-457200">
+              <a:buFont typeface="Arial" panose="020B0604020202020204" pitchFamily="34" charset="0"/>
+              <a:buChar char="•"/>
+            </a:pPr>
+            <a:r>
+              <a:rPr lang="en-US" sz="2400" spc="-120" dirty="0">
+                <a:solidFill>
+                  <a:prstClr val="black"/>
+                </a:solidFill>
+                <a:latin typeface="Calibri Light" panose="020F0302020204030204"/>
+                <a:ea typeface="+mj-ea"/>
+                <a:cs typeface="+mj-cs"/>
+              </a:rPr>
+              <a:t>Detailed Household and family </a:t>
+            </a:r>
+            <a:r>
+              <a:rPr lang="en-US" spc="-120" dirty="0">
+                <a:solidFill>
+                  <a:prstClr val="black"/>
+                </a:solidFill>
+                <a:latin typeface="Calibri Light" panose="020F0302020204030204"/>
+                <a:ea typeface="+mj-ea"/>
+                <a:cs typeface="+mj-cs"/>
+              </a:rPr>
+              <a:t>Statistics</a:t>
+            </a:r>
+            <a:endParaRPr lang="en-US" sz="2400" spc="-120" dirty="0">
+              <a:solidFill>
+                <a:prstClr val="black"/>
+              </a:solidFill>
+              <a:latin typeface="Calibri Light" panose="020F0302020204030204"/>
+              <a:ea typeface="+mj-ea"/>
+              <a:cs typeface="+mj-cs"/>
+            </a:endParaRPr>
+          </a:p>
+          <a:p>
+            <a:pPr marL="457200" indent="-457200">
+              <a:buFont typeface="Arial" panose="020B0604020202020204" pitchFamily="34" charset="0"/>
+              <a:buChar char="•"/>
+            </a:pPr>
+            <a:r>
+              <a:rPr lang="en-US" sz="2400" spc="-120" dirty="0">
+                <a:solidFill>
+                  <a:prstClr val="black"/>
+                </a:solidFill>
+                <a:latin typeface="Calibri Light" panose="020F0302020204030204"/>
+                <a:ea typeface="+mj-ea"/>
+                <a:cs typeface="+mj-cs"/>
+              </a:rPr>
+              <a:t>Detailed Household summary in household</a:t>
+            </a:r>
+          </a:p>
+          <a:p>
+            <a:pPr marL="457200" indent="-457200">
+              <a:buFont typeface="Arial" panose="020B0604020202020204" pitchFamily="34" charset="0"/>
+              <a:buChar char="•"/>
+            </a:pPr>
+            <a:r>
+              <a:rPr lang="en-US" spc="-120" dirty="0">
+                <a:solidFill>
+                  <a:prstClr val="black"/>
+                </a:solidFill>
+                <a:latin typeface="Calibri Light" panose="020F0302020204030204"/>
+                <a:ea typeface="+mj-ea"/>
+                <a:cs typeface="+mj-cs"/>
+              </a:rPr>
+              <a:t>Instance weight (Ignore)</a:t>
+            </a:r>
+            <a:endParaRPr lang="en-US" sz="2400" spc="-120" dirty="0">
+              <a:solidFill>
+                <a:prstClr val="black"/>
+              </a:solidFill>
+              <a:latin typeface="Calibri Light" panose="020F0302020204030204"/>
+              <a:ea typeface="+mj-ea"/>
+              <a:cs typeface="+mj-cs"/>
+            </a:endParaRPr>
+          </a:p>
+          <a:p>
+            <a:pPr marL="457200" indent="-457200">
+              <a:buFont typeface="Arial" panose="020B0604020202020204" pitchFamily="34" charset="0"/>
+              <a:buChar char="•"/>
+            </a:pPr>
+            <a:r>
+              <a:rPr lang="en-US" spc="-120" dirty="0">
+                <a:solidFill>
+                  <a:prstClr val="black"/>
+                </a:solidFill>
+                <a:latin typeface="Calibri Light" panose="020F0302020204030204"/>
+                <a:ea typeface="+mj-ea"/>
+                <a:cs typeface="+mj-cs"/>
+              </a:rPr>
+              <a:t>Number of persons worked for employer</a:t>
+            </a:r>
+            <a:endParaRPr lang="en-US" sz="2400" spc="-120" dirty="0">
+              <a:solidFill>
+                <a:prstClr val="black"/>
+              </a:solidFill>
+              <a:latin typeface="Calibri Light" panose="020F0302020204030204"/>
+              <a:ea typeface="+mj-ea"/>
+              <a:cs typeface="+mj-cs"/>
+            </a:endParaRPr>
+          </a:p>
+          <a:p>
+            <a:pPr marL="457200" indent="-457200">
+              <a:buFont typeface="Arial" panose="020B0604020202020204" pitchFamily="34" charset="0"/>
+              <a:buChar char="•"/>
+            </a:pPr>
+            <a:r>
+              <a:rPr lang="en-US" spc="-120" dirty="0">
+                <a:solidFill>
+                  <a:prstClr val="black"/>
+                </a:solidFill>
+                <a:latin typeface="Calibri Light" panose="020F0302020204030204"/>
+                <a:ea typeface="+mj-ea"/>
+                <a:cs typeface="+mj-cs"/>
+              </a:rPr>
+              <a:t>Country of Birth Father</a:t>
+            </a:r>
+            <a:endParaRPr lang="en-US" sz="2400" spc="-120" dirty="0">
+              <a:solidFill>
+                <a:prstClr val="black"/>
+              </a:solidFill>
+              <a:latin typeface="Calibri Light" panose="020F0302020204030204"/>
+              <a:ea typeface="+mj-ea"/>
+              <a:cs typeface="+mj-cs"/>
+            </a:endParaRPr>
+          </a:p>
+          <a:p>
+            <a:pPr marL="457200" indent="-457200">
+              <a:buFont typeface="Arial" panose="020B0604020202020204" pitchFamily="34" charset="0"/>
+              <a:buChar char="•"/>
+            </a:pPr>
+            <a:r>
+              <a:rPr lang="en-US" sz="2400" spc="-120" dirty="0">
+                <a:solidFill>
+                  <a:prstClr val="black"/>
+                </a:solidFill>
+                <a:latin typeface="Calibri Light" panose="020F0302020204030204"/>
+                <a:ea typeface="+mj-ea"/>
+                <a:cs typeface="+mj-cs"/>
+              </a:rPr>
+              <a:t>Country of Birth Mother</a:t>
+            </a:r>
+          </a:p>
+          <a:p>
+            <a:pPr marL="457200" indent="-457200">
+              <a:buFont typeface="Arial" panose="020B0604020202020204" pitchFamily="34" charset="0"/>
+              <a:buChar char="•"/>
+            </a:pPr>
+            <a:r>
+              <a:rPr lang="en-US" spc="-120" dirty="0">
+                <a:solidFill>
+                  <a:prstClr val="black"/>
+                </a:solidFill>
+                <a:latin typeface="Calibri Light" panose="020F0302020204030204"/>
+                <a:ea typeface="+mj-ea"/>
+                <a:cs typeface="+mj-cs"/>
+              </a:rPr>
+              <a:t>Own Business or Self Employed</a:t>
+            </a:r>
+          </a:p>
+          <a:p>
+            <a:pPr marL="457200" indent="-457200">
+              <a:buFont typeface="Arial" panose="020B0604020202020204" pitchFamily="34" charset="0"/>
+              <a:buChar char="•"/>
+            </a:pPr>
+            <a:r>
+              <a:rPr lang="en-US" spc="-120" dirty="0">
+                <a:solidFill>
+                  <a:prstClr val="black"/>
+                </a:solidFill>
+                <a:latin typeface="Calibri Light" panose="020F0302020204030204"/>
+                <a:ea typeface="+mj-ea"/>
+                <a:cs typeface="+mj-cs"/>
+              </a:rPr>
+              <a:t>Weeks Worked In Years</a:t>
+            </a:r>
+          </a:p>
+          <a:p>
+            <a:pPr marL="0" indent="0">
+              <a:buNone/>
+            </a:pPr>
+            <a:endParaRPr lang="en-US" sz="2400" spc="-120" dirty="0">
+              <a:solidFill>
+                <a:prstClr val="black"/>
+              </a:solidFill>
+              <a:latin typeface="Calibri Light" panose="020F0302020204030204"/>
+              <a:ea typeface="+mj-ea"/>
+              <a:cs typeface="+mj-cs"/>
+            </a:endParaRPr>
+          </a:p>
+          <a:p>
+            <a:endParaRPr lang="en-GB" dirty="0"/>
+          </a:p>
+        </p:txBody>
+      </p:sp>
+    </p:spTree>
+    <p:extLst>
+      <p:ext uri="{BB962C8B-B14F-4D97-AF65-F5344CB8AC3E}">
+        <p14:creationId xmlns:p14="http://schemas.microsoft.com/office/powerpoint/2010/main" val="2713166914"/>
+      </p:ext>
+    </p:extLst>
+  </p:cSld>
+  <p:clrMapOvr>
+    <a:masterClrMapping/>
+  </p:clrMapOvr>
+</p:sld>
+</file>
+
+<file path=ppt/slides/slide33.xml><?xml version="1.0" encoding="utf-8"?>
+<p:sld xmlns:a="http://schemas.openxmlformats.org/drawingml/2006/main" xmlns:r="http://schemas.openxmlformats.org/officeDocument/2006/relationships" xmlns:p="http://schemas.openxmlformats.org/presentationml/2006/main">
+  <p:cSld>
+    <p:spTree>
+      <p:nvGrpSpPr>
+        <p:cNvPr id="1" name=""/>
+        <p:cNvGrpSpPr/>
+        <p:nvPr/>
+      </p:nvGrpSpPr>
+      <p:grpSpPr>
+        <a:xfrm>
+          <a:off x="0" y="0"/>
+          <a:ext cx="0" cy="0"/>
+          <a:chOff x="0" y="0"/>
+          <a:chExt cx="0" cy="0"/>
+        </a:xfrm>
+      </p:grpSpPr>
+      <p:sp>
+        <p:nvSpPr>
+          <p:cNvPr id="20" name="Rectangle 19">
+            <a:extLst>
+              <a:ext uri="{FF2B5EF4-FFF2-40B4-BE49-F238E27FC236}">
+                <a16:creationId xmlns:a16="http://schemas.microsoft.com/office/drawing/2014/main" id="{434167B2-1F65-408D-9233-EF10B5990B6E}"/>
+              </a:ext>
+            </a:extLst>
+          </p:cNvPr>
+          <p:cNvSpPr/>
+          <p:nvPr/>
+        </p:nvSpPr>
+        <p:spPr>
+          <a:xfrm>
+            <a:off x="0" y="0"/>
+            <a:ext cx="12192000" cy="1334278"/>
+          </a:xfrm>
+          <a:prstGeom prst="rect">
+            <a:avLst/>
+          </a:prstGeom>
+        </p:spPr>
+        <p:style>
+          <a:lnRef idx="2">
+            <a:schemeClr val="accent1">
+              <a:shade val="50000"/>
+            </a:schemeClr>
+          </a:lnRef>
+          <a:fillRef idx="1">
+            <a:schemeClr val="accent1"/>
+          </a:fillRef>
+          <a:effectRef idx="0">
+            <a:schemeClr val="accent1"/>
+          </a:effectRef>
+          <a:fontRef idx="minor">
+            <a:schemeClr val="lt1"/>
+          </a:fontRef>
+        </p:style>
+        <p:txBody>
+          <a:bodyPr rtlCol="0" anchor="ctr"/>
+          <a:lstStyle/>
+          <a:p>
+            <a:pPr algn="ctr"/>
+            <a:endParaRPr lang="en-GB" dirty="0"/>
+          </a:p>
+        </p:txBody>
+      </p:sp>
+      <p:sp>
+        <p:nvSpPr>
+          <p:cNvPr id="9" name="Title 6">
+            <a:extLst>
+              <a:ext uri="{FF2B5EF4-FFF2-40B4-BE49-F238E27FC236}">
+                <a16:creationId xmlns:a16="http://schemas.microsoft.com/office/drawing/2014/main" id="{F5FB2926-5769-4612-9884-4A0888903E66}"/>
+              </a:ext>
+            </a:extLst>
+          </p:cNvPr>
+          <p:cNvSpPr txBox="1">
+            <a:spLocks/>
+          </p:cNvSpPr>
+          <p:nvPr/>
+        </p:nvSpPr>
+        <p:spPr>
+          <a:xfrm>
+            <a:off x="266229" y="0"/>
+            <a:ext cx="11453020" cy="1334278"/>
+          </a:xfrm>
+          <a:prstGeom prst="rect">
+            <a:avLst/>
+          </a:prstGeom>
+        </p:spPr>
+        <p:txBody>
+          <a:bodyPr vert="horz" lIns="91440" tIns="45720" rIns="91440" bIns="45720" rtlCol="0" anchor="ctr">
+            <a:normAutofit/>
+          </a:bodyPr>
+          <a:lstStyle>
+            <a:lvl1pPr algn="l" defTabSz="914400" rtl="0" eaLnBrk="1" latinLnBrk="0" hangingPunct="1">
+              <a:lnSpc>
+                <a:spcPct val="80000"/>
+              </a:lnSpc>
+              <a:spcBef>
+                <a:spcPct val="0"/>
+              </a:spcBef>
+              <a:buNone/>
+              <a:defRPr sz="8800" b="0" kern="1200" spc="-120" baseline="0">
+                <a:solidFill>
+                  <a:schemeClr val="accent1"/>
+                </a:solidFill>
+                <a:latin typeface="+mj-lt"/>
+                <a:ea typeface="+mj-ea"/>
+                <a:cs typeface="+mj-cs"/>
+              </a:defRPr>
+            </a:lvl1pPr>
+          </a:lstStyle>
+          <a:p>
+            <a:r>
+              <a:rPr lang="en-US" sz="4000" dirty="0">
+                <a:solidFill>
+                  <a:srgbClr val="FFFFFF"/>
+                </a:solidFill>
+              </a:rPr>
+              <a:t>RESULTS – Model Interpretation (SHAP Graph)</a:t>
+            </a:r>
+            <a:endParaRPr lang="en-GB" sz="4000" dirty="0">
+              <a:solidFill>
+                <a:srgbClr val="FFFFFF"/>
+              </a:solidFill>
+            </a:endParaRPr>
+          </a:p>
+        </p:txBody>
+      </p:sp>
+      <p:pic>
+        <p:nvPicPr>
+          <p:cNvPr id="5" name="Picture 2">
+            <a:extLst>
+              <a:ext uri="{FF2B5EF4-FFF2-40B4-BE49-F238E27FC236}">
+                <a16:creationId xmlns:a16="http://schemas.microsoft.com/office/drawing/2014/main" id="{C8BBAA7A-4EB8-45C8-A83B-4D2108374ECF}"/>
+              </a:ext>
+            </a:extLst>
+          </p:cNvPr>
+          <p:cNvPicPr>
+            <a:picLocks noChangeAspect="1" noChangeArrowheads="1"/>
+          </p:cNvPicPr>
+          <p:nvPr/>
+        </p:nvPicPr>
+        <p:blipFill>
+          <a:blip r:embed="rId2">
+            <a:extLst>
+              <a:ext uri="{28A0092B-C50C-407E-A947-70E740481C1C}">
+                <a14:useLocalDpi xmlns:a14="http://schemas.microsoft.com/office/drawing/2010/main" val="0"/>
+              </a:ext>
+            </a:extLst>
+          </a:blip>
+          <a:srcRect/>
+          <a:stretch>
+            <a:fillRect/>
+          </a:stretch>
+        </p:blipFill>
+        <p:spPr bwMode="auto">
+          <a:xfrm>
+            <a:off x="2967012" y="1647756"/>
+            <a:ext cx="6369437" cy="4817364"/>
+          </a:xfrm>
+          <a:prstGeom prst="rect">
+            <a:avLst/>
+          </a:prstGeom>
+          <a:noFill/>
+          <a:extLst>
+            <a:ext uri="{909E8E84-426E-40DD-AFC4-6F175D3DCCD1}">
+              <a14:hiddenFill xmlns:a14="http://schemas.microsoft.com/office/drawing/2010/main">
+                <a:solidFill>
+                  <a:srgbClr val="FFFFFF"/>
+                </a:solidFill>
+              </a14:hiddenFill>
+            </a:ext>
+          </a:extLst>
+        </p:spPr>
+      </p:pic>
+    </p:spTree>
+    <p:extLst>
+      <p:ext uri="{BB962C8B-B14F-4D97-AF65-F5344CB8AC3E}">
+        <p14:creationId xmlns:p14="http://schemas.microsoft.com/office/powerpoint/2010/main" val="670242855"/>
+      </p:ext>
+    </p:extLst>
+  </p:cSld>
+  <p:clrMapOvr>
+    <a:masterClrMapping/>
+  </p:clrMapOvr>
+</p:sld>
+</file>
+
+<file path=ppt/slides/slide34.xml><?xml version="1.0" encoding="utf-8"?>
+<p:sld xmlns:a="http://schemas.openxmlformats.org/drawingml/2006/main" xmlns:r="http://schemas.openxmlformats.org/officeDocument/2006/relationships" xmlns:p="http://schemas.openxmlformats.org/presentationml/2006/main">
+  <p:cSld>
+    <p:spTree>
+      <p:nvGrpSpPr>
+        <p:cNvPr id="1" name=""/>
+        <p:cNvGrpSpPr/>
+        <p:nvPr/>
+      </p:nvGrpSpPr>
+      <p:grpSpPr>
+        <a:xfrm>
+          <a:off x="0" y="0"/>
+          <a:ext cx="0" cy="0"/>
+          <a:chOff x="0" y="0"/>
+          <a:chExt cx="0" cy="0"/>
+        </a:xfrm>
+      </p:grpSpPr>
+      <p:sp>
+        <p:nvSpPr>
+          <p:cNvPr id="20" name="Rectangle 19">
+            <a:extLst>
+              <a:ext uri="{FF2B5EF4-FFF2-40B4-BE49-F238E27FC236}">
+                <a16:creationId xmlns:a16="http://schemas.microsoft.com/office/drawing/2014/main" id="{434167B2-1F65-408D-9233-EF10B5990B6E}"/>
+              </a:ext>
+            </a:extLst>
+          </p:cNvPr>
+          <p:cNvSpPr/>
+          <p:nvPr/>
+        </p:nvSpPr>
+        <p:spPr>
+          <a:xfrm>
+            <a:off x="0" y="0"/>
+            <a:ext cx="12192000" cy="1334278"/>
+          </a:xfrm>
+          <a:prstGeom prst="rect">
+            <a:avLst/>
+          </a:prstGeom>
+        </p:spPr>
+        <p:style>
+          <a:lnRef idx="2">
+            <a:schemeClr val="accent1">
+              <a:shade val="50000"/>
+            </a:schemeClr>
+          </a:lnRef>
+          <a:fillRef idx="1">
+            <a:schemeClr val="accent1"/>
+          </a:fillRef>
+          <a:effectRef idx="0">
+            <a:schemeClr val="accent1"/>
+          </a:effectRef>
+          <a:fontRef idx="minor">
+            <a:schemeClr val="lt1"/>
+          </a:fontRef>
+        </p:style>
+        <p:txBody>
+          <a:bodyPr rtlCol="0" anchor="ctr"/>
+          <a:lstStyle/>
+          <a:p>
+            <a:pPr algn="ctr"/>
+            <a:endParaRPr lang="en-GB" dirty="0"/>
+          </a:p>
+        </p:txBody>
+      </p:sp>
+      <p:sp>
+        <p:nvSpPr>
+          <p:cNvPr id="9" name="Title 6">
+            <a:extLst>
+              <a:ext uri="{FF2B5EF4-FFF2-40B4-BE49-F238E27FC236}">
+                <a16:creationId xmlns:a16="http://schemas.microsoft.com/office/drawing/2014/main" id="{F5FB2926-5769-4612-9884-4A0888903E66}"/>
+              </a:ext>
+            </a:extLst>
+          </p:cNvPr>
+          <p:cNvSpPr txBox="1">
+            <a:spLocks/>
+          </p:cNvSpPr>
+          <p:nvPr/>
+        </p:nvSpPr>
+        <p:spPr>
+          <a:xfrm>
+            <a:off x="266229" y="0"/>
+            <a:ext cx="11453020" cy="1334278"/>
+          </a:xfrm>
+          <a:prstGeom prst="rect">
+            <a:avLst/>
+          </a:prstGeom>
+        </p:spPr>
+        <p:txBody>
+          <a:bodyPr vert="horz" lIns="91440" tIns="45720" rIns="91440" bIns="45720" rtlCol="0" anchor="ctr">
+            <a:normAutofit/>
+          </a:bodyPr>
+          <a:lstStyle>
+            <a:lvl1pPr algn="l" defTabSz="914400" rtl="0" eaLnBrk="1" latinLnBrk="0" hangingPunct="1">
+              <a:lnSpc>
+                <a:spcPct val="80000"/>
+              </a:lnSpc>
+              <a:spcBef>
+                <a:spcPct val="0"/>
+              </a:spcBef>
+              <a:buNone/>
+              <a:defRPr sz="8800" b="0" kern="1200" spc="-120" baseline="0">
+                <a:solidFill>
+                  <a:schemeClr val="accent1"/>
+                </a:solidFill>
+                <a:latin typeface="+mj-lt"/>
+                <a:ea typeface="+mj-ea"/>
+                <a:cs typeface="+mj-cs"/>
+              </a:defRPr>
+            </a:lvl1pPr>
+          </a:lstStyle>
+          <a:p>
+            <a:r>
+              <a:rPr lang="en-US" sz="4000" dirty="0">
+                <a:solidFill>
+                  <a:srgbClr val="FFFFFF"/>
+                </a:solidFill>
+              </a:rPr>
               <a:t>Appendix B – What is SHAP </a:t>
             </a:r>
             <a:endParaRPr lang="en-GB" sz="4000" dirty="0">
@@ -13491,6 +16443,17 @@
           <a:lstStyle/>
           <a:p>
             <a:r>
+              <a:rPr lang="en-GB" sz="2800" b="1" spc="-120" dirty="0">
+                <a:solidFill>
+                  <a:prstClr val="black"/>
+                </a:solidFill>
+                <a:latin typeface="Calibri Light" panose="020F0302020204030204"/>
+                <a:ea typeface="+mj-ea"/>
+                <a:cs typeface="+mj-cs"/>
+              </a:rPr>
+              <a:t>Binary Classification </a:t>
+            </a:r>
+            <a:r>
               <a:rPr lang="en-GB" sz="2800" spc="-120" dirty="0">
                 <a:solidFill>
                   <a:prstClr val="black"/>
@@ -13499,7 +16462,7 @@
                 <a:ea typeface="+mj-ea"/>
                 <a:cs typeface="+mj-cs"/>
               </a:rPr>
-              <a:t>Binary Classification Task (Less Than $50,000 – More Than $50,000)</a:t>
+              <a:t>Task (Less Than $50,000 – More Than $50,000)</a:t>
             </a:r>
           </a:p>
           <a:p>
@@ -13522,7 +16485,29 @@
                 <a:ea typeface="+mj-ea"/>
                 <a:cs typeface="+mj-cs"/>
               </a:rPr>
-              <a:t>There are 200,000 training examples and 100,000 test examples (2/3 ratio)</a:t>
+              <a:t>There are 200,000 training examples and 100,000 test examples (</a:t>
+            </a:r>
+            <a:r>
+              <a:rPr lang="en-GB" sz="2800" b="1" spc="-120" dirty="0">
+                <a:solidFill>
+                  <a:prstClr val="black"/>
+                </a:solidFill>
+                <a:latin typeface="Calibri Light" panose="020F0302020204030204"/>
+                <a:ea typeface="+mj-ea"/>
+                <a:cs typeface="+mj-cs"/>
+              </a:rPr>
+              <a:t>2/3 ratio</a:t>
+            </a:r>
+            <a:r>
+              <a:rPr lang="en-GB" sz="2800" spc="-120" dirty="0">
+                <a:solidFill>
+                  <a:prstClr val="black"/>
+                </a:solidFill>
+                <a:latin typeface="Calibri Light" panose="020F0302020204030204"/>
+                <a:ea typeface="+mj-ea"/>
+                <a:cs typeface="+mj-cs"/>
+              </a:rPr>
+              <a:t>)</a:t>
             </a:r>
           </a:p>
           <a:p>
@@ -13537,6 +16522,17 @@
           </a:p>
           <a:p>
             <a:r>
+              <a:rPr lang="en-GB" sz="2800" b="1" spc="-120" dirty="0">
+                <a:solidFill>
+                  <a:prstClr val="black"/>
+                </a:solidFill>
+                <a:latin typeface="Calibri Light" panose="020F0302020204030204"/>
+                <a:ea typeface="+mj-ea"/>
+                <a:cs typeface="+mj-cs"/>
+              </a:rPr>
+              <a:t>Imbalance Data </a:t>
+            </a:r>
+            <a:r>
               <a:rPr lang="en-GB" sz="2800" spc="-120" dirty="0">
                 <a:solidFill>
                   <a:prstClr val="black"/>
@@ -13545,7 +16541,7 @@
                 <a:ea typeface="+mj-ea"/>
                 <a:cs typeface="+mj-cs"/>
               </a:rPr>
-              <a:t>Imbalance Data (Most of the data are example of just one class)</a:t>
+              <a:t>(Most of the data are example of majority class)</a:t>
             </a:r>
           </a:p>
           <a:p>
@@ -13773,7 +16769,7 @@
                 <a:ea typeface="+mj-ea"/>
                 <a:cs typeface="+mj-cs"/>
               </a:rPr>
-              <a:t>Here are the ones that worked on most:</a:t>
+              <a:t>Here are the ones that I worked on most:</a:t>
             </a:r>
           </a:p>
           <a:p>
@@ -13850,6 +16846,17 @@
               <a:buChar char="•"/>
             </a:pPr>
             <a:r>
+              <a:rPr lang="en-US" sz="2800" b="1" spc="-120" dirty="0">
+                <a:solidFill>
+                  <a:prstClr val="black"/>
+                </a:solidFill>
+                <a:latin typeface="Calibri Light" panose="020F0302020204030204"/>
+                <a:ea typeface="+mj-ea"/>
+                <a:cs typeface="+mj-cs"/>
+              </a:rPr>
+              <a:t>Income</a:t>
+            </a:r>
+            <a:r>
               <a:rPr lang="en-US" sz="2800" spc="-120" dirty="0">
                 <a:solidFill>
                   <a:prstClr val="black"/>
@@ -13858,7 +16865,7 @@
                 <a:ea typeface="+mj-ea"/>
                 <a:cs typeface="+mj-cs"/>
               </a:rPr>
-              <a:t>Income **</a:t>
+              <a:t>  (Target Feature)</a:t>
             </a:r>
             <a:endParaRPr lang="en-GB" sz="2800" spc="-120" dirty="0">
               <a:solidFill>
